--- a/Lectures/Lecture2.pptx
+++ b/Lectures/Lecture2.pptx
@@ -287,7 +287,7 @@
           <a:p>
             <a:fld id="{CBA08D16-15DC-4E25-BDC3-F25146157B16}" type="datetimeFigureOut">
               <a:rPr lang="ru-RU" smtClean="0"/>
-              <a:t>11.09.2018</a:t>
+              <a:t>13.09.2018</a:t>
             </a:fld>
             <a:endParaRPr lang="ru-RU"/>
           </a:p>
@@ -686,7 +686,7 @@
           <a:p>
             <a:fld id="{FCEC8293-DB51-454A-BE81-EC8FCB31EBA2}" type="datetime1">
               <a:rPr lang="ru-RU" smtClean="0"/>
-              <a:t>11.09.2018</a:t>
+              <a:t>13.09.2018</a:t>
             </a:fld>
             <a:endParaRPr lang="ru-RU"/>
           </a:p>
@@ -860,7 +860,7 @@
           <a:p>
             <a:fld id="{241C87B1-1C35-4DBD-BC18-2BC72E776603}" type="datetime1">
               <a:rPr lang="ru-RU" smtClean="0"/>
-              <a:t>11.09.2018</a:t>
+              <a:t>13.09.2018</a:t>
             </a:fld>
             <a:endParaRPr lang="ru-RU"/>
           </a:p>
@@ -1044,7 +1044,7 @@
           <a:p>
             <a:fld id="{3134C275-26C0-42CD-9111-9ADE65922AF9}" type="datetime1">
               <a:rPr lang="ru-RU" smtClean="0"/>
-              <a:t>11.09.2018</a:t>
+              <a:t>13.09.2018</a:t>
             </a:fld>
             <a:endParaRPr lang="ru-RU"/>
           </a:p>
@@ -1218,7 +1218,7 @@
           <a:p>
             <a:fld id="{C1A9A50B-C350-45F5-8AAB-ADB9E670AF2E}" type="datetime1">
               <a:rPr lang="ru-RU" smtClean="0"/>
-              <a:t>11.09.2018</a:t>
+              <a:t>13.09.2018</a:t>
             </a:fld>
             <a:endParaRPr lang="ru-RU"/>
           </a:p>
@@ -1468,7 +1468,7 @@
           <a:p>
             <a:fld id="{089688C9-348F-42F9-B6C0-5990DDE0C5B2}" type="datetime1">
               <a:rPr lang="ru-RU" smtClean="0"/>
-              <a:t>11.09.2018</a:t>
+              <a:t>13.09.2018</a:t>
             </a:fld>
             <a:endParaRPr lang="ru-RU"/>
           </a:p>
@@ -1704,7 +1704,7 @@
           <a:p>
             <a:fld id="{684AFD8F-6DD9-4AD3-A505-FDC3F5C5F3F6}" type="datetime1">
               <a:rPr lang="ru-RU" smtClean="0"/>
-              <a:t>11.09.2018</a:t>
+              <a:t>13.09.2018</a:t>
             </a:fld>
             <a:endParaRPr lang="ru-RU"/>
           </a:p>
@@ -2075,7 +2075,7 @@
           <a:p>
             <a:fld id="{63551EFE-4D02-45EB-A747-8B6F047B5AA0}" type="datetime1">
               <a:rPr lang="ru-RU" smtClean="0"/>
-              <a:t>11.09.2018</a:t>
+              <a:t>13.09.2018</a:t>
             </a:fld>
             <a:endParaRPr lang="ru-RU"/>
           </a:p>
@@ -2197,7 +2197,7 @@
           <a:p>
             <a:fld id="{813A9F34-E5CD-4B8F-AA9E-889C84372B20}" type="datetime1">
               <a:rPr lang="ru-RU" smtClean="0"/>
-              <a:t>11.09.2018</a:t>
+              <a:t>13.09.2018</a:t>
             </a:fld>
             <a:endParaRPr lang="ru-RU"/>
           </a:p>
@@ -2296,7 +2296,7 @@
           <a:p>
             <a:fld id="{51224D22-9B29-44A6-8E82-95FC492DEDC1}" type="datetime1">
               <a:rPr lang="ru-RU" smtClean="0"/>
-              <a:t>11.09.2018</a:t>
+              <a:t>13.09.2018</a:t>
             </a:fld>
             <a:endParaRPr lang="ru-RU"/>
           </a:p>
@@ -2577,7 +2577,7 @@
           <a:p>
             <a:fld id="{91D1034F-4441-48A1-BDC0-25EA1022324A}" type="datetime1">
               <a:rPr lang="ru-RU" smtClean="0"/>
-              <a:t>11.09.2018</a:t>
+              <a:t>13.09.2018</a:t>
             </a:fld>
             <a:endParaRPr lang="ru-RU"/>
           </a:p>
@@ -2834,7 +2834,7 @@
           <a:p>
             <a:fld id="{B0FFDE79-B627-473B-AE17-4C65BD2495F7}" type="datetime1">
               <a:rPr lang="ru-RU" smtClean="0"/>
-              <a:t>11.09.2018</a:t>
+              <a:t>13.09.2018</a:t>
             </a:fld>
             <a:endParaRPr lang="ru-RU"/>
           </a:p>
@@ -3051,7 +3051,7 @@
           <a:p>
             <a:fld id="{11CA537A-1B8C-47BA-9BA6-7CE3FAFDA8BE}" type="datetime1">
               <a:rPr lang="ru-RU" smtClean="0"/>
-              <a:t>11.09.2018</a:t>
+              <a:t>13.09.2018</a:t>
             </a:fld>
             <a:endParaRPr lang="ru-RU"/>
           </a:p>
@@ -15205,7 +15205,7 @@
                         <a:rPr lang="en-US" b="0" i="1" smtClean="0">
                           <a:latin typeface="Cambria Math" panose="02040503050406030204" pitchFamily="18" charset="0"/>
                         </a:rPr>
-                        <m:t>𝑃𝑅</m:t>
+                        <m:t>𝐴𝑑</m:t>
                       </m:r>
                       <m:sSub>
                         <m:sSubPr>
@@ -15220,7 +15220,7 @@
                             <a:rPr lang="en-US" b="0" i="1" smtClean="0">
                               <a:latin typeface="Cambria Math" panose="02040503050406030204" pitchFamily="18" charset="0"/>
                             </a:rPr>
-                            <m:t>𝐺</m:t>
+                            <m:t>𝑣</m:t>
                           </m:r>
                         </m:e>
                         <m:sub>
@@ -15228,7 +15228,7 @@
                             <a:rPr lang="en-US" b="0" i="1" smtClean="0">
                               <a:latin typeface="Cambria Math" panose="02040503050406030204" pitchFamily="18" charset="0"/>
                             </a:rPr>
-                            <m:t>𝑎𝑑𝑣</m:t>
+                            <m:t>𝑃𝑅𝐺</m:t>
                           </m:r>
                         </m:sub>
                       </m:sSub>
@@ -15421,7 +15421,7 @@
               </p:nvPr>
             </p:nvSpPr>
             <p:spPr>
-              <a:blipFill>
+              <a:blipFill rotWithShape="0">
                 <a:blip r:embed="rId2"/>
                 <a:stretch>
                   <a:fillRect l="-1043" t="-2101"/>
@@ -21391,8 +21391,8 @@
           </a:p>
         </p:txBody>
       </p:sp>
-      <mc:AlternateContent xmlns:mc="http://schemas.openxmlformats.org/markup-compatibility/2006" xmlns:a14="http://schemas.microsoft.com/office/drawing/2010/main">
-        <mc:Choice Requires="a14">
+      <mc:AlternateContent xmlns:mc="http://schemas.openxmlformats.org/markup-compatibility/2006">
+        <mc:Choice xmlns:a14="http://schemas.microsoft.com/office/drawing/2010/main" Requires="a14">
           <p:sp>
             <p:nvSpPr>
               <p:cNvPr id="3" name="Объект 2"/>
@@ -21586,7 +21586,15 @@
                 </a:r>
                 <a:r>
                   <a:rPr lang="ru-RU" dirty="0" smtClean="0"/>
-                  <a:t>Идея доказательства – если мы не можем предсказать 1 следующий бит, то значит у нас нет никакиз возможностей определить является ли данная величина случайной, или выходом псевдослучайного генератора</a:t>
+                  <a:t>Идея доказательства – если мы не можем предсказать 1 следующий бит, то значит у нас нет </a:t>
+                </a:r>
+                <a:r>
+                  <a:rPr lang="ru-RU" dirty="0" smtClean="0"/>
+                  <a:t>никаких </a:t>
+                </a:r>
+                <a:r>
+                  <a:rPr lang="ru-RU" dirty="0" smtClean="0"/>
+                  <a:t>возможностей определить является ли данная величина случайной, или выходом псевдослучайного генератора</a:t>
                 </a:r>
                 <a14:m>
                   <m:oMath xmlns:m="http://schemas.openxmlformats.org/officeDocument/2006/math">
@@ -21611,7 +21619,7 @@
             </p:txBody>
           </p:sp>
         </mc:Choice>
-        <mc:Fallback xmlns="">
+        <mc:Fallback>
           <p:sp>
             <p:nvSpPr>
               <p:cNvPr id="3" name="Объект 2"/>
@@ -21623,10 +21631,10 @@
               </p:nvPr>
             </p:nvSpPr>
             <p:spPr>
-              <a:blipFill>
+              <a:blipFill rotWithShape="0">
                 <a:blip r:embed="rId2"/>
                 <a:stretch>
-                  <a:fillRect l="-1043" t="-2101" r="-1623"/>
+                  <a:fillRect l="-1043" t="-2101" r="-1681"/>
                 </a:stretch>
               </a:blipFill>
             </p:spPr>
@@ -36981,8 +36989,8 @@
           </a:p>
         </p:txBody>
       </p:sp>
-      <mc:AlternateContent xmlns:mc="http://schemas.openxmlformats.org/markup-compatibility/2006">
-        <mc:Choice xmlns:a14="http://schemas.microsoft.com/office/drawing/2010/main" Requires="a14">
+      <mc:AlternateContent xmlns:mc="http://schemas.openxmlformats.org/markup-compatibility/2006" xmlns:a14="http://schemas.microsoft.com/office/drawing/2010/main">
+        <mc:Choice Requires="a14">
           <p:sp>
             <p:nvSpPr>
               <p:cNvPr id="3" name="Объект 2"/>
@@ -37356,13 +37364,7 @@
                       <a:rPr lang="en-US" b="0" i="1" smtClean="0">
                         <a:latin typeface="Cambria Math" panose="02040503050406030204" pitchFamily="18" charset="0"/>
                       </a:rPr>
-                      <m:t>)</m:t>
-                    </m:r>
-                    <m:r>
-                      <a:rPr lang="en-US" b="0" i="1" smtClean="0">
-                        <a:latin typeface="Cambria Math" panose="02040503050406030204" pitchFamily="18" charset="0"/>
-                      </a:rPr>
-                      <m:t>:</m:t>
+                      <m:t>):</m:t>
                     </m:r>
                     <m:r>
                       <a:rPr lang="en-US" b="0" i="1" smtClean="0">
@@ -37724,7 +37726,7 @@
             </p:txBody>
           </p:sp>
         </mc:Choice>
-        <mc:Fallback>
+        <mc:Fallback xmlns="">
           <p:sp>
             <p:nvSpPr>
               <p:cNvPr id="3" name="Объект 2"/>

--- a/Lectures/Lecture2.pptx
+++ b/Lectures/Lecture2.pptx
@@ -287,7 +287,7 @@
           <a:p>
             <a:fld id="{CBA08D16-15DC-4E25-BDC3-F25146157B16}" type="datetimeFigureOut">
               <a:rPr lang="ru-RU" smtClean="0"/>
-              <a:t>13.09.2018</a:t>
+              <a:t>14.09.2018</a:t>
             </a:fld>
             <a:endParaRPr lang="ru-RU"/>
           </a:p>
@@ -686,7 +686,7 @@
           <a:p>
             <a:fld id="{FCEC8293-DB51-454A-BE81-EC8FCB31EBA2}" type="datetime1">
               <a:rPr lang="ru-RU" smtClean="0"/>
-              <a:t>13.09.2018</a:t>
+              <a:t>14.09.2018</a:t>
             </a:fld>
             <a:endParaRPr lang="ru-RU"/>
           </a:p>
@@ -860,7 +860,7 @@
           <a:p>
             <a:fld id="{241C87B1-1C35-4DBD-BC18-2BC72E776603}" type="datetime1">
               <a:rPr lang="ru-RU" smtClean="0"/>
-              <a:t>13.09.2018</a:t>
+              <a:t>14.09.2018</a:t>
             </a:fld>
             <a:endParaRPr lang="ru-RU"/>
           </a:p>
@@ -1044,7 +1044,7 @@
           <a:p>
             <a:fld id="{3134C275-26C0-42CD-9111-9ADE65922AF9}" type="datetime1">
               <a:rPr lang="ru-RU" smtClean="0"/>
-              <a:t>13.09.2018</a:t>
+              <a:t>14.09.2018</a:t>
             </a:fld>
             <a:endParaRPr lang="ru-RU"/>
           </a:p>
@@ -1218,7 +1218,7 @@
           <a:p>
             <a:fld id="{C1A9A50B-C350-45F5-8AAB-ADB9E670AF2E}" type="datetime1">
               <a:rPr lang="ru-RU" smtClean="0"/>
-              <a:t>13.09.2018</a:t>
+              <a:t>14.09.2018</a:t>
             </a:fld>
             <a:endParaRPr lang="ru-RU"/>
           </a:p>
@@ -1468,7 +1468,7 @@
           <a:p>
             <a:fld id="{089688C9-348F-42F9-B6C0-5990DDE0C5B2}" type="datetime1">
               <a:rPr lang="ru-RU" smtClean="0"/>
-              <a:t>13.09.2018</a:t>
+              <a:t>14.09.2018</a:t>
             </a:fld>
             <a:endParaRPr lang="ru-RU"/>
           </a:p>
@@ -1704,7 +1704,7 @@
           <a:p>
             <a:fld id="{684AFD8F-6DD9-4AD3-A505-FDC3F5C5F3F6}" type="datetime1">
               <a:rPr lang="ru-RU" smtClean="0"/>
-              <a:t>13.09.2018</a:t>
+              <a:t>14.09.2018</a:t>
             </a:fld>
             <a:endParaRPr lang="ru-RU"/>
           </a:p>
@@ -2075,7 +2075,7 @@
           <a:p>
             <a:fld id="{63551EFE-4D02-45EB-A747-8B6F047B5AA0}" type="datetime1">
               <a:rPr lang="ru-RU" smtClean="0"/>
-              <a:t>13.09.2018</a:t>
+              <a:t>14.09.2018</a:t>
             </a:fld>
             <a:endParaRPr lang="ru-RU"/>
           </a:p>
@@ -2197,7 +2197,7 @@
           <a:p>
             <a:fld id="{813A9F34-E5CD-4B8F-AA9E-889C84372B20}" type="datetime1">
               <a:rPr lang="ru-RU" smtClean="0"/>
-              <a:t>13.09.2018</a:t>
+              <a:t>14.09.2018</a:t>
             </a:fld>
             <a:endParaRPr lang="ru-RU"/>
           </a:p>
@@ -2296,7 +2296,7 @@
           <a:p>
             <a:fld id="{51224D22-9B29-44A6-8E82-95FC492DEDC1}" type="datetime1">
               <a:rPr lang="ru-RU" smtClean="0"/>
-              <a:t>13.09.2018</a:t>
+              <a:t>14.09.2018</a:t>
             </a:fld>
             <a:endParaRPr lang="ru-RU"/>
           </a:p>
@@ -2577,7 +2577,7 @@
           <a:p>
             <a:fld id="{91D1034F-4441-48A1-BDC0-25EA1022324A}" type="datetime1">
               <a:rPr lang="ru-RU" smtClean="0"/>
-              <a:t>13.09.2018</a:t>
+              <a:t>14.09.2018</a:t>
             </a:fld>
             <a:endParaRPr lang="ru-RU"/>
           </a:p>
@@ -2834,7 +2834,7 @@
           <a:p>
             <a:fld id="{B0FFDE79-B627-473B-AE17-4C65BD2495F7}" type="datetime1">
               <a:rPr lang="ru-RU" smtClean="0"/>
-              <a:t>13.09.2018</a:t>
+              <a:t>14.09.2018</a:t>
             </a:fld>
             <a:endParaRPr lang="ru-RU"/>
           </a:p>
@@ -3051,7 +3051,7 @@
           <a:p>
             <a:fld id="{11CA537A-1B8C-47BA-9BA6-7CE3FAFDA8BE}" type="datetime1">
               <a:rPr lang="ru-RU" smtClean="0"/>
-              <a:t>13.09.2018</a:t>
+              <a:t>14.09.2018</a:t>
             </a:fld>
             <a:endParaRPr lang="ru-RU"/>
           </a:p>
@@ -3615,8 +3615,8 @@
           </a:p>
         </p:txBody>
       </p:sp>
-      <mc:AlternateContent xmlns:mc="http://schemas.openxmlformats.org/markup-compatibility/2006" xmlns:a14="http://schemas.microsoft.com/office/drawing/2010/main">
-        <mc:Choice Requires="a14">
+      <mc:AlternateContent xmlns:mc="http://schemas.openxmlformats.org/markup-compatibility/2006">
+        <mc:Choice xmlns:a14="http://schemas.microsoft.com/office/drawing/2010/main" Requires="a14">
           <p:sp>
             <p:nvSpPr>
               <p:cNvPr id="3" name="Объект 2"/>
@@ -4325,11 +4325,11 @@
                   <a:buNone/>
                 </a:pPr>
                 <a:r>
-                  <a:rPr lang="ru-RU" dirty="0"/>
-                  <a:t>Длина входов алгоритма</a:t>
-                </a:r>
-                <a:r>
-                  <a:rPr lang="en-US" dirty="0"/>
+                  <a:rPr lang="ru-RU" dirty="0" smtClean="0"/>
+                  <a:t>Время выполнения</a:t>
+                </a:r>
+                <a:r>
+                  <a:rPr lang="en-US" dirty="0" smtClean="0"/>
                   <a:t> </a:t>
                 </a:r>
                 <a14:m>
@@ -4349,57 +4349,72 @@
                 <a14:m>
                   <m:oMath xmlns:m="http://schemas.openxmlformats.org/officeDocument/2006/math">
                     <m:r>
+                      <m:rPr>
+                        <m:sty m:val="p"/>
+                      </m:rPr>
                       <a:rPr lang="en-US" i="1">
                         <a:latin typeface="Cambria Math" panose="02040503050406030204" pitchFamily="18" charset="0"/>
                       </a:rPr>
-                      <m:t>𝑖𝑛</m:t>
-                    </m:r>
+                      <m:t>t</m:t>
+                    </m:r>
+                    <m:r>
+                      <a:rPr lang="en-US" b="0" i="1" smtClean="0">
+                        <a:latin typeface="Cambria Math" panose="02040503050406030204" pitchFamily="18" charset="0"/>
+                      </a:rPr>
+                      <m:t>≤</m:t>
+                    </m:r>
+                    <m:r>
+                      <a:rPr lang="en-US" b="0" i="1" smtClean="0">
+                        <a:latin typeface="Cambria Math" panose="02040503050406030204" pitchFamily="18" charset="0"/>
+                      </a:rPr>
+                      <m:t>𝐿</m:t>
+                    </m:r>
+                    <m:r>
+                      <a:rPr lang="ru-RU">
+                        <a:latin typeface="Cambria Math" panose="02040503050406030204" pitchFamily="18" charset="0"/>
+                      </a:rPr>
+                      <m:t>,</m:t>
+                    </m:r>
+                  </m:oMath>
+                </a14:m>
+                <a:r>
+                  <a:rPr lang="ru-RU" dirty="0"/>
+                  <a:t> </a:t>
+                </a:r>
+                <a:r>
+                  <a:rPr lang="ru-RU" b="1" dirty="0" err="1"/>
+                  <a:t>полиномиально</a:t>
+                </a:r>
+                <a:r>
+                  <a:rPr lang="ru-RU" b="1"/>
+                  <a:t> </a:t>
+                </a:r>
+                <a:r>
+                  <a:rPr lang="ru-RU" b="1" smtClean="0"/>
+                  <a:t>ограниченн</a:t>
+                </a:r>
+                <a:r>
+                  <a:rPr lang="ru-RU" b="1"/>
+                  <a:t>о</a:t>
+                </a:r>
+                <a:r>
+                  <a:rPr lang="ru-RU" b="1" smtClean="0"/>
+                  <a:t> </a:t>
+                </a:r>
+                <a:r>
+                  <a:rPr lang="ru-RU" dirty="0"/>
+                  <a:t>сверху полиномом </a:t>
+                </a:r>
+                <a14:m>
+                  <m:oMath xmlns:m="http://schemas.openxmlformats.org/officeDocument/2006/math">
                     <m:r>
                       <a:rPr lang="en-US" i="1">
                         <a:latin typeface="Cambria Math" panose="02040503050406030204" pitchFamily="18" charset="0"/>
                       </a:rPr>
-                      <m:t>∈</m:t>
-                    </m:r>
-                    <m:r>
-                      <a:rPr lang="en-US" i="1">
-                        <a:latin typeface="Cambria Math" panose="02040503050406030204" pitchFamily="18" charset="0"/>
-                      </a:rPr>
-                      <m:t>𝐼</m:t>
-                    </m:r>
-                    <m:r>
-                      <a:rPr lang="en-US" i="1">
-                        <a:latin typeface="Cambria Math" panose="02040503050406030204" pitchFamily="18" charset="0"/>
-                      </a:rPr>
-                      <m:t>=</m:t>
-                    </m:r>
-                    <m:r>
-                      <a:rPr lang="en-US" i="1">
-                        <a:latin typeface="Cambria Math" panose="02040503050406030204" pitchFamily="18" charset="0"/>
-                      </a:rPr>
-                      <m:t>𝐾</m:t>
-                    </m:r>
-                    <m:r>
-                      <a:rPr lang="en-US" i="1">
-                        <a:latin typeface="Cambria Math" panose="02040503050406030204" pitchFamily="18" charset="0"/>
-                      </a:rPr>
-                      <m:t>×</m:t>
-                    </m:r>
-                    <m:r>
-                      <a:rPr lang="en-US" i="1">
-                        <a:latin typeface="Cambria Math" panose="02040503050406030204" pitchFamily="18" charset="0"/>
-                      </a:rPr>
-                      <m:t>𝑀</m:t>
-                    </m:r>
-                    <m:r>
-                      <a:rPr lang="en-US" i="1">
-                        <a:latin typeface="Cambria Math" panose="02040503050406030204" pitchFamily="18" charset="0"/>
-                      </a:rPr>
-                      <m:t>:</m:t>
+                      <m:t>𝑝</m:t>
                     </m:r>
                     <m:d>
                       <m:dPr>
-                        <m:begChr m:val="|"/>
-                        <m:endChr m:val="|"/>
                         <m:ctrlPr>
                           <a:rPr lang="en-US" i="1">
                             <a:latin typeface="Cambria Math" panose="02040503050406030204" pitchFamily="18" charset="0"/>
@@ -4411,7 +4426,7 @@
                           <a:rPr lang="en-US" i="1">
                             <a:latin typeface="Cambria Math" panose="02040503050406030204" pitchFamily="18" charset="0"/>
                           </a:rPr>
-                          <m:t>𝐼</m:t>
+                          <m:t>𝑙</m:t>
                         </m:r>
                       </m:e>
                     </m:d>
@@ -4421,47 +4436,14 @@
                       </a:rPr>
                       <m:t>=</m:t>
                     </m:r>
-                    <m:sSup>
-                      <m:sSupPr>
-                        <m:ctrlPr>
-                          <a:rPr lang="en-US" i="1">
-                            <a:latin typeface="Cambria Math" panose="02040503050406030204" pitchFamily="18" charset="0"/>
-                          </a:rPr>
-                        </m:ctrlPr>
-                      </m:sSupPr>
-                      <m:e>
-                        <m:r>
-                          <a:rPr lang="en-US" i="1">
-                            <a:latin typeface="Cambria Math" panose="02040503050406030204" pitchFamily="18" charset="0"/>
-                          </a:rPr>
-                          <m:t>2</m:t>
-                        </m:r>
-                      </m:e>
-                      <m:sup>
-                        <m:r>
-                          <a:rPr lang="en-US" i="1">
-                            <a:latin typeface="Cambria Math" panose="02040503050406030204" pitchFamily="18" charset="0"/>
-                          </a:rPr>
-                          <m:t>2</m:t>
-                        </m:r>
-                        <m:r>
-                          <a:rPr lang="en-US" i="1">
-                            <a:latin typeface="Cambria Math" panose="02040503050406030204" pitchFamily="18" charset="0"/>
-                          </a:rPr>
-                          <m:t>𝐿</m:t>
-                        </m:r>
-                      </m:sup>
-                    </m:sSup>
-                    <m:r>
-                      <a:rPr lang="en-US">
-                        <a:latin typeface="Cambria Math" panose="02040503050406030204" pitchFamily="18" charset="0"/>
-                      </a:rPr>
-                      <m:t>⇒</m:t>
+                    <m:r>
+                      <a:rPr lang="en-US" i="1">
+                        <a:latin typeface="Cambria Math" panose="02040503050406030204" pitchFamily="18" charset="0"/>
+                      </a:rPr>
+                      <m:t>𝑝</m:t>
                     </m:r>
                     <m:d>
                       <m:dPr>
-                        <m:begChr m:val="|"/>
-                        <m:endChr m:val="|"/>
                         <m:ctrlPr>
                           <a:rPr lang="en-US" i="1">
                             <a:latin typeface="Cambria Math" panose="02040503050406030204" pitchFamily="18" charset="0"/>
@@ -4473,102 +4455,6 @@
                           <a:rPr lang="en-US" i="1">
                             <a:latin typeface="Cambria Math" panose="02040503050406030204" pitchFamily="18" charset="0"/>
                           </a:rPr>
-                          <m:t>𝑖𝑛</m:t>
-                        </m:r>
-                      </m:e>
-                    </m:d>
-                    <m:r>
-                      <a:rPr lang="en-US">
-                        <a:latin typeface="Cambria Math" panose="02040503050406030204" pitchFamily="18" charset="0"/>
-                      </a:rPr>
-                      <m:t>=</m:t>
-                    </m:r>
-                    <m:r>
-                      <a:rPr lang="ru-RU">
-                        <a:latin typeface="Cambria Math" panose="02040503050406030204" pitchFamily="18" charset="0"/>
-                      </a:rPr>
-                      <m:t>2</m:t>
-                    </m:r>
-                    <m:r>
-                      <a:rPr lang="en-US" i="1">
-                        <a:latin typeface="Cambria Math" panose="02040503050406030204" pitchFamily="18" charset="0"/>
-                      </a:rPr>
-                      <m:t>𝐿</m:t>
-                    </m:r>
-                    <m:r>
-                      <a:rPr lang="ru-RU">
-                        <a:latin typeface="Cambria Math" panose="02040503050406030204" pitchFamily="18" charset="0"/>
-                      </a:rPr>
-                      <m:t>,</m:t>
-                    </m:r>
-                  </m:oMath>
-                </a14:m>
-                <a:r>
-                  <a:rPr lang="ru-RU" dirty="0"/>
-                  <a:t> </a:t>
-                </a:r>
-                <a:r>
-                  <a:rPr lang="ru-RU" b="1" dirty="0" err="1"/>
-                  <a:t>полиномиально</a:t>
-                </a:r>
-                <a:r>
-                  <a:rPr lang="ru-RU" b="1" dirty="0"/>
-                  <a:t> ограниченна </a:t>
-                </a:r>
-                <a:r>
-                  <a:rPr lang="ru-RU" dirty="0"/>
-                  <a:t>сверху полиномом </a:t>
-                </a:r>
-                <a14:m>
-                  <m:oMath xmlns:m="http://schemas.openxmlformats.org/officeDocument/2006/math">
-                    <m:r>
-                      <a:rPr lang="en-US" i="1">
-                        <a:latin typeface="Cambria Math" panose="02040503050406030204" pitchFamily="18" charset="0"/>
-                      </a:rPr>
-                      <m:t>𝑝</m:t>
-                    </m:r>
-                    <m:d>
-                      <m:dPr>
-                        <m:ctrlPr>
-                          <a:rPr lang="en-US" i="1">
-                            <a:latin typeface="Cambria Math" panose="02040503050406030204" pitchFamily="18" charset="0"/>
-                          </a:rPr>
-                        </m:ctrlPr>
-                      </m:dPr>
-                      <m:e>
-                        <m:r>
-                          <a:rPr lang="en-US" i="1">
-                            <a:latin typeface="Cambria Math" panose="02040503050406030204" pitchFamily="18" charset="0"/>
-                          </a:rPr>
-                          <m:t>𝑙</m:t>
-                        </m:r>
-                      </m:e>
-                    </m:d>
-                    <m:r>
-                      <a:rPr lang="en-US" i="1">
-                        <a:latin typeface="Cambria Math" panose="02040503050406030204" pitchFamily="18" charset="0"/>
-                      </a:rPr>
-                      <m:t>=</m:t>
-                    </m:r>
-                    <m:r>
-                      <a:rPr lang="en-US" i="1">
-                        <a:latin typeface="Cambria Math" panose="02040503050406030204" pitchFamily="18" charset="0"/>
-                      </a:rPr>
-                      <m:t>𝑝</m:t>
-                    </m:r>
-                    <m:d>
-                      <m:dPr>
-                        <m:ctrlPr>
-                          <a:rPr lang="en-US" i="1">
-                            <a:latin typeface="Cambria Math" panose="02040503050406030204" pitchFamily="18" charset="0"/>
-                          </a:rPr>
-                        </m:ctrlPr>
-                      </m:dPr>
-                      <m:e>
-                        <m:r>
-                          <a:rPr lang="en-US" i="1">
-                            <a:latin typeface="Cambria Math" panose="02040503050406030204" pitchFamily="18" charset="0"/>
-                          </a:rPr>
                           <m:t>𝜆</m:t>
                         </m:r>
                       </m:e>
@@ -4577,7 +4463,7 @@
                       <a:rPr lang="en-US" i="1">
                         <a:latin typeface="Cambria Math" panose="02040503050406030204" pitchFamily="18" charset="0"/>
                       </a:rPr>
-                      <m:t>=2</m:t>
+                      <m:t>=</m:t>
                     </m:r>
                     <m:r>
                       <a:rPr lang="en-US" i="1">
@@ -4598,7 +4484,7 @@
             </p:txBody>
           </p:sp>
         </mc:Choice>
-        <mc:Fallback xmlns="">
+        <mc:Fallback>
           <p:sp>
             <p:nvSpPr>
               <p:cNvPr id="3" name="Объект 2"/>
@@ -4613,7 +4499,7 @@
               <a:blipFill>
                 <a:blip r:embed="rId2"/>
                 <a:stretch>
-                  <a:fillRect l="-1043" t="-2101"/>
+                  <a:fillRect l="-1043" b="-2381"/>
                 </a:stretch>
               </a:blipFill>
             </p:spPr>
@@ -18029,7 +17915,9 @@
             </p:nvSpPr>
             <p:spPr/>
             <p:txBody>
-              <a:bodyPr/>
+              <a:bodyPr>
+                <a:normAutofit fontScale="92500" lnSpcReduction="20000"/>
+              </a:bodyPr>
               <a:lstStyle/>
               <a:p>
                 <a:pPr marL="0" indent="0">
@@ -18116,15 +18004,16 @@
                         </m:sSup>
                       </m:e>
                     </m:d>
-                    <m:r>
-                      <a:rPr lang="en-US" i="1">
-                        <a:latin typeface="Cambria Math" panose="02040503050406030204" pitchFamily="18" charset="0"/>
-                      </a:rPr>
-                      <m:t>.</m:t>
-                    </m:r>
                   </m:oMath>
                 </a14:m>
-                <a:endParaRPr lang="ru-RU" dirty="0" smtClean="0"/>
+                <a:r>
+                  <a:rPr lang="en-US" dirty="0" smtClean="0"/>
+                  <a:t> </a:t>
+                </a:r>
+                <a:r>
+                  <a:rPr lang="ru-RU" dirty="0" smtClean="0"/>
+                  <a:t>- генератор.</a:t>
+                </a:r>
               </a:p>
               <a:p>
                 <a:pPr marL="0" indent="0">
@@ -18167,7 +18056,65 @@
                 </a:pPr>
                 <a:r>
                   <a:rPr lang="ru-RU" dirty="0" smtClean="0"/>
-                  <a:t>Т.е. максимально возможная энтропия выходной последовательности </a:t>
+                  <a:t>Часто в генераторах величина </a:t>
+                </a:r>
+                <a14:m>
+                  <m:oMath xmlns:m="http://schemas.openxmlformats.org/officeDocument/2006/math">
+                    <m:r>
+                      <a:rPr lang="en-US" b="1" i="1" smtClean="0">
+                        <a:latin typeface="Cambria Math" panose="02040503050406030204" pitchFamily="18" charset="0"/>
+                      </a:rPr>
+                      <m:t>𝒔</m:t>
+                    </m:r>
+                    <m:sSub>
+                      <m:sSubPr>
+                        <m:ctrlPr>
+                          <a:rPr lang="ru-RU" b="0" i="1" smtClean="0">
+                            <a:latin typeface="Cambria Math" panose="02040503050406030204" pitchFamily="18" charset="0"/>
+                          </a:rPr>
+                        </m:ctrlPr>
+                      </m:sSubPr>
+                      <m:e>
+                        <m:r>
+                          <a:rPr lang="en-US" b="0" i="1" smtClean="0">
+                            <a:latin typeface="Cambria Math" panose="02040503050406030204" pitchFamily="18" charset="0"/>
+                          </a:rPr>
+                          <m:t>∈</m:t>
+                        </m:r>
+                      </m:e>
+                      <m:sub>
+                        <m:r>
+                          <a:rPr lang="en-US" b="0" i="1" smtClean="0">
+                            <a:latin typeface="Cambria Math" panose="02040503050406030204" pitchFamily="18" charset="0"/>
+                          </a:rPr>
+                          <m:t>𝑅</m:t>
+                        </m:r>
+                      </m:sub>
+                    </m:sSub>
+                    <m:r>
+                      <a:rPr lang="en-US" b="0" i="1" smtClean="0">
+                        <a:latin typeface="Cambria Math" panose="02040503050406030204" pitchFamily="18" charset="0"/>
+                      </a:rPr>
+                      <m:t>𝑆</m:t>
+                    </m:r>
+                  </m:oMath>
+                </a14:m>
+                <a:r>
+                  <a:rPr lang="ru-RU" dirty="0" smtClean="0"/>
+                  <a:t> является начальным заполнением внутреннего состояния. Тогда максимально возможная </a:t>
+                </a:r>
+                <a:r>
+                  <a:rPr lang="ru-RU" smtClean="0"/>
+                  <a:t>энтропия выходной</a:t>
+                </a:r>
+              </a:p>
+              <a:p>
+                <a:pPr marL="0" indent="0">
+                  <a:buNone/>
+                </a:pPr>
+                <a:r>
+                  <a:rPr lang="ru-RU" smtClean="0"/>
+                  <a:t>последовательности </a:t>
                 </a:r>
                 <a14:m>
                   <m:oMath xmlns:m="http://schemas.openxmlformats.org/officeDocument/2006/math">
@@ -18440,7 +18387,7 @@
                         <a:rPr lang="en-US" b="0" i="1" smtClean="0">
                           <a:latin typeface="Cambria Math" panose="02040503050406030204" pitchFamily="18" charset="0"/>
                         </a:rPr>
-                        <m:t>=</m:t>
+                        <m:t>≤</m:t>
                       </m:r>
                       <m:sSup>
                         <m:sSupPr>
@@ -18488,7 +18435,7 @@
                         <a:rPr lang="en-US" b="0" i="1" smtClean="0">
                           <a:latin typeface="Cambria Math" panose="02040503050406030204" pitchFamily="18" charset="0"/>
                         </a:rPr>
-                        <m:t>=|</m:t>
+                        <m:t>≤|</m:t>
                       </m:r>
                       <m:r>
                         <a:rPr lang="en-US" b="0" i="1" smtClean="0">
@@ -18578,8 +18525,12 @@
                   </m:oMath>
                 </a14:m>
                 <a:r>
+                  <a:rPr lang="en-US" dirty="0" smtClean="0"/>
+                  <a:t> - </a:t>
+                </a:r>
+                <a:r>
                   <a:rPr lang="ru-RU" dirty="0" smtClean="0"/>
-                  <a:t>, тогда максимально возможный период выходной последовательности составляет </a:t>
+                  <a:t>множество состояний и ключей, тогда максимально возможный период выходной последовательности не превышает </a:t>
                 </a:r>
                 <a14:m>
                   <m:oMath xmlns:m="http://schemas.openxmlformats.org/officeDocument/2006/math">
@@ -18634,7 +18585,7 @@
               <a:blipFill>
                 <a:blip r:embed="rId2"/>
                 <a:stretch>
-                  <a:fillRect l="-1043" t="-2101" b="-3081"/>
+                  <a:fillRect l="-928" t="-3221" b="-2801"/>
                 </a:stretch>
               </a:blipFill>
             </p:spPr>
@@ -21391,8 +21342,8 @@
           </a:p>
         </p:txBody>
       </p:sp>
-      <mc:AlternateContent xmlns:mc="http://schemas.openxmlformats.org/markup-compatibility/2006">
-        <mc:Choice xmlns:a14="http://schemas.microsoft.com/office/drawing/2010/main" Requires="a14">
+      <mc:AlternateContent xmlns:mc="http://schemas.openxmlformats.org/markup-compatibility/2006" xmlns:a14="http://schemas.microsoft.com/office/drawing/2010/main">
+        <mc:Choice Requires="a14">
           <p:sp>
             <p:nvSpPr>
               <p:cNvPr id="3" name="Объект 2"/>
@@ -21586,15 +21537,7 @@
                 </a:r>
                 <a:r>
                   <a:rPr lang="ru-RU" dirty="0" smtClean="0"/>
-                  <a:t>Идея доказательства – если мы не можем предсказать 1 следующий бит, то значит у нас нет </a:t>
-                </a:r>
-                <a:r>
-                  <a:rPr lang="ru-RU" dirty="0" smtClean="0"/>
-                  <a:t>никаких </a:t>
-                </a:r>
-                <a:r>
-                  <a:rPr lang="ru-RU" dirty="0" smtClean="0"/>
-                  <a:t>возможностей определить является ли данная величина случайной, или выходом псевдослучайного генератора</a:t>
+                  <a:t>Идея доказательства – если мы не можем предсказать 1 следующий бит, то значит у нас нет никаких возможностей определить является ли данная величина случайной, или выходом псевдослучайного генератора</a:t>
                 </a:r>
                 <a14:m>
                   <m:oMath xmlns:m="http://schemas.openxmlformats.org/officeDocument/2006/math">
@@ -21619,7 +21562,7 @@
             </p:txBody>
           </p:sp>
         </mc:Choice>
-        <mc:Fallback>
+        <mc:Fallback xmlns="">
           <p:sp>
             <p:nvSpPr>
               <p:cNvPr id="3" name="Объект 2"/>

--- a/Lectures/Lecture2.pptx
+++ b/Lectures/Lecture2.pptx
@@ -287,7 +287,7 @@
           <a:p>
             <a:fld id="{CBA08D16-15DC-4E25-BDC3-F25146157B16}" type="datetimeFigureOut">
               <a:rPr lang="ru-RU" smtClean="0"/>
-              <a:t>14.09.2018</a:t>
+              <a:t>20.09.2018</a:t>
             </a:fld>
             <a:endParaRPr lang="ru-RU"/>
           </a:p>
@@ -686,7 +686,7 @@
           <a:p>
             <a:fld id="{FCEC8293-DB51-454A-BE81-EC8FCB31EBA2}" type="datetime1">
               <a:rPr lang="ru-RU" smtClean="0"/>
-              <a:t>14.09.2018</a:t>
+              <a:t>20.09.2018</a:t>
             </a:fld>
             <a:endParaRPr lang="ru-RU"/>
           </a:p>
@@ -860,7 +860,7 @@
           <a:p>
             <a:fld id="{241C87B1-1C35-4DBD-BC18-2BC72E776603}" type="datetime1">
               <a:rPr lang="ru-RU" smtClean="0"/>
-              <a:t>14.09.2018</a:t>
+              <a:t>20.09.2018</a:t>
             </a:fld>
             <a:endParaRPr lang="ru-RU"/>
           </a:p>
@@ -1044,7 +1044,7 @@
           <a:p>
             <a:fld id="{3134C275-26C0-42CD-9111-9ADE65922AF9}" type="datetime1">
               <a:rPr lang="ru-RU" smtClean="0"/>
-              <a:t>14.09.2018</a:t>
+              <a:t>20.09.2018</a:t>
             </a:fld>
             <a:endParaRPr lang="ru-RU"/>
           </a:p>
@@ -1218,7 +1218,7 @@
           <a:p>
             <a:fld id="{C1A9A50B-C350-45F5-8AAB-ADB9E670AF2E}" type="datetime1">
               <a:rPr lang="ru-RU" smtClean="0"/>
-              <a:t>14.09.2018</a:t>
+              <a:t>20.09.2018</a:t>
             </a:fld>
             <a:endParaRPr lang="ru-RU"/>
           </a:p>
@@ -1468,7 +1468,7 @@
           <a:p>
             <a:fld id="{089688C9-348F-42F9-B6C0-5990DDE0C5B2}" type="datetime1">
               <a:rPr lang="ru-RU" smtClean="0"/>
-              <a:t>14.09.2018</a:t>
+              <a:t>20.09.2018</a:t>
             </a:fld>
             <a:endParaRPr lang="ru-RU"/>
           </a:p>
@@ -1704,7 +1704,7 @@
           <a:p>
             <a:fld id="{684AFD8F-6DD9-4AD3-A505-FDC3F5C5F3F6}" type="datetime1">
               <a:rPr lang="ru-RU" smtClean="0"/>
-              <a:t>14.09.2018</a:t>
+              <a:t>20.09.2018</a:t>
             </a:fld>
             <a:endParaRPr lang="ru-RU"/>
           </a:p>
@@ -2075,7 +2075,7 @@
           <a:p>
             <a:fld id="{63551EFE-4D02-45EB-A747-8B6F047B5AA0}" type="datetime1">
               <a:rPr lang="ru-RU" smtClean="0"/>
-              <a:t>14.09.2018</a:t>
+              <a:t>20.09.2018</a:t>
             </a:fld>
             <a:endParaRPr lang="ru-RU"/>
           </a:p>
@@ -2197,7 +2197,7 @@
           <a:p>
             <a:fld id="{813A9F34-E5CD-4B8F-AA9E-889C84372B20}" type="datetime1">
               <a:rPr lang="ru-RU" smtClean="0"/>
-              <a:t>14.09.2018</a:t>
+              <a:t>20.09.2018</a:t>
             </a:fld>
             <a:endParaRPr lang="ru-RU"/>
           </a:p>
@@ -2296,7 +2296,7 @@
           <a:p>
             <a:fld id="{51224D22-9B29-44A6-8E82-95FC492DEDC1}" type="datetime1">
               <a:rPr lang="ru-RU" smtClean="0"/>
-              <a:t>14.09.2018</a:t>
+              <a:t>20.09.2018</a:t>
             </a:fld>
             <a:endParaRPr lang="ru-RU"/>
           </a:p>
@@ -2577,7 +2577,7 @@
           <a:p>
             <a:fld id="{91D1034F-4441-48A1-BDC0-25EA1022324A}" type="datetime1">
               <a:rPr lang="ru-RU" smtClean="0"/>
-              <a:t>14.09.2018</a:t>
+              <a:t>20.09.2018</a:t>
             </a:fld>
             <a:endParaRPr lang="ru-RU"/>
           </a:p>
@@ -2834,7 +2834,7 @@
           <a:p>
             <a:fld id="{B0FFDE79-B627-473B-AE17-4C65BD2495F7}" type="datetime1">
               <a:rPr lang="ru-RU" smtClean="0"/>
-              <a:t>14.09.2018</a:t>
+              <a:t>20.09.2018</a:t>
             </a:fld>
             <a:endParaRPr lang="ru-RU"/>
           </a:p>
@@ -3051,7 +3051,7 @@
           <a:p>
             <a:fld id="{11CA537A-1B8C-47BA-9BA6-7CE3FAFDA8BE}" type="datetime1">
               <a:rPr lang="ru-RU" smtClean="0"/>
-              <a:t>14.09.2018</a:t>
+              <a:t>20.09.2018</a:t>
             </a:fld>
             <a:endParaRPr lang="ru-RU"/>
           </a:p>
@@ -3615,8 +3615,8 @@
           </a:p>
         </p:txBody>
       </p:sp>
-      <mc:AlternateContent xmlns:mc="http://schemas.openxmlformats.org/markup-compatibility/2006">
-        <mc:Choice xmlns:a14="http://schemas.microsoft.com/office/drawing/2010/main" Requires="a14">
+      <mc:AlternateContent xmlns:mc="http://schemas.openxmlformats.org/markup-compatibility/2006" xmlns:a14="http://schemas.microsoft.com/office/drawing/2010/main">
+        <mc:Choice Requires="a14">
           <p:sp>
             <p:nvSpPr>
               <p:cNvPr id="3" name="Объект 2"/>
@@ -4484,7 +4484,7 @@
             </p:txBody>
           </p:sp>
         </mc:Choice>
-        <mc:Fallback>
+        <mc:Fallback xmlns="">
           <p:sp>
             <p:nvSpPr>
               <p:cNvPr id="3" name="Объект 2"/>
@@ -19390,8 +19390,8 @@
           </a:p>
         </p:txBody>
       </p:sp>
-      <mc:AlternateContent xmlns:mc="http://schemas.openxmlformats.org/markup-compatibility/2006" xmlns:a14="http://schemas.microsoft.com/office/drawing/2010/main">
-        <mc:Choice Requires="a14">
+      <mc:AlternateContent xmlns:mc="http://schemas.openxmlformats.org/markup-compatibility/2006">
+        <mc:Choice xmlns:a14="http://schemas.microsoft.com/office/drawing/2010/main" Requires="a14">
           <p:sp>
             <p:nvSpPr>
               <p:cNvPr id="3" name="Объект 2"/>
@@ -19634,6 +19634,12 @@
                           </m:ctrlPr>
                         </m:funcPr>
                         <m:fName>
+                          <m:r>
+                            <a:rPr lang="en-US" b="0" i="1" smtClean="0">
+                              <a:latin typeface="Cambria Math" panose="02040503050406030204" pitchFamily="18" charset="0"/>
+                            </a:rPr>
+                            <m:t>|</m:t>
+                          </m:r>
                           <m:r>
                             <m:rPr>
                               <m:sty m:val="p"/>
@@ -19764,7 +19770,7 @@
                         <a:rPr lang="en-US" i="1">
                           <a:latin typeface="Cambria Math" panose="02040503050406030204" pitchFamily="18" charset="0"/>
                         </a:rPr>
-                        <m:t>+1]]&gt;1/2+</m:t>
+                        <m:t>+1]]−1/2|&gt;</m:t>
                       </m:r>
                       <m:r>
                         <a:rPr lang="en-US" i="1">
@@ -19937,6 +19943,12 @@
                             <a:latin typeface="Cambria Math" panose="02040503050406030204" pitchFamily="18" charset="0"/>
                           </a:rPr>
                           <m:t>=</m:t>
+                        </m:r>
+                        <m:r>
+                          <a:rPr lang="en-US" b="0" i="0" smtClean="0">
+                            <a:latin typeface="Cambria Math" panose="02040503050406030204" pitchFamily="18" charset="0"/>
+                          </a:rPr>
+                          <m:t>|</m:t>
                         </m:r>
                         <m:r>
                           <m:rPr>
@@ -20068,7 +20080,7 @@
                       <a:rPr lang="en-US" i="1">
                         <a:latin typeface="Cambria Math" panose="02040503050406030204" pitchFamily="18" charset="0"/>
                       </a:rPr>
-                      <m:t>+1]]≤1/2+</m:t>
+                      <m:t>+1]]−1/2|≤</m:t>
                     </m:r>
                     <m:r>
                       <a:rPr lang="en-US" b="0" i="1" smtClean="0">
@@ -20109,7 +20121,7 @@
             </p:txBody>
           </p:sp>
         </mc:Choice>
-        <mc:Fallback xmlns="">
+        <mc:Fallback>
           <p:sp>
             <p:nvSpPr>
               <p:cNvPr id="3" name="Объект 2"/>

--- a/Lectures/Lecture2.pptx
+++ b/Lectures/Lecture2.pptx
@@ -287,7 +287,7 @@
           <a:p>
             <a:fld id="{CBA08D16-15DC-4E25-BDC3-F25146157B16}" type="datetimeFigureOut">
               <a:rPr lang="ru-RU" smtClean="0"/>
-              <a:t>20.09.2018</a:t>
+              <a:t>07.09.2019</a:t>
             </a:fld>
             <a:endParaRPr lang="ru-RU"/>
           </a:p>
@@ -686,7 +686,7 @@
           <a:p>
             <a:fld id="{FCEC8293-DB51-454A-BE81-EC8FCB31EBA2}" type="datetime1">
               <a:rPr lang="ru-RU" smtClean="0"/>
-              <a:t>20.09.2018</a:t>
+              <a:t>07.09.2019</a:t>
             </a:fld>
             <a:endParaRPr lang="ru-RU"/>
           </a:p>
@@ -860,7 +860,7 @@
           <a:p>
             <a:fld id="{241C87B1-1C35-4DBD-BC18-2BC72E776603}" type="datetime1">
               <a:rPr lang="ru-RU" smtClean="0"/>
-              <a:t>20.09.2018</a:t>
+              <a:t>07.09.2019</a:t>
             </a:fld>
             <a:endParaRPr lang="ru-RU"/>
           </a:p>
@@ -1044,7 +1044,7 @@
           <a:p>
             <a:fld id="{3134C275-26C0-42CD-9111-9ADE65922AF9}" type="datetime1">
               <a:rPr lang="ru-RU" smtClean="0"/>
-              <a:t>20.09.2018</a:t>
+              <a:t>07.09.2019</a:t>
             </a:fld>
             <a:endParaRPr lang="ru-RU"/>
           </a:p>
@@ -1218,7 +1218,7 @@
           <a:p>
             <a:fld id="{C1A9A50B-C350-45F5-8AAB-ADB9E670AF2E}" type="datetime1">
               <a:rPr lang="ru-RU" smtClean="0"/>
-              <a:t>20.09.2018</a:t>
+              <a:t>07.09.2019</a:t>
             </a:fld>
             <a:endParaRPr lang="ru-RU"/>
           </a:p>
@@ -1468,7 +1468,7 @@
           <a:p>
             <a:fld id="{089688C9-348F-42F9-B6C0-5990DDE0C5B2}" type="datetime1">
               <a:rPr lang="ru-RU" smtClean="0"/>
-              <a:t>20.09.2018</a:t>
+              <a:t>07.09.2019</a:t>
             </a:fld>
             <a:endParaRPr lang="ru-RU"/>
           </a:p>
@@ -1704,7 +1704,7 @@
           <a:p>
             <a:fld id="{684AFD8F-6DD9-4AD3-A505-FDC3F5C5F3F6}" type="datetime1">
               <a:rPr lang="ru-RU" smtClean="0"/>
-              <a:t>20.09.2018</a:t>
+              <a:t>07.09.2019</a:t>
             </a:fld>
             <a:endParaRPr lang="ru-RU"/>
           </a:p>
@@ -2075,7 +2075,7 @@
           <a:p>
             <a:fld id="{63551EFE-4D02-45EB-A747-8B6F047B5AA0}" type="datetime1">
               <a:rPr lang="ru-RU" smtClean="0"/>
-              <a:t>20.09.2018</a:t>
+              <a:t>07.09.2019</a:t>
             </a:fld>
             <a:endParaRPr lang="ru-RU"/>
           </a:p>
@@ -2197,7 +2197,7 @@
           <a:p>
             <a:fld id="{813A9F34-E5CD-4B8F-AA9E-889C84372B20}" type="datetime1">
               <a:rPr lang="ru-RU" smtClean="0"/>
-              <a:t>20.09.2018</a:t>
+              <a:t>07.09.2019</a:t>
             </a:fld>
             <a:endParaRPr lang="ru-RU"/>
           </a:p>
@@ -2296,7 +2296,7 @@
           <a:p>
             <a:fld id="{51224D22-9B29-44A6-8E82-95FC492DEDC1}" type="datetime1">
               <a:rPr lang="ru-RU" smtClean="0"/>
-              <a:t>20.09.2018</a:t>
+              <a:t>07.09.2019</a:t>
             </a:fld>
             <a:endParaRPr lang="ru-RU"/>
           </a:p>
@@ -2577,7 +2577,7 @@
           <a:p>
             <a:fld id="{91D1034F-4441-48A1-BDC0-25EA1022324A}" type="datetime1">
               <a:rPr lang="ru-RU" smtClean="0"/>
-              <a:t>20.09.2018</a:t>
+              <a:t>07.09.2019</a:t>
             </a:fld>
             <a:endParaRPr lang="ru-RU"/>
           </a:p>
@@ -2834,7 +2834,7 @@
           <a:p>
             <a:fld id="{B0FFDE79-B627-473B-AE17-4C65BD2495F7}" type="datetime1">
               <a:rPr lang="ru-RU" smtClean="0"/>
-              <a:t>20.09.2018</a:t>
+              <a:t>07.09.2019</a:t>
             </a:fld>
             <a:endParaRPr lang="ru-RU"/>
           </a:p>
@@ -3051,7 +3051,7 @@
           <a:p>
             <a:fld id="{11CA537A-1B8C-47BA-9BA6-7CE3FAFDA8BE}" type="datetime1">
               <a:rPr lang="ru-RU" smtClean="0"/>
-              <a:t>20.09.2018</a:t>
+              <a:t>07.09.2019</a:t>
             </a:fld>
             <a:endParaRPr lang="ru-RU"/>
           </a:p>
@@ -19390,8 +19390,8 @@
           </a:p>
         </p:txBody>
       </p:sp>
-      <mc:AlternateContent xmlns:mc="http://schemas.openxmlformats.org/markup-compatibility/2006">
-        <mc:Choice xmlns:a14="http://schemas.microsoft.com/office/drawing/2010/main" Requires="a14">
+      <mc:AlternateContent xmlns:mc="http://schemas.openxmlformats.org/markup-compatibility/2006" xmlns:a14="http://schemas.microsoft.com/office/drawing/2010/main">
+        <mc:Choice Requires="a14">
           <p:sp>
             <p:nvSpPr>
               <p:cNvPr id="3" name="Объект 2"/>
@@ -19942,13 +19942,7 @@
                           <a:rPr lang="en-US" b="0" i="0" smtClean="0">
                             <a:latin typeface="Cambria Math" panose="02040503050406030204" pitchFamily="18" charset="0"/>
                           </a:rPr>
-                          <m:t>=</m:t>
-                        </m:r>
-                        <m:r>
-                          <a:rPr lang="en-US" b="0" i="0" smtClean="0">
-                            <a:latin typeface="Cambria Math" panose="02040503050406030204" pitchFamily="18" charset="0"/>
-                          </a:rPr>
-                          <m:t>|</m:t>
+                          <m:t>=|</m:t>
                         </m:r>
                         <m:r>
                           <m:rPr>
@@ -20121,7 +20115,7 @@
             </p:txBody>
           </p:sp>
         </mc:Choice>
-        <mc:Fallback>
+        <mc:Fallback xmlns="">
           <p:sp>
             <p:nvSpPr>
               <p:cNvPr id="3" name="Объект 2"/>

--- a/Lectures/Lecture2.pptx
+++ b/Lectures/Lecture2.pptx
@@ -5,7 +5,7 @@
     <p:sldMasterId id="2147483648" r:id="rId1"/>
   </p:sldMasterIdLst>
   <p:notesMasterIdLst>
-    <p:notesMasterId r:id="rId36"/>
+    <p:notesMasterId r:id="rId37"/>
   </p:notesMasterIdLst>
   <p:sldIdLst>
     <p:sldId id="296" r:id="rId2"/>
@@ -18,30 +18,31 @@
     <p:sldId id="263" r:id="rId9"/>
     <p:sldId id="264" r:id="rId10"/>
     <p:sldId id="265" r:id="rId11"/>
-    <p:sldId id="266" r:id="rId12"/>
-    <p:sldId id="289" r:id="rId13"/>
-    <p:sldId id="276" r:id="rId14"/>
-    <p:sldId id="268" r:id="rId15"/>
-    <p:sldId id="269" r:id="rId16"/>
-    <p:sldId id="270" r:id="rId17"/>
-    <p:sldId id="267" r:id="rId18"/>
-    <p:sldId id="271" r:id="rId19"/>
-    <p:sldId id="272" r:id="rId20"/>
-    <p:sldId id="273" r:id="rId21"/>
-    <p:sldId id="274" r:id="rId22"/>
-    <p:sldId id="275" r:id="rId23"/>
-    <p:sldId id="278" r:id="rId24"/>
-    <p:sldId id="277" r:id="rId25"/>
-    <p:sldId id="280" r:id="rId26"/>
-    <p:sldId id="281" r:id="rId27"/>
-    <p:sldId id="282" r:id="rId28"/>
-    <p:sldId id="288" r:id="rId29"/>
-    <p:sldId id="290" r:id="rId30"/>
-    <p:sldId id="291" r:id="rId31"/>
-    <p:sldId id="292" r:id="rId32"/>
-    <p:sldId id="293" r:id="rId33"/>
-    <p:sldId id="295" r:id="rId34"/>
-    <p:sldId id="297" r:id="rId35"/>
+    <p:sldId id="298" r:id="rId12"/>
+    <p:sldId id="266" r:id="rId13"/>
+    <p:sldId id="289" r:id="rId14"/>
+    <p:sldId id="276" r:id="rId15"/>
+    <p:sldId id="268" r:id="rId16"/>
+    <p:sldId id="269" r:id="rId17"/>
+    <p:sldId id="270" r:id="rId18"/>
+    <p:sldId id="267" r:id="rId19"/>
+    <p:sldId id="271" r:id="rId20"/>
+    <p:sldId id="272" r:id="rId21"/>
+    <p:sldId id="273" r:id="rId22"/>
+    <p:sldId id="274" r:id="rId23"/>
+    <p:sldId id="275" r:id="rId24"/>
+    <p:sldId id="278" r:id="rId25"/>
+    <p:sldId id="277" r:id="rId26"/>
+    <p:sldId id="280" r:id="rId27"/>
+    <p:sldId id="281" r:id="rId28"/>
+    <p:sldId id="282" r:id="rId29"/>
+    <p:sldId id="288" r:id="rId30"/>
+    <p:sldId id="290" r:id="rId31"/>
+    <p:sldId id="291" r:id="rId32"/>
+    <p:sldId id="292" r:id="rId33"/>
+    <p:sldId id="293" r:id="rId34"/>
+    <p:sldId id="295" r:id="rId35"/>
+    <p:sldId id="297" r:id="rId36"/>
   </p:sldIdLst>
   <p:sldSz cx="12192000" cy="6858000"/>
   <p:notesSz cx="6858000" cy="9144000"/>
@@ -163,6 +164,7 @@
             <p14:sldId id="263"/>
             <p14:sldId id="264"/>
             <p14:sldId id="265"/>
+            <p14:sldId id="298"/>
             <p14:sldId id="266"/>
             <p14:sldId id="289"/>
             <p14:sldId id="276"/>
@@ -287,7 +289,7 @@
           <a:p>
             <a:fld id="{CBA08D16-15DC-4E25-BDC3-F25146157B16}" type="datetimeFigureOut">
               <a:rPr lang="ru-RU" smtClean="0"/>
-              <a:t>07.09.2019</a:t>
+              <a:t>13.09.2019</a:t>
             </a:fld>
             <a:endParaRPr lang="ru-RU"/>
           </a:p>
@@ -686,7 +688,7 @@
           <a:p>
             <a:fld id="{FCEC8293-DB51-454A-BE81-EC8FCB31EBA2}" type="datetime1">
               <a:rPr lang="ru-RU" smtClean="0"/>
-              <a:t>07.09.2019</a:t>
+              <a:t>13.09.2019</a:t>
             </a:fld>
             <a:endParaRPr lang="ru-RU"/>
           </a:p>
@@ -860,7 +862,7 @@
           <a:p>
             <a:fld id="{241C87B1-1C35-4DBD-BC18-2BC72E776603}" type="datetime1">
               <a:rPr lang="ru-RU" smtClean="0"/>
-              <a:t>07.09.2019</a:t>
+              <a:t>13.09.2019</a:t>
             </a:fld>
             <a:endParaRPr lang="ru-RU"/>
           </a:p>
@@ -1044,7 +1046,7 @@
           <a:p>
             <a:fld id="{3134C275-26C0-42CD-9111-9ADE65922AF9}" type="datetime1">
               <a:rPr lang="ru-RU" smtClean="0"/>
-              <a:t>07.09.2019</a:t>
+              <a:t>13.09.2019</a:t>
             </a:fld>
             <a:endParaRPr lang="ru-RU"/>
           </a:p>
@@ -1218,7 +1220,7 @@
           <a:p>
             <a:fld id="{C1A9A50B-C350-45F5-8AAB-ADB9E670AF2E}" type="datetime1">
               <a:rPr lang="ru-RU" smtClean="0"/>
-              <a:t>07.09.2019</a:t>
+              <a:t>13.09.2019</a:t>
             </a:fld>
             <a:endParaRPr lang="ru-RU"/>
           </a:p>
@@ -1468,7 +1470,7 @@
           <a:p>
             <a:fld id="{089688C9-348F-42F9-B6C0-5990DDE0C5B2}" type="datetime1">
               <a:rPr lang="ru-RU" smtClean="0"/>
-              <a:t>07.09.2019</a:t>
+              <a:t>13.09.2019</a:t>
             </a:fld>
             <a:endParaRPr lang="ru-RU"/>
           </a:p>
@@ -1704,7 +1706,7 @@
           <a:p>
             <a:fld id="{684AFD8F-6DD9-4AD3-A505-FDC3F5C5F3F6}" type="datetime1">
               <a:rPr lang="ru-RU" smtClean="0"/>
-              <a:t>07.09.2019</a:t>
+              <a:t>13.09.2019</a:t>
             </a:fld>
             <a:endParaRPr lang="ru-RU"/>
           </a:p>
@@ -2075,7 +2077,7 @@
           <a:p>
             <a:fld id="{63551EFE-4D02-45EB-A747-8B6F047B5AA0}" type="datetime1">
               <a:rPr lang="ru-RU" smtClean="0"/>
-              <a:t>07.09.2019</a:t>
+              <a:t>13.09.2019</a:t>
             </a:fld>
             <a:endParaRPr lang="ru-RU"/>
           </a:p>
@@ -2197,7 +2199,7 @@
           <a:p>
             <a:fld id="{813A9F34-E5CD-4B8F-AA9E-889C84372B20}" type="datetime1">
               <a:rPr lang="ru-RU" smtClean="0"/>
-              <a:t>07.09.2019</a:t>
+              <a:t>13.09.2019</a:t>
             </a:fld>
             <a:endParaRPr lang="ru-RU"/>
           </a:p>
@@ -2296,7 +2298,7 @@
           <a:p>
             <a:fld id="{51224D22-9B29-44A6-8E82-95FC492DEDC1}" type="datetime1">
               <a:rPr lang="ru-RU" smtClean="0"/>
-              <a:t>07.09.2019</a:t>
+              <a:t>13.09.2019</a:t>
             </a:fld>
             <a:endParaRPr lang="ru-RU"/>
           </a:p>
@@ -2577,7 +2579,7 @@
           <a:p>
             <a:fld id="{91D1034F-4441-48A1-BDC0-25EA1022324A}" type="datetime1">
               <a:rPr lang="ru-RU" smtClean="0"/>
-              <a:t>07.09.2019</a:t>
+              <a:t>13.09.2019</a:t>
             </a:fld>
             <a:endParaRPr lang="ru-RU"/>
           </a:p>
@@ -2834,7 +2836,7 @@
           <a:p>
             <a:fld id="{B0FFDE79-B627-473B-AE17-4C65BD2495F7}" type="datetime1">
               <a:rPr lang="ru-RU" smtClean="0"/>
-              <a:t>07.09.2019</a:t>
+              <a:t>13.09.2019</a:t>
             </a:fld>
             <a:endParaRPr lang="ru-RU"/>
           </a:p>
@@ -3051,7 +3053,7 @@
           <a:p>
             <a:fld id="{11CA537A-1B8C-47BA-9BA6-7CE3FAFDA8BE}" type="datetime1">
               <a:rPr lang="ru-RU" smtClean="0"/>
-              <a:t>07.09.2019</a:t>
+              <a:t>13.09.2019</a:t>
             </a:fld>
             <a:endParaRPr lang="ru-RU"/>
           </a:p>
@@ -3549,7 +3551,15 @@
           <a:p>
             <a:r>
               <a:rPr lang="ru-RU" dirty="0" smtClean="0"/>
-              <a:t>МИФИ 2018</a:t>
+              <a:t>МИФИ </a:t>
+            </a:r>
+            <a:r>
+              <a:rPr lang="ru-RU" dirty="0" smtClean="0"/>
+              <a:t>201</a:t>
+            </a:r>
+            <a:r>
+              <a:rPr lang="en-US" dirty="0" smtClean="0"/>
+              <a:t>9</a:t>
             </a:r>
             <a:endParaRPr lang="ru-RU" dirty="0"/>
           </a:p>
@@ -4595,6 +4605,113 @@
           <a:p>
             <a:r>
               <a:rPr lang="ru-RU" dirty="0" smtClean="0"/>
+              <a:t>Почему эффективность задаётся полиномиальной ограниченностью?</a:t>
+            </a:r>
+            <a:endParaRPr lang="ru-RU" dirty="0"/>
+          </a:p>
+        </p:txBody>
+      </p:sp>
+      <p:sp>
+        <p:nvSpPr>
+          <p:cNvPr id="3" name="Объект 2"/>
+          <p:cNvSpPr>
+            <a:spLocks noGrp="1"/>
+          </p:cNvSpPr>
+          <p:nvPr>
+            <p:ph idx="1"/>
+          </p:nvPr>
+        </p:nvSpPr>
+        <p:spPr/>
+        <p:txBody>
+          <a:bodyPr/>
+          <a:lstStyle/>
+          <a:p>
+            <a:r>
+              <a:rPr lang="ru-RU" dirty="0" smtClean="0">
+                <a:solidFill>
+                  <a:srgbClr val="FF0000"/>
+                </a:solidFill>
+              </a:rPr>
+              <a:t>(ДОДЕЛАТЬ СЛАЙД)</a:t>
+            </a:r>
+            <a:endParaRPr lang="ru-RU" dirty="0">
+              <a:solidFill>
+                <a:srgbClr val="FF0000"/>
+              </a:solidFill>
+            </a:endParaRPr>
+          </a:p>
+        </p:txBody>
+      </p:sp>
+      <p:sp>
+        <p:nvSpPr>
+          <p:cNvPr id="4" name="Номер слайда 3"/>
+          <p:cNvSpPr>
+            <a:spLocks noGrp="1"/>
+          </p:cNvSpPr>
+          <p:nvPr>
+            <p:ph type="sldNum" sz="quarter" idx="12"/>
+          </p:nvPr>
+        </p:nvSpPr>
+        <p:spPr/>
+        <p:txBody>
+          <a:bodyPr/>
+          <a:lstStyle/>
+          <a:p>
+            <a:fld id="{8253DDDB-F8F7-4D64-A7FD-3F3D61C1949F}" type="slidenum">
+              <a:rPr lang="ru-RU" smtClean="0"/>
+              <a:t>11</a:t>
+            </a:fld>
+            <a:endParaRPr lang="ru-RU"/>
+          </a:p>
+        </p:txBody>
+      </p:sp>
+    </p:spTree>
+    <p:extLst>
+      <p:ext uri="{BB962C8B-B14F-4D97-AF65-F5344CB8AC3E}">
+        <p14:creationId xmlns:p14="http://schemas.microsoft.com/office/powerpoint/2010/main" val="634654029"/>
+      </p:ext>
+    </p:extLst>
+  </p:cSld>
+  <p:clrMapOvr>
+    <a:masterClrMapping/>
+  </p:clrMapOvr>
+</p:sld>
+</file>
+
+<file path=ppt/slides/slide12.xml><?xml version="1.0" encoding="utf-8"?>
+<p:sld xmlns:a="http://schemas.openxmlformats.org/drawingml/2006/main" xmlns:r="http://schemas.openxmlformats.org/officeDocument/2006/relationships" xmlns:p="http://schemas.openxmlformats.org/presentationml/2006/main">
+  <p:cSld>
+    <p:spTree>
+      <p:nvGrpSpPr>
+        <p:cNvPr id="1" name=""/>
+        <p:cNvGrpSpPr/>
+        <p:nvPr/>
+      </p:nvGrpSpPr>
+      <p:grpSpPr>
+        <a:xfrm>
+          <a:off x="0" y="0"/>
+          <a:ext cx="0" cy="0"/>
+          <a:chOff x="0" y="0"/>
+          <a:chExt cx="0" cy="0"/>
+        </a:xfrm>
+      </p:grpSpPr>
+      <p:sp>
+        <p:nvSpPr>
+          <p:cNvPr id="2" name="Заголовок 1"/>
+          <p:cNvSpPr>
+            <a:spLocks noGrp="1"/>
+          </p:cNvSpPr>
+          <p:nvPr>
+            <p:ph type="title"/>
+          </p:nvPr>
+        </p:nvSpPr>
+        <p:spPr/>
+        <p:txBody>
+          <a:bodyPr/>
+          <a:lstStyle/>
+          <a:p>
+            <a:r>
+              <a:rPr lang="ru-RU" dirty="0" smtClean="0"/>
               <a:t>Эффективность в игре</a:t>
             </a:r>
             <a:endParaRPr lang="ru-RU" dirty="0"/>
@@ -4660,7 +4777,7 @@
           <a:p>
             <a:fld id="{8253DDDB-F8F7-4D64-A7FD-3F3D61C1949F}" type="slidenum">
               <a:rPr lang="ru-RU" smtClean="0"/>
-              <a:t>11</a:t>
+              <a:t>12</a:t>
             </a:fld>
             <a:endParaRPr lang="ru-RU" dirty="0"/>
           </a:p>
@@ -5615,7 +5732,7 @@
 </p:sld>
 </file>
 
-<file path=ppt/slides/slide12.xml><?xml version="1.0" encoding="utf-8"?>
+<file path=ppt/slides/slide13.xml><?xml version="1.0" encoding="utf-8"?>
 <p:sld xmlns:a="http://schemas.openxmlformats.org/drawingml/2006/main" xmlns:r="http://schemas.openxmlformats.org/officeDocument/2006/relationships" xmlns:p="http://schemas.openxmlformats.org/presentationml/2006/main">
   <p:cSld>
     <p:spTree>
@@ -6042,7 +6159,7 @@
           <a:p>
             <a:fld id="{8253DDDB-F8F7-4D64-A7FD-3F3D61C1949F}" type="slidenum">
               <a:rPr lang="ru-RU" smtClean="0"/>
-              <a:t>12</a:t>
+              <a:t>13</a:t>
             </a:fld>
             <a:endParaRPr lang="ru-RU"/>
           </a:p>
@@ -6997,7 +7114,7 @@
 </p:sld>
 </file>
 
-<file path=ppt/slides/slide13.xml><?xml version="1.0" encoding="utf-8"?>
+<file path=ppt/slides/slide14.xml><?xml version="1.0" encoding="utf-8"?>
 <p:sld xmlns:a="http://schemas.openxmlformats.org/drawingml/2006/main" xmlns:r="http://schemas.openxmlformats.org/officeDocument/2006/relationships" xmlns:p="http://schemas.openxmlformats.org/presentationml/2006/main">
   <p:cSld>
     <p:spTree>
@@ -7664,7 +7781,7 @@
           <a:p>
             <a:fld id="{8253DDDB-F8F7-4D64-A7FD-3F3D61C1949F}" type="slidenum">
               <a:rPr lang="ru-RU" smtClean="0"/>
-              <a:t>13</a:t>
+              <a:t>14</a:t>
             </a:fld>
             <a:endParaRPr lang="ru-RU"/>
           </a:p>
@@ -8730,7 +8847,7 @@
 </p:sld>
 </file>
 
-<file path=ppt/slides/slide14.xml><?xml version="1.0" encoding="utf-8"?>
+<file path=ppt/slides/slide15.xml><?xml version="1.0" encoding="utf-8"?>
 <p:sld xmlns:a="http://schemas.openxmlformats.org/drawingml/2006/main" xmlns:r="http://schemas.openxmlformats.org/officeDocument/2006/relationships" xmlns:p="http://schemas.openxmlformats.org/presentationml/2006/main">
   <p:cSld>
     <p:spTree>
@@ -9105,7 +9222,7 @@
           <a:p>
             <a:fld id="{8253DDDB-F8F7-4D64-A7FD-3F3D61C1949F}" type="slidenum">
               <a:rPr lang="ru-RU" smtClean="0"/>
-              <a:t>14</a:t>
+              <a:t>15</a:t>
             </a:fld>
             <a:endParaRPr lang="ru-RU"/>
           </a:p>
@@ -9131,7 +9248,7 @@
 </p:sld>
 </file>
 
-<file path=ppt/slides/slide15.xml><?xml version="1.0" encoding="utf-8"?>
+<file path=ppt/slides/slide16.xml><?xml version="1.0" encoding="utf-8"?>
 <p:sld xmlns:a="http://schemas.openxmlformats.org/drawingml/2006/main" xmlns:r="http://schemas.openxmlformats.org/officeDocument/2006/relationships" xmlns:p="http://schemas.openxmlformats.org/presentationml/2006/main">
   <p:cSld>
     <p:spTree>
@@ -9323,7 +9440,7 @@
           <a:p>
             <a:fld id="{8253DDDB-F8F7-4D64-A7FD-3F3D61C1949F}" type="slidenum">
               <a:rPr lang="ru-RU" smtClean="0"/>
-              <a:t>15</a:t>
+              <a:t>16</a:t>
             </a:fld>
             <a:endParaRPr lang="ru-RU"/>
           </a:p>
@@ -9349,7 +9466,7 @@
 </p:sld>
 </file>
 
-<file path=ppt/slides/slide16.xml><?xml version="1.0" encoding="utf-8"?>
+<file path=ppt/slides/slide17.xml><?xml version="1.0" encoding="utf-8"?>
 <p:sld xmlns:a="http://schemas.openxmlformats.org/drawingml/2006/main" xmlns:r="http://schemas.openxmlformats.org/officeDocument/2006/relationships" xmlns:p="http://schemas.openxmlformats.org/presentationml/2006/main">
   <p:cSld>
     <p:spTree>
@@ -9788,7 +9905,7 @@
           <a:p>
             <a:fld id="{8253DDDB-F8F7-4D64-A7FD-3F3D61C1949F}" type="slidenum">
               <a:rPr lang="ru-RU" smtClean="0"/>
-              <a:t>16</a:t>
+              <a:t>17</a:t>
             </a:fld>
             <a:endParaRPr lang="ru-RU"/>
           </a:p>
@@ -9814,7 +9931,7 @@
 </p:sld>
 </file>
 
-<file path=ppt/slides/slide17.xml><?xml version="1.0" encoding="utf-8"?>
+<file path=ppt/slides/slide18.xml><?xml version="1.0" encoding="utf-8"?>
 <p:sld xmlns:a="http://schemas.openxmlformats.org/drawingml/2006/main" xmlns:r="http://schemas.openxmlformats.org/officeDocument/2006/relationships" xmlns:p="http://schemas.openxmlformats.org/presentationml/2006/main">
   <p:cSld>
     <p:spTree>
@@ -9897,7 +10014,15 @@
             </a:pPr>
             <a:r>
               <a:rPr lang="ru-RU" dirty="0" smtClean="0"/>
-              <a:t>Проблема (Теорема Шеннона) – длина ключа должна быть больше или равна длине сообщения.</a:t>
+              <a:t>Проблема (Теорема Шеннона) – </a:t>
+            </a:r>
+            <a:r>
+              <a:rPr lang="ru-RU" dirty="0" smtClean="0"/>
+              <a:t>длина (энтропия) </a:t>
+            </a:r>
+            <a:r>
+              <a:rPr lang="ru-RU" dirty="0" smtClean="0"/>
+              <a:t>ключа должна быть больше или равна длине сообщения.</a:t>
             </a:r>
           </a:p>
           <a:p>
@@ -9935,7 +10060,7 @@
           <a:p>
             <a:fld id="{8253DDDB-F8F7-4D64-A7FD-3F3D61C1949F}" type="slidenum">
               <a:rPr lang="ru-RU" smtClean="0"/>
-              <a:t>17</a:t>
+              <a:t>18</a:t>
             </a:fld>
             <a:endParaRPr lang="ru-RU"/>
           </a:p>
@@ -9961,7 +10086,7 @@
 </p:sld>
 </file>
 
-<file path=ppt/slides/slide18.xml><?xml version="1.0" encoding="utf-8"?>
+<file path=ppt/slides/slide19.xml><?xml version="1.0" encoding="utf-8"?>
 <p:sld xmlns:a="http://schemas.openxmlformats.org/drawingml/2006/main" xmlns:r="http://schemas.openxmlformats.org/officeDocument/2006/relationships" xmlns:p="http://schemas.openxmlformats.org/presentationml/2006/main">
   <p:cSld>
     <p:spTree>
@@ -10022,7 +10147,7 @@
           <a:p>
             <a:fld id="{8253DDDB-F8F7-4D64-A7FD-3F3D61C1949F}" type="slidenum">
               <a:rPr lang="ru-RU" smtClean="0"/>
-              <a:t>18</a:t>
+              <a:t>19</a:t>
             </a:fld>
             <a:endParaRPr lang="ru-RU"/>
           </a:p>
@@ -11413,817 +11538,6 @@
 </p:sld>
 </file>
 
-<file path=ppt/slides/slide19.xml><?xml version="1.0" encoding="utf-8"?>
-<p:sld xmlns:a="http://schemas.openxmlformats.org/drawingml/2006/main" xmlns:r="http://schemas.openxmlformats.org/officeDocument/2006/relationships" xmlns:p="http://schemas.openxmlformats.org/presentationml/2006/main">
-  <p:cSld>
-    <p:spTree>
-      <p:nvGrpSpPr>
-        <p:cNvPr id="1" name=""/>
-        <p:cNvGrpSpPr/>
-        <p:nvPr/>
-      </p:nvGrpSpPr>
-      <p:grpSpPr>
-        <a:xfrm>
-          <a:off x="0" y="0"/>
-          <a:ext cx="0" cy="0"/>
-          <a:chOff x="0" y="0"/>
-          <a:chExt cx="0" cy="0"/>
-        </a:xfrm>
-      </p:grpSpPr>
-      <p:sp>
-        <p:nvSpPr>
-          <p:cNvPr id="2" name="Заголовок 1"/>
-          <p:cNvSpPr>
-            <a:spLocks noGrp="1"/>
-          </p:cNvSpPr>
-          <p:nvPr>
-            <p:ph type="title"/>
-          </p:nvPr>
-        </p:nvSpPr>
-        <p:spPr/>
-        <p:txBody>
-          <a:bodyPr/>
-          <a:lstStyle/>
-          <a:p>
-            <a:r>
-              <a:rPr lang="ru-RU" dirty="0" smtClean="0"/>
-              <a:t>Поточный шифр</a:t>
-            </a:r>
-            <a:endParaRPr lang="ru-RU" dirty="0"/>
-          </a:p>
-        </p:txBody>
-      </p:sp>
-      <mc:AlternateContent xmlns:mc="http://schemas.openxmlformats.org/markup-compatibility/2006" xmlns:a14="http://schemas.microsoft.com/office/drawing/2010/main">
-        <mc:Choice Requires="a14">
-          <p:sp>
-            <p:nvSpPr>
-              <p:cNvPr id="3" name="Объект 2"/>
-              <p:cNvSpPr>
-                <a:spLocks noGrp="1"/>
-              </p:cNvSpPr>
-              <p:nvPr>
-                <p:ph idx="1"/>
-              </p:nvPr>
-            </p:nvSpPr>
-            <p:spPr/>
-            <p:txBody>
-              <a:bodyPr>
-                <a:normAutofit fontScale="92500" lnSpcReduction="10000"/>
-              </a:bodyPr>
-              <a:lstStyle/>
-              <a:p>
-                <a:pPr marL="0" indent="0">
-                  <a:buNone/>
-                </a:pPr>
-                <a:r>
-                  <a:rPr lang="ru-RU" dirty="0" smtClean="0"/>
-                  <a:t>Эффективно вычислимая функция </a:t>
-                </a:r>
-                <a14:m>
-                  <m:oMath xmlns:m="http://schemas.openxmlformats.org/officeDocument/2006/math">
-                    <m:r>
-                      <a:rPr lang="en-US" b="0" i="1" smtClean="0">
-                        <a:latin typeface="Cambria Math" panose="02040503050406030204" pitchFamily="18" charset="0"/>
-                      </a:rPr>
-                      <m:t>𝐺</m:t>
-                    </m:r>
-                    <m:r>
-                      <a:rPr lang="en-US" b="0" i="1" smtClean="0">
-                        <a:latin typeface="Cambria Math" panose="02040503050406030204" pitchFamily="18" charset="0"/>
-                      </a:rPr>
-                      <m:t>:</m:t>
-                    </m:r>
-                    <m:r>
-                      <a:rPr lang="en-US" b="0" i="1" smtClean="0">
-                        <a:latin typeface="Cambria Math" panose="02040503050406030204" pitchFamily="18" charset="0"/>
-                      </a:rPr>
-                      <m:t>𝑆</m:t>
-                    </m:r>
-                    <m:r>
-                      <a:rPr lang="en-US" b="0" i="1" smtClean="0">
-                        <a:latin typeface="Cambria Math" panose="02040503050406030204" pitchFamily="18" charset="0"/>
-                      </a:rPr>
-                      <m:t>→</m:t>
-                    </m:r>
-                    <m:r>
-                      <a:rPr lang="en-US" b="0" i="1" smtClean="0">
-                        <a:latin typeface="Cambria Math" panose="02040503050406030204" pitchFamily="18" charset="0"/>
-                      </a:rPr>
-                      <m:t>𝑅</m:t>
-                    </m:r>
-                  </m:oMath>
-                </a14:m>
-                <a:r>
-                  <a:rPr lang="en-US" dirty="0" smtClean="0"/>
-                  <a:t> </a:t>
-                </a:r>
-                <a:r>
-                  <a:rPr lang="ru-RU" dirty="0" smtClean="0"/>
-                  <a:t>называется </a:t>
-                </a:r>
-                <a:r>
-                  <a:rPr lang="ru-RU" b="1" dirty="0" smtClean="0"/>
-                  <a:t>псевдослучайным генератором</a:t>
-                </a:r>
-                <a:r>
-                  <a:rPr lang="en-US" dirty="0" smtClean="0"/>
-                  <a:t> </a:t>
-                </a:r>
-                <a:r>
-                  <a:rPr lang="ru-RU" dirty="0" smtClean="0"/>
-                  <a:t>на </a:t>
-                </a:r>
-                <a14:m>
-                  <m:oMath xmlns:m="http://schemas.openxmlformats.org/officeDocument/2006/math">
-                    <m:r>
-                      <a:rPr lang="en-US" b="0" i="1" smtClean="0">
-                        <a:latin typeface="Cambria Math" panose="02040503050406030204" pitchFamily="18" charset="0"/>
-                      </a:rPr>
-                      <m:t>(</m:t>
-                    </m:r>
-                    <m:r>
-                      <a:rPr lang="en-US" b="0" i="1" smtClean="0">
-                        <a:latin typeface="Cambria Math" panose="02040503050406030204" pitchFamily="18" charset="0"/>
-                      </a:rPr>
-                      <m:t>𝑆</m:t>
-                    </m:r>
-                    <m:r>
-                      <a:rPr lang="en-US" b="0" i="1" smtClean="0">
-                        <a:latin typeface="Cambria Math" panose="02040503050406030204" pitchFamily="18" charset="0"/>
-                      </a:rPr>
-                      <m:t>,</m:t>
-                    </m:r>
-                    <m:r>
-                      <a:rPr lang="en-US" b="0" i="1" smtClean="0">
-                        <a:latin typeface="Cambria Math" panose="02040503050406030204" pitchFamily="18" charset="0"/>
-                      </a:rPr>
-                      <m:t>𝑅</m:t>
-                    </m:r>
-                    <m:r>
-                      <a:rPr lang="en-US" b="0" i="1" smtClean="0">
-                        <a:latin typeface="Cambria Math" panose="02040503050406030204" pitchFamily="18" charset="0"/>
-                      </a:rPr>
-                      <m:t>)</m:t>
-                    </m:r>
-                  </m:oMath>
-                </a14:m>
-                <a:r>
-                  <a:rPr lang="ru-RU" dirty="0" smtClean="0"/>
-                  <a:t> </a:t>
-                </a:r>
-                <a:r>
-                  <a:rPr lang="en-US" b="1" dirty="0" smtClean="0"/>
-                  <a:t>PRG</a:t>
-                </a:r>
-                <a:r>
-                  <a:rPr lang="ru-RU" dirty="0" smtClean="0"/>
-                  <a:t>.</a:t>
-                </a:r>
-              </a:p>
-              <a:p>
-                <a:pPr marL="0" indent="0">
-                  <a:buNone/>
-                </a:pPr>
-                <a:r>
-                  <a:rPr lang="ru-RU" dirty="0" smtClean="0"/>
-                  <a:t>Шифр </a:t>
-                </a:r>
-                <a14:m>
-                  <m:oMath xmlns:m="http://schemas.openxmlformats.org/officeDocument/2006/math">
-                    <m:r>
-                      <m:rPr>
-                        <m:sty m:val="p"/>
-                      </m:rPr>
-                      <a:rPr lang="ru-RU" b="0" i="0" smtClean="0">
-                        <a:latin typeface="Cambria Math" panose="02040503050406030204" pitchFamily="18" charset="0"/>
-                      </a:rPr>
-                      <m:t>Ε</m:t>
-                    </m:r>
-                    <m:r>
-                      <a:rPr lang="en-US" b="0" i="1" smtClean="0">
-                        <a:latin typeface="Cambria Math" panose="02040503050406030204" pitchFamily="18" charset="0"/>
-                      </a:rPr>
-                      <m:t>=</m:t>
-                    </m:r>
-                    <m:d>
-                      <m:dPr>
-                        <m:ctrlPr>
-                          <a:rPr lang="en-US" b="0" i="1" smtClean="0">
-                            <a:latin typeface="Cambria Math" panose="02040503050406030204" pitchFamily="18" charset="0"/>
-                          </a:rPr>
-                        </m:ctrlPr>
-                      </m:dPr>
-                      <m:e>
-                        <m:r>
-                          <a:rPr lang="en-US" b="0" i="1" smtClean="0">
-                            <a:latin typeface="Cambria Math" panose="02040503050406030204" pitchFamily="18" charset="0"/>
-                          </a:rPr>
-                          <m:t>𝐸</m:t>
-                        </m:r>
-                        <m:r>
-                          <a:rPr lang="en-US" b="0" i="1" smtClean="0">
-                            <a:latin typeface="Cambria Math" panose="02040503050406030204" pitchFamily="18" charset="0"/>
-                          </a:rPr>
-                          <m:t>,</m:t>
-                        </m:r>
-                        <m:r>
-                          <a:rPr lang="en-US" b="0" i="1" smtClean="0">
-                            <a:latin typeface="Cambria Math" panose="02040503050406030204" pitchFamily="18" charset="0"/>
-                          </a:rPr>
-                          <m:t>𝐷</m:t>
-                        </m:r>
-                      </m:e>
-                    </m:d>
-                  </m:oMath>
-                </a14:m>
-                <a:r>
-                  <a:rPr lang="ru-RU" dirty="0" smtClean="0"/>
-                  <a:t> с параметрам </a:t>
-                </a:r>
-                <a14:m>
-                  <m:oMath xmlns:m="http://schemas.openxmlformats.org/officeDocument/2006/math">
-                    <m:r>
-                      <a:rPr lang="ru-RU" b="0" i="1" smtClean="0">
-                        <a:latin typeface="Cambria Math" panose="02040503050406030204" pitchFamily="18" charset="0"/>
-                      </a:rPr>
-                      <m:t>(</m:t>
-                    </m:r>
-                    <m:r>
-                      <a:rPr lang="en-US" b="0" i="1" smtClean="0">
-                        <a:latin typeface="Cambria Math" panose="02040503050406030204" pitchFamily="18" charset="0"/>
-                      </a:rPr>
-                      <m:t>𝑙</m:t>
-                    </m:r>
-                    <m:r>
-                      <a:rPr lang="en-US" b="0" i="1" smtClean="0">
-                        <a:latin typeface="Cambria Math" panose="02040503050406030204" pitchFamily="18" charset="0"/>
-                      </a:rPr>
-                      <m:t>, </m:t>
-                    </m:r>
-                    <m:r>
-                      <a:rPr lang="en-US" b="0" i="1" smtClean="0">
-                        <a:latin typeface="Cambria Math" panose="02040503050406030204" pitchFamily="18" charset="0"/>
-                      </a:rPr>
-                      <m:t>𝐿</m:t>
-                    </m:r>
-                    <m:r>
-                      <a:rPr lang="ru-RU" b="0" i="1" smtClean="0">
-                        <a:latin typeface="Cambria Math" panose="02040503050406030204" pitchFamily="18" charset="0"/>
-                      </a:rPr>
-                      <m:t>)</m:t>
-                    </m:r>
-                  </m:oMath>
-                </a14:m>
-                <a:r>
-                  <a:rPr lang="ru-RU" dirty="0" smtClean="0"/>
-                  <a:t> на </a:t>
-                </a:r>
-                <a14:m>
-                  <m:oMath xmlns:m="http://schemas.openxmlformats.org/officeDocument/2006/math">
-                    <m:d>
-                      <m:dPr>
-                        <m:ctrlPr>
-                          <a:rPr lang="en-US" b="0" i="1" smtClean="0">
-                            <a:latin typeface="Cambria Math" panose="02040503050406030204" pitchFamily="18" charset="0"/>
-                          </a:rPr>
-                        </m:ctrlPr>
-                      </m:dPr>
-                      <m:e>
-                        <m:r>
-                          <a:rPr lang="en-US" b="0" i="1" smtClean="0">
-                            <a:latin typeface="Cambria Math" panose="02040503050406030204" pitchFamily="18" charset="0"/>
-                          </a:rPr>
-                          <m:t>𝐾</m:t>
-                        </m:r>
-                        <m:r>
-                          <a:rPr lang="en-US" b="0" i="1" smtClean="0">
-                            <a:latin typeface="Cambria Math" panose="02040503050406030204" pitchFamily="18" charset="0"/>
-                          </a:rPr>
-                          <m:t>,</m:t>
-                        </m:r>
-                        <m:r>
-                          <a:rPr lang="en-US" b="0" i="1" smtClean="0">
-                            <a:latin typeface="Cambria Math" panose="02040503050406030204" pitchFamily="18" charset="0"/>
-                          </a:rPr>
-                          <m:t>𝑀</m:t>
-                        </m:r>
-                        <m:r>
-                          <a:rPr lang="en-US" b="0" i="1" smtClean="0">
-                            <a:latin typeface="Cambria Math" panose="02040503050406030204" pitchFamily="18" charset="0"/>
-                          </a:rPr>
-                          <m:t>,</m:t>
-                        </m:r>
-                        <m:r>
-                          <a:rPr lang="en-US" b="0" i="1" smtClean="0">
-                            <a:latin typeface="Cambria Math" panose="02040503050406030204" pitchFamily="18" charset="0"/>
-                          </a:rPr>
-                          <m:t>𝐶</m:t>
-                        </m:r>
-                      </m:e>
-                    </m:d>
-                    <m:r>
-                      <a:rPr lang="en-US" b="0" i="1" smtClean="0">
-                        <a:latin typeface="Cambria Math" panose="02040503050406030204" pitchFamily="18" charset="0"/>
-                      </a:rPr>
-                      <m:t>:</m:t>
-                    </m:r>
-                    <m:r>
-                      <a:rPr lang="en-US" b="0" i="1" smtClean="0">
-                        <a:latin typeface="Cambria Math" panose="02040503050406030204" pitchFamily="18" charset="0"/>
-                      </a:rPr>
-                      <m:t>𝐾</m:t>
-                    </m:r>
-                    <m:r>
-                      <a:rPr lang="en-US" b="0" i="1" smtClean="0">
-                        <a:latin typeface="Cambria Math" panose="02040503050406030204" pitchFamily="18" charset="0"/>
-                      </a:rPr>
-                      <m:t>=</m:t>
-                    </m:r>
-                    <m:sSup>
-                      <m:sSupPr>
-                        <m:ctrlPr>
-                          <a:rPr lang="en-US" b="0" i="1" smtClean="0">
-                            <a:latin typeface="Cambria Math" panose="02040503050406030204" pitchFamily="18" charset="0"/>
-                          </a:rPr>
-                        </m:ctrlPr>
-                      </m:sSupPr>
-                      <m:e>
-                        <m:d>
-                          <m:dPr>
-                            <m:begChr m:val="{"/>
-                            <m:endChr m:val="}"/>
-                            <m:ctrlPr>
-                              <a:rPr lang="en-US" b="0" i="1" smtClean="0">
-                                <a:latin typeface="Cambria Math" panose="02040503050406030204" pitchFamily="18" charset="0"/>
-                              </a:rPr>
-                            </m:ctrlPr>
-                          </m:dPr>
-                          <m:e>
-                            <m:r>
-                              <a:rPr lang="en-US" b="0" i="1" smtClean="0">
-                                <a:latin typeface="Cambria Math" panose="02040503050406030204" pitchFamily="18" charset="0"/>
-                              </a:rPr>
-                              <m:t>0,1</m:t>
-                            </m:r>
-                          </m:e>
-                        </m:d>
-                      </m:e>
-                      <m:sup>
-                        <m:r>
-                          <a:rPr lang="en-US" b="0" i="1" smtClean="0">
-                            <a:latin typeface="Cambria Math" panose="02040503050406030204" pitchFamily="18" charset="0"/>
-                          </a:rPr>
-                          <m:t>𝑙</m:t>
-                        </m:r>
-                      </m:sup>
-                    </m:sSup>
-                    <m:r>
-                      <a:rPr lang="en-US" b="0" i="1" smtClean="0">
-                        <a:latin typeface="Cambria Math" panose="02040503050406030204" pitchFamily="18" charset="0"/>
-                      </a:rPr>
-                      <m:t>, </m:t>
-                    </m:r>
-                    <m:r>
-                      <a:rPr lang="en-US" b="0" i="1" smtClean="0">
-                        <a:latin typeface="Cambria Math" panose="02040503050406030204" pitchFamily="18" charset="0"/>
-                      </a:rPr>
-                      <m:t>𝑀</m:t>
-                    </m:r>
-                    <m:r>
-                      <a:rPr lang="en-US" b="0" i="1" smtClean="0">
-                        <a:latin typeface="Cambria Math" panose="02040503050406030204" pitchFamily="18" charset="0"/>
-                      </a:rPr>
-                      <m:t>=</m:t>
-                    </m:r>
-                    <m:r>
-                      <a:rPr lang="en-US" b="0" i="1" smtClean="0">
-                        <a:latin typeface="Cambria Math" panose="02040503050406030204" pitchFamily="18" charset="0"/>
-                      </a:rPr>
-                      <m:t>𝐶</m:t>
-                    </m:r>
-                    <m:r>
-                      <a:rPr lang="en-US" b="0" i="1" smtClean="0">
-                        <a:latin typeface="Cambria Math" panose="02040503050406030204" pitchFamily="18" charset="0"/>
-                      </a:rPr>
-                      <m:t>=</m:t>
-                    </m:r>
-                    <m:sSup>
-                      <m:sSupPr>
-                        <m:ctrlPr>
-                          <a:rPr lang="en-US" b="0" i="1" smtClean="0">
-                            <a:latin typeface="Cambria Math" panose="02040503050406030204" pitchFamily="18" charset="0"/>
-                          </a:rPr>
-                        </m:ctrlPr>
-                      </m:sSupPr>
-                      <m:e>
-                        <m:d>
-                          <m:dPr>
-                            <m:begChr m:val="{"/>
-                            <m:endChr m:val="}"/>
-                            <m:ctrlPr>
-                              <a:rPr lang="en-US" b="0" i="1" smtClean="0">
-                                <a:latin typeface="Cambria Math" panose="02040503050406030204" pitchFamily="18" charset="0"/>
-                              </a:rPr>
-                            </m:ctrlPr>
-                          </m:dPr>
-                          <m:e>
-                            <m:r>
-                              <a:rPr lang="en-US" b="0" i="1" smtClean="0">
-                                <a:latin typeface="Cambria Math" panose="02040503050406030204" pitchFamily="18" charset="0"/>
-                              </a:rPr>
-                              <m:t>0,1</m:t>
-                            </m:r>
-                          </m:e>
-                        </m:d>
-                      </m:e>
-                      <m:sup>
-                        <m:r>
-                          <a:rPr lang="en-US" b="0" i="1" smtClean="0">
-                            <a:latin typeface="Cambria Math" panose="02040503050406030204" pitchFamily="18" charset="0"/>
-                          </a:rPr>
-                          <m:t>𝐿</m:t>
-                        </m:r>
-                      </m:sup>
-                    </m:sSup>
-                  </m:oMath>
-                </a14:m>
-                <a:r>
-                  <a:rPr lang="ru-RU" dirty="0" smtClean="0"/>
-                  <a:t>, называется </a:t>
-                </a:r>
-                <a:r>
-                  <a:rPr lang="ru-RU" b="1" dirty="0" smtClean="0"/>
-                  <a:t>поточным шифром</a:t>
-                </a:r>
-                <a:r>
-                  <a:rPr lang="ru-RU" dirty="0" smtClean="0"/>
-                  <a:t>, если </a:t>
-                </a:r>
-              </a:p>
-              <a:p>
-                <a:pPr marL="0" indent="0" algn="ctr">
-                  <a:buNone/>
-                </a:pPr>
-                <a14:m>
-                  <m:oMath xmlns:m="http://schemas.openxmlformats.org/officeDocument/2006/math">
-                    <m:r>
-                      <a:rPr lang="en-US" b="0" i="1" smtClean="0">
-                        <a:latin typeface="Cambria Math" panose="02040503050406030204" pitchFamily="18" charset="0"/>
-                      </a:rPr>
-                      <m:t>𝐸</m:t>
-                    </m:r>
-                    <m:d>
-                      <m:dPr>
-                        <m:ctrlPr>
-                          <a:rPr lang="en-US" b="0" i="1" smtClean="0">
-                            <a:latin typeface="Cambria Math" panose="02040503050406030204" pitchFamily="18" charset="0"/>
-                          </a:rPr>
-                        </m:ctrlPr>
-                      </m:dPr>
-                      <m:e>
-                        <m:r>
-                          <a:rPr lang="en-US" b="0" i="1" smtClean="0">
-                            <a:latin typeface="Cambria Math" panose="02040503050406030204" pitchFamily="18" charset="0"/>
-                          </a:rPr>
-                          <m:t>𝑘</m:t>
-                        </m:r>
-                        <m:r>
-                          <a:rPr lang="en-US" b="0" i="1" smtClean="0">
-                            <a:latin typeface="Cambria Math" panose="02040503050406030204" pitchFamily="18" charset="0"/>
-                          </a:rPr>
-                          <m:t>,</m:t>
-                        </m:r>
-                        <m:r>
-                          <a:rPr lang="en-US" b="0" i="1" smtClean="0">
-                            <a:latin typeface="Cambria Math" panose="02040503050406030204" pitchFamily="18" charset="0"/>
-                          </a:rPr>
-                          <m:t>𝑚</m:t>
-                        </m:r>
-                      </m:e>
-                    </m:d>
-                    <m:r>
-                      <a:rPr lang="en-US" b="0" i="1" smtClean="0">
-                        <a:latin typeface="Cambria Math" panose="02040503050406030204" pitchFamily="18" charset="0"/>
-                      </a:rPr>
-                      <m:t>=</m:t>
-                    </m:r>
-                    <m:r>
-                      <a:rPr lang="en-US" b="0" i="1" smtClean="0">
-                        <a:latin typeface="Cambria Math" panose="02040503050406030204" pitchFamily="18" charset="0"/>
-                      </a:rPr>
-                      <m:t>𝐺</m:t>
-                    </m:r>
-                    <m:d>
-                      <m:dPr>
-                        <m:ctrlPr>
-                          <a:rPr lang="en-US" b="0" i="1" smtClean="0">
-                            <a:latin typeface="Cambria Math" panose="02040503050406030204" pitchFamily="18" charset="0"/>
-                          </a:rPr>
-                        </m:ctrlPr>
-                      </m:dPr>
-                      <m:e>
-                        <m:r>
-                          <a:rPr lang="en-US" b="0" i="1" smtClean="0">
-                            <a:latin typeface="Cambria Math" panose="02040503050406030204" pitchFamily="18" charset="0"/>
-                          </a:rPr>
-                          <m:t>𝑘</m:t>
-                        </m:r>
-                      </m:e>
-                    </m:d>
-                    <m:r>
-                      <a:rPr lang="en-US" b="0" i="1" smtClean="0">
-                        <a:latin typeface="Cambria Math" panose="02040503050406030204" pitchFamily="18" charset="0"/>
-                      </a:rPr>
-                      <m:t>⊕</m:t>
-                    </m:r>
-                    <m:r>
-                      <a:rPr lang="en-US" b="0" i="1" smtClean="0">
-                        <a:latin typeface="Cambria Math" panose="02040503050406030204" pitchFamily="18" charset="0"/>
-                      </a:rPr>
-                      <m:t>𝑚</m:t>
-                    </m:r>
-                    <m:r>
-                      <a:rPr lang="ru-RU" b="0" i="0" smtClean="0">
-                        <a:latin typeface="Cambria Math" panose="02040503050406030204" pitchFamily="18" charset="0"/>
-                      </a:rPr>
-                      <m:t>,</m:t>
-                    </m:r>
-                  </m:oMath>
-                </a14:m>
-                <a:r>
-                  <a:rPr lang="ru-RU" dirty="0" smtClean="0"/>
-                  <a:t> </a:t>
-                </a:r>
-              </a:p>
-              <a:p>
-                <a:pPr marL="0" indent="0">
-                  <a:buNone/>
-                </a:pPr>
-                <a:r>
-                  <a:rPr lang="ru-RU" dirty="0" smtClean="0"/>
-                  <a:t>где</a:t>
-                </a:r>
-                <a14:m>
-                  <m:oMath xmlns:m="http://schemas.openxmlformats.org/officeDocument/2006/math">
-                    <m:r>
-                      <a:rPr lang="ru-RU" b="0" i="0" smtClean="0">
-                        <a:latin typeface="Cambria Math" panose="02040503050406030204" pitchFamily="18" charset="0"/>
-                      </a:rPr>
-                      <m:t> </m:t>
-                    </m:r>
-                    <m:r>
-                      <a:rPr lang="en-US" i="1">
-                        <a:latin typeface="Cambria Math" panose="02040503050406030204" pitchFamily="18" charset="0"/>
-                      </a:rPr>
-                      <m:t>𝐺</m:t>
-                    </m:r>
-                    <m:r>
-                      <a:rPr lang="en-US" i="1">
-                        <a:latin typeface="Cambria Math" panose="02040503050406030204" pitchFamily="18" charset="0"/>
-                      </a:rPr>
-                      <m:t>:</m:t>
-                    </m:r>
-                    <m:sSup>
-                      <m:sSupPr>
-                        <m:ctrlPr>
-                          <a:rPr lang="en-US" i="1">
-                            <a:latin typeface="Cambria Math" panose="02040503050406030204" pitchFamily="18" charset="0"/>
-                          </a:rPr>
-                        </m:ctrlPr>
-                      </m:sSupPr>
-                      <m:e>
-                        <m:d>
-                          <m:dPr>
-                            <m:begChr m:val="{"/>
-                            <m:endChr m:val="}"/>
-                            <m:ctrlPr>
-                              <a:rPr lang="en-US" i="1">
-                                <a:latin typeface="Cambria Math" panose="02040503050406030204" pitchFamily="18" charset="0"/>
-                              </a:rPr>
-                            </m:ctrlPr>
-                          </m:dPr>
-                          <m:e>
-                            <m:r>
-                              <a:rPr lang="en-US" i="1">
-                                <a:latin typeface="Cambria Math" panose="02040503050406030204" pitchFamily="18" charset="0"/>
-                              </a:rPr>
-                              <m:t>0,1</m:t>
-                            </m:r>
-                          </m:e>
-                        </m:d>
-                      </m:e>
-                      <m:sup>
-                        <m:r>
-                          <a:rPr lang="en-US" i="1">
-                            <a:latin typeface="Cambria Math" panose="02040503050406030204" pitchFamily="18" charset="0"/>
-                          </a:rPr>
-                          <m:t>𝑙</m:t>
-                        </m:r>
-                      </m:sup>
-                    </m:sSup>
-                    <m:r>
-                      <a:rPr lang="en-US" i="1">
-                        <a:latin typeface="Cambria Math" panose="02040503050406030204" pitchFamily="18" charset="0"/>
-                      </a:rPr>
-                      <m:t>→</m:t>
-                    </m:r>
-                    <m:sSup>
-                      <m:sSupPr>
-                        <m:ctrlPr>
-                          <a:rPr lang="en-US" i="1">
-                            <a:latin typeface="Cambria Math" panose="02040503050406030204" pitchFamily="18" charset="0"/>
-                          </a:rPr>
-                        </m:ctrlPr>
-                      </m:sSupPr>
-                      <m:e>
-                        <m:d>
-                          <m:dPr>
-                            <m:begChr m:val="{"/>
-                            <m:endChr m:val="}"/>
-                            <m:ctrlPr>
-                              <a:rPr lang="en-US" i="1">
-                                <a:latin typeface="Cambria Math" panose="02040503050406030204" pitchFamily="18" charset="0"/>
-                              </a:rPr>
-                            </m:ctrlPr>
-                          </m:dPr>
-                          <m:e>
-                            <m:r>
-                              <a:rPr lang="en-US" i="1">
-                                <a:latin typeface="Cambria Math" panose="02040503050406030204" pitchFamily="18" charset="0"/>
-                              </a:rPr>
-                              <m:t>0,1</m:t>
-                            </m:r>
-                          </m:e>
-                        </m:d>
-                      </m:e>
-                      <m:sup>
-                        <m:r>
-                          <a:rPr lang="en-US" i="1">
-                            <a:latin typeface="Cambria Math" panose="02040503050406030204" pitchFamily="18" charset="0"/>
-                          </a:rPr>
-                          <m:t>𝐿</m:t>
-                        </m:r>
-                      </m:sup>
-                    </m:sSup>
-                  </m:oMath>
-                </a14:m>
-                <a:r>
-                  <a:rPr lang="en-US" dirty="0" smtClean="0"/>
-                  <a:t> - </a:t>
-                </a:r>
-                <a:r>
-                  <a:rPr lang="ru-RU" dirty="0" smtClean="0"/>
-                  <a:t>псевдослучайный генератор.</a:t>
-                </a:r>
-              </a:p>
-              <a:p>
-                <a:endParaRPr lang="ru-RU" dirty="0"/>
-              </a:p>
-              <a:p>
-                <a:pPr marL="0" indent="0">
-                  <a:buNone/>
-                </a:pPr>
-                <a:r>
-                  <a:rPr lang="ru-RU" dirty="0" smtClean="0"/>
-                  <a:t>Аналогично можно ввести Поточный шифр по произвольному модулю.</a:t>
-                </a:r>
-              </a:p>
-              <a:p>
-                <a:pPr marL="0" indent="0">
-                  <a:buNone/>
-                </a:pPr>
-                <a:endParaRPr lang="ru-RU" dirty="0"/>
-              </a:p>
-              <a:p>
-                <a:pPr marL="0" indent="0">
-                  <a:buNone/>
-                </a:pPr>
-                <a:r>
-                  <a:rPr lang="ru-RU" dirty="0" smtClean="0"/>
-                  <a:t>Стойкость поточного шифра сводится к «качеству» псевдослучайной последовательности </a:t>
-                </a:r>
-                <a14:m>
-                  <m:oMath xmlns:m="http://schemas.openxmlformats.org/officeDocument/2006/math">
-                    <m:r>
-                      <a:rPr lang="en-US" b="0" i="1" smtClean="0">
-                        <a:latin typeface="Cambria Math" panose="02040503050406030204" pitchFamily="18" charset="0"/>
-                      </a:rPr>
-                      <m:t>𝛾</m:t>
-                    </m:r>
-                    <m:r>
-                      <a:rPr lang="en-US" b="0" i="1" smtClean="0">
-                        <a:latin typeface="Cambria Math" panose="02040503050406030204" pitchFamily="18" charset="0"/>
-                      </a:rPr>
-                      <m:t>=</m:t>
-                    </m:r>
-                    <m:r>
-                      <a:rPr lang="en-US" b="0" i="1" smtClean="0">
-                        <a:latin typeface="Cambria Math" panose="02040503050406030204" pitchFamily="18" charset="0"/>
-                      </a:rPr>
-                      <m:t>𝐺</m:t>
-                    </m:r>
-                    <m:r>
-                      <a:rPr lang="en-US" b="0" i="1" smtClean="0">
-                        <a:latin typeface="Cambria Math" panose="02040503050406030204" pitchFamily="18" charset="0"/>
-                      </a:rPr>
-                      <m:t>(</m:t>
-                    </m:r>
-                    <m:r>
-                      <a:rPr lang="en-US" b="0" i="1" smtClean="0">
-                        <a:latin typeface="Cambria Math" panose="02040503050406030204" pitchFamily="18" charset="0"/>
-                      </a:rPr>
-                      <m:t>𝑘</m:t>
-                    </m:r>
-                    <m:r>
-                      <a:rPr lang="en-US" b="0" i="1" smtClean="0">
-                        <a:latin typeface="Cambria Math" panose="02040503050406030204" pitchFamily="18" charset="0"/>
-                      </a:rPr>
-                      <m:t>)</m:t>
-                    </m:r>
-                  </m:oMath>
-                </a14:m>
-                <a:endParaRPr lang="ru-RU" dirty="0"/>
-              </a:p>
-            </p:txBody>
-          </p:sp>
-        </mc:Choice>
-        <mc:Fallback xmlns="">
-          <p:sp>
-            <p:nvSpPr>
-              <p:cNvPr id="3" name="Объект 2"/>
-              <p:cNvSpPr>
-                <a:spLocks noGrp="1" noRot="1" noChangeAspect="1" noMove="1" noResize="1" noEditPoints="1" noAdjustHandles="1" noChangeArrowheads="1" noChangeShapeType="1" noTextEdit="1"/>
-              </p:cNvSpPr>
-              <p:nvPr>
-                <p:ph idx="1"/>
-              </p:nvPr>
-            </p:nvSpPr>
-            <p:spPr>
-              <a:blipFill>
-                <a:blip r:embed="rId2"/>
-                <a:stretch>
-                  <a:fillRect l="-928" t="-2661" b="-140"/>
-                </a:stretch>
-              </a:blipFill>
-            </p:spPr>
-            <p:txBody>
-              <a:bodyPr/>
-              <a:lstStyle/>
-              <a:p>
-                <a:r>
-                  <a:rPr lang="ru-RU">
-                    <a:noFill/>
-                  </a:rPr>
-                  <a:t> </a:t>
-                </a:r>
-              </a:p>
-            </p:txBody>
-          </p:sp>
-        </mc:Fallback>
-      </mc:AlternateContent>
-      <p:sp>
-        <p:nvSpPr>
-          <p:cNvPr id="4" name="Номер слайда 3"/>
-          <p:cNvSpPr>
-            <a:spLocks noGrp="1"/>
-          </p:cNvSpPr>
-          <p:nvPr>
-            <p:ph type="sldNum" sz="quarter" idx="12"/>
-          </p:nvPr>
-        </p:nvSpPr>
-        <p:spPr/>
-        <p:txBody>
-          <a:bodyPr/>
-          <a:lstStyle/>
-          <a:p>
-            <a:fld id="{8253DDDB-F8F7-4D64-A7FD-3F3D61C1949F}" type="slidenum">
-              <a:rPr lang="ru-RU" smtClean="0"/>
-              <a:t>19</a:t>
-            </a:fld>
-            <a:endParaRPr lang="ru-RU"/>
-          </a:p>
-        </p:txBody>
-      </p:sp>
-    </p:spTree>
-    <p:extLst>
-      <p:ext uri="{BB962C8B-B14F-4D97-AF65-F5344CB8AC3E}">
-        <p14:creationId xmlns:p14="http://schemas.microsoft.com/office/powerpoint/2010/main" val="1321474809"/>
-      </p:ext>
-    </p:extLst>
-  </p:cSld>
-  <p:clrMapOvr>
-    <a:masterClrMapping/>
-  </p:clrMapOvr>
-  <p:timing>
-    <p:tnLst>
-      <p:par>
-        <p:cTn id="1" dur="indefinite" restart="never" nodeType="tmRoot"/>
-      </p:par>
-    </p:tnLst>
-  </p:timing>
-</p:sld>
-</file>
-
 <file path=ppt/slides/slide2.xml><?xml version="1.0" encoding="utf-8"?>
 <p:sld xmlns:a="http://schemas.openxmlformats.org/drawingml/2006/main" xmlns:r="http://schemas.openxmlformats.org/officeDocument/2006/relationships" xmlns:p="http://schemas.openxmlformats.org/presentationml/2006/main">
   <p:cSld>
@@ -12264,8 +11578,8 @@
           </a:p>
         </p:txBody>
       </p:sp>
-      <mc:AlternateContent xmlns:mc="http://schemas.openxmlformats.org/markup-compatibility/2006" xmlns:a14="http://schemas.microsoft.com/office/drawing/2010/main">
-        <mc:Choice Requires="a14">
+      <mc:AlternateContent xmlns:mc="http://schemas.openxmlformats.org/markup-compatibility/2006">
+        <mc:Choice xmlns:a14="http://schemas.microsoft.com/office/drawing/2010/main" Requires="a14">
           <p:sp>
             <p:nvSpPr>
               <p:cNvPr id="3" name="Объект 2"/>
@@ -12298,20 +11612,36 @@
                 </a14:m>
                 <a:r>
                   <a:rPr lang="ru-RU" dirty="0" smtClean="0"/>
-                  <a:t> – пренебрежимо малая величина.</a:t>
+                  <a:t> – </a:t>
+                </a:r>
+                <a:r>
+                  <a:rPr lang="ru-RU" b="1" dirty="0" smtClean="0"/>
+                  <a:t>пренебрежимо малая величина</a:t>
+                </a:r>
+                <a:r>
+                  <a:rPr lang="ru-RU" dirty="0" smtClean="0"/>
+                  <a:t>.</a:t>
                 </a:r>
               </a:p>
               <a:p>
                 <a:r>
                   <a:rPr lang="ru-RU" dirty="0" smtClean="0"/>
-                  <a:t>Претендент и Противник – эффективные алгоритмы </a:t>
+                  <a:t>Претендент и Противник – </a:t>
+                </a:r>
+                <a:r>
+                  <a:rPr lang="ru-RU" b="1" dirty="0" smtClean="0"/>
+                  <a:t>эффективные алгоритмы</a:t>
+                </a:r>
+                <a:r>
+                  <a:rPr lang="ru-RU" dirty="0" smtClean="0"/>
+                  <a:t> </a:t>
                 </a:r>
                 <a:endParaRPr lang="ru-RU" dirty="0"/>
               </a:p>
             </p:txBody>
           </p:sp>
         </mc:Choice>
-        <mc:Fallback xmlns="">
+        <mc:Fallback>
           <p:sp>
             <p:nvSpPr>
               <p:cNvPr id="3" name="Объект 2"/>
@@ -12327,7 +11657,7 @@
                 <a:off x="838200" y="4109649"/>
                 <a:ext cx="10515600" cy="2067314"/>
               </a:xfrm>
-              <a:blipFill>
+              <a:blipFill rotWithShape="0">
                 <a:blip r:embed="rId2"/>
                 <a:stretch>
                   <a:fillRect l="-928" t="-4425"/>
@@ -13643,6 +12973,817 @@
           <a:p>
             <a:r>
               <a:rPr lang="ru-RU" dirty="0" smtClean="0"/>
+              <a:t>Поточный шифр</a:t>
+            </a:r>
+            <a:endParaRPr lang="ru-RU" dirty="0"/>
+          </a:p>
+        </p:txBody>
+      </p:sp>
+      <mc:AlternateContent xmlns:mc="http://schemas.openxmlformats.org/markup-compatibility/2006" xmlns:a14="http://schemas.microsoft.com/office/drawing/2010/main">
+        <mc:Choice Requires="a14">
+          <p:sp>
+            <p:nvSpPr>
+              <p:cNvPr id="3" name="Объект 2"/>
+              <p:cNvSpPr>
+                <a:spLocks noGrp="1"/>
+              </p:cNvSpPr>
+              <p:nvPr>
+                <p:ph idx="1"/>
+              </p:nvPr>
+            </p:nvSpPr>
+            <p:spPr/>
+            <p:txBody>
+              <a:bodyPr>
+                <a:normAutofit fontScale="92500" lnSpcReduction="10000"/>
+              </a:bodyPr>
+              <a:lstStyle/>
+              <a:p>
+                <a:pPr marL="0" indent="0">
+                  <a:buNone/>
+                </a:pPr>
+                <a:r>
+                  <a:rPr lang="ru-RU" dirty="0" smtClean="0"/>
+                  <a:t>Эффективно вычислимая функция </a:t>
+                </a:r>
+                <a14:m>
+                  <m:oMath xmlns:m="http://schemas.openxmlformats.org/officeDocument/2006/math">
+                    <m:r>
+                      <a:rPr lang="en-US" b="0" i="1" smtClean="0">
+                        <a:latin typeface="Cambria Math" panose="02040503050406030204" pitchFamily="18" charset="0"/>
+                      </a:rPr>
+                      <m:t>𝐺</m:t>
+                    </m:r>
+                    <m:r>
+                      <a:rPr lang="en-US" b="0" i="1" smtClean="0">
+                        <a:latin typeface="Cambria Math" panose="02040503050406030204" pitchFamily="18" charset="0"/>
+                      </a:rPr>
+                      <m:t>:</m:t>
+                    </m:r>
+                    <m:r>
+                      <a:rPr lang="en-US" b="0" i="1" smtClean="0">
+                        <a:latin typeface="Cambria Math" panose="02040503050406030204" pitchFamily="18" charset="0"/>
+                      </a:rPr>
+                      <m:t>𝑆</m:t>
+                    </m:r>
+                    <m:r>
+                      <a:rPr lang="en-US" b="0" i="1" smtClean="0">
+                        <a:latin typeface="Cambria Math" panose="02040503050406030204" pitchFamily="18" charset="0"/>
+                      </a:rPr>
+                      <m:t>→</m:t>
+                    </m:r>
+                    <m:r>
+                      <a:rPr lang="en-US" b="0" i="1" smtClean="0">
+                        <a:latin typeface="Cambria Math" panose="02040503050406030204" pitchFamily="18" charset="0"/>
+                      </a:rPr>
+                      <m:t>𝑅</m:t>
+                    </m:r>
+                  </m:oMath>
+                </a14:m>
+                <a:r>
+                  <a:rPr lang="en-US" dirty="0" smtClean="0"/>
+                  <a:t> </a:t>
+                </a:r>
+                <a:r>
+                  <a:rPr lang="ru-RU" dirty="0" smtClean="0"/>
+                  <a:t>называется </a:t>
+                </a:r>
+                <a:r>
+                  <a:rPr lang="ru-RU" b="1" dirty="0" smtClean="0"/>
+                  <a:t>псевдослучайным генератором</a:t>
+                </a:r>
+                <a:r>
+                  <a:rPr lang="en-US" dirty="0" smtClean="0"/>
+                  <a:t> </a:t>
+                </a:r>
+                <a:r>
+                  <a:rPr lang="ru-RU" dirty="0" smtClean="0"/>
+                  <a:t>на </a:t>
+                </a:r>
+                <a14:m>
+                  <m:oMath xmlns:m="http://schemas.openxmlformats.org/officeDocument/2006/math">
+                    <m:r>
+                      <a:rPr lang="en-US" b="0" i="1" smtClean="0">
+                        <a:latin typeface="Cambria Math" panose="02040503050406030204" pitchFamily="18" charset="0"/>
+                      </a:rPr>
+                      <m:t>(</m:t>
+                    </m:r>
+                    <m:r>
+                      <a:rPr lang="en-US" b="0" i="1" smtClean="0">
+                        <a:latin typeface="Cambria Math" panose="02040503050406030204" pitchFamily="18" charset="0"/>
+                      </a:rPr>
+                      <m:t>𝑆</m:t>
+                    </m:r>
+                    <m:r>
+                      <a:rPr lang="en-US" b="0" i="1" smtClean="0">
+                        <a:latin typeface="Cambria Math" panose="02040503050406030204" pitchFamily="18" charset="0"/>
+                      </a:rPr>
+                      <m:t>,</m:t>
+                    </m:r>
+                    <m:r>
+                      <a:rPr lang="en-US" b="0" i="1" smtClean="0">
+                        <a:latin typeface="Cambria Math" panose="02040503050406030204" pitchFamily="18" charset="0"/>
+                      </a:rPr>
+                      <m:t>𝑅</m:t>
+                    </m:r>
+                    <m:r>
+                      <a:rPr lang="en-US" b="0" i="1" smtClean="0">
+                        <a:latin typeface="Cambria Math" panose="02040503050406030204" pitchFamily="18" charset="0"/>
+                      </a:rPr>
+                      <m:t>)</m:t>
+                    </m:r>
+                  </m:oMath>
+                </a14:m>
+                <a:r>
+                  <a:rPr lang="ru-RU" dirty="0" smtClean="0"/>
+                  <a:t> </a:t>
+                </a:r>
+                <a:r>
+                  <a:rPr lang="en-US" b="1" dirty="0" smtClean="0"/>
+                  <a:t>PRG</a:t>
+                </a:r>
+                <a:r>
+                  <a:rPr lang="ru-RU" dirty="0" smtClean="0"/>
+                  <a:t>.</a:t>
+                </a:r>
+              </a:p>
+              <a:p>
+                <a:pPr marL="0" indent="0">
+                  <a:buNone/>
+                </a:pPr>
+                <a:r>
+                  <a:rPr lang="ru-RU" dirty="0" smtClean="0"/>
+                  <a:t>Шифр </a:t>
+                </a:r>
+                <a14:m>
+                  <m:oMath xmlns:m="http://schemas.openxmlformats.org/officeDocument/2006/math">
+                    <m:r>
+                      <m:rPr>
+                        <m:sty m:val="p"/>
+                      </m:rPr>
+                      <a:rPr lang="ru-RU" b="0" i="0" smtClean="0">
+                        <a:latin typeface="Cambria Math" panose="02040503050406030204" pitchFamily="18" charset="0"/>
+                      </a:rPr>
+                      <m:t>Ε</m:t>
+                    </m:r>
+                    <m:r>
+                      <a:rPr lang="en-US" b="0" i="1" smtClean="0">
+                        <a:latin typeface="Cambria Math" panose="02040503050406030204" pitchFamily="18" charset="0"/>
+                      </a:rPr>
+                      <m:t>=</m:t>
+                    </m:r>
+                    <m:d>
+                      <m:dPr>
+                        <m:ctrlPr>
+                          <a:rPr lang="en-US" b="0" i="1" smtClean="0">
+                            <a:latin typeface="Cambria Math" panose="02040503050406030204" pitchFamily="18" charset="0"/>
+                          </a:rPr>
+                        </m:ctrlPr>
+                      </m:dPr>
+                      <m:e>
+                        <m:r>
+                          <a:rPr lang="en-US" b="0" i="1" smtClean="0">
+                            <a:latin typeface="Cambria Math" panose="02040503050406030204" pitchFamily="18" charset="0"/>
+                          </a:rPr>
+                          <m:t>𝐸</m:t>
+                        </m:r>
+                        <m:r>
+                          <a:rPr lang="en-US" b="0" i="1" smtClean="0">
+                            <a:latin typeface="Cambria Math" panose="02040503050406030204" pitchFamily="18" charset="0"/>
+                          </a:rPr>
+                          <m:t>,</m:t>
+                        </m:r>
+                        <m:r>
+                          <a:rPr lang="en-US" b="0" i="1" smtClean="0">
+                            <a:latin typeface="Cambria Math" panose="02040503050406030204" pitchFamily="18" charset="0"/>
+                          </a:rPr>
+                          <m:t>𝐷</m:t>
+                        </m:r>
+                      </m:e>
+                    </m:d>
+                  </m:oMath>
+                </a14:m>
+                <a:r>
+                  <a:rPr lang="ru-RU" dirty="0" smtClean="0"/>
+                  <a:t> с параметрам </a:t>
+                </a:r>
+                <a14:m>
+                  <m:oMath xmlns:m="http://schemas.openxmlformats.org/officeDocument/2006/math">
+                    <m:r>
+                      <a:rPr lang="ru-RU" b="0" i="1" smtClean="0">
+                        <a:latin typeface="Cambria Math" panose="02040503050406030204" pitchFamily="18" charset="0"/>
+                      </a:rPr>
+                      <m:t>(</m:t>
+                    </m:r>
+                    <m:r>
+                      <a:rPr lang="en-US" b="0" i="1" smtClean="0">
+                        <a:latin typeface="Cambria Math" panose="02040503050406030204" pitchFamily="18" charset="0"/>
+                      </a:rPr>
+                      <m:t>𝑙</m:t>
+                    </m:r>
+                    <m:r>
+                      <a:rPr lang="en-US" b="0" i="1" smtClean="0">
+                        <a:latin typeface="Cambria Math" panose="02040503050406030204" pitchFamily="18" charset="0"/>
+                      </a:rPr>
+                      <m:t>, </m:t>
+                    </m:r>
+                    <m:r>
+                      <a:rPr lang="en-US" b="0" i="1" smtClean="0">
+                        <a:latin typeface="Cambria Math" panose="02040503050406030204" pitchFamily="18" charset="0"/>
+                      </a:rPr>
+                      <m:t>𝐿</m:t>
+                    </m:r>
+                    <m:r>
+                      <a:rPr lang="ru-RU" b="0" i="1" smtClean="0">
+                        <a:latin typeface="Cambria Math" panose="02040503050406030204" pitchFamily="18" charset="0"/>
+                      </a:rPr>
+                      <m:t>)</m:t>
+                    </m:r>
+                  </m:oMath>
+                </a14:m>
+                <a:r>
+                  <a:rPr lang="ru-RU" dirty="0" smtClean="0"/>
+                  <a:t> на </a:t>
+                </a:r>
+                <a14:m>
+                  <m:oMath xmlns:m="http://schemas.openxmlformats.org/officeDocument/2006/math">
+                    <m:d>
+                      <m:dPr>
+                        <m:ctrlPr>
+                          <a:rPr lang="en-US" b="0" i="1" smtClean="0">
+                            <a:latin typeface="Cambria Math" panose="02040503050406030204" pitchFamily="18" charset="0"/>
+                          </a:rPr>
+                        </m:ctrlPr>
+                      </m:dPr>
+                      <m:e>
+                        <m:r>
+                          <a:rPr lang="en-US" b="0" i="1" smtClean="0">
+                            <a:latin typeface="Cambria Math" panose="02040503050406030204" pitchFamily="18" charset="0"/>
+                          </a:rPr>
+                          <m:t>𝐾</m:t>
+                        </m:r>
+                        <m:r>
+                          <a:rPr lang="en-US" b="0" i="1" smtClean="0">
+                            <a:latin typeface="Cambria Math" panose="02040503050406030204" pitchFamily="18" charset="0"/>
+                          </a:rPr>
+                          <m:t>,</m:t>
+                        </m:r>
+                        <m:r>
+                          <a:rPr lang="en-US" b="0" i="1" smtClean="0">
+                            <a:latin typeface="Cambria Math" panose="02040503050406030204" pitchFamily="18" charset="0"/>
+                          </a:rPr>
+                          <m:t>𝑀</m:t>
+                        </m:r>
+                        <m:r>
+                          <a:rPr lang="en-US" b="0" i="1" smtClean="0">
+                            <a:latin typeface="Cambria Math" panose="02040503050406030204" pitchFamily="18" charset="0"/>
+                          </a:rPr>
+                          <m:t>,</m:t>
+                        </m:r>
+                        <m:r>
+                          <a:rPr lang="en-US" b="0" i="1" smtClean="0">
+                            <a:latin typeface="Cambria Math" panose="02040503050406030204" pitchFamily="18" charset="0"/>
+                          </a:rPr>
+                          <m:t>𝐶</m:t>
+                        </m:r>
+                      </m:e>
+                    </m:d>
+                    <m:r>
+                      <a:rPr lang="en-US" b="0" i="1" smtClean="0">
+                        <a:latin typeface="Cambria Math" panose="02040503050406030204" pitchFamily="18" charset="0"/>
+                      </a:rPr>
+                      <m:t>:</m:t>
+                    </m:r>
+                    <m:r>
+                      <a:rPr lang="en-US" b="0" i="1" smtClean="0">
+                        <a:latin typeface="Cambria Math" panose="02040503050406030204" pitchFamily="18" charset="0"/>
+                      </a:rPr>
+                      <m:t>𝐾</m:t>
+                    </m:r>
+                    <m:r>
+                      <a:rPr lang="en-US" b="0" i="1" smtClean="0">
+                        <a:latin typeface="Cambria Math" panose="02040503050406030204" pitchFamily="18" charset="0"/>
+                      </a:rPr>
+                      <m:t>=</m:t>
+                    </m:r>
+                    <m:sSup>
+                      <m:sSupPr>
+                        <m:ctrlPr>
+                          <a:rPr lang="en-US" b="0" i="1" smtClean="0">
+                            <a:latin typeface="Cambria Math" panose="02040503050406030204" pitchFamily="18" charset="0"/>
+                          </a:rPr>
+                        </m:ctrlPr>
+                      </m:sSupPr>
+                      <m:e>
+                        <m:d>
+                          <m:dPr>
+                            <m:begChr m:val="{"/>
+                            <m:endChr m:val="}"/>
+                            <m:ctrlPr>
+                              <a:rPr lang="en-US" b="0" i="1" smtClean="0">
+                                <a:latin typeface="Cambria Math" panose="02040503050406030204" pitchFamily="18" charset="0"/>
+                              </a:rPr>
+                            </m:ctrlPr>
+                          </m:dPr>
+                          <m:e>
+                            <m:r>
+                              <a:rPr lang="en-US" b="0" i="1" smtClean="0">
+                                <a:latin typeface="Cambria Math" panose="02040503050406030204" pitchFamily="18" charset="0"/>
+                              </a:rPr>
+                              <m:t>0,1</m:t>
+                            </m:r>
+                          </m:e>
+                        </m:d>
+                      </m:e>
+                      <m:sup>
+                        <m:r>
+                          <a:rPr lang="en-US" b="0" i="1" smtClean="0">
+                            <a:latin typeface="Cambria Math" panose="02040503050406030204" pitchFamily="18" charset="0"/>
+                          </a:rPr>
+                          <m:t>𝑙</m:t>
+                        </m:r>
+                      </m:sup>
+                    </m:sSup>
+                    <m:r>
+                      <a:rPr lang="en-US" b="0" i="1" smtClean="0">
+                        <a:latin typeface="Cambria Math" panose="02040503050406030204" pitchFamily="18" charset="0"/>
+                      </a:rPr>
+                      <m:t>, </m:t>
+                    </m:r>
+                    <m:r>
+                      <a:rPr lang="en-US" b="0" i="1" smtClean="0">
+                        <a:latin typeface="Cambria Math" panose="02040503050406030204" pitchFamily="18" charset="0"/>
+                      </a:rPr>
+                      <m:t>𝑀</m:t>
+                    </m:r>
+                    <m:r>
+                      <a:rPr lang="en-US" b="0" i="1" smtClean="0">
+                        <a:latin typeface="Cambria Math" panose="02040503050406030204" pitchFamily="18" charset="0"/>
+                      </a:rPr>
+                      <m:t>=</m:t>
+                    </m:r>
+                    <m:r>
+                      <a:rPr lang="en-US" b="0" i="1" smtClean="0">
+                        <a:latin typeface="Cambria Math" panose="02040503050406030204" pitchFamily="18" charset="0"/>
+                      </a:rPr>
+                      <m:t>𝐶</m:t>
+                    </m:r>
+                    <m:r>
+                      <a:rPr lang="en-US" b="0" i="1" smtClean="0">
+                        <a:latin typeface="Cambria Math" panose="02040503050406030204" pitchFamily="18" charset="0"/>
+                      </a:rPr>
+                      <m:t>=</m:t>
+                    </m:r>
+                    <m:sSup>
+                      <m:sSupPr>
+                        <m:ctrlPr>
+                          <a:rPr lang="en-US" b="0" i="1" smtClean="0">
+                            <a:latin typeface="Cambria Math" panose="02040503050406030204" pitchFamily="18" charset="0"/>
+                          </a:rPr>
+                        </m:ctrlPr>
+                      </m:sSupPr>
+                      <m:e>
+                        <m:d>
+                          <m:dPr>
+                            <m:begChr m:val="{"/>
+                            <m:endChr m:val="}"/>
+                            <m:ctrlPr>
+                              <a:rPr lang="en-US" b="0" i="1" smtClean="0">
+                                <a:latin typeface="Cambria Math" panose="02040503050406030204" pitchFamily="18" charset="0"/>
+                              </a:rPr>
+                            </m:ctrlPr>
+                          </m:dPr>
+                          <m:e>
+                            <m:r>
+                              <a:rPr lang="en-US" b="0" i="1" smtClean="0">
+                                <a:latin typeface="Cambria Math" panose="02040503050406030204" pitchFamily="18" charset="0"/>
+                              </a:rPr>
+                              <m:t>0,1</m:t>
+                            </m:r>
+                          </m:e>
+                        </m:d>
+                      </m:e>
+                      <m:sup>
+                        <m:r>
+                          <a:rPr lang="en-US" b="0" i="1" smtClean="0">
+                            <a:latin typeface="Cambria Math" panose="02040503050406030204" pitchFamily="18" charset="0"/>
+                          </a:rPr>
+                          <m:t>𝐿</m:t>
+                        </m:r>
+                      </m:sup>
+                    </m:sSup>
+                  </m:oMath>
+                </a14:m>
+                <a:r>
+                  <a:rPr lang="ru-RU" dirty="0" smtClean="0"/>
+                  <a:t>, называется </a:t>
+                </a:r>
+                <a:r>
+                  <a:rPr lang="ru-RU" b="1" dirty="0" smtClean="0"/>
+                  <a:t>поточным шифром</a:t>
+                </a:r>
+                <a:r>
+                  <a:rPr lang="ru-RU" dirty="0" smtClean="0"/>
+                  <a:t>, если </a:t>
+                </a:r>
+              </a:p>
+              <a:p>
+                <a:pPr marL="0" indent="0" algn="ctr">
+                  <a:buNone/>
+                </a:pPr>
+                <a14:m>
+                  <m:oMath xmlns:m="http://schemas.openxmlformats.org/officeDocument/2006/math">
+                    <m:r>
+                      <a:rPr lang="en-US" b="0" i="1" smtClean="0">
+                        <a:latin typeface="Cambria Math" panose="02040503050406030204" pitchFamily="18" charset="0"/>
+                      </a:rPr>
+                      <m:t>𝐸</m:t>
+                    </m:r>
+                    <m:d>
+                      <m:dPr>
+                        <m:ctrlPr>
+                          <a:rPr lang="en-US" b="0" i="1" smtClean="0">
+                            <a:latin typeface="Cambria Math" panose="02040503050406030204" pitchFamily="18" charset="0"/>
+                          </a:rPr>
+                        </m:ctrlPr>
+                      </m:dPr>
+                      <m:e>
+                        <m:r>
+                          <a:rPr lang="en-US" b="0" i="1" smtClean="0">
+                            <a:latin typeface="Cambria Math" panose="02040503050406030204" pitchFamily="18" charset="0"/>
+                          </a:rPr>
+                          <m:t>𝑘</m:t>
+                        </m:r>
+                        <m:r>
+                          <a:rPr lang="en-US" b="0" i="1" smtClean="0">
+                            <a:latin typeface="Cambria Math" panose="02040503050406030204" pitchFamily="18" charset="0"/>
+                          </a:rPr>
+                          <m:t>,</m:t>
+                        </m:r>
+                        <m:r>
+                          <a:rPr lang="en-US" b="0" i="1" smtClean="0">
+                            <a:latin typeface="Cambria Math" panose="02040503050406030204" pitchFamily="18" charset="0"/>
+                          </a:rPr>
+                          <m:t>𝑚</m:t>
+                        </m:r>
+                      </m:e>
+                    </m:d>
+                    <m:r>
+                      <a:rPr lang="en-US" b="0" i="1" smtClean="0">
+                        <a:latin typeface="Cambria Math" panose="02040503050406030204" pitchFamily="18" charset="0"/>
+                      </a:rPr>
+                      <m:t>=</m:t>
+                    </m:r>
+                    <m:r>
+                      <a:rPr lang="en-US" b="0" i="1" smtClean="0">
+                        <a:latin typeface="Cambria Math" panose="02040503050406030204" pitchFamily="18" charset="0"/>
+                      </a:rPr>
+                      <m:t>𝐺</m:t>
+                    </m:r>
+                    <m:d>
+                      <m:dPr>
+                        <m:ctrlPr>
+                          <a:rPr lang="en-US" b="0" i="1" smtClean="0">
+                            <a:latin typeface="Cambria Math" panose="02040503050406030204" pitchFamily="18" charset="0"/>
+                          </a:rPr>
+                        </m:ctrlPr>
+                      </m:dPr>
+                      <m:e>
+                        <m:r>
+                          <a:rPr lang="en-US" b="0" i="1" smtClean="0">
+                            <a:latin typeface="Cambria Math" panose="02040503050406030204" pitchFamily="18" charset="0"/>
+                          </a:rPr>
+                          <m:t>𝑘</m:t>
+                        </m:r>
+                      </m:e>
+                    </m:d>
+                    <m:r>
+                      <a:rPr lang="en-US" b="0" i="1" smtClean="0">
+                        <a:latin typeface="Cambria Math" panose="02040503050406030204" pitchFamily="18" charset="0"/>
+                      </a:rPr>
+                      <m:t>⊕</m:t>
+                    </m:r>
+                    <m:r>
+                      <a:rPr lang="en-US" b="0" i="1" smtClean="0">
+                        <a:latin typeface="Cambria Math" panose="02040503050406030204" pitchFamily="18" charset="0"/>
+                      </a:rPr>
+                      <m:t>𝑚</m:t>
+                    </m:r>
+                    <m:r>
+                      <a:rPr lang="ru-RU" b="0" i="0" smtClean="0">
+                        <a:latin typeface="Cambria Math" panose="02040503050406030204" pitchFamily="18" charset="0"/>
+                      </a:rPr>
+                      <m:t>,</m:t>
+                    </m:r>
+                  </m:oMath>
+                </a14:m>
+                <a:r>
+                  <a:rPr lang="ru-RU" dirty="0" smtClean="0"/>
+                  <a:t> </a:t>
+                </a:r>
+              </a:p>
+              <a:p>
+                <a:pPr marL="0" indent="0">
+                  <a:buNone/>
+                </a:pPr>
+                <a:r>
+                  <a:rPr lang="ru-RU" dirty="0" smtClean="0"/>
+                  <a:t>где</a:t>
+                </a:r>
+                <a14:m>
+                  <m:oMath xmlns:m="http://schemas.openxmlformats.org/officeDocument/2006/math">
+                    <m:r>
+                      <a:rPr lang="ru-RU" b="0" i="0" smtClean="0">
+                        <a:latin typeface="Cambria Math" panose="02040503050406030204" pitchFamily="18" charset="0"/>
+                      </a:rPr>
+                      <m:t> </m:t>
+                    </m:r>
+                    <m:r>
+                      <a:rPr lang="en-US" i="1">
+                        <a:latin typeface="Cambria Math" panose="02040503050406030204" pitchFamily="18" charset="0"/>
+                      </a:rPr>
+                      <m:t>𝐺</m:t>
+                    </m:r>
+                    <m:r>
+                      <a:rPr lang="en-US" i="1">
+                        <a:latin typeface="Cambria Math" panose="02040503050406030204" pitchFamily="18" charset="0"/>
+                      </a:rPr>
+                      <m:t>:</m:t>
+                    </m:r>
+                    <m:sSup>
+                      <m:sSupPr>
+                        <m:ctrlPr>
+                          <a:rPr lang="en-US" i="1">
+                            <a:latin typeface="Cambria Math" panose="02040503050406030204" pitchFamily="18" charset="0"/>
+                          </a:rPr>
+                        </m:ctrlPr>
+                      </m:sSupPr>
+                      <m:e>
+                        <m:d>
+                          <m:dPr>
+                            <m:begChr m:val="{"/>
+                            <m:endChr m:val="}"/>
+                            <m:ctrlPr>
+                              <a:rPr lang="en-US" i="1">
+                                <a:latin typeface="Cambria Math" panose="02040503050406030204" pitchFamily="18" charset="0"/>
+                              </a:rPr>
+                            </m:ctrlPr>
+                          </m:dPr>
+                          <m:e>
+                            <m:r>
+                              <a:rPr lang="en-US" i="1">
+                                <a:latin typeface="Cambria Math" panose="02040503050406030204" pitchFamily="18" charset="0"/>
+                              </a:rPr>
+                              <m:t>0,1</m:t>
+                            </m:r>
+                          </m:e>
+                        </m:d>
+                      </m:e>
+                      <m:sup>
+                        <m:r>
+                          <a:rPr lang="en-US" i="1">
+                            <a:latin typeface="Cambria Math" panose="02040503050406030204" pitchFamily="18" charset="0"/>
+                          </a:rPr>
+                          <m:t>𝑙</m:t>
+                        </m:r>
+                      </m:sup>
+                    </m:sSup>
+                    <m:r>
+                      <a:rPr lang="en-US" i="1">
+                        <a:latin typeface="Cambria Math" panose="02040503050406030204" pitchFamily="18" charset="0"/>
+                      </a:rPr>
+                      <m:t>→</m:t>
+                    </m:r>
+                    <m:sSup>
+                      <m:sSupPr>
+                        <m:ctrlPr>
+                          <a:rPr lang="en-US" i="1">
+                            <a:latin typeface="Cambria Math" panose="02040503050406030204" pitchFamily="18" charset="0"/>
+                          </a:rPr>
+                        </m:ctrlPr>
+                      </m:sSupPr>
+                      <m:e>
+                        <m:d>
+                          <m:dPr>
+                            <m:begChr m:val="{"/>
+                            <m:endChr m:val="}"/>
+                            <m:ctrlPr>
+                              <a:rPr lang="en-US" i="1">
+                                <a:latin typeface="Cambria Math" panose="02040503050406030204" pitchFamily="18" charset="0"/>
+                              </a:rPr>
+                            </m:ctrlPr>
+                          </m:dPr>
+                          <m:e>
+                            <m:r>
+                              <a:rPr lang="en-US" i="1">
+                                <a:latin typeface="Cambria Math" panose="02040503050406030204" pitchFamily="18" charset="0"/>
+                              </a:rPr>
+                              <m:t>0,1</m:t>
+                            </m:r>
+                          </m:e>
+                        </m:d>
+                      </m:e>
+                      <m:sup>
+                        <m:r>
+                          <a:rPr lang="en-US" i="1">
+                            <a:latin typeface="Cambria Math" panose="02040503050406030204" pitchFamily="18" charset="0"/>
+                          </a:rPr>
+                          <m:t>𝐿</m:t>
+                        </m:r>
+                      </m:sup>
+                    </m:sSup>
+                  </m:oMath>
+                </a14:m>
+                <a:r>
+                  <a:rPr lang="en-US" dirty="0" smtClean="0"/>
+                  <a:t> - </a:t>
+                </a:r>
+                <a:r>
+                  <a:rPr lang="ru-RU" dirty="0" smtClean="0"/>
+                  <a:t>псевдослучайный генератор.</a:t>
+                </a:r>
+              </a:p>
+              <a:p>
+                <a:endParaRPr lang="ru-RU" dirty="0"/>
+              </a:p>
+              <a:p>
+                <a:pPr marL="0" indent="0">
+                  <a:buNone/>
+                </a:pPr>
+                <a:r>
+                  <a:rPr lang="ru-RU" dirty="0" smtClean="0"/>
+                  <a:t>Аналогично можно ввести Поточный шифр по произвольному модулю.</a:t>
+                </a:r>
+              </a:p>
+              <a:p>
+                <a:pPr marL="0" indent="0">
+                  <a:buNone/>
+                </a:pPr>
+                <a:endParaRPr lang="ru-RU" dirty="0"/>
+              </a:p>
+              <a:p>
+                <a:pPr marL="0" indent="0">
+                  <a:buNone/>
+                </a:pPr>
+                <a:r>
+                  <a:rPr lang="ru-RU" dirty="0" smtClean="0"/>
+                  <a:t>Стойкость поточного шифра сводится к «качеству» псевдослучайной последовательности </a:t>
+                </a:r>
+                <a14:m>
+                  <m:oMath xmlns:m="http://schemas.openxmlformats.org/officeDocument/2006/math">
+                    <m:r>
+                      <a:rPr lang="en-US" b="0" i="1" smtClean="0">
+                        <a:latin typeface="Cambria Math" panose="02040503050406030204" pitchFamily="18" charset="0"/>
+                      </a:rPr>
+                      <m:t>𝛾</m:t>
+                    </m:r>
+                    <m:r>
+                      <a:rPr lang="en-US" b="0" i="1" smtClean="0">
+                        <a:latin typeface="Cambria Math" panose="02040503050406030204" pitchFamily="18" charset="0"/>
+                      </a:rPr>
+                      <m:t>=</m:t>
+                    </m:r>
+                    <m:r>
+                      <a:rPr lang="en-US" b="0" i="1" smtClean="0">
+                        <a:latin typeface="Cambria Math" panose="02040503050406030204" pitchFamily="18" charset="0"/>
+                      </a:rPr>
+                      <m:t>𝐺</m:t>
+                    </m:r>
+                    <m:r>
+                      <a:rPr lang="en-US" b="0" i="1" smtClean="0">
+                        <a:latin typeface="Cambria Math" panose="02040503050406030204" pitchFamily="18" charset="0"/>
+                      </a:rPr>
+                      <m:t>(</m:t>
+                    </m:r>
+                    <m:r>
+                      <a:rPr lang="en-US" b="0" i="1" smtClean="0">
+                        <a:latin typeface="Cambria Math" panose="02040503050406030204" pitchFamily="18" charset="0"/>
+                      </a:rPr>
+                      <m:t>𝑘</m:t>
+                    </m:r>
+                    <m:r>
+                      <a:rPr lang="en-US" b="0" i="1" smtClean="0">
+                        <a:latin typeface="Cambria Math" panose="02040503050406030204" pitchFamily="18" charset="0"/>
+                      </a:rPr>
+                      <m:t>)</m:t>
+                    </m:r>
+                  </m:oMath>
+                </a14:m>
+                <a:endParaRPr lang="ru-RU" dirty="0"/>
+              </a:p>
+            </p:txBody>
+          </p:sp>
+        </mc:Choice>
+        <mc:Fallback xmlns="">
+          <p:sp>
+            <p:nvSpPr>
+              <p:cNvPr id="3" name="Объект 2"/>
+              <p:cNvSpPr>
+                <a:spLocks noGrp="1" noRot="1" noChangeAspect="1" noMove="1" noResize="1" noEditPoints="1" noAdjustHandles="1" noChangeArrowheads="1" noChangeShapeType="1" noTextEdit="1"/>
+              </p:cNvSpPr>
+              <p:nvPr>
+                <p:ph idx="1"/>
+              </p:nvPr>
+            </p:nvSpPr>
+            <p:spPr>
+              <a:blipFill>
+                <a:blip r:embed="rId2"/>
+                <a:stretch>
+                  <a:fillRect l="-928" t="-2661" b="-140"/>
+                </a:stretch>
+              </a:blipFill>
+            </p:spPr>
+            <p:txBody>
+              <a:bodyPr/>
+              <a:lstStyle/>
+              <a:p>
+                <a:r>
+                  <a:rPr lang="ru-RU">
+                    <a:noFill/>
+                  </a:rPr>
+                  <a:t> </a:t>
+                </a:r>
+              </a:p>
+            </p:txBody>
+          </p:sp>
+        </mc:Fallback>
+      </mc:AlternateContent>
+      <p:sp>
+        <p:nvSpPr>
+          <p:cNvPr id="4" name="Номер слайда 3"/>
+          <p:cNvSpPr>
+            <a:spLocks noGrp="1"/>
+          </p:cNvSpPr>
+          <p:nvPr>
+            <p:ph type="sldNum" sz="quarter" idx="12"/>
+          </p:nvPr>
+        </p:nvSpPr>
+        <p:spPr/>
+        <p:txBody>
+          <a:bodyPr/>
+          <a:lstStyle/>
+          <a:p>
+            <a:fld id="{8253DDDB-F8F7-4D64-A7FD-3F3D61C1949F}" type="slidenum">
+              <a:rPr lang="ru-RU" smtClean="0"/>
+              <a:t>20</a:t>
+            </a:fld>
+            <a:endParaRPr lang="ru-RU"/>
+          </a:p>
+        </p:txBody>
+      </p:sp>
+    </p:spTree>
+    <p:extLst>
+      <p:ext uri="{BB962C8B-B14F-4D97-AF65-F5344CB8AC3E}">
+        <p14:creationId xmlns:p14="http://schemas.microsoft.com/office/powerpoint/2010/main" val="1321474809"/>
+      </p:ext>
+    </p:extLst>
+  </p:cSld>
+  <p:clrMapOvr>
+    <a:masterClrMapping/>
+  </p:clrMapOvr>
+  <p:timing>
+    <p:tnLst>
+      <p:par>
+        <p:cTn id="1" dur="indefinite" restart="never" nodeType="tmRoot"/>
+      </p:par>
+    </p:tnLst>
+  </p:timing>
+</p:sld>
+</file>
+
+<file path=ppt/slides/slide21.xml><?xml version="1.0" encoding="utf-8"?>
+<p:sld xmlns:a="http://schemas.openxmlformats.org/drawingml/2006/main" xmlns:r="http://schemas.openxmlformats.org/officeDocument/2006/relationships" xmlns:p="http://schemas.openxmlformats.org/presentationml/2006/main">
+  <p:cSld>
+    <p:spTree>
+      <p:nvGrpSpPr>
+        <p:cNvPr id="1" name=""/>
+        <p:cNvGrpSpPr/>
+        <p:nvPr/>
+      </p:nvGrpSpPr>
+      <p:grpSpPr>
+        <a:xfrm>
+          <a:off x="0" y="0"/>
+          <a:ext cx="0" cy="0"/>
+          <a:chOff x="0" y="0"/>
+          <a:chExt cx="0" cy="0"/>
+        </a:xfrm>
+      </p:grpSpPr>
+      <p:sp>
+        <p:nvSpPr>
+          <p:cNvPr id="2" name="Заголовок 1"/>
+          <p:cNvSpPr>
+            <a:spLocks noGrp="1"/>
+          </p:cNvSpPr>
+          <p:nvPr>
+            <p:ph type="title"/>
+          </p:nvPr>
+        </p:nvSpPr>
+        <p:spPr/>
+        <p:txBody>
+          <a:bodyPr/>
+          <a:lstStyle/>
+          <a:p>
+            <a:r>
+              <a:rPr lang="ru-RU" dirty="0" smtClean="0"/>
               <a:t>Стойкий псевдослучайный генератор</a:t>
             </a:r>
             <a:endParaRPr lang="ru-RU" dirty="0"/>
@@ -13880,7 +14021,7 @@
           <a:p>
             <a:fld id="{8253DDDB-F8F7-4D64-A7FD-3F3D61C1949F}" type="slidenum">
               <a:rPr lang="ru-RU" smtClean="0"/>
-              <a:t>20</a:t>
+              <a:t>21</a:t>
             </a:fld>
             <a:endParaRPr lang="ru-RU"/>
           </a:p>
@@ -14876,7 +15017,7 @@
 </p:sld>
 </file>
 
-<file path=ppt/slides/slide21.xml><?xml version="1.0" encoding="utf-8"?>
+<file path=ppt/slides/slide22.xml><?xml version="1.0" encoding="utf-8"?>
 <p:sld xmlns:a="http://schemas.openxmlformats.org/drawingml/2006/main" xmlns:r="http://schemas.openxmlformats.org/officeDocument/2006/relationships" xmlns:p="http://schemas.openxmlformats.org/presentationml/2006/main">
   <p:cSld>
     <p:spTree>
@@ -15346,7 +15487,7 @@
           <a:p>
             <a:fld id="{8253DDDB-F8F7-4D64-A7FD-3F3D61C1949F}" type="slidenum">
               <a:rPr lang="ru-RU" smtClean="0"/>
-              <a:t>21</a:t>
+              <a:t>22</a:t>
             </a:fld>
             <a:endParaRPr lang="ru-RU"/>
           </a:p>
@@ -16229,7 +16370,7 @@
 </p:sld>
 </file>
 
-<file path=ppt/slides/slide22.xml><?xml version="1.0" encoding="utf-8"?>
+<file path=ppt/slides/slide23.xml><?xml version="1.0" encoding="utf-8"?>
 <p:sld xmlns:a="http://schemas.openxmlformats.org/drawingml/2006/main" xmlns:r="http://schemas.openxmlformats.org/officeDocument/2006/relationships" xmlns:p="http://schemas.openxmlformats.org/presentationml/2006/main">
   <p:cSld>
     <p:spTree>
@@ -16268,8 +16409,8 @@
           </a:p>
         </p:txBody>
       </p:sp>
-      <mc:AlternateContent xmlns:mc="http://schemas.openxmlformats.org/markup-compatibility/2006" xmlns:a14="http://schemas.microsoft.com/office/drawing/2010/main">
-        <mc:Choice Requires="a14">
+      <mc:AlternateContent xmlns:mc="http://schemas.openxmlformats.org/markup-compatibility/2006">
+        <mc:Choice xmlns:a14="http://schemas.microsoft.com/office/drawing/2010/main" Requires="a14">
           <p:sp>
             <p:nvSpPr>
               <p:cNvPr id="3" name="Объект 2"/>
@@ -16553,7 +16694,11 @@
                 </a:r>
                 <a:r>
                   <a:rPr lang="ru-RU" b="1" dirty="0" smtClean="0"/>
-                  <a:t>статистически неразличимой от случайной последовательности или</a:t>
+                  <a:t>статистически неразличимой от случайной последовательности </a:t>
+                </a:r>
+                <a:r>
+                  <a:rPr lang="ru-RU" dirty="0" smtClean="0"/>
+                  <a:t>или</a:t>
                 </a:r>
                 <a:r>
                   <a:rPr lang="en-US" b="1" dirty="0" smtClean="0"/>
@@ -16561,11 +16706,19 @@
                 </a:r>
                 <a:r>
                   <a:rPr lang="ru-RU" b="1" dirty="0" smtClean="0"/>
-                  <a:t>стойкой псевдослучайной</a:t>
+                  <a:t>стойкой </a:t>
+                </a:r>
+                <a:r>
+                  <a:rPr lang="ru-RU" b="1" dirty="0" smtClean="0"/>
+                  <a:t>псевдослучайной последовательностью</a:t>
                 </a:r>
                 <a:r>
                   <a:rPr lang="ru-RU" dirty="0" smtClean="0"/>
-                  <a:t>. Обозначается </a:t>
+                  <a:t>. </a:t>
+                </a:r>
+                <a:r>
+                  <a:rPr lang="ru-RU" dirty="0" smtClean="0"/>
+                  <a:t>Обозначается </a:t>
                 </a:r>
                 <a14:m>
                   <m:oMath xmlns:m="http://schemas.openxmlformats.org/officeDocument/2006/math">
@@ -16646,7 +16799,7 @@
             </p:txBody>
           </p:sp>
         </mc:Choice>
-        <mc:Fallback xmlns="">
+        <mc:Fallback>
           <p:sp>
             <p:nvSpPr>
               <p:cNvPr id="3" name="Объект 2"/>
@@ -16662,7 +16815,7 @@
                 <a:off x="838200" y="1555230"/>
                 <a:ext cx="10515600" cy="2554601"/>
               </a:xfrm>
-              <a:blipFill>
+              <a:blipFill rotWithShape="0">
                 <a:blip r:embed="rId2"/>
                 <a:stretch>
                   <a:fillRect l="-928" t="-5489" r="-1333"/>
@@ -16701,7 +16854,7 @@
           <a:p>
             <a:fld id="{8253DDDB-F8F7-4D64-A7FD-3F3D61C1949F}" type="slidenum">
               <a:rPr lang="ru-RU" smtClean="0"/>
-              <a:t>22</a:t>
+              <a:t>23</a:t>
             </a:fld>
             <a:endParaRPr lang="ru-RU"/>
           </a:p>
@@ -17861,7 +18014,7 @@
 </p:sld>
 </file>
 
-<file path=ppt/slides/slide23.xml><?xml version="1.0" encoding="utf-8"?>
+<file path=ppt/slides/slide24.xml><?xml version="1.0" encoding="utf-8"?>
 <p:sld xmlns:a="http://schemas.openxmlformats.org/drawingml/2006/main" xmlns:r="http://schemas.openxmlformats.org/officeDocument/2006/relationships" xmlns:p="http://schemas.openxmlformats.org/presentationml/2006/main">
   <p:cSld>
     <p:spTree>
@@ -18621,7 +18774,7 @@
           <a:p>
             <a:fld id="{8253DDDB-F8F7-4D64-A7FD-3F3D61C1949F}" type="slidenum">
               <a:rPr lang="ru-RU" smtClean="0"/>
-              <a:t>23</a:t>
+              <a:t>24</a:t>
             </a:fld>
             <a:endParaRPr lang="ru-RU"/>
           </a:p>
@@ -18647,7 +18800,7 @@
 </p:sld>
 </file>
 
-<file path=ppt/slides/slide24.xml><?xml version="1.0" encoding="utf-8"?>
+<file path=ppt/slides/slide25.xml><?xml version="1.0" encoding="utf-8"?>
 <p:sld xmlns:a="http://schemas.openxmlformats.org/drawingml/2006/main" xmlns:r="http://schemas.openxmlformats.org/officeDocument/2006/relationships" xmlns:p="http://schemas.openxmlformats.org/presentationml/2006/main">
   <p:cSld>
     <p:spTree>
@@ -19083,7 +19236,7 @@
           <a:p>
             <a:fld id="{8253DDDB-F8F7-4D64-A7FD-3F3D61C1949F}" type="slidenum">
               <a:rPr lang="ru-RU" smtClean="0"/>
-              <a:t>24</a:t>
+              <a:t>25</a:t>
             </a:fld>
             <a:endParaRPr lang="ru-RU"/>
           </a:p>
@@ -19351,7 +19504,7 @@
 </p:sld>
 </file>
 
-<file path=ppt/slides/slide25.xml><?xml version="1.0" encoding="utf-8"?>
+<file path=ppt/slides/slide26.xml><?xml version="1.0" encoding="utf-8"?>
 <p:sld xmlns:a="http://schemas.openxmlformats.org/drawingml/2006/main" xmlns:r="http://schemas.openxmlformats.org/officeDocument/2006/relationships" xmlns:p="http://schemas.openxmlformats.org/presentationml/2006/main">
   <p:cSld>
     <p:spTree>
@@ -20166,7 +20319,7 @@
           <a:p>
             <a:fld id="{8253DDDB-F8F7-4D64-A7FD-3F3D61C1949F}" type="slidenum">
               <a:rPr lang="ru-RU" smtClean="0"/>
-              <a:t>25</a:t>
+              <a:t>26</a:t>
             </a:fld>
             <a:endParaRPr lang="ru-RU" dirty="0"/>
           </a:p>
@@ -20192,7 +20345,7 @@
 </p:sld>
 </file>
 
-<file path=ppt/slides/slide26.xml><?xml version="1.0" encoding="utf-8"?>
+<file path=ppt/slides/slide27.xml><?xml version="1.0" encoding="utf-8"?>
 <p:sld xmlns:a="http://schemas.openxmlformats.org/drawingml/2006/main" xmlns:r="http://schemas.openxmlformats.org/officeDocument/2006/relationships" xmlns:p="http://schemas.openxmlformats.org/presentationml/2006/main">
   <p:cSld>
     <p:spTree>
@@ -20665,7 +20818,7 @@
           <a:p>
             <a:fld id="{8253DDDB-F8F7-4D64-A7FD-3F3D61C1949F}" type="slidenum">
               <a:rPr lang="ru-RU" smtClean="0"/>
-              <a:t>26</a:t>
+              <a:t>27</a:t>
             </a:fld>
             <a:endParaRPr lang="ru-RU" dirty="0"/>
           </a:p>
@@ -21271,7 +21424,7 @@
 </p:sld>
 </file>
 
-<file path=ppt/slides/slide27.xml><?xml version="1.0" encoding="utf-8"?>
+<file path=ppt/slides/slide28.xml><?xml version="1.0" encoding="utf-8"?>
 <p:sld xmlns:a="http://schemas.openxmlformats.org/drawingml/2006/main" xmlns:r="http://schemas.openxmlformats.org/officeDocument/2006/relationships" xmlns:p="http://schemas.openxmlformats.org/presentationml/2006/main">
   <p:cSld>
     <p:spTree>
@@ -21619,7 +21772,7 @@
           <a:p>
             <a:fld id="{8253DDDB-F8F7-4D64-A7FD-3F3D61C1949F}" type="slidenum">
               <a:rPr lang="ru-RU" smtClean="0"/>
-              <a:t>27</a:t>
+              <a:t>28</a:t>
             </a:fld>
             <a:endParaRPr lang="ru-RU" dirty="0"/>
           </a:p>
@@ -21645,7 +21798,7 @@
 </p:sld>
 </file>
 
-<file path=ppt/slides/slide28.xml><?xml version="1.0" encoding="utf-8"?>
+<file path=ppt/slides/slide29.xml><?xml version="1.0" encoding="utf-8"?>
 <p:sld xmlns:a="http://schemas.openxmlformats.org/drawingml/2006/main" xmlns:r="http://schemas.openxmlformats.org/officeDocument/2006/relationships" xmlns:p="http://schemas.openxmlformats.org/presentationml/2006/main">
   <p:cSld>
     <p:spTree>
@@ -22161,7 +22314,7 @@
           <a:p>
             <a:fld id="{8253DDDB-F8F7-4D64-A7FD-3F3D61C1949F}" type="slidenum">
               <a:rPr lang="ru-RU" smtClean="0"/>
-              <a:t>28</a:t>
+              <a:t>29</a:t>
             </a:fld>
             <a:endParaRPr lang="ru-RU"/>
           </a:p>
@@ -22187,7 +22340,824 @@
 </p:sld>
 </file>
 
-<file path=ppt/slides/slide29.xml><?xml version="1.0" encoding="utf-8"?>
+<file path=ppt/slides/slide3.xml><?xml version="1.0" encoding="utf-8"?>
+<p:sld xmlns:a="http://schemas.openxmlformats.org/drawingml/2006/main" xmlns:r="http://schemas.openxmlformats.org/officeDocument/2006/relationships" xmlns:p="http://schemas.openxmlformats.org/presentationml/2006/main">
+  <p:cSld>
+    <p:spTree>
+      <p:nvGrpSpPr>
+        <p:cNvPr id="1" name=""/>
+        <p:cNvGrpSpPr/>
+        <p:nvPr/>
+      </p:nvGrpSpPr>
+      <p:grpSpPr>
+        <a:xfrm>
+          <a:off x="0" y="0"/>
+          <a:ext cx="0" cy="0"/>
+          <a:chOff x="0" y="0"/>
+          <a:chExt cx="0" cy="0"/>
+        </a:xfrm>
+      </p:grpSpPr>
+      <p:sp>
+        <p:nvSpPr>
+          <p:cNvPr id="5" name="Скругленный прямоугольник 4"/>
+          <p:cNvSpPr/>
+          <p:nvPr/>
+        </p:nvSpPr>
+        <p:spPr>
+          <a:xfrm>
+            <a:off x="669956" y="3684759"/>
+            <a:ext cx="10791732" cy="1729213"/>
+          </a:xfrm>
+          <a:prstGeom prst="roundRect">
+            <a:avLst/>
+          </a:prstGeom>
+        </p:spPr>
+        <p:style>
+          <a:lnRef idx="1">
+            <a:schemeClr val="accent3"/>
+          </a:lnRef>
+          <a:fillRef idx="2">
+            <a:schemeClr val="accent3"/>
+          </a:fillRef>
+          <a:effectRef idx="1">
+            <a:schemeClr val="accent3"/>
+          </a:effectRef>
+          <a:fontRef idx="minor">
+            <a:schemeClr val="dk1"/>
+          </a:fontRef>
+        </p:style>
+        <p:txBody>
+          <a:bodyPr rtlCol="0" anchor="ctr"/>
+          <a:lstStyle/>
+          <a:p>
+            <a:pPr algn="ctr"/>
+            <a:endParaRPr lang="ru-RU"/>
+          </a:p>
+        </p:txBody>
+      </p:sp>
+      <p:sp>
+        <p:nvSpPr>
+          <p:cNvPr id="2" name="Заголовок 1"/>
+          <p:cNvSpPr>
+            <a:spLocks noGrp="1"/>
+          </p:cNvSpPr>
+          <p:nvPr>
+            <p:ph type="title"/>
+          </p:nvPr>
+        </p:nvSpPr>
+        <p:spPr/>
+        <p:txBody>
+          <a:bodyPr/>
+          <a:lstStyle/>
+          <a:p>
+            <a:r>
+              <a:rPr lang="ru-RU" dirty="0" smtClean="0"/>
+              <a:t>Пренебрежимо малые величины</a:t>
+            </a:r>
+            <a:endParaRPr lang="ru-RU" dirty="0"/>
+          </a:p>
+        </p:txBody>
+      </p:sp>
+      <mc:AlternateContent xmlns:mc="http://schemas.openxmlformats.org/markup-compatibility/2006" xmlns:a14="http://schemas.microsoft.com/office/drawing/2010/main">
+        <mc:Choice Requires="a14">
+          <p:sp>
+            <p:nvSpPr>
+              <p:cNvPr id="3" name="Объект 2"/>
+              <p:cNvSpPr>
+                <a:spLocks noGrp="1"/>
+              </p:cNvSpPr>
+              <p:nvPr>
+                <p:ph idx="1"/>
+              </p:nvPr>
+            </p:nvSpPr>
+            <p:spPr>
+              <a:xfrm>
+                <a:off x="838200" y="1825624"/>
+                <a:ext cx="10515600" cy="4629767"/>
+              </a:xfrm>
+            </p:spPr>
+            <p:txBody>
+              <a:bodyPr>
+                <a:normAutofit lnSpcReduction="10000"/>
+              </a:bodyPr>
+              <a:lstStyle/>
+              <a:p>
+                <a:pPr marL="0" indent="0">
+                  <a:buNone/>
+                </a:pPr>
+                <a:r>
+                  <a:rPr lang="ru-RU" dirty="0" smtClean="0"/>
+                  <a:t>Функция </a:t>
+                </a:r>
+                <a14:m>
+                  <m:oMath xmlns:m="http://schemas.openxmlformats.org/officeDocument/2006/math">
+                    <m:r>
+                      <a:rPr lang="en-US" b="0" i="1" smtClean="0">
+                        <a:latin typeface="Cambria Math" panose="02040503050406030204" pitchFamily="18" charset="0"/>
+                      </a:rPr>
+                      <m:t>𝑓</m:t>
+                    </m:r>
+                    <m:r>
+                      <a:rPr lang="en-US" b="0" i="1" smtClean="0">
+                        <a:latin typeface="Cambria Math" panose="02040503050406030204" pitchFamily="18" charset="0"/>
+                      </a:rPr>
+                      <m:t>:</m:t>
+                    </m:r>
+                    <m:sSub>
+                      <m:sSubPr>
+                        <m:ctrlPr>
+                          <a:rPr lang="en-US" b="0" i="1" smtClean="0">
+                            <a:latin typeface="Cambria Math" panose="02040503050406030204" pitchFamily="18" charset="0"/>
+                          </a:rPr>
+                        </m:ctrlPr>
+                      </m:sSubPr>
+                      <m:e>
+                        <m:r>
+                          <a:rPr lang="en-US" b="0" i="1" smtClean="0">
+                            <a:latin typeface="Cambria Math" panose="02040503050406030204" pitchFamily="18" charset="0"/>
+                          </a:rPr>
+                          <m:t>𝑍</m:t>
+                        </m:r>
+                      </m:e>
+                      <m:sub>
+                        <m:r>
+                          <a:rPr lang="en-US" b="0" i="1" smtClean="0">
+                            <a:latin typeface="Cambria Math" panose="02040503050406030204" pitchFamily="18" charset="0"/>
+                          </a:rPr>
+                          <m:t>≥1</m:t>
+                        </m:r>
+                      </m:sub>
+                    </m:sSub>
+                    <m:r>
+                      <a:rPr lang="en-US" b="0" i="1" smtClean="0">
+                        <a:latin typeface="Cambria Math" panose="02040503050406030204" pitchFamily="18" charset="0"/>
+                      </a:rPr>
+                      <m:t>→</m:t>
+                    </m:r>
+                    <m:r>
+                      <a:rPr lang="en-US" b="0" i="1" smtClean="0">
+                        <a:latin typeface="Cambria Math" panose="02040503050406030204" pitchFamily="18" charset="0"/>
+                      </a:rPr>
+                      <m:t>𝑅</m:t>
+                    </m:r>
+                  </m:oMath>
+                </a14:m>
+                <a:r>
+                  <a:rPr lang="ru-RU" dirty="0" smtClean="0"/>
+                  <a:t> </a:t>
+                </a:r>
+                <a:r>
+                  <a:rPr lang="ru-RU" b="1" dirty="0" smtClean="0"/>
+                  <a:t>называется пренебрежимо малой</a:t>
+                </a:r>
+                <a:r>
+                  <a:rPr lang="en-US" b="1" dirty="0" smtClean="0"/>
+                  <a:t> (negligible)</a:t>
+                </a:r>
+                <a:r>
+                  <a:rPr lang="ru-RU" dirty="0" smtClean="0"/>
+                  <a:t>, если для всех </a:t>
+                </a:r>
+                <a14:m>
+                  <m:oMath xmlns:m="http://schemas.openxmlformats.org/officeDocument/2006/math">
+                    <m:r>
+                      <m:rPr>
+                        <m:sty m:val="p"/>
+                      </m:rPr>
+                      <a:rPr lang="en-US" i="1">
+                        <a:latin typeface="Cambria Math" panose="02040503050406030204" pitchFamily="18" charset="0"/>
+                      </a:rPr>
+                      <m:t>c</m:t>
+                    </m:r>
+                    <m:r>
+                      <a:rPr lang="ru-RU" b="0" i="1" smtClean="0">
+                        <a:latin typeface="Cambria Math" panose="02040503050406030204" pitchFamily="18" charset="0"/>
+                      </a:rPr>
+                      <m:t>∈</m:t>
+                    </m:r>
+                    <m:sSub>
+                      <m:sSubPr>
+                        <m:ctrlPr>
+                          <a:rPr lang="en-US" b="0" i="1" smtClean="0">
+                            <a:latin typeface="Cambria Math" panose="02040503050406030204" pitchFamily="18" charset="0"/>
+                          </a:rPr>
+                        </m:ctrlPr>
+                      </m:sSubPr>
+                      <m:e>
+                        <m:r>
+                          <a:rPr lang="en-US" b="0" i="1" smtClean="0">
+                            <a:latin typeface="Cambria Math" panose="02040503050406030204" pitchFamily="18" charset="0"/>
+                          </a:rPr>
+                          <m:t>𝑅</m:t>
+                        </m:r>
+                      </m:e>
+                      <m:sub>
+                        <m:r>
+                          <a:rPr lang="en-US" b="0" i="1" smtClean="0">
+                            <a:latin typeface="Cambria Math" panose="02040503050406030204" pitchFamily="18" charset="0"/>
+                          </a:rPr>
+                          <m:t>&gt;0</m:t>
+                        </m:r>
+                      </m:sub>
+                    </m:sSub>
+                    <m:r>
+                      <a:rPr lang="en-US" b="0" i="1" smtClean="0">
+                        <a:latin typeface="Cambria Math" panose="02040503050406030204" pitchFamily="18" charset="0"/>
+                      </a:rPr>
+                      <m:t> ∃</m:t>
+                    </m:r>
+                    <m:sSub>
+                      <m:sSubPr>
+                        <m:ctrlPr>
+                          <a:rPr lang="en-US" b="0" i="1" smtClean="0">
+                            <a:latin typeface="Cambria Math" panose="02040503050406030204" pitchFamily="18" charset="0"/>
+                          </a:rPr>
+                        </m:ctrlPr>
+                      </m:sSubPr>
+                      <m:e>
+                        <m:r>
+                          <a:rPr lang="en-US" b="0" i="1" smtClean="0">
+                            <a:latin typeface="Cambria Math" panose="02040503050406030204" pitchFamily="18" charset="0"/>
+                          </a:rPr>
+                          <m:t>𝑛</m:t>
+                        </m:r>
+                      </m:e>
+                      <m:sub>
+                        <m:r>
+                          <a:rPr lang="en-US" b="0" i="1" smtClean="0">
+                            <a:latin typeface="Cambria Math" panose="02040503050406030204" pitchFamily="18" charset="0"/>
+                          </a:rPr>
+                          <m:t>0</m:t>
+                        </m:r>
+                      </m:sub>
+                    </m:sSub>
+                    <m:r>
+                      <a:rPr lang="en-US" b="0" i="1" smtClean="0">
+                        <a:latin typeface="Cambria Math" panose="02040503050406030204" pitchFamily="18" charset="0"/>
+                      </a:rPr>
+                      <m:t>∈</m:t>
+                    </m:r>
+                    <m:sSub>
+                      <m:sSubPr>
+                        <m:ctrlPr>
+                          <a:rPr lang="en-US" b="0" i="1" smtClean="0">
+                            <a:latin typeface="Cambria Math" panose="02040503050406030204" pitchFamily="18" charset="0"/>
+                          </a:rPr>
+                        </m:ctrlPr>
+                      </m:sSubPr>
+                      <m:e>
+                        <m:r>
+                          <a:rPr lang="en-US" b="0" i="1" smtClean="0">
+                            <a:latin typeface="Cambria Math" panose="02040503050406030204" pitchFamily="18" charset="0"/>
+                          </a:rPr>
+                          <m:t>𝑍</m:t>
+                        </m:r>
+                      </m:e>
+                      <m:sub>
+                        <m:r>
+                          <a:rPr lang="en-US" b="0" i="1" smtClean="0">
+                            <a:latin typeface="Cambria Math" panose="02040503050406030204" pitchFamily="18" charset="0"/>
+                          </a:rPr>
+                          <m:t>≥1</m:t>
+                        </m:r>
+                      </m:sub>
+                    </m:sSub>
+                    <m:r>
+                      <a:rPr lang="en-US" b="0" i="1" smtClean="0">
+                        <a:latin typeface="Cambria Math" panose="02040503050406030204" pitchFamily="18" charset="0"/>
+                      </a:rPr>
+                      <m:t>:∀</m:t>
+                    </m:r>
+                    <m:r>
+                      <a:rPr lang="en-US" b="0" i="1" smtClean="0">
+                        <a:latin typeface="Cambria Math" panose="02040503050406030204" pitchFamily="18" charset="0"/>
+                      </a:rPr>
+                      <m:t>𝑛</m:t>
+                    </m:r>
+                    <m:r>
+                      <a:rPr lang="en-US" b="0" i="1" smtClean="0">
+                        <a:latin typeface="Cambria Math" panose="02040503050406030204" pitchFamily="18" charset="0"/>
+                      </a:rPr>
+                      <m:t>≥</m:t>
+                    </m:r>
+                    <m:sSub>
+                      <m:sSubPr>
+                        <m:ctrlPr>
+                          <a:rPr lang="en-US" b="0" i="1" smtClean="0">
+                            <a:latin typeface="Cambria Math" panose="02040503050406030204" pitchFamily="18" charset="0"/>
+                          </a:rPr>
+                        </m:ctrlPr>
+                      </m:sSubPr>
+                      <m:e>
+                        <m:r>
+                          <a:rPr lang="en-US" b="0" i="1" smtClean="0">
+                            <a:latin typeface="Cambria Math" panose="02040503050406030204" pitchFamily="18" charset="0"/>
+                          </a:rPr>
+                          <m:t>𝑛</m:t>
+                        </m:r>
+                      </m:e>
+                      <m:sub>
+                        <m:r>
+                          <a:rPr lang="en-US" b="0" i="1" smtClean="0">
+                            <a:latin typeface="Cambria Math" panose="02040503050406030204" pitchFamily="18" charset="0"/>
+                          </a:rPr>
+                          <m:t>0</m:t>
+                        </m:r>
+                      </m:sub>
+                    </m:sSub>
+                  </m:oMath>
+                </a14:m>
+                <a:r>
+                  <a:rPr lang="ru-RU" dirty="0" smtClean="0"/>
+                  <a:t> справедливо неравенство</a:t>
+                </a:r>
+                <a:r>
+                  <a:rPr lang="en-US" dirty="0" smtClean="0"/>
+                  <a:t>:</a:t>
+                </a:r>
+                <a:r>
+                  <a:rPr lang="ru-RU" dirty="0" smtClean="0"/>
+                  <a:t> </a:t>
+                </a:r>
+                <a:endParaRPr lang="en-US" dirty="0" smtClean="0"/>
+              </a:p>
+              <a:p>
+                <a:pPr marL="0" indent="0">
+                  <a:buNone/>
+                </a:pPr>
+                <a:endParaRPr lang="ru-RU" dirty="0" smtClean="0"/>
+              </a:p>
+              <a:p>
+                <a:pPr marL="0" indent="0">
+                  <a:buNone/>
+                </a:pPr>
+                <a14:m>
+                  <m:oMathPara xmlns:m="http://schemas.openxmlformats.org/officeDocument/2006/math">
+                    <m:oMathParaPr>
+                      <m:jc m:val="centerGroup"/>
+                    </m:oMathParaPr>
+                    <m:oMath xmlns:m="http://schemas.openxmlformats.org/officeDocument/2006/math">
+                      <m:d>
+                        <m:dPr>
+                          <m:begChr m:val="|"/>
+                          <m:endChr m:val="|"/>
+                          <m:ctrlPr>
+                            <a:rPr lang="en-US" b="0" i="1" smtClean="0">
+                              <a:latin typeface="Cambria Math" panose="02040503050406030204" pitchFamily="18" charset="0"/>
+                            </a:rPr>
+                          </m:ctrlPr>
+                        </m:dPr>
+                        <m:e>
+                          <m:r>
+                            <a:rPr lang="en-US" b="0" i="1" smtClean="0">
+                              <a:latin typeface="Cambria Math" panose="02040503050406030204" pitchFamily="18" charset="0"/>
+                            </a:rPr>
+                            <m:t>𝑓</m:t>
+                          </m:r>
+                          <m:d>
+                            <m:dPr>
+                              <m:ctrlPr>
+                                <a:rPr lang="en-US" b="0" i="1" smtClean="0">
+                                  <a:latin typeface="Cambria Math" panose="02040503050406030204" pitchFamily="18" charset="0"/>
+                                </a:rPr>
+                              </m:ctrlPr>
+                            </m:dPr>
+                            <m:e>
+                              <m:r>
+                                <a:rPr lang="en-US" b="0" i="1" smtClean="0">
+                                  <a:latin typeface="Cambria Math" panose="02040503050406030204" pitchFamily="18" charset="0"/>
+                                </a:rPr>
+                                <m:t>𝑛</m:t>
+                              </m:r>
+                            </m:e>
+                          </m:d>
+                        </m:e>
+                      </m:d>
+                      <m:r>
+                        <a:rPr lang="en-US" b="0" i="1" smtClean="0">
+                          <a:latin typeface="Cambria Math" panose="02040503050406030204" pitchFamily="18" charset="0"/>
+                        </a:rPr>
+                        <m:t>&lt;</m:t>
+                      </m:r>
+                      <m:f>
+                        <m:fPr>
+                          <m:ctrlPr>
+                            <a:rPr lang="en-US" b="0" i="1" smtClean="0">
+                              <a:latin typeface="Cambria Math" panose="02040503050406030204" pitchFamily="18" charset="0"/>
+                            </a:rPr>
+                          </m:ctrlPr>
+                        </m:fPr>
+                        <m:num>
+                          <m:r>
+                            <a:rPr lang="en-US" b="0" i="1" smtClean="0">
+                              <a:latin typeface="Cambria Math" panose="02040503050406030204" pitchFamily="18" charset="0"/>
+                            </a:rPr>
+                            <m:t>1</m:t>
+                          </m:r>
+                        </m:num>
+                        <m:den>
+                          <m:sSup>
+                            <m:sSupPr>
+                              <m:ctrlPr>
+                                <a:rPr lang="en-US" b="0" i="1" smtClean="0">
+                                  <a:latin typeface="Cambria Math" panose="02040503050406030204" pitchFamily="18" charset="0"/>
+                                </a:rPr>
+                              </m:ctrlPr>
+                            </m:sSupPr>
+                            <m:e>
+                              <m:r>
+                                <a:rPr lang="en-US" b="0" i="1" smtClean="0">
+                                  <a:latin typeface="Cambria Math" panose="02040503050406030204" pitchFamily="18" charset="0"/>
+                                </a:rPr>
+                                <m:t>𝑛</m:t>
+                              </m:r>
+                            </m:e>
+                            <m:sup>
+                              <m:r>
+                                <a:rPr lang="ru-RU" b="0" i="1" smtClean="0">
+                                  <a:latin typeface="Cambria Math" panose="02040503050406030204" pitchFamily="18" charset="0"/>
+                                </a:rPr>
+                                <m:t>с</m:t>
+                              </m:r>
+                            </m:sup>
+                          </m:sSup>
+                        </m:den>
+                      </m:f>
+                      <m:r>
+                        <a:rPr lang="en-US" b="0" i="1" smtClean="0">
+                          <a:latin typeface="Cambria Math" panose="02040503050406030204" pitchFamily="18" charset="0"/>
+                        </a:rPr>
+                        <m:t>.</m:t>
+                      </m:r>
+                    </m:oMath>
+                  </m:oMathPara>
+                </a14:m>
+                <a:endParaRPr lang="en-US" dirty="0" smtClean="0"/>
+              </a:p>
+              <a:p>
+                <a:pPr marL="0" indent="0">
+                  <a:buNone/>
+                </a:pPr>
+                <a:r>
+                  <a:rPr lang="ru-RU" b="1" dirty="0" smtClean="0"/>
+                  <a:t>Теорема 2.1.</a:t>
+                </a:r>
+                <a:r>
+                  <a:rPr lang="ru-RU" dirty="0" smtClean="0"/>
+                  <a:t> Функция  </a:t>
+                </a:r>
+                <a14:m>
+                  <m:oMath xmlns:m="http://schemas.openxmlformats.org/officeDocument/2006/math">
+                    <m:sSub>
+                      <m:sSubPr>
+                        <m:ctrlPr>
+                          <a:rPr lang="en-US" i="1">
+                            <a:latin typeface="Cambria Math" panose="02040503050406030204" pitchFamily="18" charset="0"/>
+                          </a:rPr>
+                        </m:ctrlPr>
+                      </m:sSubPr>
+                      <m:e>
+                        <m:r>
+                          <a:rPr lang="en-US" i="1">
+                            <a:latin typeface="Cambria Math" panose="02040503050406030204" pitchFamily="18" charset="0"/>
+                          </a:rPr>
+                          <m:t>𝑍</m:t>
+                        </m:r>
+                      </m:e>
+                      <m:sub>
+                        <m:r>
+                          <a:rPr lang="en-US" i="1">
+                            <a:latin typeface="Cambria Math" panose="02040503050406030204" pitchFamily="18" charset="0"/>
+                          </a:rPr>
+                          <m:t>≥1</m:t>
+                        </m:r>
+                      </m:sub>
+                    </m:sSub>
+                    <m:r>
+                      <a:rPr lang="en-US" i="1">
+                        <a:latin typeface="Cambria Math" panose="02040503050406030204" pitchFamily="18" charset="0"/>
+                      </a:rPr>
+                      <m:t>→</m:t>
+                    </m:r>
+                    <m:r>
+                      <a:rPr lang="en-US" i="1">
+                        <a:latin typeface="Cambria Math" panose="02040503050406030204" pitchFamily="18" charset="0"/>
+                      </a:rPr>
+                      <m:t>𝑅</m:t>
+                    </m:r>
+                  </m:oMath>
+                </a14:m>
+                <a:r>
+                  <a:rPr lang="ru-RU" dirty="0"/>
+                  <a:t> </a:t>
+                </a:r>
+                <a:r>
+                  <a:rPr lang="ru-RU" dirty="0" smtClean="0"/>
+                  <a:t>пренебрежимо малая, тогда и только тогда когда </a:t>
+                </a:r>
+                <a14:m>
+                  <m:oMath xmlns:m="http://schemas.openxmlformats.org/officeDocument/2006/math">
+                    <m:r>
+                      <a:rPr lang="ru-RU" b="0" i="1" smtClean="0">
+                        <a:latin typeface="Cambria Math" panose="02040503050406030204" pitchFamily="18" charset="0"/>
+                      </a:rPr>
+                      <m:t>∀</m:t>
+                    </m:r>
+                    <m:r>
+                      <a:rPr lang="en-US" b="0" i="1" smtClean="0">
+                        <a:latin typeface="Cambria Math" panose="02040503050406030204" pitchFamily="18" charset="0"/>
+                      </a:rPr>
+                      <m:t>𝑐</m:t>
+                    </m:r>
+                    <m:r>
+                      <a:rPr lang="en-US" b="0" i="1" smtClean="0">
+                        <a:latin typeface="Cambria Math" panose="02040503050406030204" pitchFamily="18" charset="0"/>
+                      </a:rPr>
+                      <m:t>&gt;0</m:t>
+                    </m:r>
+                  </m:oMath>
+                </a14:m>
+                <a:r>
+                  <a:rPr lang="ru-RU" dirty="0" smtClean="0"/>
+                  <a:t> справедливо равенство</a:t>
+                </a:r>
+                <a:r>
+                  <a:rPr lang="en-US" dirty="0" smtClean="0"/>
+                  <a:t>:</a:t>
+                </a:r>
+              </a:p>
+              <a:p>
+                <a:pPr marL="0" indent="0">
+                  <a:buNone/>
+                </a:pPr>
+                <a:endParaRPr lang="en-US" dirty="0" smtClean="0"/>
+              </a:p>
+              <a:p>
+                <a:pPr marL="0" indent="0">
+                  <a:buNone/>
+                </a:pPr>
+                <a14:m>
+                  <m:oMathPara xmlns:m="http://schemas.openxmlformats.org/officeDocument/2006/math">
+                    <m:oMathParaPr>
+                      <m:jc m:val="centerGroup"/>
+                    </m:oMathParaPr>
+                    <m:oMath xmlns:m="http://schemas.openxmlformats.org/officeDocument/2006/math">
+                      <m:func>
+                        <m:funcPr>
+                          <m:ctrlPr>
+                            <a:rPr lang="en-US" i="1" smtClean="0">
+                              <a:latin typeface="Cambria Math" panose="02040503050406030204" pitchFamily="18" charset="0"/>
+                            </a:rPr>
+                          </m:ctrlPr>
+                        </m:funcPr>
+                        <m:fName>
+                          <m:limLow>
+                            <m:limLowPr>
+                              <m:ctrlPr>
+                                <a:rPr lang="en-US" i="1" smtClean="0">
+                                  <a:latin typeface="Cambria Math" panose="02040503050406030204" pitchFamily="18" charset="0"/>
+                                </a:rPr>
+                              </m:ctrlPr>
+                            </m:limLowPr>
+                            <m:e>
+                              <m:r>
+                                <m:rPr>
+                                  <m:sty m:val="p"/>
+                                </m:rPr>
+                                <a:rPr lang="en-US" i="0" smtClean="0">
+                                  <a:latin typeface="Cambria Math" panose="02040503050406030204" pitchFamily="18" charset="0"/>
+                                </a:rPr>
+                                <m:t>lim</m:t>
+                              </m:r>
+                            </m:e>
+                            <m:lim>
+                              <m:r>
+                                <a:rPr lang="en-US" b="0" i="1" smtClean="0">
+                                  <a:latin typeface="Cambria Math" panose="02040503050406030204" pitchFamily="18" charset="0"/>
+                                </a:rPr>
+                                <m:t>𝑛</m:t>
+                              </m:r>
+                              <m:r>
+                                <a:rPr lang="en-US" b="0" i="1" smtClean="0">
+                                  <a:latin typeface="Cambria Math" panose="02040503050406030204" pitchFamily="18" charset="0"/>
+                                </a:rPr>
+                                <m:t>→∞</m:t>
+                              </m:r>
+                            </m:lim>
+                          </m:limLow>
+                        </m:fName>
+                        <m:e>
+                          <m:r>
+                            <a:rPr lang="en-US" b="0" i="1" smtClean="0">
+                              <a:latin typeface="Cambria Math" panose="02040503050406030204" pitchFamily="18" charset="0"/>
+                            </a:rPr>
+                            <m:t>𝑓</m:t>
+                          </m:r>
+                          <m:d>
+                            <m:dPr>
+                              <m:ctrlPr>
+                                <a:rPr lang="en-US" b="0" i="1" smtClean="0">
+                                  <a:latin typeface="Cambria Math" panose="02040503050406030204" pitchFamily="18" charset="0"/>
+                                </a:rPr>
+                              </m:ctrlPr>
+                            </m:dPr>
+                            <m:e>
+                              <m:r>
+                                <a:rPr lang="en-US" b="0" i="1" smtClean="0">
+                                  <a:latin typeface="Cambria Math" panose="02040503050406030204" pitchFamily="18" charset="0"/>
+                                </a:rPr>
+                                <m:t>𝑛</m:t>
+                              </m:r>
+                            </m:e>
+                          </m:d>
+                          <m:sSup>
+                            <m:sSupPr>
+                              <m:ctrlPr>
+                                <a:rPr lang="en-US" b="0" i="1" smtClean="0">
+                                  <a:latin typeface="Cambria Math" panose="02040503050406030204" pitchFamily="18" charset="0"/>
+                                </a:rPr>
+                              </m:ctrlPr>
+                            </m:sSupPr>
+                            <m:e>
+                              <m:r>
+                                <a:rPr lang="en-US" b="0" i="1" smtClean="0">
+                                  <a:latin typeface="Cambria Math" panose="02040503050406030204" pitchFamily="18" charset="0"/>
+                                </a:rPr>
+                                <m:t>𝑛</m:t>
+                              </m:r>
+                            </m:e>
+                            <m:sup>
+                              <m:r>
+                                <a:rPr lang="en-US" b="0" i="1" smtClean="0">
+                                  <a:latin typeface="Cambria Math" panose="02040503050406030204" pitchFamily="18" charset="0"/>
+                                </a:rPr>
+                                <m:t>𝑐</m:t>
+                              </m:r>
+                            </m:sup>
+                          </m:sSup>
+                          <m:r>
+                            <a:rPr lang="en-US" b="0" i="1" smtClean="0">
+                              <a:latin typeface="Cambria Math" panose="02040503050406030204" pitchFamily="18" charset="0"/>
+                            </a:rPr>
+                            <m:t>=0.</m:t>
+                          </m:r>
+                        </m:e>
+                      </m:func>
+                    </m:oMath>
+                  </m:oMathPara>
+                </a14:m>
+                <a:endParaRPr lang="en-US" dirty="0" smtClean="0"/>
+              </a:p>
+              <a:p>
+                <a:pPr marL="0" indent="0">
+                  <a:buNone/>
+                </a:pPr>
+                <a:r>
+                  <a:rPr lang="en-US" dirty="0"/>
+                  <a:t/>
+                </a:r>
+                <a:br>
+                  <a:rPr lang="en-US" dirty="0"/>
+                </a:br>
+                <a:r>
+                  <a:rPr lang="ru-RU" dirty="0" smtClean="0"/>
+                  <a:t>Т.е.  на бесконечности функция</a:t>
+                </a:r>
+                <a:r>
+                  <a:rPr lang="ru-RU" dirty="0"/>
+                  <a:t> </a:t>
+                </a:r>
+                <a:r>
+                  <a:rPr lang="ru-RU" dirty="0" smtClean="0"/>
+                  <a:t>от </a:t>
+                </a:r>
+                <a14:m>
+                  <m:oMath xmlns:m="http://schemas.openxmlformats.org/officeDocument/2006/math">
+                    <m:r>
+                      <a:rPr lang="en-US" i="1" dirty="0" smtClean="0">
+                        <a:latin typeface="Cambria Math" panose="02040503050406030204" pitchFamily="18" charset="0"/>
+                      </a:rPr>
+                      <m:t>𝑛</m:t>
+                    </m:r>
+                  </m:oMath>
+                </a14:m>
+                <a:r>
+                  <a:rPr lang="ru-RU" dirty="0" smtClean="0"/>
+                  <a:t> убывает быстрее любого полинома</a:t>
+                </a:r>
+                <a:r>
+                  <a:rPr lang="en-US" dirty="0" smtClean="0"/>
+                  <a:t> </a:t>
+                </a:r>
+                <a:r>
+                  <a:rPr lang="ru-RU" dirty="0"/>
+                  <a:t>от </a:t>
+                </a:r>
+                <a14:m>
+                  <m:oMath xmlns:m="http://schemas.openxmlformats.org/officeDocument/2006/math">
+                    <m:r>
+                      <a:rPr lang="en-US" i="1" dirty="0">
+                        <a:latin typeface="Cambria Math" panose="02040503050406030204" pitchFamily="18" charset="0"/>
+                      </a:rPr>
+                      <m:t>𝑛</m:t>
+                    </m:r>
+                  </m:oMath>
+                </a14:m>
+                <a:r>
+                  <a:rPr lang="ru-RU" dirty="0"/>
+                  <a:t> </a:t>
+                </a:r>
+                <a:r>
+                  <a:rPr lang="ru-RU" dirty="0" smtClean="0"/>
+                  <a:t>.</a:t>
+                </a:r>
+                <a:endParaRPr lang="en-US" dirty="0" smtClean="0"/>
+              </a:p>
+            </p:txBody>
+          </p:sp>
+        </mc:Choice>
+        <mc:Fallback xmlns="">
+          <p:sp>
+            <p:nvSpPr>
+              <p:cNvPr id="3" name="Объект 2"/>
+              <p:cNvSpPr>
+                <a:spLocks noGrp="1" noRot="1" noChangeAspect="1" noMove="1" noResize="1" noEditPoints="1" noAdjustHandles="1" noChangeArrowheads="1" noChangeShapeType="1" noTextEdit="1"/>
+              </p:cNvSpPr>
+              <p:nvPr>
+                <p:ph idx="1"/>
+              </p:nvPr>
+            </p:nvSpPr>
+            <p:spPr>
+              <a:xfrm>
+                <a:off x="838200" y="1825624"/>
+                <a:ext cx="10515600" cy="4629767"/>
+              </a:xfrm>
+              <a:blipFill>
+                <a:blip r:embed="rId2"/>
+                <a:stretch>
+                  <a:fillRect l="-1043" t="-2632" r="-812" b="-2632"/>
+                </a:stretch>
+              </a:blipFill>
+            </p:spPr>
+            <p:txBody>
+              <a:bodyPr/>
+              <a:lstStyle/>
+              <a:p>
+                <a:r>
+                  <a:rPr lang="ru-RU">
+                    <a:noFill/>
+                  </a:rPr>
+                  <a:t> </a:t>
+                </a:r>
+              </a:p>
+            </p:txBody>
+          </p:sp>
+        </mc:Fallback>
+      </mc:AlternateContent>
+      <p:sp>
+        <p:nvSpPr>
+          <p:cNvPr id="4" name="Номер слайда 3"/>
+          <p:cNvSpPr>
+            <a:spLocks noGrp="1"/>
+          </p:cNvSpPr>
+          <p:nvPr>
+            <p:ph type="sldNum" sz="quarter" idx="12"/>
+          </p:nvPr>
+        </p:nvSpPr>
+        <p:spPr/>
+        <p:txBody>
+          <a:bodyPr/>
+          <a:lstStyle/>
+          <a:p>
+            <a:fld id="{8253DDDB-F8F7-4D64-A7FD-3F3D61C1949F}" type="slidenum">
+              <a:rPr lang="ru-RU" smtClean="0"/>
+              <a:t>3</a:t>
+            </a:fld>
+            <a:endParaRPr lang="ru-RU"/>
+          </a:p>
+        </p:txBody>
+      </p:sp>
+    </p:spTree>
+    <p:extLst>
+      <p:ext uri="{BB962C8B-B14F-4D97-AF65-F5344CB8AC3E}">
+        <p14:creationId xmlns:p14="http://schemas.microsoft.com/office/powerpoint/2010/main" val="2459469773"/>
+      </p:ext>
+    </p:extLst>
+  </p:cSld>
+  <p:clrMapOvr>
+    <a:masterClrMapping/>
+  </p:clrMapOvr>
+  <p:timing>
+    <p:tnLst>
+      <p:par>
+        <p:cTn id="1" dur="indefinite" restart="never" nodeType="tmRoot"/>
+      </p:par>
+    </p:tnLst>
+  </p:timing>
+</p:sld>
+</file>
+
+<file path=ppt/slides/slide30.xml><?xml version="1.0" encoding="utf-8"?>
 <p:sld xmlns:a="http://schemas.openxmlformats.org/drawingml/2006/main" xmlns:r="http://schemas.openxmlformats.org/officeDocument/2006/relationships" xmlns:p="http://schemas.openxmlformats.org/presentationml/2006/main">
   <p:cSld>
     <p:spTree>
@@ -22244,7 +23214,7 @@
           <a:p>
             <a:fld id="{8253DDDB-F8F7-4D64-A7FD-3F3D61C1949F}" type="slidenum">
               <a:rPr lang="ru-RU" smtClean="0"/>
-              <a:t>29</a:t>
+              <a:t>30</a:t>
             </a:fld>
             <a:endParaRPr lang="ru-RU"/>
           </a:p>
@@ -24771,824 +25741,7 @@
 </p:sld>
 </file>
 
-<file path=ppt/slides/slide3.xml><?xml version="1.0" encoding="utf-8"?>
-<p:sld xmlns:a="http://schemas.openxmlformats.org/drawingml/2006/main" xmlns:r="http://schemas.openxmlformats.org/officeDocument/2006/relationships" xmlns:p="http://schemas.openxmlformats.org/presentationml/2006/main">
-  <p:cSld>
-    <p:spTree>
-      <p:nvGrpSpPr>
-        <p:cNvPr id="1" name=""/>
-        <p:cNvGrpSpPr/>
-        <p:nvPr/>
-      </p:nvGrpSpPr>
-      <p:grpSpPr>
-        <a:xfrm>
-          <a:off x="0" y="0"/>
-          <a:ext cx="0" cy="0"/>
-          <a:chOff x="0" y="0"/>
-          <a:chExt cx="0" cy="0"/>
-        </a:xfrm>
-      </p:grpSpPr>
-      <p:sp>
-        <p:nvSpPr>
-          <p:cNvPr id="5" name="Скругленный прямоугольник 4"/>
-          <p:cNvSpPr/>
-          <p:nvPr/>
-        </p:nvSpPr>
-        <p:spPr>
-          <a:xfrm>
-            <a:off x="669956" y="3684759"/>
-            <a:ext cx="10791732" cy="1729213"/>
-          </a:xfrm>
-          <a:prstGeom prst="roundRect">
-            <a:avLst/>
-          </a:prstGeom>
-        </p:spPr>
-        <p:style>
-          <a:lnRef idx="1">
-            <a:schemeClr val="accent3"/>
-          </a:lnRef>
-          <a:fillRef idx="2">
-            <a:schemeClr val="accent3"/>
-          </a:fillRef>
-          <a:effectRef idx="1">
-            <a:schemeClr val="accent3"/>
-          </a:effectRef>
-          <a:fontRef idx="minor">
-            <a:schemeClr val="dk1"/>
-          </a:fontRef>
-        </p:style>
-        <p:txBody>
-          <a:bodyPr rtlCol="0" anchor="ctr"/>
-          <a:lstStyle/>
-          <a:p>
-            <a:pPr algn="ctr"/>
-            <a:endParaRPr lang="ru-RU"/>
-          </a:p>
-        </p:txBody>
-      </p:sp>
-      <p:sp>
-        <p:nvSpPr>
-          <p:cNvPr id="2" name="Заголовок 1"/>
-          <p:cNvSpPr>
-            <a:spLocks noGrp="1"/>
-          </p:cNvSpPr>
-          <p:nvPr>
-            <p:ph type="title"/>
-          </p:nvPr>
-        </p:nvSpPr>
-        <p:spPr/>
-        <p:txBody>
-          <a:bodyPr/>
-          <a:lstStyle/>
-          <a:p>
-            <a:r>
-              <a:rPr lang="ru-RU" dirty="0" smtClean="0"/>
-              <a:t>Пренебрежимо малые величины</a:t>
-            </a:r>
-            <a:endParaRPr lang="ru-RU" dirty="0"/>
-          </a:p>
-        </p:txBody>
-      </p:sp>
-      <mc:AlternateContent xmlns:mc="http://schemas.openxmlformats.org/markup-compatibility/2006" xmlns:a14="http://schemas.microsoft.com/office/drawing/2010/main">
-        <mc:Choice Requires="a14">
-          <p:sp>
-            <p:nvSpPr>
-              <p:cNvPr id="3" name="Объект 2"/>
-              <p:cNvSpPr>
-                <a:spLocks noGrp="1"/>
-              </p:cNvSpPr>
-              <p:nvPr>
-                <p:ph idx="1"/>
-              </p:nvPr>
-            </p:nvSpPr>
-            <p:spPr>
-              <a:xfrm>
-                <a:off x="838200" y="1825624"/>
-                <a:ext cx="10515600" cy="4629767"/>
-              </a:xfrm>
-            </p:spPr>
-            <p:txBody>
-              <a:bodyPr>
-                <a:normAutofit lnSpcReduction="10000"/>
-              </a:bodyPr>
-              <a:lstStyle/>
-              <a:p>
-                <a:pPr marL="0" indent="0">
-                  <a:buNone/>
-                </a:pPr>
-                <a:r>
-                  <a:rPr lang="ru-RU" dirty="0" smtClean="0"/>
-                  <a:t>Функция </a:t>
-                </a:r>
-                <a14:m>
-                  <m:oMath xmlns:m="http://schemas.openxmlformats.org/officeDocument/2006/math">
-                    <m:r>
-                      <a:rPr lang="en-US" b="0" i="1" smtClean="0">
-                        <a:latin typeface="Cambria Math" panose="02040503050406030204" pitchFamily="18" charset="0"/>
-                      </a:rPr>
-                      <m:t>𝑓</m:t>
-                    </m:r>
-                    <m:r>
-                      <a:rPr lang="en-US" b="0" i="1" smtClean="0">
-                        <a:latin typeface="Cambria Math" panose="02040503050406030204" pitchFamily="18" charset="0"/>
-                      </a:rPr>
-                      <m:t>:</m:t>
-                    </m:r>
-                    <m:sSub>
-                      <m:sSubPr>
-                        <m:ctrlPr>
-                          <a:rPr lang="en-US" b="0" i="1" smtClean="0">
-                            <a:latin typeface="Cambria Math" panose="02040503050406030204" pitchFamily="18" charset="0"/>
-                          </a:rPr>
-                        </m:ctrlPr>
-                      </m:sSubPr>
-                      <m:e>
-                        <m:r>
-                          <a:rPr lang="en-US" b="0" i="1" smtClean="0">
-                            <a:latin typeface="Cambria Math" panose="02040503050406030204" pitchFamily="18" charset="0"/>
-                          </a:rPr>
-                          <m:t>𝑍</m:t>
-                        </m:r>
-                      </m:e>
-                      <m:sub>
-                        <m:r>
-                          <a:rPr lang="en-US" b="0" i="1" smtClean="0">
-                            <a:latin typeface="Cambria Math" panose="02040503050406030204" pitchFamily="18" charset="0"/>
-                          </a:rPr>
-                          <m:t>≥1</m:t>
-                        </m:r>
-                      </m:sub>
-                    </m:sSub>
-                    <m:r>
-                      <a:rPr lang="en-US" b="0" i="1" smtClean="0">
-                        <a:latin typeface="Cambria Math" panose="02040503050406030204" pitchFamily="18" charset="0"/>
-                      </a:rPr>
-                      <m:t>→</m:t>
-                    </m:r>
-                    <m:r>
-                      <a:rPr lang="en-US" b="0" i="1" smtClean="0">
-                        <a:latin typeface="Cambria Math" panose="02040503050406030204" pitchFamily="18" charset="0"/>
-                      </a:rPr>
-                      <m:t>𝑅</m:t>
-                    </m:r>
-                  </m:oMath>
-                </a14:m>
-                <a:r>
-                  <a:rPr lang="ru-RU" dirty="0" smtClean="0"/>
-                  <a:t> </a:t>
-                </a:r>
-                <a:r>
-                  <a:rPr lang="ru-RU" b="1" dirty="0" smtClean="0"/>
-                  <a:t>называется пренебрежимо малой</a:t>
-                </a:r>
-                <a:r>
-                  <a:rPr lang="en-US" b="1" dirty="0" smtClean="0"/>
-                  <a:t> (negligible)</a:t>
-                </a:r>
-                <a:r>
-                  <a:rPr lang="ru-RU" dirty="0" smtClean="0"/>
-                  <a:t>, если для всех </a:t>
-                </a:r>
-                <a14:m>
-                  <m:oMath xmlns:m="http://schemas.openxmlformats.org/officeDocument/2006/math">
-                    <m:r>
-                      <m:rPr>
-                        <m:sty m:val="p"/>
-                      </m:rPr>
-                      <a:rPr lang="en-US" i="1">
-                        <a:latin typeface="Cambria Math" panose="02040503050406030204" pitchFamily="18" charset="0"/>
-                      </a:rPr>
-                      <m:t>c</m:t>
-                    </m:r>
-                    <m:r>
-                      <a:rPr lang="ru-RU" b="0" i="1" smtClean="0">
-                        <a:latin typeface="Cambria Math" panose="02040503050406030204" pitchFamily="18" charset="0"/>
-                      </a:rPr>
-                      <m:t>∈</m:t>
-                    </m:r>
-                    <m:sSub>
-                      <m:sSubPr>
-                        <m:ctrlPr>
-                          <a:rPr lang="en-US" b="0" i="1" smtClean="0">
-                            <a:latin typeface="Cambria Math" panose="02040503050406030204" pitchFamily="18" charset="0"/>
-                          </a:rPr>
-                        </m:ctrlPr>
-                      </m:sSubPr>
-                      <m:e>
-                        <m:r>
-                          <a:rPr lang="en-US" b="0" i="1" smtClean="0">
-                            <a:latin typeface="Cambria Math" panose="02040503050406030204" pitchFamily="18" charset="0"/>
-                          </a:rPr>
-                          <m:t>𝑅</m:t>
-                        </m:r>
-                      </m:e>
-                      <m:sub>
-                        <m:r>
-                          <a:rPr lang="en-US" b="0" i="1" smtClean="0">
-                            <a:latin typeface="Cambria Math" panose="02040503050406030204" pitchFamily="18" charset="0"/>
-                          </a:rPr>
-                          <m:t>&gt;0</m:t>
-                        </m:r>
-                      </m:sub>
-                    </m:sSub>
-                    <m:r>
-                      <a:rPr lang="en-US" b="0" i="1" smtClean="0">
-                        <a:latin typeface="Cambria Math" panose="02040503050406030204" pitchFamily="18" charset="0"/>
-                      </a:rPr>
-                      <m:t> ∃</m:t>
-                    </m:r>
-                    <m:sSub>
-                      <m:sSubPr>
-                        <m:ctrlPr>
-                          <a:rPr lang="en-US" b="0" i="1" smtClean="0">
-                            <a:latin typeface="Cambria Math" panose="02040503050406030204" pitchFamily="18" charset="0"/>
-                          </a:rPr>
-                        </m:ctrlPr>
-                      </m:sSubPr>
-                      <m:e>
-                        <m:r>
-                          <a:rPr lang="en-US" b="0" i="1" smtClean="0">
-                            <a:latin typeface="Cambria Math" panose="02040503050406030204" pitchFamily="18" charset="0"/>
-                          </a:rPr>
-                          <m:t>𝑛</m:t>
-                        </m:r>
-                      </m:e>
-                      <m:sub>
-                        <m:r>
-                          <a:rPr lang="en-US" b="0" i="1" smtClean="0">
-                            <a:latin typeface="Cambria Math" panose="02040503050406030204" pitchFamily="18" charset="0"/>
-                          </a:rPr>
-                          <m:t>0</m:t>
-                        </m:r>
-                      </m:sub>
-                    </m:sSub>
-                    <m:r>
-                      <a:rPr lang="en-US" b="0" i="1" smtClean="0">
-                        <a:latin typeface="Cambria Math" panose="02040503050406030204" pitchFamily="18" charset="0"/>
-                      </a:rPr>
-                      <m:t>∈</m:t>
-                    </m:r>
-                    <m:sSub>
-                      <m:sSubPr>
-                        <m:ctrlPr>
-                          <a:rPr lang="en-US" b="0" i="1" smtClean="0">
-                            <a:latin typeface="Cambria Math" panose="02040503050406030204" pitchFamily="18" charset="0"/>
-                          </a:rPr>
-                        </m:ctrlPr>
-                      </m:sSubPr>
-                      <m:e>
-                        <m:r>
-                          <a:rPr lang="en-US" b="0" i="1" smtClean="0">
-                            <a:latin typeface="Cambria Math" panose="02040503050406030204" pitchFamily="18" charset="0"/>
-                          </a:rPr>
-                          <m:t>𝑍</m:t>
-                        </m:r>
-                      </m:e>
-                      <m:sub>
-                        <m:r>
-                          <a:rPr lang="en-US" b="0" i="1" smtClean="0">
-                            <a:latin typeface="Cambria Math" panose="02040503050406030204" pitchFamily="18" charset="0"/>
-                          </a:rPr>
-                          <m:t>≥1</m:t>
-                        </m:r>
-                      </m:sub>
-                    </m:sSub>
-                    <m:r>
-                      <a:rPr lang="en-US" b="0" i="1" smtClean="0">
-                        <a:latin typeface="Cambria Math" panose="02040503050406030204" pitchFamily="18" charset="0"/>
-                      </a:rPr>
-                      <m:t>:∀</m:t>
-                    </m:r>
-                    <m:r>
-                      <a:rPr lang="en-US" b="0" i="1" smtClean="0">
-                        <a:latin typeface="Cambria Math" panose="02040503050406030204" pitchFamily="18" charset="0"/>
-                      </a:rPr>
-                      <m:t>𝑛</m:t>
-                    </m:r>
-                    <m:r>
-                      <a:rPr lang="en-US" b="0" i="1" smtClean="0">
-                        <a:latin typeface="Cambria Math" panose="02040503050406030204" pitchFamily="18" charset="0"/>
-                      </a:rPr>
-                      <m:t>≥</m:t>
-                    </m:r>
-                    <m:sSub>
-                      <m:sSubPr>
-                        <m:ctrlPr>
-                          <a:rPr lang="en-US" b="0" i="1" smtClean="0">
-                            <a:latin typeface="Cambria Math" panose="02040503050406030204" pitchFamily="18" charset="0"/>
-                          </a:rPr>
-                        </m:ctrlPr>
-                      </m:sSubPr>
-                      <m:e>
-                        <m:r>
-                          <a:rPr lang="en-US" b="0" i="1" smtClean="0">
-                            <a:latin typeface="Cambria Math" panose="02040503050406030204" pitchFamily="18" charset="0"/>
-                          </a:rPr>
-                          <m:t>𝑛</m:t>
-                        </m:r>
-                      </m:e>
-                      <m:sub>
-                        <m:r>
-                          <a:rPr lang="en-US" b="0" i="1" smtClean="0">
-                            <a:latin typeface="Cambria Math" panose="02040503050406030204" pitchFamily="18" charset="0"/>
-                          </a:rPr>
-                          <m:t>0</m:t>
-                        </m:r>
-                      </m:sub>
-                    </m:sSub>
-                  </m:oMath>
-                </a14:m>
-                <a:r>
-                  <a:rPr lang="ru-RU" dirty="0" smtClean="0"/>
-                  <a:t> справедливо неравенство</a:t>
-                </a:r>
-                <a:r>
-                  <a:rPr lang="en-US" dirty="0" smtClean="0"/>
-                  <a:t>:</a:t>
-                </a:r>
-                <a:r>
-                  <a:rPr lang="ru-RU" dirty="0" smtClean="0"/>
-                  <a:t> </a:t>
-                </a:r>
-                <a:endParaRPr lang="en-US" dirty="0" smtClean="0"/>
-              </a:p>
-              <a:p>
-                <a:pPr marL="0" indent="0">
-                  <a:buNone/>
-                </a:pPr>
-                <a:endParaRPr lang="ru-RU" dirty="0" smtClean="0"/>
-              </a:p>
-              <a:p>
-                <a:pPr marL="0" indent="0">
-                  <a:buNone/>
-                </a:pPr>
-                <a14:m>
-                  <m:oMathPara xmlns:m="http://schemas.openxmlformats.org/officeDocument/2006/math">
-                    <m:oMathParaPr>
-                      <m:jc m:val="centerGroup"/>
-                    </m:oMathParaPr>
-                    <m:oMath xmlns:m="http://schemas.openxmlformats.org/officeDocument/2006/math">
-                      <m:d>
-                        <m:dPr>
-                          <m:begChr m:val="|"/>
-                          <m:endChr m:val="|"/>
-                          <m:ctrlPr>
-                            <a:rPr lang="en-US" b="0" i="1" smtClean="0">
-                              <a:latin typeface="Cambria Math" panose="02040503050406030204" pitchFamily="18" charset="0"/>
-                            </a:rPr>
-                          </m:ctrlPr>
-                        </m:dPr>
-                        <m:e>
-                          <m:r>
-                            <a:rPr lang="en-US" b="0" i="1" smtClean="0">
-                              <a:latin typeface="Cambria Math" panose="02040503050406030204" pitchFamily="18" charset="0"/>
-                            </a:rPr>
-                            <m:t>𝑓</m:t>
-                          </m:r>
-                          <m:d>
-                            <m:dPr>
-                              <m:ctrlPr>
-                                <a:rPr lang="en-US" b="0" i="1" smtClean="0">
-                                  <a:latin typeface="Cambria Math" panose="02040503050406030204" pitchFamily="18" charset="0"/>
-                                </a:rPr>
-                              </m:ctrlPr>
-                            </m:dPr>
-                            <m:e>
-                              <m:r>
-                                <a:rPr lang="en-US" b="0" i="1" smtClean="0">
-                                  <a:latin typeface="Cambria Math" panose="02040503050406030204" pitchFamily="18" charset="0"/>
-                                </a:rPr>
-                                <m:t>𝑛</m:t>
-                              </m:r>
-                            </m:e>
-                          </m:d>
-                        </m:e>
-                      </m:d>
-                      <m:r>
-                        <a:rPr lang="en-US" b="0" i="1" smtClean="0">
-                          <a:latin typeface="Cambria Math" panose="02040503050406030204" pitchFamily="18" charset="0"/>
-                        </a:rPr>
-                        <m:t>&lt;</m:t>
-                      </m:r>
-                      <m:f>
-                        <m:fPr>
-                          <m:ctrlPr>
-                            <a:rPr lang="en-US" b="0" i="1" smtClean="0">
-                              <a:latin typeface="Cambria Math" panose="02040503050406030204" pitchFamily="18" charset="0"/>
-                            </a:rPr>
-                          </m:ctrlPr>
-                        </m:fPr>
-                        <m:num>
-                          <m:r>
-                            <a:rPr lang="en-US" b="0" i="1" smtClean="0">
-                              <a:latin typeface="Cambria Math" panose="02040503050406030204" pitchFamily="18" charset="0"/>
-                            </a:rPr>
-                            <m:t>1</m:t>
-                          </m:r>
-                        </m:num>
-                        <m:den>
-                          <m:sSup>
-                            <m:sSupPr>
-                              <m:ctrlPr>
-                                <a:rPr lang="en-US" b="0" i="1" smtClean="0">
-                                  <a:latin typeface="Cambria Math" panose="02040503050406030204" pitchFamily="18" charset="0"/>
-                                </a:rPr>
-                              </m:ctrlPr>
-                            </m:sSupPr>
-                            <m:e>
-                              <m:r>
-                                <a:rPr lang="en-US" b="0" i="1" smtClean="0">
-                                  <a:latin typeface="Cambria Math" panose="02040503050406030204" pitchFamily="18" charset="0"/>
-                                </a:rPr>
-                                <m:t>𝑛</m:t>
-                              </m:r>
-                            </m:e>
-                            <m:sup>
-                              <m:r>
-                                <a:rPr lang="ru-RU" b="0" i="1" smtClean="0">
-                                  <a:latin typeface="Cambria Math" panose="02040503050406030204" pitchFamily="18" charset="0"/>
-                                </a:rPr>
-                                <m:t>с</m:t>
-                              </m:r>
-                            </m:sup>
-                          </m:sSup>
-                        </m:den>
-                      </m:f>
-                      <m:r>
-                        <a:rPr lang="en-US" b="0" i="1" smtClean="0">
-                          <a:latin typeface="Cambria Math" panose="02040503050406030204" pitchFamily="18" charset="0"/>
-                        </a:rPr>
-                        <m:t>.</m:t>
-                      </m:r>
-                    </m:oMath>
-                  </m:oMathPara>
-                </a14:m>
-                <a:endParaRPr lang="en-US" dirty="0" smtClean="0"/>
-              </a:p>
-              <a:p>
-                <a:pPr marL="0" indent="0">
-                  <a:buNone/>
-                </a:pPr>
-                <a:r>
-                  <a:rPr lang="ru-RU" b="1" dirty="0" smtClean="0"/>
-                  <a:t>Теорема 2.1.</a:t>
-                </a:r>
-                <a:r>
-                  <a:rPr lang="ru-RU" dirty="0" smtClean="0"/>
-                  <a:t> Функция  </a:t>
-                </a:r>
-                <a14:m>
-                  <m:oMath xmlns:m="http://schemas.openxmlformats.org/officeDocument/2006/math">
-                    <m:sSub>
-                      <m:sSubPr>
-                        <m:ctrlPr>
-                          <a:rPr lang="en-US" i="1">
-                            <a:latin typeface="Cambria Math" panose="02040503050406030204" pitchFamily="18" charset="0"/>
-                          </a:rPr>
-                        </m:ctrlPr>
-                      </m:sSubPr>
-                      <m:e>
-                        <m:r>
-                          <a:rPr lang="en-US" i="1">
-                            <a:latin typeface="Cambria Math" panose="02040503050406030204" pitchFamily="18" charset="0"/>
-                          </a:rPr>
-                          <m:t>𝑍</m:t>
-                        </m:r>
-                      </m:e>
-                      <m:sub>
-                        <m:r>
-                          <a:rPr lang="en-US" i="1">
-                            <a:latin typeface="Cambria Math" panose="02040503050406030204" pitchFamily="18" charset="0"/>
-                          </a:rPr>
-                          <m:t>≥1</m:t>
-                        </m:r>
-                      </m:sub>
-                    </m:sSub>
-                    <m:r>
-                      <a:rPr lang="en-US" i="1">
-                        <a:latin typeface="Cambria Math" panose="02040503050406030204" pitchFamily="18" charset="0"/>
-                      </a:rPr>
-                      <m:t>→</m:t>
-                    </m:r>
-                    <m:r>
-                      <a:rPr lang="en-US" i="1">
-                        <a:latin typeface="Cambria Math" panose="02040503050406030204" pitchFamily="18" charset="0"/>
-                      </a:rPr>
-                      <m:t>𝑅</m:t>
-                    </m:r>
-                  </m:oMath>
-                </a14:m>
-                <a:r>
-                  <a:rPr lang="ru-RU" dirty="0"/>
-                  <a:t> </a:t>
-                </a:r>
-                <a:r>
-                  <a:rPr lang="ru-RU" dirty="0" smtClean="0"/>
-                  <a:t>пренебрежимо малая, тогда и только тогда когда </a:t>
-                </a:r>
-                <a14:m>
-                  <m:oMath xmlns:m="http://schemas.openxmlformats.org/officeDocument/2006/math">
-                    <m:r>
-                      <a:rPr lang="ru-RU" b="0" i="1" smtClean="0">
-                        <a:latin typeface="Cambria Math" panose="02040503050406030204" pitchFamily="18" charset="0"/>
-                      </a:rPr>
-                      <m:t>∀</m:t>
-                    </m:r>
-                    <m:r>
-                      <a:rPr lang="en-US" b="0" i="1" smtClean="0">
-                        <a:latin typeface="Cambria Math" panose="02040503050406030204" pitchFamily="18" charset="0"/>
-                      </a:rPr>
-                      <m:t>𝑐</m:t>
-                    </m:r>
-                    <m:r>
-                      <a:rPr lang="en-US" b="0" i="1" smtClean="0">
-                        <a:latin typeface="Cambria Math" panose="02040503050406030204" pitchFamily="18" charset="0"/>
-                      </a:rPr>
-                      <m:t>&gt;0</m:t>
-                    </m:r>
-                  </m:oMath>
-                </a14:m>
-                <a:r>
-                  <a:rPr lang="ru-RU" dirty="0" smtClean="0"/>
-                  <a:t> справедливо равенство</a:t>
-                </a:r>
-                <a:r>
-                  <a:rPr lang="en-US" dirty="0" smtClean="0"/>
-                  <a:t>:</a:t>
-                </a:r>
-              </a:p>
-              <a:p>
-                <a:pPr marL="0" indent="0">
-                  <a:buNone/>
-                </a:pPr>
-                <a:endParaRPr lang="en-US" dirty="0" smtClean="0"/>
-              </a:p>
-              <a:p>
-                <a:pPr marL="0" indent="0">
-                  <a:buNone/>
-                </a:pPr>
-                <a14:m>
-                  <m:oMathPara xmlns:m="http://schemas.openxmlformats.org/officeDocument/2006/math">
-                    <m:oMathParaPr>
-                      <m:jc m:val="centerGroup"/>
-                    </m:oMathParaPr>
-                    <m:oMath xmlns:m="http://schemas.openxmlformats.org/officeDocument/2006/math">
-                      <m:func>
-                        <m:funcPr>
-                          <m:ctrlPr>
-                            <a:rPr lang="en-US" i="1" smtClean="0">
-                              <a:latin typeface="Cambria Math" panose="02040503050406030204" pitchFamily="18" charset="0"/>
-                            </a:rPr>
-                          </m:ctrlPr>
-                        </m:funcPr>
-                        <m:fName>
-                          <m:limLow>
-                            <m:limLowPr>
-                              <m:ctrlPr>
-                                <a:rPr lang="en-US" i="1" smtClean="0">
-                                  <a:latin typeface="Cambria Math" panose="02040503050406030204" pitchFamily="18" charset="0"/>
-                                </a:rPr>
-                              </m:ctrlPr>
-                            </m:limLowPr>
-                            <m:e>
-                              <m:r>
-                                <m:rPr>
-                                  <m:sty m:val="p"/>
-                                </m:rPr>
-                                <a:rPr lang="en-US" i="0" smtClean="0">
-                                  <a:latin typeface="Cambria Math" panose="02040503050406030204" pitchFamily="18" charset="0"/>
-                                </a:rPr>
-                                <m:t>lim</m:t>
-                              </m:r>
-                            </m:e>
-                            <m:lim>
-                              <m:r>
-                                <a:rPr lang="en-US" b="0" i="1" smtClean="0">
-                                  <a:latin typeface="Cambria Math" panose="02040503050406030204" pitchFamily="18" charset="0"/>
-                                </a:rPr>
-                                <m:t>𝑛</m:t>
-                              </m:r>
-                              <m:r>
-                                <a:rPr lang="en-US" b="0" i="1" smtClean="0">
-                                  <a:latin typeface="Cambria Math" panose="02040503050406030204" pitchFamily="18" charset="0"/>
-                                </a:rPr>
-                                <m:t>→∞</m:t>
-                              </m:r>
-                            </m:lim>
-                          </m:limLow>
-                        </m:fName>
-                        <m:e>
-                          <m:r>
-                            <a:rPr lang="en-US" b="0" i="1" smtClean="0">
-                              <a:latin typeface="Cambria Math" panose="02040503050406030204" pitchFamily="18" charset="0"/>
-                            </a:rPr>
-                            <m:t>𝑓</m:t>
-                          </m:r>
-                          <m:d>
-                            <m:dPr>
-                              <m:ctrlPr>
-                                <a:rPr lang="en-US" b="0" i="1" smtClean="0">
-                                  <a:latin typeface="Cambria Math" panose="02040503050406030204" pitchFamily="18" charset="0"/>
-                                </a:rPr>
-                              </m:ctrlPr>
-                            </m:dPr>
-                            <m:e>
-                              <m:r>
-                                <a:rPr lang="en-US" b="0" i="1" smtClean="0">
-                                  <a:latin typeface="Cambria Math" panose="02040503050406030204" pitchFamily="18" charset="0"/>
-                                </a:rPr>
-                                <m:t>𝑛</m:t>
-                              </m:r>
-                            </m:e>
-                          </m:d>
-                          <m:sSup>
-                            <m:sSupPr>
-                              <m:ctrlPr>
-                                <a:rPr lang="en-US" b="0" i="1" smtClean="0">
-                                  <a:latin typeface="Cambria Math" panose="02040503050406030204" pitchFamily="18" charset="0"/>
-                                </a:rPr>
-                              </m:ctrlPr>
-                            </m:sSupPr>
-                            <m:e>
-                              <m:r>
-                                <a:rPr lang="en-US" b="0" i="1" smtClean="0">
-                                  <a:latin typeface="Cambria Math" panose="02040503050406030204" pitchFamily="18" charset="0"/>
-                                </a:rPr>
-                                <m:t>𝑛</m:t>
-                              </m:r>
-                            </m:e>
-                            <m:sup>
-                              <m:r>
-                                <a:rPr lang="en-US" b="0" i="1" smtClean="0">
-                                  <a:latin typeface="Cambria Math" panose="02040503050406030204" pitchFamily="18" charset="0"/>
-                                </a:rPr>
-                                <m:t>𝑐</m:t>
-                              </m:r>
-                            </m:sup>
-                          </m:sSup>
-                          <m:r>
-                            <a:rPr lang="en-US" b="0" i="1" smtClean="0">
-                              <a:latin typeface="Cambria Math" panose="02040503050406030204" pitchFamily="18" charset="0"/>
-                            </a:rPr>
-                            <m:t>=0.</m:t>
-                          </m:r>
-                        </m:e>
-                      </m:func>
-                    </m:oMath>
-                  </m:oMathPara>
-                </a14:m>
-                <a:endParaRPr lang="en-US" dirty="0" smtClean="0"/>
-              </a:p>
-              <a:p>
-                <a:pPr marL="0" indent="0">
-                  <a:buNone/>
-                </a:pPr>
-                <a:r>
-                  <a:rPr lang="en-US" dirty="0"/>
-                  <a:t/>
-                </a:r>
-                <a:br>
-                  <a:rPr lang="en-US" dirty="0"/>
-                </a:br>
-                <a:r>
-                  <a:rPr lang="ru-RU" dirty="0" smtClean="0"/>
-                  <a:t>Т.е.  на бесконечности функция</a:t>
-                </a:r>
-                <a:r>
-                  <a:rPr lang="ru-RU" dirty="0"/>
-                  <a:t> </a:t>
-                </a:r>
-                <a:r>
-                  <a:rPr lang="ru-RU" dirty="0" smtClean="0"/>
-                  <a:t>от </a:t>
-                </a:r>
-                <a14:m>
-                  <m:oMath xmlns:m="http://schemas.openxmlformats.org/officeDocument/2006/math">
-                    <m:r>
-                      <a:rPr lang="en-US" i="1" dirty="0" smtClean="0">
-                        <a:latin typeface="Cambria Math" panose="02040503050406030204" pitchFamily="18" charset="0"/>
-                      </a:rPr>
-                      <m:t>𝑛</m:t>
-                    </m:r>
-                  </m:oMath>
-                </a14:m>
-                <a:r>
-                  <a:rPr lang="ru-RU" dirty="0" smtClean="0"/>
-                  <a:t> убывает быстрее любого полинома</a:t>
-                </a:r>
-                <a:r>
-                  <a:rPr lang="en-US" dirty="0" smtClean="0"/>
-                  <a:t> </a:t>
-                </a:r>
-                <a:r>
-                  <a:rPr lang="ru-RU" dirty="0"/>
-                  <a:t>от </a:t>
-                </a:r>
-                <a14:m>
-                  <m:oMath xmlns:m="http://schemas.openxmlformats.org/officeDocument/2006/math">
-                    <m:r>
-                      <a:rPr lang="en-US" i="1" dirty="0">
-                        <a:latin typeface="Cambria Math" panose="02040503050406030204" pitchFamily="18" charset="0"/>
-                      </a:rPr>
-                      <m:t>𝑛</m:t>
-                    </m:r>
-                  </m:oMath>
-                </a14:m>
-                <a:r>
-                  <a:rPr lang="ru-RU" dirty="0"/>
-                  <a:t> </a:t>
-                </a:r>
-                <a:r>
-                  <a:rPr lang="ru-RU" dirty="0" smtClean="0"/>
-                  <a:t>.</a:t>
-                </a:r>
-                <a:endParaRPr lang="en-US" dirty="0" smtClean="0"/>
-              </a:p>
-            </p:txBody>
-          </p:sp>
-        </mc:Choice>
-        <mc:Fallback xmlns="">
-          <p:sp>
-            <p:nvSpPr>
-              <p:cNvPr id="3" name="Объект 2"/>
-              <p:cNvSpPr>
-                <a:spLocks noGrp="1" noRot="1" noChangeAspect="1" noMove="1" noResize="1" noEditPoints="1" noAdjustHandles="1" noChangeArrowheads="1" noChangeShapeType="1" noTextEdit="1"/>
-              </p:cNvSpPr>
-              <p:nvPr>
-                <p:ph idx="1"/>
-              </p:nvPr>
-            </p:nvSpPr>
-            <p:spPr>
-              <a:xfrm>
-                <a:off x="838200" y="1825624"/>
-                <a:ext cx="10515600" cy="4629767"/>
-              </a:xfrm>
-              <a:blipFill>
-                <a:blip r:embed="rId2"/>
-                <a:stretch>
-                  <a:fillRect l="-1043" t="-2632" r="-812" b="-2632"/>
-                </a:stretch>
-              </a:blipFill>
-            </p:spPr>
-            <p:txBody>
-              <a:bodyPr/>
-              <a:lstStyle/>
-              <a:p>
-                <a:r>
-                  <a:rPr lang="ru-RU">
-                    <a:noFill/>
-                  </a:rPr>
-                  <a:t> </a:t>
-                </a:r>
-              </a:p>
-            </p:txBody>
-          </p:sp>
-        </mc:Fallback>
-      </mc:AlternateContent>
-      <p:sp>
-        <p:nvSpPr>
-          <p:cNvPr id="4" name="Номер слайда 3"/>
-          <p:cNvSpPr>
-            <a:spLocks noGrp="1"/>
-          </p:cNvSpPr>
-          <p:nvPr>
-            <p:ph type="sldNum" sz="quarter" idx="12"/>
-          </p:nvPr>
-        </p:nvSpPr>
-        <p:spPr/>
-        <p:txBody>
-          <a:bodyPr/>
-          <a:lstStyle/>
-          <a:p>
-            <a:fld id="{8253DDDB-F8F7-4D64-A7FD-3F3D61C1949F}" type="slidenum">
-              <a:rPr lang="ru-RU" smtClean="0"/>
-              <a:t>3</a:t>
-            </a:fld>
-            <a:endParaRPr lang="ru-RU"/>
-          </a:p>
-        </p:txBody>
-      </p:sp>
-    </p:spTree>
-    <p:extLst>
-      <p:ext uri="{BB962C8B-B14F-4D97-AF65-F5344CB8AC3E}">
-        <p14:creationId xmlns:p14="http://schemas.microsoft.com/office/powerpoint/2010/main" val="2459469773"/>
-      </p:ext>
-    </p:extLst>
-  </p:cSld>
-  <p:clrMapOvr>
-    <a:masterClrMapping/>
-  </p:clrMapOvr>
-  <p:timing>
-    <p:tnLst>
-      <p:par>
-        <p:cTn id="1" dur="indefinite" restart="never" nodeType="tmRoot"/>
-      </p:par>
-    </p:tnLst>
-  </p:timing>
-</p:sld>
-</file>
-
-<file path=ppt/slides/slide30.xml><?xml version="1.0" encoding="utf-8"?>
+<file path=ppt/slides/slide31.xml><?xml version="1.0" encoding="utf-8"?>
 <p:sld xmlns:a="http://schemas.openxmlformats.org/drawingml/2006/main" xmlns:r="http://schemas.openxmlformats.org/officeDocument/2006/relationships" xmlns:p="http://schemas.openxmlformats.org/presentationml/2006/main">
   <p:cSld>
     <p:spTree>
@@ -25889,7 +26042,7 @@
           <a:p>
             <a:fld id="{8253DDDB-F8F7-4D64-A7FD-3F3D61C1949F}" type="slidenum">
               <a:rPr lang="ru-RU" smtClean="0"/>
-              <a:t>30</a:t>
+              <a:t>31</a:t>
             </a:fld>
             <a:endParaRPr lang="ru-RU"/>
           </a:p>
@@ -27645,7 +27798,7 @@
 </p:sld>
 </file>
 
-<file path=ppt/slides/slide31.xml><?xml version="1.0" encoding="utf-8"?>
+<file path=ppt/slides/slide32.xml><?xml version="1.0" encoding="utf-8"?>
 <p:sld xmlns:a="http://schemas.openxmlformats.org/drawingml/2006/main" xmlns:r="http://schemas.openxmlformats.org/officeDocument/2006/relationships" xmlns:p="http://schemas.openxmlformats.org/presentationml/2006/main">
   <p:cSld>
     <p:spTree>
@@ -27876,7 +28029,7 @@
           <a:p>
             <a:fld id="{8253DDDB-F8F7-4D64-A7FD-3F3D61C1949F}" type="slidenum">
               <a:rPr lang="ru-RU" smtClean="0"/>
-              <a:t>31</a:t>
+              <a:t>32</a:t>
             </a:fld>
             <a:endParaRPr lang="ru-RU"/>
           </a:p>
@@ -29622,7 +29775,7 @@
 </p:sld>
 </file>
 
-<file path=ppt/slides/slide32.xml><?xml version="1.0" encoding="utf-8"?>
+<file path=ppt/slides/slide33.xml><?xml version="1.0" encoding="utf-8"?>
 <p:sld xmlns:a="http://schemas.openxmlformats.org/drawingml/2006/main" xmlns:r="http://schemas.openxmlformats.org/officeDocument/2006/relationships" xmlns:p="http://schemas.openxmlformats.org/presentationml/2006/main">
   <p:cSld>
     <p:spTree>
@@ -30176,7 +30329,7 @@
           <a:p>
             <a:fld id="{8253DDDB-F8F7-4D64-A7FD-3F3D61C1949F}" type="slidenum">
               <a:rPr lang="ru-RU" smtClean="0"/>
-              <a:t>32</a:t>
+              <a:t>33</a:t>
             </a:fld>
             <a:endParaRPr lang="ru-RU" dirty="0"/>
           </a:p>
@@ -31402,7 +31555,7 @@
 </p:sld>
 </file>
 
-<file path=ppt/slides/slide33.xml><?xml version="1.0" encoding="utf-8"?>
+<file path=ppt/slides/slide34.xml><?xml version="1.0" encoding="utf-8"?>
 <p:sld xmlns:a="http://schemas.openxmlformats.org/drawingml/2006/main" xmlns:r="http://schemas.openxmlformats.org/officeDocument/2006/relationships" xmlns:p="http://schemas.openxmlformats.org/presentationml/2006/main">
   <p:cSld>
     <p:spTree>
@@ -31496,7 +31649,7 @@
           <a:p>
             <a:fld id="{8253DDDB-F8F7-4D64-A7FD-3F3D61C1949F}" type="slidenum">
               <a:rPr lang="ru-RU" smtClean="0"/>
-              <a:t>33</a:t>
+              <a:t>34</a:t>
             </a:fld>
             <a:endParaRPr lang="ru-RU"/>
           </a:p>
@@ -33540,7 +33693,7 @@
 </p:sld>
 </file>
 
-<file path=ppt/slides/slide34.xml><?xml version="1.0" encoding="utf-8"?>
+<file path=ppt/slides/slide35.xml><?xml version="1.0" encoding="utf-8"?>
 <p:sld xmlns:a="http://schemas.openxmlformats.org/drawingml/2006/main" xmlns:r="http://schemas.openxmlformats.org/officeDocument/2006/relationships" xmlns:p="http://schemas.openxmlformats.org/presentationml/2006/main">
   <p:cSld>
     <p:spTree>
@@ -33687,7 +33840,7 @@
           <a:p>
             <a:fld id="{8253DDDB-F8F7-4D64-A7FD-3F3D61C1949F}" type="slidenum">
               <a:rPr lang="ru-RU" smtClean="0"/>
-              <a:t>34</a:t>
+              <a:t>35</a:t>
             </a:fld>
             <a:endParaRPr lang="ru-RU"/>
           </a:p>
@@ -36819,7 +36972,15 @@
             </a:pPr>
             <a:r>
               <a:rPr lang="ru-RU" dirty="0" smtClean="0"/>
-              <a:t>Ранее, при введении понятия (вычислимого) шифра, мы описывали его без описания с явным описанием параметров.</a:t>
+              <a:t>Ранее, при введении понятия (вычислимого) шифра, мы описывали его без </a:t>
+            </a:r>
+            <a:r>
+              <a:rPr lang="ru-RU" dirty="0" smtClean="0"/>
+              <a:t>явного описания </a:t>
+            </a:r>
+            <a:r>
+              <a:rPr lang="ru-RU" dirty="0" smtClean="0"/>
+              <a:t>параметров.</a:t>
             </a:r>
           </a:p>
           <a:p>
@@ -36834,7 +36995,15 @@
             </a:pPr>
             <a:r>
               <a:rPr lang="ru-RU" dirty="0" smtClean="0"/>
-              <a:t>На практике многие шифры и другие примитивы имеют так называемые параметры системы, влияющие на производительность и стойкость системы.</a:t>
+              <a:t>На практике многие шифры и другие примитивы имеют так называемые </a:t>
+            </a:r>
+            <a:r>
+              <a:rPr lang="ru-RU" b="1" dirty="0" smtClean="0"/>
+              <a:t>параметры системы</a:t>
+            </a:r>
+            <a:r>
+              <a:rPr lang="ru-RU" dirty="0" smtClean="0"/>
+              <a:t>, влияющие на производительность и стойкость системы.</a:t>
             </a:r>
           </a:p>
           <a:p>
@@ -36849,7 +37018,31 @@
             </a:pPr>
             <a:r>
               <a:rPr lang="ru-RU" dirty="0" smtClean="0"/>
-              <a:t>Пример – длина ключа (и максимального сообщения) в одноразовом блокноте, модуль в аддитивном одноразовом блокноте. </a:t>
+              <a:t>Пример – длина ключа </a:t>
+            </a:r>
+            <a:r>
+              <a:rPr lang="ru-RU" dirty="0" smtClean="0"/>
+              <a:t>(и </a:t>
+            </a:r>
+            <a:r>
+              <a:rPr lang="ru-RU" dirty="0" smtClean="0"/>
+              <a:t>максимального </a:t>
+            </a:r>
+            <a:r>
+              <a:rPr lang="ru-RU" dirty="0" smtClean="0"/>
+              <a:t>сообщения) </a:t>
+            </a:r>
+            <a:r>
+              <a:rPr lang="ru-RU" dirty="0" smtClean="0"/>
+              <a:t>в одноразовом блокноте, </a:t>
+            </a:r>
+            <a:r>
+              <a:rPr lang="ru-RU" dirty="0" smtClean="0"/>
+              <a:t>модуль и длина ключа </a:t>
+            </a:r>
+            <a:r>
+              <a:rPr lang="ru-RU" dirty="0" smtClean="0"/>
+              <a:t>в аддитивном одноразовом блокноте. </a:t>
             </a:r>
             <a:endParaRPr lang="ru-RU" dirty="0"/>
           </a:p>
@@ -36938,8 +37131,8 @@
           </a:p>
         </p:txBody>
       </p:sp>
-      <mc:AlternateContent xmlns:mc="http://schemas.openxmlformats.org/markup-compatibility/2006" xmlns:a14="http://schemas.microsoft.com/office/drawing/2010/main">
-        <mc:Choice Requires="a14">
+      <mc:AlternateContent xmlns:mc="http://schemas.openxmlformats.org/markup-compatibility/2006">
+        <mc:Choice xmlns:a14="http://schemas.microsoft.com/office/drawing/2010/main" Requires="a14">
           <p:sp>
             <p:nvSpPr>
               <p:cNvPr id="3" name="Объект 2"/>
@@ -37061,13 +37254,10 @@
                       <m:t>:</m:t>
                     </m:r>
                     <m:r>
-                      <m:rPr>
-                        <m:sty m:val="p"/>
-                      </m:rPr>
-                      <a:rPr lang="en-US" b="0" i="0" smtClean="0">
-                        <a:latin typeface="Cambria Math" panose="02040503050406030204" pitchFamily="18" charset="0"/>
-                      </a:rPr>
-                      <m:t>A</m:t>
+                      <a:rPr lang="en-US" b="0" i="1" smtClean="0">
+                        <a:latin typeface="Cambria Math" panose="02040503050406030204" pitchFamily="18" charset="0"/>
+                      </a:rPr>
+                      <m:t>𝐴</m:t>
                     </m:r>
                     <m:d>
                       <m:dPr>
@@ -37675,7 +37865,7 @@
             </p:txBody>
           </p:sp>
         </mc:Choice>
-        <mc:Fallback xmlns="">
+        <mc:Fallback>
           <p:sp>
             <p:nvSpPr>
               <p:cNvPr id="3" name="Объект 2"/>
@@ -37687,7 +37877,7 @@
               </p:nvPr>
             </p:nvSpPr>
             <p:spPr>
-              <a:blipFill>
+              <a:blipFill rotWithShape="0">
                 <a:blip r:embed="rId2"/>
                 <a:stretch>
                   <a:fillRect l="-1043" t="-2801" r="-580"/>

--- a/Lectures/Lecture2.pptx
+++ b/Lectures/Lecture2.pptx
@@ -5,7 +5,7 @@
     <p:sldMasterId id="2147483648" r:id="rId1"/>
   </p:sldMasterIdLst>
   <p:notesMasterIdLst>
-    <p:notesMasterId r:id="rId37"/>
+    <p:notesMasterId r:id="rId36"/>
   </p:notesMasterIdLst>
   <p:sldIdLst>
     <p:sldId id="296" r:id="rId2"/>
@@ -18,31 +18,30 @@
     <p:sldId id="263" r:id="rId9"/>
     <p:sldId id="264" r:id="rId10"/>
     <p:sldId id="265" r:id="rId11"/>
-    <p:sldId id="298" r:id="rId12"/>
-    <p:sldId id="266" r:id="rId13"/>
-    <p:sldId id="289" r:id="rId14"/>
-    <p:sldId id="276" r:id="rId15"/>
-    <p:sldId id="268" r:id="rId16"/>
-    <p:sldId id="269" r:id="rId17"/>
-    <p:sldId id="270" r:id="rId18"/>
-    <p:sldId id="267" r:id="rId19"/>
-    <p:sldId id="271" r:id="rId20"/>
-    <p:sldId id="272" r:id="rId21"/>
-    <p:sldId id="273" r:id="rId22"/>
-    <p:sldId id="274" r:id="rId23"/>
-    <p:sldId id="275" r:id="rId24"/>
-    <p:sldId id="278" r:id="rId25"/>
-    <p:sldId id="277" r:id="rId26"/>
-    <p:sldId id="280" r:id="rId27"/>
-    <p:sldId id="281" r:id="rId28"/>
-    <p:sldId id="282" r:id="rId29"/>
-    <p:sldId id="288" r:id="rId30"/>
-    <p:sldId id="290" r:id="rId31"/>
-    <p:sldId id="291" r:id="rId32"/>
-    <p:sldId id="292" r:id="rId33"/>
-    <p:sldId id="293" r:id="rId34"/>
-    <p:sldId id="295" r:id="rId35"/>
-    <p:sldId id="297" r:id="rId36"/>
+    <p:sldId id="266" r:id="rId12"/>
+    <p:sldId id="289" r:id="rId13"/>
+    <p:sldId id="276" r:id="rId14"/>
+    <p:sldId id="268" r:id="rId15"/>
+    <p:sldId id="269" r:id="rId16"/>
+    <p:sldId id="270" r:id="rId17"/>
+    <p:sldId id="267" r:id="rId18"/>
+    <p:sldId id="271" r:id="rId19"/>
+    <p:sldId id="272" r:id="rId20"/>
+    <p:sldId id="273" r:id="rId21"/>
+    <p:sldId id="274" r:id="rId22"/>
+    <p:sldId id="275" r:id="rId23"/>
+    <p:sldId id="278" r:id="rId24"/>
+    <p:sldId id="277" r:id="rId25"/>
+    <p:sldId id="280" r:id="rId26"/>
+    <p:sldId id="281" r:id="rId27"/>
+    <p:sldId id="282" r:id="rId28"/>
+    <p:sldId id="288" r:id="rId29"/>
+    <p:sldId id="290" r:id="rId30"/>
+    <p:sldId id="291" r:id="rId31"/>
+    <p:sldId id="292" r:id="rId32"/>
+    <p:sldId id="293" r:id="rId33"/>
+    <p:sldId id="295" r:id="rId34"/>
+    <p:sldId id="297" r:id="rId35"/>
   </p:sldIdLst>
   <p:sldSz cx="12192000" cy="6858000"/>
   <p:notesSz cx="6858000" cy="9144000"/>
@@ -164,7 +163,6 @@
             <p14:sldId id="263"/>
             <p14:sldId id="264"/>
             <p14:sldId id="265"/>
-            <p14:sldId id="298"/>
             <p14:sldId id="266"/>
             <p14:sldId id="289"/>
             <p14:sldId id="276"/>
@@ -3551,11 +3549,7 @@
           <a:p>
             <a:r>
               <a:rPr lang="ru-RU" dirty="0" smtClean="0"/>
-              <a:t>МИФИ </a:t>
-            </a:r>
-            <a:r>
-              <a:rPr lang="ru-RU" dirty="0" smtClean="0"/>
-              <a:t>201</a:t>
+              <a:t>МИФИ 201</a:t>
             </a:r>
             <a:r>
               <a:rPr lang="en-US" dirty="0" smtClean="0"/>
@@ -4605,113 +4599,6 @@
           <a:p>
             <a:r>
               <a:rPr lang="ru-RU" dirty="0" smtClean="0"/>
-              <a:t>Почему эффективность задаётся полиномиальной ограниченностью?</a:t>
-            </a:r>
-            <a:endParaRPr lang="ru-RU" dirty="0"/>
-          </a:p>
-        </p:txBody>
-      </p:sp>
-      <p:sp>
-        <p:nvSpPr>
-          <p:cNvPr id="3" name="Объект 2"/>
-          <p:cNvSpPr>
-            <a:spLocks noGrp="1"/>
-          </p:cNvSpPr>
-          <p:nvPr>
-            <p:ph idx="1"/>
-          </p:nvPr>
-        </p:nvSpPr>
-        <p:spPr/>
-        <p:txBody>
-          <a:bodyPr/>
-          <a:lstStyle/>
-          <a:p>
-            <a:r>
-              <a:rPr lang="ru-RU" dirty="0" smtClean="0">
-                <a:solidFill>
-                  <a:srgbClr val="FF0000"/>
-                </a:solidFill>
-              </a:rPr>
-              <a:t>(ДОДЕЛАТЬ СЛАЙД)</a:t>
-            </a:r>
-            <a:endParaRPr lang="ru-RU" dirty="0">
-              <a:solidFill>
-                <a:srgbClr val="FF0000"/>
-              </a:solidFill>
-            </a:endParaRPr>
-          </a:p>
-        </p:txBody>
-      </p:sp>
-      <p:sp>
-        <p:nvSpPr>
-          <p:cNvPr id="4" name="Номер слайда 3"/>
-          <p:cNvSpPr>
-            <a:spLocks noGrp="1"/>
-          </p:cNvSpPr>
-          <p:nvPr>
-            <p:ph type="sldNum" sz="quarter" idx="12"/>
-          </p:nvPr>
-        </p:nvSpPr>
-        <p:spPr/>
-        <p:txBody>
-          <a:bodyPr/>
-          <a:lstStyle/>
-          <a:p>
-            <a:fld id="{8253DDDB-F8F7-4D64-A7FD-3F3D61C1949F}" type="slidenum">
-              <a:rPr lang="ru-RU" smtClean="0"/>
-              <a:t>11</a:t>
-            </a:fld>
-            <a:endParaRPr lang="ru-RU"/>
-          </a:p>
-        </p:txBody>
-      </p:sp>
-    </p:spTree>
-    <p:extLst>
-      <p:ext uri="{BB962C8B-B14F-4D97-AF65-F5344CB8AC3E}">
-        <p14:creationId xmlns:p14="http://schemas.microsoft.com/office/powerpoint/2010/main" val="634654029"/>
-      </p:ext>
-    </p:extLst>
-  </p:cSld>
-  <p:clrMapOvr>
-    <a:masterClrMapping/>
-  </p:clrMapOvr>
-</p:sld>
-</file>
-
-<file path=ppt/slides/slide12.xml><?xml version="1.0" encoding="utf-8"?>
-<p:sld xmlns:a="http://schemas.openxmlformats.org/drawingml/2006/main" xmlns:r="http://schemas.openxmlformats.org/officeDocument/2006/relationships" xmlns:p="http://schemas.openxmlformats.org/presentationml/2006/main">
-  <p:cSld>
-    <p:spTree>
-      <p:nvGrpSpPr>
-        <p:cNvPr id="1" name=""/>
-        <p:cNvGrpSpPr/>
-        <p:nvPr/>
-      </p:nvGrpSpPr>
-      <p:grpSpPr>
-        <a:xfrm>
-          <a:off x="0" y="0"/>
-          <a:ext cx="0" cy="0"/>
-          <a:chOff x="0" y="0"/>
-          <a:chExt cx="0" cy="0"/>
-        </a:xfrm>
-      </p:grpSpPr>
-      <p:sp>
-        <p:nvSpPr>
-          <p:cNvPr id="2" name="Заголовок 1"/>
-          <p:cNvSpPr>
-            <a:spLocks noGrp="1"/>
-          </p:cNvSpPr>
-          <p:nvPr>
-            <p:ph type="title"/>
-          </p:nvPr>
-        </p:nvSpPr>
-        <p:spPr/>
-        <p:txBody>
-          <a:bodyPr/>
-          <a:lstStyle/>
-          <a:p>
-            <a:r>
-              <a:rPr lang="ru-RU" dirty="0" smtClean="0"/>
               <a:t>Эффективность в игре</a:t>
             </a:r>
             <a:endParaRPr lang="ru-RU" dirty="0"/>
@@ -4777,7 +4664,7 @@
           <a:p>
             <a:fld id="{8253DDDB-F8F7-4D64-A7FD-3F3D61C1949F}" type="slidenum">
               <a:rPr lang="ru-RU" smtClean="0"/>
-              <a:t>12</a:t>
+              <a:t>11</a:t>
             </a:fld>
             <a:endParaRPr lang="ru-RU" dirty="0"/>
           </a:p>
@@ -5732,7 +5619,7 @@
 </p:sld>
 </file>
 
-<file path=ppt/slides/slide13.xml><?xml version="1.0" encoding="utf-8"?>
+<file path=ppt/slides/slide12.xml><?xml version="1.0" encoding="utf-8"?>
 <p:sld xmlns:a="http://schemas.openxmlformats.org/drawingml/2006/main" xmlns:r="http://schemas.openxmlformats.org/officeDocument/2006/relationships" xmlns:p="http://schemas.openxmlformats.org/presentationml/2006/main">
   <p:cSld>
     <p:spTree>
@@ -6159,7 +6046,7 @@
           <a:p>
             <a:fld id="{8253DDDB-F8F7-4D64-A7FD-3F3D61C1949F}" type="slidenum">
               <a:rPr lang="ru-RU" smtClean="0"/>
-              <a:t>13</a:t>
+              <a:t>12</a:t>
             </a:fld>
             <a:endParaRPr lang="ru-RU"/>
           </a:p>
@@ -7114,7 +7001,7 @@
 </p:sld>
 </file>
 
-<file path=ppt/slides/slide14.xml><?xml version="1.0" encoding="utf-8"?>
+<file path=ppt/slides/slide13.xml><?xml version="1.0" encoding="utf-8"?>
 <p:sld xmlns:a="http://schemas.openxmlformats.org/drawingml/2006/main" xmlns:r="http://schemas.openxmlformats.org/officeDocument/2006/relationships" xmlns:p="http://schemas.openxmlformats.org/presentationml/2006/main">
   <p:cSld>
     <p:spTree>
@@ -7781,7 +7668,7 @@
           <a:p>
             <a:fld id="{8253DDDB-F8F7-4D64-A7FD-3F3D61C1949F}" type="slidenum">
               <a:rPr lang="ru-RU" smtClean="0"/>
-              <a:t>14</a:t>
+              <a:t>13</a:t>
             </a:fld>
             <a:endParaRPr lang="ru-RU"/>
           </a:p>
@@ -8847,7 +8734,7 @@
 </p:sld>
 </file>
 
-<file path=ppt/slides/slide15.xml><?xml version="1.0" encoding="utf-8"?>
+<file path=ppt/slides/slide14.xml><?xml version="1.0" encoding="utf-8"?>
 <p:sld xmlns:a="http://schemas.openxmlformats.org/drawingml/2006/main" xmlns:r="http://schemas.openxmlformats.org/officeDocument/2006/relationships" xmlns:p="http://schemas.openxmlformats.org/presentationml/2006/main">
   <p:cSld>
     <p:spTree>
@@ -9222,7 +9109,7 @@
           <a:p>
             <a:fld id="{8253DDDB-F8F7-4D64-A7FD-3F3D61C1949F}" type="slidenum">
               <a:rPr lang="ru-RU" smtClean="0"/>
-              <a:t>15</a:t>
+              <a:t>14</a:t>
             </a:fld>
             <a:endParaRPr lang="ru-RU"/>
           </a:p>
@@ -9248,7 +9135,7 @@
 </p:sld>
 </file>
 
-<file path=ppt/slides/slide16.xml><?xml version="1.0" encoding="utf-8"?>
+<file path=ppt/slides/slide15.xml><?xml version="1.0" encoding="utf-8"?>
 <p:sld xmlns:a="http://schemas.openxmlformats.org/drawingml/2006/main" xmlns:r="http://schemas.openxmlformats.org/officeDocument/2006/relationships" xmlns:p="http://schemas.openxmlformats.org/presentationml/2006/main">
   <p:cSld>
     <p:spTree>
@@ -9440,7 +9327,7 @@
           <a:p>
             <a:fld id="{8253DDDB-F8F7-4D64-A7FD-3F3D61C1949F}" type="slidenum">
               <a:rPr lang="ru-RU" smtClean="0"/>
-              <a:t>16</a:t>
+              <a:t>15</a:t>
             </a:fld>
             <a:endParaRPr lang="ru-RU"/>
           </a:p>
@@ -9466,7 +9353,7 @@
 </p:sld>
 </file>
 
-<file path=ppt/slides/slide17.xml><?xml version="1.0" encoding="utf-8"?>
+<file path=ppt/slides/slide16.xml><?xml version="1.0" encoding="utf-8"?>
 <p:sld xmlns:a="http://schemas.openxmlformats.org/drawingml/2006/main" xmlns:r="http://schemas.openxmlformats.org/officeDocument/2006/relationships" xmlns:p="http://schemas.openxmlformats.org/presentationml/2006/main">
   <p:cSld>
     <p:spTree>
@@ -9905,7 +9792,7 @@
           <a:p>
             <a:fld id="{8253DDDB-F8F7-4D64-A7FD-3F3D61C1949F}" type="slidenum">
               <a:rPr lang="ru-RU" smtClean="0"/>
-              <a:t>17</a:t>
+              <a:t>16</a:t>
             </a:fld>
             <a:endParaRPr lang="ru-RU"/>
           </a:p>
@@ -9931,7 +9818,7 @@
 </p:sld>
 </file>
 
-<file path=ppt/slides/slide18.xml><?xml version="1.0" encoding="utf-8"?>
+<file path=ppt/slides/slide17.xml><?xml version="1.0" encoding="utf-8"?>
 <p:sld xmlns:a="http://schemas.openxmlformats.org/drawingml/2006/main" xmlns:r="http://schemas.openxmlformats.org/officeDocument/2006/relationships" xmlns:p="http://schemas.openxmlformats.org/presentationml/2006/main">
   <p:cSld>
     <p:spTree>
@@ -10014,15 +9901,7 @@
             </a:pPr>
             <a:r>
               <a:rPr lang="ru-RU" dirty="0" smtClean="0"/>
-              <a:t>Проблема (Теорема Шеннона) – </a:t>
-            </a:r>
-            <a:r>
-              <a:rPr lang="ru-RU" dirty="0" smtClean="0"/>
-              <a:t>длина (энтропия) </a:t>
-            </a:r>
-            <a:r>
-              <a:rPr lang="ru-RU" dirty="0" smtClean="0"/>
-              <a:t>ключа должна быть больше или равна длине сообщения.</a:t>
+              <a:t>Проблема (Теорема Шеннона) – длина (энтропия) ключа должна быть больше или равна длине сообщения.</a:t>
             </a:r>
           </a:p>
           <a:p>
@@ -10060,7 +9939,7 @@
           <a:p>
             <a:fld id="{8253DDDB-F8F7-4D64-A7FD-3F3D61C1949F}" type="slidenum">
               <a:rPr lang="ru-RU" smtClean="0"/>
-              <a:t>18</a:t>
+              <a:t>17</a:t>
             </a:fld>
             <a:endParaRPr lang="ru-RU"/>
           </a:p>
@@ -10086,7 +9965,7 @@
 </p:sld>
 </file>
 
-<file path=ppt/slides/slide19.xml><?xml version="1.0" encoding="utf-8"?>
+<file path=ppt/slides/slide18.xml><?xml version="1.0" encoding="utf-8"?>
 <p:sld xmlns:a="http://schemas.openxmlformats.org/drawingml/2006/main" xmlns:r="http://schemas.openxmlformats.org/officeDocument/2006/relationships" xmlns:p="http://schemas.openxmlformats.org/presentationml/2006/main">
   <p:cSld>
     <p:spTree>
@@ -10147,7 +10026,7 @@
           <a:p>
             <a:fld id="{8253DDDB-F8F7-4D64-A7FD-3F3D61C1949F}" type="slidenum">
               <a:rPr lang="ru-RU" smtClean="0"/>
-              <a:t>19</a:t>
+              <a:t>18</a:t>
             </a:fld>
             <a:endParaRPr lang="ru-RU"/>
           </a:p>
@@ -11538,6 +11417,817 @@
 </p:sld>
 </file>
 
+<file path=ppt/slides/slide19.xml><?xml version="1.0" encoding="utf-8"?>
+<p:sld xmlns:a="http://schemas.openxmlformats.org/drawingml/2006/main" xmlns:r="http://schemas.openxmlformats.org/officeDocument/2006/relationships" xmlns:p="http://schemas.openxmlformats.org/presentationml/2006/main">
+  <p:cSld>
+    <p:spTree>
+      <p:nvGrpSpPr>
+        <p:cNvPr id="1" name=""/>
+        <p:cNvGrpSpPr/>
+        <p:nvPr/>
+      </p:nvGrpSpPr>
+      <p:grpSpPr>
+        <a:xfrm>
+          <a:off x="0" y="0"/>
+          <a:ext cx="0" cy="0"/>
+          <a:chOff x="0" y="0"/>
+          <a:chExt cx="0" cy="0"/>
+        </a:xfrm>
+      </p:grpSpPr>
+      <p:sp>
+        <p:nvSpPr>
+          <p:cNvPr id="2" name="Заголовок 1"/>
+          <p:cNvSpPr>
+            <a:spLocks noGrp="1"/>
+          </p:cNvSpPr>
+          <p:nvPr>
+            <p:ph type="title"/>
+          </p:nvPr>
+        </p:nvSpPr>
+        <p:spPr/>
+        <p:txBody>
+          <a:bodyPr/>
+          <a:lstStyle/>
+          <a:p>
+            <a:r>
+              <a:rPr lang="ru-RU" dirty="0" smtClean="0"/>
+              <a:t>Поточный шифр</a:t>
+            </a:r>
+            <a:endParaRPr lang="ru-RU" dirty="0"/>
+          </a:p>
+        </p:txBody>
+      </p:sp>
+      <mc:AlternateContent xmlns:mc="http://schemas.openxmlformats.org/markup-compatibility/2006" xmlns:a14="http://schemas.microsoft.com/office/drawing/2010/main">
+        <mc:Choice Requires="a14">
+          <p:sp>
+            <p:nvSpPr>
+              <p:cNvPr id="3" name="Объект 2"/>
+              <p:cNvSpPr>
+                <a:spLocks noGrp="1"/>
+              </p:cNvSpPr>
+              <p:nvPr>
+                <p:ph idx="1"/>
+              </p:nvPr>
+            </p:nvSpPr>
+            <p:spPr/>
+            <p:txBody>
+              <a:bodyPr>
+                <a:normAutofit fontScale="92500" lnSpcReduction="10000"/>
+              </a:bodyPr>
+              <a:lstStyle/>
+              <a:p>
+                <a:pPr marL="0" indent="0">
+                  <a:buNone/>
+                </a:pPr>
+                <a:r>
+                  <a:rPr lang="ru-RU" dirty="0" smtClean="0"/>
+                  <a:t>Эффективно вычислимая функция </a:t>
+                </a:r>
+                <a14:m>
+                  <m:oMath xmlns:m="http://schemas.openxmlformats.org/officeDocument/2006/math">
+                    <m:r>
+                      <a:rPr lang="en-US" b="0" i="1" smtClean="0">
+                        <a:latin typeface="Cambria Math" panose="02040503050406030204" pitchFamily="18" charset="0"/>
+                      </a:rPr>
+                      <m:t>𝐺</m:t>
+                    </m:r>
+                    <m:r>
+                      <a:rPr lang="en-US" b="0" i="1" smtClean="0">
+                        <a:latin typeface="Cambria Math" panose="02040503050406030204" pitchFamily="18" charset="0"/>
+                      </a:rPr>
+                      <m:t>:</m:t>
+                    </m:r>
+                    <m:r>
+                      <a:rPr lang="en-US" b="0" i="1" smtClean="0">
+                        <a:latin typeface="Cambria Math" panose="02040503050406030204" pitchFamily="18" charset="0"/>
+                      </a:rPr>
+                      <m:t>𝑆</m:t>
+                    </m:r>
+                    <m:r>
+                      <a:rPr lang="en-US" b="0" i="1" smtClean="0">
+                        <a:latin typeface="Cambria Math" panose="02040503050406030204" pitchFamily="18" charset="0"/>
+                      </a:rPr>
+                      <m:t>→</m:t>
+                    </m:r>
+                    <m:r>
+                      <a:rPr lang="en-US" b="0" i="1" smtClean="0">
+                        <a:latin typeface="Cambria Math" panose="02040503050406030204" pitchFamily="18" charset="0"/>
+                      </a:rPr>
+                      <m:t>𝑅</m:t>
+                    </m:r>
+                  </m:oMath>
+                </a14:m>
+                <a:r>
+                  <a:rPr lang="en-US" dirty="0" smtClean="0"/>
+                  <a:t> </a:t>
+                </a:r>
+                <a:r>
+                  <a:rPr lang="ru-RU" dirty="0" smtClean="0"/>
+                  <a:t>называется </a:t>
+                </a:r>
+                <a:r>
+                  <a:rPr lang="ru-RU" b="1" dirty="0" smtClean="0"/>
+                  <a:t>псевдослучайным генератором</a:t>
+                </a:r>
+                <a:r>
+                  <a:rPr lang="en-US" dirty="0" smtClean="0"/>
+                  <a:t> </a:t>
+                </a:r>
+                <a:r>
+                  <a:rPr lang="ru-RU" dirty="0" smtClean="0"/>
+                  <a:t>на </a:t>
+                </a:r>
+                <a14:m>
+                  <m:oMath xmlns:m="http://schemas.openxmlformats.org/officeDocument/2006/math">
+                    <m:r>
+                      <a:rPr lang="en-US" b="0" i="1" smtClean="0">
+                        <a:latin typeface="Cambria Math" panose="02040503050406030204" pitchFamily="18" charset="0"/>
+                      </a:rPr>
+                      <m:t>(</m:t>
+                    </m:r>
+                    <m:r>
+                      <a:rPr lang="en-US" b="0" i="1" smtClean="0">
+                        <a:latin typeface="Cambria Math" panose="02040503050406030204" pitchFamily="18" charset="0"/>
+                      </a:rPr>
+                      <m:t>𝑆</m:t>
+                    </m:r>
+                    <m:r>
+                      <a:rPr lang="en-US" b="0" i="1" smtClean="0">
+                        <a:latin typeface="Cambria Math" panose="02040503050406030204" pitchFamily="18" charset="0"/>
+                      </a:rPr>
+                      <m:t>,</m:t>
+                    </m:r>
+                    <m:r>
+                      <a:rPr lang="en-US" b="0" i="1" smtClean="0">
+                        <a:latin typeface="Cambria Math" panose="02040503050406030204" pitchFamily="18" charset="0"/>
+                      </a:rPr>
+                      <m:t>𝑅</m:t>
+                    </m:r>
+                    <m:r>
+                      <a:rPr lang="en-US" b="0" i="1" smtClean="0">
+                        <a:latin typeface="Cambria Math" panose="02040503050406030204" pitchFamily="18" charset="0"/>
+                      </a:rPr>
+                      <m:t>)</m:t>
+                    </m:r>
+                  </m:oMath>
+                </a14:m>
+                <a:r>
+                  <a:rPr lang="ru-RU" dirty="0" smtClean="0"/>
+                  <a:t> </a:t>
+                </a:r>
+                <a:r>
+                  <a:rPr lang="en-US" b="1" dirty="0" smtClean="0"/>
+                  <a:t>PRG</a:t>
+                </a:r>
+                <a:r>
+                  <a:rPr lang="ru-RU" dirty="0" smtClean="0"/>
+                  <a:t>.</a:t>
+                </a:r>
+              </a:p>
+              <a:p>
+                <a:pPr marL="0" indent="0">
+                  <a:buNone/>
+                </a:pPr>
+                <a:r>
+                  <a:rPr lang="ru-RU" dirty="0" smtClean="0"/>
+                  <a:t>Шифр </a:t>
+                </a:r>
+                <a14:m>
+                  <m:oMath xmlns:m="http://schemas.openxmlformats.org/officeDocument/2006/math">
+                    <m:r>
+                      <m:rPr>
+                        <m:sty m:val="p"/>
+                      </m:rPr>
+                      <a:rPr lang="ru-RU" b="0" i="0" smtClean="0">
+                        <a:latin typeface="Cambria Math" panose="02040503050406030204" pitchFamily="18" charset="0"/>
+                      </a:rPr>
+                      <m:t>Ε</m:t>
+                    </m:r>
+                    <m:r>
+                      <a:rPr lang="en-US" b="0" i="1" smtClean="0">
+                        <a:latin typeface="Cambria Math" panose="02040503050406030204" pitchFamily="18" charset="0"/>
+                      </a:rPr>
+                      <m:t>=</m:t>
+                    </m:r>
+                    <m:d>
+                      <m:dPr>
+                        <m:ctrlPr>
+                          <a:rPr lang="en-US" b="0" i="1" smtClean="0">
+                            <a:latin typeface="Cambria Math" panose="02040503050406030204" pitchFamily="18" charset="0"/>
+                          </a:rPr>
+                        </m:ctrlPr>
+                      </m:dPr>
+                      <m:e>
+                        <m:r>
+                          <a:rPr lang="en-US" b="0" i="1" smtClean="0">
+                            <a:latin typeface="Cambria Math" panose="02040503050406030204" pitchFamily="18" charset="0"/>
+                          </a:rPr>
+                          <m:t>𝐸</m:t>
+                        </m:r>
+                        <m:r>
+                          <a:rPr lang="en-US" b="0" i="1" smtClean="0">
+                            <a:latin typeface="Cambria Math" panose="02040503050406030204" pitchFamily="18" charset="0"/>
+                          </a:rPr>
+                          <m:t>,</m:t>
+                        </m:r>
+                        <m:r>
+                          <a:rPr lang="en-US" b="0" i="1" smtClean="0">
+                            <a:latin typeface="Cambria Math" panose="02040503050406030204" pitchFamily="18" charset="0"/>
+                          </a:rPr>
+                          <m:t>𝐷</m:t>
+                        </m:r>
+                      </m:e>
+                    </m:d>
+                  </m:oMath>
+                </a14:m>
+                <a:r>
+                  <a:rPr lang="ru-RU" dirty="0" smtClean="0"/>
+                  <a:t> с параметрам </a:t>
+                </a:r>
+                <a14:m>
+                  <m:oMath xmlns:m="http://schemas.openxmlformats.org/officeDocument/2006/math">
+                    <m:r>
+                      <a:rPr lang="ru-RU" b="0" i="1" smtClean="0">
+                        <a:latin typeface="Cambria Math" panose="02040503050406030204" pitchFamily="18" charset="0"/>
+                      </a:rPr>
+                      <m:t>(</m:t>
+                    </m:r>
+                    <m:r>
+                      <a:rPr lang="en-US" b="0" i="1" smtClean="0">
+                        <a:latin typeface="Cambria Math" panose="02040503050406030204" pitchFamily="18" charset="0"/>
+                      </a:rPr>
+                      <m:t>𝑙</m:t>
+                    </m:r>
+                    <m:r>
+                      <a:rPr lang="en-US" b="0" i="1" smtClean="0">
+                        <a:latin typeface="Cambria Math" panose="02040503050406030204" pitchFamily="18" charset="0"/>
+                      </a:rPr>
+                      <m:t>, </m:t>
+                    </m:r>
+                    <m:r>
+                      <a:rPr lang="en-US" b="0" i="1" smtClean="0">
+                        <a:latin typeface="Cambria Math" panose="02040503050406030204" pitchFamily="18" charset="0"/>
+                      </a:rPr>
+                      <m:t>𝐿</m:t>
+                    </m:r>
+                    <m:r>
+                      <a:rPr lang="ru-RU" b="0" i="1" smtClean="0">
+                        <a:latin typeface="Cambria Math" panose="02040503050406030204" pitchFamily="18" charset="0"/>
+                      </a:rPr>
+                      <m:t>)</m:t>
+                    </m:r>
+                  </m:oMath>
+                </a14:m>
+                <a:r>
+                  <a:rPr lang="ru-RU" dirty="0" smtClean="0"/>
+                  <a:t> на </a:t>
+                </a:r>
+                <a14:m>
+                  <m:oMath xmlns:m="http://schemas.openxmlformats.org/officeDocument/2006/math">
+                    <m:d>
+                      <m:dPr>
+                        <m:ctrlPr>
+                          <a:rPr lang="en-US" b="0" i="1" smtClean="0">
+                            <a:latin typeface="Cambria Math" panose="02040503050406030204" pitchFamily="18" charset="0"/>
+                          </a:rPr>
+                        </m:ctrlPr>
+                      </m:dPr>
+                      <m:e>
+                        <m:r>
+                          <a:rPr lang="en-US" b="0" i="1" smtClean="0">
+                            <a:latin typeface="Cambria Math" panose="02040503050406030204" pitchFamily="18" charset="0"/>
+                          </a:rPr>
+                          <m:t>𝐾</m:t>
+                        </m:r>
+                        <m:r>
+                          <a:rPr lang="en-US" b="0" i="1" smtClean="0">
+                            <a:latin typeface="Cambria Math" panose="02040503050406030204" pitchFamily="18" charset="0"/>
+                          </a:rPr>
+                          <m:t>,</m:t>
+                        </m:r>
+                        <m:r>
+                          <a:rPr lang="en-US" b="0" i="1" smtClean="0">
+                            <a:latin typeface="Cambria Math" panose="02040503050406030204" pitchFamily="18" charset="0"/>
+                          </a:rPr>
+                          <m:t>𝑀</m:t>
+                        </m:r>
+                        <m:r>
+                          <a:rPr lang="en-US" b="0" i="1" smtClean="0">
+                            <a:latin typeface="Cambria Math" panose="02040503050406030204" pitchFamily="18" charset="0"/>
+                          </a:rPr>
+                          <m:t>,</m:t>
+                        </m:r>
+                        <m:r>
+                          <a:rPr lang="en-US" b="0" i="1" smtClean="0">
+                            <a:latin typeface="Cambria Math" panose="02040503050406030204" pitchFamily="18" charset="0"/>
+                          </a:rPr>
+                          <m:t>𝐶</m:t>
+                        </m:r>
+                      </m:e>
+                    </m:d>
+                    <m:r>
+                      <a:rPr lang="en-US" b="0" i="1" smtClean="0">
+                        <a:latin typeface="Cambria Math" panose="02040503050406030204" pitchFamily="18" charset="0"/>
+                      </a:rPr>
+                      <m:t>:</m:t>
+                    </m:r>
+                    <m:r>
+                      <a:rPr lang="en-US" b="0" i="1" smtClean="0">
+                        <a:latin typeface="Cambria Math" panose="02040503050406030204" pitchFamily="18" charset="0"/>
+                      </a:rPr>
+                      <m:t>𝐾</m:t>
+                    </m:r>
+                    <m:r>
+                      <a:rPr lang="en-US" b="0" i="1" smtClean="0">
+                        <a:latin typeface="Cambria Math" panose="02040503050406030204" pitchFamily="18" charset="0"/>
+                      </a:rPr>
+                      <m:t>=</m:t>
+                    </m:r>
+                    <m:sSup>
+                      <m:sSupPr>
+                        <m:ctrlPr>
+                          <a:rPr lang="en-US" b="0" i="1" smtClean="0">
+                            <a:latin typeface="Cambria Math" panose="02040503050406030204" pitchFamily="18" charset="0"/>
+                          </a:rPr>
+                        </m:ctrlPr>
+                      </m:sSupPr>
+                      <m:e>
+                        <m:d>
+                          <m:dPr>
+                            <m:begChr m:val="{"/>
+                            <m:endChr m:val="}"/>
+                            <m:ctrlPr>
+                              <a:rPr lang="en-US" b="0" i="1" smtClean="0">
+                                <a:latin typeface="Cambria Math" panose="02040503050406030204" pitchFamily="18" charset="0"/>
+                              </a:rPr>
+                            </m:ctrlPr>
+                          </m:dPr>
+                          <m:e>
+                            <m:r>
+                              <a:rPr lang="en-US" b="0" i="1" smtClean="0">
+                                <a:latin typeface="Cambria Math" panose="02040503050406030204" pitchFamily="18" charset="0"/>
+                              </a:rPr>
+                              <m:t>0,1</m:t>
+                            </m:r>
+                          </m:e>
+                        </m:d>
+                      </m:e>
+                      <m:sup>
+                        <m:r>
+                          <a:rPr lang="en-US" b="0" i="1" smtClean="0">
+                            <a:latin typeface="Cambria Math" panose="02040503050406030204" pitchFamily="18" charset="0"/>
+                          </a:rPr>
+                          <m:t>𝑙</m:t>
+                        </m:r>
+                      </m:sup>
+                    </m:sSup>
+                    <m:r>
+                      <a:rPr lang="en-US" b="0" i="1" smtClean="0">
+                        <a:latin typeface="Cambria Math" panose="02040503050406030204" pitchFamily="18" charset="0"/>
+                      </a:rPr>
+                      <m:t>, </m:t>
+                    </m:r>
+                    <m:r>
+                      <a:rPr lang="en-US" b="0" i="1" smtClean="0">
+                        <a:latin typeface="Cambria Math" panose="02040503050406030204" pitchFamily="18" charset="0"/>
+                      </a:rPr>
+                      <m:t>𝑀</m:t>
+                    </m:r>
+                    <m:r>
+                      <a:rPr lang="en-US" b="0" i="1" smtClean="0">
+                        <a:latin typeface="Cambria Math" panose="02040503050406030204" pitchFamily="18" charset="0"/>
+                      </a:rPr>
+                      <m:t>=</m:t>
+                    </m:r>
+                    <m:r>
+                      <a:rPr lang="en-US" b="0" i="1" smtClean="0">
+                        <a:latin typeface="Cambria Math" panose="02040503050406030204" pitchFamily="18" charset="0"/>
+                      </a:rPr>
+                      <m:t>𝐶</m:t>
+                    </m:r>
+                    <m:r>
+                      <a:rPr lang="en-US" b="0" i="1" smtClean="0">
+                        <a:latin typeface="Cambria Math" panose="02040503050406030204" pitchFamily="18" charset="0"/>
+                      </a:rPr>
+                      <m:t>=</m:t>
+                    </m:r>
+                    <m:sSup>
+                      <m:sSupPr>
+                        <m:ctrlPr>
+                          <a:rPr lang="en-US" b="0" i="1" smtClean="0">
+                            <a:latin typeface="Cambria Math" panose="02040503050406030204" pitchFamily="18" charset="0"/>
+                          </a:rPr>
+                        </m:ctrlPr>
+                      </m:sSupPr>
+                      <m:e>
+                        <m:d>
+                          <m:dPr>
+                            <m:begChr m:val="{"/>
+                            <m:endChr m:val="}"/>
+                            <m:ctrlPr>
+                              <a:rPr lang="en-US" b="0" i="1" smtClean="0">
+                                <a:latin typeface="Cambria Math" panose="02040503050406030204" pitchFamily="18" charset="0"/>
+                              </a:rPr>
+                            </m:ctrlPr>
+                          </m:dPr>
+                          <m:e>
+                            <m:r>
+                              <a:rPr lang="en-US" b="0" i="1" smtClean="0">
+                                <a:latin typeface="Cambria Math" panose="02040503050406030204" pitchFamily="18" charset="0"/>
+                              </a:rPr>
+                              <m:t>0,1</m:t>
+                            </m:r>
+                          </m:e>
+                        </m:d>
+                      </m:e>
+                      <m:sup>
+                        <m:r>
+                          <a:rPr lang="en-US" b="0" i="1" smtClean="0">
+                            <a:latin typeface="Cambria Math" panose="02040503050406030204" pitchFamily="18" charset="0"/>
+                          </a:rPr>
+                          <m:t>𝐿</m:t>
+                        </m:r>
+                      </m:sup>
+                    </m:sSup>
+                  </m:oMath>
+                </a14:m>
+                <a:r>
+                  <a:rPr lang="ru-RU" dirty="0" smtClean="0"/>
+                  <a:t>, называется </a:t>
+                </a:r>
+                <a:r>
+                  <a:rPr lang="ru-RU" b="1" dirty="0" smtClean="0"/>
+                  <a:t>поточным шифром</a:t>
+                </a:r>
+                <a:r>
+                  <a:rPr lang="ru-RU" dirty="0" smtClean="0"/>
+                  <a:t>, если </a:t>
+                </a:r>
+              </a:p>
+              <a:p>
+                <a:pPr marL="0" indent="0" algn="ctr">
+                  <a:buNone/>
+                </a:pPr>
+                <a14:m>
+                  <m:oMath xmlns:m="http://schemas.openxmlformats.org/officeDocument/2006/math">
+                    <m:r>
+                      <a:rPr lang="en-US" b="0" i="1" smtClean="0">
+                        <a:latin typeface="Cambria Math" panose="02040503050406030204" pitchFamily="18" charset="0"/>
+                      </a:rPr>
+                      <m:t>𝐸</m:t>
+                    </m:r>
+                    <m:d>
+                      <m:dPr>
+                        <m:ctrlPr>
+                          <a:rPr lang="en-US" b="0" i="1" smtClean="0">
+                            <a:latin typeface="Cambria Math" panose="02040503050406030204" pitchFamily="18" charset="0"/>
+                          </a:rPr>
+                        </m:ctrlPr>
+                      </m:dPr>
+                      <m:e>
+                        <m:r>
+                          <a:rPr lang="en-US" b="0" i="1" smtClean="0">
+                            <a:latin typeface="Cambria Math" panose="02040503050406030204" pitchFamily="18" charset="0"/>
+                          </a:rPr>
+                          <m:t>𝑘</m:t>
+                        </m:r>
+                        <m:r>
+                          <a:rPr lang="en-US" b="0" i="1" smtClean="0">
+                            <a:latin typeface="Cambria Math" panose="02040503050406030204" pitchFamily="18" charset="0"/>
+                          </a:rPr>
+                          <m:t>,</m:t>
+                        </m:r>
+                        <m:r>
+                          <a:rPr lang="en-US" b="0" i="1" smtClean="0">
+                            <a:latin typeface="Cambria Math" panose="02040503050406030204" pitchFamily="18" charset="0"/>
+                          </a:rPr>
+                          <m:t>𝑚</m:t>
+                        </m:r>
+                      </m:e>
+                    </m:d>
+                    <m:r>
+                      <a:rPr lang="en-US" b="0" i="1" smtClean="0">
+                        <a:latin typeface="Cambria Math" panose="02040503050406030204" pitchFamily="18" charset="0"/>
+                      </a:rPr>
+                      <m:t>=</m:t>
+                    </m:r>
+                    <m:r>
+                      <a:rPr lang="en-US" b="0" i="1" smtClean="0">
+                        <a:latin typeface="Cambria Math" panose="02040503050406030204" pitchFamily="18" charset="0"/>
+                      </a:rPr>
+                      <m:t>𝐺</m:t>
+                    </m:r>
+                    <m:d>
+                      <m:dPr>
+                        <m:ctrlPr>
+                          <a:rPr lang="en-US" b="0" i="1" smtClean="0">
+                            <a:latin typeface="Cambria Math" panose="02040503050406030204" pitchFamily="18" charset="0"/>
+                          </a:rPr>
+                        </m:ctrlPr>
+                      </m:dPr>
+                      <m:e>
+                        <m:r>
+                          <a:rPr lang="en-US" b="0" i="1" smtClean="0">
+                            <a:latin typeface="Cambria Math" panose="02040503050406030204" pitchFamily="18" charset="0"/>
+                          </a:rPr>
+                          <m:t>𝑘</m:t>
+                        </m:r>
+                      </m:e>
+                    </m:d>
+                    <m:r>
+                      <a:rPr lang="en-US" b="0" i="1" smtClean="0">
+                        <a:latin typeface="Cambria Math" panose="02040503050406030204" pitchFamily="18" charset="0"/>
+                      </a:rPr>
+                      <m:t>⊕</m:t>
+                    </m:r>
+                    <m:r>
+                      <a:rPr lang="en-US" b="0" i="1" smtClean="0">
+                        <a:latin typeface="Cambria Math" panose="02040503050406030204" pitchFamily="18" charset="0"/>
+                      </a:rPr>
+                      <m:t>𝑚</m:t>
+                    </m:r>
+                    <m:r>
+                      <a:rPr lang="ru-RU" b="0" i="0" smtClean="0">
+                        <a:latin typeface="Cambria Math" panose="02040503050406030204" pitchFamily="18" charset="0"/>
+                      </a:rPr>
+                      <m:t>,</m:t>
+                    </m:r>
+                  </m:oMath>
+                </a14:m>
+                <a:r>
+                  <a:rPr lang="ru-RU" dirty="0" smtClean="0"/>
+                  <a:t> </a:t>
+                </a:r>
+              </a:p>
+              <a:p>
+                <a:pPr marL="0" indent="0">
+                  <a:buNone/>
+                </a:pPr>
+                <a:r>
+                  <a:rPr lang="ru-RU" dirty="0" smtClean="0"/>
+                  <a:t>где</a:t>
+                </a:r>
+                <a14:m>
+                  <m:oMath xmlns:m="http://schemas.openxmlformats.org/officeDocument/2006/math">
+                    <m:r>
+                      <a:rPr lang="ru-RU" b="0" i="0" smtClean="0">
+                        <a:latin typeface="Cambria Math" panose="02040503050406030204" pitchFamily="18" charset="0"/>
+                      </a:rPr>
+                      <m:t> </m:t>
+                    </m:r>
+                    <m:r>
+                      <a:rPr lang="en-US" i="1">
+                        <a:latin typeface="Cambria Math" panose="02040503050406030204" pitchFamily="18" charset="0"/>
+                      </a:rPr>
+                      <m:t>𝐺</m:t>
+                    </m:r>
+                    <m:r>
+                      <a:rPr lang="en-US" i="1">
+                        <a:latin typeface="Cambria Math" panose="02040503050406030204" pitchFamily="18" charset="0"/>
+                      </a:rPr>
+                      <m:t>:</m:t>
+                    </m:r>
+                    <m:sSup>
+                      <m:sSupPr>
+                        <m:ctrlPr>
+                          <a:rPr lang="en-US" i="1">
+                            <a:latin typeface="Cambria Math" panose="02040503050406030204" pitchFamily="18" charset="0"/>
+                          </a:rPr>
+                        </m:ctrlPr>
+                      </m:sSupPr>
+                      <m:e>
+                        <m:d>
+                          <m:dPr>
+                            <m:begChr m:val="{"/>
+                            <m:endChr m:val="}"/>
+                            <m:ctrlPr>
+                              <a:rPr lang="en-US" i="1">
+                                <a:latin typeface="Cambria Math" panose="02040503050406030204" pitchFamily="18" charset="0"/>
+                              </a:rPr>
+                            </m:ctrlPr>
+                          </m:dPr>
+                          <m:e>
+                            <m:r>
+                              <a:rPr lang="en-US" i="1">
+                                <a:latin typeface="Cambria Math" panose="02040503050406030204" pitchFamily="18" charset="0"/>
+                              </a:rPr>
+                              <m:t>0,1</m:t>
+                            </m:r>
+                          </m:e>
+                        </m:d>
+                      </m:e>
+                      <m:sup>
+                        <m:r>
+                          <a:rPr lang="en-US" i="1">
+                            <a:latin typeface="Cambria Math" panose="02040503050406030204" pitchFamily="18" charset="0"/>
+                          </a:rPr>
+                          <m:t>𝑙</m:t>
+                        </m:r>
+                      </m:sup>
+                    </m:sSup>
+                    <m:r>
+                      <a:rPr lang="en-US" i="1">
+                        <a:latin typeface="Cambria Math" panose="02040503050406030204" pitchFamily="18" charset="0"/>
+                      </a:rPr>
+                      <m:t>→</m:t>
+                    </m:r>
+                    <m:sSup>
+                      <m:sSupPr>
+                        <m:ctrlPr>
+                          <a:rPr lang="en-US" i="1">
+                            <a:latin typeface="Cambria Math" panose="02040503050406030204" pitchFamily="18" charset="0"/>
+                          </a:rPr>
+                        </m:ctrlPr>
+                      </m:sSupPr>
+                      <m:e>
+                        <m:d>
+                          <m:dPr>
+                            <m:begChr m:val="{"/>
+                            <m:endChr m:val="}"/>
+                            <m:ctrlPr>
+                              <a:rPr lang="en-US" i="1">
+                                <a:latin typeface="Cambria Math" panose="02040503050406030204" pitchFamily="18" charset="0"/>
+                              </a:rPr>
+                            </m:ctrlPr>
+                          </m:dPr>
+                          <m:e>
+                            <m:r>
+                              <a:rPr lang="en-US" i="1">
+                                <a:latin typeface="Cambria Math" panose="02040503050406030204" pitchFamily="18" charset="0"/>
+                              </a:rPr>
+                              <m:t>0,1</m:t>
+                            </m:r>
+                          </m:e>
+                        </m:d>
+                      </m:e>
+                      <m:sup>
+                        <m:r>
+                          <a:rPr lang="en-US" i="1">
+                            <a:latin typeface="Cambria Math" panose="02040503050406030204" pitchFamily="18" charset="0"/>
+                          </a:rPr>
+                          <m:t>𝐿</m:t>
+                        </m:r>
+                      </m:sup>
+                    </m:sSup>
+                  </m:oMath>
+                </a14:m>
+                <a:r>
+                  <a:rPr lang="en-US" dirty="0" smtClean="0"/>
+                  <a:t> - </a:t>
+                </a:r>
+                <a:r>
+                  <a:rPr lang="ru-RU" dirty="0" smtClean="0"/>
+                  <a:t>псевдослучайный генератор.</a:t>
+                </a:r>
+              </a:p>
+              <a:p>
+                <a:endParaRPr lang="ru-RU" dirty="0"/>
+              </a:p>
+              <a:p>
+                <a:pPr marL="0" indent="0">
+                  <a:buNone/>
+                </a:pPr>
+                <a:r>
+                  <a:rPr lang="ru-RU" dirty="0" smtClean="0"/>
+                  <a:t>Аналогично можно ввести Поточный шифр по произвольному модулю.</a:t>
+                </a:r>
+              </a:p>
+              <a:p>
+                <a:pPr marL="0" indent="0">
+                  <a:buNone/>
+                </a:pPr>
+                <a:endParaRPr lang="ru-RU" dirty="0"/>
+              </a:p>
+              <a:p>
+                <a:pPr marL="0" indent="0">
+                  <a:buNone/>
+                </a:pPr>
+                <a:r>
+                  <a:rPr lang="ru-RU" dirty="0" smtClean="0"/>
+                  <a:t>Стойкость поточного шифра сводится к «качеству» псевдослучайной последовательности </a:t>
+                </a:r>
+                <a14:m>
+                  <m:oMath xmlns:m="http://schemas.openxmlformats.org/officeDocument/2006/math">
+                    <m:r>
+                      <a:rPr lang="en-US" b="0" i="1" smtClean="0">
+                        <a:latin typeface="Cambria Math" panose="02040503050406030204" pitchFamily="18" charset="0"/>
+                      </a:rPr>
+                      <m:t>𝛾</m:t>
+                    </m:r>
+                    <m:r>
+                      <a:rPr lang="en-US" b="0" i="1" smtClean="0">
+                        <a:latin typeface="Cambria Math" panose="02040503050406030204" pitchFamily="18" charset="0"/>
+                      </a:rPr>
+                      <m:t>=</m:t>
+                    </m:r>
+                    <m:r>
+                      <a:rPr lang="en-US" b="0" i="1" smtClean="0">
+                        <a:latin typeface="Cambria Math" panose="02040503050406030204" pitchFamily="18" charset="0"/>
+                      </a:rPr>
+                      <m:t>𝐺</m:t>
+                    </m:r>
+                    <m:r>
+                      <a:rPr lang="en-US" b="0" i="1" smtClean="0">
+                        <a:latin typeface="Cambria Math" panose="02040503050406030204" pitchFamily="18" charset="0"/>
+                      </a:rPr>
+                      <m:t>(</m:t>
+                    </m:r>
+                    <m:r>
+                      <a:rPr lang="en-US" b="0" i="1" smtClean="0">
+                        <a:latin typeface="Cambria Math" panose="02040503050406030204" pitchFamily="18" charset="0"/>
+                      </a:rPr>
+                      <m:t>𝑘</m:t>
+                    </m:r>
+                    <m:r>
+                      <a:rPr lang="en-US" b="0" i="1" smtClean="0">
+                        <a:latin typeface="Cambria Math" panose="02040503050406030204" pitchFamily="18" charset="0"/>
+                      </a:rPr>
+                      <m:t>)</m:t>
+                    </m:r>
+                  </m:oMath>
+                </a14:m>
+                <a:endParaRPr lang="ru-RU" dirty="0"/>
+              </a:p>
+            </p:txBody>
+          </p:sp>
+        </mc:Choice>
+        <mc:Fallback xmlns="">
+          <p:sp>
+            <p:nvSpPr>
+              <p:cNvPr id="3" name="Объект 2"/>
+              <p:cNvSpPr>
+                <a:spLocks noGrp="1" noRot="1" noChangeAspect="1" noMove="1" noResize="1" noEditPoints="1" noAdjustHandles="1" noChangeArrowheads="1" noChangeShapeType="1" noTextEdit="1"/>
+              </p:cNvSpPr>
+              <p:nvPr>
+                <p:ph idx="1"/>
+              </p:nvPr>
+            </p:nvSpPr>
+            <p:spPr>
+              <a:blipFill>
+                <a:blip r:embed="rId2"/>
+                <a:stretch>
+                  <a:fillRect l="-928" t="-2661" b="-140"/>
+                </a:stretch>
+              </a:blipFill>
+            </p:spPr>
+            <p:txBody>
+              <a:bodyPr/>
+              <a:lstStyle/>
+              <a:p>
+                <a:r>
+                  <a:rPr lang="ru-RU">
+                    <a:noFill/>
+                  </a:rPr>
+                  <a:t> </a:t>
+                </a:r>
+              </a:p>
+            </p:txBody>
+          </p:sp>
+        </mc:Fallback>
+      </mc:AlternateContent>
+      <p:sp>
+        <p:nvSpPr>
+          <p:cNvPr id="4" name="Номер слайда 3"/>
+          <p:cNvSpPr>
+            <a:spLocks noGrp="1"/>
+          </p:cNvSpPr>
+          <p:nvPr>
+            <p:ph type="sldNum" sz="quarter" idx="12"/>
+          </p:nvPr>
+        </p:nvSpPr>
+        <p:spPr/>
+        <p:txBody>
+          <a:bodyPr/>
+          <a:lstStyle/>
+          <a:p>
+            <a:fld id="{8253DDDB-F8F7-4D64-A7FD-3F3D61C1949F}" type="slidenum">
+              <a:rPr lang="ru-RU" smtClean="0"/>
+              <a:t>19</a:t>
+            </a:fld>
+            <a:endParaRPr lang="ru-RU"/>
+          </a:p>
+        </p:txBody>
+      </p:sp>
+    </p:spTree>
+    <p:extLst>
+      <p:ext uri="{BB962C8B-B14F-4D97-AF65-F5344CB8AC3E}">
+        <p14:creationId xmlns:p14="http://schemas.microsoft.com/office/powerpoint/2010/main" val="1321474809"/>
+      </p:ext>
+    </p:extLst>
+  </p:cSld>
+  <p:clrMapOvr>
+    <a:masterClrMapping/>
+  </p:clrMapOvr>
+  <p:timing>
+    <p:tnLst>
+      <p:par>
+        <p:cTn id="1" dur="indefinite" restart="never" nodeType="tmRoot"/>
+      </p:par>
+    </p:tnLst>
+  </p:timing>
+</p:sld>
+</file>
+
 <file path=ppt/slides/slide2.xml><?xml version="1.0" encoding="utf-8"?>
 <p:sld xmlns:a="http://schemas.openxmlformats.org/drawingml/2006/main" xmlns:r="http://schemas.openxmlformats.org/officeDocument/2006/relationships" xmlns:p="http://schemas.openxmlformats.org/presentationml/2006/main">
   <p:cSld>
@@ -11578,8 +12268,8 @@
           </a:p>
         </p:txBody>
       </p:sp>
-      <mc:AlternateContent xmlns:mc="http://schemas.openxmlformats.org/markup-compatibility/2006">
-        <mc:Choice xmlns:a14="http://schemas.microsoft.com/office/drawing/2010/main" Requires="a14">
+      <mc:AlternateContent xmlns:mc="http://schemas.openxmlformats.org/markup-compatibility/2006" xmlns:a14="http://schemas.microsoft.com/office/drawing/2010/main">
+        <mc:Choice Requires="a14">
           <p:sp>
             <p:nvSpPr>
               <p:cNvPr id="3" name="Объект 2"/>
@@ -11641,7 +12331,7 @@
             </p:txBody>
           </p:sp>
         </mc:Choice>
-        <mc:Fallback>
+        <mc:Fallback xmlns="">
           <p:sp>
             <p:nvSpPr>
               <p:cNvPr id="3" name="Объект 2"/>
@@ -12973,817 +13663,6 @@
           <a:p>
             <a:r>
               <a:rPr lang="ru-RU" dirty="0" smtClean="0"/>
-              <a:t>Поточный шифр</a:t>
-            </a:r>
-            <a:endParaRPr lang="ru-RU" dirty="0"/>
-          </a:p>
-        </p:txBody>
-      </p:sp>
-      <mc:AlternateContent xmlns:mc="http://schemas.openxmlformats.org/markup-compatibility/2006" xmlns:a14="http://schemas.microsoft.com/office/drawing/2010/main">
-        <mc:Choice Requires="a14">
-          <p:sp>
-            <p:nvSpPr>
-              <p:cNvPr id="3" name="Объект 2"/>
-              <p:cNvSpPr>
-                <a:spLocks noGrp="1"/>
-              </p:cNvSpPr>
-              <p:nvPr>
-                <p:ph idx="1"/>
-              </p:nvPr>
-            </p:nvSpPr>
-            <p:spPr/>
-            <p:txBody>
-              <a:bodyPr>
-                <a:normAutofit fontScale="92500" lnSpcReduction="10000"/>
-              </a:bodyPr>
-              <a:lstStyle/>
-              <a:p>
-                <a:pPr marL="0" indent="0">
-                  <a:buNone/>
-                </a:pPr>
-                <a:r>
-                  <a:rPr lang="ru-RU" dirty="0" smtClean="0"/>
-                  <a:t>Эффективно вычислимая функция </a:t>
-                </a:r>
-                <a14:m>
-                  <m:oMath xmlns:m="http://schemas.openxmlformats.org/officeDocument/2006/math">
-                    <m:r>
-                      <a:rPr lang="en-US" b="0" i="1" smtClean="0">
-                        <a:latin typeface="Cambria Math" panose="02040503050406030204" pitchFamily="18" charset="0"/>
-                      </a:rPr>
-                      <m:t>𝐺</m:t>
-                    </m:r>
-                    <m:r>
-                      <a:rPr lang="en-US" b="0" i="1" smtClean="0">
-                        <a:latin typeface="Cambria Math" panose="02040503050406030204" pitchFamily="18" charset="0"/>
-                      </a:rPr>
-                      <m:t>:</m:t>
-                    </m:r>
-                    <m:r>
-                      <a:rPr lang="en-US" b="0" i="1" smtClean="0">
-                        <a:latin typeface="Cambria Math" panose="02040503050406030204" pitchFamily="18" charset="0"/>
-                      </a:rPr>
-                      <m:t>𝑆</m:t>
-                    </m:r>
-                    <m:r>
-                      <a:rPr lang="en-US" b="0" i="1" smtClean="0">
-                        <a:latin typeface="Cambria Math" panose="02040503050406030204" pitchFamily="18" charset="0"/>
-                      </a:rPr>
-                      <m:t>→</m:t>
-                    </m:r>
-                    <m:r>
-                      <a:rPr lang="en-US" b="0" i="1" smtClean="0">
-                        <a:latin typeface="Cambria Math" panose="02040503050406030204" pitchFamily="18" charset="0"/>
-                      </a:rPr>
-                      <m:t>𝑅</m:t>
-                    </m:r>
-                  </m:oMath>
-                </a14:m>
-                <a:r>
-                  <a:rPr lang="en-US" dirty="0" smtClean="0"/>
-                  <a:t> </a:t>
-                </a:r>
-                <a:r>
-                  <a:rPr lang="ru-RU" dirty="0" smtClean="0"/>
-                  <a:t>называется </a:t>
-                </a:r>
-                <a:r>
-                  <a:rPr lang="ru-RU" b="1" dirty="0" smtClean="0"/>
-                  <a:t>псевдослучайным генератором</a:t>
-                </a:r>
-                <a:r>
-                  <a:rPr lang="en-US" dirty="0" smtClean="0"/>
-                  <a:t> </a:t>
-                </a:r>
-                <a:r>
-                  <a:rPr lang="ru-RU" dirty="0" smtClean="0"/>
-                  <a:t>на </a:t>
-                </a:r>
-                <a14:m>
-                  <m:oMath xmlns:m="http://schemas.openxmlformats.org/officeDocument/2006/math">
-                    <m:r>
-                      <a:rPr lang="en-US" b="0" i="1" smtClean="0">
-                        <a:latin typeface="Cambria Math" panose="02040503050406030204" pitchFamily="18" charset="0"/>
-                      </a:rPr>
-                      <m:t>(</m:t>
-                    </m:r>
-                    <m:r>
-                      <a:rPr lang="en-US" b="0" i="1" smtClean="0">
-                        <a:latin typeface="Cambria Math" panose="02040503050406030204" pitchFamily="18" charset="0"/>
-                      </a:rPr>
-                      <m:t>𝑆</m:t>
-                    </m:r>
-                    <m:r>
-                      <a:rPr lang="en-US" b="0" i="1" smtClean="0">
-                        <a:latin typeface="Cambria Math" panose="02040503050406030204" pitchFamily="18" charset="0"/>
-                      </a:rPr>
-                      <m:t>,</m:t>
-                    </m:r>
-                    <m:r>
-                      <a:rPr lang="en-US" b="0" i="1" smtClean="0">
-                        <a:latin typeface="Cambria Math" panose="02040503050406030204" pitchFamily="18" charset="0"/>
-                      </a:rPr>
-                      <m:t>𝑅</m:t>
-                    </m:r>
-                    <m:r>
-                      <a:rPr lang="en-US" b="0" i="1" smtClean="0">
-                        <a:latin typeface="Cambria Math" panose="02040503050406030204" pitchFamily="18" charset="0"/>
-                      </a:rPr>
-                      <m:t>)</m:t>
-                    </m:r>
-                  </m:oMath>
-                </a14:m>
-                <a:r>
-                  <a:rPr lang="ru-RU" dirty="0" smtClean="0"/>
-                  <a:t> </a:t>
-                </a:r>
-                <a:r>
-                  <a:rPr lang="en-US" b="1" dirty="0" smtClean="0"/>
-                  <a:t>PRG</a:t>
-                </a:r>
-                <a:r>
-                  <a:rPr lang="ru-RU" dirty="0" smtClean="0"/>
-                  <a:t>.</a:t>
-                </a:r>
-              </a:p>
-              <a:p>
-                <a:pPr marL="0" indent="0">
-                  <a:buNone/>
-                </a:pPr>
-                <a:r>
-                  <a:rPr lang="ru-RU" dirty="0" smtClean="0"/>
-                  <a:t>Шифр </a:t>
-                </a:r>
-                <a14:m>
-                  <m:oMath xmlns:m="http://schemas.openxmlformats.org/officeDocument/2006/math">
-                    <m:r>
-                      <m:rPr>
-                        <m:sty m:val="p"/>
-                      </m:rPr>
-                      <a:rPr lang="ru-RU" b="0" i="0" smtClean="0">
-                        <a:latin typeface="Cambria Math" panose="02040503050406030204" pitchFamily="18" charset="0"/>
-                      </a:rPr>
-                      <m:t>Ε</m:t>
-                    </m:r>
-                    <m:r>
-                      <a:rPr lang="en-US" b="0" i="1" smtClean="0">
-                        <a:latin typeface="Cambria Math" panose="02040503050406030204" pitchFamily="18" charset="0"/>
-                      </a:rPr>
-                      <m:t>=</m:t>
-                    </m:r>
-                    <m:d>
-                      <m:dPr>
-                        <m:ctrlPr>
-                          <a:rPr lang="en-US" b="0" i="1" smtClean="0">
-                            <a:latin typeface="Cambria Math" panose="02040503050406030204" pitchFamily="18" charset="0"/>
-                          </a:rPr>
-                        </m:ctrlPr>
-                      </m:dPr>
-                      <m:e>
-                        <m:r>
-                          <a:rPr lang="en-US" b="0" i="1" smtClean="0">
-                            <a:latin typeface="Cambria Math" panose="02040503050406030204" pitchFamily="18" charset="0"/>
-                          </a:rPr>
-                          <m:t>𝐸</m:t>
-                        </m:r>
-                        <m:r>
-                          <a:rPr lang="en-US" b="0" i="1" smtClean="0">
-                            <a:latin typeface="Cambria Math" panose="02040503050406030204" pitchFamily="18" charset="0"/>
-                          </a:rPr>
-                          <m:t>,</m:t>
-                        </m:r>
-                        <m:r>
-                          <a:rPr lang="en-US" b="0" i="1" smtClean="0">
-                            <a:latin typeface="Cambria Math" panose="02040503050406030204" pitchFamily="18" charset="0"/>
-                          </a:rPr>
-                          <m:t>𝐷</m:t>
-                        </m:r>
-                      </m:e>
-                    </m:d>
-                  </m:oMath>
-                </a14:m>
-                <a:r>
-                  <a:rPr lang="ru-RU" dirty="0" smtClean="0"/>
-                  <a:t> с параметрам </a:t>
-                </a:r>
-                <a14:m>
-                  <m:oMath xmlns:m="http://schemas.openxmlformats.org/officeDocument/2006/math">
-                    <m:r>
-                      <a:rPr lang="ru-RU" b="0" i="1" smtClean="0">
-                        <a:latin typeface="Cambria Math" panose="02040503050406030204" pitchFamily="18" charset="0"/>
-                      </a:rPr>
-                      <m:t>(</m:t>
-                    </m:r>
-                    <m:r>
-                      <a:rPr lang="en-US" b="0" i="1" smtClean="0">
-                        <a:latin typeface="Cambria Math" panose="02040503050406030204" pitchFamily="18" charset="0"/>
-                      </a:rPr>
-                      <m:t>𝑙</m:t>
-                    </m:r>
-                    <m:r>
-                      <a:rPr lang="en-US" b="0" i="1" smtClean="0">
-                        <a:latin typeface="Cambria Math" panose="02040503050406030204" pitchFamily="18" charset="0"/>
-                      </a:rPr>
-                      <m:t>, </m:t>
-                    </m:r>
-                    <m:r>
-                      <a:rPr lang="en-US" b="0" i="1" smtClean="0">
-                        <a:latin typeface="Cambria Math" panose="02040503050406030204" pitchFamily="18" charset="0"/>
-                      </a:rPr>
-                      <m:t>𝐿</m:t>
-                    </m:r>
-                    <m:r>
-                      <a:rPr lang="ru-RU" b="0" i="1" smtClean="0">
-                        <a:latin typeface="Cambria Math" panose="02040503050406030204" pitchFamily="18" charset="0"/>
-                      </a:rPr>
-                      <m:t>)</m:t>
-                    </m:r>
-                  </m:oMath>
-                </a14:m>
-                <a:r>
-                  <a:rPr lang="ru-RU" dirty="0" smtClean="0"/>
-                  <a:t> на </a:t>
-                </a:r>
-                <a14:m>
-                  <m:oMath xmlns:m="http://schemas.openxmlformats.org/officeDocument/2006/math">
-                    <m:d>
-                      <m:dPr>
-                        <m:ctrlPr>
-                          <a:rPr lang="en-US" b="0" i="1" smtClean="0">
-                            <a:latin typeface="Cambria Math" panose="02040503050406030204" pitchFamily="18" charset="0"/>
-                          </a:rPr>
-                        </m:ctrlPr>
-                      </m:dPr>
-                      <m:e>
-                        <m:r>
-                          <a:rPr lang="en-US" b="0" i="1" smtClean="0">
-                            <a:latin typeface="Cambria Math" panose="02040503050406030204" pitchFamily="18" charset="0"/>
-                          </a:rPr>
-                          <m:t>𝐾</m:t>
-                        </m:r>
-                        <m:r>
-                          <a:rPr lang="en-US" b="0" i="1" smtClean="0">
-                            <a:latin typeface="Cambria Math" panose="02040503050406030204" pitchFamily="18" charset="0"/>
-                          </a:rPr>
-                          <m:t>,</m:t>
-                        </m:r>
-                        <m:r>
-                          <a:rPr lang="en-US" b="0" i="1" smtClean="0">
-                            <a:latin typeface="Cambria Math" panose="02040503050406030204" pitchFamily="18" charset="0"/>
-                          </a:rPr>
-                          <m:t>𝑀</m:t>
-                        </m:r>
-                        <m:r>
-                          <a:rPr lang="en-US" b="0" i="1" smtClean="0">
-                            <a:latin typeface="Cambria Math" panose="02040503050406030204" pitchFamily="18" charset="0"/>
-                          </a:rPr>
-                          <m:t>,</m:t>
-                        </m:r>
-                        <m:r>
-                          <a:rPr lang="en-US" b="0" i="1" smtClean="0">
-                            <a:latin typeface="Cambria Math" panose="02040503050406030204" pitchFamily="18" charset="0"/>
-                          </a:rPr>
-                          <m:t>𝐶</m:t>
-                        </m:r>
-                      </m:e>
-                    </m:d>
-                    <m:r>
-                      <a:rPr lang="en-US" b="0" i="1" smtClean="0">
-                        <a:latin typeface="Cambria Math" panose="02040503050406030204" pitchFamily="18" charset="0"/>
-                      </a:rPr>
-                      <m:t>:</m:t>
-                    </m:r>
-                    <m:r>
-                      <a:rPr lang="en-US" b="0" i="1" smtClean="0">
-                        <a:latin typeface="Cambria Math" panose="02040503050406030204" pitchFamily="18" charset="0"/>
-                      </a:rPr>
-                      <m:t>𝐾</m:t>
-                    </m:r>
-                    <m:r>
-                      <a:rPr lang="en-US" b="0" i="1" smtClean="0">
-                        <a:latin typeface="Cambria Math" panose="02040503050406030204" pitchFamily="18" charset="0"/>
-                      </a:rPr>
-                      <m:t>=</m:t>
-                    </m:r>
-                    <m:sSup>
-                      <m:sSupPr>
-                        <m:ctrlPr>
-                          <a:rPr lang="en-US" b="0" i="1" smtClean="0">
-                            <a:latin typeface="Cambria Math" panose="02040503050406030204" pitchFamily="18" charset="0"/>
-                          </a:rPr>
-                        </m:ctrlPr>
-                      </m:sSupPr>
-                      <m:e>
-                        <m:d>
-                          <m:dPr>
-                            <m:begChr m:val="{"/>
-                            <m:endChr m:val="}"/>
-                            <m:ctrlPr>
-                              <a:rPr lang="en-US" b="0" i="1" smtClean="0">
-                                <a:latin typeface="Cambria Math" panose="02040503050406030204" pitchFamily="18" charset="0"/>
-                              </a:rPr>
-                            </m:ctrlPr>
-                          </m:dPr>
-                          <m:e>
-                            <m:r>
-                              <a:rPr lang="en-US" b="0" i="1" smtClean="0">
-                                <a:latin typeface="Cambria Math" panose="02040503050406030204" pitchFamily="18" charset="0"/>
-                              </a:rPr>
-                              <m:t>0,1</m:t>
-                            </m:r>
-                          </m:e>
-                        </m:d>
-                      </m:e>
-                      <m:sup>
-                        <m:r>
-                          <a:rPr lang="en-US" b="0" i="1" smtClean="0">
-                            <a:latin typeface="Cambria Math" panose="02040503050406030204" pitchFamily="18" charset="0"/>
-                          </a:rPr>
-                          <m:t>𝑙</m:t>
-                        </m:r>
-                      </m:sup>
-                    </m:sSup>
-                    <m:r>
-                      <a:rPr lang="en-US" b="0" i="1" smtClean="0">
-                        <a:latin typeface="Cambria Math" panose="02040503050406030204" pitchFamily="18" charset="0"/>
-                      </a:rPr>
-                      <m:t>, </m:t>
-                    </m:r>
-                    <m:r>
-                      <a:rPr lang="en-US" b="0" i="1" smtClean="0">
-                        <a:latin typeface="Cambria Math" panose="02040503050406030204" pitchFamily="18" charset="0"/>
-                      </a:rPr>
-                      <m:t>𝑀</m:t>
-                    </m:r>
-                    <m:r>
-                      <a:rPr lang="en-US" b="0" i="1" smtClean="0">
-                        <a:latin typeface="Cambria Math" panose="02040503050406030204" pitchFamily="18" charset="0"/>
-                      </a:rPr>
-                      <m:t>=</m:t>
-                    </m:r>
-                    <m:r>
-                      <a:rPr lang="en-US" b="0" i="1" smtClean="0">
-                        <a:latin typeface="Cambria Math" panose="02040503050406030204" pitchFamily="18" charset="0"/>
-                      </a:rPr>
-                      <m:t>𝐶</m:t>
-                    </m:r>
-                    <m:r>
-                      <a:rPr lang="en-US" b="0" i="1" smtClean="0">
-                        <a:latin typeface="Cambria Math" panose="02040503050406030204" pitchFamily="18" charset="0"/>
-                      </a:rPr>
-                      <m:t>=</m:t>
-                    </m:r>
-                    <m:sSup>
-                      <m:sSupPr>
-                        <m:ctrlPr>
-                          <a:rPr lang="en-US" b="0" i="1" smtClean="0">
-                            <a:latin typeface="Cambria Math" panose="02040503050406030204" pitchFamily="18" charset="0"/>
-                          </a:rPr>
-                        </m:ctrlPr>
-                      </m:sSupPr>
-                      <m:e>
-                        <m:d>
-                          <m:dPr>
-                            <m:begChr m:val="{"/>
-                            <m:endChr m:val="}"/>
-                            <m:ctrlPr>
-                              <a:rPr lang="en-US" b="0" i="1" smtClean="0">
-                                <a:latin typeface="Cambria Math" panose="02040503050406030204" pitchFamily="18" charset="0"/>
-                              </a:rPr>
-                            </m:ctrlPr>
-                          </m:dPr>
-                          <m:e>
-                            <m:r>
-                              <a:rPr lang="en-US" b="0" i="1" smtClean="0">
-                                <a:latin typeface="Cambria Math" panose="02040503050406030204" pitchFamily="18" charset="0"/>
-                              </a:rPr>
-                              <m:t>0,1</m:t>
-                            </m:r>
-                          </m:e>
-                        </m:d>
-                      </m:e>
-                      <m:sup>
-                        <m:r>
-                          <a:rPr lang="en-US" b="0" i="1" smtClean="0">
-                            <a:latin typeface="Cambria Math" panose="02040503050406030204" pitchFamily="18" charset="0"/>
-                          </a:rPr>
-                          <m:t>𝐿</m:t>
-                        </m:r>
-                      </m:sup>
-                    </m:sSup>
-                  </m:oMath>
-                </a14:m>
-                <a:r>
-                  <a:rPr lang="ru-RU" dirty="0" smtClean="0"/>
-                  <a:t>, называется </a:t>
-                </a:r>
-                <a:r>
-                  <a:rPr lang="ru-RU" b="1" dirty="0" smtClean="0"/>
-                  <a:t>поточным шифром</a:t>
-                </a:r>
-                <a:r>
-                  <a:rPr lang="ru-RU" dirty="0" smtClean="0"/>
-                  <a:t>, если </a:t>
-                </a:r>
-              </a:p>
-              <a:p>
-                <a:pPr marL="0" indent="0" algn="ctr">
-                  <a:buNone/>
-                </a:pPr>
-                <a14:m>
-                  <m:oMath xmlns:m="http://schemas.openxmlformats.org/officeDocument/2006/math">
-                    <m:r>
-                      <a:rPr lang="en-US" b="0" i="1" smtClean="0">
-                        <a:latin typeface="Cambria Math" panose="02040503050406030204" pitchFamily="18" charset="0"/>
-                      </a:rPr>
-                      <m:t>𝐸</m:t>
-                    </m:r>
-                    <m:d>
-                      <m:dPr>
-                        <m:ctrlPr>
-                          <a:rPr lang="en-US" b="0" i="1" smtClean="0">
-                            <a:latin typeface="Cambria Math" panose="02040503050406030204" pitchFamily="18" charset="0"/>
-                          </a:rPr>
-                        </m:ctrlPr>
-                      </m:dPr>
-                      <m:e>
-                        <m:r>
-                          <a:rPr lang="en-US" b="0" i="1" smtClean="0">
-                            <a:latin typeface="Cambria Math" panose="02040503050406030204" pitchFamily="18" charset="0"/>
-                          </a:rPr>
-                          <m:t>𝑘</m:t>
-                        </m:r>
-                        <m:r>
-                          <a:rPr lang="en-US" b="0" i="1" smtClean="0">
-                            <a:latin typeface="Cambria Math" panose="02040503050406030204" pitchFamily="18" charset="0"/>
-                          </a:rPr>
-                          <m:t>,</m:t>
-                        </m:r>
-                        <m:r>
-                          <a:rPr lang="en-US" b="0" i="1" smtClean="0">
-                            <a:latin typeface="Cambria Math" panose="02040503050406030204" pitchFamily="18" charset="0"/>
-                          </a:rPr>
-                          <m:t>𝑚</m:t>
-                        </m:r>
-                      </m:e>
-                    </m:d>
-                    <m:r>
-                      <a:rPr lang="en-US" b="0" i="1" smtClean="0">
-                        <a:latin typeface="Cambria Math" panose="02040503050406030204" pitchFamily="18" charset="0"/>
-                      </a:rPr>
-                      <m:t>=</m:t>
-                    </m:r>
-                    <m:r>
-                      <a:rPr lang="en-US" b="0" i="1" smtClean="0">
-                        <a:latin typeface="Cambria Math" panose="02040503050406030204" pitchFamily="18" charset="0"/>
-                      </a:rPr>
-                      <m:t>𝐺</m:t>
-                    </m:r>
-                    <m:d>
-                      <m:dPr>
-                        <m:ctrlPr>
-                          <a:rPr lang="en-US" b="0" i="1" smtClean="0">
-                            <a:latin typeface="Cambria Math" panose="02040503050406030204" pitchFamily="18" charset="0"/>
-                          </a:rPr>
-                        </m:ctrlPr>
-                      </m:dPr>
-                      <m:e>
-                        <m:r>
-                          <a:rPr lang="en-US" b="0" i="1" smtClean="0">
-                            <a:latin typeface="Cambria Math" panose="02040503050406030204" pitchFamily="18" charset="0"/>
-                          </a:rPr>
-                          <m:t>𝑘</m:t>
-                        </m:r>
-                      </m:e>
-                    </m:d>
-                    <m:r>
-                      <a:rPr lang="en-US" b="0" i="1" smtClean="0">
-                        <a:latin typeface="Cambria Math" panose="02040503050406030204" pitchFamily="18" charset="0"/>
-                      </a:rPr>
-                      <m:t>⊕</m:t>
-                    </m:r>
-                    <m:r>
-                      <a:rPr lang="en-US" b="0" i="1" smtClean="0">
-                        <a:latin typeface="Cambria Math" panose="02040503050406030204" pitchFamily="18" charset="0"/>
-                      </a:rPr>
-                      <m:t>𝑚</m:t>
-                    </m:r>
-                    <m:r>
-                      <a:rPr lang="ru-RU" b="0" i="0" smtClean="0">
-                        <a:latin typeface="Cambria Math" panose="02040503050406030204" pitchFamily="18" charset="0"/>
-                      </a:rPr>
-                      <m:t>,</m:t>
-                    </m:r>
-                  </m:oMath>
-                </a14:m>
-                <a:r>
-                  <a:rPr lang="ru-RU" dirty="0" smtClean="0"/>
-                  <a:t> </a:t>
-                </a:r>
-              </a:p>
-              <a:p>
-                <a:pPr marL="0" indent="0">
-                  <a:buNone/>
-                </a:pPr>
-                <a:r>
-                  <a:rPr lang="ru-RU" dirty="0" smtClean="0"/>
-                  <a:t>где</a:t>
-                </a:r>
-                <a14:m>
-                  <m:oMath xmlns:m="http://schemas.openxmlformats.org/officeDocument/2006/math">
-                    <m:r>
-                      <a:rPr lang="ru-RU" b="0" i="0" smtClean="0">
-                        <a:latin typeface="Cambria Math" panose="02040503050406030204" pitchFamily="18" charset="0"/>
-                      </a:rPr>
-                      <m:t> </m:t>
-                    </m:r>
-                    <m:r>
-                      <a:rPr lang="en-US" i="1">
-                        <a:latin typeface="Cambria Math" panose="02040503050406030204" pitchFamily="18" charset="0"/>
-                      </a:rPr>
-                      <m:t>𝐺</m:t>
-                    </m:r>
-                    <m:r>
-                      <a:rPr lang="en-US" i="1">
-                        <a:latin typeface="Cambria Math" panose="02040503050406030204" pitchFamily="18" charset="0"/>
-                      </a:rPr>
-                      <m:t>:</m:t>
-                    </m:r>
-                    <m:sSup>
-                      <m:sSupPr>
-                        <m:ctrlPr>
-                          <a:rPr lang="en-US" i="1">
-                            <a:latin typeface="Cambria Math" panose="02040503050406030204" pitchFamily="18" charset="0"/>
-                          </a:rPr>
-                        </m:ctrlPr>
-                      </m:sSupPr>
-                      <m:e>
-                        <m:d>
-                          <m:dPr>
-                            <m:begChr m:val="{"/>
-                            <m:endChr m:val="}"/>
-                            <m:ctrlPr>
-                              <a:rPr lang="en-US" i="1">
-                                <a:latin typeface="Cambria Math" panose="02040503050406030204" pitchFamily="18" charset="0"/>
-                              </a:rPr>
-                            </m:ctrlPr>
-                          </m:dPr>
-                          <m:e>
-                            <m:r>
-                              <a:rPr lang="en-US" i="1">
-                                <a:latin typeface="Cambria Math" panose="02040503050406030204" pitchFamily="18" charset="0"/>
-                              </a:rPr>
-                              <m:t>0,1</m:t>
-                            </m:r>
-                          </m:e>
-                        </m:d>
-                      </m:e>
-                      <m:sup>
-                        <m:r>
-                          <a:rPr lang="en-US" i="1">
-                            <a:latin typeface="Cambria Math" panose="02040503050406030204" pitchFamily="18" charset="0"/>
-                          </a:rPr>
-                          <m:t>𝑙</m:t>
-                        </m:r>
-                      </m:sup>
-                    </m:sSup>
-                    <m:r>
-                      <a:rPr lang="en-US" i="1">
-                        <a:latin typeface="Cambria Math" panose="02040503050406030204" pitchFamily="18" charset="0"/>
-                      </a:rPr>
-                      <m:t>→</m:t>
-                    </m:r>
-                    <m:sSup>
-                      <m:sSupPr>
-                        <m:ctrlPr>
-                          <a:rPr lang="en-US" i="1">
-                            <a:latin typeface="Cambria Math" panose="02040503050406030204" pitchFamily="18" charset="0"/>
-                          </a:rPr>
-                        </m:ctrlPr>
-                      </m:sSupPr>
-                      <m:e>
-                        <m:d>
-                          <m:dPr>
-                            <m:begChr m:val="{"/>
-                            <m:endChr m:val="}"/>
-                            <m:ctrlPr>
-                              <a:rPr lang="en-US" i="1">
-                                <a:latin typeface="Cambria Math" panose="02040503050406030204" pitchFamily="18" charset="0"/>
-                              </a:rPr>
-                            </m:ctrlPr>
-                          </m:dPr>
-                          <m:e>
-                            <m:r>
-                              <a:rPr lang="en-US" i="1">
-                                <a:latin typeface="Cambria Math" panose="02040503050406030204" pitchFamily="18" charset="0"/>
-                              </a:rPr>
-                              <m:t>0,1</m:t>
-                            </m:r>
-                          </m:e>
-                        </m:d>
-                      </m:e>
-                      <m:sup>
-                        <m:r>
-                          <a:rPr lang="en-US" i="1">
-                            <a:latin typeface="Cambria Math" panose="02040503050406030204" pitchFamily="18" charset="0"/>
-                          </a:rPr>
-                          <m:t>𝐿</m:t>
-                        </m:r>
-                      </m:sup>
-                    </m:sSup>
-                  </m:oMath>
-                </a14:m>
-                <a:r>
-                  <a:rPr lang="en-US" dirty="0" smtClean="0"/>
-                  <a:t> - </a:t>
-                </a:r>
-                <a:r>
-                  <a:rPr lang="ru-RU" dirty="0" smtClean="0"/>
-                  <a:t>псевдослучайный генератор.</a:t>
-                </a:r>
-              </a:p>
-              <a:p>
-                <a:endParaRPr lang="ru-RU" dirty="0"/>
-              </a:p>
-              <a:p>
-                <a:pPr marL="0" indent="0">
-                  <a:buNone/>
-                </a:pPr>
-                <a:r>
-                  <a:rPr lang="ru-RU" dirty="0" smtClean="0"/>
-                  <a:t>Аналогично можно ввести Поточный шифр по произвольному модулю.</a:t>
-                </a:r>
-              </a:p>
-              <a:p>
-                <a:pPr marL="0" indent="0">
-                  <a:buNone/>
-                </a:pPr>
-                <a:endParaRPr lang="ru-RU" dirty="0"/>
-              </a:p>
-              <a:p>
-                <a:pPr marL="0" indent="0">
-                  <a:buNone/>
-                </a:pPr>
-                <a:r>
-                  <a:rPr lang="ru-RU" dirty="0" smtClean="0"/>
-                  <a:t>Стойкость поточного шифра сводится к «качеству» псевдослучайной последовательности </a:t>
-                </a:r>
-                <a14:m>
-                  <m:oMath xmlns:m="http://schemas.openxmlformats.org/officeDocument/2006/math">
-                    <m:r>
-                      <a:rPr lang="en-US" b="0" i="1" smtClean="0">
-                        <a:latin typeface="Cambria Math" panose="02040503050406030204" pitchFamily="18" charset="0"/>
-                      </a:rPr>
-                      <m:t>𝛾</m:t>
-                    </m:r>
-                    <m:r>
-                      <a:rPr lang="en-US" b="0" i="1" smtClean="0">
-                        <a:latin typeface="Cambria Math" panose="02040503050406030204" pitchFamily="18" charset="0"/>
-                      </a:rPr>
-                      <m:t>=</m:t>
-                    </m:r>
-                    <m:r>
-                      <a:rPr lang="en-US" b="0" i="1" smtClean="0">
-                        <a:latin typeface="Cambria Math" panose="02040503050406030204" pitchFamily="18" charset="0"/>
-                      </a:rPr>
-                      <m:t>𝐺</m:t>
-                    </m:r>
-                    <m:r>
-                      <a:rPr lang="en-US" b="0" i="1" smtClean="0">
-                        <a:latin typeface="Cambria Math" panose="02040503050406030204" pitchFamily="18" charset="0"/>
-                      </a:rPr>
-                      <m:t>(</m:t>
-                    </m:r>
-                    <m:r>
-                      <a:rPr lang="en-US" b="0" i="1" smtClean="0">
-                        <a:latin typeface="Cambria Math" panose="02040503050406030204" pitchFamily="18" charset="0"/>
-                      </a:rPr>
-                      <m:t>𝑘</m:t>
-                    </m:r>
-                    <m:r>
-                      <a:rPr lang="en-US" b="0" i="1" smtClean="0">
-                        <a:latin typeface="Cambria Math" panose="02040503050406030204" pitchFamily="18" charset="0"/>
-                      </a:rPr>
-                      <m:t>)</m:t>
-                    </m:r>
-                  </m:oMath>
-                </a14:m>
-                <a:endParaRPr lang="ru-RU" dirty="0"/>
-              </a:p>
-            </p:txBody>
-          </p:sp>
-        </mc:Choice>
-        <mc:Fallback xmlns="">
-          <p:sp>
-            <p:nvSpPr>
-              <p:cNvPr id="3" name="Объект 2"/>
-              <p:cNvSpPr>
-                <a:spLocks noGrp="1" noRot="1" noChangeAspect="1" noMove="1" noResize="1" noEditPoints="1" noAdjustHandles="1" noChangeArrowheads="1" noChangeShapeType="1" noTextEdit="1"/>
-              </p:cNvSpPr>
-              <p:nvPr>
-                <p:ph idx="1"/>
-              </p:nvPr>
-            </p:nvSpPr>
-            <p:spPr>
-              <a:blipFill>
-                <a:blip r:embed="rId2"/>
-                <a:stretch>
-                  <a:fillRect l="-928" t="-2661" b="-140"/>
-                </a:stretch>
-              </a:blipFill>
-            </p:spPr>
-            <p:txBody>
-              <a:bodyPr/>
-              <a:lstStyle/>
-              <a:p>
-                <a:r>
-                  <a:rPr lang="ru-RU">
-                    <a:noFill/>
-                  </a:rPr>
-                  <a:t> </a:t>
-                </a:r>
-              </a:p>
-            </p:txBody>
-          </p:sp>
-        </mc:Fallback>
-      </mc:AlternateContent>
-      <p:sp>
-        <p:nvSpPr>
-          <p:cNvPr id="4" name="Номер слайда 3"/>
-          <p:cNvSpPr>
-            <a:spLocks noGrp="1"/>
-          </p:cNvSpPr>
-          <p:nvPr>
-            <p:ph type="sldNum" sz="quarter" idx="12"/>
-          </p:nvPr>
-        </p:nvSpPr>
-        <p:spPr/>
-        <p:txBody>
-          <a:bodyPr/>
-          <a:lstStyle/>
-          <a:p>
-            <a:fld id="{8253DDDB-F8F7-4D64-A7FD-3F3D61C1949F}" type="slidenum">
-              <a:rPr lang="ru-RU" smtClean="0"/>
-              <a:t>20</a:t>
-            </a:fld>
-            <a:endParaRPr lang="ru-RU"/>
-          </a:p>
-        </p:txBody>
-      </p:sp>
-    </p:spTree>
-    <p:extLst>
-      <p:ext uri="{BB962C8B-B14F-4D97-AF65-F5344CB8AC3E}">
-        <p14:creationId xmlns:p14="http://schemas.microsoft.com/office/powerpoint/2010/main" val="1321474809"/>
-      </p:ext>
-    </p:extLst>
-  </p:cSld>
-  <p:clrMapOvr>
-    <a:masterClrMapping/>
-  </p:clrMapOvr>
-  <p:timing>
-    <p:tnLst>
-      <p:par>
-        <p:cTn id="1" dur="indefinite" restart="never" nodeType="tmRoot"/>
-      </p:par>
-    </p:tnLst>
-  </p:timing>
-</p:sld>
-</file>
-
-<file path=ppt/slides/slide21.xml><?xml version="1.0" encoding="utf-8"?>
-<p:sld xmlns:a="http://schemas.openxmlformats.org/drawingml/2006/main" xmlns:r="http://schemas.openxmlformats.org/officeDocument/2006/relationships" xmlns:p="http://schemas.openxmlformats.org/presentationml/2006/main">
-  <p:cSld>
-    <p:spTree>
-      <p:nvGrpSpPr>
-        <p:cNvPr id="1" name=""/>
-        <p:cNvGrpSpPr/>
-        <p:nvPr/>
-      </p:nvGrpSpPr>
-      <p:grpSpPr>
-        <a:xfrm>
-          <a:off x="0" y="0"/>
-          <a:ext cx="0" cy="0"/>
-          <a:chOff x="0" y="0"/>
-          <a:chExt cx="0" cy="0"/>
-        </a:xfrm>
-      </p:grpSpPr>
-      <p:sp>
-        <p:nvSpPr>
-          <p:cNvPr id="2" name="Заголовок 1"/>
-          <p:cNvSpPr>
-            <a:spLocks noGrp="1"/>
-          </p:cNvSpPr>
-          <p:nvPr>
-            <p:ph type="title"/>
-          </p:nvPr>
-        </p:nvSpPr>
-        <p:spPr/>
-        <p:txBody>
-          <a:bodyPr/>
-          <a:lstStyle/>
-          <a:p>
-            <a:r>
-              <a:rPr lang="ru-RU" dirty="0" smtClean="0"/>
               <a:t>Стойкий псевдослучайный генератор</a:t>
             </a:r>
             <a:endParaRPr lang="ru-RU" dirty="0"/>
@@ -14021,7 +13900,7 @@
           <a:p>
             <a:fld id="{8253DDDB-F8F7-4D64-A7FD-3F3D61C1949F}" type="slidenum">
               <a:rPr lang="ru-RU" smtClean="0"/>
-              <a:t>21</a:t>
+              <a:t>20</a:t>
             </a:fld>
             <a:endParaRPr lang="ru-RU"/>
           </a:p>
@@ -15017,7 +14896,7 @@
 </p:sld>
 </file>
 
-<file path=ppt/slides/slide22.xml><?xml version="1.0" encoding="utf-8"?>
+<file path=ppt/slides/slide21.xml><?xml version="1.0" encoding="utf-8"?>
 <p:sld xmlns:a="http://schemas.openxmlformats.org/drawingml/2006/main" xmlns:r="http://schemas.openxmlformats.org/officeDocument/2006/relationships" xmlns:p="http://schemas.openxmlformats.org/presentationml/2006/main">
   <p:cSld>
     <p:spTree>
@@ -15487,7 +15366,7 @@
           <a:p>
             <a:fld id="{8253DDDB-F8F7-4D64-A7FD-3F3D61C1949F}" type="slidenum">
               <a:rPr lang="ru-RU" smtClean="0"/>
-              <a:t>22</a:t>
+              <a:t>21</a:t>
             </a:fld>
             <a:endParaRPr lang="ru-RU"/>
           </a:p>
@@ -16370,7 +16249,7 @@
 </p:sld>
 </file>
 
-<file path=ppt/slides/slide23.xml><?xml version="1.0" encoding="utf-8"?>
+<file path=ppt/slides/slide22.xml><?xml version="1.0" encoding="utf-8"?>
 <p:sld xmlns:a="http://schemas.openxmlformats.org/drawingml/2006/main" xmlns:r="http://schemas.openxmlformats.org/officeDocument/2006/relationships" xmlns:p="http://schemas.openxmlformats.org/presentationml/2006/main">
   <p:cSld>
     <p:spTree>
@@ -16409,8 +16288,8 @@
           </a:p>
         </p:txBody>
       </p:sp>
-      <mc:AlternateContent xmlns:mc="http://schemas.openxmlformats.org/markup-compatibility/2006">
-        <mc:Choice xmlns:a14="http://schemas.microsoft.com/office/drawing/2010/main" Requires="a14">
+      <mc:AlternateContent xmlns:mc="http://schemas.openxmlformats.org/markup-compatibility/2006" xmlns:a14="http://schemas.microsoft.com/office/drawing/2010/main">
+        <mc:Choice Requires="a14">
           <p:sp>
             <p:nvSpPr>
               <p:cNvPr id="3" name="Объект 2"/>
@@ -16706,19 +16585,11 @@
                 </a:r>
                 <a:r>
                   <a:rPr lang="ru-RU" b="1" dirty="0" smtClean="0"/>
-                  <a:t>стойкой </a:t>
-                </a:r>
-                <a:r>
-                  <a:rPr lang="ru-RU" b="1" dirty="0" smtClean="0"/>
-                  <a:t>псевдослучайной последовательностью</a:t>
+                  <a:t>стойкой псевдослучайной последовательностью</a:t>
                 </a:r>
                 <a:r>
                   <a:rPr lang="ru-RU" dirty="0" smtClean="0"/>
-                  <a:t>. </a:t>
-                </a:r>
-                <a:r>
-                  <a:rPr lang="ru-RU" dirty="0" smtClean="0"/>
-                  <a:t>Обозначается </a:t>
+                  <a:t>. Обозначается </a:t>
                 </a:r>
                 <a14:m>
                   <m:oMath xmlns:m="http://schemas.openxmlformats.org/officeDocument/2006/math">
@@ -16799,7 +16670,7 @@
             </p:txBody>
           </p:sp>
         </mc:Choice>
-        <mc:Fallback>
+        <mc:Fallback xmlns="">
           <p:sp>
             <p:nvSpPr>
               <p:cNvPr id="3" name="Объект 2"/>
@@ -16854,7 +16725,7 @@
           <a:p>
             <a:fld id="{8253DDDB-F8F7-4D64-A7FD-3F3D61C1949F}" type="slidenum">
               <a:rPr lang="ru-RU" smtClean="0"/>
-              <a:t>23</a:t>
+              <a:t>22</a:t>
             </a:fld>
             <a:endParaRPr lang="ru-RU"/>
           </a:p>
@@ -18014,7 +17885,7 @@
 </p:sld>
 </file>
 
-<file path=ppt/slides/slide24.xml><?xml version="1.0" encoding="utf-8"?>
+<file path=ppt/slides/slide23.xml><?xml version="1.0" encoding="utf-8"?>
 <p:sld xmlns:a="http://schemas.openxmlformats.org/drawingml/2006/main" xmlns:r="http://schemas.openxmlformats.org/officeDocument/2006/relationships" xmlns:p="http://schemas.openxmlformats.org/presentationml/2006/main">
   <p:cSld>
     <p:spTree>
@@ -18774,7 +18645,7 @@
           <a:p>
             <a:fld id="{8253DDDB-F8F7-4D64-A7FD-3F3D61C1949F}" type="slidenum">
               <a:rPr lang="ru-RU" smtClean="0"/>
-              <a:t>24</a:t>
+              <a:t>23</a:t>
             </a:fld>
             <a:endParaRPr lang="ru-RU"/>
           </a:p>
@@ -18800,7 +18671,7 @@
 </p:sld>
 </file>
 
-<file path=ppt/slides/slide25.xml><?xml version="1.0" encoding="utf-8"?>
+<file path=ppt/slides/slide24.xml><?xml version="1.0" encoding="utf-8"?>
 <p:sld xmlns:a="http://schemas.openxmlformats.org/drawingml/2006/main" xmlns:r="http://schemas.openxmlformats.org/officeDocument/2006/relationships" xmlns:p="http://schemas.openxmlformats.org/presentationml/2006/main">
   <p:cSld>
     <p:spTree>
@@ -19236,7 +19107,7 @@
           <a:p>
             <a:fld id="{8253DDDB-F8F7-4D64-A7FD-3F3D61C1949F}" type="slidenum">
               <a:rPr lang="ru-RU" smtClean="0"/>
-              <a:t>25</a:t>
+              <a:t>24</a:t>
             </a:fld>
             <a:endParaRPr lang="ru-RU"/>
           </a:p>
@@ -19504,7 +19375,7 @@
 </p:sld>
 </file>
 
-<file path=ppt/slides/slide26.xml><?xml version="1.0" encoding="utf-8"?>
+<file path=ppt/slides/slide25.xml><?xml version="1.0" encoding="utf-8"?>
 <p:sld xmlns:a="http://schemas.openxmlformats.org/drawingml/2006/main" xmlns:r="http://schemas.openxmlformats.org/officeDocument/2006/relationships" xmlns:p="http://schemas.openxmlformats.org/presentationml/2006/main">
   <p:cSld>
     <p:spTree>
@@ -20319,7 +20190,7 @@
           <a:p>
             <a:fld id="{8253DDDB-F8F7-4D64-A7FD-3F3D61C1949F}" type="slidenum">
               <a:rPr lang="ru-RU" smtClean="0"/>
-              <a:t>26</a:t>
+              <a:t>25</a:t>
             </a:fld>
             <a:endParaRPr lang="ru-RU" dirty="0"/>
           </a:p>
@@ -20345,7 +20216,7 @@
 </p:sld>
 </file>
 
-<file path=ppt/slides/slide27.xml><?xml version="1.0" encoding="utf-8"?>
+<file path=ppt/slides/slide26.xml><?xml version="1.0" encoding="utf-8"?>
 <p:sld xmlns:a="http://schemas.openxmlformats.org/drawingml/2006/main" xmlns:r="http://schemas.openxmlformats.org/officeDocument/2006/relationships" xmlns:p="http://schemas.openxmlformats.org/presentationml/2006/main">
   <p:cSld>
     <p:spTree>
@@ -20818,7 +20689,7 @@
           <a:p>
             <a:fld id="{8253DDDB-F8F7-4D64-A7FD-3F3D61C1949F}" type="slidenum">
               <a:rPr lang="ru-RU" smtClean="0"/>
-              <a:t>27</a:t>
+              <a:t>26</a:t>
             </a:fld>
             <a:endParaRPr lang="ru-RU" dirty="0"/>
           </a:p>
@@ -21424,7 +21295,7 @@
 </p:sld>
 </file>
 
-<file path=ppt/slides/slide28.xml><?xml version="1.0" encoding="utf-8"?>
+<file path=ppt/slides/slide27.xml><?xml version="1.0" encoding="utf-8"?>
 <p:sld xmlns:a="http://schemas.openxmlformats.org/drawingml/2006/main" xmlns:r="http://schemas.openxmlformats.org/officeDocument/2006/relationships" xmlns:p="http://schemas.openxmlformats.org/presentationml/2006/main">
   <p:cSld>
     <p:spTree>
@@ -21772,7 +21643,7 @@
           <a:p>
             <a:fld id="{8253DDDB-F8F7-4D64-A7FD-3F3D61C1949F}" type="slidenum">
               <a:rPr lang="ru-RU" smtClean="0"/>
-              <a:t>28</a:t>
+              <a:t>27</a:t>
             </a:fld>
             <a:endParaRPr lang="ru-RU" dirty="0"/>
           </a:p>
@@ -21798,7 +21669,7 @@
 </p:sld>
 </file>
 
-<file path=ppt/slides/slide29.xml><?xml version="1.0" encoding="utf-8"?>
+<file path=ppt/slides/slide28.xml><?xml version="1.0" encoding="utf-8"?>
 <p:sld xmlns:a="http://schemas.openxmlformats.org/drawingml/2006/main" xmlns:r="http://schemas.openxmlformats.org/officeDocument/2006/relationships" xmlns:p="http://schemas.openxmlformats.org/presentationml/2006/main">
   <p:cSld>
     <p:spTree>
@@ -22314,7 +22185,7 @@
           <a:p>
             <a:fld id="{8253DDDB-F8F7-4D64-A7FD-3F3D61C1949F}" type="slidenum">
               <a:rPr lang="ru-RU" smtClean="0"/>
-              <a:t>29</a:t>
+              <a:t>28</a:t>
             </a:fld>
             <a:endParaRPr lang="ru-RU"/>
           </a:p>
@@ -22340,824 +22211,7 @@
 </p:sld>
 </file>
 
-<file path=ppt/slides/slide3.xml><?xml version="1.0" encoding="utf-8"?>
-<p:sld xmlns:a="http://schemas.openxmlformats.org/drawingml/2006/main" xmlns:r="http://schemas.openxmlformats.org/officeDocument/2006/relationships" xmlns:p="http://schemas.openxmlformats.org/presentationml/2006/main">
-  <p:cSld>
-    <p:spTree>
-      <p:nvGrpSpPr>
-        <p:cNvPr id="1" name=""/>
-        <p:cNvGrpSpPr/>
-        <p:nvPr/>
-      </p:nvGrpSpPr>
-      <p:grpSpPr>
-        <a:xfrm>
-          <a:off x="0" y="0"/>
-          <a:ext cx="0" cy="0"/>
-          <a:chOff x="0" y="0"/>
-          <a:chExt cx="0" cy="0"/>
-        </a:xfrm>
-      </p:grpSpPr>
-      <p:sp>
-        <p:nvSpPr>
-          <p:cNvPr id="5" name="Скругленный прямоугольник 4"/>
-          <p:cNvSpPr/>
-          <p:nvPr/>
-        </p:nvSpPr>
-        <p:spPr>
-          <a:xfrm>
-            <a:off x="669956" y="3684759"/>
-            <a:ext cx="10791732" cy="1729213"/>
-          </a:xfrm>
-          <a:prstGeom prst="roundRect">
-            <a:avLst/>
-          </a:prstGeom>
-        </p:spPr>
-        <p:style>
-          <a:lnRef idx="1">
-            <a:schemeClr val="accent3"/>
-          </a:lnRef>
-          <a:fillRef idx="2">
-            <a:schemeClr val="accent3"/>
-          </a:fillRef>
-          <a:effectRef idx="1">
-            <a:schemeClr val="accent3"/>
-          </a:effectRef>
-          <a:fontRef idx="minor">
-            <a:schemeClr val="dk1"/>
-          </a:fontRef>
-        </p:style>
-        <p:txBody>
-          <a:bodyPr rtlCol="0" anchor="ctr"/>
-          <a:lstStyle/>
-          <a:p>
-            <a:pPr algn="ctr"/>
-            <a:endParaRPr lang="ru-RU"/>
-          </a:p>
-        </p:txBody>
-      </p:sp>
-      <p:sp>
-        <p:nvSpPr>
-          <p:cNvPr id="2" name="Заголовок 1"/>
-          <p:cNvSpPr>
-            <a:spLocks noGrp="1"/>
-          </p:cNvSpPr>
-          <p:nvPr>
-            <p:ph type="title"/>
-          </p:nvPr>
-        </p:nvSpPr>
-        <p:spPr/>
-        <p:txBody>
-          <a:bodyPr/>
-          <a:lstStyle/>
-          <a:p>
-            <a:r>
-              <a:rPr lang="ru-RU" dirty="0" smtClean="0"/>
-              <a:t>Пренебрежимо малые величины</a:t>
-            </a:r>
-            <a:endParaRPr lang="ru-RU" dirty="0"/>
-          </a:p>
-        </p:txBody>
-      </p:sp>
-      <mc:AlternateContent xmlns:mc="http://schemas.openxmlformats.org/markup-compatibility/2006" xmlns:a14="http://schemas.microsoft.com/office/drawing/2010/main">
-        <mc:Choice Requires="a14">
-          <p:sp>
-            <p:nvSpPr>
-              <p:cNvPr id="3" name="Объект 2"/>
-              <p:cNvSpPr>
-                <a:spLocks noGrp="1"/>
-              </p:cNvSpPr>
-              <p:nvPr>
-                <p:ph idx="1"/>
-              </p:nvPr>
-            </p:nvSpPr>
-            <p:spPr>
-              <a:xfrm>
-                <a:off x="838200" y="1825624"/>
-                <a:ext cx="10515600" cy="4629767"/>
-              </a:xfrm>
-            </p:spPr>
-            <p:txBody>
-              <a:bodyPr>
-                <a:normAutofit lnSpcReduction="10000"/>
-              </a:bodyPr>
-              <a:lstStyle/>
-              <a:p>
-                <a:pPr marL="0" indent="0">
-                  <a:buNone/>
-                </a:pPr>
-                <a:r>
-                  <a:rPr lang="ru-RU" dirty="0" smtClean="0"/>
-                  <a:t>Функция </a:t>
-                </a:r>
-                <a14:m>
-                  <m:oMath xmlns:m="http://schemas.openxmlformats.org/officeDocument/2006/math">
-                    <m:r>
-                      <a:rPr lang="en-US" b="0" i="1" smtClean="0">
-                        <a:latin typeface="Cambria Math" panose="02040503050406030204" pitchFamily="18" charset="0"/>
-                      </a:rPr>
-                      <m:t>𝑓</m:t>
-                    </m:r>
-                    <m:r>
-                      <a:rPr lang="en-US" b="0" i="1" smtClean="0">
-                        <a:latin typeface="Cambria Math" panose="02040503050406030204" pitchFamily="18" charset="0"/>
-                      </a:rPr>
-                      <m:t>:</m:t>
-                    </m:r>
-                    <m:sSub>
-                      <m:sSubPr>
-                        <m:ctrlPr>
-                          <a:rPr lang="en-US" b="0" i="1" smtClean="0">
-                            <a:latin typeface="Cambria Math" panose="02040503050406030204" pitchFamily="18" charset="0"/>
-                          </a:rPr>
-                        </m:ctrlPr>
-                      </m:sSubPr>
-                      <m:e>
-                        <m:r>
-                          <a:rPr lang="en-US" b="0" i="1" smtClean="0">
-                            <a:latin typeface="Cambria Math" panose="02040503050406030204" pitchFamily="18" charset="0"/>
-                          </a:rPr>
-                          <m:t>𝑍</m:t>
-                        </m:r>
-                      </m:e>
-                      <m:sub>
-                        <m:r>
-                          <a:rPr lang="en-US" b="0" i="1" smtClean="0">
-                            <a:latin typeface="Cambria Math" panose="02040503050406030204" pitchFamily="18" charset="0"/>
-                          </a:rPr>
-                          <m:t>≥1</m:t>
-                        </m:r>
-                      </m:sub>
-                    </m:sSub>
-                    <m:r>
-                      <a:rPr lang="en-US" b="0" i="1" smtClean="0">
-                        <a:latin typeface="Cambria Math" panose="02040503050406030204" pitchFamily="18" charset="0"/>
-                      </a:rPr>
-                      <m:t>→</m:t>
-                    </m:r>
-                    <m:r>
-                      <a:rPr lang="en-US" b="0" i="1" smtClean="0">
-                        <a:latin typeface="Cambria Math" panose="02040503050406030204" pitchFamily="18" charset="0"/>
-                      </a:rPr>
-                      <m:t>𝑅</m:t>
-                    </m:r>
-                  </m:oMath>
-                </a14:m>
-                <a:r>
-                  <a:rPr lang="ru-RU" dirty="0" smtClean="0"/>
-                  <a:t> </a:t>
-                </a:r>
-                <a:r>
-                  <a:rPr lang="ru-RU" b="1" dirty="0" smtClean="0"/>
-                  <a:t>называется пренебрежимо малой</a:t>
-                </a:r>
-                <a:r>
-                  <a:rPr lang="en-US" b="1" dirty="0" smtClean="0"/>
-                  <a:t> (negligible)</a:t>
-                </a:r>
-                <a:r>
-                  <a:rPr lang="ru-RU" dirty="0" smtClean="0"/>
-                  <a:t>, если для всех </a:t>
-                </a:r>
-                <a14:m>
-                  <m:oMath xmlns:m="http://schemas.openxmlformats.org/officeDocument/2006/math">
-                    <m:r>
-                      <m:rPr>
-                        <m:sty m:val="p"/>
-                      </m:rPr>
-                      <a:rPr lang="en-US" i="1">
-                        <a:latin typeface="Cambria Math" panose="02040503050406030204" pitchFamily="18" charset="0"/>
-                      </a:rPr>
-                      <m:t>c</m:t>
-                    </m:r>
-                    <m:r>
-                      <a:rPr lang="ru-RU" b="0" i="1" smtClean="0">
-                        <a:latin typeface="Cambria Math" panose="02040503050406030204" pitchFamily="18" charset="0"/>
-                      </a:rPr>
-                      <m:t>∈</m:t>
-                    </m:r>
-                    <m:sSub>
-                      <m:sSubPr>
-                        <m:ctrlPr>
-                          <a:rPr lang="en-US" b="0" i="1" smtClean="0">
-                            <a:latin typeface="Cambria Math" panose="02040503050406030204" pitchFamily="18" charset="0"/>
-                          </a:rPr>
-                        </m:ctrlPr>
-                      </m:sSubPr>
-                      <m:e>
-                        <m:r>
-                          <a:rPr lang="en-US" b="0" i="1" smtClean="0">
-                            <a:latin typeface="Cambria Math" panose="02040503050406030204" pitchFamily="18" charset="0"/>
-                          </a:rPr>
-                          <m:t>𝑅</m:t>
-                        </m:r>
-                      </m:e>
-                      <m:sub>
-                        <m:r>
-                          <a:rPr lang="en-US" b="0" i="1" smtClean="0">
-                            <a:latin typeface="Cambria Math" panose="02040503050406030204" pitchFamily="18" charset="0"/>
-                          </a:rPr>
-                          <m:t>&gt;0</m:t>
-                        </m:r>
-                      </m:sub>
-                    </m:sSub>
-                    <m:r>
-                      <a:rPr lang="en-US" b="0" i="1" smtClean="0">
-                        <a:latin typeface="Cambria Math" panose="02040503050406030204" pitchFamily="18" charset="0"/>
-                      </a:rPr>
-                      <m:t> ∃</m:t>
-                    </m:r>
-                    <m:sSub>
-                      <m:sSubPr>
-                        <m:ctrlPr>
-                          <a:rPr lang="en-US" b="0" i="1" smtClean="0">
-                            <a:latin typeface="Cambria Math" panose="02040503050406030204" pitchFamily="18" charset="0"/>
-                          </a:rPr>
-                        </m:ctrlPr>
-                      </m:sSubPr>
-                      <m:e>
-                        <m:r>
-                          <a:rPr lang="en-US" b="0" i="1" smtClean="0">
-                            <a:latin typeface="Cambria Math" panose="02040503050406030204" pitchFamily="18" charset="0"/>
-                          </a:rPr>
-                          <m:t>𝑛</m:t>
-                        </m:r>
-                      </m:e>
-                      <m:sub>
-                        <m:r>
-                          <a:rPr lang="en-US" b="0" i="1" smtClean="0">
-                            <a:latin typeface="Cambria Math" panose="02040503050406030204" pitchFamily="18" charset="0"/>
-                          </a:rPr>
-                          <m:t>0</m:t>
-                        </m:r>
-                      </m:sub>
-                    </m:sSub>
-                    <m:r>
-                      <a:rPr lang="en-US" b="0" i="1" smtClean="0">
-                        <a:latin typeface="Cambria Math" panose="02040503050406030204" pitchFamily="18" charset="0"/>
-                      </a:rPr>
-                      <m:t>∈</m:t>
-                    </m:r>
-                    <m:sSub>
-                      <m:sSubPr>
-                        <m:ctrlPr>
-                          <a:rPr lang="en-US" b="0" i="1" smtClean="0">
-                            <a:latin typeface="Cambria Math" panose="02040503050406030204" pitchFamily="18" charset="0"/>
-                          </a:rPr>
-                        </m:ctrlPr>
-                      </m:sSubPr>
-                      <m:e>
-                        <m:r>
-                          <a:rPr lang="en-US" b="0" i="1" smtClean="0">
-                            <a:latin typeface="Cambria Math" panose="02040503050406030204" pitchFamily="18" charset="0"/>
-                          </a:rPr>
-                          <m:t>𝑍</m:t>
-                        </m:r>
-                      </m:e>
-                      <m:sub>
-                        <m:r>
-                          <a:rPr lang="en-US" b="0" i="1" smtClean="0">
-                            <a:latin typeface="Cambria Math" panose="02040503050406030204" pitchFamily="18" charset="0"/>
-                          </a:rPr>
-                          <m:t>≥1</m:t>
-                        </m:r>
-                      </m:sub>
-                    </m:sSub>
-                    <m:r>
-                      <a:rPr lang="en-US" b="0" i="1" smtClean="0">
-                        <a:latin typeface="Cambria Math" panose="02040503050406030204" pitchFamily="18" charset="0"/>
-                      </a:rPr>
-                      <m:t>:∀</m:t>
-                    </m:r>
-                    <m:r>
-                      <a:rPr lang="en-US" b="0" i="1" smtClean="0">
-                        <a:latin typeface="Cambria Math" panose="02040503050406030204" pitchFamily="18" charset="0"/>
-                      </a:rPr>
-                      <m:t>𝑛</m:t>
-                    </m:r>
-                    <m:r>
-                      <a:rPr lang="en-US" b="0" i="1" smtClean="0">
-                        <a:latin typeface="Cambria Math" panose="02040503050406030204" pitchFamily="18" charset="0"/>
-                      </a:rPr>
-                      <m:t>≥</m:t>
-                    </m:r>
-                    <m:sSub>
-                      <m:sSubPr>
-                        <m:ctrlPr>
-                          <a:rPr lang="en-US" b="0" i="1" smtClean="0">
-                            <a:latin typeface="Cambria Math" panose="02040503050406030204" pitchFamily="18" charset="0"/>
-                          </a:rPr>
-                        </m:ctrlPr>
-                      </m:sSubPr>
-                      <m:e>
-                        <m:r>
-                          <a:rPr lang="en-US" b="0" i="1" smtClean="0">
-                            <a:latin typeface="Cambria Math" panose="02040503050406030204" pitchFamily="18" charset="0"/>
-                          </a:rPr>
-                          <m:t>𝑛</m:t>
-                        </m:r>
-                      </m:e>
-                      <m:sub>
-                        <m:r>
-                          <a:rPr lang="en-US" b="0" i="1" smtClean="0">
-                            <a:latin typeface="Cambria Math" panose="02040503050406030204" pitchFamily="18" charset="0"/>
-                          </a:rPr>
-                          <m:t>0</m:t>
-                        </m:r>
-                      </m:sub>
-                    </m:sSub>
-                  </m:oMath>
-                </a14:m>
-                <a:r>
-                  <a:rPr lang="ru-RU" dirty="0" smtClean="0"/>
-                  <a:t> справедливо неравенство</a:t>
-                </a:r>
-                <a:r>
-                  <a:rPr lang="en-US" dirty="0" smtClean="0"/>
-                  <a:t>:</a:t>
-                </a:r>
-                <a:r>
-                  <a:rPr lang="ru-RU" dirty="0" smtClean="0"/>
-                  <a:t> </a:t>
-                </a:r>
-                <a:endParaRPr lang="en-US" dirty="0" smtClean="0"/>
-              </a:p>
-              <a:p>
-                <a:pPr marL="0" indent="0">
-                  <a:buNone/>
-                </a:pPr>
-                <a:endParaRPr lang="ru-RU" dirty="0" smtClean="0"/>
-              </a:p>
-              <a:p>
-                <a:pPr marL="0" indent="0">
-                  <a:buNone/>
-                </a:pPr>
-                <a14:m>
-                  <m:oMathPara xmlns:m="http://schemas.openxmlformats.org/officeDocument/2006/math">
-                    <m:oMathParaPr>
-                      <m:jc m:val="centerGroup"/>
-                    </m:oMathParaPr>
-                    <m:oMath xmlns:m="http://schemas.openxmlformats.org/officeDocument/2006/math">
-                      <m:d>
-                        <m:dPr>
-                          <m:begChr m:val="|"/>
-                          <m:endChr m:val="|"/>
-                          <m:ctrlPr>
-                            <a:rPr lang="en-US" b="0" i="1" smtClean="0">
-                              <a:latin typeface="Cambria Math" panose="02040503050406030204" pitchFamily="18" charset="0"/>
-                            </a:rPr>
-                          </m:ctrlPr>
-                        </m:dPr>
-                        <m:e>
-                          <m:r>
-                            <a:rPr lang="en-US" b="0" i="1" smtClean="0">
-                              <a:latin typeface="Cambria Math" panose="02040503050406030204" pitchFamily="18" charset="0"/>
-                            </a:rPr>
-                            <m:t>𝑓</m:t>
-                          </m:r>
-                          <m:d>
-                            <m:dPr>
-                              <m:ctrlPr>
-                                <a:rPr lang="en-US" b="0" i="1" smtClean="0">
-                                  <a:latin typeface="Cambria Math" panose="02040503050406030204" pitchFamily="18" charset="0"/>
-                                </a:rPr>
-                              </m:ctrlPr>
-                            </m:dPr>
-                            <m:e>
-                              <m:r>
-                                <a:rPr lang="en-US" b="0" i="1" smtClean="0">
-                                  <a:latin typeface="Cambria Math" panose="02040503050406030204" pitchFamily="18" charset="0"/>
-                                </a:rPr>
-                                <m:t>𝑛</m:t>
-                              </m:r>
-                            </m:e>
-                          </m:d>
-                        </m:e>
-                      </m:d>
-                      <m:r>
-                        <a:rPr lang="en-US" b="0" i="1" smtClean="0">
-                          <a:latin typeface="Cambria Math" panose="02040503050406030204" pitchFamily="18" charset="0"/>
-                        </a:rPr>
-                        <m:t>&lt;</m:t>
-                      </m:r>
-                      <m:f>
-                        <m:fPr>
-                          <m:ctrlPr>
-                            <a:rPr lang="en-US" b="0" i="1" smtClean="0">
-                              <a:latin typeface="Cambria Math" panose="02040503050406030204" pitchFamily="18" charset="0"/>
-                            </a:rPr>
-                          </m:ctrlPr>
-                        </m:fPr>
-                        <m:num>
-                          <m:r>
-                            <a:rPr lang="en-US" b="0" i="1" smtClean="0">
-                              <a:latin typeface="Cambria Math" panose="02040503050406030204" pitchFamily="18" charset="0"/>
-                            </a:rPr>
-                            <m:t>1</m:t>
-                          </m:r>
-                        </m:num>
-                        <m:den>
-                          <m:sSup>
-                            <m:sSupPr>
-                              <m:ctrlPr>
-                                <a:rPr lang="en-US" b="0" i="1" smtClean="0">
-                                  <a:latin typeface="Cambria Math" panose="02040503050406030204" pitchFamily="18" charset="0"/>
-                                </a:rPr>
-                              </m:ctrlPr>
-                            </m:sSupPr>
-                            <m:e>
-                              <m:r>
-                                <a:rPr lang="en-US" b="0" i="1" smtClean="0">
-                                  <a:latin typeface="Cambria Math" panose="02040503050406030204" pitchFamily="18" charset="0"/>
-                                </a:rPr>
-                                <m:t>𝑛</m:t>
-                              </m:r>
-                            </m:e>
-                            <m:sup>
-                              <m:r>
-                                <a:rPr lang="ru-RU" b="0" i="1" smtClean="0">
-                                  <a:latin typeface="Cambria Math" panose="02040503050406030204" pitchFamily="18" charset="0"/>
-                                </a:rPr>
-                                <m:t>с</m:t>
-                              </m:r>
-                            </m:sup>
-                          </m:sSup>
-                        </m:den>
-                      </m:f>
-                      <m:r>
-                        <a:rPr lang="en-US" b="0" i="1" smtClean="0">
-                          <a:latin typeface="Cambria Math" panose="02040503050406030204" pitchFamily="18" charset="0"/>
-                        </a:rPr>
-                        <m:t>.</m:t>
-                      </m:r>
-                    </m:oMath>
-                  </m:oMathPara>
-                </a14:m>
-                <a:endParaRPr lang="en-US" dirty="0" smtClean="0"/>
-              </a:p>
-              <a:p>
-                <a:pPr marL="0" indent="0">
-                  <a:buNone/>
-                </a:pPr>
-                <a:r>
-                  <a:rPr lang="ru-RU" b="1" dirty="0" smtClean="0"/>
-                  <a:t>Теорема 2.1.</a:t>
-                </a:r>
-                <a:r>
-                  <a:rPr lang="ru-RU" dirty="0" smtClean="0"/>
-                  <a:t> Функция  </a:t>
-                </a:r>
-                <a14:m>
-                  <m:oMath xmlns:m="http://schemas.openxmlformats.org/officeDocument/2006/math">
-                    <m:sSub>
-                      <m:sSubPr>
-                        <m:ctrlPr>
-                          <a:rPr lang="en-US" i="1">
-                            <a:latin typeface="Cambria Math" panose="02040503050406030204" pitchFamily="18" charset="0"/>
-                          </a:rPr>
-                        </m:ctrlPr>
-                      </m:sSubPr>
-                      <m:e>
-                        <m:r>
-                          <a:rPr lang="en-US" i="1">
-                            <a:latin typeface="Cambria Math" panose="02040503050406030204" pitchFamily="18" charset="0"/>
-                          </a:rPr>
-                          <m:t>𝑍</m:t>
-                        </m:r>
-                      </m:e>
-                      <m:sub>
-                        <m:r>
-                          <a:rPr lang="en-US" i="1">
-                            <a:latin typeface="Cambria Math" panose="02040503050406030204" pitchFamily="18" charset="0"/>
-                          </a:rPr>
-                          <m:t>≥1</m:t>
-                        </m:r>
-                      </m:sub>
-                    </m:sSub>
-                    <m:r>
-                      <a:rPr lang="en-US" i="1">
-                        <a:latin typeface="Cambria Math" panose="02040503050406030204" pitchFamily="18" charset="0"/>
-                      </a:rPr>
-                      <m:t>→</m:t>
-                    </m:r>
-                    <m:r>
-                      <a:rPr lang="en-US" i="1">
-                        <a:latin typeface="Cambria Math" panose="02040503050406030204" pitchFamily="18" charset="0"/>
-                      </a:rPr>
-                      <m:t>𝑅</m:t>
-                    </m:r>
-                  </m:oMath>
-                </a14:m>
-                <a:r>
-                  <a:rPr lang="ru-RU" dirty="0"/>
-                  <a:t> </a:t>
-                </a:r>
-                <a:r>
-                  <a:rPr lang="ru-RU" dirty="0" smtClean="0"/>
-                  <a:t>пренебрежимо малая, тогда и только тогда когда </a:t>
-                </a:r>
-                <a14:m>
-                  <m:oMath xmlns:m="http://schemas.openxmlformats.org/officeDocument/2006/math">
-                    <m:r>
-                      <a:rPr lang="ru-RU" b="0" i="1" smtClean="0">
-                        <a:latin typeface="Cambria Math" panose="02040503050406030204" pitchFamily="18" charset="0"/>
-                      </a:rPr>
-                      <m:t>∀</m:t>
-                    </m:r>
-                    <m:r>
-                      <a:rPr lang="en-US" b="0" i="1" smtClean="0">
-                        <a:latin typeface="Cambria Math" panose="02040503050406030204" pitchFamily="18" charset="0"/>
-                      </a:rPr>
-                      <m:t>𝑐</m:t>
-                    </m:r>
-                    <m:r>
-                      <a:rPr lang="en-US" b="0" i="1" smtClean="0">
-                        <a:latin typeface="Cambria Math" panose="02040503050406030204" pitchFamily="18" charset="0"/>
-                      </a:rPr>
-                      <m:t>&gt;0</m:t>
-                    </m:r>
-                  </m:oMath>
-                </a14:m>
-                <a:r>
-                  <a:rPr lang="ru-RU" dirty="0" smtClean="0"/>
-                  <a:t> справедливо равенство</a:t>
-                </a:r>
-                <a:r>
-                  <a:rPr lang="en-US" dirty="0" smtClean="0"/>
-                  <a:t>:</a:t>
-                </a:r>
-              </a:p>
-              <a:p>
-                <a:pPr marL="0" indent="0">
-                  <a:buNone/>
-                </a:pPr>
-                <a:endParaRPr lang="en-US" dirty="0" smtClean="0"/>
-              </a:p>
-              <a:p>
-                <a:pPr marL="0" indent="0">
-                  <a:buNone/>
-                </a:pPr>
-                <a14:m>
-                  <m:oMathPara xmlns:m="http://schemas.openxmlformats.org/officeDocument/2006/math">
-                    <m:oMathParaPr>
-                      <m:jc m:val="centerGroup"/>
-                    </m:oMathParaPr>
-                    <m:oMath xmlns:m="http://schemas.openxmlformats.org/officeDocument/2006/math">
-                      <m:func>
-                        <m:funcPr>
-                          <m:ctrlPr>
-                            <a:rPr lang="en-US" i="1" smtClean="0">
-                              <a:latin typeface="Cambria Math" panose="02040503050406030204" pitchFamily="18" charset="0"/>
-                            </a:rPr>
-                          </m:ctrlPr>
-                        </m:funcPr>
-                        <m:fName>
-                          <m:limLow>
-                            <m:limLowPr>
-                              <m:ctrlPr>
-                                <a:rPr lang="en-US" i="1" smtClean="0">
-                                  <a:latin typeface="Cambria Math" panose="02040503050406030204" pitchFamily="18" charset="0"/>
-                                </a:rPr>
-                              </m:ctrlPr>
-                            </m:limLowPr>
-                            <m:e>
-                              <m:r>
-                                <m:rPr>
-                                  <m:sty m:val="p"/>
-                                </m:rPr>
-                                <a:rPr lang="en-US" i="0" smtClean="0">
-                                  <a:latin typeface="Cambria Math" panose="02040503050406030204" pitchFamily="18" charset="0"/>
-                                </a:rPr>
-                                <m:t>lim</m:t>
-                              </m:r>
-                            </m:e>
-                            <m:lim>
-                              <m:r>
-                                <a:rPr lang="en-US" b="0" i="1" smtClean="0">
-                                  <a:latin typeface="Cambria Math" panose="02040503050406030204" pitchFamily="18" charset="0"/>
-                                </a:rPr>
-                                <m:t>𝑛</m:t>
-                              </m:r>
-                              <m:r>
-                                <a:rPr lang="en-US" b="0" i="1" smtClean="0">
-                                  <a:latin typeface="Cambria Math" panose="02040503050406030204" pitchFamily="18" charset="0"/>
-                                </a:rPr>
-                                <m:t>→∞</m:t>
-                              </m:r>
-                            </m:lim>
-                          </m:limLow>
-                        </m:fName>
-                        <m:e>
-                          <m:r>
-                            <a:rPr lang="en-US" b="0" i="1" smtClean="0">
-                              <a:latin typeface="Cambria Math" panose="02040503050406030204" pitchFamily="18" charset="0"/>
-                            </a:rPr>
-                            <m:t>𝑓</m:t>
-                          </m:r>
-                          <m:d>
-                            <m:dPr>
-                              <m:ctrlPr>
-                                <a:rPr lang="en-US" b="0" i="1" smtClean="0">
-                                  <a:latin typeface="Cambria Math" panose="02040503050406030204" pitchFamily="18" charset="0"/>
-                                </a:rPr>
-                              </m:ctrlPr>
-                            </m:dPr>
-                            <m:e>
-                              <m:r>
-                                <a:rPr lang="en-US" b="0" i="1" smtClean="0">
-                                  <a:latin typeface="Cambria Math" panose="02040503050406030204" pitchFamily="18" charset="0"/>
-                                </a:rPr>
-                                <m:t>𝑛</m:t>
-                              </m:r>
-                            </m:e>
-                          </m:d>
-                          <m:sSup>
-                            <m:sSupPr>
-                              <m:ctrlPr>
-                                <a:rPr lang="en-US" b="0" i="1" smtClean="0">
-                                  <a:latin typeface="Cambria Math" panose="02040503050406030204" pitchFamily="18" charset="0"/>
-                                </a:rPr>
-                              </m:ctrlPr>
-                            </m:sSupPr>
-                            <m:e>
-                              <m:r>
-                                <a:rPr lang="en-US" b="0" i="1" smtClean="0">
-                                  <a:latin typeface="Cambria Math" panose="02040503050406030204" pitchFamily="18" charset="0"/>
-                                </a:rPr>
-                                <m:t>𝑛</m:t>
-                              </m:r>
-                            </m:e>
-                            <m:sup>
-                              <m:r>
-                                <a:rPr lang="en-US" b="0" i="1" smtClean="0">
-                                  <a:latin typeface="Cambria Math" panose="02040503050406030204" pitchFamily="18" charset="0"/>
-                                </a:rPr>
-                                <m:t>𝑐</m:t>
-                              </m:r>
-                            </m:sup>
-                          </m:sSup>
-                          <m:r>
-                            <a:rPr lang="en-US" b="0" i="1" smtClean="0">
-                              <a:latin typeface="Cambria Math" panose="02040503050406030204" pitchFamily="18" charset="0"/>
-                            </a:rPr>
-                            <m:t>=0.</m:t>
-                          </m:r>
-                        </m:e>
-                      </m:func>
-                    </m:oMath>
-                  </m:oMathPara>
-                </a14:m>
-                <a:endParaRPr lang="en-US" dirty="0" smtClean="0"/>
-              </a:p>
-              <a:p>
-                <a:pPr marL="0" indent="0">
-                  <a:buNone/>
-                </a:pPr>
-                <a:r>
-                  <a:rPr lang="en-US" dirty="0"/>
-                  <a:t/>
-                </a:r>
-                <a:br>
-                  <a:rPr lang="en-US" dirty="0"/>
-                </a:br>
-                <a:r>
-                  <a:rPr lang="ru-RU" dirty="0" smtClean="0"/>
-                  <a:t>Т.е.  на бесконечности функция</a:t>
-                </a:r>
-                <a:r>
-                  <a:rPr lang="ru-RU" dirty="0"/>
-                  <a:t> </a:t>
-                </a:r>
-                <a:r>
-                  <a:rPr lang="ru-RU" dirty="0" smtClean="0"/>
-                  <a:t>от </a:t>
-                </a:r>
-                <a14:m>
-                  <m:oMath xmlns:m="http://schemas.openxmlformats.org/officeDocument/2006/math">
-                    <m:r>
-                      <a:rPr lang="en-US" i="1" dirty="0" smtClean="0">
-                        <a:latin typeface="Cambria Math" panose="02040503050406030204" pitchFamily="18" charset="0"/>
-                      </a:rPr>
-                      <m:t>𝑛</m:t>
-                    </m:r>
-                  </m:oMath>
-                </a14:m>
-                <a:r>
-                  <a:rPr lang="ru-RU" dirty="0" smtClean="0"/>
-                  <a:t> убывает быстрее любого полинома</a:t>
-                </a:r>
-                <a:r>
-                  <a:rPr lang="en-US" dirty="0" smtClean="0"/>
-                  <a:t> </a:t>
-                </a:r>
-                <a:r>
-                  <a:rPr lang="ru-RU" dirty="0"/>
-                  <a:t>от </a:t>
-                </a:r>
-                <a14:m>
-                  <m:oMath xmlns:m="http://schemas.openxmlformats.org/officeDocument/2006/math">
-                    <m:r>
-                      <a:rPr lang="en-US" i="1" dirty="0">
-                        <a:latin typeface="Cambria Math" panose="02040503050406030204" pitchFamily="18" charset="0"/>
-                      </a:rPr>
-                      <m:t>𝑛</m:t>
-                    </m:r>
-                  </m:oMath>
-                </a14:m>
-                <a:r>
-                  <a:rPr lang="ru-RU" dirty="0"/>
-                  <a:t> </a:t>
-                </a:r>
-                <a:r>
-                  <a:rPr lang="ru-RU" dirty="0" smtClean="0"/>
-                  <a:t>.</a:t>
-                </a:r>
-                <a:endParaRPr lang="en-US" dirty="0" smtClean="0"/>
-              </a:p>
-            </p:txBody>
-          </p:sp>
-        </mc:Choice>
-        <mc:Fallback xmlns="">
-          <p:sp>
-            <p:nvSpPr>
-              <p:cNvPr id="3" name="Объект 2"/>
-              <p:cNvSpPr>
-                <a:spLocks noGrp="1" noRot="1" noChangeAspect="1" noMove="1" noResize="1" noEditPoints="1" noAdjustHandles="1" noChangeArrowheads="1" noChangeShapeType="1" noTextEdit="1"/>
-              </p:cNvSpPr>
-              <p:nvPr>
-                <p:ph idx="1"/>
-              </p:nvPr>
-            </p:nvSpPr>
-            <p:spPr>
-              <a:xfrm>
-                <a:off x="838200" y="1825624"/>
-                <a:ext cx="10515600" cy="4629767"/>
-              </a:xfrm>
-              <a:blipFill>
-                <a:blip r:embed="rId2"/>
-                <a:stretch>
-                  <a:fillRect l="-1043" t="-2632" r="-812" b="-2632"/>
-                </a:stretch>
-              </a:blipFill>
-            </p:spPr>
-            <p:txBody>
-              <a:bodyPr/>
-              <a:lstStyle/>
-              <a:p>
-                <a:r>
-                  <a:rPr lang="ru-RU">
-                    <a:noFill/>
-                  </a:rPr>
-                  <a:t> </a:t>
-                </a:r>
-              </a:p>
-            </p:txBody>
-          </p:sp>
-        </mc:Fallback>
-      </mc:AlternateContent>
-      <p:sp>
-        <p:nvSpPr>
-          <p:cNvPr id="4" name="Номер слайда 3"/>
-          <p:cNvSpPr>
-            <a:spLocks noGrp="1"/>
-          </p:cNvSpPr>
-          <p:nvPr>
-            <p:ph type="sldNum" sz="quarter" idx="12"/>
-          </p:nvPr>
-        </p:nvSpPr>
-        <p:spPr/>
-        <p:txBody>
-          <a:bodyPr/>
-          <a:lstStyle/>
-          <a:p>
-            <a:fld id="{8253DDDB-F8F7-4D64-A7FD-3F3D61C1949F}" type="slidenum">
-              <a:rPr lang="ru-RU" smtClean="0"/>
-              <a:t>3</a:t>
-            </a:fld>
-            <a:endParaRPr lang="ru-RU"/>
-          </a:p>
-        </p:txBody>
-      </p:sp>
-    </p:spTree>
-    <p:extLst>
-      <p:ext uri="{BB962C8B-B14F-4D97-AF65-F5344CB8AC3E}">
-        <p14:creationId xmlns:p14="http://schemas.microsoft.com/office/powerpoint/2010/main" val="2459469773"/>
-      </p:ext>
-    </p:extLst>
-  </p:cSld>
-  <p:clrMapOvr>
-    <a:masterClrMapping/>
-  </p:clrMapOvr>
-  <p:timing>
-    <p:tnLst>
-      <p:par>
-        <p:cTn id="1" dur="indefinite" restart="never" nodeType="tmRoot"/>
-      </p:par>
-    </p:tnLst>
-  </p:timing>
-</p:sld>
-</file>
-
-<file path=ppt/slides/slide30.xml><?xml version="1.0" encoding="utf-8"?>
+<file path=ppt/slides/slide29.xml><?xml version="1.0" encoding="utf-8"?>
 <p:sld xmlns:a="http://schemas.openxmlformats.org/drawingml/2006/main" xmlns:r="http://schemas.openxmlformats.org/officeDocument/2006/relationships" xmlns:p="http://schemas.openxmlformats.org/presentationml/2006/main">
   <p:cSld>
     <p:spTree>
@@ -23214,7 +22268,7 @@
           <a:p>
             <a:fld id="{8253DDDB-F8F7-4D64-A7FD-3F3D61C1949F}" type="slidenum">
               <a:rPr lang="ru-RU" smtClean="0"/>
-              <a:t>30</a:t>
+              <a:t>29</a:t>
             </a:fld>
             <a:endParaRPr lang="ru-RU"/>
           </a:p>
@@ -25741,7 +24795,824 @@
 </p:sld>
 </file>
 
-<file path=ppt/slides/slide31.xml><?xml version="1.0" encoding="utf-8"?>
+<file path=ppt/slides/slide3.xml><?xml version="1.0" encoding="utf-8"?>
+<p:sld xmlns:a="http://schemas.openxmlformats.org/drawingml/2006/main" xmlns:r="http://schemas.openxmlformats.org/officeDocument/2006/relationships" xmlns:p="http://schemas.openxmlformats.org/presentationml/2006/main">
+  <p:cSld>
+    <p:spTree>
+      <p:nvGrpSpPr>
+        <p:cNvPr id="1" name=""/>
+        <p:cNvGrpSpPr/>
+        <p:nvPr/>
+      </p:nvGrpSpPr>
+      <p:grpSpPr>
+        <a:xfrm>
+          <a:off x="0" y="0"/>
+          <a:ext cx="0" cy="0"/>
+          <a:chOff x="0" y="0"/>
+          <a:chExt cx="0" cy="0"/>
+        </a:xfrm>
+      </p:grpSpPr>
+      <p:sp>
+        <p:nvSpPr>
+          <p:cNvPr id="5" name="Скругленный прямоугольник 4"/>
+          <p:cNvSpPr/>
+          <p:nvPr/>
+        </p:nvSpPr>
+        <p:spPr>
+          <a:xfrm>
+            <a:off x="669956" y="3684759"/>
+            <a:ext cx="10791732" cy="1729213"/>
+          </a:xfrm>
+          <a:prstGeom prst="roundRect">
+            <a:avLst/>
+          </a:prstGeom>
+        </p:spPr>
+        <p:style>
+          <a:lnRef idx="1">
+            <a:schemeClr val="accent3"/>
+          </a:lnRef>
+          <a:fillRef idx="2">
+            <a:schemeClr val="accent3"/>
+          </a:fillRef>
+          <a:effectRef idx="1">
+            <a:schemeClr val="accent3"/>
+          </a:effectRef>
+          <a:fontRef idx="minor">
+            <a:schemeClr val="dk1"/>
+          </a:fontRef>
+        </p:style>
+        <p:txBody>
+          <a:bodyPr rtlCol="0" anchor="ctr"/>
+          <a:lstStyle/>
+          <a:p>
+            <a:pPr algn="ctr"/>
+            <a:endParaRPr lang="ru-RU"/>
+          </a:p>
+        </p:txBody>
+      </p:sp>
+      <p:sp>
+        <p:nvSpPr>
+          <p:cNvPr id="2" name="Заголовок 1"/>
+          <p:cNvSpPr>
+            <a:spLocks noGrp="1"/>
+          </p:cNvSpPr>
+          <p:nvPr>
+            <p:ph type="title"/>
+          </p:nvPr>
+        </p:nvSpPr>
+        <p:spPr/>
+        <p:txBody>
+          <a:bodyPr/>
+          <a:lstStyle/>
+          <a:p>
+            <a:r>
+              <a:rPr lang="ru-RU" dirty="0" smtClean="0"/>
+              <a:t>Пренебрежимо малые величины</a:t>
+            </a:r>
+            <a:endParaRPr lang="ru-RU" dirty="0"/>
+          </a:p>
+        </p:txBody>
+      </p:sp>
+      <mc:AlternateContent xmlns:mc="http://schemas.openxmlformats.org/markup-compatibility/2006" xmlns:a14="http://schemas.microsoft.com/office/drawing/2010/main">
+        <mc:Choice Requires="a14">
+          <p:sp>
+            <p:nvSpPr>
+              <p:cNvPr id="3" name="Объект 2"/>
+              <p:cNvSpPr>
+                <a:spLocks noGrp="1"/>
+              </p:cNvSpPr>
+              <p:nvPr>
+                <p:ph idx="1"/>
+              </p:nvPr>
+            </p:nvSpPr>
+            <p:spPr>
+              <a:xfrm>
+                <a:off x="838200" y="1825624"/>
+                <a:ext cx="10515600" cy="4629767"/>
+              </a:xfrm>
+            </p:spPr>
+            <p:txBody>
+              <a:bodyPr>
+                <a:normAutofit lnSpcReduction="10000"/>
+              </a:bodyPr>
+              <a:lstStyle/>
+              <a:p>
+                <a:pPr marL="0" indent="0">
+                  <a:buNone/>
+                </a:pPr>
+                <a:r>
+                  <a:rPr lang="ru-RU" dirty="0" smtClean="0"/>
+                  <a:t>Функция </a:t>
+                </a:r>
+                <a14:m>
+                  <m:oMath xmlns:m="http://schemas.openxmlformats.org/officeDocument/2006/math">
+                    <m:r>
+                      <a:rPr lang="en-US" b="0" i="1" smtClean="0">
+                        <a:latin typeface="Cambria Math" panose="02040503050406030204" pitchFamily="18" charset="0"/>
+                      </a:rPr>
+                      <m:t>𝑓</m:t>
+                    </m:r>
+                    <m:r>
+                      <a:rPr lang="en-US" b="0" i="1" smtClean="0">
+                        <a:latin typeface="Cambria Math" panose="02040503050406030204" pitchFamily="18" charset="0"/>
+                      </a:rPr>
+                      <m:t>:</m:t>
+                    </m:r>
+                    <m:sSub>
+                      <m:sSubPr>
+                        <m:ctrlPr>
+                          <a:rPr lang="en-US" b="0" i="1" smtClean="0">
+                            <a:latin typeface="Cambria Math" panose="02040503050406030204" pitchFamily="18" charset="0"/>
+                          </a:rPr>
+                        </m:ctrlPr>
+                      </m:sSubPr>
+                      <m:e>
+                        <m:r>
+                          <a:rPr lang="en-US" b="0" i="1" smtClean="0">
+                            <a:latin typeface="Cambria Math" panose="02040503050406030204" pitchFamily="18" charset="0"/>
+                          </a:rPr>
+                          <m:t>𝑍</m:t>
+                        </m:r>
+                      </m:e>
+                      <m:sub>
+                        <m:r>
+                          <a:rPr lang="en-US" b="0" i="1" smtClean="0">
+                            <a:latin typeface="Cambria Math" panose="02040503050406030204" pitchFamily="18" charset="0"/>
+                          </a:rPr>
+                          <m:t>≥1</m:t>
+                        </m:r>
+                      </m:sub>
+                    </m:sSub>
+                    <m:r>
+                      <a:rPr lang="en-US" b="0" i="1" smtClean="0">
+                        <a:latin typeface="Cambria Math" panose="02040503050406030204" pitchFamily="18" charset="0"/>
+                      </a:rPr>
+                      <m:t>→</m:t>
+                    </m:r>
+                    <m:r>
+                      <a:rPr lang="en-US" b="0" i="1" smtClean="0">
+                        <a:latin typeface="Cambria Math" panose="02040503050406030204" pitchFamily="18" charset="0"/>
+                      </a:rPr>
+                      <m:t>𝑅</m:t>
+                    </m:r>
+                  </m:oMath>
+                </a14:m>
+                <a:r>
+                  <a:rPr lang="ru-RU" dirty="0" smtClean="0"/>
+                  <a:t> </a:t>
+                </a:r>
+                <a:r>
+                  <a:rPr lang="ru-RU" b="1" dirty="0" smtClean="0"/>
+                  <a:t>называется пренебрежимо малой</a:t>
+                </a:r>
+                <a:r>
+                  <a:rPr lang="en-US" b="1" dirty="0" smtClean="0"/>
+                  <a:t> (negligible)</a:t>
+                </a:r>
+                <a:r>
+                  <a:rPr lang="ru-RU" dirty="0" smtClean="0"/>
+                  <a:t>, если для всех </a:t>
+                </a:r>
+                <a14:m>
+                  <m:oMath xmlns:m="http://schemas.openxmlformats.org/officeDocument/2006/math">
+                    <m:r>
+                      <m:rPr>
+                        <m:sty m:val="p"/>
+                      </m:rPr>
+                      <a:rPr lang="en-US" i="1">
+                        <a:latin typeface="Cambria Math" panose="02040503050406030204" pitchFamily="18" charset="0"/>
+                      </a:rPr>
+                      <m:t>c</m:t>
+                    </m:r>
+                    <m:r>
+                      <a:rPr lang="ru-RU" b="0" i="1" smtClean="0">
+                        <a:latin typeface="Cambria Math" panose="02040503050406030204" pitchFamily="18" charset="0"/>
+                      </a:rPr>
+                      <m:t>∈</m:t>
+                    </m:r>
+                    <m:sSub>
+                      <m:sSubPr>
+                        <m:ctrlPr>
+                          <a:rPr lang="en-US" b="0" i="1" smtClean="0">
+                            <a:latin typeface="Cambria Math" panose="02040503050406030204" pitchFamily="18" charset="0"/>
+                          </a:rPr>
+                        </m:ctrlPr>
+                      </m:sSubPr>
+                      <m:e>
+                        <m:r>
+                          <a:rPr lang="en-US" b="0" i="1" smtClean="0">
+                            <a:latin typeface="Cambria Math" panose="02040503050406030204" pitchFamily="18" charset="0"/>
+                          </a:rPr>
+                          <m:t>𝑅</m:t>
+                        </m:r>
+                      </m:e>
+                      <m:sub>
+                        <m:r>
+                          <a:rPr lang="en-US" b="0" i="1" smtClean="0">
+                            <a:latin typeface="Cambria Math" panose="02040503050406030204" pitchFamily="18" charset="0"/>
+                          </a:rPr>
+                          <m:t>&gt;0</m:t>
+                        </m:r>
+                      </m:sub>
+                    </m:sSub>
+                    <m:r>
+                      <a:rPr lang="en-US" b="0" i="1" smtClean="0">
+                        <a:latin typeface="Cambria Math" panose="02040503050406030204" pitchFamily="18" charset="0"/>
+                      </a:rPr>
+                      <m:t> ∃</m:t>
+                    </m:r>
+                    <m:sSub>
+                      <m:sSubPr>
+                        <m:ctrlPr>
+                          <a:rPr lang="en-US" b="0" i="1" smtClean="0">
+                            <a:latin typeface="Cambria Math" panose="02040503050406030204" pitchFamily="18" charset="0"/>
+                          </a:rPr>
+                        </m:ctrlPr>
+                      </m:sSubPr>
+                      <m:e>
+                        <m:r>
+                          <a:rPr lang="en-US" b="0" i="1" smtClean="0">
+                            <a:latin typeface="Cambria Math" panose="02040503050406030204" pitchFamily="18" charset="0"/>
+                          </a:rPr>
+                          <m:t>𝑛</m:t>
+                        </m:r>
+                      </m:e>
+                      <m:sub>
+                        <m:r>
+                          <a:rPr lang="en-US" b="0" i="1" smtClean="0">
+                            <a:latin typeface="Cambria Math" panose="02040503050406030204" pitchFamily="18" charset="0"/>
+                          </a:rPr>
+                          <m:t>0</m:t>
+                        </m:r>
+                      </m:sub>
+                    </m:sSub>
+                    <m:r>
+                      <a:rPr lang="en-US" b="0" i="1" smtClean="0">
+                        <a:latin typeface="Cambria Math" panose="02040503050406030204" pitchFamily="18" charset="0"/>
+                      </a:rPr>
+                      <m:t>∈</m:t>
+                    </m:r>
+                    <m:sSub>
+                      <m:sSubPr>
+                        <m:ctrlPr>
+                          <a:rPr lang="en-US" b="0" i="1" smtClean="0">
+                            <a:latin typeface="Cambria Math" panose="02040503050406030204" pitchFamily="18" charset="0"/>
+                          </a:rPr>
+                        </m:ctrlPr>
+                      </m:sSubPr>
+                      <m:e>
+                        <m:r>
+                          <a:rPr lang="en-US" b="0" i="1" smtClean="0">
+                            <a:latin typeface="Cambria Math" panose="02040503050406030204" pitchFamily="18" charset="0"/>
+                          </a:rPr>
+                          <m:t>𝑍</m:t>
+                        </m:r>
+                      </m:e>
+                      <m:sub>
+                        <m:r>
+                          <a:rPr lang="en-US" b="0" i="1" smtClean="0">
+                            <a:latin typeface="Cambria Math" panose="02040503050406030204" pitchFamily="18" charset="0"/>
+                          </a:rPr>
+                          <m:t>≥1</m:t>
+                        </m:r>
+                      </m:sub>
+                    </m:sSub>
+                    <m:r>
+                      <a:rPr lang="en-US" b="0" i="1" smtClean="0">
+                        <a:latin typeface="Cambria Math" panose="02040503050406030204" pitchFamily="18" charset="0"/>
+                      </a:rPr>
+                      <m:t>:∀</m:t>
+                    </m:r>
+                    <m:r>
+                      <a:rPr lang="en-US" b="0" i="1" smtClean="0">
+                        <a:latin typeface="Cambria Math" panose="02040503050406030204" pitchFamily="18" charset="0"/>
+                      </a:rPr>
+                      <m:t>𝑛</m:t>
+                    </m:r>
+                    <m:r>
+                      <a:rPr lang="en-US" b="0" i="1" smtClean="0">
+                        <a:latin typeface="Cambria Math" panose="02040503050406030204" pitchFamily="18" charset="0"/>
+                      </a:rPr>
+                      <m:t>≥</m:t>
+                    </m:r>
+                    <m:sSub>
+                      <m:sSubPr>
+                        <m:ctrlPr>
+                          <a:rPr lang="en-US" b="0" i="1" smtClean="0">
+                            <a:latin typeface="Cambria Math" panose="02040503050406030204" pitchFamily="18" charset="0"/>
+                          </a:rPr>
+                        </m:ctrlPr>
+                      </m:sSubPr>
+                      <m:e>
+                        <m:r>
+                          <a:rPr lang="en-US" b="0" i="1" smtClean="0">
+                            <a:latin typeface="Cambria Math" panose="02040503050406030204" pitchFamily="18" charset="0"/>
+                          </a:rPr>
+                          <m:t>𝑛</m:t>
+                        </m:r>
+                      </m:e>
+                      <m:sub>
+                        <m:r>
+                          <a:rPr lang="en-US" b="0" i="1" smtClean="0">
+                            <a:latin typeface="Cambria Math" panose="02040503050406030204" pitchFamily="18" charset="0"/>
+                          </a:rPr>
+                          <m:t>0</m:t>
+                        </m:r>
+                      </m:sub>
+                    </m:sSub>
+                  </m:oMath>
+                </a14:m>
+                <a:r>
+                  <a:rPr lang="ru-RU" dirty="0" smtClean="0"/>
+                  <a:t> справедливо неравенство</a:t>
+                </a:r>
+                <a:r>
+                  <a:rPr lang="en-US" dirty="0" smtClean="0"/>
+                  <a:t>:</a:t>
+                </a:r>
+                <a:r>
+                  <a:rPr lang="ru-RU" dirty="0" smtClean="0"/>
+                  <a:t> </a:t>
+                </a:r>
+                <a:endParaRPr lang="en-US" dirty="0" smtClean="0"/>
+              </a:p>
+              <a:p>
+                <a:pPr marL="0" indent="0">
+                  <a:buNone/>
+                </a:pPr>
+                <a:endParaRPr lang="ru-RU" dirty="0" smtClean="0"/>
+              </a:p>
+              <a:p>
+                <a:pPr marL="0" indent="0">
+                  <a:buNone/>
+                </a:pPr>
+                <a14:m>
+                  <m:oMathPara xmlns:m="http://schemas.openxmlformats.org/officeDocument/2006/math">
+                    <m:oMathParaPr>
+                      <m:jc m:val="centerGroup"/>
+                    </m:oMathParaPr>
+                    <m:oMath xmlns:m="http://schemas.openxmlformats.org/officeDocument/2006/math">
+                      <m:d>
+                        <m:dPr>
+                          <m:begChr m:val="|"/>
+                          <m:endChr m:val="|"/>
+                          <m:ctrlPr>
+                            <a:rPr lang="en-US" b="0" i="1" smtClean="0">
+                              <a:latin typeface="Cambria Math" panose="02040503050406030204" pitchFamily="18" charset="0"/>
+                            </a:rPr>
+                          </m:ctrlPr>
+                        </m:dPr>
+                        <m:e>
+                          <m:r>
+                            <a:rPr lang="en-US" b="0" i="1" smtClean="0">
+                              <a:latin typeface="Cambria Math" panose="02040503050406030204" pitchFamily="18" charset="0"/>
+                            </a:rPr>
+                            <m:t>𝑓</m:t>
+                          </m:r>
+                          <m:d>
+                            <m:dPr>
+                              <m:ctrlPr>
+                                <a:rPr lang="en-US" b="0" i="1" smtClean="0">
+                                  <a:latin typeface="Cambria Math" panose="02040503050406030204" pitchFamily="18" charset="0"/>
+                                </a:rPr>
+                              </m:ctrlPr>
+                            </m:dPr>
+                            <m:e>
+                              <m:r>
+                                <a:rPr lang="en-US" b="0" i="1" smtClean="0">
+                                  <a:latin typeface="Cambria Math" panose="02040503050406030204" pitchFamily="18" charset="0"/>
+                                </a:rPr>
+                                <m:t>𝑛</m:t>
+                              </m:r>
+                            </m:e>
+                          </m:d>
+                        </m:e>
+                      </m:d>
+                      <m:r>
+                        <a:rPr lang="en-US" b="0" i="1" smtClean="0">
+                          <a:latin typeface="Cambria Math" panose="02040503050406030204" pitchFamily="18" charset="0"/>
+                        </a:rPr>
+                        <m:t>&lt;</m:t>
+                      </m:r>
+                      <m:f>
+                        <m:fPr>
+                          <m:ctrlPr>
+                            <a:rPr lang="en-US" b="0" i="1" smtClean="0">
+                              <a:latin typeface="Cambria Math" panose="02040503050406030204" pitchFamily="18" charset="0"/>
+                            </a:rPr>
+                          </m:ctrlPr>
+                        </m:fPr>
+                        <m:num>
+                          <m:r>
+                            <a:rPr lang="en-US" b="0" i="1" smtClean="0">
+                              <a:latin typeface="Cambria Math" panose="02040503050406030204" pitchFamily="18" charset="0"/>
+                            </a:rPr>
+                            <m:t>1</m:t>
+                          </m:r>
+                        </m:num>
+                        <m:den>
+                          <m:sSup>
+                            <m:sSupPr>
+                              <m:ctrlPr>
+                                <a:rPr lang="en-US" b="0" i="1" smtClean="0">
+                                  <a:latin typeface="Cambria Math" panose="02040503050406030204" pitchFamily="18" charset="0"/>
+                                </a:rPr>
+                              </m:ctrlPr>
+                            </m:sSupPr>
+                            <m:e>
+                              <m:r>
+                                <a:rPr lang="en-US" b="0" i="1" smtClean="0">
+                                  <a:latin typeface="Cambria Math" panose="02040503050406030204" pitchFamily="18" charset="0"/>
+                                </a:rPr>
+                                <m:t>𝑛</m:t>
+                              </m:r>
+                            </m:e>
+                            <m:sup>
+                              <m:r>
+                                <a:rPr lang="ru-RU" b="0" i="1" smtClean="0">
+                                  <a:latin typeface="Cambria Math" panose="02040503050406030204" pitchFamily="18" charset="0"/>
+                                </a:rPr>
+                                <m:t>с</m:t>
+                              </m:r>
+                            </m:sup>
+                          </m:sSup>
+                        </m:den>
+                      </m:f>
+                      <m:r>
+                        <a:rPr lang="en-US" b="0" i="1" smtClean="0">
+                          <a:latin typeface="Cambria Math" panose="02040503050406030204" pitchFamily="18" charset="0"/>
+                        </a:rPr>
+                        <m:t>.</m:t>
+                      </m:r>
+                    </m:oMath>
+                  </m:oMathPara>
+                </a14:m>
+                <a:endParaRPr lang="en-US" dirty="0" smtClean="0"/>
+              </a:p>
+              <a:p>
+                <a:pPr marL="0" indent="0">
+                  <a:buNone/>
+                </a:pPr>
+                <a:r>
+                  <a:rPr lang="ru-RU" b="1" dirty="0" smtClean="0"/>
+                  <a:t>Теорема 2.1.</a:t>
+                </a:r>
+                <a:r>
+                  <a:rPr lang="ru-RU" dirty="0" smtClean="0"/>
+                  <a:t> Функция  </a:t>
+                </a:r>
+                <a14:m>
+                  <m:oMath xmlns:m="http://schemas.openxmlformats.org/officeDocument/2006/math">
+                    <m:sSub>
+                      <m:sSubPr>
+                        <m:ctrlPr>
+                          <a:rPr lang="en-US" i="1">
+                            <a:latin typeface="Cambria Math" panose="02040503050406030204" pitchFamily="18" charset="0"/>
+                          </a:rPr>
+                        </m:ctrlPr>
+                      </m:sSubPr>
+                      <m:e>
+                        <m:r>
+                          <a:rPr lang="en-US" i="1">
+                            <a:latin typeface="Cambria Math" panose="02040503050406030204" pitchFamily="18" charset="0"/>
+                          </a:rPr>
+                          <m:t>𝑍</m:t>
+                        </m:r>
+                      </m:e>
+                      <m:sub>
+                        <m:r>
+                          <a:rPr lang="en-US" i="1">
+                            <a:latin typeface="Cambria Math" panose="02040503050406030204" pitchFamily="18" charset="0"/>
+                          </a:rPr>
+                          <m:t>≥1</m:t>
+                        </m:r>
+                      </m:sub>
+                    </m:sSub>
+                    <m:r>
+                      <a:rPr lang="en-US" i="1">
+                        <a:latin typeface="Cambria Math" panose="02040503050406030204" pitchFamily="18" charset="0"/>
+                      </a:rPr>
+                      <m:t>→</m:t>
+                    </m:r>
+                    <m:r>
+                      <a:rPr lang="en-US" i="1">
+                        <a:latin typeface="Cambria Math" panose="02040503050406030204" pitchFamily="18" charset="0"/>
+                      </a:rPr>
+                      <m:t>𝑅</m:t>
+                    </m:r>
+                  </m:oMath>
+                </a14:m>
+                <a:r>
+                  <a:rPr lang="ru-RU" dirty="0"/>
+                  <a:t> </a:t>
+                </a:r>
+                <a:r>
+                  <a:rPr lang="ru-RU" dirty="0" smtClean="0"/>
+                  <a:t>пренебрежимо малая, тогда и только тогда когда </a:t>
+                </a:r>
+                <a14:m>
+                  <m:oMath xmlns:m="http://schemas.openxmlformats.org/officeDocument/2006/math">
+                    <m:r>
+                      <a:rPr lang="ru-RU" b="0" i="1" smtClean="0">
+                        <a:latin typeface="Cambria Math" panose="02040503050406030204" pitchFamily="18" charset="0"/>
+                      </a:rPr>
+                      <m:t>∀</m:t>
+                    </m:r>
+                    <m:r>
+                      <a:rPr lang="en-US" b="0" i="1" smtClean="0">
+                        <a:latin typeface="Cambria Math" panose="02040503050406030204" pitchFamily="18" charset="0"/>
+                      </a:rPr>
+                      <m:t>𝑐</m:t>
+                    </m:r>
+                    <m:r>
+                      <a:rPr lang="en-US" b="0" i="1" smtClean="0">
+                        <a:latin typeface="Cambria Math" panose="02040503050406030204" pitchFamily="18" charset="0"/>
+                      </a:rPr>
+                      <m:t>&gt;0</m:t>
+                    </m:r>
+                  </m:oMath>
+                </a14:m>
+                <a:r>
+                  <a:rPr lang="ru-RU" dirty="0" smtClean="0"/>
+                  <a:t> справедливо равенство</a:t>
+                </a:r>
+                <a:r>
+                  <a:rPr lang="en-US" dirty="0" smtClean="0"/>
+                  <a:t>:</a:t>
+                </a:r>
+              </a:p>
+              <a:p>
+                <a:pPr marL="0" indent="0">
+                  <a:buNone/>
+                </a:pPr>
+                <a:endParaRPr lang="en-US" dirty="0" smtClean="0"/>
+              </a:p>
+              <a:p>
+                <a:pPr marL="0" indent="0">
+                  <a:buNone/>
+                </a:pPr>
+                <a14:m>
+                  <m:oMathPara xmlns:m="http://schemas.openxmlformats.org/officeDocument/2006/math">
+                    <m:oMathParaPr>
+                      <m:jc m:val="centerGroup"/>
+                    </m:oMathParaPr>
+                    <m:oMath xmlns:m="http://schemas.openxmlformats.org/officeDocument/2006/math">
+                      <m:func>
+                        <m:funcPr>
+                          <m:ctrlPr>
+                            <a:rPr lang="en-US" i="1" smtClean="0">
+                              <a:latin typeface="Cambria Math" panose="02040503050406030204" pitchFamily="18" charset="0"/>
+                            </a:rPr>
+                          </m:ctrlPr>
+                        </m:funcPr>
+                        <m:fName>
+                          <m:limLow>
+                            <m:limLowPr>
+                              <m:ctrlPr>
+                                <a:rPr lang="en-US" i="1" smtClean="0">
+                                  <a:latin typeface="Cambria Math" panose="02040503050406030204" pitchFamily="18" charset="0"/>
+                                </a:rPr>
+                              </m:ctrlPr>
+                            </m:limLowPr>
+                            <m:e>
+                              <m:r>
+                                <m:rPr>
+                                  <m:sty m:val="p"/>
+                                </m:rPr>
+                                <a:rPr lang="en-US" i="0" smtClean="0">
+                                  <a:latin typeface="Cambria Math" panose="02040503050406030204" pitchFamily="18" charset="0"/>
+                                </a:rPr>
+                                <m:t>lim</m:t>
+                              </m:r>
+                            </m:e>
+                            <m:lim>
+                              <m:r>
+                                <a:rPr lang="en-US" b="0" i="1" smtClean="0">
+                                  <a:latin typeface="Cambria Math" panose="02040503050406030204" pitchFamily="18" charset="0"/>
+                                </a:rPr>
+                                <m:t>𝑛</m:t>
+                              </m:r>
+                              <m:r>
+                                <a:rPr lang="en-US" b="0" i="1" smtClean="0">
+                                  <a:latin typeface="Cambria Math" panose="02040503050406030204" pitchFamily="18" charset="0"/>
+                                </a:rPr>
+                                <m:t>→∞</m:t>
+                              </m:r>
+                            </m:lim>
+                          </m:limLow>
+                        </m:fName>
+                        <m:e>
+                          <m:r>
+                            <a:rPr lang="en-US" b="0" i="1" smtClean="0">
+                              <a:latin typeface="Cambria Math" panose="02040503050406030204" pitchFamily="18" charset="0"/>
+                            </a:rPr>
+                            <m:t>𝑓</m:t>
+                          </m:r>
+                          <m:d>
+                            <m:dPr>
+                              <m:ctrlPr>
+                                <a:rPr lang="en-US" b="0" i="1" smtClean="0">
+                                  <a:latin typeface="Cambria Math" panose="02040503050406030204" pitchFamily="18" charset="0"/>
+                                </a:rPr>
+                              </m:ctrlPr>
+                            </m:dPr>
+                            <m:e>
+                              <m:r>
+                                <a:rPr lang="en-US" b="0" i="1" smtClean="0">
+                                  <a:latin typeface="Cambria Math" panose="02040503050406030204" pitchFamily="18" charset="0"/>
+                                </a:rPr>
+                                <m:t>𝑛</m:t>
+                              </m:r>
+                            </m:e>
+                          </m:d>
+                          <m:sSup>
+                            <m:sSupPr>
+                              <m:ctrlPr>
+                                <a:rPr lang="en-US" b="0" i="1" smtClean="0">
+                                  <a:latin typeface="Cambria Math" panose="02040503050406030204" pitchFamily="18" charset="0"/>
+                                </a:rPr>
+                              </m:ctrlPr>
+                            </m:sSupPr>
+                            <m:e>
+                              <m:r>
+                                <a:rPr lang="en-US" b="0" i="1" smtClean="0">
+                                  <a:latin typeface="Cambria Math" panose="02040503050406030204" pitchFamily="18" charset="0"/>
+                                </a:rPr>
+                                <m:t>𝑛</m:t>
+                              </m:r>
+                            </m:e>
+                            <m:sup>
+                              <m:r>
+                                <a:rPr lang="en-US" b="0" i="1" smtClean="0">
+                                  <a:latin typeface="Cambria Math" panose="02040503050406030204" pitchFamily="18" charset="0"/>
+                                </a:rPr>
+                                <m:t>𝑐</m:t>
+                              </m:r>
+                            </m:sup>
+                          </m:sSup>
+                          <m:r>
+                            <a:rPr lang="en-US" b="0" i="1" smtClean="0">
+                              <a:latin typeface="Cambria Math" panose="02040503050406030204" pitchFamily="18" charset="0"/>
+                            </a:rPr>
+                            <m:t>=0.</m:t>
+                          </m:r>
+                        </m:e>
+                      </m:func>
+                    </m:oMath>
+                  </m:oMathPara>
+                </a14:m>
+                <a:endParaRPr lang="en-US" dirty="0" smtClean="0"/>
+              </a:p>
+              <a:p>
+                <a:pPr marL="0" indent="0">
+                  <a:buNone/>
+                </a:pPr>
+                <a:r>
+                  <a:rPr lang="en-US" dirty="0"/>
+                  <a:t/>
+                </a:r>
+                <a:br>
+                  <a:rPr lang="en-US" dirty="0"/>
+                </a:br>
+                <a:r>
+                  <a:rPr lang="ru-RU" dirty="0" smtClean="0"/>
+                  <a:t>Т.е.  на бесконечности функция</a:t>
+                </a:r>
+                <a:r>
+                  <a:rPr lang="ru-RU" dirty="0"/>
+                  <a:t> </a:t>
+                </a:r>
+                <a:r>
+                  <a:rPr lang="ru-RU" dirty="0" smtClean="0"/>
+                  <a:t>от </a:t>
+                </a:r>
+                <a14:m>
+                  <m:oMath xmlns:m="http://schemas.openxmlformats.org/officeDocument/2006/math">
+                    <m:r>
+                      <a:rPr lang="en-US" i="1" dirty="0" smtClean="0">
+                        <a:latin typeface="Cambria Math" panose="02040503050406030204" pitchFamily="18" charset="0"/>
+                      </a:rPr>
+                      <m:t>𝑛</m:t>
+                    </m:r>
+                  </m:oMath>
+                </a14:m>
+                <a:r>
+                  <a:rPr lang="ru-RU" dirty="0" smtClean="0"/>
+                  <a:t> убывает быстрее любого полинома</a:t>
+                </a:r>
+                <a:r>
+                  <a:rPr lang="en-US" dirty="0" smtClean="0"/>
+                  <a:t> </a:t>
+                </a:r>
+                <a:r>
+                  <a:rPr lang="ru-RU" dirty="0"/>
+                  <a:t>от </a:t>
+                </a:r>
+                <a14:m>
+                  <m:oMath xmlns:m="http://schemas.openxmlformats.org/officeDocument/2006/math">
+                    <m:r>
+                      <a:rPr lang="en-US" i="1" dirty="0">
+                        <a:latin typeface="Cambria Math" panose="02040503050406030204" pitchFamily="18" charset="0"/>
+                      </a:rPr>
+                      <m:t>𝑛</m:t>
+                    </m:r>
+                  </m:oMath>
+                </a14:m>
+                <a:r>
+                  <a:rPr lang="ru-RU" dirty="0"/>
+                  <a:t> </a:t>
+                </a:r>
+                <a:r>
+                  <a:rPr lang="ru-RU" dirty="0" smtClean="0"/>
+                  <a:t>.</a:t>
+                </a:r>
+                <a:endParaRPr lang="en-US" dirty="0" smtClean="0"/>
+              </a:p>
+            </p:txBody>
+          </p:sp>
+        </mc:Choice>
+        <mc:Fallback xmlns="">
+          <p:sp>
+            <p:nvSpPr>
+              <p:cNvPr id="3" name="Объект 2"/>
+              <p:cNvSpPr>
+                <a:spLocks noGrp="1" noRot="1" noChangeAspect="1" noMove="1" noResize="1" noEditPoints="1" noAdjustHandles="1" noChangeArrowheads="1" noChangeShapeType="1" noTextEdit="1"/>
+              </p:cNvSpPr>
+              <p:nvPr>
+                <p:ph idx="1"/>
+              </p:nvPr>
+            </p:nvSpPr>
+            <p:spPr>
+              <a:xfrm>
+                <a:off x="838200" y="1825624"/>
+                <a:ext cx="10515600" cy="4629767"/>
+              </a:xfrm>
+              <a:blipFill>
+                <a:blip r:embed="rId2"/>
+                <a:stretch>
+                  <a:fillRect l="-1043" t="-2632" r="-812" b="-2632"/>
+                </a:stretch>
+              </a:blipFill>
+            </p:spPr>
+            <p:txBody>
+              <a:bodyPr/>
+              <a:lstStyle/>
+              <a:p>
+                <a:r>
+                  <a:rPr lang="ru-RU">
+                    <a:noFill/>
+                  </a:rPr>
+                  <a:t> </a:t>
+                </a:r>
+              </a:p>
+            </p:txBody>
+          </p:sp>
+        </mc:Fallback>
+      </mc:AlternateContent>
+      <p:sp>
+        <p:nvSpPr>
+          <p:cNvPr id="4" name="Номер слайда 3"/>
+          <p:cNvSpPr>
+            <a:spLocks noGrp="1"/>
+          </p:cNvSpPr>
+          <p:nvPr>
+            <p:ph type="sldNum" sz="quarter" idx="12"/>
+          </p:nvPr>
+        </p:nvSpPr>
+        <p:spPr/>
+        <p:txBody>
+          <a:bodyPr/>
+          <a:lstStyle/>
+          <a:p>
+            <a:fld id="{8253DDDB-F8F7-4D64-A7FD-3F3D61C1949F}" type="slidenum">
+              <a:rPr lang="ru-RU" smtClean="0"/>
+              <a:t>3</a:t>
+            </a:fld>
+            <a:endParaRPr lang="ru-RU"/>
+          </a:p>
+        </p:txBody>
+      </p:sp>
+    </p:spTree>
+    <p:extLst>
+      <p:ext uri="{BB962C8B-B14F-4D97-AF65-F5344CB8AC3E}">
+        <p14:creationId xmlns:p14="http://schemas.microsoft.com/office/powerpoint/2010/main" val="2459469773"/>
+      </p:ext>
+    </p:extLst>
+  </p:cSld>
+  <p:clrMapOvr>
+    <a:masterClrMapping/>
+  </p:clrMapOvr>
+  <p:timing>
+    <p:tnLst>
+      <p:par>
+        <p:cTn id="1" dur="indefinite" restart="never" nodeType="tmRoot"/>
+      </p:par>
+    </p:tnLst>
+  </p:timing>
+</p:sld>
+</file>
+
+<file path=ppt/slides/slide30.xml><?xml version="1.0" encoding="utf-8"?>
 <p:sld xmlns:a="http://schemas.openxmlformats.org/drawingml/2006/main" xmlns:r="http://schemas.openxmlformats.org/officeDocument/2006/relationships" xmlns:p="http://schemas.openxmlformats.org/presentationml/2006/main">
   <p:cSld>
     <p:spTree>
@@ -26042,7 +25913,7 @@
           <a:p>
             <a:fld id="{8253DDDB-F8F7-4D64-A7FD-3F3D61C1949F}" type="slidenum">
               <a:rPr lang="ru-RU" smtClean="0"/>
-              <a:t>31</a:t>
+              <a:t>30</a:t>
             </a:fld>
             <a:endParaRPr lang="ru-RU"/>
           </a:p>
@@ -27798,7 +27669,7 @@
 </p:sld>
 </file>
 
-<file path=ppt/slides/slide32.xml><?xml version="1.0" encoding="utf-8"?>
+<file path=ppt/slides/slide31.xml><?xml version="1.0" encoding="utf-8"?>
 <p:sld xmlns:a="http://schemas.openxmlformats.org/drawingml/2006/main" xmlns:r="http://schemas.openxmlformats.org/officeDocument/2006/relationships" xmlns:p="http://schemas.openxmlformats.org/presentationml/2006/main">
   <p:cSld>
     <p:spTree>
@@ -28029,7 +27900,7 @@
           <a:p>
             <a:fld id="{8253DDDB-F8F7-4D64-A7FD-3F3D61C1949F}" type="slidenum">
               <a:rPr lang="ru-RU" smtClean="0"/>
-              <a:t>32</a:t>
+              <a:t>31</a:t>
             </a:fld>
             <a:endParaRPr lang="ru-RU"/>
           </a:p>
@@ -29775,7 +29646,7 @@
 </p:sld>
 </file>
 
-<file path=ppt/slides/slide33.xml><?xml version="1.0" encoding="utf-8"?>
+<file path=ppt/slides/slide32.xml><?xml version="1.0" encoding="utf-8"?>
 <p:sld xmlns:a="http://schemas.openxmlformats.org/drawingml/2006/main" xmlns:r="http://schemas.openxmlformats.org/officeDocument/2006/relationships" xmlns:p="http://schemas.openxmlformats.org/presentationml/2006/main">
   <p:cSld>
     <p:spTree>
@@ -30329,7 +30200,7 @@
           <a:p>
             <a:fld id="{8253DDDB-F8F7-4D64-A7FD-3F3D61C1949F}" type="slidenum">
               <a:rPr lang="ru-RU" smtClean="0"/>
-              <a:t>33</a:t>
+              <a:t>32</a:t>
             </a:fld>
             <a:endParaRPr lang="ru-RU" dirty="0"/>
           </a:p>
@@ -31555,7 +31426,7 @@
 </p:sld>
 </file>
 
-<file path=ppt/slides/slide34.xml><?xml version="1.0" encoding="utf-8"?>
+<file path=ppt/slides/slide33.xml><?xml version="1.0" encoding="utf-8"?>
 <p:sld xmlns:a="http://schemas.openxmlformats.org/drawingml/2006/main" xmlns:r="http://schemas.openxmlformats.org/officeDocument/2006/relationships" xmlns:p="http://schemas.openxmlformats.org/presentationml/2006/main">
   <p:cSld>
     <p:spTree>
@@ -31649,7 +31520,7 @@
           <a:p>
             <a:fld id="{8253DDDB-F8F7-4D64-A7FD-3F3D61C1949F}" type="slidenum">
               <a:rPr lang="ru-RU" smtClean="0"/>
-              <a:t>34</a:t>
+              <a:t>33</a:t>
             </a:fld>
             <a:endParaRPr lang="ru-RU"/>
           </a:p>
@@ -33693,7 +33564,7 @@
 </p:sld>
 </file>
 
-<file path=ppt/slides/slide35.xml><?xml version="1.0" encoding="utf-8"?>
+<file path=ppt/slides/slide34.xml><?xml version="1.0" encoding="utf-8"?>
 <p:sld xmlns:a="http://schemas.openxmlformats.org/drawingml/2006/main" xmlns:r="http://schemas.openxmlformats.org/officeDocument/2006/relationships" xmlns:p="http://schemas.openxmlformats.org/presentationml/2006/main">
   <p:cSld>
     <p:spTree>
@@ -33840,7 +33711,7 @@
           <a:p>
             <a:fld id="{8253DDDB-F8F7-4D64-A7FD-3F3D61C1949F}" type="slidenum">
               <a:rPr lang="ru-RU" smtClean="0"/>
-              <a:t>35</a:t>
+              <a:t>34</a:t>
             </a:fld>
             <a:endParaRPr lang="ru-RU"/>
           </a:p>
@@ -36972,15 +36843,7 @@
             </a:pPr>
             <a:r>
               <a:rPr lang="ru-RU" dirty="0" smtClean="0"/>
-              <a:t>Ранее, при введении понятия (вычислимого) шифра, мы описывали его без </a:t>
-            </a:r>
-            <a:r>
-              <a:rPr lang="ru-RU" dirty="0" smtClean="0"/>
-              <a:t>явного описания </a:t>
-            </a:r>
-            <a:r>
-              <a:rPr lang="ru-RU" dirty="0" smtClean="0"/>
-              <a:t>параметров.</a:t>
+              <a:t>Ранее, при введении понятия (вычислимого) шифра, мы описывали его без явного описания параметров.</a:t>
             </a:r>
           </a:p>
           <a:p>
@@ -37018,31 +36881,7 @@
             </a:pPr>
             <a:r>
               <a:rPr lang="ru-RU" dirty="0" smtClean="0"/>
-              <a:t>Пример – длина ключа </a:t>
-            </a:r>
-            <a:r>
-              <a:rPr lang="ru-RU" dirty="0" smtClean="0"/>
-              <a:t>(и </a:t>
-            </a:r>
-            <a:r>
-              <a:rPr lang="ru-RU" dirty="0" smtClean="0"/>
-              <a:t>максимального </a:t>
-            </a:r>
-            <a:r>
-              <a:rPr lang="ru-RU" dirty="0" smtClean="0"/>
-              <a:t>сообщения) </a:t>
-            </a:r>
-            <a:r>
-              <a:rPr lang="ru-RU" dirty="0" smtClean="0"/>
-              <a:t>в одноразовом блокноте, </a:t>
-            </a:r>
-            <a:r>
-              <a:rPr lang="ru-RU" dirty="0" smtClean="0"/>
-              <a:t>модуль и длина ключа </a:t>
-            </a:r>
-            <a:r>
-              <a:rPr lang="ru-RU" dirty="0" smtClean="0"/>
-              <a:t>в аддитивном одноразовом блокноте. </a:t>
+              <a:t>Пример – длина ключа (и максимального сообщения) в одноразовом блокноте, модуль и длина ключа в аддитивном одноразовом блокноте. </a:t>
             </a:r>
             <a:endParaRPr lang="ru-RU" dirty="0"/>
           </a:p>
@@ -37131,8 +36970,8 @@
           </a:p>
         </p:txBody>
       </p:sp>
-      <mc:AlternateContent xmlns:mc="http://schemas.openxmlformats.org/markup-compatibility/2006">
-        <mc:Choice xmlns:a14="http://schemas.microsoft.com/office/drawing/2010/main" Requires="a14">
+      <mc:AlternateContent xmlns:mc="http://schemas.openxmlformats.org/markup-compatibility/2006" xmlns:a14="http://schemas.microsoft.com/office/drawing/2010/main">
+        <mc:Choice Requires="a14">
           <p:sp>
             <p:nvSpPr>
               <p:cNvPr id="3" name="Объект 2"/>
@@ -37865,7 +37704,7 @@
             </p:txBody>
           </p:sp>
         </mc:Choice>
-        <mc:Fallback>
+        <mc:Fallback xmlns="">
           <p:sp>
             <p:nvSpPr>
               <p:cNvPr id="3" name="Объект 2"/>

--- a/Lectures/Lecture2.pptx
+++ b/Lectures/Lecture2.pptx
@@ -287,7 +287,7 @@
           <a:p>
             <a:fld id="{CBA08D16-15DC-4E25-BDC3-F25146157B16}" type="datetimeFigureOut">
               <a:rPr lang="ru-RU" smtClean="0"/>
-              <a:t>13.09.2019</a:t>
+              <a:t>04.03.2020</a:t>
             </a:fld>
             <a:endParaRPr lang="ru-RU"/>
           </a:p>
@@ -686,7 +686,7 @@
           <a:p>
             <a:fld id="{FCEC8293-DB51-454A-BE81-EC8FCB31EBA2}" type="datetime1">
               <a:rPr lang="ru-RU" smtClean="0"/>
-              <a:t>13.09.2019</a:t>
+              <a:t>04.03.2020</a:t>
             </a:fld>
             <a:endParaRPr lang="ru-RU"/>
           </a:p>
@@ -860,7 +860,7 @@
           <a:p>
             <a:fld id="{241C87B1-1C35-4DBD-BC18-2BC72E776603}" type="datetime1">
               <a:rPr lang="ru-RU" smtClean="0"/>
-              <a:t>13.09.2019</a:t>
+              <a:t>04.03.2020</a:t>
             </a:fld>
             <a:endParaRPr lang="ru-RU"/>
           </a:p>
@@ -1044,7 +1044,7 @@
           <a:p>
             <a:fld id="{3134C275-26C0-42CD-9111-9ADE65922AF9}" type="datetime1">
               <a:rPr lang="ru-RU" smtClean="0"/>
-              <a:t>13.09.2019</a:t>
+              <a:t>04.03.2020</a:t>
             </a:fld>
             <a:endParaRPr lang="ru-RU"/>
           </a:p>
@@ -1218,7 +1218,7 @@
           <a:p>
             <a:fld id="{C1A9A50B-C350-45F5-8AAB-ADB9E670AF2E}" type="datetime1">
               <a:rPr lang="ru-RU" smtClean="0"/>
-              <a:t>13.09.2019</a:t>
+              <a:t>04.03.2020</a:t>
             </a:fld>
             <a:endParaRPr lang="ru-RU"/>
           </a:p>
@@ -1468,7 +1468,7 @@
           <a:p>
             <a:fld id="{089688C9-348F-42F9-B6C0-5990DDE0C5B2}" type="datetime1">
               <a:rPr lang="ru-RU" smtClean="0"/>
-              <a:t>13.09.2019</a:t>
+              <a:t>04.03.2020</a:t>
             </a:fld>
             <a:endParaRPr lang="ru-RU"/>
           </a:p>
@@ -1704,7 +1704,7 @@
           <a:p>
             <a:fld id="{684AFD8F-6DD9-4AD3-A505-FDC3F5C5F3F6}" type="datetime1">
               <a:rPr lang="ru-RU" smtClean="0"/>
-              <a:t>13.09.2019</a:t>
+              <a:t>04.03.2020</a:t>
             </a:fld>
             <a:endParaRPr lang="ru-RU"/>
           </a:p>
@@ -2075,7 +2075,7 @@
           <a:p>
             <a:fld id="{63551EFE-4D02-45EB-A747-8B6F047B5AA0}" type="datetime1">
               <a:rPr lang="ru-RU" smtClean="0"/>
-              <a:t>13.09.2019</a:t>
+              <a:t>04.03.2020</a:t>
             </a:fld>
             <a:endParaRPr lang="ru-RU"/>
           </a:p>
@@ -2197,7 +2197,7 @@
           <a:p>
             <a:fld id="{813A9F34-E5CD-4B8F-AA9E-889C84372B20}" type="datetime1">
               <a:rPr lang="ru-RU" smtClean="0"/>
-              <a:t>13.09.2019</a:t>
+              <a:t>04.03.2020</a:t>
             </a:fld>
             <a:endParaRPr lang="ru-RU"/>
           </a:p>
@@ -2296,7 +2296,7 @@
           <a:p>
             <a:fld id="{51224D22-9B29-44A6-8E82-95FC492DEDC1}" type="datetime1">
               <a:rPr lang="ru-RU" smtClean="0"/>
-              <a:t>13.09.2019</a:t>
+              <a:t>04.03.2020</a:t>
             </a:fld>
             <a:endParaRPr lang="ru-RU"/>
           </a:p>
@@ -2577,7 +2577,7 @@
           <a:p>
             <a:fld id="{91D1034F-4441-48A1-BDC0-25EA1022324A}" type="datetime1">
               <a:rPr lang="ru-RU" smtClean="0"/>
-              <a:t>13.09.2019</a:t>
+              <a:t>04.03.2020</a:t>
             </a:fld>
             <a:endParaRPr lang="ru-RU"/>
           </a:p>
@@ -2834,7 +2834,7 @@
           <a:p>
             <a:fld id="{B0FFDE79-B627-473B-AE17-4C65BD2495F7}" type="datetime1">
               <a:rPr lang="ru-RU" smtClean="0"/>
-              <a:t>13.09.2019</a:t>
+              <a:t>04.03.2020</a:t>
             </a:fld>
             <a:endParaRPr lang="ru-RU"/>
           </a:p>
@@ -3051,7 +3051,7 @@
           <a:p>
             <a:fld id="{11CA537A-1B8C-47BA-9BA6-7CE3FAFDA8BE}" type="datetime1">
               <a:rPr lang="ru-RU" smtClean="0"/>
-              <a:t>13.09.2019</a:t>
+              <a:t>04.03.2020</a:t>
             </a:fld>
             <a:endParaRPr lang="ru-RU"/>
           </a:p>
@@ -9392,8 +9392,8 @@
           </a:p>
         </p:txBody>
       </p:sp>
-      <mc:AlternateContent xmlns:mc="http://schemas.openxmlformats.org/markup-compatibility/2006" xmlns:a14="http://schemas.microsoft.com/office/drawing/2010/main">
-        <mc:Choice Requires="a14">
+      <mc:AlternateContent xmlns:mc="http://schemas.openxmlformats.org/markup-compatibility/2006">
+        <mc:Choice xmlns:a14="http://schemas.microsoft.com/office/drawing/2010/main" Requires="a14">
           <p:sp>
             <p:nvSpPr>
               <p:cNvPr id="3" name="Объект 2"/>
@@ -9595,11 +9595,15 @@
                 </a:r>
                 <a:r>
                   <a:rPr lang="ru-RU" dirty="0" err="1" smtClean="0"/>
-                  <a:t>планковких</a:t>
+                  <a:t>планковских</a:t>
                 </a:r>
                 <a:r>
                   <a:rPr lang="ru-RU" dirty="0" smtClean="0"/>
-                  <a:t> единицах)</a:t>
+                  <a:t> </a:t>
+                </a:r>
+                <a:r>
+                  <a:rPr lang="ru-RU" dirty="0" smtClean="0"/>
+                  <a:t>единицах)</a:t>
                 </a:r>
                 <a:r>
                   <a:rPr lang="en-US" dirty="0" smtClean="0"/>
@@ -9741,7 +9745,7 @@
             </p:txBody>
           </p:sp>
         </mc:Choice>
-        <mc:Fallback xmlns="">
+        <mc:Fallback>
           <p:sp>
             <p:nvSpPr>
               <p:cNvPr id="3" name="Объект 2"/>
@@ -9753,7 +9757,7 @@
               </p:nvPr>
             </p:nvSpPr>
             <p:spPr>
-              <a:blipFill>
+              <a:blipFill rotWithShape="0">
                 <a:blip r:embed="rId2"/>
                 <a:stretch>
                   <a:fillRect l="-1043" t="-2801" b="-2241"/>

--- a/Lectures/Lecture2.pptx
+++ b/Lectures/Lecture2.pptx
@@ -5,7 +5,7 @@
     <p:sldMasterId id="2147483648" r:id="rId1"/>
   </p:sldMasterIdLst>
   <p:notesMasterIdLst>
-    <p:notesMasterId r:id="rId36"/>
+    <p:notesMasterId r:id="rId37"/>
   </p:notesMasterIdLst>
   <p:sldIdLst>
     <p:sldId id="296" r:id="rId2"/>
@@ -21,27 +21,28 @@
     <p:sldId id="266" r:id="rId12"/>
     <p:sldId id="289" r:id="rId13"/>
     <p:sldId id="276" r:id="rId14"/>
-    <p:sldId id="268" r:id="rId15"/>
-    <p:sldId id="269" r:id="rId16"/>
-    <p:sldId id="270" r:id="rId17"/>
-    <p:sldId id="267" r:id="rId18"/>
-    <p:sldId id="271" r:id="rId19"/>
-    <p:sldId id="272" r:id="rId20"/>
-    <p:sldId id="273" r:id="rId21"/>
-    <p:sldId id="274" r:id="rId22"/>
-    <p:sldId id="275" r:id="rId23"/>
-    <p:sldId id="278" r:id="rId24"/>
-    <p:sldId id="277" r:id="rId25"/>
-    <p:sldId id="280" r:id="rId26"/>
-    <p:sldId id="281" r:id="rId27"/>
-    <p:sldId id="282" r:id="rId28"/>
-    <p:sldId id="288" r:id="rId29"/>
-    <p:sldId id="290" r:id="rId30"/>
-    <p:sldId id="291" r:id="rId31"/>
-    <p:sldId id="292" r:id="rId32"/>
-    <p:sldId id="293" r:id="rId33"/>
-    <p:sldId id="295" r:id="rId34"/>
-    <p:sldId id="297" r:id="rId35"/>
+    <p:sldId id="298" r:id="rId15"/>
+    <p:sldId id="268" r:id="rId16"/>
+    <p:sldId id="269" r:id="rId17"/>
+    <p:sldId id="270" r:id="rId18"/>
+    <p:sldId id="267" r:id="rId19"/>
+    <p:sldId id="271" r:id="rId20"/>
+    <p:sldId id="272" r:id="rId21"/>
+    <p:sldId id="273" r:id="rId22"/>
+    <p:sldId id="274" r:id="rId23"/>
+    <p:sldId id="275" r:id="rId24"/>
+    <p:sldId id="278" r:id="rId25"/>
+    <p:sldId id="277" r:id="rId26"/>
+    <p:sldId id="280" r:id="rId27"/>
+    <p:sldId id="281" r:id="rId28"/>
+    <p:sldId id="282" r:id="rId29"/>
+    <p:sldId id="288" r:id="rId30"/>
+    <p:sldId id="290" r:id="rId31"/>
+    <p:sldId id="291" r:id="rId32"/>
+    <p:sldId id="292" r:id="rId33"/>
+    <p:sldId id="293" r:id="rId34"/>
+    <p:sldId id="295" r:id="rId35"/>
+    <p:sldId id="297" r:id="rId36"/>
   </p:sldIdLst>
   <p:sldSz cx="12192000" cy="6858000"/>
   <p:notesSz cx="6858000" cy="9144000"/>
@@ -166,6 +167,7 @@
             <p14:sldId id="266"/>
             <p14:sldId id="289"/>
             <p14:sldId id="276"/>
+            <p14:sldId id="298"/>
             <p14:sldId id="268"/>
             <p14:sldId id="269"/>
             <p14:sldId id="270"/>
@@ -287,7 +289,7 @@
           <a:p>
             <a:fld id="{CBA08D16-15DC-4E25-BDC3-F25146157B16}" type="datetimeFigureOut">
               <a:rPr lang="ru-RU" smtClean="0"/>
-              <a:t>04.03.2020</a:t>
+              <a:t>14.09.2020</a:t>
             </a:fld>
             <a:endParaRPr lang="ru-RU"/>
           </a:p>
@@ -686,7 +688,7 @@
           <a:p>
             <a:fld id="{FCEC8293-DB51-454A-BE81-EC8FCB31EBA2}" type="datetime1">
               <a:rPr lang="ru-RU" smtClean="0"/>
-              <a:t>04.03.2020</a:t>
+              <a:t>14.09.2020</a:t>
             </a:fld>
             <a:endParaRPr lang="ru-RU"/>
           </a:p>
@@ -860,7 +862,7 @@
           <a:p>
             <a:fld id="{241C87B1-1C35-4DBD-BC18-2BC72E776603}" type="datetime1">
               <a:rPr lang="ru-RU" smtClean="0"/>
-              <a:t>04.03.2020</a:t>
+              <a:t>14.09.2020</a:t>
             </a:fld>
             <a:endParaRPr lang="ru-RU"/>
           </a:p>
@@ -1044,7 +1046,7 @@
           <a:p>
             <a:fld id="{3134C275-26C0-42CD-9111-9ADE65922AF9}" type="datetime1">
               <a:rPr lang="ru-RU" smtClean="0"/>
-              <a:t>04.03.2020</a:t>
+              <a:t>14.09.2020</a:t>
             </a:fld>
             <a:endParaRPr lang="ru-RU"/>
           </a:p>
@@ -1218,7 +1220,7 @@
           <a:p>
             <a:fld id="{C1A9A50B-C350-45F5-8AAB-ADB9E670AF2E}" type="datetime1">
               <a:rPr lang="ru-RU" smtClean="0"/>
-              <a:t>04.03.2020</a:t>
+              <a:t>14.09.2020</a:t>
             </a:fld>
             <a:endParaRPr lang="ru-RU"/>
           </a:p>
@@ -1468,7 +1470,7 @@
           <a:p>
             <a:fld id="{089688C9-348F-42F9-B6C0-5990DDE0C5B2}" type="datetime1">
               <a:rPr lang="ru-RU" smtClean="0"/>
-              <a:t>04.03.2020</a:t>
+              <a:t>14.09.2020</a:t>
             </a:fld>
             <a:endParaRPr lang="ru-RU"/>
           </a:p>
@@ -1704,7 +1706,7 @@
           <a:p>
             <a:fld id="{684AFD8F-6DD9-4AD3-A505-FDC3F5C5F3F6}" type="datetime1">
               <a:rPr lang="ru-RU" smtClean="0"/>
-              <a:t>04.03.2020</a:t>
+              <a:t>14.09.2020</a:t>
             </a:fld>
             <a:endParaRPr lang="ru-RU"/>
           </a:p>
@@ -2075,7 +2077,7 @@
           <a:p>
             <a:fld id="{63551EFE-4D02-45EB-A747-8B6F047B5AA0}" type="datetime1">
               <a:rPr lang="ru-RU" smtClean="0"/>
-              <a:t>04.03.2020</a:t>
+              <a:t>14.09.2020</a:t>
             </a:fld>
             <a:endParaRPr lang="ru-RU"/>
           </a:p>
@@ -2197,7 +2199,7 @@
           <a:p>
             <a:fld id="{813A9F34-E5CD-4B8F-AA9E-889C84372B20}" type="datetime1">
               <a:rPr lang="ru-RU" smtClean="0"/>
-              <a:t>04.03.2020</a:t>
+              <a:t>14.09.2020</a:t>
             </a:fld>
             <a:endParaRPr lang="ru-RU"/>
           </a:p>
@@ -2296,7 +2298,7 @@
           <a:p>
             <a:fld id="{51224D22-9B29-44A6-8E82-95FC492DEDC1}" type="datetime1">
               <a:rPr lang="ru-RU" smtClean="0"/>
-              <a:t>04.03.2020</a:t>
+              <a:t>14.09.2020</a:t>
             </a:fld>
             <a:endParaRPr lang="ru-RU"/>
           </a:p>
@@ -2577,7 +2579,7 @@
           <a:p>
             <a:fld id="{91D1034F-4441-48A1-BDC0-25EA1022324A}" type="datetime1">
               <a:rPr lang="ru-RU" smtClean="0"/>
-              <a:t>04.03.2020</a:t>
+              <a:t>14.09.2020</a:t>
             </a:fld>
             <a:endParaRPr lang="ru-RU"/>
           </a:p>
@@ -2834,7 +2836,7 @@
           <a:p>
             <a:fld id="{B0FFDE79-B627-473B-AE17-4C65BD2495F7}" type="datetime1">
               <a:rPr lang="ru-RU" smtClean="0"/>
-              <a:t>04.03.2020</a:t>
+              <a:t>14.09.2020</a:t>
             </a:fld>
             <a:endParaRPr lang="ru-RU"/>
           </a:p>
@@ -3051,7 +3053,7 @@
           <a:p>
             <a:fld id="{11CA537A-1B8C-47BA-9BA6-7CE3FAFDA8BE}" type="datetime1">
               <a:rPr lang="ru-RU" smtClean="0"/>
-              <a:t>04.03.2020</a:t>
+              <a:t>14.09.2020</a:t>
             </a:fld>
             <a:endParaRPr lang="ru-RU"/>
           </a:p>
@@ -3549,11 +3551,15 @@
           <a:p>
             <a:r>
               <a:rPr lang="ru-RU" dirty="0" smtClean="0"/>
-              <a:t>МИФИ 201</a:t>
+              <a:t>МИФИ </a:t>
+            </a:r>
+            <a:r>
+              <a:rPr lang="ru-RU" dirty="0" smtClean="0"/>
+              <a:t>20</a:t>
             </a:r>
             <a:r>
               <a:rPr lang="en-US" dirty="0" smtClean="0"/>
-              <a:t>9</a:t>
+              <a:t>20</a:t>
             </a:r>
             <a:endParaRPr lang="ru-RU" dirty="0"/>
           </a:p>
@@ -3619,8 +3625,8 @@
           </a:p>
         </p:txBody>
       </p:sp>
-      <mc:AlternateContent xmlns:mc="http://schemas.openxmlformats.org/markup-compatibility/2006" xmlns:a14="http://schemas.microsoft.com/office/drawing/2010/main">
-        <mc:Choice Requires="a14">
+      <mc:AlternateContent xmlns:mc="http://schemas.openxmlformats.org/markup-compatibility/2006">
+        <mc:Choice xmlns:a14="http://schemas.microsoft.com/office/drawing/2010/main" Requires="a14">
           <p:sp>
             <p:nvSpPr>
               <p:cNvPr id="3" name="Объект 2"/>
@@ -4237,16 +4243,24 @@
                   <a:t> </a:t>
                 </a:r>
                 <a:r>
-                  <a:rPr lang="ru-RU" b="1" dirty="0" err="1" smtClean="0"/>
+                  <a:rPr lang="ru-RU" b="1" dirty="0" smtClean="0"/>
                   <a:t>полиномиально</a:t>
                 </a:r>
                 <a:r>
+                  <a:rPr lang="ru-RU" b="1" dirty="0"/>
+                  <a:t>-</a:t>
+                </a:r>
+                <a:r>
                   <a:rPr lang="ru-RU" b="1" dirty="0" smtClean="0"/>
-                  <a:t> ограниченна</a:t>
+                  <a:t>ограниченна</a:t>
                 </a:r>
                 <a:r>
                   <a:rPr lang="ru-RU" dirty="0" smtClean="0"/>
-                  <a:t> сверху полиномом </a:t>
+                  <a:t> </a:t>
+                </a:r>
+                <a:r>
+                  <a:rPr lang="ru-RU" dirty="0" smtClean="0"/>
+                  <a:t>сверху полиномом </a:t>
                 </a:r>
                 <a14:m>
                   <m:oMath xmlns:m="http://schemas.openxmlformats.org/officeDocument/2006/math">
@@ -4386,24 +4400,16 @@
                   <a:t> </a:t>
                 </a:r>
                 <a:r>
-                  <a:rPr lang="ru-RU" b="1" dirty="0" err="1"/>
+                  <a:rPr lang="ru-RU" b="1" dirty="0" smtClean="0"/>
                   <a:t>полиномиально</a:t>
                 </a:r>
                 <a:r>
-                  <a:rPr lang="ru-RU" b="1"/>
-                  <a:t> </a:t>
-                </a:r>
-                <a:r>
-                  <a:rPr lang="ru-RU" b="1" smtClean="0"/>
-                  <a:t>ограниченн</a:t>
-                </a:r>
-                <a:r>
-                  <a:rPr lang="ru-RU" b="1"/>
-                  <a:t>о</a:t>
-                </a:r>
-                <a:r>
-                  <a:rPr lang="ru-RU" b="1" smtClean="0"/>
-                  <a:t> </a:t>
+                  <a:rPr lang="ru-RU" b="1" dirty="0"/>
+                  <a:t>-</a:t>
+                </a:r>
+                <a:r>
+                  <a:rPr lang="ru-RU" b="1" dirty="0" smtClean="0"/>
+                  <a:t>ограниченно </a:t>
                 </a:r>
                 <a:r>
                   <a:rPr lang="ru-RU" dirty="0"/>
@@ -4488,7 +4494,7 @@
             </p:txBody>
           </p:sp>
         </mc:Choice>
-        <mc:Fallback xmlns="">
+        <mc:Fallback>
           <p:sp>
             <p:nvSpPr>
               <p:cNvPr id="3" name="Объект 2"/>
@@ -4503,7 +4509,7 @@
               <a:blipFill>
                 <a:blip r:embed="rId2"/>
                 <a:stretch>
-                  <a:fillRect l="-1043" b="-2381"/>
+                  <a:fillRect l="-1043" t="-2101"/>
                 </a:stretch>
               </a:blipFill>
             </p:spPr>
@@ -4632,16 +4638,40 @@
               <a:t>полиномиально</a:t>
             </a:r>
             <a:r>
+              <a:rPr lang="ru-RU" dirty="0"/>
+              <a:t>-</a:t>
+            </a:r>
+            <a:r>
               <a:rPr lang="ru-RU" dirty="0" smtClean="0"/>
-              <a:t> ограниченное число шагов, Противник обладает </a:t>
+              <a:t>ограниченное </a:t>
+            </a:r>
+            <a:r>
+              <a:rPr lang="ru-RU" dirty="0" smtClean="0"/>
+              <a:t>число шагов, Противник обладает </a:t>
             </a:r>
             <a:r>
               <a:rPr lang="ru-RU" dirty="0" err="1" smtClean="0"/>
               <a:t>полиномиально</a:t>
             </a:r>
             <a:r>
+              <a:rPr lang="ru-RU" dirty="0"/>
+              <a:t>-</a:t>
+            </a:r>
+            <a:r>
               <a:rPr lang="ru-RU" dirty="0" smtClean="0"/>
-              <a:t> ограниченным временем и ёмкостью. Т.е. алгоритм игры должен быть эффективным. </a:t>
+              <a:t>ограниченным </a:t>
+            </a:r>
+            <a:r>
+              <a:rPr lang="ru-RU" dirty="0" smtClean="0"/>
+              <a:t>временем и </a:t>
+            </a:r>
+            <a:r>
+              <a:rPr lang="ru-RU" dirty="0" smtClean="0"/>
+              <a:t>памятью. </a:t>
+            </a:r>
+            <a:r>
+              <a:rPr lang="ru-RU" dirty="0" smtClean="0"/>
+              <a:t>Т.е. алгоритм игры должен быть эффективным. </a:t>
             </a:r>
             <a:endParaRPr lang="ru-RU" dirty="0"/>
           </a:p>
@@ -5164,8 +5194,8 @@
           </a:p>
         </p:txBody>
       </p:sp>
-      <mc:AlternateContent xmlns:mc="http://schemas.openxmlformats.org/markup-compatibility/2006" xmlns:a14="http://schemas.microsoft.com/office/drawing/2010/main">
-        <mc:Choice Requires="a14">
+      <mc:AlternateContent xmlns:mc="http://schemas.openxmlformats.org/markup-compatibility/2006">
+        <mc:Choice xmlns:a14="http://schemas.microsoft.com/office/drawing/2010/main" Requires="a14">
           <p:sp>
             <p:nvSpPr>
               <p:cNvPr id="27" name="Text Box 13"/>
@@ -5198,7 +5228,7 @@
               <a:lstStyle/>
               <a:p>
                 <a:r>
-                  <a:rPr lang="en-US" sz="1600" dirty="0" smtClean="0"/>
+                  <a:rPr lang="en-US" sz="1600" i="1" dirty="0" smtClean="0"/>
                   <a:t>k</a:t>
                 </a:r>
                 <a14:m>
@@ -5241,7 +5271,7 @@
             </p:txBody>
           </p:sp>
         </mc:Choice>
-        <mc:Fallback xmlns="">
+        <mc:Fallback>
           <p:sp>
             <p:nvSpPr>
               <p:cNvPr id="27" name="Text Box 13"/>
@@ -6546,8 +6576,8 @@
           </a:p>
         </p:txBody>
       </p:sp>
-      <mc:AlternateContent xmlns:mc="http://schemas.openxmlformats.org/markup-compatibility/2006" xmlns:a14="http://schemas.microsoft.com/office/drawing/2010/main">
-        <mc:Choice Requires="a14">
+      <mc:AlternateContent xmlns:mc="http://schemas.openxmlformats.org/markup-compatibility/2006">
+        <mc:Choice xmlns:a14="http://schemas.microsoft.com/office/drawing/2010/main" Requires="a14">
           <p:sp>
             <p:nvSpPr>
               <p:cNvPr id="37" name="Text Box 13"/>
@@ -6580,7 +6610,7 @@
               <a:lstStyle/>
               <a:p>
                 <a:r>
-                  <a:rPr lang="en-US" sz="1600" dirty="0" smtClean="0"/>
+                  <a:rPr lang="en-US" sz="1600" i="1" dirty="0" smtClean="0"/>
                   <a:t>k</a:t>
                 </a:r>
                 <a14:m>
@@ -6623,7 +6653,7 @@
             </p:txBody>
           </p:sp>
         </mc:Choice>
-        <mc:Fallback xmlns="">
+        <mc:Fallback>
           <p:sp>
             <p:nvSpPr>
               <p:cNvPr id="37" name="Text Box 13"/>
@@ -8768,6 +8798,1445 @@
           <a:p>
             <a:r>
               <a:rPr lang="ru-RU" dirty="0" smtClean="0"/>
+              <a:t>Альтернативная трактовка понятия абсолютной и семантической стойкости</a:t>
+            </a:r>
+            <a:endParaRPr lang="ru-RU" dirty="0"/>
+          </a:p>
+        </p:txBody>
+      </p:sp>
+      <p:sp>
+        <p:nvSpPr>
+          <p:cNvPr id="3" name="Объект 2"/>
+          <p:cNvSpPr>
+            <a:spLocks noGrp="1"/>
+          </p:cNvSpPr>
+          <p:nvPr>
+            <p:ph idx="1"/>
+          </p:nvPr>
+        </p:nvSpPr>
+        <p:spPr/>
+        <p:txBody>
+          <a:bodyPr/>
+          <a:lstStyle/>
+          <a:p>
+            <a:pPr marL="0" indent="0">
+              <a:buNone/>
+            </a:pPr>
+            <a:r>
+              <a:rPr lang="ru-RU" dirty="0" smtClean="0"/>
+              <a:t>Противник не может различить </a:t>
+            </a:r>
+            <a:r>
+              <a:rPr lang="ru-RU" dirty="0" err="1" smtClean="0"/>
+              <a:t>шифртексты</a:t>
+            </a:r>
+            <a:r>
+              <a:rPr lang="ru-RU" dirty="0" smtClean="0"/>
+              <a:t> двух выбранных сообщений </a:t>
+            </a:r>
+            <a:endParaRPr lang="ru-RU" dirty="0"/>
+          </a:p>
+        </p:txBody>
+      </p:sp>
+      <p:sp>
+        <p:nvSpPr>
+          <p:cNvPr id="4" name="Номер слайда 3"/>
+          <p:cNvSpPr>
+            <a:spLocks noGrp="1"/>
+          </p:cNvSpPr>
+          <p:nvPr>
+            <p:ph type="sldNum" sz="quarter" idx="12"/>
+          </p:nvPr>
+        </p:nvSpPr>
+        <p:spPr/>
+        <p:txBody>
+          <a:bodyPr/>
+          <a:lstStyle/>
+          <a:p>
+            <a:fld id="{8253DDDB-F8F7-4D64-A7FD-3F3D61C1949F}" type="slidenum">
+              <a:rPr lang="ru-RU" smtClean="0"/>
+              <a:t>14</a:t>
+            </a:fld>
+            <a:endParaRPr lang="ru-RU"/>
+          </a:p>
+        </p:txBody>
+      </p:sp>
+      <mc:AlternateContent xmlns:mc="http://schemas.openxmlformats.org/markup-compatibility/2006">
+        <mc:Choice xmlns:a14="http://schemas.microsoft.com/office/drawing/2010/main" Requires="a14">
+          <p:sp>
+            <p:nvSpPr>
+              <p:cNvPr id="5" name="Прямоугольник 4"/>
+              <p:cNvSpPr/>
+              <p:nvPr/>
+            </p:nvSpPr>
+            <p:spPr>
+              <a:xfrm>
+                <a:off x="2040745" y="4936586"/>
+                <a:ext cx="5504199" cy="492443"/>
+              </a:xfrm>
+              <a:prstGeom prst="rect">
+                <a:avLst/>
+              </a:prstGeom>
+            </p:spPr>
+            <p:txBody>
+              <a:bodyPr wrap="none">
+                <a:spAutoFit/>
+              </a:bodyPr>
+              <a:lstStyle/>
+              <a:p>
+                <a:pPr/>
+                <a14:m>
+                  <m:oMathPara xmlns:m="http://schemas.openxmlformats.org/officeDocument/2006/math">
+                    <m:oMathParaPr>
+                      <m:jc m:val="centerGroup"/>
+                    </m:oMathParaPr>
+                    <m:oMath xmlns:m="http://schemas.openxmlformats.org/officeDocument/2006/math">
+                      <m:r>
+                        <a:rPr lang="en-US" sz="2600" b="0" i="1" smtClean="0">
+                          <a:latin typeface="Cambria Math" panose="02040503050406030204" pitchFamily="18" charset="0"/>
+                        </a:rPr>
+                        <m:t>𝑆</m:t>
+                      </m:r>
+                      <m:sSub>
+                        <m:sSubPr>
+                          <m:ctrlPr>
+                            <a:rPr lang="ru-RU" sz="2600" b="0" i="1" smtClean="0">
+                              <a:latin typeface="Cambria Math" panose="02040503050406030204" pitchFamily="18" charset="0"/>
+                            </a:rPr>
+                          </m:ctrlPr>
+                        </m:sSubPr>
+                        <m:e>
+                          <m:r>
+                            <a:rPr lang="en-US" sz="2600" b="0" i="1" smtClean="0">
+                              <a:latin typeface="Cambria Math" panose="02040503050406030204" pitchFamily="18" charset="0"/>
+                            </a:rPr>
+                            <m:t>𝑆</m:t>
+                          </m:r>
+                        </m:e>
+                        <m:sub>
+                          <m:r>
+                            <a:rPr lang="en-US" sz="2600" b="0" i="1" smtClean="0">
+                              <a:latin typeface="Cambria Math" panose="02040503050406030204" pitchFamily="18" charset="0"/>
+                            </a:rPr>
+                            <m:t>𝑎𝑑𝑣</m:t>
+                          </m:r>
+                        </m:sub>
+                      </m:sSub>
+                      <m:d>
+                        <m:dPr>
+                          <m:begChr m:val="["/>
+                          <m:endChr m:val="]"/>
+                          <m:ctrlPr>
+                            <a:rPr lang="en-US" sz="2600" i="1">
+                              <a:latin typeface="Cambria Math" panose="02040503050406030204" pitchFamily="18" charset="0"/>
+                            </a:rPr>
+                          </m:ctrlPr>
+                        </m:dPr>
+                        <m:e>
+                          <m:r>
+                            <a:rPr lang="en-US" sz="2600" i="1">
+                              <a:latin typeface="Cambria Math" panose="02040503050406030204" pitchFamily="18" charset="0"/>
+                            </a:rPr>
+                            <m:t>𝐴</m:t>
+                          </m:r>
+                          <m:r>
+                            <a:rPr lang="en-US" sz="2600" i="1">
+                              <a:latin typeface="Cambria Math" panose="02040503050406030204" pitchFamily="18" charset="0"/>
+                            </a:rPr>
+                            <m:t>,</m:t>
+                          </m:r>
+                          <m:r>
+                            <m:rPr>
+                              <m:sty m:val="p"/>
+                            </m:rPr>
+                            <a:rPr lang="en-US" sz="2600">
+                              <a:latin typeface="Cambria Math" panose="02040503050406030204" pitchFamily="18" charset="0"/>
+                            </a:rPr>
+                            <m:t>Ε</m:t>
+                          </m:r>
+                        </m:e>
+                      </m:d>
+                      <m:r>
+                        <a:rPr lang="en-US" sz="2600" i="1">
+                          <a:latin typeface="Cambria Math" panose="02040503050406030204" pitchFamily="18" charset="0"/>
+                        </a:rPr>
+                        <m:t>=|</m:t>
+                      </m:r>
+                      <m:func>
+                        <m:funcPr>
+                          <m:ctrlPr>
+                            <a:rPr lang="en-US" sz="2600" i="1">
+                              <a:latin typeface="Cambria Math" panose="02040503050406030204" pitchFamily="18" charset="0"/>
+                            </a:rPr>
+                          </m:ctrlPr>
+                        </m:funcPr>
+                        <m:fName>
+                          <m:r>
+                            <m:rPr>
+                              <m:sty m:val="p"/>
+                            </m:rPr>
+                            <a:rPr lang="en-US" sz="2600">
+                              <a:latin typeface="Cambria Math" panose="02040503050406030204" pitchFamily="18" charset="0"/>
+                            </a:rPr>
+                            <m:t>Pr</m:t>
+                          </m:r>
+                        </m:fName>
+                        <m:e>
+                          <m:d>
+                            <m:dPr>
+                              <m:begChr m:val="["/>
+                              <m:endChr m:val="]"/>
+                              <m:ctrlPr>
+                                <a:rPr lang="en-US" sz="2600" i="1">
+                                  <a:latin typeface="Cambria Math" panose="02040503050406030204" pitchFamily="18" charset="0"/>
+                                </a:rPr>
+                              </m:ctrlPr>
+                            </m:dPr>
+                            <m:e>
+                              <m:sSub>
+                                <m:sSubPr>
+                                  <m:ctrlPr>
+                                    <a:rPr lang="en-US" sz="2600" i="1">
+                                      <a:latin typeface="Cambria Math" panose="02040503050406030204" pitchFamily="18" charset="0"/>
+                                    </a:rPr>
+                                  </m:ctrlPr>
+                                </m:sSubPr>
+                                <m:e>
+                                  <m:r>
+                                    <a:rPr lang="en-US" sz="2600" i="1">
+                                      <a:latin typeface="Cambria Math" panose="02040503050406030204" pitchFamily="18" charset="0"/>
+                                    </a:rPr>
+                                    <m:t>𝑊</m:t>
+                                  </m:r>
+                                </m:e>
+                                <m:sub>
+                                  <m:r>
+                                    <a:rPr lang="en-US" sz="2600" i="1">
+                                      <a:latin typeface="Cambria Math" panose="02040503050406030204" pitchFamily="18" charset="0"/>
+                                    </a:rPr>
+                                    <m:t>0</m:t>
+                                  </m:r>
+                                </m:sub>
+                              </m:sSub>
+                            </m:e>
+                          </m:d>
+                        </m:e>
+                      </m:func>
+                      <m:r>
+                        <a:rPr lang="en-US" sz="2600" i="1">
+                          <a:latin typeface="Cambria Math" panose="02040503050406030204" pitchFamily="18" charset="0"/>
+                        </a:rPr>
+                        <m:t>−</m:t>
+                      </m:r>
+                      <m:r>
+                        <m:rPr>
+                          <m:sty m:val="p"/>
+                        </m:rPr>
+                        <a:rPr lang="en-US" sz="2600">
+                          <a:latin typeface="Cambria Math" panose="02040503050406030204" pitchFamily="18" charset="0"/>
+                        </a:rPr>
+                        <m:t>Pr</m:t>
+                      </m:r>
+                      <m:r>
+                        <a:rPr lang="en-US" sz="2600" i="1">
+                          <a:latin typeface="Cambria Math" panose="02040503050406030204" pitchFamily="18" charset="0"/>
+                        </a:rPr>
+                        <m:t>⁡[</m:t>
+                      </m:r>
+                      <m:sSub>
+                        <m:sSubPr>
+                          <m:ctrlPr>
+                            <a:rPr lang="en-US" sz="2600" i="1">
+                              <a:latin typeface="Cambria Math" panose="02040503050406030204" pitchFamily="18" charset="0"/>
+                            </a:rPr>
+                          </m:ctrlPr>
+                        </m:sSubPr>
+                        <m:e>
+                          <m:r>
+                            <a:rPr lang="en-US" sz="2600" i="1">
+                              <a:latin typeface="Cambria Math" panose="02040503050406030204" pitchFamily="18" charset="0"/>
+                            </a:rPr>
+                            <m:t>𝑊</m:t>
+                          </m:r>
+                        </m:e>
+                        <m:sub>
+                          <m:r>
+                            <a:rPr lang="en-US" sz="2600" i="1">
+                              <a:latin typeface="Cambria Math" panose="02040503050406030204" pitchFamily="18" charset="0"/>
+                            </a:rPr>
+                            <m:t>1</m:t>
+                          </m:r>
+                        </m:sub>
+                      </m:sSub>
+                      <m:r>
+                        <a:rPr lang="en-US" sz="2600" i="1">
+                          <a:latin typeface="Cambria Math" panose="02040503050406030204" pitchFamily="18" charset="0"/>
+                        </a:rPr>
+                        <m:t>]|</m:t>
+                      </m:r>
+                      <m:r>
+                        <a:rPr lang="ru-RU" sz="2600" b="0" i="1" smtClean="0">
+                          <a:latin typeface="Cambria Math" panose="02040503050406030204" pitchFamily="18" charset="0"/>
+                        </a:rPr>
+                        <m:t>≤</m:t>
+                      </m:r>
+                      <m:r>
+                        <a:rPr lang="en-US" sz="2600" b="0" i="1" smtClean="0">
+                          <a:latin typeface="Cambria Math" panose="02040503050406030204" pitchFamily="18" charset="0"/>
+                        </a:rPr>
+                        <m:t>𝜖</m:t>
+                      </m:r>
+                    </m:oMath>
+                  </m:oMathPara>
+                </a14:m>
+                <a:endParaRPr lang="ru-RU" sz="2600" dirty="0"/>
+              </a:p>
+            </p:txBody>
+          </p:sp>
+        </mc:Choice>
+        <mc:Fallback>
+          <p:sp>
+            <p:nvSpPr>
+              <p:cNvPr id="5" name="Прямоугольник 4"/>
+              <p:cNvSpPr>
+                <a:spLocks noRot="1" noChangeAspect="1" noMove="1" noResize="1" noEditPoints="1" noAdjustHandles="1" noChangeArrowheads="1" noChangeShapeType="1" noTextEdit="1"/>
+              </p:cNvSpPr>
+              <p:nvPr/>
+            </p:nvSpPr>
+            <p:spPr>
+              <a:xfrm>
+                <a:off x="2040745" y="4936586"/>
+                <a:ext cx="5504199" cy="492443"/>
+              </a:xfrm>
+              <a:prstGeom prst="rect">
+                <a:avLst/>
+              </a:prstGeom>
+              <a:blipFill>
+                <a:blip r:embed="rId2"/>
+                <a:stretch>
+                  <a:fillRect/>
+                </a:stretch>
+              </a:blipFill>
+            </p:spPr>
+            <p:txBody>
+              <a:bodyPr/>
+              <a:lstStyle/>
+              <a:p>
+                <a:r>
+                  <a:rPr lang="ru-RU">
+                    <a:noFill/>
+                  </a:rPr>
+                  <a:t> </a:t>
+                </a:r>
+              </a:p>
+            </p:txBody>
+          </p:sp>
+        </mc:Fallback>
+      </mc:AlternateContent>
+      <p:sp>
+        <p:nvSpPr>
+          <p:cNvPr id="6" name="Rectangle 4"/>
+          <p:cNvSpPr>
+            <a:spLocks noChangeArrowheads="1"/>
+          </p:cNvSpPr>
+          <p:nvPr/>
+        </p:nvSpPr>
+        <p:spPr bwMode="auto">
+          <a:xfrm>
+            <a:off x="2822720" y="3413493"/>
+            <a:ext cx="1295400" cy="1188244"/>
+          </a:xfrm>
+          <a:prstGeom prst="rect">
+            <a:avLst/>
+          </a:prstGeom>
+          <a:solidFill>
+            <a:schemeClr val="accent1"/>
+          </a:solidFill>
+          <a:ln w="9525">
+            <a:solidFill>
+              <a:schemeClr val="tx1"/>
+            </a:solidFill>
+            <a:miter lim="800000"/>
+            <a:headEnd/>
+            <a:tailEnd/>
+          </a:ln>
+          <a:effectLst/>
+        </p:spPr>
+        <p:txBody>
+          <a:bodyPr wrap="none"/>
+          <a:lstStyle/>
+          <a:p>
+            <a:pPr algn="ctr"/>
+            <a:r>
+              <a:rPr lang="en-US"/>
+              <a:t>Chal.</a:t>
+            </a:r>
+          </a:p>
+        </p:txBody>
+      </p:sp>
+      <p:sp>
+        <p:nvSpPr>
+          <p:cNvPr id="7" name="Line 5"/>
+          <p:cNvSpPr>
+            <a:spLocks noChangeShapeType="1"/>
+          </p:cNvSpPr>
+          <p:nvPr/>
+        </p:nvSpPr>
+        <p:spPr bwMode="auto">
+          <a:xfrm>
+            <a:off x="3432320" y="2899142"/>
+            <a:ext cx="0" cy="514350"/>
+          </a:xfrm>
+          <a:prstGeom prst="line">
+            <a:avLst/>
+          </a:prstGeom>
+          <a:noFill/>
+          <a:ln w="9525">
+            <a:solidFill>
+              <a:schemeClr val="tx1"/>
+            </a:solidFill>
+            <a:round/>
+            <a:headEnd/>
+            <a:tailEnd type="triangle" w="med" len="med"/>
+          </a:ln>
+          <a:effectLst/>
+        </p:spPr>
+        <p:txBody>
+          <a:bodyPr/>
+          <a:lstStyle/>
+          <a:p>
+            <a:endParaRPr lang="en-US"/>
+          </a:p>
+        </p:txBody>
+      </p:sp>
+      <mc:AlternateContent xmlns:mc="http://schemas.openxmlformats.org/markup-compatibility/2006">
+        <mc:Choice xmlns:a14="http://schemas.microsoft.com/office/drawing/2010/main" Requires="a14">
+          <p:sp>
+            <p:nvSpPr>
+              <p:cNvPr id="8" name="Rectangle 7"/>
+              <p:cNvSpPr>
+                <a:spLocks noChangeArrowheads="1"/>
+              </p:cNvSpPr>
+              <p:nvPr/>
+            </p:nvSpPr>
+            <p:spPr bwMode="auto">
+              <a:xfrm>
+                <a:off x="8004320" y="3413493"/>
+                <a:ext cx="1295400" cy="1188244"/>
+              </a:xfrm>
+              <a:prstGeom prst="rect">
+                <a:avLst/>
+              </a:prstGeom>
+              <a:solidFill>
+                <a:schemeClr val="accent1"/>
+              </a:solidFill>
+              <a:ln w="9525">
+                <a:solidFill>
+                  <a:schemeClr val="tx1"/>
+                </a:solidFill>
+                <a:miter lim="800000"/>
+                <a:headEnd/>
+                <a:tailEnd/>
+              </a:ln>
+              <a:effectLst/>
+            </p:spPr>
+            <p:txBody>
+              <a:bodyPr wrap="none"/>
+              <a:lstStyle/>
+              <a:p>
+                <a:pPr algn="ctr"/>
+                <a:r>
+                  <a:rPr lang="en-US" dirty="0"/>
+                  <a:t>Adv. </a:t>
+                </a:r>
+                <a14:m>
+                  <m:oMath xmlns:m="http://schemas.openxmlformats.org/officeDocument/2006/math">
+                    <m:r>
+                      <a:rPr lang="en-US" i="1" dirty="0" smtClean="0">
+                        <a:latin typeface="Cambria Math" panose="02040503050406030204" pitchFamily="18" charset="0"/>
+                      </a:rPr>
+                      <m:t>𝐴</m:t>
+                    </m:r>
+                  </m:oMath>
+                </a14:m>
+                <a:endParaRPr lang="en-US" dirty="0"/>
+              </a:p>
+            </p:txBody>
+          </p:sp>
+        </mc:Choice>
+        <mc:Fallback>
+          <p:sp>
+            <p:nvSpPr>
+              <p:cNvPr id="8" name="Rectangle 7"/>
+              <p:cNvSpPr>
+                <a:spLocks noRot="1" noChangeAspect="1" noMove="1" noResize="1" noEditPoints="1" noAdjustHandles="1" noChangeArrowheads="1" noChangeShapeType="1" noTextEdit="1"/>
+              </p:cNvSpPr>
+              <p:nvPr/>
+            </p:nvSpPr>
+            <p:spPr bwMode="auto">
+              <a:xfrm>
+                <a:off x="8004320" y="3413493"/>
+                <a:ext cx="1295400" cy="1188244"/>
+              </a:xfrm>
+              <a:prstGeom prst="rect">
+                <a:avLst/>
+              </a:prstGeom>
+              <a:blipFill>
+                <a:blip r:embed="rId3"/>
+                <a:stretch>
+                  <a:fillRect t="-2538"/>
+                </a:stretch>
+              </a:blipFill>
+              <a:ln w="9525">
+                <a:solidFill>
+                  <a:schemeClr val="tx1"/>
+                </a:solidFill>
+                <a:miter lim="800000"/>
+                <a:headEnd/>
+                <a:tailEnd/>
+              </a:ln>
+              <a:effectLst/>
+            </p:spPr>
+            <p:txBody>
+              <a:bodyPr/>
+              <a:lstStyle/>
+              <a:p>
+                <a:r>
+                  <a:rPr lang="ru-RU">
+                    <a:noFill/>
+                  </a:rPr>
+                  <a:t> </a:t>
+                </a:r>
+              </a:p>
+            </p:txBody>
+          </p:sp>
+        </mc:Fallback>
+      </mc:AlternateContent>
+      <p:grpSp>
+        <p:nvGrpSpPr>
+          <p:cNvPr id="9" name="Group 21"/>
+          <p:cNvGrpSpPr>
+            <a:grpSpLocks/>
+          </p:cNvGrpSpPr>
+          <p:nvPr/>
+        </p:nvGrpSpPr>
+        <p:grpSpPr bwMode="auto">
+          <a:xfrm>
+            <a:off x="4194320" y="3496836"/>
+            <a:ext cx="3810000" cy="403622"/>
+            <a:chOff x="1776" y="1783"/>
+            <a:chExt cx="2400" cy="339"/>
+          </a:xfrm>
+        </p:grpSpPr>
+        <p:sp>
+          <p:nvSpPr>
+            <p:cNvPr id="10" name="Line 10"/>
+            <p:cNvSpPr>
+              <a:spLocks noChangeShapeType="1"/>
+            </p:cNvSpPr>
+            <p:nvPr/>
+          </p:nvSpPr>
+          <p:spPr bwMode="auto">
+            <a:xfrm flipH="1">
+              <a:off x="1776" y="2122"/>
+              <a:ext cx="2400" cy="0"/>
+            </a:xfrm>
+            <a:prstGeom prst="line">
+              <a:avLst/>
+            </a:prstGeom>
+            <a:noFill/>
+            <a:ln w="38100" cmpd="sng">
+              <a:solidFill>
+                <a:schemeClr val="tx1"/>
+              </a:solidFill>
+              <a:round/>
+              <a:headEnd/>
+              <a:tailEnd type="triangle" w="med" len="med"/>
+            </a:ln>
+            <a:effectLst/>
+          </p:spPr>
+          <p:txBody>
+            <a:bodyPr/>
+            <a:lstStyle/>
+            <a:p>
+              <a:endParaRPr lang="en-US"/>
+            </a:p>
+          </p:txBody>
+        </p:sp>
+        <mc:AlternateContent xmlns:mc="http://schemas.openxmlformats.org/markup-compatibility/2006" xmlns:a14="http://schemas.microsoft.com/office/drawing/2010/main">
+          <mc:Choice Requires="a14">
+            <p:sp>
+              <p:nvSpPr>
+                <p:cNvPr id="11" name="Text Box 11"/>
+                <p:cNvSpPr txBox="1">
+                  <a:spLocks noChangeArrowheads="1"/>
+                </p:cNvSpPr>
+                <p:nvPr/>
+              </p:nvSpPr>
+              <p:spPr bwMode="auto">
+                <a:xfrm>
+                  <a:off x="1968" y="1783"/>
+                  <a:ext cx="2134" cy="336"/>
+                </a:xfrm>
+                <a:prstGeom prst="rect">
+                  <a:avLst/>
+                </a:prstGeom>
+                <a:noFill/>
+                <a:ln w="9525">
+                  <a:noFill/>
+                  <a:miter lim="800000"/>
+                  <a:headEnd/>
+                  <a:tailEnd/>
+                </a:ln>
+                <a:effectLst/>
+              </p:spPr>
+              <p:txBody>
+                <a:bodyPr wrap="none">
+                  <a:spAutoFit/>
+                </a:bodyPr>
+                <a:lstStyle/>
+                <a:p>
+                  <a:pPr/>
+                  <a14:m>
+                    <m:oMathPara xmlns:m="http://schemas.openxmlformats.org/officeDocument/2006/math">
+                      <m:oMathParaPr>
+                        <m:jc m:val="centerGroup"/>
+                      </m:oMathParaPr>
+                      <m:oMath xmlns:m="http://schemas.openxmlformats.org/officeDocument/2006/math">
+                        <m:r>
+                          <a:rPr lang="en-US" sz="2000" i="1" dirty="0" smtClean="0">
+                            <a:latin typeface="Cambria Math" panose="02040503050406030204" pitchFamily="18" charset="0"/>
+                          </a:rPr>
+                          <m:t>𝑚</m:t>
+                        </m:r>
+                        <m:r>
+                          <a:rPr lang="en-US" sz="2000" i="1" baseline="-25000" dirty="0">
+                            <a:latin typeface="Cambria Math" panose="02040503050406030204" pitchFamily="18" charset="0"/>
+                          </a:rPr>
+                          <m:t>0</m:t>
+                        </m:r>
+                        <m:r>
+                          <a:rPr lang="en-US" sz="2000" i="1" dirty="0">
+                            <a:latin typeface="Cambria Math" panose="02040503050406030204" pitchFamily="18" charset="0"/>
+                          </a:rPr>
+                          <m:t> , </m:t>
+                        </m:r>
+                        <m:r>
+                          <a:rPr lang="en-US" sz="2000" i="1" dirty="0">
+                            <a:latin typeface="Cambria Math" panose="02040503050406030204" pitchFamily="18" charset="0"/>
+                          </a:rPr>
+                          <m:t>𝑚</m:t>
+                        </m:r>
+                        <m:r>
+                          <a:rPr lang="en-US" sz="2000" i="1" baseline="-25000" dirty="0">
+                            <a:latin typeface="Cambria Math" panose="02040503050406030204" pitchFamily="18" charset="0"/>
+                          </a:rPr>
+                          <m:t>1  </m:t>
+                        </m:r>
+                        <m:r>
+                          <a:rPr lang="en-US" sz="2000" i="1" dirty="0">
+                            <a:latin typeface="Cambria Math" panose="02040503050406030204" pitchFamily="18" charset="0"/>
+                            <a:sym typeface="Symbol" pitchFamily="18" charset="2"/>
+                          </a:rPr>
+                          <m:t> </m:t>
+                        </m:r>
+                        <m:r>
+                          <a:rPr lang="en-US" sz="2000" i="1" dirty="0">
+                            <a:latin typeface="Cambria Math" panose="02040503050406030204" pitchFamily="18" charset="0"/>
+                            <a:sym typeface="Symbol" pitchFamily="18" charset="2"/>
+                          </a:rPr>
+                          <m:t>𝑀</m:t>
+                        </m:r>
+                        <m:r>
+                          <a:rPr lang="en-US" sz="2000" i="1" dirty="0">
+                            <a:latin typeface="Cambria Math" panose="02040503050406030204" pitchFamily="18" charset="0"/>
+                            <a:sym typeface="Symbol" pitchFamily="18" charset="2"/>
+                          </a:rPr>
+                          <m:t> :    |</m:t>
+                        </m:r>
+                        <m:r>
+                          <a:rPr lang="en-US" sz="2000" i="1" dirty="0">
+                            <a:latin typeface="Cambria Math" panose="02040503050406030204" pitchFamily="18" charset="0"/>
+                            <a:sym typeface="Symbol" pitchFamily="18" charset="2"/>
+                          </a:rPr>
+                          <m:t>𝑚</m:t>
+                        </m:r>
+                        <m:r>
+                          <a:rPr lang="en-US" sz="2000" i="1" baseline="-25000" dirty="0">
+                            <a:latin typeface="Cambria Math" panose="02040503050406030204" pitchFamily="18" charset="0"/>
+                            <a:sym typeface="Symbol" pitchFamily="18" charset="2"/>
+                          </a:rPr>
+                          <m:t>0</m:t>
+                        </m:r>
+                        <m:r>
+                          <a:rPr lang="en-US" sz="2000" i="1" dirty="0">
+                            <a:latin typeface="Cambria Math" panose="02040503050406030204" pitchFamily="18" charset="0"/>
+                            <a:sym typeface="Symbol" pitchFamily="18" charset="2"/>
+                          </a:rPr>
+                          <m:t>| = |</m:t>
+                        </m:r>
+                        <m:r>
+                          <a:rPr lang="en-US" sz="2000" i="1" dirty="0">
+                            <a:latin typeface="Cambria Math" panose="02040503050406030204" pitchFamily="18" charset="0"/>
+                            <a:sym typeface="Symbol" pitchFamily="18" charset="2"/>
+                          </a:rPr>
+                          <m:t>𝑚</m:t>
+                        </m:r>
+                        <m:r>
+                          <a:rPr lang="en-US" sz="2000" i="1" baseline="-25000" dirty="0">
+                            <a:latin typeface="Cambria Math" panose="02040503050406030204" pitchFamily="18" charset="0"/>
+                            <a:sym typeface="Symbol" pitchFamily="18" charset="2"/>
+                          </a:rPr>
+                          <m:t>1</m:t>
+                        </m:r>
+                        <m:r>
+                          <a:rPr lang="en-US" sz="2000" i="1" dirty="0">
+                            <a:latin typeface="Cambria Math" panose="02040503050406030204" pitchFamily="18" charset="0"/>
+                            <a:sym typeface="Symbol" pitchFamily="18" charset="2"/>
+                          </a:rPr>
+                          <m:t>|</m:t>
+                        </m:r>
+                      </m:oMath>
+                    </m:oMathPara>
+                  </a14:m>
+                  <a:endParaRPr lang="en-US" sz="2000" dirty="0">
+                    <a:sym typeface="Symbol" pitchFamily="18" charset="2"/>
+                  </a:endParaRPr>
+                </a:p>
+              </p:txBody>
+            </p:sp>
+          </mc:Choice>
+          <mc:Fallback xmlns="">
+            <p:sp>
+              <p:nvSpPr>
+                <p:cNvPr id="14" name="Text Box 11"/>
+                <p:cNvSpPr txBox="1">
+                  <a:spLocks noRot="1" noChangeAspect="1" noMove="1" noResize="1" noEditPoints="1" noAdjustHandles="1" noChangeArrowheads="1" noChangeShapeType="1" noTextEdit="1"/>
+                </p:cNvSpPr>
+                <p:nvPr/>
+              </p:nvSpPr>
+              <p:spPr bwMode="auto">
+                <a:xfrm>
+                  <a:off x="1968" y="1783"/>
+                  <a:ext cx="2134" cy="336"/>
+                </a:xfrm>
+                <a:prstGeom prst="rect">
+                  <a:avLst/>
+                </a:prstGeom>
+                <a:blipFill>
+                  <a:blip r:embed="rId6"/>
+                  <a:stretch>
+                    <a:fillRect b="-13636"/>
+                  </a:stretch>
+                </a:blipFill>
+                <a:ln w="9525">
+                  <a:noFill/>
+                  <a:miter lim="800000"/>
+                  <a:headEnd/>
+                  <a:tailEnd/>
+                </a:ln>
+                <a:effectLst/>
+              </p:spPr>
+              <p:txBody>
+                <a:bodyPr/>
+                <a:lstStyle/>
+                <a:p>
+                  <a:r>
+                    <a:rPr lang="ru-RU">
+                      <a:noFill/>
+                    </a:rPr>
+                    <a:t> </a:t>
+                  </a:r>
+                </a:p>
+              </p:txBody>
+            </p:sp>
+          </mc:Fallback>
+        </mc:AlternateContent>
+      </p:grpSp>
+      <p:grpSp>
+        <p:nvGrpSpPr>
+          <p:cNvPr id="12" name="Group 22"/>
+          <p:cNvGrpSpPr>
+            <a:grpSpLocks/>
+          </p:cNvGrpSpPr>
+          <p:nvPr/>
+        </p:nvGrpSpPr>
+        <p:grpSpPr bwMode="auto">
+          <a:xfrm>
+            <a:off x="8613922" y="4601735"/>
+            <a:ext cx="1570038" cy="678656"/>
+            <a:chOff x="4560" y="2842"/>
+            <a:chExt cx="989" cy="570"/>
+          </a:xfrm>
+        </p:grpSpPr>
+        <p:sp>
+          <p:nvSpPr>
+            <p:cNvPr id="13" name="Line 16"/>
+            <p:cNvSpPr>
+              <a:spLocks noChangeShapeType="1"/>
+            </p:cNvSpPr>
+            <p:nvPr/>
+          </p:nvSpPr>
+          <p:spPr bwMode="auto">
+            <a:xfrm>
+              <a:off x="4560" y="2842"/>
+              <a:ext cx="0" cy="480"/>
+            </a:xfrm>
+            <a:prstGeom prst="line">
+              <a:avLst/>
+            </a:prstGeom>
+            <a:noFill/>
+            <a:ln w="9525">
+              <a:solidFill>
+                <a:schemeClr val="tx1"/>
+              </a:solidFill>
+              <a:round/>
+              <a:headEnd/>
+              <a:tailEnd type="triangle" w="med" len="med"/>
+            </a:ln>
+            <a:effectLst/>
+          </p:spPr>
+          <p:txBody>
+            <a:bodyPr/>
+            <a:lstStyle/>
+            <a:p>
+              <a:endParaRPr lang="en-US"/>
+            </a:p>
+          </p:txBody>
+        </p:sp>
+        <mc:AlternateContent xmlns:mc="http://schemas.openxmlformats.org/markup-compatibility/2006" xmlns:a14="http://schemas.microsoft.com/office/drawing/2010/main">
+          <mc:Choice Requires="a14">
+            <p:sp>
+              <p:nvSpPr>
+                <p:cNvPr id="14" name="Text Box 17"/>
+                <p:cNvSpPr txBox="1">
+                  <a:spLocks noChangeArrowheads="1"/>
+                </p:cNvSpPr>
+                <p:nvPr/>
+              </p:nvSpPr>
+              <p:spPr bwMode="auto">
+                <a:xfrm>
+                  <a:off x="4568" y="3024"/>
+                  <a:ext cx="981" cy="388"/>
+                </a:xfrm>
+                <a:prstGeom prst="rect">
+                  <a:avLst/>
+                </a:prstGeom>
+                <a:noFill/>
+                <a:ln w="9525">
+                  <a:noFill/>
+                  <a:miter lim="800000"/>
+                  <a:headEnd/>
+                  <a:tailEnd/>
+                </a:ln>
+                <a:effectLst/>
+              </p:spPr>
+              <p:txBody>
+                <a:bodyPr wrap="none">
+                  <a:spAutoFit/>
+                </a:bodyPr>
+                <a:lstStyle/>
+                <a:p>
+                  <a:pPr/>
+                  <a14:m>
+                    <m:oMathPara xmlns:m="http://schemas.openxmlformats.org/officeDocument/2006/math">
+                      <m:oMathParaPr>
+                        <m:jc m:val="centerGroup"/>
+                      </m:oMathParaPr>
+                      <m:oMath xmlns:m="http://schemas.openxmlformats.org/officeDocument/2006/math">
+                        <m:r>
+                          <a:rPr lang="en-US" sz="2400" i="1" dirty="0" smtClean="0">
+                            <a:latin typeface="Cambria Math" panose="02040503050406030204" pitchFamily="18" charset="0"/>
+                          </a:rPr>
+                          <m:t>𝑏</m:t>
+                        </m:r>
+                        <m:r>
+                          <a:rPr lang="en-US" sz="2400" i="1" dirty="0" smtClean="0">
+                            <a:latin typeface="Cambria Math" panose="02040503050406030204" pitchFamily="18" charset="0"/>
+                          </a:rPr>
+                          <m:t>’∈ {0,1}</m:t>
+                        </m:r>
+                      </m:oMath>
+                    </m:oMathPara>
+                  </a14:m>
+                  <a:endParaRPr lang="en-US" sz="2400" dirty="0"/>
+                </a:p>
+              </p:txBody>
+            </p:sp>
+          </mc:Choice>
+          <mc:Fallback xmlns="">
+            <p:sp>
+              <p:nvSpPr>
+                <p:cNvPr id="20" name="Text Box 17"/>
+                <p:cNvSpPr txBox="1">
+                  <a:spLocks noRot="1" noChangeAspect="1" noMove="1" noResize="1" noEditPoints="1" noAdjustHandles="1" noChangeArrowheads="1" noChangeShapeType="1" noTextEdit="1"/>
+                </p:cNvSpPr>
+                <p:nvPr/>
+              </p:nvSpPr>
+              <p:spPr bwMode="auto">
+                <a:xfrm>
+                  <a:off x="4568" y="3024"/>
+                  <a:ext cx="981" cy="388"/>
+                </a:xfrm>
+                <a:prstGeom prst="rect">
+                  <a:avLst/>
+                </a:prstGeom>
+                <a:blipFill>
+                  <a:blip r:embed="rId7"/>
+                  <a:stretch>
+                    <a:fillRect r="-781" b="-17105"/>
+                  </a:stretch>
+                </a:blipFill>
+                <a:ln w="9525">
+                  <a:noFill/>
+                  <a:miter lim="800000"/>
+                  <a:headEnd/>
+                  <a:tailEnd/>
+                </a:ln>
+                <a:effectLst/>
+              </p:spPr>
+              <p:txBody>
+                <a:bodyPr/>
+                <a:lstStyle/>
+                <a:p>
+                  <a:r>
+                    <a:rPr lang="ru-RU">
+                      <a:noFill/>
+                    </a:rPr>
+                    <a:t> </a:t>
+                  </a:r>
+                </a:p>
+              </p:txBody>
+            </p:sp>
+          </mc:Fallback>
+        </mc:AlternateContent>
+      </p:grpSp>
+      <p:sp>
+        <p:nvSpPr>
+          <p:cNvPr id="15" name="Rectangle 18"/>
+          <p:cNvSpPr>
+            <a:spLocks noChangeArrowheads="1"/>
+          </p:cNvSpPr>
+          <p:nvPr/>
+        </p:nvSpPr>
+        <p:spPr bwMode="auto">
+          <a:xfrm>
+            <a:off x="2182960" y="3184892"/>
+            <a:ext cx="7924800" cy="1588294"/>
+          </a:xfrm>
+          <a:prstGeom prst="rect">
+            <a:avLst/>
+          </a:prstGeom>
+          <a:noFill/>
+          <a:ln w="38100">
+            <a:solidFill>
+              <a:schemeClr val="folHlink"/>
+            </a:solidFill>
+            <a:miter lim="800000"/>
+            <a:headEnd/>
+            <a:tailEnd/>
+          </a:ln>
+          <a:effectLst/>
+        </p:spPr>
+        <p:txBody>
+          <a:bodyPr wrap="none" anchor="ctr"/>
+          <a:lstStyle/>
+          <a:p>
+            <a:endParaRPr lang="en-US"/>
+          </a:p>
+        </p:txBody>
+      </p:sp>
+      <mc:AlternateContent xmlns:mc="http://schemas.openxmlformats.org/markup-compatibility/2006">
+        <mc:Choice xmlns:a14="http://schemas.microsoft.com/office/drawing/2010/main" Requires="a14">
+          <p:sp>
+            <p:nvSpPr>
+              <p:cNvPr id="16" name="Text Box 13"/>
+              <p:cNvSpPr txBox="1">
+                <a:spLocks noChangeArrowheads="1"/>
+              </p:cNvSpPr>
+              <p:nvPr/>
+            </p:nvSpPr>
+            <p:spPr bwMode="auto">
+              <a:xfrm>
+                <a:off x="3154115" y="3767475"/>
+                <a:ext cx="632609" cy="423129"/>
+              </a:xfrm>
+              <a:prstGeom prst="rect">
+                <a:avLst/>
+              </a:prstGeom>
+              <a:noFill/>
+              <a:ln w="9525">
+                <a:noFill/>
+                <a:miter lim="800000"/>
+                <a:headEnd/>
+                <a:tailEnd/>
+              </a:ln>
+              <a:effectLst/>
+            </p:spPr>
+            <p:txBody>
+              <a:bodyPr wrap="none">
+                <a:spAutoFit/>
+              </a:bodyPr>
+              <a:lstStyle/>
+              <a:p>
+                <a:r>
+                  <a:rPr lang="en-US" sz="1600" i="1" dirty="0" smtClean="0"/>
+                  <a:t>k</a:t>
+                </a:r>
+                <a14:m>
+                  <m:oMath xmlns:m="http://schemas.openxmlformats.org/officeDocument/2006/math">
+                    <m:groupChr>
+                      <m:groupChrPr>
+                        <m:chr m:val="←"/>
+                        <m:vertJc m:val="bot"/>
+                        <m:ctrlPr>
+                          <a:rPr lang="en-US" sz="1600" i="1">
+                            <a:latin typeface="Cambria Math" panose="02040503050406030204" pitchFamily="18" charset="0"/>
+                          </a:rPr>
+                        </m:ctrlPr>
+                      </m:groupChrPr>
+                      <m:e>
+                        <m:r>
+                          <m:rPr>
+                            <m:brk m:alnAt="2"/>
+                          </m:rPr>
+                          <a:rPr lang="en-US" sz="1600" i="1">
+                            <a:latin typeface="Cambria Math" panose="02040503050406030204" pitchFamily="18" charset="0"/>
+                          </a:rPr>
+                          <m:t>𝑅</m:t>
+                        </m:r>
+                      </m:e>
+                    </m:groupChr>
+                    <m:r>
+                      <a:rPr lang="en-US" sz="1600" b="0" i="1" smtClean="0">
+                        <a:latin typeface="Cambria Math" panose="02040503050406030204" pitchFamily="18" charset="0"/>
+                      </a:rPr>
+                      <m:t>𝐾</m:t>
+                    </m:r>
+                  </m:oMath>
+                </a14:m>
+                <a:endParaRPr lang="en-US" sz="1600" b="1" baseline="-25000" dirty="0">
+                  <a:cs typeface="Arial" charset="0"/>
+                  <a:sym typeface="Symbol" pitchFamily="18" charset="2"/>
+                </a:endParaRPr>
+              </a:p>
+            </p:txBody>
+          </p:sp>
+        </mc:Choice>
+        <mc:Fallback>
+          <p:sp>
+            <p:nvSpPr>
+              <p:cNvPr id="16" name="Text Box 13"/>
+              <p:cNvSpPr txBox="1">
+                <a:spLocks noRot="1" noChangeAspect="1" noMove="1" noResize="1" noEditPoints="1" noAdjustHandles="1" noChangeArrowheads="1" noChangeShapeType="1" noTextEdit="1"/>
+              </p:cNvSpPr>
+              <p:nvPr/>
+            </p:nvSpPr>
+            <p:spPr bwMode="auto">
+              <a:xfrm>
+                <a:off x="3154115" y="3767475"/>
+                <a:ext cx="632609" cy="423129"/>
+              </a:xfrm>
+              <a:prstGeom prst="rect">
+                <a:avLst/>
+              </a:prstGeom>
+              <a:blipFill>
+                <a:blip r:embed="rId8"/>
+                <a:stretch>
+                  <a:fillRect l="-4808" r="-27885" b="-44928"/>
+                </a:stretch>
+              </a:blipFill>
+              <a:ln w="9525">
+                <a:noFill/>
+                <a:miter lim="800000"/>
+                <a:headEnd/>
+                <a:tailEnd/>
+              </a:ln>
+              <a:effectLst/>
+            </p:spPr>
+            <p:txBody>
+              <a:bodyPr/>
+              <a:lstStyle/>
+              <a:p>
+                <a:r>
+                  <a:rPr lang="ru-RU">
+                    <a:noFill/>
+                  </a:rPr>
+                  <a:t> </a:t>
+                </a:r>
+              </a:p>
+            </p:txBody>
+          </p:sp>
+        </mc:Fallback>
+      </mc:AlternateContent>
+      <p:grpSp>
+        <p:nvGrpSpPr>
+          <p:cNvPr id="17" name="Group 20"/>
+          <p:cNvGrpSpPr>
+            <a:grpSpLocks/>
+          </p:cNvGrpSpPr>
+          <p:nvPr/>
+        </p:nvGrpSpPr>
+        <p:grpSpPr bwMode="auto">
+          <a:xfrm>
+            <a:off x="4194320" y="3911180"/>
+            <a:ext cx="3733800" cy="506017"/>
+            <a:chOff x="1776" y="2015"/>
+            <a:chExt cx="2352" cy="425"/>
+          </a:xfrm>
+        </p:grpSpPr>
+        <p:sp>
+          <p:nvSpPr>
+            <p:cNvPr id="18" name="Line 13"/>
+            <p:cNvSpPr>
+              <a:spLocks noChangeShapeType="1"/>
+            </p:cNvSpPr>
+            <p:nvPr/>
+          </p:nvSpPr>
+          <p:spPr bwMode="auto">
+            <a:xfrm>
+              <a:off x="1776" y="2410"/>
+              <a:ext cx="2352" cy="0"/>
+            </a:xfrm>
+            <a:prstGeom prst="line">
+              <a:avLst/>
+            </a:prstGeom>
+            <a:noFill/>
+            <a:ln w="38100" cmpd="sng">
+              <a:solidFill>
+                <a:schemeClr val="tx1"/>
+              </a:solidFill>
+              <a:round/>
+              <a:headEnd/>
+              <a:tailEnd type="triangle" w="med" len="med"/>
+            </a:ln>
+            <a:effectLst/>
+          </p:spPr>
+          <p:txBody>
+            <a:bodyPr/>
+            <a:lstStyle/>
+            <a:p>
+              <a:endParaRPr lang="en-US"/>
+            </a:p>
+          </p:txBody>
+        </p:sp>
+        <mc:AlternateContent xmlns:mc="http://schemas.openxmlformats.org/markup-compatibility/2006">
+          <mc:Choice xmlns:a14="http://schemas.microsoft.com/office/drawing/2010/main" Requires="a14">
+            <p:sp>
+              <p:nvSpPr>
+                <p:cNvPr id="19" name="Text Box 14"/>
+                <p:cNvSpPr txBox="1">
+                  <a:spLocks noChangeArrowheads="1"/>
+                </p:cNvSpPr>
+                <p:nvPr/>
+              </p:nvSpPr>
+              <p:spPr bwMode="auto">
+                <a:xfrm>
+                  <a:off x="2461" y="2015"/>
+                  <a:ext cx="981" cy="425"/>
+                </a:xfrm>
+                <a:prstGeom prst="rect">
+                  <a:avLst/>
+                </a:prstGeom>
+                <a:noFill/>
+                <a:ln w="9525">
+                  <a:noFill/>
+                  <a:miter lim="800000"/>
+                  <a:headEnd/>
+                  <a:tailEnd/>
+                </a:ln>
+                <a:effectLst/>
+              </p:spPr>
+              <p:txBody>
+                <a:bodyPr wrap="none">
+                  <a:spAutoFit/>
+                </a:bodyPr>
+                <a:lstStyle/>
+                <a:p>
+                  <a14:m>
+                    <m:oMath xmlns:m="http://schemas.openxmlformats.org/officeDocument/2006/math">
+                      <m:r>
+                        <m:rPr>
+                          <m:nor/>
+                        </m:rPr>
+                        <a:rPr lang="en-US" sz="2000" dirty="0"/>
+                        <m:t>c</m:t>
+                      </m:r>
+                      <m:groupChr>
+                        <m:groupChrPr>
+                          <m:chr m:val="←"/>
+                          <m:vertJc m:val="bot"/>
+                          <m:ctrlPr>
+                            <a:rPr lang="en-US" sz="2000" i="1">
+                              <a:latin typeface="Cambria Math" panose="02040503050406030204" pitchFamily="18" charset="0"/>
+                            </a:rPr>
+                          </m:ctrlPr>
+                        </m:groupChrPr>
+                        <m:e>
+                          <m:r>
+                            <m:rPr>
+                              <m:brk m:alnAt="2"/>
+                            </m:rPr>
+                            <a:rPr lang="en-US" sz="2000" i="1">
+                              <a:latin typeface="Cambria Math" panose="02040503050406030204" pitchFamily="18" charset="0"/>
+                            </a:rPr>
+                            <m:t>𝑅</m:t>
+                          </m:r>
+                        </m:e>
+                      </m:groupChr>
+                      <m:r>
+                        <a:rPr lang="en-US" sz="2000" i="1">
+                          <a:latin typeface="Cambria Math" panose="02040503050406030204" pitchFamily="18" charset="0"/>
+                        </a:rPr>
+                        <m:t>𝐸</m:t>
+                      </m:r>
+                      <m:r>
+                        <a:rPr lang="en-US" sz="2000" i="1" dirty="0">
+                          <a:latin typeface="Cambria Math" panose="02040503050406030204" pitchFamily="18" charset="0"/>
+                        </a:rPr>
+                        <m:t>(</m:t>
+                      </m:r>
+                      <m:r>
+                        <a:rPr lang="en-US" sz="2000" i="1" dirty="0">
+                          <a:latin typeface="Cambria Math" panose="02040503050406030204" pitchFamily="18" charset="0"/>
+                        </a:rPr>
+                        <m:t>𝑘</m:t>
+                      </m:r>
+                      <m:r>
+                        <a:rPr lang="en-US" sz="2000" b="0" i="1" dirty="0">
+                          <a:latin typeface="Cambria Math" panose="02040503050406030204" pitchFamily="18" charset="0"/>
+                        </a:rPr>
+                        <m:t>, </m:t>
+                      </m:r>
+                      <m:r>
+                        <a:rPr lang="en-US" sz="2400" b="0" i="1" dirty="0" err="1">
+                          <a:latin typeface="Cambria Math" panose="02040503050406030204" pitchFamily="18" charset="0"/>
+                        </a:rPr>
+                        <m:t>𝑚</m:t>
+                      </m:r>
+                      <m:r>
+                        <a:rPr lang="en-US" sz="2400" b="0" i="1" baseline="-25000" dirty="0" err="1">
+                          <a:latin typeface="Cambria Math" panose="02040503050406030204" pitchFamily="18" charset="0"/>
+                        </a:rPr>
+                        <m:t>𝑏</m:t>
+                      </m:r>
+                    </m:oMath>
+                  </a14:m>
+                  <a:r>
+                    <a:rPr lang="en-US" sz="2000" dirty="0" smtClean="0"/>
+                    <a:t>)</a:t>
+                  </a:r>
+                  <a:endParaRPr lang="en-US" sz="2000" dirty="0"/>
+                </a:p>
+              </p:txBody>
+            </p:sp>
+          </mc:Choice>
+          <mc:Fallback>
+            <p:sp>
+              <p:nvSpPr>
+                <p:cNvPr id="19" name="Text Box 14"/>
+                <p:cNvSpPr txBox="1">
+                  <a:spLocks noRot="1" noChangeAspect="1" noMove="1" noResize="1" noEditPoints="1" noAdjustHandles="1" noChangeArrowheads="1" noChangeShapeType="1" noTextEdit="1"/>
+                </p:cNvSpPr>
+                <p:nvPr/>
+              </p:nvSpPr>
+              <p:spPr bwMode="auto">
+                <a:xfrm>
+                  <a:off x="2461" y="2015"/>
+                  <a:ext cx="981" cy="425"/>
+                </a:xfrm>
+                <a:prstGeom prst="rect">
+                  <a:avLst/>
+                </a:prstGeom>
+                <a:blipFill>
+                  <a:blip r:embed="rId9"/>
+                  <a:stretch>
+                    <a:fillRect r="-3906" b="-20482"/>
+                  </a:stretch>
+                </a:blipFill>
+                <a:ln w="9525">
+                  <a:noFill/>
+                  <a:miter lim="800000"/>
+                  <a:headEnd/>
+                  <a:tailEnd/>
+                </a:ln>
+                <a:effectLst/>
+              </p:spPr>
+              <p:txBody>
+                <a:bodyPr/>
+                <a:lstStyle/>
+                <a:p>
+                  <a:r>
+                    <a:rPr lang="ru-RU">
+                      <a:noFill/>
+                    </a:rPr>
+                    <a:t> </a:t>
+                  </a:r>
+                </a:p>
+              </p:txBody>
+            </p:sp>
+          </mc:Fallback>
+        </mc:AlternateContent>
+      </p:grpSp>
+      <mc:AlternateContent xmlns:mc="http://schemas.openxmlformats.org/markup-compatibility/2006">
+        <mc:Choice xmlns:a14="http://schemas.microsoft.com/office/drawing/2010/main" Requires="a14">
+          <p:sp>
+            <p:nvSpPr>
+              <p:cNvPr id="20" name="Text Box 17"/>
+              <p:cNvSpPr txBox="1">
+                <a:spLocks noChangeArrowheads="1"/>
+              </p:cNvSpPr>
+              <p:nvPr/>
+            </p:nvSpPr>
+            <p:spPr bwMode="auto">
+              <a:xfrm>
+                <a:off x="3415651" y="2687212"/>
+                <a:ext cx="1557338" cy="461962"/>
+              </a:xfrm>
+              <a:prstGeom prst="rect">
+                <a:avLst/>
+              </a:prstGeom>
+              <a:noFill/>
+              <a:ln w="9525">
+                <a:noFill/>
+                <a:miter lim="800000"/>
+                <a:headEnd/>
+                <a:tailEnd/>
+              </a:ln>
+              <a:effectLst/>
+            </p:spPr>
+            <p:txBody>
+              <a:bodyPr wrap="none">
+                <a:spAutoFit/>
+              </a:bodyPr>
+              <a:lstStyle/>
+              <a:p>
+                <a:pPr/>
+                <a14:m>
+                  <m:oMathPara xmlns:m="http://schemas.openxmlformats.org/officeDocument/2006/math">
+                    <m:oMathParaPr>
+                      <m:jc m:val="centerGroup"/>
+                    </m:oMathParaPr>
+                    <m:oMath xmlns:m="http://schemas.openxmlformats.org/officeDocument/2006/math">
+                      <m:r>
+                        <a:rPr lang="en-US" sz="2400" i="1" dirty="0" smtClean="0">
+                          <a:latin typeface="Cambria Math" panose="02040503050406030204" pitchFamily="18" charset="0"/>
+                        </a:rPr>
+                        <m:t>𝑏</m:t>
+                      </m:r>
+                      <m:r>
+                        <a:rPr lang="en-US" sz="2400" i="1" dirty="0" smtClean="0">
+                          <a:latin typeface="Cambria Math" panose="02040503050406030204" pitchFamily="18" charset="0"/>
+                        </a:rPr>
+                        <m:t>’∈ {0</m:t>
+                      </m:r>
+                      <m:r>
+                        <a:rPr lang="en-US" sz="2400" i="1" dirty="0" smtClean="0">
+                          <a:latin typeface="Cambria Math" panose="02040503050406030204" pitchFamily="18" charset="0"/>
+                        </a:rPr>
+                        <m:t>,1}</m:t>
+                      </m:r>
+                    </m:oMath>
+                  </m:oMathPara>
+                </a14:m>
+                <a:endParaRPr lang="en-US" sz="2400" dirty="0"/>
+              </a:p>
+            </p:txBody>
+          </p:sp>
+        </mc:Choice>
+        <mc:Fallback>
+          <p:sp>
+            <p:nvSpPr>
+              <p:cNvPr id="20" name="Text Box 17"/>
+              <p:cNvSpPr txBox="1">
+                <a:spLocks noRot="1" noChangeAspect="1" noMove="1" noResize="1" noEditPoints="1" noAdjustHandles="1" noChangeArrowheads="1" noChangeShapeType="1" noTextEdit="1"/>
+              </p:cNvSpPr>
+              <p:nvPr/>
+            </p:nvSpPr>
+            <p:spPr bwMode="auto">
+              <a:xfrm>
+                <a:off x="3415651" y="2687212"/>
+                <a:ext cx="1557338" cy="461962"/>
+              </a:xfrm>
+              <a:prstGeom prst="rect">
+                <a:avLst/>
+              </a:prstGeom>
+              <a:blipFill>
+                <a:blip r:embed="rId10"/>
+                <a:stretch>
+                  <a:fillRect r="-781" b="-17105"/>
+                </a:stretch>
+              </a:blipFill>
+              <a:ln w="9525">
+                <a:noFill/>
+                <a:miter lim="800000"/>
+                <a:headEnd/>
+                <a:tailEnd/>
+              </a:ln>
+              <a:effectLst/>
+            </p:spPr>
+            <p:txBody>
+              <a:bodyPr/>
+              <a:lstStyle/>
+              <a:p>
+                <a:r>
+                  <a:rPr lang="ru-RU">
+                    <a:noFill/>
+                  </a:rPr>
+                  <a:t> </a:t>
+                </a:r>
+              </a:p>
+            </p:txBody>
+          </p:sp>
+        </mc:Fallback>
+      </mc:AlternateContent>
+    </p:spTree>
+    <p:extLst>
+      <p:ext uri="{BB962C8B-B14F-4D97-AF65-F5344CB8AC3E}">
+        <p14:creationId xmlns:p14="http://schemas.microsoft.com/office/powerpoint/2010/main" val="1687741959"/>
+      </p:ext>
+    </p:extLst>
+  </p:cSld>
+  <p:clrMapOvr>
+    <a:masterClrMapping/>
+  </p:clrMapOvr>
+</p:sld>
+</file>
+
+<file path=ppt/slides/slide15.xml><?xml version="1.0" encoding="utf-8"?>
+<p:sld xmlns:a="http://schemas.openxmlformats.org/drawingml/2006/main" xmlns:r="http://schemas.openxmlformats.org/officeDocument/2006/relationships" xmlns:p="http://schemas.openxmlformats.org/presentationml/2006/main">
+  <p:cSld>
+    <p:spTree>
+      <p:nvGrpSpPr>
+        <p:cNvPr id="1" name=""/>
+        <p:cNvGrpSpPr/>
+        <p:nvPr/>
+      </p:nvGrpSpPr>
+      <p:grpSpPr>
+        <a:xfrm>
+          <a:off x="0" y="0"/>
+          <a:ext cx="0" cy="0"/>
+          <a:chOff x="0" y="0"/>
+          <a:chExt cx="0" cy="0"/>
+        </a:xfrm>
+      </p:grpSpPr>
+      <p:sp>
+        <p:nvSpPr>
+          <p:cNvPr id="2" name="Заголовок 1"/>
+          <p:cNvSpPr>
+            <a:spLocks noGrp="1"/>
+          </p:cNvSpPr>
+          <p:nvPr>
+            <p:ph type="title"/>
+          </p:nvPr>
+        </p:nvSpPr>
+        <p:spPr/>
+        <p:txBody>
+          <a:bodyPr/>
+          <a:lstStyle/>
+          <a:p>
+            <a:r>
+              <a:rPr lang="ru-RU" dirty="0" smtClean="0"/>
               <a:t>Параметр стойкости</a:t>
             </a:r>
             <a:endParaRPr lang="ru-RU" dirty="0"/>
@@ -9109,7 +10578,7 @@
           <a:p>
             <a:fld id="{8253DDDB-F8F7-4D64-A7FD-3F3D61C1949F}" type="slidenum">
               <a:rPr lang="ru-RU" smtClean="0"/>
-              <a:t>14</a:t>
+              <a:t>15</a:t>
             </a:fld>
             <a:endParaRPr lang="ru-RU"/>
           </a:p>
@@ -9135,7 +10604,7 @@
 </p:sld>
 </file>
 
-<file path=ppt/slides/slide15.xml><?xml version="1.0" encoding="utf-8"?>
+<file path=ppt/slides/slide16.xml><?xml version="1.0" encoding="utf-8"?>
 <p:sld xmlns:a="http://schemas.openxmlformats.org/drawingml/2006/main" xmlns:r="http://schemas.openxmlformats.org/officeDocument/2006/relationships" xmlns:p="http://schemas.openxmlformats.org/presentationml/2006/main">
   <p:cSld>
     <p:spTree>
@@ -9327,7 +10796,7 @@
           <a:p>
             <a:fld id="{8253DDDB-F8F7-4D64-A7FD-3F3D61C1949F}" type="slidenum">
               <a:rPr lang="ru-RU" smtClean="0"/>
-              <a:t>15</a:t>
+              <a:t>16</a:t>
             </a:fld>
             <a:endParaRPr lang="ru-RU"/>
           </a:p>
@@ -9353,7 +10822,7 @@
 </p:sld>
 </file>
 
-<file path=ppt/slides/slide16.xml><?xml version="1.0" encoding="utf-8"?>
+<file path=ppt/slides/slide17.xml><?xml version="1.0" encoding="utf-8"?>
 <p:sld xmlns:a="http://schemas.openxmlformats.org/drawingml/2006/main" xmlns:r="http://schemas.openxmlformats.org/officeDocument/2006/relationships" xmlns:p="http://schemas.openxmlformats.org/presentationml/2006/main">
   <p:cSld>
     <p:spTree>
@@ -9392,8 +10861,8 @@
           </a:p>
         </p:txBody>
       </p:sp>
-      <mc:AlternateContent xmlns:mc="http://schemas.openxmlformats.org/markup-compatibility/2006">
-        <mc:Choice xmlns:a14="http://schemas.microsoft.com/office/drawing/2010/main" Requires="a14">
+      <mc:AlternateContent xmlns:mc="http://schemas.openxmlformats.org/markup-compatibility/2006" xmlns:a14="http://schemas.microsoft.com/office/drawing/2010/main">
+        <mc:Choice Requires="a14">
           <p:sp>
             <p:nvSpPr>
               <p:cNvPr id="3" name="Объект 2"/>
@@ -9599,11 +11068,7 @@
                 </a:r>
                 <a:r>
                   <a:rPr lang="ru-RU" dirty="0" smtClean="0"/>
-                  <a:t> </a:t>
-                </a:r>
-                <a:r>
-                  <a:rPr lang="ru-RU" dirty="0" smtClean="0"/>
-                  <a:t>единицах)</a:t>
+                  <a:t> единицах)</a:t>
                 </a:r>
                 <a:r>
                   <a:rPr lang="en-US" dirty="0" smtClean="0"/>
@@ -9745,7 +11210,7 @@
             </p:txBody>
           </p:sp>
         </mc:Choice>
-        <mc:Fallback>
+        <mc:Fallback xmlns="">
           <p:sp>
             <p:nvSpPr>
               <p:cNvPr id="3" name="Объект 2"/>
@@ -9796,7 +11261,7 @@
           <a:p>
             <a:fld id="{8253DDDB-F8F7-4D64-A7FD-3F3D61C1949F}" type="slidenum">
               <a:rPr lang="ru-RU" smtClean="0"/>
-              <a:t>16</a:t>
+              <a:t>17</a:t>
             </a:fld>
             <a:endParaRPr lang="ru-RU"/>
           </a:p>
@@ -9822,7 +11287,7 @@
 </p:sld>
 </file>
 
-<file path=ppt/slides/slide17.xml><?xml version="1.0" encoding="utf-8"?>
+<file path=ppt/slides/slide18.xml><?xml version="1.0" encoding="utf-8"?>
 <p:sld xmlns:a="http://schemas.openxmlformats.org/drawingml/2006/main" xmlns:r="http://schemas.openxmlformats.org/officeDocument/2006/relationships" xmlns:p="http://schemas.openxmlformats.org/presentationml/2006/main">
   <p:cSld>
     <p:spTree>
@@ -9943,7 +11408,7 @@
           <a:p>
             <a:fld id="{8253DDDB-F8F7-4D64-A7FD-3F3D61C1949F}" type="slidenum">
               <a:rPr lang="ru-RU" smtClean="0"/>
-              <a:t>17</a:t>
+              <a:t>18</a:t>
             </a:fld>
             <a:endParaRPr lang="ru-RU"/>
           </a:p>
@@ -9969,7 +11434,7 @@
 </p:sld>
 </file>
 
-<file path=ppt/slides/slide18.xml><?xml version="1.0" encoding="utf-8"?>
+<file path=ppt/slides/slide19.xml><?xml version="1.0" encoding="utf-8"?>
 <p:sld xmlns:a="http://schemas.openxmlformats.org/drawingml/2006/main" xmlns:r="http://schemas.openxmlformats.org/officeDocument/2006/relationships" xmlns:p="http://schemas.openxmlformats.org/presentationml/2006/main">
   <p:cSld>
     <p:spTree>
@@ -10030,7 +11495,7 @@
           <a:p>
             <a:fld id="{8253DDDB-F8F7-4D64-A7FD-3F3D61C1949F}" type="slidenum">
               <a:rPr lang="ru-RU" smtClean="0"/>
-              <a:t>18</a:t>
+              <a:t>19</a:t>
             </a:fld>
             <a:endParaRPr lang="ru-RU"/>
           </a:p>
@@ -11405,817 +12870,6 @@
     <p:extLst>
       <p:ext uri="{BB962C8B-B14F-4D97-AF65-F5344CB8AC3E}">
         <p14:creationId xmlns:p14="http://schemas.microsoft.com/office/powerpoint/2010/main" val="3800700157"/>
-      </p:ext>
-    </p:extLst>
-  </p:cSld>
-  <p:clrMapOvr>
-    <a:masterClrMapping/>
-  </p:clrMapOvr>
-  <p:timing>
-    <p:tnLst>
-      <p:par>
-        <p:cTn id="1" dur="indefinite" restart="never" nodeType="tmRoot"/>
-      </p:par>
-    </p:tnLst>
-  </p:timing>
-</p:sld>
-</file>
-
-<file path=ppt/slides/slide19.xml><?xml version="1.0" encoding="utf-8"?>
-<p:sld xmlns:a="http://schemas.openxmlformats.org/drawingml/2006/main" xmlns:r="http://schemas.openxmlformats.org/officeDocument/2006/relationships" xmlns:p="http://schemas.openxmlformats.org/presentationml/2006/main">
-  <p:cSld>
-    <p:spTree>
-      <p:nvGrpSpPr>
-        <p:cNvPr id="1" name=""/>
-        <p:cNvGrpSpPr/>
-        <p:nvPr/>
-      </p:nvGrpSpPr>
-      <p:grpSpPr>
-        <a:xfrm>
-          <a:off x="0" y="0"/>
-          <a:ext cx="0" cy="0"/>
-          <a:chOff x="0" y="0"/>
-          <a:chExt cx="0" cy="0"/>
-        </a:xfrm>
-      </p:grpSpPr>
-      <p:sp>
-        <p:nvSpPr>
-          <p:cNvPr id="2" name="Заголовок 1"/>
-          <p:cNvSpPr>
-            <a:spLocks noGrp="1"/>
-          </p:cNvSpPr>
-          <p:nvPr>
-            <p:ph type="title"/>
-          </p:nvPr>
-        </p:nvSpPr>
-        <p:spPr/>
-        <p:txBody>
-          <a:bodyPr/>
-          <a:lstStyle/>
-          <a:p>
-            <a:r>
-              <a:rPr lang="ru-RU" dirty="0" smtClean="0"/>
-              <a:t>Поточный шифр</a:t>
-            </a:r>
-            <a:endParaRPr lang="ru-RU" dirty="0"/>
-          </a:p>
-        </p:txBody>
-      </p:sp>
-      <mc:AlternateContent xmlns:mc="http://schemas.openxmlformats.org/markup-compatibility/2006" xmlns:a14="http://schemas.microsoft.com/office/drawing/2010/main">
-        <mc:Choice Requires="a14">
-          <p:sp>
-            <p:nvSpPr>
-              <p:cNvPr id="3" name="Объект 2"/>
-              <p:cNvSpPr>
-                <a:spLocks noGrp="1"/>
-              </p:cNvSpPr>
-              <p:nvPr>
-                <p:ph idx="1"/>
-              </p:nvPr>
-            </p:nvSpPr>
-            <p:spPr/>
-            <p:txBody>
-              <a:bodyPr>
-                <a:normAutofit fontScale="92500" lnSpcReduction="10000"/>
-              </a:bodyPr>
-              <a:lstStyle/>
-              <a:p>
-                <a:pPr marL="0" indent="0">
-                  <a:buNone/>
-                </a:pPr>
-                <a:r>
-                  <a:rPr lang="ru-RU" dirty="0" smtClean="0"/>
-                  <a:t>Эффективно вычислимая функция </a:t>
-                </a:r>
-                <a14:m>
-                  <m:oMath xmlns:m="http://schemas.openxmlformats.org/officeDocument/2006/math">
-                    <m:r>
-                      <a:rPr lang="en-US" b="0" i="1" smtClean="0">
-                        <a:latin typeface="Cambria Math" panose="02040503050406030204" pitchFamily="18" charset="0"/>
-                      </a:rPr>
-                      <m:t>𝐺</m:t>
-                    </m:r>
-                    <m:r>
-                      <a:rPr lang="en-US" b="0" i="1" smtClean="0">
-                        <a:latin typeface="Cambria Math" panose="02040503050406030204" pitchFamily="18" charset="0"/>
-                      </a:rPr>
-                      <m:t>:</m:t>
-                    </m:r>
-                    <m:r>
-                      <a:rPr lang="en-US" b="0" i="1" smtClean="0">
-                        <a:latin typeface="Cambria Math" panose="02040503050406030204" pitchFamily="18" charset="0"/>
-                      </a:rPr>
-                      <m:t>𝑆</m:t>
-                    </m:r>
-                    <m:r>
-                      <a:rPr lang="en-US" b="0" i="1" smtClean="0">
-                        <a:latin typeface="Cambria Math" panose="02040503050406030204" pitchFamily="18" charset="0"/>
-                      </a:rPr>
-                      <m:t>→</m:t>
-                    </m:r>
-                    <m:r>
-                      <a:rPr lang="en-US" b="0" i="1" smtClean="0">
-                        <a:latin typeface="Cambria Math" panose="02040503050406030204" pitchFamily="18" charset="0"/>
-                      </a:rPr>
-                      <m:t>𝑅</m:t>
-                    </m:r>
-                  </m:oMath>
-                </a14:m>
-                <a:r>
-                  <a:rPr lang="en-US" dirty="0" smtClean="0"/>
-                  <a:t> </a:t>
-                </a:r>
-                <a:r>
-                  <a:rPr lang="ru-RU" dirty="0" smtClean="0"/>
-                  <a:t>называется </a:t>
-                </a:r>
-                <a:r>
-                  <a:rPr lang="ru-RU" b="1" dirty="0" smtClean="0"/>
-                  <a:t>псевдослучайным генератором</a:t>
-                </a:r>
-                <a:r>
-                  <a:rPr lang="en-US" dirty="0" smtClean="0"/>
-                  <a:t> </a:t>
-                </a:r>
-                <a:r>
-                  <a:rPr lang="ru-RU" dirty="0" smtClean="0"/>
-                  <a:t>на </a:t>
-                </a:r>
-                <a14:m>
-                  <m:oMath xmlns:m="http://schemas.openxmlformats.org/officeDocument/2006/math">
-                    <m:r>
-                      <a:rPr lang="en-US" b="0" i="1" smtClean="0">
-                        <a:latin typeface="Cambria Math" panose="02040503050406030204" pitchFamily="18" charset="0"/>
-                      </a:rPr>
-                      <m:t>(</m:t>
-                    </m:r>
-                    <m:r>
-                      <a:rPr lang="en-US" b="0" i="1" smtClean="0">
-                        <a:latin typeface="Cambria Math" panose="02040503050406030204" pitchFamily="18" charset="0"/>
-                      </a:rPr>
-                      <m:t>𝑆</m:t>
-                    </m:r>
-                    <m:r>
-                      <a:rPr lang="en-US" b="0" i="1" smtClean="0">
-                        <a:latin typeface="Cambria Math" panose="02040503050406030204" pitchFamily="18" charset="0"/>
-                      </a:rPr>
-                      <m:t>,</m:t>
-                    </m:r>
-                    <m:r>
-                      <a:rPr lang="en-US" b="0" i="1" smtClean="0">
-                        <a:latin typeface="Cambria Math" panose="02040503050406030204" pitchFamily="18" charset="0"/>
-                      </a:rPr>
-                      <m:t>𝑅</m:t>
-                    </m:r>
-                    <m:r>
-                      <a:rPr lang="en-US" b="0" i="1" smtClean="0">
-                        <a:latin typeface="Cambria Math" panose="02040503050406030204" pitchFamily="18" charset="0"/>
-                      </a:rPr>
-                      <m:t>)</m:t>
-                    </m:r>
-                  </m:oMath>
-                </a14:m>
-                <a:r>
-                  <a:rPr lang="ru-RU" dirty="0" smtClean="0"/>
-                  <a:t> </a:t>
-                </a:r>
-                <a:r>
-                  <a:rPr lang="en-US" b="1" dirty="0" smtClean="0"/>
-                  <a:t>PRG</a:t>
-                </a:r>
-                <a:r>
-                  <a:rPr lang="ru-RU" dirty="0" smtClean="0"/>
-                  <a:t>.</a:t>
-                </a:r>
-              </a:p>
-              <a:p>
-                <a:pPr marL="0" indent="0">
-                  <a:buNone/>
-                </a:pPr>
-                <a:r>
-                  <a:rPr lang="ru-RU" dirty="0" smtClean="0"/>
-                  <a:t>Шифр </a:t>
-                </a:r>
-                <a14:m>
-                  <m:oMath xmlns:m="http://schemas.openxmlformats.org/officeDocument/2006/math">
-                    <m:r>
-                      <m:rPr>
-                        <m:sty m:val="p"/>
-                      </m:rPr>
-                      <a:rPr lang="ru-RU" b="0" i="0" smtClean="0">
-                        <a:latin typeface="Cambria Math" panose="02040503050406030204" pitchFamily="18" charset="0"/>
-                      </a:rPr>
-                      <m:t>Ε</m:t>
-                    </m:r>
-                    <m:r>
-                      <a:rPr lang="en-US" b="0" i="1" smtClean="0">
-                        <a:latin typeface="Cambria Math" panose="02040503050406030204" pitchFamily="18" charset="0"/>
-                      </a:rPr>
-                      <m:t>=</m:t>
-                    </m:r>
-                    <m:d>
-                      <m:dPr>
-                        <m:ctrlPr>
-                          <a:rPr lang="en-US" b="0" i="1" smtClean="0">
-                            <a:latin typeface="Cambria Math" panose="02040503050406030204" pitchFamily="18" charset="0"/>
-                          </a:rPr>
-                        </m:ctrlPr>
-                      </m:dPr>
-                      <m:e>
-                        <m:r>
-                          <a:rPr lang="en-US" b="0" i="1" smtClean="0">
-                            <a:latin typeface="Cambria Math" panose="02040503050406030204" pitchFamily="18" charset="0"/>
-                          </a:rPr>
-                          <m:t>𝐸</m:t>
-                        </m:r>
-                        <m:r>
-                          <a:rPr lang="en-US" b="0" i="1" smtClean="0">
-                            <a:latin typeface="Cambria Math" panose="02040503050406030204" pitchFamily="18" charset="0"/>
-                          </a:rPr>
-                          <m:t>,</m:t>
-                        </m:r>
-                        <m:r>
-                          <a:rPr lang="en-US" b="0" i="1" smtClean="0">
-                            <a:latin typeface="Cambria Math" panose="02040503050406030204" pitchFamily="18" charset="0"/>
-                          </a:rPr>
-                          <m:t>𝐷</m:t>
-                        </m:r>
-                      </m:e>
-                    </m:d>
-                  </m:oMath>
-                </a14:m>
-                <a:r>
-                  <a:rPr lang="ru-RU" dirty="0" smtClean="0"/>
-                  <a:t> с параметрам </a:t>
-                </a:r>
-                <a14:m>
-                  <m:oMath xmlns:m="http://schemas.openxmlformats.org/officeDocument/2006/math">
-                    <m:r>
-                      <a:rPr lang="ru-RU" b="0" i="1" smtClean="0">
-                        <a:latin typeface="Cambria Math" panose="02040503050406030204" pitchFamily="18" charset="0"/>
-                      </a:rPr>
-                      <m:t>(</m:t>
-                    </m:r>
-                    <m:r>
-                      <a:rPr lang="en-US" b="0" i="1" smtClean="0">
-                        <a:latin typeface="Cambria Math" panose="02040503050406030204" pitchFamily="18" charset="0"/>
-                      </a:rPr>
-                      <m:t>𝑙</m:t>
-                    </m:r>
-                    <m:r>
-                      <a:rPr lang="en-US" b="0" i="1" smtClean="0">
-                        <a:latin typeface="Cambria Math" panose="02040503050406030204" pitchFamily="18" charset="0"/>
-                      </a:rPr>
-                      <m:t>, </m:t>
-                    </m:r>
-                    <m:r>
-                      <a:rPr lang="en-US" b="0" i="1" smtClean="0">
-                        <a:latin typeface="Cambria Math" panose="02040503050406030204" pitchFamily="18" charset="0"/>
-                      </a:rPr>
-                      <m:t>𝐿</m:t>
-                    </m:r>
-                    <m:r>
-                      <a:rPr lang="ru-RU" b="0" i="1" smtClean="0">
-                        <a:latin typeface="Cambria Math" panose="02040503050406030204" pitchFamily="18" charset="0"/>
-                      </a:rPr>
-                      <m:t>)</m:t>
-                    </m:r>
-                  </m:oMath>
-                </a14:m>
-                <a:r>
-                  <a:rPr lang="ru-RU" dirty="0" smtClean="0"/>
-                  <a:t> на </a:t>
-                </a:r>
-                <a14:m>
-                  <m:oMath xmlns:m="http://schemas.openxmlformats.org/officeDocument/2006/math">
-                    <m:d>
-                      <m:dPr>
-                        <m:ctrlPr>
-                          <a:rPr lang="en-US" b="0" i="1" smtClean="0">
-                            <a:latin typeface="Cambria Math" panose="02040503050406030204" pitchFamily="18" charset="0"/>
-                          </a:rPr>
-                        </m:ctrlPr>
-                      </m:dPr>
-                      <m:e>
-                        <m:r>
-                          <a:rPr lang="en-US" b="0" i="1" smtClean="0">
-                            <a:latin typeface="Cambria Math" panose="02040503050406030204" pitchFamily="18" charset="0"/>
-                          </a:rPr>
-                          <m:t>𝐾</m:t>
-                        </m:r>
-                        <m:r>
-                          <a:rPr lang="en-US" b="0" i="1" smtClean="0">
-                            <a:latin typeface="Cambria Math" panose="02040503050406030204" pitchFamily="18" charset="0"/>
-                          </a:rPr>
-                          <m:t>,</m:t>
-                        </m:r>
-                        <m:r>
-                          <a:rPr lang="en-US" b="0" i="1" smtClean="0">
-                            <a:latin typeface="Cambria Math" panose="02040503050406030204" pitchFamily="18" charset="0"/>
-                          </a:rPr>
-                          <m:t>𝑀</m:t>
-                        </m:r>
-                        <m:r>
-                          <a:rPr lang="en-US" b="0" i="1" smtClean="0">
-                            <a:latin typeface="Cambria Math" panose="02040503050406030204" pitchFamily="18" charset="0"/>
-                          </a:rPr>
-                          <m:t>,</m:t>
-                        </m:r>
-                        <m:r>
-                          <a:rPr lang="en-US" b="0" i="1" smtClean="0">
-                            <a:latin typeface="Cambria Math" panose="02040503050406030204" pitchFamily="18" charset="0"/>
-                          </a:rPr>
-                          <m:t>𝐶</m:t>
-                        </m:r>
-                      </m:e>
-                    </m:d>
-                    <m:r>
-                      <a:rPr lang="en-US" b="0" i="1" smtClean="0">
-                        <a:latin typeface="Cambria Math" panose="02040503050406030204" pitchFamily="18" charset="0"/>
-                      </a:rPr>
-                      <m:t>:</m:t>
-                    </m:r>
-                    <m:r>
-                      <a:rPr lang="en-US" b="0" i="1" smtClean="0">
-                        <a:latin typeface="Cambria Math" panose="02040503050406030204" pitchFamily="18" charset="0"/>
-                      </a:rPr>
-                      <m:t>𝐾</m:t>
-                    </m:r>
-                    <m:r>
-                      <a:rPr lang="en-US" b="0" i="1" smtClean="0">
-                        <a:latin typeface="Cambria Math" panose="02040503050406030204" pitchFamily="18" charset="0"/>
-                      </a:rPr>
-                      <m:t>=</m:t>
-                    </m:r>
-                    <m:sSup>
-                      <m:sSupPr>
-                        <m:ctrlPr>
-                          <a:rPr lang="en-US" b="0" i="1" smtClean="0">
-                            <a:latin typeface="Cambria Math" panose="02040503050406030204" pitchFamily="18" charset="0"/>
-                          </a:rPr>
-                        </m:ctrlPr>
-                      </m:sSupPr>
-                      <m:e>
-                        <m:d>
-                          <m:dPr>
-                            <m:begChr m:val="{"/>
-                            <m:endChr m:val="}"/>
-                            <m:ctrlPr>
-                              <a:rPr lang="en-US" b="0" i="1" smtClean="0">
-                                <a:latin typeface="Cambria Math" panose="02040503050406030204" pitchFamily="18" charset="0"/>
-                              </a:rPr>
-                            </m:ctrlPr>
-                          </m:dPr>
-                          <m:e>
-                            <m:r>
-                              <a:rPr lang="en-US" b="0" i="1" smtClean="0">
-                                <a:latin typeface="Cambria Math" panose="02040503050406030204" pitchFamily="18" charset="0"/>
-                              </a:rPr>
-                              <m:t>0,1</m:t>
-                            </m:r>
-                          </m:e>
-                        </m:d>
-                      </m:e>
-                      <m:sup>
-                        <m:r>
-                          <a:rPr lang="en-US" b="0" i="1" smtClean="0">
-                            <a:latin typeface="Cambria Math" panose="02040503050406030204" pitchFamily="18" charset="0"/>
-                          </a:rPr>
-                          <m:t>𝑙</m:t>
-                        </m:r>
-                      </m:sup>
-                    </m:sSup>
-                    <m:r>
-                      <a:rPr lang="en-US" b="0" i="1" smtClean="0">
-                        <a:latin typeface="Cambria Math" panose="02040503050406030204" pitchFamily="18" charset="0"/>
-                      </a:rPr>
-                      <m:t>, </m:t>
-                    </m:r>
-                    <m:r>
-                      <a:rPr lang="en-US" b="0" i="1" smtClean="0">
-                        <a:latin typeface="Cambria Math" panose="02040503050406030204" pitchFamily="18" charset="0"/>
-                      </a:rPr>
-                      <m:t>𝑀</m:t>
-                    </m:r>
-                    <m:r>
-                      <a:rPr lang="en-US" b="0" i="1" smtClean="0">
-                        <a:latin typeface="Cambria Math" panose="02040503050406030204" pitchFamily="18" charset="0"/>
-                      </a:rPr>
-                      <m:t>=</m:t>
-                    </m:r>
-                    <m:r>
-                      <a:rPr lang="en-US" b="0" i="1" smtClean="0">
-                        <a:latin typeface="Cambria Math" panose="02040503050406030204" pitchFamily="18" charset="0"/>
-                      </a:rPr>
-                      <m:t>𝐶</m:t>
-                    </m:r>
-                    <m:r>
-                      <a:rPr lang="en-US" b="0" i="1" smtClean="0">
-                        <a:latin typeface="Cambria Math" panose="02040503050406030204" pitchFamily="18" charset="0"/>
-                      </a:rPr>
-                      <m:t>=</m:t>
-                    </m:r>
-                    <m:sSup>
-                      <m:sSupPr>
-                        <m:ctrlPr>
-                          <a:rPr lang="en-US" b="0" i="1" smtClean="0">
-                            <a:latin typeface="Cambria Math" panose="02040503050406030204" pitchFamily="18" charset="0"/>
-                          </a:rPr>
-                        </m:ctrlPr>
-                      </m:sSupPr>
-                      <m:e>
-                        <m:d>
-                          <m:dPr>
-                            <m:begChr m:val="{"/>
-                            <m:endChr m:val="}"/>
-                            <m:ctrlPr>
-                              <a:rPr lang="en-US" b="0" i="1" smtClean="0">
-                                <a:latin typeface="Cambria Math" panose="02040503050406030204" pitchFamily="18" charset="0"/>
-                              </a:rPr>
-                            </m:ctrlPr>
-                          </m:dPr>
-                          <m:e>
-                            <m:r>
-                              <a:rPr lang="en-US" b="0" i="1" smtClean="0">
-                                <a:latin typeface="Cambria Math" panose="02040503050406030204" pitchFamily="18" charset="0"/>
-                              </a:rPr>
-                              <m:t>0,1</m:t>
-                            </m:r>
-                          </m:e>
-                        </m:d>
-                      </m:e>
-                      <m:sup>
-                        <m:r>
-                          <a:rPr lang="en-US" b="0" i="1" smtClean="0">
-                            <a:latin typeface="Cambria Math" panose="02040503050406030204" pitchFamily="18" charset="0"/>
-                          </a:rPr>
-                          <m:t>𝐿</m:t>
-                        </m:r>
-                      </m:sup>
-                    </m:sSup>
-                  </m:oMath>
-                </a14:m>
-                <a:r>
-                  <a:rPr lang="ru-RU" dirty="0" smtClean="0"/>
-                  <a:t>, называется </a:t>
-                </a:r>
-                <a:r>
-                  <a:rPr lang="ru-RU" b="1" dirty="0" smtClean="0"/>
-                  <a:t>поточным шифром</a:t>
-                </a:r>
-                <a:r>
-                  <a:rPr lang="ru-RU" dirty="0" smtClean="0"/>
-                  <a:t>, если </a:t>
-                </a:r>
-              </a:p>
-              <a:p>
-                <a:pPr marL="0" indent="0" algn="ctr">
-                  <a:buNone/>
-                </a:pPr>
-                <a14:m>
-                  <m:oMath xmlns:m="http://schemas.openxmlformats.org/officeDocument/2006/math">
-                    <m:r>
-                      <a:rPr lang="en-US" b="0" i="1" smtClean="0">
-                        <a:latin typeface="Cambria Math" panose="02040503050406030204" pitchFamily="18" charset="0"/>
-                      </a:rPr>
-                      <m:t>𝐸</m:t>
-                    </m:r>
-                    <m:d>
-                      <m:dPr>
-                        <m:ctrlPr>
-                          <a:rPr lang="en-US" b="0" i="1" smtClean="0">
-                            <a:latin typeface="Cambria Math" panose="02040503050406030204" pitchFamily="18" charset="0"/>
-                          </a:rPr>
-                        </m:ctrlPr>
-                      </m:dPr>
-                      <m:e>
-                        <m:r>
-                          <a:rPr lang="en-US" b="0" i="1" smtClean="0">
-                            <a:latin typeface="Cambria Math" panose="02040503050406030204" pitchFamily="18" charset="0"/>
-                          </a:rPr>
-                          <m:t>𝑘</m:t>
-                        </m:r>
-                        <m:r>
-                          <a:rPr lang="en-US" b="0" i="1" smtClean="0">
-                            <a:latin typeface="Cambria Math" panose="02040503050406030204" pitchFamily="18" charset="0"/>
-                          </a:rPr>
-                          <m:t>,</m:t>
-                        </m:r>
-                        <m:r>
-                          <a:rPr lang="en-US" b="0" i="1" smtClean="0">
-                            <a:latin typeface="Cambria Math" panose="02040503050406030204" pitchFamily="18" charset="0"/>
-                          </a:rPr>
-                          <m:t>𝑚</m:t>
-                        </m:r>
-                      </m:e>
-                    </m:d>
-                    <m:r>
-                      <a:rPr lang="en-US" b="0" i="1" smtClean="0">
-                        <a:latin typeface="Cambria Math" panose="02040503050406030204" pitchFamily="18" charset="0"/>
-                      </a:rPr>
-                      <m:t>=</m:t>
-                    </m:r>
-                    <m:r>
-                      <a:rPr lang="en-US" b="0" i="1" smtClean="0">
-                        <a:latin typeface="Cambria Math" panose="02040503050406030204" pitchFamily="18" charset="0"/>
-                      </a:rPr>
-                      <m:t>𝐺</m:t>
-                    </m:r>
-                    <m:d>
-                      <m:dPr>
-                        <m:ctrlPr>
-                          <a:rPr lang="en-US" b="0" i="1" smtClean="0">
-                            <a:latin typeface="Cambria Math" panose="02040503050406030204" pitchFamily="18" charset="0"/>
-                          </a:rPr>
-                        </m:ctrlPr>
-                      </m:dPr>
-                      <m:e>
-                        <m:r>
-                          <a:rPr lang="en-US" b="0" i="1" smtClean="0">
-                            <a:latin typeface="Cambria Math" panose="02040503050406030204" pitchFamily="18" charset="0"/>
-                          </a:rPr>
-                          <m:t>𝑘</m:t>
-                        </m:r>
-                      </m:e>
-                    </m:d>
-                    <m:r>
-                      <a:rPr lang="en-US" b="0" i="1" smtClean="0">
-                        <a:latin typeface="Cambria Math" panose="02040503050406030204" pitchFamily="18" charset="0"/>
-                      </a:rPr>
-                      <m:t>⊕</m:t>
-                    </m:r>
-                    <m:r>
-                      <a:rPr lang="en-US" b="0" i="1" smtClean="0">
-                        <a:latin typeface="Cambria Math" panose="02040503050406030204" pitchFamily="18" charset="0"/>
-                      </a:rPr>
-                      <m:t>𝑚</m:t>
-                    </m:r>
-                    <m:r>
-                      <a:rPr lang="ru-RU" b="0" i="0" smtClean="0">
-                        <a:latin typeface="Cambria Math" panose="02040503050406030204" pitchFamily="18" charset="0"/>
-                      </a:rPr>
-                      <m:t>,</m:t>
-                    </m:r>
-                  </m:oMath>
-                </a14:m>
-                <a:r>
-                  <a:rPr lang="ru-RU" dirty="0" smtClean="0"/>
-                  <a:t> </a:t>
-                </a:r>
-              </a:p>
-              <a:p>
-                <a:pPr marL="0" indent="0">
-                  <a:buNone/>
-                </a:pPr>
-                <a:r>
-                  <a:rPr lang="ru-RU" dirty="0" smtClean="0"/>
-                  <a:t>где</a:t>
-                </a:r>
-                <a14:m>
-                  <m:oMath xmlns:m="http://schemas.openxmlformats.org/officeDocument/2006/math">
-                    <m:r>
-                      <a:rPr lang="ru-RU" b="0" i="0" smtClean="0">
-                        <a:latin typeface="Cambria Math" panose="02040503050406030204" pitchFamily="18" charset="0"/>
-                      </a:rPr>
-                      <m:t> </m:t>
-                    </m:r>
-                    <m:r>
-                      <a:rPr lang="en-US" i="1">
-                        <a:latin typeface="Cambria Math" panose="02040503050406030204" pitchFamily="18" charset="0"/>
-                      </a:rPr>
-                      <m:t>𝐺</m:t>
-                    </m:r>
-                    <m:r>
-                      <a:rPr lang="en-US" i="1">
-                        <a:latin typeface="Cambria Math" panose="02040503050406030204" pitchFamily="18" charset="0"/>
-                      </a:rPr>
-                      <m:t>:</m:t>
-                    </m:r>
-                    <m:sSup>
-                      <m:sSupPr>
-                        <m:ctrlPr>
-                          <a:rPr lang="en-US" i="1">
-                            <a:latin typeface="Cambria Math" panose="02040503050406030204" pitchFamily="18" charset="0"/>
-                          </a:rPr>
-                        </m:ctrlPr>
-                      </m:sSupPr>
-                      <m:e>
-                        <m:d>
-                          <m:dPr>
-                            <m:begChr m:val="{"/>
-                            <m:endChr m:val="}"/>
-                            <m:ctrlPr>
-                              <a:rPr lang="en-US" i="1">
-                                <a:latin typeface="Cambria Math" panose="02040503050406030204" pitchFamily="18" charset="0"/>
-                              </a:rPr>
-                            </m:ctrlPr>
-                          </m:dPr>
-                          <m:e>
-                            <m:r>
-                              <a:rPr lang="en-US" i="1">
-                                <a:latin typeface="Cambria Math" panose="02040503050406030204" pitchFamily="18" charset="0"/>
-                              </a:rPr>
-                              <m:t>0,1</m:t>
-                            </m:r>
-                          </m:e>
-                        </m:d>
-                      </m:e>
-                      <m:sup>
-                        <m:r>
-                          <a:rPr lang="en-US" i="1">
-                            <a:latin typeface="Cambria Math" panose="02040503050406030204" pitchFamily="18" charset="0"/>
-                          </a:rPr>
-                          <m:t>𝑙</m:t>
-                        </m:r>
-                      </m:sup>
-                    </m:sSup>
-                    <m:r>
-                      <a:rPr lang="en-US" i="1">
-                        <a:latin typeface="Cambria Math" panose="02040503050406030204" pitchFamily="18" charset="0"/>
-                      </a:rPr>
-                      <m:t>→</m:t>
-                    </m:r>
-                    <m:sSup>
-                      <m:sSupPr>
-                        <m:ctrlPr>
-                          <a:rPr lang="en-US" i="1">
-                            <a:latin typeface="Cambria Math" panose="02040503050406030204" pitchFamily="18" charset="0"/>
-                          </a:rPr>
-                        </m:ctrlPr>
-                      </m:sSupPr>
-                      <m:e>
-                        <m:d>
-                          <m:dPr>
-                            <m:begChr m:val="{"/>
-                            <m:endChr m:val="}"/>
-                            <m:ctrlPr>
-                              <a:rPr lang="en-US" i="1">
-                                <a:latin typeface="Cambria Math" panose="02040503050406030204" pitchFamily="18" charset="0"/>
-                              </a:rPr>
-                            </m:ctrlPr>
-                          </m:dPr>
-                          <m:e>
-                            <m:r>
-                              <a:rPr lang="en-US" i="1">
-                                <a:latin typeface="Cambria Math" panose="02040503050406030204" pitchFamily="18" charset="0"/>
-                              </a:rPr>
-                              <m:t>0,1</m:t>
-                            </m:r>
-                          </m:e>
-                        </m:d>
-                      </m:e>
-                      <m:sup>
-                        <m:r>
-                          <a:rPr lang="en-US" i="1">
-                            <a:latin typeface="Cambria Math" panose="02040503050406030204" pitchFamily="18" charset="0"/>
-                          </a:rPr>
-                          <m:t>𝐿</m:t>
-                        </m:r>
-                      </m:sup>
-                    </m:sSup>
-                  </m:oMath>
-                </a14:m>
-                <a:r>
-                  <a:rPr lang="en-US" dirty="0" smtClean="0"/>
-                  <a:t> - </a:t>
-                </a:r>
-                <a:r>
-                  <a:rPr lang="ru-RU" dirty="0" smtClean="0"/>
-                  <a:t>псевдослучайный генератор.</a:t>
-                </a:r>
-              </a:p>
-              <a:p>
-                <a:endParaRPr lang="ru-RU" dirty="0"/>
-              </a:p>
-              <a:p>
-                <a:pPr marL="0" indent="0">
-                  <a:buNone/>
-                </a:pPr>
-                <a:r>
-                  <a:rPr lang="ru-RU" dirty="0" smtClean="0"/>
-                  <a:t>Аналогично можно ввести Поточный шифр по произвольному модулю.</a:t>
-                </a:r>
-              </a:p>
-              <a:p>
-                <a:pPr marL="0" indent="0">
-                  <a:buNone/>
-                </a:pPr>
-                <a:endParaRPr lang="ru-RU" dirty="0"/>
-              </a:p>
-              <a:p>
-                <a:pPr marL="0" indent="0">
-                  <a:buNone/>
-                </a:pPr>
-                <a:r>
-                  <a:rPr lang="ru-RU" dirty="0" smtClean="0"/>
-                  <a:t>Стойкость поточного шифра сводится к «качеству» псевдослучайной последовательности </a:t>
-                </a:r>
-                <a14:m>
-                  <m:oMath xmlns:m="http://schemas.openxmlformats.org/officeDocument/2006/math">
-                    <m:r>
-                      <a:rPr lang="en-US" b="0" i="1" smtClean="0">
-                        <a:latin typeface="Cambria Math" panose="02040503050406030204" pitchFamily="18" charset="0"/>
-                      </a:rPr>
-                      <m:t>𝛾</m:t>
-                    </m:r>
-                    <m:r>
-                      <a:rPr lang="en-US" b="0" i="1" smtClean="0">
-                        <a:latin typeface="Cambria Math" panose="02040503050406030204" pitchFamily="18" charset="0"/>
-                      </a:rPr>
-                      <m:t>=</m:t>
-                    </m:r>
-                    <m:r>
-                      <a:rPr lang="en-US" b="0" i="1" smtClean="0">
-                        <a:latin typeface="Cambria Math" panose="02040503050406030204" pitchFamily="18" charset="0"/>
-                      </a:rPr>
-                      <m:t>𝐺</m:t>
-                    </m:r>
-                    <m:r>
-                      <a:rPr lang="en-US" b="0" i="1" smtClean="0">
-                        <a:latin typeface="Cambria Math" panose="02040503050406030204" pitchFamily="18" charset="0"/>
-                      </a:rPr>
-                      <m:t>(</m:t>
-                    </m:r>
-                    <m:r>
-                      <a:rPr lang="en-US" b="0" i="1" smtClean="0">
-                        <a:latin typeface="Cambria Math" panose="02040503050406030204" pitchFamily="18" charset="0"/>
-                      </a:rPr>
-                      <m:t>𝑘</m:t>
-                    </m:r>
-                    <m:r>
-                      <a:rPr lang="en-US" b="0" i="1" smtClean="0">
-                        <a:latin typeface="Cambria Math" panose="02040503050406030204" pitchFamily="18" charset="0"/>
-                      </a:rPr>
-                      <m:t>)</m:t>
-                    </m:r>
-                  </m:oMath>
-                </a14:m>
-                <a:endParaRPr lang="ru-RU" dirty="0"/>
-              </a:p>
-            </p:txBody>
-          </p:sp>
-        </mc:Choice>
-        <mc:Fallback xmlns="">
-          <p:sp>
-            <p:nvSpPr>
-              <p:cNvPr id="3" name="Объект 2"/>
-              <p:cNvSpPr>
-                <a:spLocks noGrp="1" noRot="1" noChangeAspect="1" noMove="1" noResize="1" noEditPoints="1" noAdjustHandles="1" noChangeArrowheads="1" noChangeShapeType="1" noTextEdit="1"/>
-              </p:cNvSpPr>
-              <p:nvPr>
-                <p:ph idx="1"/>
-              </p:nvPr>
-            </p:nvSpPr>
-            <p:spPr>
-              <a:blipFill>
-                <a:blip r:embed="rId2"/>
-                <a:stretch>
-                  <a:fillRect l="-928" t="-2661" b="-140"/>
-                </a:stretch>
-              </a:blipFill>
-            </p:spPr>
-            <p:txBody>
-              <a:bodyPr/>
-              <a:lstStyle/>
-              <a:p>
-                <a:r>
-                  <a:rPr lang="ru-RU">
-                    <a:noFill/>
-                  </a:rPr>
-                  <a:t> </a:t>
-                </a:r>
-              </a:p>
-            </p:txBody>
-          </p:sp>
-        </mc:Fallback>
-      </mc:AlternateContent>
-      <p:sp>
-        <p:nvSpPr>
-          <p:cNvPr id="4" name="Номер слайда 3"/>
-          <p:cNvSpPr>
-            <a:spLocks noGrp="1"/>
-          </p:cNvSpPr>
-          <p:nvPr>
-            <p:ph type="sldNum" sz="quarter" idx="12"/>
-          </p:nvPr>
-        </p:nvSpPr>
-        <p:spPr/>
-        <p:txBody>
-          <a:bodyPr/>
-          <a:lstStyle/>
-          <a:p>
-            <a:fld id="{8253DDDB-F8F7-4D64-A7FD-3F3D61C1949F}" type="slidenum">
-              <a:rPr lang="ru-RU" smtClean="0"/>
-              <a:t>19</a:t>
-            </a:fld>
-            <a:endParaRPr lang="ru-RU"/>
-          </a:p>
-        </p:txBody>
-      </p:sp>
-    </p:spTree>
-    <p:extLst>
-      <p:ext uri="{BB962C8B-B14F-4D97-AF65-F5344CB8AC3E}">
-        <p14:creationId xmlns:p14="http://schemas.microsoft.com/office/powerpoint/2010/main" val="1321474809"/>
       </p:ext>
     </p:extLst>
   </p:cSld>
@@ -13281,8 +13935,8 @@
           </a:p>
         </p:txBody>
       </p:sp>
-      <mc:AlternateContent xmlns:mc="http://schemas.openxmlformats.org/markup-compatibility/2006" xmlns:a14="http://schemas.microsoft.com/office/drawing/2010/main">
-        <mc:Choice Requires="a14">
+      <mc:AlternateContent xmlns:mc="http://schemas.openxmlformats.org/markup-compatibility/2006">
+        <mc:Choice xmlns:a14="http://schemas.microsoft.com/office/drawing/2010/main" Requires="a14">
           <p:sp>
             <p:nvSpPr>
               <p:cNvPr id="16" name="Text Box 13"/>
@@ -13315,7 +13969,7 @@
               <a:lstStyle/>
               <a:p>
                 <a:r>
-                  <a:rPr lang="en-US" sz="1600" dirty="0" smtClean="0"/>
+                  <a:rPr lang="en-US" sz="1600" i="1" dirty="0" smtClean="0"/>
                   <a:t>k</a:t>
                 </a:r>
                 <a14:m>
@@ -13358,7 +14012,7 @@
             </p:txBody>
           </p:sp>
         </mc:Choice>
-        <mc:Fallback xmlns="">
+        <mc:Fallback>
           <p:sp>
             <p:nvSpPr>
               <p:cNvPr id="16" name="Text Box 13"/>
@@ -13414,9 +14068,9 @@
         </p:nvGrpSpPr>
         <p:grpSpPr bwMode="auto">
           <a:xfrm>
-            <a:off x="4185527" y="2415389"/>
+            <a:off x="4185527" y="2372526"/>
             <a:ext cx="3733800" cy="506017"/>
-            <a:chOff x="1776" y="2051"/>
+            <a:chOff x="1776" y="2015"/>
             <a:chExt cx="2352" cy="425"/>
           </a:xfrm>
         </p:grpSpPr>
@@ -13455,8 +14109,8 @@
             </a:p>
           </p:txBody>
         </p:sp>
-        <mc:AlternateContent xmlns:mc="http://schemas.openxmlformats.org/markup-compatibility/2006" xmlns:a14="http://schemas.microsoft.com/office/drawing/2010/main">
-          <mc:Choice Requires="a14">
+        <mc:AlternateContent xmlns:mc="http://schemas.openxmlformats.org/markup-compatibility/2006">
+          <mc:Choice xmlns:a14="http://schemas.microsoft.com/office/drawing/2010/main" Requires="a14">
             <p:sp>
               <p:nvSpPr>
                 <p:cNvPr id="19" name="Text Box 14"/>
@@ -13467,7 +14121,7 @@
               </p:nvSpPr>
               <p:spPr bwMode="auto">
                 <a:xfrm>
-                  <a:off x="2448" y="2051"/>
+                  <a:off x="2461" y="2015"/>
                   <a:ext cx="981" cy="425"/>
                 </a:xfrm>
                 <a:prstGeom prst="rect">
@@ -13566,10 +14220,10 @@
               </p:txBody>
             </p:sp>
           </mc:Choice>
-          <mc:Fallback xmlns="">
+          <mc:Fallback>
             <p:sp>
               <p:nvSpPr>
-                <p:cNvPr id="25" name="Text Box 14"/>
+                <p:cNvPr id="19" name="Text Box 14"/>
                 <p:cNvSpPr txBox="1">
                   <a:spLocks noRot="1" noChangeAspect="1" noMove="1" noResize="1" noEditPoints="1" noAdjustHandles="1" noChangeArrowheads="1" noChangeShapeType="1" noTextEdit="1"/>
                 </p:cNvSpPr>
@@ -13577,7 +14231,7 @@
               </p:nvSpPr>
               <p:spPr bwMode="auto">
                 <a:xfrm>
-                  <a:off x="2448" y="2051"/>
+                  <a:off x="2461" y="2015"/>
                   <a:ext cx="981" cy="425"/>
                 </a:xfrm>
                 <a:prstGeom prst="rect">
@@ -13586,7 +14240,7 @@
                 <a:blipFill>
                   <a:blip r:embed="rId9"/>
                   <a:stretch>
-                    <a:fillRect r="-3906" b="-20482"/>
+                    <a:fillRect r="-3922" b="-20482"/>
                   </a:stretch>
                 </a:blipFill>
                 <a:ln w="9525">
@@ -13613,6 +14267,118 @@
           </mc:Fallback>
         </mc:AlternateContent>
       </p:grpSp>
+      <mc:AlternateContent xmlns:mc="http://schemas.openxmlformats.org/markup-compatibility/2006">
+        <mc:Choice xmlns:a14="http://schemas.microsoft.com/office/drawing/2010/main" Requires="a14">
+          <p:sp>
+            <p:nvSpPr>
+              <p:cNvPr id="20" name="Text Box 17"/>
+              <p:cNvSpPr txBox="1">
+                <a:spLocks noChangeArrowheads="1"/>
+              </p:cNvSpPr>
+              <p:nvPr/>
+            </p:nvSpPr>
+            <p:spPr bwMode="auto">
+              <a:xfrm>
+                <a:off x="3330658" y="1209616"/>
+                <a:ext cx="1557338" cy="461962"/>
+              </a:xfrm>
+              <a:prstGeom prst="rect">
+                <a:avLst/>
+              </a:prstGeom>
+              <a:noFill/>
+              <a:ln w="9525">
+                <a:noFill/>
+                <a:miter lim="800000"/>
+                <a:headEnd/>
+                <a:tailEnd/>
+              </a:ln>
+              <a:effectLst/>
+            </p:spPr>
+            <p:txBody>
+              <a:bodyPr wrap="none">
+                <a:spAutoFit/>
+              </a:bodyPr>
+              <a:lstStyle/>
+              <a:p>
+                <a:pPr/>
+                <a14:m>
+                  <m:oMathPara xmlns:m="http://schemas.openxmlformats.org/officeDocument/2006/math">
+                    <m:oMathParaPr>
+                      <m:jc m:val="centerGroup"/>
+                    </m:oMathParaPr>
+                    <m:oMath xmlns:m="http://schemas.openxmlformats.org/officeDocument/2006/math">
+                      <m:r>
+                        <a:rPr lang="en-US" sz="2400" i="1" dirty="0" smtClean="0">
+                          <a:latin typeface="Cambria Math" panose="02040503050406030204" pitchFamily="18" charset="0"/>
+                        </a:rPr>
+                        <m:t>𝑏</m:t>
+                      </m:r>
+                      <m:r>
+                        <a:rPr lang="en-US" sz="2400" i="1" dirty="0" smtClean="0">
+                          <a:latin typeface="Cambria Math" panose="02040503050406030204" pitchFamily="18" charset="0"/>
+                        </a:rPr>
+                        <m:t>’∈ {0</m:t>
+                      </m:r>
+                      <m:r>
+                        <a:rPr lang="en-US" sz="2400" i="1" dirty="0" smtClean="0">
+                          <a:latin typeface="Cambria Math" panose="02040503050406030204" pitchFamily="18" charset="0"/>
+                        </a:rPr>
+                        <m:t>,1}</m:t>
+                      </m:r>
+                    </m:oMath>
+                  </m:oMathPara>
+                </a14:m>
+                <a:endParaRPr lang="en-US" sz="2400" dirty="0"/>
+              </a:p>
+            </p:txBody>
+          </p:sp>
+        </mc:Choice>
+        <mc:Fallback>
+          <p:sp>
+            <p:nvSpPr>
+              <p:cNvPr id="20" name="Text Box 17"/>
+              <p:cNvSpPr txBox="1">
+                <a:spLocks noRot="1" noChangeAspect="1" noMove="1" noResize="1" noEditPoints="1" noAdjustHandles="1" noChangeArrowheads="1" noChangeShapeType="1" noTextEdit="1"/>
+              </p:cNvSpPr>
+              <p:nvPr/>
+            </p:nvSpPr>
+            <p:spPr bwMode="auto">
+              <a:xfrm>
+                <a:off x="3330658" y="1209616"/>
+                <a:ext cx="1557338" cy="461962"/>
+              </a:xfrm>
+              <a:prstGeom prst="rect">
+                <a:avLst/>
+              </a:prstGeom>
+              <a:blipFill>
+                <a:blip r:embed="rId10"/>
+                <a:stretch>
+                  <a:fillRect r="-781" b="-17105"/>
+                </a:stretch>
+              </a:blipFill>
+              <a:ln w="9525">
+                <a:noFill/>
+                <a:miter lim="800000"/>
+                <a:headEnd/>
+                <a:tailEnd/>
+              </a:ln>
+              <a:effectLst/>
+            </p:spPr>
+            <p:txBody>
+              <a:bodyPr/>
+              <a:lstStyle/>
+              <a:p>
+                <a:r>
+                  <a:rPr lang="ru-RU">
+                    <a:noFill/>
+                  </a:rPr>
+                  <a:t> </a:t>
+                </a:r>
+              </a:p>
+            </p:txBody>
+          </p:sp>
+        </mc:Fallback>
+      </mc:AlternateContent>
     </p:spTree>
     <p:extLst>
       <p:ext uri="{BB962C8B-B14F-4D97-AF65-F5344CB8AC3E}">
@@ -13634,6 +14400,817 @@
 </file>
 
 <file path=ppt/slides/slide20.xml><?xml version="1.0" encoding="utf-8"?>
+<p:sld xmlns:a="http://schemas.openxmlformats.org/drawingml/2006/main" xmlns:r="http://schemas.openxmlformats.org/officeDocument/2006/relationships" xmlns:p="http://schemas.openxmlformats.org/presentationml/2006/main">
+  <p:cSld>
+    <p:spTree>
+      <p:nvGrpSpPr>
+        <p:cNvPr id="1" name=""/>
+        <p:cNvGrpSpPr/>
+        <p:nvPr/>
+      </p:nvGrpSpPr>
+      <p:grpSpPr>
+        <a:xfrm>
+          <a:off x="0" y="0"/>
+          <a:ext cx="0" cy="0"/>
+          <a:chOff x="0" y="0"/>
+          <a:chExt cx="0" cy="0"/>
+        </a:xfrm>
+      </p:grpSpPr>
+      <p:sp>
+        <p:nvSpPr>
+          <p:cNvPr id="2" name="Заголовок 1"/>
+          <p:cNvSpPr>
+            <a:spLocks noGrp="1"/>
+          </p:cNvSpPr>
+          <p:nvPr>
+            <p:ph type="title"/>
+          </p:nvPr>
+        </p:nvSpPr>
+        <p:spPr/>
+        <p:txBody>
+          <a:bodyPr/>
+          <a:lstStyle/>
+          <a:p>
+            <a:r>
+              <a:rPr lang="ru-RU" dirty="0" smtClean="0"/>
+              <a:t>Поточный шифр</a:t>
+            </a:r>
+            <a:endParaRPr lang="ru-RU" dirty="0"/>
+          </a:p>
+        </p:txBody>
+      </p:sp>
+      <mc:AlternateContent xmlns:mc="http://schemas.openxmlformats.org/markup-compatibility/2006" xmlns:a14="http://schemas.microsoft.com/office/drawing/2010/main">
+        <mc:Choice Requires="a14">
+          <p:sp>
+            <p:nvSpPr>
+              <p:cNvPr id="3" name="Объект 2"/>
+              <p:cNvSpPr>
+                <a:spLocks noGrp="1"/>
+              </p:cNvSpPr>
+              <p:nvPr>
+                <p:ph idx="1"/>
+              </p:nvPr>
+            </p:nvSpPr>
+            <p:spPr/>
+            <p:txBody>
+              <a:bodyPr>
+                <a:normAutofit fontScale="92500" lnSpcReduction="10000"/>
+              </a:bodyPr>
+              <a:lstStyle/>
+              <a:p>
+                <a:pPr marL="0" indent="0">
+                  <a:buNone/>
+                </a:pPr>
+                <a:r>
+                  <a:rPr lang="ru-RU" dirty="0" smtClean="0"/>
+                  <a:t>Эффективно вычислимая функция </a:t>
+                </a:r>
+                <a14:m>
+                  <m:oMath xmlns:m="http://schemas.openxmlformats.org/officeDocument/2006/math">
+                    <m:r>
+                      <a:rPr lang="en-US" b="0" i="1" smtClean="0">
+                        <a:latin typeface="Cambria Math" panose="02040503050406030204" pitchFamily="18" charset="0"/>
+                      </a:rPr>
+                      <m:t>𝐺</m:t>
+                    </m:r>
+                    <m:r>
+                      <a:rPr lang="en-US" b="0" i="1" smtClean="0">
+                        <a:latin typeface="Cambria Math" panose="02040503050406030204" pitchFamily="18" charset="0"/>
+                      </a:rPr>
+                      <m:t>:</m:t>
+                    </m:r>
+                    <m:r>
+                      <a:rPr lang="en-US" b="0" i="1" smtClean="0">
+                        <a:latin typeface="Cambria Math" panose="02040503050406030204" pitchFamily="18" charset="0"/>
+                      </a:rPr>
+                      <m:t>𝑆</m:t>
+                    </m:r>
+                    <m:r>
+                      <a:rPr lang="en-US" b="0" i="1" smtClean="0">
+                        <a:latin typeface="Cambria Math" panose="02040503050406030204" pitchFamily="18" charset="0"/>
+                      </a:rPr>
+                      <m:t>→</m:t>
+                    </m:r>
+                    <m:r>
+                      <a:rPr lang="en-US" b="0" i="1" smtClean="0">
+                        <a:latin typeface="Cambria Math" panose="02040503050406030204" pitchFamily="18" charset="0"/>
+                      </a:rPr>
+                      <m:t>𝑅</m:t>
+                    </m:r>
+                  </m:oMath>
+                </a14:m>
+                <a:r>
+                  <a:rPr lang="en-US" dirty="0" smtClean="0"/>
+                  <a:t> </a:t>
+                </a:r>
+                <a:r>
+                  <a:rPr lang="ru-RU" dirty="0" smtClean="0"/>
+                  <a:t>называется </a:t>
+                </a:r>
+                <a:r>
+                  <a:rPr lang="ru-RU" b="1" dirty="0" smtClean="0"/>
+                  <a:t>псевдослучайным генератором</a:t>
+                </a:r>
+                <a:r>
+                  <a:rPr lang="en-US" dirty="0" smtClean="0"/>
+                  <a:t> </a:t>
+                </a:r>
+                <a:r>
+                  <a:rPr lang="ru-RU" dirty="0" smtClean="0"/>
+                  <a:t>на </a:t>
+                </a:r>
+                <a14:m>
+                  <m:oMath xmlns:m="http://schemas.openxmlformats.org/officeDocument/2006/math">
+                    <m:r>
+                      <a:rPr lang="en-US" b="0" i="1" smtClean="0">
+                        <a:latin typeface="Cambria Math" panose="02040503050406030204" pitchFamily="18" charset="0"/>
+                      </a:rPr>
+                      <m:t>(</m:t>
+                    </m:r>
+                    <m:r>
+                      <a:rPr lang="en-US" b="0" i="1" smtClean="0">
+                        <a:latin typeface="Cambria Math" panose="02040503050406030204" pitchFamily="18" charset="0"/>
+                      </a:rPr>
+                      <m:t>𝑆</m:t>
+                    </m:r>
+                    <m:r>
+                      <a:rPr lang="en-US" b="0" i="1" smtClean="0">
+                        <a:latin typeface="Cambria Math" panose="02040503050406030204" pitchFamily="18" charset="0"/>
+                      </a:rPr>
+                      <m:t>,</m:t>
+                    </m:r>
+                    <m:r>
+                      <a:rPr lang="en-US" b="0" i="1" smtClean="0">
+                        <a:latin typeface="Cambria Math" panose="02040503050406030204" pitchFamily="18" charset="0"/>
+                      </a:rPr>
+                      <m:t>𝑅</m:t>
+                    </m:r>
+                    <m:r>
+                      <a:rPr lang="en-US" b="0" i="1" smtClean="0">
+                        <a:latin typeface="Cambria Math" panose="02040503050406030204" pitchFamily="18" charset="0"/>
+                      </a:rPr>
+                      <m:t>)</m:t>
+                    </m:r>
+                  </m:oMath>
+                </a14:m>
+                <a:r>
+                  <a:rPr lang="ru-RU" dirty="0" smtClean="0"/>
+                  <a:t> </a:t>
+                </a:r>
+                <a:r>
+                  <a:rPr lang="en-US" b="1" dirty="0" smtClean="0"/>
+                  <a:t>PRG</a:t>
+                </a:r>
+                <a:r>
+                  <a:rPr lang="ru-RU" dirty="0" smtClean="0"/>
+                  <a:t>.</a:t>
+                </a:r>
+              </a:p>
+              <a:p>
+                <a:pPr marL="0" indent="0">
+                  <a:buNone/>
+                </a:pPr>
+                <a:r>
+                  <a:rPr lang="ru-RU" dirty="0" smtClean="0"/>
+                  <a:t>Шифр </a:t>
+                </a:r>
+                <a14:m>
+                  <m:oMath xmlns:m="http://schemas.openxmlformats.org/officeDocument/2006/math">
+                    <m:r>
+                      <m:rPr>
+                        <m:sty m:val="p"/>
+                      </m:rPr>
+                      <a:rPr lang="ru-RU" b="0" i="0" smtClean="0">
+                        <a:latin typeface="Cambria Math" panose="02040503050406030204" pitchFamily="18" charset="0"/>
+                      </a:rPr>
+                      <m:t>Ε</m:t>
+                    </m:r>
+                    <m:r>
+                      <a:rPr lang="en-US" b="0" i="1" smtClean="0">
+                        <a:latin typeface="Cambria Math" panose="02040503050406030204" pitchFamily="18" charset="0"/>
+                      </a:rPr>
+                      <m:t>=</m:t>
+                    </m:r>
+                    <m:d>
+                      <m:dPr>
+                        <m:ctrlPr>
+                          <a:rPr lang="en-US" b="0" i="1" smtClean="0">
+                            <a:latin typeface="Cambria Math" panose="02040503050406030204" pitchFamily="18" charset="0"/>
+                          </a:rPr>
+                        </m:ctrlPr>
+                      </m:dPr>
+                      <m:e>
+                        <m:r>
+                          <a:rPr lang="en-US" b="0" i="1" smtClean="0">
+                            <a:latin typeface="Cambria Math" panose="02040503050406030204" pitchFamily="18" charset="0"/>
+                          </a:rPr>
+                          <m:t>𝐸</m:t>
+                        </m:r>
+                        <m:r>
+                          <a:rPr lang="en-US" b="0" i="1" smtClean="0">
+                            <a:latin typeface="Cambria Math" panose="02040503050406030204" pitchFamily="18" charset="0"/>
+                          </a:rPr>
+                          <m:t>,</m:t>
+                        </m:r>
+                        <m:r>
+                          <a:rPr lang="en-US" b="0" i="1" smtClean="0">
+                            <a:latin typeface="Cambria Math" panose="02040503050406030204" pitchFamily="18" charset="0"/>
+                          </a:rPr>
+                          <m:t>𝐷</m:t>
+                        </m:r>
+                      </m:e>
+                    </m:d>
+                  </m:oMath>
+                </a14:m>
+                <a:r>
+                  <a:rPr lang="ru-RU" dirty="0" smtClean="0"/>
+                  <a:t> с параметрам </a:t>
+                </a:r>
+                <a14:m>
+                  <m:oMath xmlns:m="http://schemas.openxmlformats.org/officeDocument/2006/math">
+                    <m:r>
+                      <a:rPr lang="ru-RU" b="0" i="1" smtClean="0">
+                        <a:latin typeface="Cambria Math" panose="02040503050406030204" pitchFamily="18" charset="0"/>
+                      </a:rPr>
+                      <m:t>(</m:t>
+                    </m:r>
+                    <m:r>
+                      <a:rPr lang="en-US" b="0" i="1" smtClean="0">
+                        <a:latin typeface="Cambria Math" panose="02040503050406030204" pitchFamily="18" charset="0"/>
+                      </a:rPr>
+                      <m:t>𝑙</m:t>
+                    </m:r>
+                    <m:r>
+                      <a:rPr lang="en-US" b="0" i="1" smtClean="0">
+                        <a:latin typeface="Cambria Math" panose="02040503050406030204" pitchFamily="18" charset="0"/>
+                      </a:rPr>
+                      <m:t>, </m:t>
+                    </m:r>
+                    <m:r>
+                      <a:rPr lang="en-US" b="0" i="1" smtClean="0">
+                        <a:latin typeface="Cambria Math" panose="02040503050406030204" pitchFamily="18" charset="0"/>
+                      </a:rPr>
+                      <m:t>𝐿</m:t>
+                    </m:r>
+                    <m:r>
+                      <a:rPr lang="ru-RU" b="0" i="1" smtClean="0">
+                        <a:latin typeface="Cambria Math" panose="02040503050406030204" pitchFamily="18" charset="0"/>
+                      </a:rPr>
+                      <m:t>)</m:t>
+                    </m:r>
+                  </m:oMath>
+                </a14:m>
+                <a:r>
+                  <a:rPr lang="ru-RU" dirty="0" smtClean="0"/>
+                  <a:t> на </a:t>
+                </a:r>
+                <a14:m>
+                  <m:oMath xmlns:m="http://schemas.openxmlformats.org/officeDocument/2006/math">
+                    <m:d>
+                      <m:dPr>
+                        <m:ctrlPr>
+                          <a:rPr lang="en-US" b="0" i="1" smtClean="0">
+                            <a:latin typeface="Cambria Math" panose="02040503050406030204" pitchFamily="18" charset="0"/>
+                          </a:rPr>
+                        </m:ctrlPr>
+                      </m:dPr>
+                      <m:e>
+                        <m:r>
+                          <a:rPr lang="en-US" b="0" i="1" smtClean="0">
+                            <a:latin typeface="Cambria Math" panose="02040503050406030204" pitchFamily="18" charset="0"/>
+                          </a:rPr>
+                          <m:t>𝐾</m:t>
+                        </m:r>
+                        <m:r>
+                          <a:rPr lang="en-US" b="0" i="1" smtClean="0">
+                            <a:latin typeface="Cambria Math" panose="02040503050406030204" pitchFamily="18" charset="0"/>
+                          </a:rPr>
+                          <m:t>,</m:t>
+                        </m:r>
+                        <m:r>
+                          <a:rPr lang="en-US" b="0" i="1" smtClean="0">
+                            <a:latin typeface="Cambria Math" panose="02040503050406030204" pitchFamily="18" charset="0"/>
+                          </a:rPr>
+                          <m:t>𝑀</m:t>
+                        </m:r>
+                        <m:r>
+                          <a:rPr lang="en-US" b="0" i="1" smtClean="0">
+                            <a:latin typeface="Cambria Math" panose="02040503050406030204" pitchFamily="18" charset="0"/>
+                          </a:rPr>
+                          <m:t>,</m:t>
+                        </m:r>
+                        <m:r>
+                          <a:rPr lang="en-US" b="0" i="1" smtClean="0">
+                            <a:latin typeface="Cambria Math" panose="02040503050406030204" pitchFamily="18" charset="0"/>
+                          </a:rPr>
+                          <m:t>𝐶</m:t>
+                        </m:r>
+                      </m:e>
+                    </m:d>
+                    <m:r>
+                      <a:rPr lang="en-US" b="0" i="1" smtClean="0">
+                        <a:latin typeface="Cambria Math" panose="02040503050406030204" pitchFamily="18" charset="0"/>
+                      </a:rPr>
+                      <m:t>:</m:t>
+                    </m:r>
+                    <m:r>
+                      <a:rPr lang="en-US" b="0" i="1" smtClean="0">
+                        <a:latin typeface="Cambria Math" panose="02040503050406030204" pitchFamily="18" charset="0"/>
+                      </a:rPr>
+                      <m:t>𝐾</m:t>
+                    </m:r>
+                    <m:r>
+                      <a:rPr lang="en-US" b="0" i="1" smtClean="0">
+                        <a:latin typeface="Cambria Math" panose="02040503050406030204" pitchFamily="18" charset="0"/>
+                      </a:rPr>
+                      <m:t>=</m:t>
+                    </m:r>
+                    <m:sSup>
+                      <m:sSupPr>
+                        <m:ctrlPr>
+                          <a:rPr lang="en-US" b="0" i="1" smtClean="0">
+                            <a:latin typeface="Cambria Math" panose="02040503050406030204" pitchFamily="18" charset="0"/>
+                          </a:rPr>
+                        </m:ctrlPr>
+                      </m:sSupPr>
+                      <m:e>
+                        <m:d>
+                          <m:dPr>
+                            <m:begChr m:val="{"/>
+                            <m:endChr m:val="}"/>
+                            <m:ctrlPr>
+                              <a:rPr lang="en-US" b="0" i="1" smtClean="0">
+                                <a:latin typeface="Cambria Math" panose="02040503050406030204" pitchFamily="18" charset="0"/>
+                              </a:rPr>
+                            </m:ctrlPr>
+                          </m:dPr>
+                          <m:e>
+                            <m:r>
+                              <a:rPr lang="en-US" b="0" i="1" smtClean="0">
+                                <a:latin typeface="Cambria Math" panose="02040503050406030204" pitchFamily="18" charset="0"/>
+                              </a:rPr>
+                              <m:t>0,1</m:t>
+                            </m:r>
+                          </m:e>
+                        </m:d>
+                      </m:e>
+                      <m:sup>
+                        <m:r>
+                          <a:rPr lang="en-US" b="0" i="1" smtClean="0">
+                            <a:latin typeface="Cambria Math" panose="02040503050406030204" pitchFamily="18" charset="0"/>
+                          </a:rPr>
+                          <m:t>𝑙</m:t>
+                        </m:r>
+                      </m:sup>
+                    </m:sSup>
+                    <m:r>
+                      <a:rPr lang="en-US" b="0" i="1" smtClean="0">
+                        <a:latin typeface="Cambria Math" panose="02040503050406030204" pitchFamily="18" charset="0"/>
+                      </a:rPr>
+                      <m:t>, </m:t>
+                    </m:r>
+                    <m:r>
+                      <a:rPr lang="en-US" b="0" i="1" smtClean="0">
+                        <a:latin typeface="Cambria Math" panose="02040503050406030204" pitchFamily="18" charset="0"/>
+                      </a:rPr>
+                      <m:t>𝑀</m:t>
+                    </m:r>
+                    <m:r>
+                      <a:rPr lang="en-US" b="0" i="1" smtClean="0">
+                        <a:latin typeface="Cambria Math" panose="02040503050406030204" pitchFamily="18" charset="0"/>
+                      </a:rPr>
+                      <m:t>=</m:t>
+                    </m:r>
+                    <m:r>
+                      <a:rPr lang="en-US" b="0" i="1" smtClean="0">
+                        <a:latin typeface="Cambria Math" panose="02040503050406030204" pitchFamily="18" charset="0"/>
+                      </a:rPr>
+                      <m:t>𝐶</m:t>
+                    </m:r>
+                    <m:r>
+                      <a:rPr lang="en-US" b="0" i="1" smtClean="0">
+                        <a:latin typeface="Cambria Math" panose="02040503050406030204" pitchFamily="18" charset="0"/>
+                      </a:rPr>
+                      <m:t>=</m:t>
+                    </m:r>
+                    <m:sSup>
+                      <m:sSupPr>
+                        <m:ctrlPr>
+                          <a:rPr lang="en-US" b="0" i="1" smtClean="0">
+                            <a:latin typeface="Cambria Math" panose="02040503050406030204" pitchFamily="18" charset="0"/>
+                          </a:rPr>
+                        </m:ctrlPr>
+                      </m:sSupPr>
+                      <m:e>
+                        <m:d>
+                          <m:dPr>
+                            <m:begChr m:val="{"/>
+                            <m:endChr m:val="}"/>
+                            <m:ctrlPr>
+                              <a:rPr lang="en-US" b="0" i="1" smtClean="0">
+                                <a:latin typeface="Cambria Math" panose="02040503050406030204" pitchFamily="18" charset="0"/>
+                              </a:rPr>
+                            </m:ctrlPr>
+                          </m:dPr>
+                          <m:e>
+                            <m:r>
+                              <a:rPr lang="en-US" b="0" i="1" smtClean="0">
+                                <a:latin typeface="Cambria Math" panose="02040503050406030204" pitchFamily="18" charset="0"/>
+                              </a:rPr>
+                              <m:t>0,1</m:t>
+                            </m:r>
+                          </m:e>
+                        </m:d>
+                      </m:e>
+                      <m:sup>
+                        <m:r>
+                          <a:rPr lang="en-US" b="0" i="1" smtClean="0">
+                            <a:latin typeface="Cambria Math" panose="02040503050406030204" pitchFamily="18" charset="0"/>
+                          </a:rPr>
+                          <m:t>𝐿</m:t>
+                        </m:r>
+                      </m:sup>
+                    </m:sSup>
+                  </m:oMath>
+                </a14:m>
+                <a:r>
+                  <a:rPr lang="ru-RU" dirty="0" smtClean="0"/>
+                  <a:t>, называется </a:t>
+                </a:r>
+                <a:r>
+                  <a:rPr lang="ru-RU" b="1" dirty="0" smtClean="0"/>
+                  <a:t>поточным шифром</a:t>
+                </a:r>
+                <a:r>
+                  <a:rPr lang="ru-RU" dirty="0" smtClean="0"/>
+                  <a:t>, если </a:t>
+                </a:r>
+              </a:p>
+              <a:p>
+                <a:pPr marL="0" indent="0" algn="ctr">
+                  <a:buNone/>
+                </a:pPr>
+                <a14:m>
+                  <m:oMath xmlns:m="http://schemas.openxmlformats.org/officeDocument/2006/math">
+                    <m:r>
+                      <a:rPr lang="en-US" b="0" i="1" smtClean="0">
+                        <a:latin typeface="Cambria Math" panose="02040503050406030204" pitchFamily="18" charset="0"/>
+                      </a:rPr>
+                      <m:t>𝐸</m:t>
+                    </m:r>
+                    <m:d>
+                      <m:dPr>
+                        <m:ctrlPr>
+                          <a:rPr lang="en-US" b="0" i="1" smtClean="0">
+                            <a:latin typeface="Cambria Math" panose="02040503050406030204" pitchFamily="18" charset="0"/>
+                          </a:rPr>
+                        </m:ctrlPr>
+                      </m:dPr>
+                      <m:e>
+                        <m:r>
+                          <a:rPr lang="en-US" b="0" i="1" smtClean="0">
+                            <a:latin typeface="Cambria Math" panose="02040503050406030204" pitchFamily="18" charset="0"/>
+                          </a:rPr>
+                          <m:t>𝑘</m:t>
+                        </m:r>
+                        <m:r>
+                          <a:rPr lang="en-US" b="0" i="1" smtClean="0">
+                            <a:latin typeface="Cambria Math" panose="02040503050406030204" pitchFamily="18" charset="0"/>
+                          </a:rPr>
+                          <m:t>,</m:t>
+                        </m:r>
+                        <m:r>
+                          <a:rPr lang="en-US" b="0" i="1" smtClean="0">
+                            <a:latin typeface="Cambria Math" panose="02040503050406030204" pitchFamily="18" charset="0"/>
+                          </a:rPr>
+                          <m:t>𝑚</m:t>
+                        </m:r>
+                      </m:e>
+                    </m:d>
+                    <m:r>
+                      <a:rPr lang="en-US" b="0" i="1" smtClean="0">
+                        <a:latin typeface="Cambria Math" panose="02040503050406030204" pitchFamily="18" charset="0"/>
+                      </a:rPr>
+                      <m:t>=</m:t>
+                    </m:r>
+                    <m:r>
+                      <a:rPr lang="en-US" b="0" i="1" smtClean="0">
+                        <a:latin typeface="Cambria Math" panose="02040503050406030204" pitchFamily="18" charset="0"/>
+                      </a:rPr>
+                      <m:t>𝐺</m:t>
+                    </m:r>
+                    <m:d>
+                      <m:dPr>
+                        <m:ctrlPr>
+                          <a:rPr lang="en-US" b="0" i="1" smtClean="0">
+                            <a:latin typeface="Cambria Math" panose="02040503050406030204" pitchFamily="18" charset="0"/>
+                          </a:rPr>
+                        </m:ctrlPr>
+                      </m:dPr>
+                      <m:e>
+                        <m:r>
+                          <a:rPr lang="en-US" b="0" i="1" smtClean="0">
+                            <a:latin typeface="Cambria Math" panose="02040503050406030204" pitchFamily="18" charset="0"/>
+                          </a:rPr>
+                          <m:t>𝑘</m:t>
+                        </m:r>
+                      </m:e>
+                    </m:d>
+                    <m:r>
+                      <a:rPr lang="en-US" b="0" i="1" smtClean="0">
+                        <a:latin typeface="Cambria Math" panose="02040503050406030204" pitchFamily="18" charset="0"/>
+                      </a:rPr>
+                      <m:t>⊕</m:t>
+                    </m:r>
+                    <m:r>
+                      <a:rPr lang="en-US" b="0" i="1" smtClean="0">
+                        <a:latin typeface="Cambria Math" panose="02040503050406030204" pitchFamily="18" charset="0"/>
+                      </a:rPr>
+                      <m:t>𝑚</m:t>
+                    </m:r>
+                    <m:r>
+                      <a:rPr lang="ru-RU" b="0" i="0" smtClean="0">
+                        <a:latin typeface="Cambria Math" panose="02040503050406030204" pitchFamily="18" charset="0"/>
+                      </a:rPr>
+                      <m:t>,</m:t>
+                    </m:r>
+                  </m:oMath>
+                </a14:m>
+                <a:r>
+                  <a:rPr lang="ru-RU" dirty="0" smtClean="0"/>
+                  <a:t> </a:t>
+                </a:r>
+              </a:p>
+              <a:p>
+                <a:pPr marL="0" indent="0">
+                  <a:buNone/>
+                </a:pPr>
+                <a:r>
+                  <a:rPr lang="ru-RU" dirty="0" smtClean="0"/>
+                  <a:t>где</a:t>
+                </a:r>
+                <a14:m>
+                  <m:oMath xmlns:m="http://schemas.openxmlformats.org/officeDocument/2006/math">
+                    <m:r>
+                      <a:rPr lang="ru-RU" b="0" i="0" smtClean="0">
+                        <a:latin typeface="Cambria Math" panose="02040503050406030204" pitchFamily="18" charset="0"/>
+                      </a:rPr>
+                      <m:t> </m:t>
+                    </m:r>
+                    <m:r>
+                      <a:rPr lang="en-US" i="1">
+                        <a:latin typeface="Cambria Math" panose="02040503050406030204" pitchFamily="18" charset="0"/>
+                      </a:rPr>
+                      <m:t>𝐺</m:t>
+                    </m:r>
+                    <m:r>
+                      <a:rPr lang="en-US" i="1">
+                        <a:latin typeface="Cambria Math" panose="02040503050406030204" pitchFamily="18" charset="0"/>
+                      </a:rPr>
+                      <m:t>:</m:t>
+                    </m:r>
+                    <m:sSup>
+                      <m:sSupPr>
+                        <m:ctrlPr>
+                          <a:rPr lang="en-US" i="1">
+                            <a:latin typeface="Cambria Math" panose="02040503050406030204" pitchFamily="18" charset="0"/>
+                          </a:rPr>
+                        </m:ctrlPr>
+                      </m:sSupPr>
+                      <m:e>
+                        <m:d>
+                          <m:dPr>
+                            <m:begChr m:val="{"/>
+                            <m:endChr m:val="}"/>
+                            <m:ctrlPr>
+                              <a:rPr lang="en-US" i="1">
+                                <a:latin typeface="Cambria Math" panose="02040503050406030204" pitchFamily="18" charset="0"/>
+                              </a:rPr>
+                            </m:ctrlPr>
+                          </m:dPr>
+                          <m:e>
+                            <m:r>
+                              <a:rPr lang="en-US" i="1">
+                                <a:latin typeface="Cambria Math" panose="02040503050406030204" pitchFamily="18" charset="0"/>
+                              </a:rPr>
+                              <m:t>0,1</m:t>
+                            </m:r>
+                          </m:e>
+                        </m:d>
+                      </m:e>
+                      <m:sup>
+                        <m:r>
+                          <a:rPr lang="en-US" i="1">
+                            <a:latin typeface="Cambria Math" panose="02040503050406030204" pitchFamily="18" charset="0"/>
+                          </a:rPr>
+                          <m:t>𝑙</m:t>
+                        </m:r>
+                      </m:sup>
+                    </m:sSup>
+                    <m:r>
+                      <a:rPr lang="en-US" i="1">
+                        <a:latin typeface="Cambria Math" panose="02040503050406030204" pitchFamily="18" charset="0"/>
+                      </a:rPr>
+                      <m:t>→</m:t>
+                    </m:r>
+                    <m:sSup>
+                      <m:sSupPr>
+                        <m:ctrlPr>
+                          <a:rPr lang="en-US" i="1">
+                            <a:latin typeface="Cambria Math" panose="02040503050406030204" pitchFamily="18" charset="0"/>
+                          </a:rPr>
+                        </m:ctrlPr>
+                      </m:sSupPr>
+                      <m:e>
+                        <m:d>
+                          <m:dPr>
+                            <m:begChr m:val="{"/>
+                            <m:endChr m:val="}"/>
+                            <m:ctrlPr>
+                              <a:rPr lang="en-US" i="1">
+                                <a:latin typeface="Cambria Math" panose="02040503050406030204" pitchFamily="18" charset="0"/>
+                              </a:rPr>
+                            </m:ctrlPr>
+                          </m:dPr>
+                          <m:e>
+                            <m:r>
+                              <a:rPr lang="en-US" i="1">
+                                <a:latin typeface="Cambria Math" panose="02040503050406030204" pitchFamily="18" charset="0"/>
+                              </a:rPr>
+                              <m:t>0,1</m:t>
+                            </m:r>
+                          </m:e>
+                        </m:d>
+                      </m:e>
+                      <m:sup>
+                        <m:r>
+                          <a:rPr lang="en-US" i="1">
+                            <a:latin typeface="Cambria Math" panose="02040503050406030204" pitchFamily="18" charset="0"/>
+                          </a:rPr>
+                          <m:t>𝐿</m:t>
+                        </m:r>
+                      </m:sup>
+                    </m:sSup>
+                  </m:oMath>
+                </a14:m>
+                <a:r>
+                  <a:rPr lang="en-US" dirty="0" smtClean="0"/>
+                  <a:t> - </a:t>
+                </a:r>
+                <a:r>
+                  <a:rPr lang="ru-RU" dirty="0" smtClean="0"/>
+                  <a:t>псевдослучайный генератор.</a:t>
+                </a:r>
+              </a:p>
+              <a:p>
+                <a:endParaRPr lang="ru-RU" dirty="0"/>
+              </a:p>
+              <a:p>
+                <a:pPr marL="0" indent="0">
+                  <a:buNone/>
+                </a:pPr>
+                <a:r>
+                  <a:rPr lang="ru-RU" dirty="0" smtClean="0"/>
+                  <a:t>Аналогично можно ввести Поточный шифр по произвольному модулю.</a:t>
+                </a:r>
+              </a:p>
+              <a:p>
+                <a:pPr marL="0" indent="0">
+                  <a:buNone/>
+                </a:pPr>
+                <a:endParaRPr lang="ru-RU" dirty="0"/>
+              </a:p>
+              <a:p>
+                <a:pPr marL="0" indent="0">
+                  <a:buNone/>
+                </a:pPr>
+                <a:r>
+                  <a:rPr lang="ru-RU" dirty="0" smtClean="0"/>
+                  <a:t>Стойкость поточного шифра сводится к «качеству» псевдослучайной последовательности </a:t>
+                </a:r>
+                <a14:m>
+                  <m:oMath xmlns:m="http://schemas.openxmlformats.org/officeDocument/2006/math">
+                    <m:r>
+                      <a:rPr lang="en-US" b="0" i="1" smtClean="0">
+                        <a:latin typeface="Cambria Math" panose="02040503050406030204" pitchFamily="18" charset="0"/>
+                      </a:rPr>
+                      <m:t>𝛾</m:t>
+                    </m:r>
+                    <m:r>
+                      <a:rPr lang="en-US" b="0" i="1" smtClean="0">
+                        <a:latin typeface="Cambria Math" panose="02040503050406030204" pitchFamily="18" charset="0"/>
+                      </a:rPr>
+                      <m:t>=</m:t>
+                    </m:r>
+                    <m:r>
+                      <a:rPr lang="en-US" b="0" i="1" smtClean="0">
+                        <a:latin typeface="Cambria Math" panose="02040503050406030204" pitchFamily="18" charset="0"/>
+                      </a:rPr>
+                      <m:t>𝐺</m:t>
+                    </m:r>
+                    <m:r>
+                      <a:rPr lang="en-US" b="0" i="1" smtClean="0">
+                        <a:latin typeface="Cambria Math" panose="02040503050406030204" pitchFamily="18" charset="0"/>
+                      </a:rPr>
+                      <m:t>(</m:t>
+                    </m:r>
+                    <m:r>
+                      <a:rPr lang="en-US" b="0" i="1" smtClean="0">
+                        <a:latin typeface="Cambria Math" panose="02040503050406030204" pitchFamily="18" charset="0"/>
+                      </a:rPr>
+                      <m:t>𝑘</m:t>
+                    </m:r>
+                    <m:r>
+                      <a:rPr lang="en-US" b="0" i="1" smtClean="0">
+                        <a:latin typeface="Cambria Math" panose="02040503050406030204" pitchFamily="18" charset="0"/>
+                      </a:rPr>
+                      <m:t>)</m:t>
+                    </m:r>
+                  </m:oMath>
+                </a14:m>
+                <a:endParaRPr lang="ru-RU" dirty="0"/>
+              </a:p>
+            </p:txBody>
+          </p:sp>
+        </mc:Choice>
+        <mc:Fallback xmlns="">
+          <p:sp>
+            <p:nvSpPr>
+              <p:cNvPr id="3" name="Объект 2"/>
+              <p:cNvSpPr>
+                <a:spLocks noGrp="1" noRot="1" noChangeAspect="1" noMove="1" noResize="1" noEditPoints="1" noAdjustHandles="1" noChangeArrowheads="1" noChangeShapeType="1" noTextEdit="1"/>
+              </p:cNvSpPr>
+              <p:nvPr>
+                <p:ph idx="1"/>
+              </p:nvPr>
+            </p:nvSpPr>
+            <p:spPr>
+              <a:blipFill>
+                <a:blip r:embed="rId2"/>
+                <a:stretch>
+                  <a:fillRect l="-928" t="-2661" b="-140"/>
+                </a:stretch>
+              </a:blipFill>
+            </p:spPr>
+            <p:txBody>
+              <a:bodyPr/>
+              <a:lstStyle/>
+              <a:p>
+                <a:r>
+                  <a:rPr lang="ru-RU">
+                    <a:noFill/>
+                  </a:rPr>
+                  <a:t> </a:t>
+                </a:r>
+              </a:p>
+            </p:txBody>
+          </p:sp>
+        </mc:Fallback>
+      </mc:AlternateContent>
+      <p:sp>
+        <p:nvSpPr>
+          <p:cNvPr id="4" name="Номер слайда 3"/>
+          <p:cNvSpPr>
+            <a:spLocks noGrp="1"/>
+          </p:cNvSpPr>
+          <p:nvPr>
+            <p:ph type="sldNum" sz="quarter" idx="12"/>
+          </p:nvPr>
+        </p:nvSpPr>
+        <p:spPr/>
+        <p:txBody>
+          <a:bodyPr/>
+          <a:lstStyle/>
+          <a:p>
+            <a:fld id="{8253DDDB-F8F7-4D64-A7FD-3F3D61C1949F}" type="slidenum">
+              <a:rPr lang="ru-RU" smtClean="0"/>
+              <a:t>20</a:t>
+            </a:fld>
+            <a:endParaRPr lang="ru-RU"/>
+          </a:p>
+        </p:txBody>
+      </p:sp>
+    </p:spTree>
+    <p:extLst>
+      <p:ext uri="{BB962C8B-B14F-4D97-AF65-F5344CB8AC3E}">
+        <p14:creationId xmlns:p14="http://schemas.microsoft.com/office/powerpoint/2010/main" val="1321474809"/>
+      </p:ext>
+    </p:extLst>
+  </p:cSld>
+  <p:clrMapOvr>
+    <a:masterClrMapping/>
+  </p:clrMapOvr>
+  <p:timing>
+    <p:tnLst>
+      <p:par>
+        <p:cTn id="1" dur="indefinite" restart="never" nodeType="tmRoot"/>
+      </p:par>
+    </p:tnLst>
+  </p:timing>
+</p:sld>
+</file>
+
+<file path=ppt/slides/slide21.xml><?xml version="1.0" encoding="utf-8"?>
 <p:sld xmlns:a="http://schemas.openxmlformats.org/drawingml/2006/main" xmlns:r="http://schemas.openxmlformats.org/officeDocument/2006/relationships" xmlns:p="http://schemas.openxmlformats.org/presentationml/2006/main">
   <p:cSld>
     <p:spTree>
@@ -13904,7 +15481,7 @@
           <a:p>
             <a:fld id="{8253DDDB-F8F7-4D64-A7FD-3F3D61C1949F}" type="slidenum">
               <a:rPr lang="ru-RU" smtClean="0"/>
-              <a:t>20</a:t>
+              <a:t>21</a:t>
             </a:fld>
             <a:endParaRPr lang="ru-RU"/>
           </a:p>
@@ -14900,7 +16477,7 @@
 </p:sld>
 </file>
 
-<file path=ppt/slides/slide21.xml><?xml version="1.0" encoding="utf-8"?>
+<file path=ppt/slides/slide22.xml><?xml version="1.0" encoding="utf-8"?>
 <p:sld xmlns:a="http://schemas.openxmlformats.org/drawingml/2006/main" xmlns:r="http://schemas.openxmlformats.org/officeDocument/2006/relationships" xmlns:p="http://schemas.openxmlformats.org/presentationml/2006/main">
   <p:cSld>
     <p:spTree>
@@ -14939,8 +16516,8 @@
           </a:p>
         </p:txBody>
       </p:sp>
-      <mc:AlternateContent xmlns:mc="http://schemas.openxmlformats.org/markup-compatibility/2006" xmlns:a14="http://schemas.microsoft.com/office/drawing/2010/main">
-        <mc:Choice Requires="a14">
+      <mc:AlternateContent xmlns:mc="http://schemas.openxmlformats.org/markup-compatibility/2006">
+        <mc:Choice xmlns:a14="http://schemas.microsoft.com/office/drawing/2010/main" Requires="a14">
           <p:sp>
             <p:nvSpPr>
               <p:cNvPr id="3" name="Объект 2"/>
@@ -15309,6 +16886,12 @@
                         <a:rPr lang="en-US" b="0" i="1" smtClean="0">
                           <a:latin typeface="Cambria Math" panose="02040503050406030204" pitchFamily="18" charset="0"/>
                         </a:rPr>
+                        <m:t>|</m:t>
+                      </m:r>
+                      <m:r>
+                        <a:rPr lang="en-US" b="0" i="1" smtClean="0">
+                          <a:latin typeface="Cambria Math" panose="02040503050406030204" pitchFamily="18" charset="0"/>
+                        </a:rPr>
                         <m:t>.</m:t>
                       </m:r>
                     </m:oMath>
@@ -15319,7 +16902,7 @@
             </p:txBody>
           </p:sp>
         </mc:Choice>
-        <mc:Fallback xmlns="">
+        <mc:Fallback>
           <p:sp>
             <p:nvSpPr>
               <p:cNvPr id="3" name="Объект 2"/>
@@ -15331,7 +16914,7 @@
               </p:nvPr>
             </p:nvSpPr>
             <p:spPr>
-              <a:blipFill rotWithShape="0">
+              <a:blipFill>
                 <a:blip r:embed="rId2"/>
                 <a:stretch>
                   <a:fillRect l="-1043" t="-2101"/>
@@ -15370,7 +16953,7 @@
           <a:p>
             <a:fld id="{8253DDDB-F8F7-4D64-A7FD-3F3D61C1949F}" type="slidenum">
               <a:rPr lang="ru-RU" smtClean="0"/>
-              <a:t>21</a:t>
+              <a:t>22</a:t>
             </a:fld>
             <a:endParaRPr lang="ru-RU"/>
           </a:p>
@@ -16253,7 +17836,7 @@
 </p:sld>
 </file>
 
-<file path=ppt/slides/slide22.xml><?xml version="1.0" encoding="utf-8"?>
+<file path=ppt/slides/slide23.xml><?xml version="1.0" encoding="utf-8"?>
 <p:sld xmlns:a="http://schemas.openxmlformats.org/drawingml/2006/main" xmlns:r="http://schemas.openxmlformats.org/officeDocument/2006/relationships" xmlns:p="http://schemas.openxmlformats.org/presentationml/2006/main">
   <p:cSld>
     <p:spTree>
@@ -16729,7 +18312,7 @@
           <a:p>
             <a:fld id="{8253DDDB-F8F7-4D64-A7FD-3F3D61C1949F}" type="slidenum">
               <a:rPr lang="ru-RU" smtClean="0"/>
-              <a:t>22</a:t>
+              <a:t>23</a:t>
             </a:fld>
             <a:endParaRPr lang="ru-RU"/>
           </a:p>
@@ -17889,7 +19472,7 @@
 </p:sld>
 </file>
 
-<file path=ppt/slides/slide23.xml><?xml version="1.0" encoding="utf-8"?>
+<file path=ppt/slides/slide24.xml><?xml version="1.0" encoding="utf-8"?>
 <p:sld xmlns:a="http://schemas.openxmlformats.org/drawingml/2006/main" xmlns:r="http://schemas.openxmlformats.org/officeDocument/2006/relationships" xmlns:p="http://schemas.openxmlformats.org/presentationml/2006/main">
   <p:cSld>
     <p:spTree>
@@ -18649,7 +20232,7 @@
           <a:p>
             <a:fld id="{8253DDDB-F8F7-4D64-A7FD-3F3D61C1949F}" type="slidenum">
               <a:rPr lang="ru-RU" smtClean="0"/>
-              <a:t>23</a:t>
+              <a:t>24</a:t>
             </a:fld>
             <a:endParaRPr lang="ru-RU"/>
           </a:p>
@@ -18675,7 +20258,7 @@
 </p:sld>
 </file>
 
-<file path=ppt/slides/slide24.xml><?xml version="1.0" encoding="utf-8"?>
+<file path=ppt/slides/slide25.xml><?xml version="1.0" encoding="utf-8"?>
 <p:sld xmlns:a="http://schemas.openxmlformats.org/drawingml/2006/main" xmlns:r="http://schemas.openxmlformats.org/officeDocument/2006/relationships" xmlns:p="http://schemas.openxmlformats.org/presentationml/2006/main">
   <p:cSld>
     <p:spTree>
@@ -19111,7 +20694,7 @@
           <a:p>
             <a:fld id="{8253DDDB-F8F7-4D64-A7FD-3F3D61C1949F}" type="slidenum">
               <a:rPr lang="ru-RU" smtClean="0"/>
-              <a:t>24</a:t>
+              <a:t>25</a:t>
             </a:fld>
             <a:endParaRPr lang="ru-RU"/>
           </a:p>
@@ -19379,7 +20962,7 @@
 </p:sld>
 </file>
 
-<file path=ppt/slides/slide25.xml><?xml version="1.0" encoding="utf-8"?>
+<file path=ppt/slides/slide26.xml><?xml version="1.0" encoding="utf-8"?>
 <p:sld xmlns:a="http://schemas.openxmlformats.org/drawingml/2006/main" xmlns:r="http://schemas.openxmlformats.org/officeDocument/2006/relationships" xmlns:p="http://schemas.openxmlformats.org/presentationml/2006/main">
   <p:cSld>
     <p:spTree>
@@ -20194,7 +21777,7 @@
           <a:p>
             <a:fld id="{8253DDDB-F8F7-4D64-A7FD-3F3D61C1949F}" type="slidenum">
               <a:rPr lang="ru-RU" smtClean="0"/>
-              <a:t>25</a:t>
+              <a:t>26</a:t>
             </a:fld>
             <a:endParaRPr lang="ru-RU" dirty="0"/>
           </a:p>
@@ -20220,7 +21803,7 @@
 </p:sld>
 </file>
 
-<file path=ppt/slides/slide26.xml><?xml version="1.0" encoding="utf-8"?>
+<file path=ppt/slides/slide27.xml><?xml version="1.0" encoding="utf-8"?>
 <p:sld xmlns:a="http://schemas.openxmlformats.org/drawingml/2006/main" xmlns:r="http://schemas.openxmlformats.org/officeDocument/2006/relationships" xmlns:p="http://schemas.openxmlformats.org/presentationml/2006/main">
   <p:cSld>
     <p:spTree>
@@ -20693,7 +22276,7 @@
           <a:p>
             <a:fld id="{8253DDDB-F8F7-4D64-A7FD-3F3D61C1949F}" type="slidenum">
               <a:rPr lang="ru-RU" smtClean="0"/>
-              <a:t>26</a:t>
+              <a:t>27</a:t>
             </a:fld>
             <a:endParaRPr lang="ru-RU" dirty="0"/>
           </a:p>
@@ -21299,7 +22882,7 @@
 </p:sld>
 </file>
 
-<file path=ppt/slides/slide27.xml><?xml version="1.0" encoding="utf-8"?>
+<file path=ppt/slides/slide28.xml><?xml version="1.0" encoding="utf-8"?>
 <p:sld xmlns:a="http://schemas.openxmlformats.org/drawingml/2006/main" xmlns:r="http://schemas.openxmlformats.org/officeDocument/2006/relationships" xmlns:p="http://schemas.openxmlformats.org/presentationml/2006/main">
   <p:cSld>
     <p:spTree>
@@ -21647,7 +23230,7 @@
           <a:p>
             <a:fld id="{8253DDDB-F8F7-4D64-A7FD-3F3D61C1949F}" type="slidenum">
               <a:rPr lang="ru-RU" smtClean="0"/>
-              <a:t>27</a:t>
+              <a:t>28</a:t>
             </a:fld>
             <a:endParaRPr lang="ru-RU" dirty="0"/>
           </a:p>
@@ -21673,7 +23256,7 @@
 </p:sld>
 </file>
 
-<file path=ppt/slides/slide28.xml><?xml version="1.0" encoding="utf-8"?>
+<file path=ppt/slides/slide29.xml><?xml version="1.0" encoding="utf-8"?>
 <p:sld xmlns:a="http://schemas.openxmlformats.org/drawingml/2006/main" xmlns:r="http://schemas.openxmlformats.org/officeDocument/2006/relationships" xmlns:p="http://schemas.openxmlformats.org/presentationml/2006/main">
   <p:cSld>
     <p:spTree>
@@ -22189,7 +23772,7 @@
           <a:p>
             <a:fld id="{8253DDDB-F8F7-4D64-A7FD-3F3D61C1949F}" type="slidenum">
               <a:rPr lang="ru-RU" smtClean="0"/>
-              <a:t>28</a:t>
+              <a:t>29</a:t>
             </a:fld>
             <a:endParaRPr lang="ru-RU"/>
           </a:p>
@@ -22215,7 +23798,824 @@
 </p:sld>
 </file>
 
-<file path=ppt/slides/slide29.xml><?xml version="1.0" encoding="utf-8"?>
+<file path=ppt/slides/slide3.xml><?xml version="1.0" encoding="utf-8"?>
+<p:sld xmlns:a="http://schemas.openxmlformats.org/drawingml/2006/main" xmlns:r="http://schemas.openxmlformats.org/officeDocument/2006/relationships" xmlns:p="http://schemas.openxmlformats.org/presentationml/2006/main">
+  <p:cSld>
+    <p:spTree>
+      <p:nvGrpSpPr>
+        <p:cNvPr id="1" name=""/>
+        <p:cNvGrpSpPr/>
+        <p:nvPr/>
+      </p:nvGrpSpPr>
+      <p:grpSpPr>
+        <a:xfrm>
+          <a:off x="0" y="0"/>
+          <a:ext cx="0" cy="0"/>
+          <a:chOff x="0" y="0"/>
+          <a:chExt cx="0" cy="0"/>
+        </a:xfrm>
+      </p:grpSpPr>
+      <p:sp>
+        <p:nvSpPr>
+          <p:cNvPr id="5" name="Скругленный прямоугольник 4"/>
+          <p:cNvSpPr/>
+          <p:nvPr/>
+        </p:nvSpPr>
+        <p:spPr>
+          <a:xfrm>
+            <a:off x="669956" y="3684759"/>
+            <a:ext cx="10791732" cy="1729213"/>
+          </a:xfrm>
+          <a:prstGeom prst="roundRect">
+            <a:avLst/>
+          </a:prstGeom>
+        </p:spPr>
+        <p:style>
+          <a:lnRef idx="1">
+            <a:schemeClr val="accent3"/>
+          </a:lnRef>
+          <a:fillRef idx="2">
+            <a:schemeClr val="accent3"/>
+          </a:fillRef>
+          <a:effectRef idx="1">
+            <a:schemeClr val="accent3"/>
+          </a:effectRef>
+          <a:fontRef idx="minor">
+            <a:schemeClr val="dk1"/>
+          </a:fontRef>
+        </p:style>
+        <p:txBody>
+          <a:bodyPr rtlCol="0" anchor="ctr"/>
+          <a:lstStyle/>
+          <a:p>
+            <a:pPr algn="ctr"/>
+            <a:endParaRPr lang="ru-RU"/>
+          </a:p>
+        </p:txBody>
+      </p:sp>
+      <p:sp>
+        <p:nvSpPr>
+          <p:cNvPr id="2" name="Заголовок 1"/>
+          <p:cNvSpPr>
+            <a:spLocks noGrp="1"/>
+          </p:cNvSpPr>
+          <p:nvPr>
+            <p:ph type="title"/>
+          </p:nvPr>
+        </p:nvSpPr>
+        <p:spPr/>
+        <p:txBody>
+          <a:bodyPr/>
+          <a:lstStyle/>
+          <a:p>
+            <a:r>
+              <a:rPr lang="ru-RU" dirty="0" smtClean="0"/>
+              <a:t>Пренебрежимо малые величины</a:t>
+            </a:r>
+            <a:endParaRPr lang="ru-RU" dirty="0"/>
+          </a:p>
+        </p:txBody>
+      </p:sp>
+      <mc:AlternateContent xmlns:mc="http://schemas.openxmlformats.org/markup-compatibility/2006" xmlns:a14="http://schemas.microsoft.com/office/drawing/2010/main">
+        <mc:Choice Requires="a14">
+          <p:sp>
+            <p:nvSpPr>
+              <p:cNvPr id="3" name="Объект 2"/>
+              <p:cNvSpPr>
+                <a:spLocks noGrp="1"/>
+              </p:cNvSpPr>
+              <p:nvPr>
+                <p:ph idx="1"/>
+              </p:nvPr>
+            </p:nvSpPr>
+            <p:spPr>
+              <a:xfrm>
+                <a:off x="838200" y="1825624"/>
+                <a:ext cx="10515600" cy="4629767"/>
+              </a:xfrm>
+            </p:spPr>
+            <p:txBody>
+              <a:bodyPr>
+                <a:normAutofit lnSpcReduction="10000"/>
+              </a:bodyPr>
+              <a:lstStyle/>
+              <a:p>
+                <a:pPr marL="0" indent="0">
+                  <a:buNone/>
+                </a:pPr>
+                <a:r>
+                  <a:rPr lang="ru-RU" dirty="0" smtClean="0"/>
+                  <a:t>Функция </a:t>
+                </a:r>
+                <a14:m>
+                  <m:oMath xmlns:m="http://schemas.openxmlformats.org/officeDocument/2006/math">
+                    <m:r>
+                      <a:rPr lang="en-US" b="0" i="1" smtClean="0">
+                        <a:latin typeface="Cambria Math" panose="02040503050406030204" pitchFamily="18" charset="0"/>
+                      </a:rPr>
+                      <m:t>𝑓</m:t>
+                    </m:r>
+                    <m:r>
+                      <a:rPr lang="en-US" b="0" i="1" smtClean="0">
+                        <a:latin typeface="Cambria Math" panose="02040503050406030204" pitchFamily="18" charset="0"/>
+                      </a:rPr>
+                      <m:t>:</m:t>
+                    </m:r>
+                    <m:sSub>
+                      <m:sSubPr>
+                        <m:ctrlPr>
+                          <a:rPr lang="en-US" b="0" i="1" smtClean="0">
+                            <a:latin typeface="Cambria Math" panose="02040503050406030204" pitchFamily="18" charset="0"/>
+                          </a:rPr>
+                        </m:ctrlPr>
+                      </m:sSubPr>
+                      <m:e>
+                        <m:r>
+                          <a:rPr lang="en-US" b="0" i="1" smtClean="0">
+                            <a:latin typeface="Cambria Math" panose="02040503050406030204" pitchFamily="18" charset="0"/>
+                          </a:rPr>
+                          <m:t>𝑍</m:t>
+                        </m:r>
+                      </m:e>
+                      <m:sub>
+                        <m:r>
+                          <a:rPr lang="en-US" b="0" i="1" smtClean="0">
+                            <a:latin typeface="Cambria Math" panose="02040503050406030204" pitchFamily="18" charset="0"/>
+                          </a:rPr>
+                          <m:t>≥1</m:t>
+                        </m:r>
+                      </m:sub>
+                    </m:sSub>
+                    <m:r>
+                      <a:rPr lang="en-US" b="0" i="1" smtClean="0">
+                        <a:latin typeface="Cambria Math" panose="02040503050406030204" pitchFamily="18" charset="0"/>
+                      </a:rPr>
+                      <m:t>→</m:t>
+                    </m:r>
+                    <m:r>
+                      <a:rPr lang="en-US" b="0" i="1" smtClean="0">
+                        <a:latin typeface="Cambria Math" panose="02040503050406030204" pitchFamily="18" charset="0"/>
+                      </a:rPr>
+                      <m:t>𝑅</m:t>
+                    </m:r>
+                  </m:oMath>
+                </a14:m>
+                <a:r>
+                  <a:rPr lang="ru-RU" dirty="0" smtClean="0"/>
+                  <a:t> </a:t>
+                </a:r>
+                <a:r>
+                  <a:rPr lang="ru-RU" b="1" dirty="0" smtClean="0"/>
+                  <a:t>называется пренебрежимо малой</a:t>
+                </a:r>
+                <a:r>
+                  <a:rPr lang="en-US" b="1" dirty="0" smtClean="0"/>
+                  <a:t> (negligible)</a:t>
+                </a:r>
+                <a:r>
+                  <a:rPr lang="ru-RU" dirty="0" smtClean="0"/>
+                  <a:t>, если для всех </a:t>
+                </a:r>
+                <a14:m>
+                  <m:oMath xmlns:m="http://schemas.openxmlformats.org/officeDocument/2006/math">
+                    <m:r>
+                      <m:rPr>
+                        <m:sty m:val="p"/>
+                      </m:rPr>
+                      <a:rPr lang="en-US" i="1">
+                        <a:latin typeface="Cambria Math" panose="02040503050406030204" pitchFamily="18" charset="0"/>
+                      </a:rPr>
+                      <m:t>c</m:t>
+                    </m:r>
+                    <m:r>
+                      <a:rPr lang="ru-RU" b="0" i="1" smtClean="0">
+                        <a:latin typeface="Cambria Math" panose="02040503050406030204" pitchFamily="18" charset="0"/>
+                      </a:rPr>
+                      <m:t>∈</m:t>
+                    </m:r>
+                    <m:sSub>
+                      <m:sSubPr>
+                        <m:ctrlPr>
+                          <a:rPr lang="en-US" b="0" i="1" smtClean="0">
+                            <a:latin typeface="Cambria Math" panose="02040503050406030204" pitchFamily="18" charset="0"/>
+                          </a:rPr>
+                        </m:ctrlPr>
+                      </m:sSubPr>
+                      <m:e>
+                        <m:r>
+                          <a:rPr lang="en-US" b="0" i="1" smtClean="0">
+                            <a:latin typeface="Cambria Math" panose="02040503050406030204" pitchFamily="18" charset="0"/>
+                          </a:rPr>
+                          <m:t>𝑅</m:t>
+                        </m:r>
+                      </m:e>
+                      <m:sub>
+                        <m:r>
+                          <a:rPr lang="en-US" b="0" i="1" smtClean="0">
+                            <a:latin typeface="Cambria Math" panose="02040503050406030204" pitchFamily="18" charset="0"/>
+                          </a:rPr>
+                          <m:t>&gt;0</m:t>
+                        </m:r>
+                      </m:sub>
+                    </m:sSub>
+                    <m:r>
+                      <a:rPr lang="en-US" b="0" i="1" smtClean="0">
+                        <a:latin typeface="Cambria Math" panose="02040503050406030204" pitchFamily="18" charset="0"/>
+                      </a:rPr>
+                      <m:t> ∃</m:t>
+                    </m:r>
+                    <m:sSub>
+                      <m:sSubPr>
+                        <m:ctrlPr>
+                          <a:rPr lang="en-US" b="0" i="1" smtClean="0">
+                            <a:latin typeface="Cambria Math" panose="02040503050406030204" pitchFamily="18" charset="0"/>
+                          </a:rPr>
+                        </m:ctrlPr>
+                      </m:sSubPr>
+                      <m:e>
+                        <m:r>
+                          <a:rPr lang="en-US" b="0" i="1" smtClean="0">
+                            <a:latin typeface="Cambria Math" panose="02040503050406030204" pitchFamily="18" charset="0"/>
+                          </a:rPr>
+                          <m:t>𝑛</m:t>
+                        </m:r>
+                      </m:e>
+                      <m:sub>
+                        <m:r>
+                          <a:rPr lang="en-US" b="0" i="1" smtClean="0">
+                            <a:latin typeface="Cambria Math" panose="02040503050406030204" pitchFamily="18" charset="0"/>
+                          </a:rPr>
+                          <m:t>0</m:t>
+                        </m:r>
+                      </m:sub>
+                    </m:sSub>
+                    <m:r>
+                      <a:rPr lang="en-US" b="0" i="1" smtClean="0">
+                        <a:latin typeface="Cambria Math" panose="02040503050406030204" pitchFamily="18" charset="0"/>
+                      </a:rPr>
+                      <m:t>∈</m:t>
+                    </m:r>
+                    <m:sSub>
+                      <m:sSubPr>
+                        <m:ctrlPr>
+                          <a:rPr lang="en-US" b="0" i="1" smtClean="0">
+                            <a:latin typeface="Cambria Math" panose="02040503050406030204" pitchFamily="18" charset="0"/>
+                          </a:rPr>
+                        </m:ctrlPr>
+                      </m:sSubPr>
+                      <m:e>
+                        <m:r>
+                          <a:rPr lang="en-US" b="0" i="1" smtClean="0">
+                            <a:latin typeface="Cambria Math" panose="02040503050406030204" pitchFamily="18" charset="0"/>
+                          </a:rPr>
+                          <m:t>𝑍</m:t>
+                        </m:r>
+                      </m:e>
+                      <m:sub>
+                        <m:r>
+                          <a:rPr lang="en-US" b="0" i="1" smtClean="0">
+                            <a:latin typeface="Cambria Math" panose="02040503050406030204" pitchFamily="18" charset="0"/>
+                          </a:rPr>
+                          <m:t>≥1</m:t>
+                        </m:r>
+                      </m:sub>
+                    </m:sSub>
+                    <m:r>
+                      <a:rPr lang="en-US" b="0" i="1" smtClean="0">
+                        <a:latin typeface="Cambria Math" panose="02040503050406030204" pitchFamily="18" charset="0"/>
+                      </a:rPr>
+                      <m:t>:∀</m:t>
+                    </m:r>
+                    <m:r>
+                      <a:rPr lang="en-US" b="0" i="1" smtClean="0">
+                        <a:latin typeface="Cambria Math" panose="02040503050406030204" pitchFamily="18" charset="0"/>
+                      </a:rPr>
+                      <m:t>𝑛</m:t>
+                    </m:r>
+                    <m:r>
+                      <a:rPr lang="en-US" b="0" i="1" smtClean="0">
+                        <a:latin typeface="Cambria Math" panose="02040503050406030204" pitchFamily="18" charset="0"/>
+                      </a:rPr>
+                      <m:t>≥</m:t>
+                    </m:r>
+                    <m:sSub>
+                      <m:sSubPr>
+                        <m:ctrlPr>
+                          <a:rPr lang="en-US" b="0" i="1" smtClean="0">
+                            <a:latin typeface="Cambria Math" panose="02040503050406030204" pitchFamily="18" charset="0"/>
+                          </a:rPr>
+                        </m:ctrlPr>
+                      </m:sSubPr>
+                      <m:e>
+                        <m:r>
+                          <a:rPr lang="en-US" b="0" i="1" smtClean="0">
+                            <a:latin typeface="Cambria Math" panose="02040503050406030204" pitchFamily="18" charset="0"/>
+                          </a:rPr>
+                          <m:t>𝑛</m:t>
+                        </m:r>
+                      </m:e>
+                      <m:sub>
+                        <m:r>
+                          <a:rPr lang="en-US" b="0" i="1" smtClean="0">
+                            <a:latin typeface="Cambria Math" panose="02040503050406030204" pitchFamily="18" charset="0"/>
+                          </a:rPr>
+                          <m:t>0</m:t>
+                        </m:r>
+                      </m:sub>
+                    </m:sSub>
+                  </m:oMath>
+                </a14:m>
+                <a:r>
+                  <a:rPr lang="ru-RU" dirty="0" smtClean="0"/>
+                  <a:t> справедливо неравенство</a:t>
+                </a:r>
+                <a:r>
+                  <a:rPr lang="en-US" dirty="0" smtClean="0"/>
+                  <a:t>:</a:t>
+                </a:r>
+                <a:r>
+                  <a:rPr lang="ru-RU" dirty="0" smtClean="0"/>
+                  <a:t> </a:t>
+                </a:r>
+                <a:endParaRPr lang="en-US" dirty="0" smtClean="0"/>
+              </a:p>
+              <a:p>
+                <a:pPr marL="0" indent="0">
+                  <a:buNone/>
+                </a:pPr>
+                <a:endParaRPr lang="ru-RU" dirty="0" smtClean="0"/>
+              </a:p>
+              <a:p>
+                <a:pPr marL="0" indent="0">
+                  <a:buNone/>
+                </a:pPr>
+                <a14:m>
+                  <m:oMathPara xmlns:m="http://schemas.openxmlformats.org/officeDocument/2006/math">
+                    <m:oMathParaPr>
+                      <m:jc m:val="centerGroup"/>
+                    </m:oMathParaPr>
+                    <m:oMath xmlns:m="http://schemas.openxmlformats.org/officeDocument/2006/math">
+                      <m:d>
+                        <m:dPr>
+                          <m:begChr m:val="|"/>
+                          <m:endChr m:val="|"/>
+                          <m:ctrlPr>
+                            <a:rPr lang="en-US" b="0" i="1" smtClean="0">
+                              <a:latin typeface="Cambria Math" panose="02040503050406030204" pitchFamily="18" charset="0"/>
+                            </a:rPr>
+                          </m:ctrlPr>
+                        </m:dPr>
+                        <m:e>
+                          <m:r>
+                            <a:rPr lang="en-US" b="0" i="1" smtClean="0">
+                              <a:latin typeface="Cambria Math" panose="02040503050406030204" pitchFamily="18" charset="0"/>
+                            </a:rPr>
+                            <m:t>𝑓</m:t>
+                          </m:r>
+                          <m:d>
+                            <m:dPr>
+                              <m:ctrlPr>
+                                <a:rPr lang="en-US" b="0" i="1" smtClean="0">
+                                  <a:latin typeface="Cambria Math" panose="02040503050406030204" pitchFamily="18" charset="0"/>
+                                </a:rPr>
+                              </m:ctrlPr>
+                            </m:dPr>
+                            <m:e>
+                              <m:r>
+                                <a:rPr lang="en-US" b="0" i="1" smtClean="0">
+                                  <a:latin typeface="Cambria Math" panose="02040503050406030204" pitchFamily="18" charset="0"/>
+                                </a:rPr>
+                                <m:t>𝑛</m:t>
+                              </m:r>
+                            </m:e>
+                          </m:d>
+                        </m:e>
+                      </m:d>
+                      <m:r>
+                        <a:rPr lang="en-US" b="0" i="1" smtClean="0">
+                          <a:latin typeface="Cambria Math" panose="02040503050406030204" pitchFamily="18" charset="0"/>
+                        </a:rPr>
+                        <m:t>&lt;</m:t>
+                      </m:r>
+                      <m:f>
+                        <m:fPr>
+                          <m:ctrlPr>
+                            <a:rPr lang="en-US" b="0" i="1" smtClean="0">
+                              <a:latin typeface="Cambria Math" panose="02040503050406030204" pitchFamily="18" charset="0"/>
+                            </a:rPr>
+                          </m:ctrlPr>
+                        </m:fPr>
+                        <m:num>
+                          <m:r>
+                            <a:rPr lang="en-US" b="0" i="1" smtClean="0">
+                              <a:latin typeface="Cambria Math" panose="02040503050406030204" pitchFamily="18" charset="0"/>
+                            </a:rPr>
+                            <m:t>1</m:t>
+                          </m:r>
+                        </m:num>
+                        <m:den>
+                          <m:sSup>
+                            <m:sSupPr>
+                              <m:ctrlPr>
+                                <a:rPr lang="en-US" b="0" i="1" smtClean="0">
+                                  <a:latin typeface="Cambria Math" panose="02040503050406030204" pitchFamily="18" charset="0"/>
+                                </a:rPr>
+                              </m:ctrlPr>
+                            </m:sSupPr>
+                            <m:e>
+                              <m:r>
+                                <a:rPr lang="en-US" b="0" i="1" smtClean="0">
+                                  <a:latin typeface="Cambria Math" panose="02040503050406030204" pitchFamily="18" charset="0"/>
+                                </a:rPr>
+                                <m:t>𝑛</m:t>
+                              </m:r>
+                            </m:e>
+                            <m:sup>
+                              <m:r>
+                                <a:rPr lang="ru-RU" b="0" i="1" smtClean="0">
+                                  <a:latin typeface="Cambria Math" panose="02040503050406030204" pitchFamily="18" charset="0"/>
+                                </a:rPr>
+                                <m:t>с</m:t>
+                              </m:r>
+                            </m:sup>
+                          </m:sSup>
+                        </m:den>
+                      </m:f>
+                      <m:r>
+                        <a:rPr lang="en-US" b="0" i="1" smtClean="0">
+                          <a:latin typeface="Cambria Math" panose="02040503050406030204" pitchFamily="18" charset="0"/>
+                        </a:rPr>
+                        <m:t>.</m:t>
+                      </m:r>
+                    </m:oMath>
+                  </m:oMathPara>
+                </a14:m>
+                <a:endParaRPr lang="en-US" dirty="0" smtClean="0"/>
+              </a:p>
+              <a:p>
+                <a:pPr marL="0" indent="0">
+                  <a:buNone/>
+                </a:pPr>
+                <a:r>
+                  <a:rPr lang="ru-RU" b="1" dirty="0" smtClean="0"/>
+                  <a:t>Теорема 2.1.</a:t>
+                </a:r>
+                <a:r>
+                  <a:rPr lang="ru-RU" dirty="0" smtClean="0"/>
+                  <a:t> Функция  </a:t>
+                </a:r>
+                <a14:m>
+                  <m:oMath xmlns:m="http://schemas.openxmlformats.org/officeDocument/2006/math">
+                    <m:sSub>
+                      <m:sSubPr>
+                        <m:ctrlPr>
+                          <a:rPr lang="en-US" i="1">
+                            <a:latin typeface="Cambria Math" panose="02040503050406030204" pitchFamily="18" charset="0"/>
+                          </a:rPr>
+                        </m:ctrlPr>
+                      </m:sSubPr>
+                      <m:e>
+                        <m:r>
+                          <a:rPr lang="en-US" i="1">
+                            <a:latin typeface="Cambria Math" panose="02040503050406030204" pitchFamily="18" charset="0"/>
+                          </a:rPr>
+                          <m:t>𝑍</m:t>
+                        </m:r>
+                      </m:e>
+                      <m:sub>
+                        <m:r>
+                          <a:rPr lang="en-US" i="1">
+                            <a:latin typeface="Cambria Math" panose="02040503050406030204" pitchFamily="18" charset="0"/>
+                          </a:rPr>
+                          <m:t>≥1</m:t>
+                        </m:r>
+                      </m:sub>
+                    </m:sSub>
+                    <m:r>
+                      <a:rPr lang="en-US" i="1">
+                        <a:latin typeface="Cambria Math" panose="02040503050406030204" pitchFamily="18" charset="0"/>
+                      </a:rPr>
+                      <m:t>→</m:t>
+                    </m:r>
+                    <m:r>
+                      <a:rPr lang="en-US" i="1">
+                        <a:latin typeface="Cambria Math" panose="02040503050406030204" pitchFamily="18" charset="0"/>
+                      </a:rPr>
+                      <m:t>𝑅</m:t>
+                    </m:r>
+                  </m:oMath>
+                </a14:m>
+                <a:r>
+                  <a:rPr lang="ru-RU" dirty="0"/>
+                  <a:t> </a:t>
+                </a:r>
+                <a:r>
+                  <a:rPr lang="ru-RU" dirty="0" smtClean="0"/>
+                  <a:t>пренебрежимо малая, тогда и только тогда когда </a:t>
+                </a:r>
+                <a14:m>
+                  <m:oMath xmlns:m="http://schemas.openxmlformats.org/officeDocument/2006/math">
+                    <m:r>
+                      <a:rPr lang="ru-RU" b="0" i="1" smtClean="0">
+                        <a:latin typeface="Cambria Math" panose="02040503050406030204" pitchFamily="18" charset="0"/>
+                      </a:rPr>
+                      <m:t>∀</m:t>
+                    </m:r>
+                    <m:r>
+                      <a:rPr lang="en-US" b="0" i="1" smtClean="0">
+                        <a:latin typeface="Cambria Math" panose="02040503050406030204" pitchFamily="18" charset="0"/>
+                      </a:rPr>
+                      <m:t>𝑐</m:t>
+                    </m:r>
+                    <m:r>
+                      <a:rPr lang="en-US" b="0" i="1" smtClean="0">
+                        <a:latin typeface="Cambria Math" panose="02040503050406030204" pitchFamily="18" charset="0"/>
+                      </a:rPr>
+                      <m:t>&gt;0</m:t>
+                    </m:r>
+                  </m:oMath>
+                </a14:m>
+                <a:r>
+                  <a:rPr lang="ru-RU" dirty="0" smtClean="0"/>
+                  <a:t> справедливо равенство</a:t>
+                </a:r>
+                <a:r>
+                  <a:rPr lang="en-US" dirty="0" smtClean="0"/>
+                  <a:t>:</a:t>
+                </a:r>
+              </a:p>
+              <a:p>
+                <a:pPr marL="0" indent="0">
+                  <a:buNone/>
+                </a:pPr>
+                <a:endParaRPr lang="en-US" dirty="0" smtClean="0"/>
+              </a:p>
+              <a:p>
+                <a:pPr marL="0" indent="0">
+                  <a:buNone/>
+                </a:pPr>
+                <a14:m>
+                  <m:oMathPara xmlns:m="http://schemas.openxmlformats.org/officeDocument/2006/math">
+                    <m:oMathParaPr>
+                      <m:jc m:val="centerGroup"/>
+                    </m:oMathParaPr>
+                    <m:oMath xmlns:m="http://schemas.openxmlformats.org/officeDocument/2006/math">
+                      <m:func>
+                        <m:funcPr>
+                          <m:ctrlPr>
+                            <a:rPr lang="en-US" i="1" smtClean="0">
+                              <a:latin typeface="Cambria Math" panose="02040503050406030204" pitchFamily="18" charset="0"/>
+                            </a:rPr>
+                          </m:ctrlPr>
+                        </m:funcPr>
+                        <m:fName>
+                          <m:limLow>
+                            <m:limLowPr>
+                              <m:ctrlPr>
+                                <a:rPr lang="en-US" i="1" smtClean="0">
+                                  <a:latin typeface="Cambria Math" panose="02040503050406030204" pitchFamily="18" charset="0"/>
+                                </a:rPr>
+                              </m:ctrlPr>
+                            </m:limLowPr>
+                            <m:e>
+                              <m:r>
+                                <m:rPr>
+                                  <m:sty m:val="p"/>
+                                </m:rPr>
+                                <a:rPr lang="en-US" i="0" smtClean="0">
+                                  <a:latin typeface="Cambria Math" panose="02040503050406030204" pitchFamily="18" charset="0"/>
+                                </a:rPr>
+                                <m:t>lim</m:t>
+                              </m:r>
+                            </m:e>
+                            <m:lim>
+                              <m:r>
+                                <a:rPr lang="en-US" b="0" i="1" smtClean="0">
+                                  <a:latin typeface="Cambria Math" panose="02040503050406030204" pitchFamily="18" charset="0"/>
+                                </a:rPr>
+                                <m:t>𝑛</m:t>
+                              </m:r>
+                              <m:r>
+                                <a:rPr lang="en-US" b="0" i="1" smtClean="0">
+                                  <a:latin typeface="Cambria Math" panose="02040503050406030204" pitchFamily="18" charset="0"/>
+                                </a:rPr>
+                                <m:t>→∞</m:t>
+                              </m:r>
+                            </m:lim>
+                          </m:limLow>
+                        </m:fName>
+                        <m:e>
+                          <m:r>
+                            <a:rPr lang="en-US" b="0" i="1" smtClean="0">
+                              <a:latin typeface="Cambria Math" panose="02040503050406030204" pitchFamily="18" charset="0"/>
+                            </a:rPr>
+                            <m:t>𝑓</m:t>
+                          </m:r>
+                          <m:d>
+                            <m:dPr>
+                              <m:ctrlPr>
+                                <a:rPr lang="en-US" b="0" i="1" smtClean="0">
+                                  <a:latin typeface="Cambria Math" panose="02040503050406030204" pitchFamily="18" charset="0"/>
+                                </a:rPr>
+                              </m:ctrlPr>
+                            </m:dPr>
+                            <m:e>
+                              <m:r>
+                                <a:rPr lang="en-US" b="0" i="1" smtClean="0">
+                                  <a:latin typeface="Cambria Math" panose="02040503050406030204" pitchFamily="18" charset="0"/>
+                                </a:rPr>
+                                <m:t>𝑛</m:t>
+                              </m:r>
+                            </m:e>
+                          </m:d>
+                          <m:sSup>
+                            <m:sSupPr>
+                              <m:ctrlPr>
+                                <a:rPr lang="en-US" b="0" i="1" smtClean="0">
+                                  <a:latin typeface="Cambria Math" panose="02040503050406030204" pitchFamily="18" charset="0"/>
+                                </a:rPr>
+                              </m:ctrlPr>
+                            </m:sSupPr>
+                            <m:e>
+                              <m:r>
+                                <a:rPr lang="en-US" b="0" i="1" smtClean="0">
+                                  <a:latin typeface="Cambria Math" panose="02040503050406030204" pitchFamily="18" charset="0"/>
+                                </a:rPr>
+                                <m:t>𝑛</m:t>
+                              </m:r>
+                            </m:e>
+                            <m:sup>
+                              <m:r>
+                                <a:rPr lang="en-US" b="0" i="1" smtClean="0">
+                                  <a:latin typeface="Cambria Math" panose="02040503050406030204" pitchFamily="18" charset="0"/>
+                                </a:rPr>
+                                <m:t>𝑐</m:t>
+                              </m:r>
+                            </m:sup>
+                          </m:sSup>
+                          <m:r>
+                            <a:rPr lang="en-US" b="0" i="1" smtClean="0">
+                              <a:latin typeface="Cambria Math" panose="02040503050406030204" pitchFamily="18" charset="0"/>
+                            </a:rPr>
+                            <m:t>=0.</m:t>
+                          </m:r>
+                        </m:e>
+                      </m:func>
+                    </m:oMath>
+                  </m:oMathPara>
+                </a14:m>
+                <a:endParaRPr lang="en-US" dirty="0" smtClean="0"/>
+              </a:p>
+              <a:p>
+                <a:pPr marL="0" indent="0">
+                  <a:buNone/>
+                </a:pPr>
+                <a:r>
+                  <a:rPr lang="en-US" dirty="0"/>
+                  <a:t/>
+                </a:r>
+                <a:br>
+                  <a:rPr lang="en-US" dirty="0"/>
+                </a:br>
+                <a:r>
+                  <a:rPr lang="ru-RU" dirty="0" smtClean="0"/>
+                  <a:t>Т.е.  на бесконечности функция</a:t>
+                </a:r>
+                <a:r>
+                  <a:rPr lang="ru-RU" dirty="0"/>
+                  <a:t> </a:t>
+                </a:r>
+                <a:r>
+                  <a:rPr lang="ru-RU" dirty="0" smtClean="0"/>
+                  <a:t>от </a:t>
+                </a:r>
+                <a14:m>
+                  <m:oMath xmlns:m="http://schemas.openxmlformats.org/officeDocument/2006/math">
+                    <m:r>
+                      <a:rPr lang="en-US" i="1" dirty="0" smtClean="0">
+                        <a:latin typeface="Cambria Math" panose="02040503050406030204" pitchFamily="18" charset="0"/>
+                      </a:rPr>
+                      <m:t>𝑛</m:t>
+                    </m:r>
+                  </m:oMath>
+                </a14:m>
+                <a:r>
+                  <a:rPr lang="ru-RU" dirty="0" smtClean="0"/>
+                  <a:t> убывает быстрее любого полинома</a:t>
+                </a:r>
+                <a:r>
+                  <a:rPr lang="en-US" dirty="0" smtClean="0"/>
+                  <a:t> </a:t>
+                </a:r>
+                <a:r>
+                  <a:rPr lang="ru-RU" dirty="0"/>
+                  <a:t>от </a:t>
+                </a:r>
+                <a14:m>
+                  <m:oMath xmlns:m="http://schemas.openxmlformats.org/officeDocument/2006/math">
+                    <m:r>
+                      <a:rPr lang="en-US" i="1" dirty="0">
+                        <a:latin typeface="Cambria Math" panose="02040503050406030204" pitchFamily="18" charset="0"/>
+                      </a:rPr>
+                      <m:t>𝑛</m:t>
+                    </m:r>
+                  </m:oMath>
+                </a14:m>
+                <a:r>
+                  <a:rPr lang="ru-RU" dirty="0"/>
+                  <a:t> </a:t>
+                </a:r>
+                <a:r>
+                  <a:rPr lang="ru-RU" dirty="0" smtClean="0"/>
+                  <a:t>.</a:t>
+                </a:r>
+                <a:endParaRPr lang="en-US" dirty="0" smtClean="0"/>
+              </a:p>
+            </p:txBody>
+          </p:sp>
+        </mc:Choice>
+        <mc:Fallback xmlns="">
+          <p:sp>
+            <p:nvSpPr>
+              <p:cNvPr id="3" name="Объект 2"/>
+              <p:cNvSpPr>
+                <a:spLocks noGrp="1" noRot="1" noChangeAspect="1" noMove="1" noResize="1" noEditPoints="1" noAdjustHandles="1" noChangeArrowheads="1" noChangeShapeType="1" noTextEdit="1"/>
+              </p:cNvSpPr>
+              <p:nvPr>
+                <p:ph idx="1"/>
+              </p:nvPr>
+            </p:nvSpPr>
+            <p:spPr>
+              <a:xfrm>
+                <a:off x="838200" y="1825624"/>
+                <a:ext cx="10515600" cy="4629767"/>
+              </a:xfrm>
+              <a:blipFill>
+                <a:blip r:embed="rId2"/>
+                <a:stretch>
+                  <a:fillRect l="-1043" t="-2632" r="-812" b="-2632"/>
+                </a:stretch>
+              </a:blipFill>
+            </p:spPr>
+            <p:txBody>
+              <a:bodyPr/>
+              <a:lstStyle/>
+              <a:p>
+                <a:r>
+                  <a:rPr lang="ru-RU">
+                    <a:noFill/>
+                  </a:rPr>
+                  <a:t> </a:t>
+                </a:r>
+              </a:p>
+            </p:txBody>
+          </p:sp>
+        </mc:Fallback>
+      </mc:AlternateContent>
+      <p:sp>
+        <p:nvSpPr>
+          <p:cNvPr id="4" name="Номер слайда 3"/>
+          <p:cNvSpPr>
+            <a:spLocks noGrp="1"/>
+          </p:cNvSpPr>
+          <p:nvPr>
+            <p:ph type="sldNum" sz="quarter" idx="12"/>
+          </p:nvPr>
+        </p:nvSpPr>
+        <p:spPr/>
+        <p:txBody>
+          <a:bodyPr/>
+          <a:lstStyle/>
+          <a:p>
+            <a:fld id="{8253DDDB-F8F7-4D64-A7FD-3F3D61C1949F}" type="slidenum">
+              <a:rPr lang="ru-RU" smtClean="0"/>
+              <a:t>3</a:t>
+            </a:fld>
+            <a:endParaRPr lang="ru-RU"/>
+          </a:p>
+        </p:txBody>
+      </p:sp>
+    </p:spTree>
+    <p:extLst>
+      <p:ext uri="{BB962C8B-B14F-4D97-AF65-F5344CB8AC3E}">
+        <p14:creationId xmlns:p14="http://schemas.microsoft.com/office/powerpoint/2010/main" val="2459469773"/>
+      </p:ext>
+    </p:extLst>
+  </p:cSld>
+  <p:clrMapOvr>
+    <a:masterClrMapping/>
+  </p:clrMapOvr>
+  <p:timing>
+    <p:tnLst>
+      <p:par>
+        <p:cTn id="1" dur="indefinite" restart="never" nodeType="tmRoot"/>
+      </p:par>
+    </p:tnLst>
+  </p:timing>
+</p:sld>
+</file>
+
+<file path=ppt/slides/slide30.xml><?xml version="1.0" encoding="utf-8"?>
 <p:sld xmlns:a="http://schemas.openxmlformats.org/drawingml/2006/main" xmlns:r="http://schemas.openxmlformats.org/officeDocument/2006/relationships" xmlns:p="http://schemas.openxmlformats.org/presentationml/2006/main">
   <p:cSld>
     <p:spTree>
@@ -22272,7 +24672,7 @@
           <a:p>
             <a:fld id="{8253DDDB-F8F7-4D64-A7FD-3F3D61C1949F}" type="slidenum">
               <a:rPr lang="ru-RU" smtClean="0"/>
-              <a:t>29</a:t>
+              <a:t>30</a:t>
             </a:fld>
             <a:endParaRPr lang="ru-RU"/>
           </a:p>
@@ -24799,824 +27199,7 @@
 </p:sld>
 </file>
 
-<file path=ppt/slides/slide3.xml><?xml version="1.0" encoding="utf-8"?>
-<p:sld xmlns:a="http://schemas.openxmlformats.org/drawingml/2006/main" xmlns:r="http://schemas.openxmlformats.org/officeDocument/2006/relationships" xmlns:p="http://schemas.openxmlformats.org/presentationml/2006/main">
-  <p:cSld>
-    <p:spTree>
-      <p:nvGrpSpPr>
-        <p:cNvPr id="1" name=""/>
-        <p:cNvGrpSpPr/>
-        <p:nvPr/>
-      </p:nvGrpSpPr>
-      <p:grpSpPr>
-        <a:xfrm>
-          <a:off x="0" y="0"/>
-          <a:ext cx="0" cy="0"/>
-          <a:chOff x="0" y="0"/>
-          <a:chExt cx="0" cy="0"/>
-        </a:xfrm>
-      </p:grpSpPr>
-      <p:sp>
-        <p:nvSpPr>
-          <p:cNvPr id="5" name="Скругленный прямоугольник 4"/>
-          <p:cNvSpPr/>
-          <p:nvPr/>
-        </p:nvSpPr>
-        <p:spPr>
-          <a:xfrm>
-            <a:off x="669956" y="3684759"/>
-            <a:ext cx="10791732" cy="1729213"/>
-          </a:xfrm>
-          <a:prstGeom prst="roundRect">
-            <a:avLst/>
-          </a:prstGeom>
-        </p:spPr>
-        <p:style>
-          <a:lnRef idx="1">
-            <a:schemeClr val="accent3"/>
-          </a:lnRef>
-          <a:fillRef idx="2">
-            <a:schemeClr val="accent3"/>
-          </a:fillRef>
-          <a:effectRef idx="1">
-            <a:schemeClr val="accent3"/>
-          </a:effectRef>
-          <a:fontRef idx="minor">
-            <a:schemeClr val="dk1"/>
-          </a:fontRef>
-        </p:style>
-        <p:txBody>
-          <a:bodyPr rtlCol="0" anchor="ctr"/>
-          <a:lstStyle/>
-          <a:p>
-            <a:pPr algn="ctr"/>
-            <a:endParaRPr lang="ru-RU"/>
-          </a:p>
-        </p:txBody>
-      </p:sp>
-      <p:sp>
-        <p:nvSpPr>
-          <p:cNvPr id="2" name="Заголовок 1"/>
-          <p:cNvSpPr>
-            <a:spLocks noGrp="1"/>
-          </p:cNvSpPr>
-          <p:nvPr>
-            <p:ph type="title"/>
-          </p:nvPr>
-        </p:nvSpPr>
-        <p:spPr/>
-        <p:txBody>
-          <a:bodyPr/>
-          <a:lstStyle/>
-          <a:p>
-            <a:r>
-              <a:rPr lang="ru-RU" dirty="0" smtClean="0"/>
-              <a:t>Пренебрежимо малые величины</a:t>
-            </a:r>
-            <a:endParaRPr lang="ru-RU" dirty="0"/>
-          </a:p>
-        </p:txBody>
-      </p:sp>
-      <mc:AlternateContent xmlns:mc="http://schemas.openxmlformats.org/markup-compatibility/2006" xmlns:a14="http://schemas.microsoft.com/office/drawing/2010/main">
-        <mc:Choice Requires="a14">
-          <p:sp>
-            <p:nvSpPr>
-              <p:cNvPr id="3" name="Объект 2"/>
-              <p:cNvSpPr>
-                <a:spLocks noGrp="1"/>
-              </p:cNvSpPr>
-              <p:nvPr>
-                <p:ph idx="1"/>
-              </p:nvPr>
-            </p:nvSpPr>
-            <p:spPr>
-              <a:xfrm>
-                <a:off x="838200" y="1825624"/>
-                <a:ext cx="10515600" cy="4629767"/>
-              </a:xfrm>
-            </p:spPr>
-            <p:txBody>
-              <a:bodyPr>
-                <a:normAutofit lnSpcReduction="10000"/>
-              </a:bodyPr>
-              <a:lstStyle/>
-              <a:p>
-                <a:pPr marL="0" indent="0">
-                  <a:buNone/>
-                </a:pPr>
-                <a:r>
-                  <a:rPr lang="ru-RU" dirty="0" smtClean="0"/>
-                  <a:t>Функция </a:t>
-                </a:r>
-                <a14:m>
-                  <m:oMath xmlns:m="http://schemas.openxmlformats.org/officeDocument/2006/math">
-                    <m:r>
-                      <a:rPr lang="en-US" b="0" i="1" smtClean="0">
-                        <a:latin typeface="Cambria Math" panose="02040503050406030204" pitchFamily="18" charset="0"/>
-                      </a:rPr>
-                      <m:t>𝑓</m:t>
-                    </m:r>
-                    <m:r>
-                      <a:rPr lang="en-US" b="0" i="1" smtClean="0">
-                        <a:latin typeface="Cambria Math" panose="02040503050406030204" pitchFamily="18" charset="0"/>
-                      </a:rPr>
-                      <m:t>:</m:t>
-                    </m:r>
-                    <m:sSub>
-                      <m:sSubPr>
-                        <m:ctrlPr>
-                          <a:rPr lang="en-US" b="0" i="1" smtClean="0">
-                            <a:latin typeface="Cambria Math" panose="02040503050406030204" pitchFamily="18" charset="0"/>
-                          </a:rPr>
-                        </m:ctrlPr>
-                      </m:sSubPr>
-                      <m:e>
-                        <m:r>
-                          <a:rPr lang="en-US" b="0" i="1" smtClean="0">
-                            <a:latin typeface="Cambria Math" panose="02040503050406030204" pitchFamily="18" charset="0"/>
-                          </a:rPr>
-                          <m:t>𝑍</m:t>
-                        </m:r>
-                      </m:e>
-                      <m:sub>
-                        <m:r>
-                          <a:rPr lang="en-US" b="0" i="1" smtClean="0">
-                            <a:latin typeface="Cambria Math" panose="02040503050406030204" pitchFamily="18" charset="0"/>
-                          </a:rPr>
-                          <m:t>≥1</m:t>
-                        </m:r>
-                      </m:sub>
-                    </m:sSub>
-                    <m:r>
-                      <a:rPr lang="en-US" b="0" i="1" smtClean="0">
-                        <a:latin typeface="Cambria Math" panose="02040503050406030204" pitchFamily="18" charset="0"/>
-                      </a:rPr>
-                      <m:t>→</m:t>
-                    </m:r>
-                    <m:r>
-                      <a:rPr lang="en-US" b="0" i="1" smtClean="0">
-                        <a:latin typeface="Cambria Math" panose="02040503050406030204" pitchFamily="18" charset="0"/>
-                      </a:rPr>
-                      <m:t>𝑅</m:t>
-                    </m:r>
-                  </m:oMath>
-                </a14:m>
-                <a:r>
-                  <a:rPr lang="ru-RU" dirty="0" smtClean="0"/>
-                  <a:t> </a:t>
-                </a:r>
-                <a:r>
-                  <a:rPr lang="ru-RU" b="1" dirty="0" smtClean="0"/>
-                  <a:t>называется пренебрежимо малой</a:t>
-                </a:r>
-                <a:r>
-                  <a:rPr lang="en-US" b="1" dirty="0" smtClean="0"/>
-                  <a:t> (negligible)</a:t>
-                </a:r>
-                <a:r>
-                  <a:rPr lang="ru-RU" dirty="0" smtClean="0"/>
-                  <a:t>, если для всех </a:t>
-                </a:r>
-                <a14:m>
-                  <m:oMath xmlns:m="http://schemas.openxmlformats.org/officeDocument/2006/math">
-                    <m:r>
-                      <m:rPr>
-                        <m:sty m:val="p"/>
-                      </m:rPr>
-                      <a:rPr lang="en-US" i="1">
-                        <a:latin typeface="Cambria Math" panose="02040503050406030204" pitchFamily="18" charset="0"/>
-                      </a:rPr>
-                      <m:t>c</m:t>
-                    </m:r>
-                    <m:r>
-                      <a:rPr lang="ru-RU" b="0" i="1" smtClean="0">
-                        <a:latin typeface="Cambria Math" panose="02040503050406030204" pitchFamily="18" charset="0"/>
-                      </a:rPr>
-                      <m:t>∈</m:t>
-                    </m:r>
-                    <m:sSub>
-                      <m:sSubPr>
-                        <m:ctrlPr>
-                          <a:rPr lang="en-US" b="0" i="1" smtClean="0">
-                            <a:latin typeface="Cambria Math" panose="02040503050406030204" pitchFamily="18" charset="0"/>
-                          </a:rPr>
-                        </m:ctrlPr>
-                      </m:sSubPr>
-                      <m:e>
-                        <m:r>
-                          <a:rPr lang="en-US" b="0" i="1" smtClean="0">
-                            <a:latin typeface="Cambria Math" panose="02040503050406030204" pitchFamily="18" charset="0"/>
-                          </a:rPr>
-                          <m:t>𝑅</m:t>
-                        </m:r>
-                      </m:e>
-                      <m:sub>
-                        <m:r>
-                          <a:rPr lang="en-US" b="0" i="1" smtClean="0">
-                            <a:latin typeface="Cambria Math" panose="02040503050406030204" pitchFamily="18" charset="0"/>
-                          </a:rPr>
-                          <m:t>&gt;0</m:t>
-                        </m:r>
-                      </m:sub>
-                    </m:sSub>
-                    <m:r>
-                      <a:rPr lang="en-US" b="0" i="1" smtClean="0">
-                        <a:latin typeface="Cambria Math" panose="02040503050406030204" pitchFamily="18" charset="0"/>
-                      </a:rPr>
-                      <m:t> ∃</m:t>
-                    </m:r>
-                    <m:sSub>
-                      <m:sSubPr>
-                        <m:ctrlPr>
-                          <a:rPr lang="en-US" b="0" i="1" smtClean="0">
-                            <a:latin typeface="Cambria Math" panose="02040503050406030204" pitchFamily="18" charset="0"/>
-                          </a:rPr>
-                        </m:ctrlPr>
-                      </m:sSubPr>
-                      <m:e>
-                        <m:r>
-                          <a:rPr lang="en-US" b="0" i="1" smtClean="0">
-                            <a:latin typeface="Cambria Math" panose="02040503050406030204" pitchFamily="18" charset="0"/>
-                          </a:rPr>
-                          <m:t>𝑛</m:t>
-                        </m:r>
-                      </m:e>
-                      <m:sub>
-                        <m:r>
-                          <a:rPr lang="en-US" b="0" i="1" smtClean="0">
-                            <a:latin typeface="Cambria Math" panose="02040503050406030204" pitchFamily="18" charset="0"/>
-                          </a:rPr>
-                          <m:t>0</m:t>
-                        </m:r>
-                      </m:sub>
-                    </m:sSub>
-                    <m:r>
-                      <a:rPr lang="en-US" b="0" i="1" smtClean="0">
-                        <a:latin typeface="Cambria Math" panose="02040503050406030204" pitchFamily="18" charset="0"/>
-                      </a:rPr>
-                      <m:t>∈</m:t>
-                    </m:r>
-                    <m:sSub>
-                      <m:sSubPr>
-                        <m:ctrlPr>
-                          <a:rPr lang="en-US" b="0" i="1" smtClean="0">
-                            <a:latin typeface="Cambria Math" panose="02040503050406030204" pitchFamily="18" charset="0"/>
-                          </a:rPr>
-                        </m:ctrlPr>
-                      </m:sSubPr>
-                      <m:e>
-                        <m:r>
-                          <a:rPr lang="en-US" b="0" i="1" smtClean="0">
-                            <a:latin typeface="Cambria Math" panose="02040503050406030204" pitchFamily="18" charset="0"/>
-                          </a:rPr>
-                          <m:t>𝑍</m:t>
-                        </m:r>
-                      </m:e>
-                      <m:sub>
-                        <m:r>
-                          <a:rPr lang="en-US" b="0" i="1" smtClean="0">
-                            <a:latin typeface="Cambria Math" panose="02040503050406030204" pitchFamily="18" charset="0"/>
-                          </a:rPr>
-                          <m:t>≥1</m:t>
-                        </m:r>
-                      </m:sub>
-                    </m:sSub>
-                    <m:r>
-                      <a:rPr lang="en-US" b="0" i="1" smtClean="0">
-                        <a:latin typeface="Cambria Math" panose="02040503050406030204" pitchFamily="18" charset="0"/>
-                      </a:rPr>
-                      <m:t>:∀</m:t>
-                    </m:r>
-                    <m:r>
-                      <a:rPr lang="en-US" b="0" i="1" smtClean="0">
-                        <a:latin typeface="Cambria Math" panose="02040503050406030204" pitchFamily="18" charset="0"/>
-                      </a:rPr>
-                      <m:t>𝑛</m:t>
-                    </m:r>
-                    <m:r>
-                      <a:rPr lang="en-US" b="0" i="1" smtClean="0">
-                        <a:latin typeface="Cambria Math" panose="02040503050406030204" pitchFamily="18" charset="0"/>
-                      </a:rPr>
-                      <m:t>≥</m:t>
-                    </m:r>
-                    <m:sSub>
-                      <m:sSubPr>
-                        <m:ctrlPr>
-                          <a:rPr lang="en-US" b="0" i="1" smtClean="0">
-                            <a:latin typeface="Cambria Math" panose="02040503050406030204" pitchFamily="18" charset="0"/>
-                          </a:rPr>
-                        </m:ctrlPr>
-                      </m:sSubPr>
-                      <m:e>
-                        <m:r>
-                          <a:rPr lang="en-US" b="0" i="1" smtClean="0">
-                            <a:latin typeface="Cambria Math" panose="02040503050406030204" pitchFamily="18" charset="0"/>
-                          </a:rPr>
-                          <m:t>𝑛</m:t>
-                        </m:r>
-                      </m:e>
-                      <m:sub>
-                        <m:r>
-                          <a:rPr lang="en-US" b="0" i="1" smtClean="0">
-                            <a:latin typeface="Cambria Math" panose="02040503050406030204" pitchFamily="18" charset="0"/>
-                          </a:rPr>
-                          <m:t>0</m:t>
-                        </m:r>
-                      </m:sub>
-                    </m:sSub>
-                  </m:oMath>
-                </a14:m>
-                <a:r>
-                  <a:rPr lang="ru-RU" dirty="0" smtClean="0"/>
-                  <a:t> справедливо неравенство</a:t>
-                </a:r>
-                <a:r>
-                  <a:rPr lang="en-US" dirty="0" smtClean="0"/>
-                  <a:t>:</a:t>
-                </a:r>
-                <a:r>
-                  <a:rPr lang="ru-RU" dirty="0" smtClean="0"/>
-                  <a:t> </a:t>
-                </a:r>
-                <a:endParaRPr lang="en-US" dirty="0" smtClean="0"/>
-              </a:p>
-              <a:p>
-                <a:pPr marL="0" indent="0">
-                  <a:buNone/>
-                </a:pPr>
-                <a:endParaRPr lang="ru-RU" dirty="0" smtClean="0"/>
-              </a:p>
-              <a:p>
-                <a:pPr marL="0" indent="0">
-                  <a:buNone/>
-                </a:pPr>
-                <a14:m>
-                  <m:oMathPara xmlns:m="http://schemas.openxmlformats.org/officeDocument/2006/math">
-                    <m:oMathParaPr>
-                      <m:jc m:val="centerGroup"/>
-                    </m:oMathParaPr>
-                    <m:oMath xmlns:m="http://schemas.openxmlformats.org/officeDocument/2006/math">
-                      <m:d>
-                        <m:dPr>
-                          <m:begChr m:val="|"/>
-                          <m:endChr m:val="|"/>
-                          <m:ctrlPr>
-                            <a:rPr lang="en-US" b="0" i="1" smtClean="0">
-                              <a:latin typeface="Cambria Math" panose="02040503050406030204" pitchFamily="18" charset="0"/>
-                            </a:rPr>
-                          </m:ctrlPr>
-                        </m:dPr>
-                        <m:e>
-                          <m:r>
-                            <a:rPr lang="en-US" b="0" i="1" smtClean="0">
-                              <a:latin typeface="Cambria Math" panose="02040503050406030204" pitchFamily="18" charset="0"/>
-                            </a:rPr>
-                            <m:t>𝑓</m:t>
-                          </m:r>
-                          <m:d>
-                            <m:dPr>
-                              <m:ctrlPr>
-                                <a:rPr lang="en-US" b="0" i="1" smtClean="0">
-                                  <a:latin typeface="Cambria Math" panose="02040503050406030204" pitchFamily="18" charset="0"/>
-                                </a:rPr>
-                              </m:ctrlPr>
-                            </m:dPr>
-                            <m:e>
-                              <m:r>
-                                <a:rPr lang="en-US" b="0" i="1" smtClean="0">
-                                  <a:latin typeface="Cambria Math" panose="02040503050406030204" pitchFamily="18" charset="0"/>
-                                </a:rPr>
-                                <m:t>𝑛</m:t>
-                              </m:r>
-                            </m:e>
-                          </m:d>
-                        </m:e>
-                      </m:d>
-                      <m:r>
-                        <a:rPr lang="en-US" b="0" i="1" smtClean="0">
-                          <a:latin typeface="Cambria Math" panose="02040503050406030204" pitchFamily="18" charset="0"/>
-                        </a:rPr>
-                        <m:t>&lt;</m:t>
-                      </m:r>
-                      <m:f>
-                        <m:fPr>
-                          <m:ctrlPr>
-                            <a:rPr lang="en-US" b="0" i="1" smtClean="0">
-                              <a:latin typeface="Cambria Math" panose="02040503050406030204" pitchFamily="18" charset="0"/>
-                            </a:rPr>
-                          </m:ctrlPr>
-                        </m:fPr>
-                        <m:num>
-                          <m:r>
-                            <a:rPr lang="en-US" b="0" i="1" smtClean="0">
-                              <a:latin typeface="Cambria Math" panose="02040503050406030204" pitchFamily="18" charset="0"/>
-                            </a:rPr>
-                            <m:t>1</m:t>
-                          </m:r>
-                        </m:num>
-                        <m:den>
-                          <m:sSup>
-                            <m:sSupPr>
-                              <m:ctrlPr>
-                                <a:rPr lang="en-US" b="0" i="1" smtClean="0">
-                                  <a:latin typeface="Cambria Math" panose="02040503050406030204" pitchFamily="18" charset="0"/>
-                                </a:rPr>
-                              </m:ctrlPr>
-                            </m:sSupPr>
-                            <m:e>
-                              <m:r>
-                                <a:rPr lang="en-US" b="0" i="1" smtClean="0">
-                                  <a:latin typeface="Cambria Math" panose="02040503050406030204" pitchFamily="18" charset="0"/>
-                                </a:rPr>
-                                <m:t>𝑛</m:t>
-                              </m:r>
-                            </m:e>
-                            <m:sup>
-                              <m:r>
-                                <a:rPr lang="ru-RU" b="0" i="1" smtClean="0">
-                                  <a:latin typeface="Cambria Math" panose="02040503050406030204" pitchFamily="18" charset="0"/>
-                                </a:rPr>
-                                <m:t>с</m:t>
-                              </m:r>
-                            </m:sup>
-                          </m:sSup>
-                        </m:den>
-                      </m:f>
-                      <m:r>
-                        <a:rPr lang="en-US" b="0" i="1" smtClean="0">
-                          <a:latin typeface="Cambria Math" panose="02040503050406030204" pitchFamily="18" charset="0"/>
-                        </a:rPr>
-                        <m:t>.</m:t>
-                      </m:r>
-                    </m:oMath>
-                  </m:oMathPara>
-                </a14:m>
-                <a:endParaRPr lang="en-US" dirty="0" smtClean="0"/>
-              </a:p>
-              <a:p>
-                <a:pPr marL="0" indent="0">
-                  <a:buNone/>
-                </a:pPr>
-                <a:r>
-                  <a:rPr lang="ru-RU" b="1" dirty="0" smtClean="0"/>
-                  <a:t>Теорема 2.1.</a:t>
-                </a:r>
-                <a:r>
-                  <a:rPr lang="ru-RU" dirty="0" smtClean="0"/>
-                  <a:t> Функция  </a:t>
-                </a:r>
-                <a14:m>
-                  <m:oMath xmlns:m="http://schemas.openxmlformats.org/officeDocument/2006/math">
-                    <m:sSub>
-                      <m:sSubPr>
-                        <m:ctrlPr>
-                          <a:rPr lang="en-US" i="1">
-                            <a:latin typeface="Cambria Math" panose="02040503050406030204" pitchFamily="18" charset="0"/>
-                          </a:rPr>
-                        </m:ctrlPr>
-                      </m:sSubPr>
-                      <m:e>
-                        <m:r>
-                          <a:rPr lang="en-US" i="1">
-                            <a:latin typeface="Cambria Math" panose="02040503050406030204" pitchFamily="18" charset="0"/>
-                          </a:rPr>
-                          <m:t>𝑍</m:t>
-                        </m:r>
-                      </m:e>
-                      <m:sub>
-                        <m:r>
-                          <a:rPr lang="en-US" i="1">
-                            <a:latin typeface="Cambria Math" panose="02040503050406030204" pitchFamily="18" charset="0"/>
-                          </a:rPr>
-                          <m:t>≥1</m:t>
-                        </m:r>
-                      </m:sub>
-                    </m:sSub>
-                    <m:r>
-                      <a:rPr lang="en-US" i="1">
-                        <a:latin typeface="Cambria Math" panose="02040503050406030204" pitchFamily="18" charset="0"/>
-                      </a:rPr>
-                      <m:t>→</m:t>
-                    </m:r>
-                    <m:r>
-                      <a:rPr lang="en-US" i="1">
-                        <a:latin typeface="Cambria Math" panose="02040503050406030204" pitchFamily="18" charset="0"/>
-                      </a:rPr>
-                      <m:t>𝑅</m:t>
-                    </m:r>
-                  </m:oMath>
-                </a14:m>
-                <a:r>
-                  <a:rPr lang="ru-RU" dirty="0"/>
-                  <a:t> </a:t>
-                </a:r>
-                <a:r>
-                  <a:rPr lang="ru-RU" dirty="0" smtClean="0"/>
-                  <a:t>пренебрежимо малая, тогда и только тогда когда </a:t>
-                </a:r>
-                <a14:m>
-                  <m:oMath xmlns:m="http://schemas.openxmlformats.org/officeDocument/2006/math">
-                    <m:r>
-                      <a:rPr lang="ru-RU" b="0" i="1" smtClean="0">
-                        <a:latin typeface="Cambria Math" panose="02040503050406030204" pitchFamily="18" charset="0"/>
-                      </a:rPr>
-                      <m:t>∀</m:t>
-                    </m:r>
-                    <m:r>
-                      <a:rPr lang="en-US" b="0" i="1" smtClean="0">
-                        <a:latin typeface="Cambria Math" panose="02040503050406030204" pitchFamily="18" charset="0"/>
-                      </a:rPr>
-                      <m:t>𝑐</m:t>
-                    </m:r>
-                    <m:r>
-                      <a:rPr lang="en-US" b="0" i="1" smtClean="0">
-                        <a:latin typeface="Cambria Math" panose="02040503050406030204" pitchFamily="18" charset="0"/>
-                      </a:rPr>
-                      <m:t>&gt;0</m:t>
-                    </m:r>
-                  </m:oMath>
-                </a14:m>
-                <a:r>
-                  <a:rPr lang="ru-RU" dirty="0" smtClean="0"/>
-                  <a:t> справедливо равенство</a:t>
-                </a:r>
-                <a:r>
-                  <a:rPr lang="en-US" dirty="0" smtClean="0"/>
-                  <a:t>:</a:t>
-                </a:r>
-              </a:p>
-              <a:p>
-                <a:pPr marL="0" indent="0">
-                  <a:buNone/>
-                </a:pPr>
-                <a:endParaRPr lang="en-US" dirty="0" smtClean="0"/>
-              </a:p>
-              <a:p>
-                <a:pPr marL="0" indent="0">
-                  <a:buNone/>
-                </a:pPr>
-                <a14:m>
-                  <m:oMathPara xmlns:m="http://schemas.openxmlformats.org/officeDocument/2006/math">
-                    <m:oMathParaPr>
-                      <m:jc m:val="centerGroup"/>
-                    </m:oMathParaPr>
-                    <m:oMath xmlns:m="http://schemas.openxmlformats.org/officeDocument/2006/math">
-                      <m:func>
-                        <m:funcPr>
-                          <m:ctrlPr>
-                            <a:rPr lang="en-US" i="1" smtClean="0">
-                              <a:latin typeface="Cambria Math" panose="02040503050406030204" pitchFamily="18" charset="0"/>
-                            </a:rPr>
-                          </m:ctrlPr>
-                        </m:funcPr>
-                        <m:fName>
-                          <m:limLow>
-                            <m:limLowPr>
-                              <m:ctrlPr>
-                                <a:rPr lang="en-US" i="1" smtClean="0">
-                                  <a:latin typeface="Cambria Math" panose="02040503050406030204" pitchFamily="18" charset="0"/>
-                                </a:rPr>
-                              </m:ctrlPr>
-                            </m:limLowPr>
-                            <m:e>
-                              <m:r>
-                                <m:rPr>
-                                  <m:sty m:val="p"/>
-                                </m:rPr>
-                                <a:rPr lang="en-US" i="0" smtClean="0">
-                                  <a:latin typeface="Cambria Math" panose="02040503050406030204" pitchFamily="18" charset="0"/>
-                                </a:rPr>
-                                <m:t>lim</m:t>
-                              </m:r>
-                            </m:e>
-                            <m:lim>
-                              <m:r>
-                                <a:rPr lang="en-US" b="0" i="1" smtClean="0">
-                                  <a:latin typeface="Cambria Math" panose="02040503050406030204" pitchFamily="18" charset="0"/>
-                                </a:rPr>
-                                <m:t>𝑛</m:t>
-                              </m:r>
-                              <m:r>
-                                <a:rPr lang="en-US" b="0" i="1" smtClean="0">
-                                  <a:latin typeface="Cambria Math" panose="02040503050406030204" pitchFamily="18" charset="0"/>
-                                </a:rPr>
-                                <m:t>→∞</m:t>
-                              </m:r>
-                            </m:lim>
-                          </m:limLow>
-                        </m:fName>
-                        <m:e>
-                          <m:r>
-                            <a:rPr lang="en-US" b="0" i="1" smtClean="0">
-                              <a:latin typeface="Cambria Math" panose="02040503050406030204" pitchFamily="18" charset="0"/>
-                            </a:rPr>
-                            <m:t>𝑓</m:t>
-                          </m:r>
-                          <m:d>
-                            <m:dPr>
-                              <m:ctrlPr>
-                                <a:rPr lang="en-US" b="0" i="1" smtClean="0">
-                                  <a:latin typeface="Cambria Math" panose="02040503050406030204" pitchFamily="18" charset="0"/>
-                                </a:rPr>
-                              </m:ctrlPr>
-                            </m:dPr>
-                            <m:e>
-                              <m:r>
-                                <a:rPr lang="en-US" b="0" i="1" smtClean="0">
-                                  <a:latin typeface="Cambria Math" panose="02040503050406030204" pitchFamily="18" charset="0"/>
-                                </a:rPr>
-                                <m:t>𝑛</m:t>
-                              </m:r>
-                            </m:e>
-                          </m:d>
-                          <m:sSup>
-                            <m:sSupPr>
-                              <m:ctrlPr>
-                                <a:rPr lang="en-US" b="0" i="1" smtClean="0">
-                                  <a:latin typeface="Cambria Math" panose="02040503050406030204" pitchFamily="18" charset="0"/>
-                                </a:rPr>
-                              </m:ctrlPr>
-                            </m:sSupPr>
-                            <m:e>
-                              <m:r>
-                                <a:rPr lang="en-US" b="0" i="1" smtClean="0">
-                                  <a:latin typeface="Cambria Math" panose="02040503050406030204" pitchFamily="18" charset="0"/>
-                                </a:rPr>
-                                <m:t>𝑛</m:t>
-                              </m:r>
-                            </m:e>
-                            <m:sup>
-                              <m:r>
-                                <a:rPr lang="en-US" b="0" i="1" smtClean="0">
-                                  <a:latin typeface="Cambria Math" panose="02040503050406030204" pitchFamily="18" charset="0"/>
-                                </a:rPr>
-                                <m:t>𝑐</m:t>
-                              </m:r>
-                            </m:sup>
-                          </m:sSup>
-                          <m:r>
-                            <a:rPr lang="en-US" b="0" i="1" smtClean="0">
-                              <a:latin typeface="Cambria Math" panose="02040503050406030204" pitchFamily="18" charset="0"/>
-                            </a:rPr>
-                            <m:t>=0.</m:t>
-                          </m:r>
-                        </m:e>
-                      </m:func>
-                    </m:oMath>
-                  </m:oMathPara>
-                </a14:m>
-                <a:endParaRPr lang="en-US" dirty="0" smtClean="0"/>
-              </a:p>
-              <a:p>
-                <a:pPr marL="0" indent="0">
-                  <a:buNone/>
-                </a:pPr>
-                <a:r>
-                  <a:rPr lang="en-US" dirty="0"/>
-                  <a:t/>
-                </a:r>
-                <a:br>
-                  <a:rPr lang="en-US" dirty="0"/>
-                </a:br>
-                <a:r>
-                  <a:rPr lang="ru-RU" dirty="0" smtClean="0"/>
-                  <a:t>Т.е.  на бесконечности функция</a:t>
-                </a:r>
-                <a:r>
-                  <a:rPr lang="ru-RU" dirty="0"/>
-                  <a:t> </a:t>
-                </a:r>
-                <a:r>
-                  <a:rPr lang="ru-RU" dirty="0" smtClean="0"/>
-                  <a:t>от </a:t>
-                </a:r>
-                <a14:m>
-                  <m:oMath xmlns:m="http://schemas.openxmlformats.org/officeDocument/2006/math">
-                    <m:r>
-                      <a:rPr lang="en-US" i="1" dirty="0" smtClean="0">
-                        <a:latin typeface="Cambria Math" panose="02040503050406030204" pitchFamily="18" charset="0"/>
-                      </a:rPr>
-                      <m:t>𝑛</m:t>
-                    </m:r>
-                  </m:oMath>
-                </a14:m>
-                <a:r>
-                  <a:rPr lang="ru-RU" dirty="0" smtClean="0"/>
-                  <a:t> убывает быстрее любого полинома</a:t>
-                </a:r>
-                <a:r>
-                  <a:rPr lang="en-US" dirty="0" smtClean="0"/>
-                  <a:t> </a:t>
-                </a:r>
-                <a:r>
-                  <a:rPr lang="ru-RU" dirty="0"/>
-                  <a:t>от </a:t>
-                </a:r>
-                <a14:m>
-                  <m:oMath xmlns:m="http://schemas.openxmlformats.org/officeDocument/2006/math">
-                    <m:r>
-                      <a:rPr lang="en-US" i="1" dirty="0">
-                        <a:latin typeface="Cambria Math" panose="02040503050406030204" pitchFamily="18" charset="0"/>
-                      </a:rPr>
-                      <m:t>𝑛</m:t>
-                    </m:r>
-                  </m:oMath>
-                </a14:m>
-                <a:r>
-                  <a:rPr lang="ru-RU" dirty="0"/>
-                  <a:t> </a:t>
-                </a:r>
-                <a:r>
-                  <a:rPr lang="ru-RU" dirty="0" smtClean="0"/>
-                  <a:t>.</a:t>
-                </a:r>
-                <a:endParaRPr lang="en-US" dirty="0" smtClean="0"/>
-              </a:p>
-            </p:txBody>
-          </p:sp>
-        </mc:Choice>
-        <mc:Fallback xmlns="">
-          <p:sp>
-            <p:nvSpPr>
-              <p:cNvPr id="3" name="Объект 2"/>
-              <p:cNvSpPr>
-                <a:spLocks noGrp="1" noRot="1" noChangeAspect="1" noMove="1" noResize="1" noEditPoints="1" noAdjustHandles="1" noChangeArrowheads="1" noChangeShapeType="1" noTextEdit="1"/>
-              </p:cNvSpPr>
-              <p:nvPr>
-                <p:ph idx="1"/>
-              </p:nvPr>
-            </p:nvSpPr>
-            <p:spPr>
-              <a:xfrm>
-                <a:off x="838200" y="1825624"/>
-                <a:ext cx="10515600" cy="4629767"/>
-              </a:xfrm>
-              <a:blipFill>
-                <a:blip r:embed="rId2"/>
-                <a:stretch>
-                  <a:fillRect l="-1043" t="-2632" r="-812" b="-2632"/>
-                </a:stretch>
-              </a:blipFill>
-            </p:spPr>
-            <p:txBody>
-              <a:bodyPr/>
-              <a:lstStyle/>
-              <a:p>
-                <a:r>
-                  <a:rPr lang="ru-RU">
-                    <a:noFill/>
-                  </a:rPr>
-                  <a:t> </a:t>
-                </a:r>
-              </a:p>
-            </p:txBody>
-          </p:sp>
-        </mc:Fallback>
-      </mc:AlternateContent>
-      <p:sp>
-        <p:nvSpPr>
-          <p:cNvPr id="4" name="Номер слайда 3"/>
-          <p:cNvSpPr>
-            <a:spLocks noGrp="1"/>
-          </p:cNvSpPr>
-          <p:nvPr>
-            <p:ph type="sldNum" sz="quarter" idx="12"/>
-          </p:nvPr>
-        </p:nvSpPr>
-        <p:spPr/>
-        <p:txBody>
-          <a:bodyPr/>
-          <a:lstStyle/>
-          <a:p>
-            <a:fld id="{8253DDDB-F8F7-4D64-A7FD-3F3D61C1949F}" type="slidenum">
-              <a:rPr lang="ru-RU" smtClean="0"/>
-              <a:t>3</a:t>
-            </a:fld>
-            <a:endParaRPr lang="ru-RU"/>
-          </a:p>
-        </p:txBody>
-      </p:sp>
-    </p:spTree>
-    <p:extLst>
-      <p:ext uri="{BB962C8B-B14F-4D97-AF65-F5344CB8AC3E}">
-        <p14:creationId xmlns:p14="http://schemas.microsoft.com/office/powerpoint/2010/main" val="2459469773"/>
-      </p:ext>
-    </p:extLst>
-  </p:cSld>
-  <p:clrMapOvr>
-    <a:masterClrMapping/>
-  </p:clrMapOvr>
-  <p:timing>
-    <p:tnLst>
-      <p:par>
-        <p:cTn id="1" dur="indefinite" restart="never" nodeType="tmRoot"/>
-      </p:par>
-    </p:tnLst>
-  </p:timing>
-</p:sld>
-</file>
-
-<file path=ppt/slides/slide30.xml><?xml version="1.0" encoding="utf-8"?>
+<file path=ppt/slides/slide31.xml><?xml version="1.0" encoding="utf-8"?>
 <p:sld xmlns:a="http://schemas.openxmlformats.org/drawingml/2006/main" xmlns:r="http://schemas.openxmlformats.org/officeDocument/2006/relationships" xmlns:p="http://schemas.openxmlformats.org/presentationml/2006/main">
   <p:cSld>
     <p:spTree>
@@ -25917,7 +27500,7 @@
           <a:p>
             <a:fld id="{8253DDDB-F8F7-4D64-A7FD-3F3D61C1949F}" type="slidenum">
               <a:rPr lang="ru-RU" smtClean="0"/>
-              <a:t>30</a:t>
+              <a:t>31</a:t>
             </a:fld>
             <a:endParaRPr lang="ru-RU"/>
           </a:p>
@@ -27673,7 +29256,7 @@
 </p:sld>
 </file>
 
-<file path=ppt/slides/slide31.xml><?xml version="1.0" encoding="utf-8"?>
+<file path=ppt/slides/slide32.xml><?xml version="1.0" encoding="utf-8"?>
 <p:sld xmlns:a="http://schemas.openxmlformats.org/drawingml/2006/main" xmlns:r="http://schemas.openxmlformats.org/officeDocument/2006/relationships" xmlns:p="http://schemas.openxmlformats.org/presentationml/2006/main">
   <p:cSld>
     <p:spTree>
@@ -27904,7 +29487,7 @@
           <a:p>
             <a:fld id="{8253DDDB-F8F7-4D64-A7FD-3F3D61C1949F}" type="slidenum">
               <a:rPr lang="ru-RU" smtClean="0"/>
-              <a:t>31</a:t>
+              <a:t>32</a:t>
             </a:fld>
             <a:endParaRPr lang="ru-RU"/>
           </a:p>
@@ -29650,7 +31233,7 @@
 </p:sld>
 </file>
 
-<file path=ppt/slides/slide32.xml><?xml version="1.0" encoding="utf-8"?>
+<file path=ppt/slides/slide33.xml><?xml version="1.0" encoding="utf-8"?>
 <p:sld xmlns:a="http://schemas.openxmlformats.org/drawingml/2006/main" xmlns:r="http://schemas.openxmlformats.org/officeDocument/2006/relationships" xmlns:p="http://schemas.openxmlformats.org/presentationml/2006/main">
   <p:cSld>
     <p:spTree>
@@ -30204,7 +31787,7 @@
           <a:p>
             <a:fld id="{8253DDDB-F8F7-4D64-A7FD-3F3D61C1949F}" type="slidenum">
               <a:rPr lang="ru-RU" smtClean="0"/>
-              <a:t>32</a:t>
+              <a:t>33</a:t>
             </a:fld>
             <a:endParaRPr lang="ru-RU" dirty="0"/>
           </a:p>
@@ -31430,7 +33013,7 @@
 </p:sld>
 </file>
 
-<file path=ppt/slides/slide33.xml><?xml version="1.0" encoding="utf-8"?>
+<file path=ppt/slides/slide34.xml><?xml version="1.0" encoding="utf-8"?>
 <p:sld xmlns:a="http://schemas.openxmlformats.org/drawingml/2006/main" xmlns:r="http://schemas.openxmlformats.org/officeDocument/2006/relationships" xmlns:p="http://schemas.openxmlformats.org/presentationml/2006/main">
   <p:cSld>
     <p:spTree>
@@ -31524,7 +33107,7 @@
           <a:p>
             <a:fld id="{8253DDDB-F8F7-4D64-A7FD-3F3D61C1949F}" type="slidenum">
               <a:rPr lang="ru-RU" smtClean="0"/>
-              <a:t>33</a:t>
+              <a:t>34</a:t>
             </a:fld>
             <a:endParaRPr lang="ru-RU"/>
           </a:p>
@@ -33568,7 +35151,7 @@
 </p:sld>
 </file>
 
-<file path=ppt/slides/slide34.xml><?xml version="1.0" encoding="utf-8"?>
+<file path=ppt/slides/slide35.xml><?xml version="1.0" encoding="utf-8"?>
 <p:sld xmlns:a="http://schemas.openxmlformats.org/drawingml/2006/main" xmlns:r="http://schemas.openxmlformats.org/officeDocument/2006/relationships" xmlns:p="http://schemas.openxmlformats.org/presentationml/2006/main">
   <p:cSld>
     <p:spTree>
@@ -33715,7 +35298,7 @@
           <a:p>
             <a:fld id="{8253DDDB-F8F7-4D64-A7FD-3F3D61C1949F}" type="slidenum">
               <a:rPr lang="ru-RU" smtClean="0"/>
-              <a:t>34</a:t>
+              <a:t>35</a:t>
             </a:fld>
             <a:endParaRPr lang="ru-RU"/>
           </a:p>
@@ -35327,8 +36910,16 @@
           <a:lstStyle/>
           <a:p>
             <a:r>
+              <a:rPr lang="ru-RU" dirty="0" err="1" smtClean="0"/>
+              <a:t>Сверх-полиномиальные</a:t>
+            </a:r>
+            <a:r>
               <a:rPr lang="ru-RU" dirty="0" smtClean="0"/>
-              <a:t>Супер-полиномиальные и </a:t>
+              <a:t> </a:t>
+            </a:r>
+            <a:r>
+              <a:rPr lang="ru-RU" dirty="0" smtClean="0"/>
+              <a:t>и </a:t>
             </a:r>
             <a:r>
               <a:rPr lang="ru-RU" dirty="0" err="1" smtClean="0"/>
@@ -35336,14 +36927,18 @@
             </a:r>
             <a:r>
               <a:rPr lang="ru-RU" dirty="0" smtClean="0"/>
-              <a:t> ограниченные функция</a:t>
+              <a:t> ограниченные </a:t>
+            </a:r>
+            <a:r>
+              <a:rPr lang="ru-RU" dirty="0" smtClean="0"/>
+              <a:t>функции</a:t>
             </a:r>
             <a:endParaRPr lang="ru-RU" dirty="0"/>
           </a:p>
         </p:txBody>
       </p:sp>
-      <mc:AlternateContent xmlns:mc="http://schemas.openxmlformats.org/markup-compatibility/2006" xmlns:a14="http://schemas.microsoft.com/office/drawing/2010/main">
-        <mc:Choice Requires="a14">
+      <mc:AlternateContent xmlns:mc="http://schemas.openxmlformats.org/markup-compatibility/2006">
+        <mc:Choice xmlns:a14="http://schemas.microsoft.com/office/drawing/2010/main" Requires="a14">
           <p:sp>
             <p:nvSpPr>
               <p:cNvPr id="3" name="Объект 2"/>
@@ -35421,12 +37016,20 @@
                   <a:t> называется </a:t>
                 </a:r>
                 <a:r>
+                  <a:rPr lang="en-US" b="1" dirty="0" smtClean="0"/>
+                  <a:t>c</a:t>
+                </a:r>
+                <a:r>
                   <a:rPr lang="ru-RU" b="1" dirty="0" smtClean="0"/>
-                  <a:t>супер-полиномиальной</a:t>
+                  <a:t>верх-полиномиальной</a:t>
                 </a:r>
                 <a:r>
                   <a:rPr lang="en-US" b="1" dirty="0" smtClean="0"/>
-                  <a:t> (super-poly)</a:t>
+                  <a:t> </a:t>
+                </a:r>
+                <a:r>
+                  <a:rPr lang="en-US" b="1" dirty="0" smtClean="0"/>
+                  <a:t>(super-poly)</a:t>
                 </a:r>
                 <a:r>
                   <a:rPr lang="ru-RU" dirty="0" smtClean="0"/>
@@ -35782,7 +37385,7 @@
             </p:txBody>
           </p:sp>
         </mc:Choice>
-        <mc:Fallback xmlns="">
+        <mc:Fallback>
           <p:sp>
             <p:nvSpPr>
               <p:cNvPr id="3" name="Объект 2"/>
@@ -36974,8 +38577,8 @@
           </a:p>
         </p:txBody>
       </p:sp>
-      <mc:AlternateContent xmlns:mc="http://schemas.openxmlformats.org/markup-compatibility/2006" xmlns:a14="http://schemas.microsoft.com/office/drawing/2010/main">
-        <mc:Choice Requires="a14">
+      <mc:AlternateContent xmlns:mc="http://schemas.openxmlformats.org/markup-compatibility/2006">
+        <mc:Choice xmlns:a14="http://schemas.microsoft.com/office/drawing/2010/main" Requires="a14">
           <p:sp>
             <p:nvSpPr>
               <p:cNvPr id="3" name="Объект 2"/>
@@ -37696,8 +39299,24 @@
                   <a:t>полиномиально</a:t>
                 </a:r>
                 <a:r>
+                  <a:rPr lang="ru-RU" b="1" dirty="0"/>
+                  <a:t>-</a:t>
+                </a:r>
+                <a:r>
                   <a:rPr lang="ru-RU" b="1" dirty="0" smtClean="0"/>
-                  <a:t> ограниченном входе он выполняется за полиномиальное время</a:t>
+                  <a:t>ограниченном </a:t>
+                </a:r>
+                <a:r>
+                  <a:rPr lang="ru-RU" b="1" dirty="0" smtClean="0"/>
+                  <a:t>входе </a:t>
+                </a:r>
+                <a:r>
+                  <a:rPr lang="ru-RU" b="1" dirty="0" smtClean="0"/>
+                  <a:t>он почти всегда (т.е. за исключением конечного малого числа точек) </a:t>
+                </a:r>
+                <a:r>
+                  <a:rPr lang="ru-RU" b="1" dirty="0" smtClean="0"/>
+                  <a:t>выполняется за полиномиальное время</a:t>
                 </a:r>
                 <a:r>
                   <a:rPr lang="ru-RU" dirty="0" smtClean="0"/>
@@ -37708,7 +39327,7 @@
             </p:txBody>
           </p:sp>
         </mc:Choice>
-        <mc:Fallback xmlns="">
+        <mc:Fallback>
           <p:sp>
             <p:nvSpPr>
               <p:cNvPr id="3" name="Объект 2"/>
@@ -37720,10 +39339,10 @@
               </p:nvPr>
             </p:nvSpPr>
             <p:spPr>
-              <a:blipFill rotWithShape="0">
+              <a:blipFill>
                 <a:blip r:embed="rId2"/>
                 <a:stretch>
-                  <a:fillRect l="-1043" t="-2801" r="-580"/>
+                  <a:fillRect l="-1043" t="-2801" b="-2941"/>
                 </a:stretch>
               </a:blipFill>
             </p:spPr>

--- a/Lectures/Lecture2.pptx
+++ b/Lectures/Lecture2.pptx
@@ -289,7 +289,7 @@
           <a:p>
             <a:fld id="{CBA08D16-15DC-4E25-BDC3-F25146157B16}" type="datetimeFigureOut">
               <a:rPr lang="ru-RU" smtClean="0"/>
-              <a:t>14.09.2020</a:t>
+              <a:t>17.09.2020</a:t>
             </a:fld>
             <a:endParaRPr lang="ru-RU"/>
           </a:p>
@@ -688,7 +688,7 @@
           <a:p>
             <a:fld id="{FCEC8293-DB51-454A-BE81-EC8FCB31EBA2}" type="datetime1">
               <a:rPr lang="ru-RU" smtClean="0"/>
-              <a:t>14.09.2020</a:t>
+              <a:t>17.09.2020</a:t>
             </a:fld>
             <a:endParaRPr lang="ru-RU"/>
           </a:p>
@@ -862,7 +862,7 @@
           <a:p>
             <a:fld id="{241C87B1-1C35-4DBD-BC18-2BC72E776603}" type="datetime1">
               <a:rPr lang="ru-RU" smtClean="0"/>
-              <a:t>14.09.2020</a:t>
+              <a:t>17.09.2020</a:t>
             </a:fld>
             <a:endParaRPr lang="ru-RU"/>
           </a:p>
@@ -1046,7 +1046,7 @@
           <a:p>
             <a:fld id="{3134C275-26C0-42CD-9111-9ADE65922AF9}" type="datetime1">
               <a:rPr lang="ru-RU" smtClean="0"/>
-              <a:t>14.09.2020</a:t>
+              <a:t>17.09.2020</a:t>
             </a:fld>
             <a:endParaRPr lang="ru-RU"/>
           </a:p>
@@ -1220,7 +1220,7 @@
           <a:p>
             <a:fld id="{C1A9A50B-C350-45F5-8AAB-ADB9E670AF2E}" type="datetime1">
               <a:rPr lang="ru-RU" smtClean="0"/>
-              <a:t>14.09.2020</a:t>
+              <a:t>17.09.2020</a:t>
             </a:fld>
             <a:endParaRPr lang="ru-RU"/>
           </a:p>
@@ -1470,7 +1470,7 @@
           <a:p>
             <a:fld id="{089688C9-348F-42F9-B6C0-5990DDE0C5B2}" type="datetime1">
               <a:rPr lang="ru-RU" smtClean="0"/>
-              <a:t>14.09.2020</a:t>
+              <a:t>17.09.2020</a:t>
             </a:fld>
             <a:endParaRPr lang="ru-RU"/>
           </a:p>
@@ -1706,7 +1706,7 @@
           <a:p>
             <a:fld id="{684AFD8F-6DD9-4AD3-A505-FDC3F5C5F3F6}" type="datetime1">
               <a:rPr lang="ru-RU" smtClean="0"/>
-              <a:t>14.09.2020</a:t>
+              <a:t>17.09.2020</a:t>
             </a:fld>
             <a:endParaRPr lang="ru-RU"/>
           </a:p>
@@ -2077,7 +2077,7 @@
           <a:p>
             <a:fld id="{63551EFE-4D02-45EB-A747-8B6F047B5AA0}" type="datetime1">
               <a:rPr lang="ru-RU" smtClean="0"/>
-              <a:t>14.09.2020</a:t>
+              <a:t>17.09.2020</a:t>
             </a:fld>
             <a:endParaRPr lang="ru-RU"/>
           </a:p>
@@ -2199,7 +2199,7 @@
           <a:p>
             <a:fld id="{813A9F34-E5CD-4B8F-AA9E-889C84372B20}" type="datetime1">
               <a:rPr lang="ru-RU" smtClean="0"/>
-              <a:t>14.09.2020</a:t>
+              <a:t>17.09.2020</a:t>
             </a:fld>
             <a:endParaRPr lang="ru-RU"/>
           </a:p>
@@ -2298,7 +2298,7 @@
           <a:p>
             <a:fld id="{51224D22-9B29-44A6-8E82-95FC492DEDC1}" type="datetime1">
               <a:rPr lang="ru-RU" smtClean="0"/>
-              <a:t>14.09.2020</a:t>
+              <a:t>17.09.2020</a:t>
             </a:fld>
             <a:endParaRPr lang="ru-RU"/>
           </a:p>
@@ -2579,7 +2579,7 @@
           <a:p>
             <a:fld id="{91D1034F-4441-48A1-BDC0-25EA1022324A}" type="datetime1">
               <a:rPr lang="ru-RU" smtClean="0"/>
-              <a:t>14.09.2020</a:t>
+              <a:t>17.09.2020</a:t>
             </a:fld>
             <a:endParaRPr lang="ru-RU"/>
           </a:p>
@@ -2836,7 +2836,7 @@
           <a:p>
             <a:fld id="{B0FFDE79-B627-473B-AE17-4C65BD2495F7}" type="datetime1">
               <a:rPr lang="ru-RU" smtClean="0"/>
-              <a:t>14.09.2020</a:t>
+              <a:t>17.09.2020</a:t>
             </a:fld>
             <a:endParaRPr lang="ru-RU"/>
           </a:p>
@@ -3053,7 +3053,7 @@
           <a:p>
             <a:fld id="{11CA537A-1B8C-47BA-9BA6-7CE3FAFDA8BE}" type="datetime1">
               <a:rPr lang="ru-RU" smtClean="0"/>
-              <a:t>14.09.2020</a:t>
+              <a:t>17.09.2020</a:t>
             </a:fld>
             <a:endParaRPr lang="ru-RU"/>
           </a:p>
@@ -3551,11 +3551,7 @@
           <a:p>
             <a:r>
               <a:rPr lang="ru-RU" dirty="0" smtClean="0"/>
-              <a:t>МИФИ </a:t>
-            </a:r>
-            <a:r>
-              <a:rPr lang="ru-RU" dirty="0" smtClean="0"/>
-              <a:t>20</a:t>
+              <a:t>МИФИ 20</a:t>
             </a:r>
             <a:r>
               <a:rPr lang="en-US" dirty="0" smtClean="0"/>
@@ -3625,8 +3621,8 @@
           </a:p>
         </p:txBody>
       </p:sp>
-      <mc:AlternateContent xmlns:mc="http://schemas.openxmlformats.org/markup-compatibility/2006">
-        <mc:Choice xmlns:a14="http://schemas.microsoft.com/office/drawing/2010/main" Requires="a14">
+      <mc:AlternateContent xmlns:mc="http://schemas.openxmlformats.org/markup-compatibility/2006" xmlns:a14="http://schemas.microsoft.com/office/drawing/2010/main">
+        <mc:Choice Requires="a14">
           <p:sp>
             <p:nvSpPr>
               <p:cNvPr id="3" name="Объект 2"/>
@@ -4256,11 +4252,7 @@
                 </a:r>
                 <a:r>
                   <a:rPr lang="ru-RU" dirty="0" smtClean="0"/>
-                  <a:t> </a:t>
-                </a:r>
-                <a:r>
-                  <a:rPr lang="ru-RU" dirty="0" smtClean="0"/>
-                  <a:t>сверху полиномом </a:t>
+                  <a:t> сверху полиномом </a:t>
                 </a:r>
                 <a14:m>
                   <m:oMath xmlns:m="http://schemas.openxmlformats.org/officeDocument/2006/math">
@@ -4494,7 +4486,7 @@
             </p:txBody>
           </p:sp>
         </mc:Choice>
-        <mc:Fallback>
+        <mc:Fallback xmlns="">
           <p:sp>
             <p:nvSpPr>
               <p:cNvPr id="3" name="Объект 2"/>
@@ -4643,11 +4635,7 @@
             </a:r>
             <a:r>
               <a:rPr lang="ru-RU" dirty="0" smtClean="0"/>
-              <a:t>ограниченное </a:t>
-            </a:r>
-            <a:r>
-              <a:rPr lang="ru-RU" dirty="0" smtClean="0"/>
-              <a:t>число шагов, Противник обладает </a:t>
+              <a:t>ограниченное число шагов, Противник обладает </a:t>
             </a:r>
             <a:r>
               <a:rPr lang="ru-RU" dirty="0" err="1" smtClean="0"/>
@@ -4659,19 +4647,7 @@
             </a:r>
             <a:r>
               <a:rPr lang="ru-RU" dirty="0" smtClean="0"/>
-              <a:t>ограниченным </a:t>
-            </a:r>
-            <a:r>
-              <a:rPr lang="ru-RU" dirty="0" smtClean="0"/>
-              <a:t>временем и </a:t>
-            </a:r>
-            <a:r>
-              <a:rPr lang="ru-RU" dirty="0" smtClean="0"/>
-              <a:t>памятью. </a:t>
-            </a:r>
-            <a:r>
-              <a:rPr lang="ru-RU" dirty="0" smtClean="0"/>
-              <a:t>Т.е. алгоритм игры должен быть эффективным. </a:t>
+              <a:t>ограниченным временем и памятью. Т.е. алгоритм игры должен быть эффективным. </a:t>
             </a:r>
             <a:endParaRPr lang="ru-RU" dirty="0"/>
           </a:p>
@@ -5194,8 +5170,8 @@
           </a:p>
         </p:txBody>
       </p:sp>
-      <mc:AlternateContent xmlns:mc="http://schemas.openxmlformats.org/markup-compatibility/2006">
-        <mc:Choice xmlns:a14="http://schemas.microsoft.com/office/drawing/2010/main" Requires="a14">
+      <mc:AlternateContent xmlns:mc="http://schemas.openxmlformats.org/markup-compatibility/2006" xmlns:a14="http://schemas.microsoft.com/office/drawing/2010/main">
+        <mc:Choice Requires="a14">
           <p:sp>
             <p:nvSpPr>
               <p:cNvPr id="27" name="Text Box 13"/>
@@ -5271,7 +5247,7 @@
             </p:txBody>
           </p:sp>
         </mc:Choice>
-        <mc:Fallback>
+        <mc:Fallback xmlns="">
           <p:sp>
             <p:nvSpPr>
               <p:cNvPr id="27" name="Text Box 13"/>
@@ -6576,8 +6552,8 @@
           </a:p>
         </p:txBody>
       </p:sp>
-      <mc:AlternateContent xmlns:mc="http://schemas.openxmlformats.org/markup-compatibility/2006">
-        <mc:Choice xmlns:a14="http://schemas.microsoft.com/office/drawing/2010/main" Requires="a14">
+      <mc:AlternateContent xmlns:mc="http://schemas.openxmlformats.org/markup-compatibility/2006" xmlns:a14="http://schemas.microsoft.com/office/drawing/2010/main">
+        <mc:Choice Requires="a14">
           <p:sp>
             <p:nvSpPr>
               <p:cNvPr id="37" name="Text Box 13"/>
@@ -6653,7 +6629,7 @@
             </p:txBody>
           </p:sp>
         </mc:Choice>
-        <mc:Fallback>
+        <mc:Fallback xmlns="">
           <p:sp>
             <p:nvSpPr>
               <p:cNvPr id="37" name="Text Box 13"/>
@@ -8861,8 +8837,8 @@
           </a:p>
         </p:txBody>
       </p:sp>
-      <mc:AlternateContent xmlns:mc="http://schemas.openxmlformats.org/markup-compatibility/2006">
-        <mc:Choice xmlns:a14="http://schemas.microsoft.com/office/drawing/2010/main" Requires="a14">
+      <mc:AlternateContent xmlns:mc="http://schemas.openxmlformats.org/markup-compatibility/2006" xmlns:a14="http://schemas.microsoft.com/office/drawing/2010/main">
+        <mc:Choice Requires="a14">
           <p:sp>
             <p:nvSpPr>
               <p:cNvPr id="5" name="Прямоугольник 4"/>
@@ -9094,7 +9070,7 @@
             </p:txBody>
           </p:sp>
         </mc:Choice>
-        <mc:Fallback>
+        <mc:Fallback xmlns="">
           <p:sp>
             <p:nvSpPr>
               <p:cNvPr id="5" name="Прямоугольник 4"/>
@@ -9209,8 +9185,8 @@
           </a:p>
         </p:txBody>
       </p:sp>
-      <mc:AlternateContent xmlns:mc="http://schemas.openxmlformats.org/markup-compatibility/2006">
-        <mc:Choice xmlns:a14="http://schemas.microsoft.com/office/drawing/2010/main" Requires="a14">
+      <mc:AlternateContent xmlns:mc="http://schemas.openxmlformats.org/markup-compatibility/2006" xmlns:a14="http://schemas.microsoft.com/office/drawing/2010/main">
+        <mc:Choice Requires="a14">
           <p:sp>
             <p:nvSpPr>
               <p:cNvPr id="8" name="Rectangle 7"/>
@@ -9264,7 +9240,7 @@
             </p:txBody>
           </p:sp>
         </mc:Choice>
-        <mc:Fallback>
+        <mc:Fallback xmlns="">
           <p:sp>
             <p:nvSpPr>
               <p:cNvPr id="8" name="Rectangle 7"/>
@@ -9746,8 +9722,8 @@
           </a:p>
         </p:txBody>
       </p:sp>
-      <mc:AlternateContent xmlns:mc="http://schemas.openxmlformats.org/markup-compatibility/2006">
-        <mc:Choice xmlns:a14="http://schemas.microsoft.com/office/drawing/2010/main" Requires="a14">
+      <mc:AlternateContent xmlns:mc="http://schemas.openxmlformats.org/markup-compatibility/2006" xmlns:a14="http://schemas.microsoft.com/office/drawing/2010/main">
+        <mc:Choice Requires="a14">
           <p:sp>
             <p:nvSpPr>
               <p:cNvPr id="16" name="Text Box 13"/>
@@ -9823,7 +9799,7 @@
             </p:txBody>
           </p:sp>
         </mc:Choice>
-        <mc:Fallback>
+        <mc:Fallback xmlns="">
           <p:sp>
             <p:nvSpPr>
               <p:cNvPr id="16" name="Text Box 13"/>
@@ -9920,8 +9896,8 @@
             </a:p>
           </p:txBody>
         </p:sp>
-        <mc:AlternateContent xmlns:mc="http://schemas.openxmlformats.org/markup-compatibility/2006">
-          <mc:Choice xmlns:a14="http://schemas.microsoft.com/office/drawing/2010/main" Requires="a14">
+        <mc:AlternateContent xmlns:mc="http://schemas.openxmlformats.org/markup-compatibility/2006" xmlns:a14="http://schemas.microsoft.com/office/drawing/2010/main">
+          <mc:Choice Requires="a14">
             <p:sp>
               <p:nvSpPr>
                 <p:cNvPr id="19" name="Text Box 14"/>
@@ -10031,7 +10007,7 @@
               </p:txBody>
             </p:sp>
           </mc:Choice>
-          <mc:Fallback>
+          <mc:Fallback xmlns="">
             <p:sp>
               <p:nvSpPr>
                 <p:cNvPr id="19" name="Text Box 14"/>
@@ -10078,8 +10054,8 @@
           </mc:Fallback>
         </mc:AlternateContent>
       </p:grpSp>
-      <mc:AlternateContent xmlns:mc="http://schemas.openxmlformats.org/markup-compatibility/2006">
-        <mc:Choice xmlns:a14="http://schemas.microsoft.com/office/drawing/2010/main" Requires="a14">
+      <mc:AlternateContent xmlns:mc="http://schemas.openxmlformats.org/markup-compatibility/2006" xmlns:a14="http://schemas.microsoft.com/office/drawing/2010/main">
+        <mc:Choice Requires="a14">
           <p:sp>
             <p:nvSpPr>
               <p:cNvPr id="20" name="Text Box 17"/>
@@ -10128,13 +10104,7 @@
                         <a:rPr lang="en-US" sz="2400" i="1" dirty="0" smtClean="0">
                           <a:latin typeface="Cambria Math" panose="02040503050406030204" pitchFamily="18" charset="0"/>
                         </a:rPr>
-                        <m:t>’∈ {0</m:t>
-                      </m:r>
-                      <m:r>
-                        <a:rPr lang="en-US" sz="2400" i="1" dirty="0" smtClean="0">
-                          <a:latin typeface="Cambria Math" panose="02040503050406030204" pitchFamily="18" charset="0"/>
-                        </a:rPr>
-                        <m:t>,1}</m:t>
+                        <m:t>’∈ {0,1}</m:t>
                       </m:r>
                     </m:oMath>
                   </m:oMathPara>
@@ -10144,7 +10114,7 @@
             </p:txBody>
           </p:sp>
         </mc:Choice>
-        <mc:Fallback>
+        <mc:Fallback xmlns="">
           <p:sp>
             <p:nvSpPr>
               <p:cNvPr id="20" name="Text Box 17"/>
@@ -13935,8 +13905,8 @@
           </a:p>
         </p:txBody>
       </p:sp>
-      <mc:AlternateContent xmlns:mc="http://schemas.openxmlformats.org/markup-compatibility/2006">
-        <mc:Choice xmlns:a14="http://schemas.microsoft.com/office/drawing/2010/main" Requires="a14">
+      <mc:AlternateContent xmlns:mc="http://schemas.openxmlformats.org/markup-compatibility/2006" xmlns:a14="http://schemas.microsoft.com/office/drawing/2010/main">
+        <mc:Choice Requires="a14">
           <p:sp>
             <p:nvSpPr>
               <p:cNvPr id="16" name="Text Box 13"/>
@@ -14012,7 +13982,7 @@
             </p:txBody>
           </p:sp>
         </mc:Choice>
-        <mc:Fallback>
+        <mc:Fallback xmlns="">
           <p:sp>
             <p:nvSpPr>
               <p:cNvPr id="16" name="Text Box 13"/>
@@ -14109,8 +14079,8 @@
             </a:p>
           </p:txBody>
         </p:sp>
-        <mc:AlternateContent xmlns:mc="http://schemas.openxmlformats.org/markup-compatibility/2006">
-          <mc:Choice xmlns:a14="http://schemas.microsoft.com/office/drawing/2010/main" Requires="a14">
+        <mc:AlternateContent xmlns:mc="http://schemas.openxmlformats.org/markup-compatibility/2006" xmlns:a14="http://schemas.microsoft.com/office/drawing/2010/main">
+          <mc:Choice Requires="a14">
             <p:sp>
               <p:nvSpPr>
                 <p:cNvPr id="19" name="Text Box 14"/>
@@ -14220,7 +14190,7 @@
               </p:txBody>
             </p:sp>
           </mc:Choice>
-          <mc:Fallback>
+          <mc:Fallback xmlns="">
             <p:sp>
               <p:nvSpPr>
                 <p:cNvPr id="19" name="Text Box 14"/>
@@ -14280,7 +14250,7 @@
             <p:spPr bwMode="auto">
               <a:xfrm>
                 <a:off x="3330658" y="1209616"/>
-                <a:ext cx="1557338" cy="461962"/>
+                <a:ext cx="1497269" cy="461665"/>
               </a:xfrm>
               <a:prstGeom prst="rect">
                 <a:avLst/>
@@ -14317,13 +14287,7 @@
                         <a:rPr lang="en-US" sz="2400" i="1" dirty="0" smtClean="0">
                           <a:latin typeface="Cambria Math" panose="02040503050406030204" pitchFamily="18" charset="0"/>
                         </a:rPr>
-                        <m:t>’∈ {0</m:t>
-                      </m:r>
-                      <m:r>
-                        <a:rPr lang="en-US" sz="2400" i="1" dirty="0" smtClean="0">
-                          <a:latin typeface="Cambria Math" panose="02040503050406030204" pitchFamily="18" charset="0"/>
-                        </a:rPr>
-                        <m:t>,1}</m:t>
+                        <m:t>∈ {0,1}</m:t>
                       </m:r>
                     </m:oMath>
                   </m:oMathPara>
@@ -14345,7 +14309,7 @@
             <p:spPr bwMode="auto">
               <a:xfrm>
                 <a:off x="3330658" y="1209616"/>
-                <a:ext cx="1557338" cy="461962"/>
+                <a:ext cx="1497269" cy="461665"/>
               </a:xfrm>
               <a:prstGeom prst="rect">
                 <a:avLst/>
@@ -14353,7 +14317,7 @@
               <a:blipFill>
                 <a:blip r:embed="rId10"/>
                 <a:stretch>
-                  <a:fillRect r="-781" b="-17105"/>
+                  <a:fillRect r="-813" b="-17105"/>
                 </a:stretch>
               </a:blipFill>
               <a:ln w="9525">
@@ -16516,8 +16480,8 @@
           </a:p>
         </p:txBody>
       </p:sp>
-      <mc:AlternateContent xmlns:mc="http://schemas.openxmlformats.org/markup-compatibility/2006">
-        <mc:Choice xmlns:a14="http://schemas.microsoft.com/office/drawing/2010/main" Requires="a14">
+      <mc:AlternateContent xmlns:mc="http://schemas.openxmlformats.org/markup-compatibility/2006" xmlns:a14="http://schemas.microsoft.com/office/drawing/2010/main">
+        <mc:Choice Requires="a14">
           <p:sp>
             <p:nvSpPr>
               <p:cNvPr id="3" name="Объект 2"/>
@@ -16886,13 +16850,7 @@
                         <a:rPr lang="en-US" b="0" i="1" smtClean="0">
                           <a:latin typeface="Cambria Math" panose="02040503050406030204" pitchFamily="18" charset="0"/>
                         </a:rPr>
-                        <m:t>|</m:t>
-                      </m:r>
-                      <m:r>
-                        <a:rPr lang="en-US" b="0" i="1" smtClean="0">
-                          <a:latin typeface="Cambria Math" panose="02040503050406030204" pitchFamily="18" charset="0"/>
-                        </a:rPr>
-                        <m:t>.</m:t>
+                        <m:t>|.</m:t>
                       </m:r>
                     </m:oMath>
                   </m:oMathPara>
@@ -16902,7 +16860,7 @@
             </p:txBody>
           </p:sp>
         </mc:Choice>
-        <mc:Fallback>
+        <mc:Fallback xmlns="">
           <p:sp>
             <p:nvSpPr>
               <p:cNvPr id="3" name="Объект 2"/>
@@ -36915,11 +36873,7 @@
             </a:r>
             <a:r>
               <a:rPr lang="ru-RU" dirty="0" smtClean="0"/>
-              <a:t> </a:t>
-            </a:r>
-            <a:r>
-              <a:rPr lang="ru-RU" dirty="0" smtClean="0"/>
-              <a:t>и </a:t>
+              <a:t> и </a:t>
             </a:r>
             <a:r>
               <a:rPr lang="ru-RU" dirty="0" err="1" smtClean="0"/>
@@ -36927,18 +36881,14 @@
             </a:r>
             <a:r>
               <a:rPr lang="ru-RU" dirty="0" smtClean="0"/>
-              <a:t> ограниченные </a:t>
-            </a:r>
-            <a:r>
-              <a:rPr lang="ru-RU" dirty="0" smtClean="0"/>
-              <a:t>функции</a:t>
+              <a:t> ограниченные функции</a:t>
             </a:r>
             <a:endParaRPr lang="ru-RU" dirty="0"/>
           </a:p>
         </p:txBody>
       </p:sp>
-      <mc:AlternateContent xmlns:mc="http://schemas.openxmlformats.org/markup-compatibility/2006">
-        <mc:Choice xmlns:a14="http://schemas.microsoft.com/office/drawing/2010/main" Requires="a14">
+      <mc:AlternateContent xmlns:mc="http://schemas.openxmlformats.org/markup-compatibility/2006" xmlns:a14="http://schemas.microsoft.com/office/drawing/2010/main">
+        <mc:Choice Requires="a14">
           <p:sp>
             <p:nvSpPr>
               <p:cNvPr id="3" name="Объект 2"/>
@@ -37025,11 +36975,7 @@
                 </a:r>
                 <a:r>
                   <a:rPr lang="en-US" b="1" dirty="0" smtClean="0"/>
-                  <a:t> </a:t>
-                </a:r>
-                <a:r>
-                  <a:rPr lang="en-US" b="1" dirty="0" smtClean="0"/>
-                  <a:t>(super-poly)</a:t>
+                  <a:t> (super-poly)</a:t>
                 </a:r>
                 <a:r>
                   <a:rPr lang="ru-RU" dirty="0" smtClean="0"/>
@@ -37385,7 +37331,7 @@
             </p:txBody>
           </p:sp>
         </mc:Choice>
-        <mc:Fallback>
+        <mc:Fallback xmlns="">
           <p:sp>
             <p:nvSpPr>
               <p:cNvPr id="3" name="Объект 2"/>
@@ -38577,8 +38523,8 @@
           </a:p>
         </p:txBody>
       </p:sp>
-      <mc:AlternateContent xmlns:mc="http://schemas.openxmlformats.org/markup-compatibility/2006">
-        <mc:Choice xmlns:a14="http://schemas.microsoft.com/office/drawing/2010/main" Requires="a14">
+      <mc:AlternateContent xmlns:mc="http://schemas.openxmlformats.org/markup-compatibility/2006" xmlns:a14="http://schemas.microsoft.com/office/drawing/2010/main">
+        <mc:Choice Requires="a14">
           <p:sp>
             <p:nvSpPr>
               <p:cNvPr id="3" name="Объект 2"/>
@@ -39304,19 +39250,7 @@
                 </a:r>
                 <a:r>
                   <a:rPr lang="ru-RU" b="1" dirty="0" smtClean="0"/>
-                  <a:t>ограниченном </a:t>
-                </a:r>
-                <a:r>
-                  <a:rPr lang="ru-RU" b="1" dirty="0" smtClean="0"/>
-                  <a:t>входе </a:t>
-                </a:r>
-                <a:r>
-                  <a:rPr lang="ru-RU" b="1" dirty="0" smtClean="0"/>
-                  <a:t>он почти всегда (т.е. за исключением конечного малого числа точек) </a:t>
-                </a:r>
-                <a:r>
-                  <a:rPr lang="ru-RU" b="1" dirty="0" smtClean="0"/>
-                  <a:t>выполняется за полиномиальное время</a:t>
+                  <a:t>ограниченном входе он почти всегда (т.е. за исключением конечного малого числа точек) выполняется за полиномиальное время</a:t>
                 </a:r>
                 <a:r>
                   <a:rPr lang="ru-RU" dirty="0" smtClean="0"/>
@@ -39327,7 +39261,7 @@
             </p:txBody>
           </p:sp>
         </mc:Choice>
-        <mc:Fallback>
+        <mc:Fallback xmlns="">
           <p:sp>
             <p:nvSpPr>
               <p:cNvPr id="3" name="Объект 2"/>

--- a/Lectures/Lecture2.pptx
+++ b/Lectures/Lecture2.pptx
@@ -289,7 +289,7 @@
           <a:p>
             <a:fld id="{CBA08D16-15DC-4E25-BDC3-F25146157B16}" type="datetimeFigureOut">
               <a:rPr lang="ru-RU" smtClean="0"/>
-              <a:t>17.09.2020</a:t>
+              <a:t>16.09.2021</a:t>
             </a:fld>
             <a:endParaRPr lang="ru-RU"/>
           </a:p>
@@ -688,7 +688,7 @@
           <a:p>
             <a:fld id="{FCEC8293-DB51-454A-BE81-EC8FCB31EBA2}" type="datetime1">
               <a:rPr lang="ru-RU" smtClean="0"/>
-              <a:t>17.09.2020</a:t>
+              <a:t>16.09.2021</a:t>
             </a:fld>
             <a:endParaRPr lang="ru-RU"/>
           </a:p>
@@ -862,7 +862,7 @@
           <a:p>
             <a:fld id="{241C87B1-1C35-4DBD-BC18-2BC72E776603}" type="datetime1">
               <a:rPr lang="ru-RU" smtClean="0"/>
-              <a:t>17.09.2020</a:t>
+              <a:t>16.09.2021</a:t>
             </a:fld>
             <a:endParaRPr lang="ru-RU"/>
           </a:p>
@@ -1046,7 +1046,7 @@
           <a:p>
             <a:fld id="{3134C275-26C0-42CD-9111-9ADE65922AF9}" type="datetime1">
               <a:rPr lang="ru-RU" smtClean="0"/>
-              <a:t>17.09.2020</a:t>
+              <a:t>16.09.2021</a:t>
             </a:fld>
             <a:endParaRPr lang="ru-RU"/>
           </a:p>
@@ -1220,7 +1220,7 @@
           <a:p>
             <a:fld id="{C1A9A50B-C350-45F5-8AAB-ADB9E670AF2E}" type="datetime1">
               <a:rPr lang="ru-RU" smtClean="0"/>
-              <a:t>17.09.2020</a:t>
+              <a:t>16.09.2021</a:t>
             </a:fld>
             <a:endParaRPr lang="ru-RU"/>
           </a:p>
@@ -1470,7 +1470,7 @@
           <a:p>
             <a:fld id="{089688C9-348F-42F9-B6C0-5990DDE0C5B2}" type="datetime1">
               <a:rPr lang="ru-RU" smtClean="0"/>
-              <a:t>17.09.2020</a:t>
+              <a:t>16.09.2021</a:t>
             </a:fld>
             <a:endParaRPr lang="ru-RU"/>
           </a:p>
@@ -1706,7 +1706,7 @@
           <a:p>
             <a:fld id="{684AFD8F-6DD9-4AD3-A505-FDC3F5C5F3F6}" type="datetime1">
               <a:rPr lang="ru-RU" smtClean="0"/>
-              <a:t>17.09.2020</a:t>
+              <a:t>16.09.2021</a:t>
             </a:fld>
             <a:endParaRPr lang="ru-RU"/>
           </a:p>
@@ -2077,7 +2077,7 @@
           <a:p>
             <a:fld id="{63551EFE-4D02-45EB-A747-8B6F047B5AA0}" type="datetime1">
               <a:rPr lang="ru-RU" smtClean="0"/>
-              <a:t>17.09.2020</a:t>
+              <a:t>16.09.2021</a:t>
             </a:fld>
             <a:endParaRPr lang="ru-RU"/>
           </a:p>
@@ -2199,7 +2199,7 @@
           <a:p>
             <a:fld id="{813A9F34-E5CD-4B8F-AA9E-889C84372B20}" type="datetime1">
               <a:rPr lang="ru-RU" smtClean="0"/>
-              <a:t>17.09.2020</a:t>
+              <a:t>16.09.2021</a:t>
             </a:fld>
             <a:endParaRPr lang="ru-RU"/>
           </a:p>
@@ -2298,7 +2298,7 @@
           <a:p>
             <a:fld id="{51224D22-9B29-44A6-8E82-95FC492DEDC1}" type="datetime1">
               <a:rPr lang="ru-RU" smtClean="0"/>
-              <a:t>17.09.2020</a:t>
+              <a:t>16.09.2021</a:t>
             </a:fld>
             <a:endParaRPr lang="ru-RU"/>
           </a:p>
@@ -2579,7 +2579,7 @@
           <a:p>
             <a:fld id="{91D1034F-4441-48A1-BDC0-25EA1022324A}" type="datetime1">
               <a:rPr lang="ru-RU" smtClean="0"/>
-              <a:t>17.09.2020</a:t>
+              <a:t>16.09.2021</a:t>
             </a:fld>
             <a:endParaRPr lang="ru-RU"/>
           </a:p>
@@ -2836,7 +2836,7 @@
           <a:p>
             <a:fld id="{B0FFDE79-B627-473B-AE17-4C65BD2495F7}" type="datetime1">
               <a:rPr lang="ru-RU" smtClean="0"/>
-              <a:t>17.09.2020</a:t>
+              <a:t>16.09.2021</a:t>
             </a:fld>
             <a:endParaRPr lang="ru-RU"/>
           </a:p>
@@ -3053,7 +3053,7 @@
           <a:p>
             <a:fld id="{11CA537A-1B8C-47BA-9BA6-7CE3FAFDA8BE}" type="datetime1">
               <a:rPr lang="ru-RU" smtClean="0"/>
-              <a:t>17.09.2020</a:t>
+              <a:t>16.09.2021</a:t>
             </a:fld>
             <a:endParaRPr lang="ru-RU"/>
           </a:p>
@@ -14237,8 +14237,8 @@
           </mc:Fallback>
         </mc:AlternateContent>
       </p:grpSp>
-      <mc:AlternateContent xmlns:mc="http://schemas.openxmlformats.org/markup-compatibility/2006">
-        <mc:Choice xmlns:a14="http://schemas.microsoft.com/office/drawing/2010/main" Requires="a14">
+      <mc:AlternateContent xmlns:mc="http://schemas.openxmlformats.org/markup-compatibility/2006" xmlns:a14="http://schemas.microsoft.com/office/drawing/2010/main">
+        <mc:Choice Requires="a14">
           <p:sp>
             <p:nvSpPr>
               <p:cNvPr id="20" name="Text Box 17"/>
@@ -14297,7 +14297,7 @@
             </p:txBody>
           </p:sp>
         </mc:Choice>
-        <mc:Fallback>
+        <mc:Fallback xmlns="">
           <p:sp>
             <p:nvSpPr>
               <p:cNvPr id="20" name="Text Box 17"/>
@@ -21838,8 +21838,8 @@
           </a:p>
         </p:txBody>
       </p:sp>
-      <mc:AlternateContent xmlns:mc="http://schemas.openxmlformats.org/markup-compatibility/2006" xmlns:a14="http://schemas.microsoft.com/office/drawing/2010/main">
-        <mc:Choice Requires="a14">
+      <mc:AlternateContent xmlns:mc="http://schemas.openxmlformats.org/markup-compatibility/2006">
+        <mc:Choice xmlns:a14="http://schemas.microsoft.com/office/drawing/2010/main" Requires="a14">
           <p:sp>
             <p:nvSpPr>
               <p:cNvPr id="3" name="Объект 2"/>
@@ -21999,10 +21999,57 @@
                   <a:t> </a:t>
                 </a:r>
                 <a:r>
+                  <a:rPr lang="ru-RU" dirty="0">
+                    <a:ea typeface="Cambria Math" panose="02040503050406030204" pitchFamily="18" charset="0"/>
+                  </a:rPr>
+                  <a:t>без доказательства</a:t>
+                </a:r>
+                <a14:m>
+                  <m:oMath xmlns:m="http://schemas.openxmlformats.org/officeDocument/2006/math">
+                    <m:r>
+                      <a:rPr lang="ru-RU" dirty="0">
+                        <a:latin typeface="Cambria Math" panose="02040503050406030204" pitchFamily="18" charset="0"/>
+                        <a:ea typeface="Cambria Math" panose="02040503050406030204" pitchFamily="18" charset="0"/>
+                      </a:rPr>
+                      <m:t>.</m:t>
+                    </m:r>
+                  </m:oMath>
+                </a14:m>
+                <a:r>
+                  <a:rPr lang="ru-RU" dirty="0"/>
+                  <a:t> </a:t>
+                </a:r>
+                <a:r>
+                  <a:rPr lang="ru-RU" dirty="0" smtClean="0"/>
+                  <a:t>Идея</a:t>
+                </a:r>
+                <a:r>
+                  <a:rPr lang="en-US" dirty="0" smtClean="0"/>
+                  <a:t> </a:t>
+                </a:r>
+                <a:r>
+                  <a:rPr lang="ru-RU" dirty="0" smtClean="0"/>
+                  <a:t>доказательства </a:t>
+                </a:r>
+                <a:r>
+                  <a:rPr lang="ru-RU" dirty="0"/>
+                  <a:t>–</a:t>
+                </a:r>
+                <a:r>
+                  <a:rPr lang="ru-RU" dirty="0" smtClean="0"/>
+                  <a:t> </a:t>
+                </a:r>
+                <a:r>
+                  <a:rPr lang="ru-RU" dirty="0">
+                    <a:ea typeface="Cambria Math" panose="02040503050406030204" pitchFamily="18" charset="0"/>
+                  </a:rPr>
+                  <a:t>е</a:t>
+                </a:r>
+                <a:r>
                   <a:rPr lang="ru-RU" dirty="0" smtClean="0">
                     <a:ea typeface="Cambria Math" panose="02040503050406030204" pitchFamily="18" charset="0"/>
                   </a:rPr>
-                  <a:t>Если </a:t>
+                  <a:t>сли </a:t>
                 </a:r>
                 <a14:m>
                   <m:oMath xmlns:m="http://schemas.openxmlformats.org/officeDocument/2006/math">
@@ -22183,7 +22230,7 @@
             </p:txBody>
           </p:sp>
         </mc:Choice>
-        <mc:Fallback xmlns="">
+        <mc:Fallback>
           <p:sp>
             <p:nvSpPr>
               <p:cNvPr id="3" name="Объект 2"/>
@@ -27174,8 +27221,8 @@
           <a:chExt cx="0" cy="0"/>
         </a:xfrm>
       </p:grpSpPr>
-      <mc:AlternateContent xmlns:mc="http://schemas.openxmlformats.org/markup-compatibility/2006" xmlns:a14="http://schemas.microsoft.com/office/drawing/2010/main">
-        <mc:Choice Requires="a14">
+      <mc:AlternateContent xmlns:mc="http://schemas.openxmlformats.org/markup-compatibility/2006">
+        <mc:Choice xmlns:a14="http://schemas.microsoft.com/office/drawing/2010/main" Requires="a14">
           <p:sp>
             <p:nvSpPr>
               <p:cNvPr id="3" name="Объект 2"/>
@@ -27226,8 +27273,13 @@
                 </a14:m>
                 <a:r>
                   <a:rPr lang="ru-RU" dirty="0" smtClean="0"/>
-                  <a:t> противник в игре на семантическую стойкость.</a:t>
-                </a:r>
+                  <a:t> противник в игре на семантическую </a:t>
+                </a:r>
+                <a:r>
+                  <a:rPr lang="ru-RU" dirty="0" smtClean="0"/>
+                  <a:t>стойкость.</a:t>
+                </a:r>
+                <a:endParaRPr lang="ru-RU" dirty="0" smtClean="0"/>
               </a:p>
               <a:p>
                 <a:pPr marL="0" indent="0">
@@ -27403,7 +27455,7 @@
             </p:txBody>
           </p:sp>
         </mc:Choice>
-        <mc:Fallback xmlns="">
+        <mc:Fallback>
           <p:sp>
             <p:nvSpPr>
               <p:cNvPr id="3" name="Объект 2"/>

--- a/Lectures/Lecture2.pptx
+++ b/Lectures/Lecture2.pptx
@@ -289,7 +289,7 @@
           <a:p>
             <a:fld id="{CBA08D16-15DC-4E25-BDC3-F25146157B16}" type="datetimeFigureOut">
               <a:rPr lang="ru-RU" smtClean="0"/>
-              <a:t>16.09.2021</a:t>
+              <a:t>29.09.2022</a:t>
             </a:fld>
             <a:endParaRPr lang="ru-RU"/>
           </a:p>
@@ -688,7 +688,7 @@
           <a:p>
             <a:fld id="{FCEC8293-DB51-454A-BE81-EC8FCB31EBA2}" type="datetime1">
               <a:rPr lang="ru-RU" smtClean="0"/>
-              <a:t>16.09.2021</a:t>
+              <a:t>29.09.2022</a:t>
             </a:fld>
             <a:endParaRPr lang="ru-RU"/>
           </a:p>
@@ -862,7 +862,7 @@
           <a:p>
             <a:fld id="{241C87B1-1C35-4DBD-BC18-2BC72E776603}" type="datetime1">
               <a:rPr lang="ru-RU" smtClean="0"/>
-              <a:t>16.09.2021</a:t>
+              <a:t>29.09.2022</a:t>
             </a:fld>
             <a:endParaRPr lang="ru-RU"/>
           </a:p>
@@ -1046,7 +1046,7 @@
           <a:p>
             <a:fld id="{3134C275-26C0-42CD-9111-9ADE65922AF9}" type="datetime1">
               <a:rPr lang="ru-RU" smtClean="0"/>
-              <a:t>16.09.2021</a:t>
+              <a:t>29.09.2022</a:t>
             </a:fld>
             <a:endParaRPr lang="ru-RU"/>
           </a:p>
@@ -1220,7 +1220,7 @@
           <a:p>
             <a:fld id="{C1A9A50B-C350-45F5-8AAB-ADB9E670AF2E}" type="datetime1">
               <a:rPr lang="ru-RU" smtClean="0"/>
-              <a:t>16.09.2021</a:t>
+              <a:t>29.09.2022</a:t>
             </a:fld>
             <a:endParaRPr lang="ru-RU"/>
           </a:p>
@@ -1470,7 +1470,7 @@
           <a:p>
             <a:fld id="{089688C9-348F-42F9-B6C0-5990DDE0C5B2}" type="datetime1">
               <a:rPr lang="ru-RU" smtClean="0"/>
-              <a:t>16.09.2021</a:t>
+              <a:t>29.09.2022</a:t>
             </a:fld>
             <a:endParaRPr lang="ru-RU"/>
           </a:p>
@@ -1706,7 +1706,7 @@
           <a:p>
             <a:fld id="{684AFD8F-6DD9-4AD3-A505-FDC3F5C5F3F6}" type="datetime1">
               <a:rPr lang="ru-RU" smtClean="0"/>
-              <a:t>16.09.2021</a:t>
+              <a:t>29.09.2022</a:t>
             </a:fld>
             <a:endParaRPr lang="ru-RU"/>
           </a:p>
@@ -2077,7 +2077,7 @@
           <a:p>
             <a:fld id="{63551EFE-4D02-45EB-A747-8B6F047B5AA0}" type="datetime1">
               <a:rPr lang="ru-RU" smtClean="0"/>
-              <a:t>16.09.2021</a:t>
+              <a:t>29.09.2022</a:t>
             </a:fld>
             <a:endParaRPr lang="ru-RU"/>
           </a:p>
@@ -2199,7 +2199,7 @@
           <a:p>
             <a:fld id="{813A9F34-E5CD-4B8F-AA9E-889C84372B20}" type="datetime1">
               <a:rPr lang="ru-RU" smtClean="0"/>
-              <a:t>16.09.2021</a:t>
+              <a:t>29.09.2022</a:t>
             </a:fld>
             <a:endParaRPr lang="ru-RU"/>
           </a:p>
@@ -2298,7 +2298,7 @@
           <a:p>
             <a:fld id="{51224D22-9B29-44A6-8E82-95FC492DEDC1}" type="datetime1">
               <a:rPr lang="ru-RU" smtClean="0"/>
-              <a:t>16.09.2021</a:t>
+              <a:t>29.09.2022</a:t>
             </a:fld>
             <a:endParaRPr lang="ru-RU"/>
           </a:p>
@@ -2579,7 +2579,7 @@
           <a:p>
             <a:fld id="{91D1034F-4441-48A1-BDC0-25EA1022324A}" type="datetime1">
               <a:rPr lang="ru-RU" smtClean="0"/>
-              <a:t>16.09.2021</a:t>
+              <a:t>29.09.2022</a:t>
             </a:fld>
             <a:endParaRPr lang="ru-RU"/>
           </a:p>
@@ -2836,7 +2836,7 @@
           <a:p>
             <a:fld id="{B0FFDE79-B627-473B-AE17-4C65BD2495F7}" type="datetime1">
               <a:rPr lang="ru-RU" smtClean="0"/>
-              <a:t>16.09.2021</a:t>
+              <a:t>29.09.2022</a:t>
             </a:fld>
             <a:endParaRPr lang="ru-RU"/>
           </a:p>
@@ -3053,7 +3053,7 @@
           <a:p>
             <a:fld id="{11CA537A-1B8C-47BA-9BA6-7CE3FAFDA8BE}" type="datetime1">
               <a:rPr lang="ru-RU" smtClean="0"/>
-              <a:t>16.09.2021</a:t>
+              <a:t>29.09.2022</a:t>
             </a:fld>
             <a:endParaRPr lang="ru-RU"/>
           </a:p>
@@ -3555,7 +3555,11 @@
             </a:r>
             <a:r>
               <a:rPr lang="en-US" dirty="0" smtClean="0"/>
-              <a:t>20</a:t>
+              <a:t>2</a:t>
+            </a:r>
+            <a:r>
+              <a:rPr lang="ru-RU" dirty="0" smtClean="0"/>
+              <a:t>2</a:t>
             </a:r>
             <a:endParaRPr lang="ru-RU" dirty="0"/>
           </a:p>
@@ -10170,6 +10174,13 @@
   <p:clrMapOvr>
     <a:masterClrMapping/>
   </p:clrMapOvr>
+  <p:timing>
+    <p:tnLst>
+      <p:par>
+        <p:cTn id="1" dur="indefinite" restart="never" nodeType="tmRoot"/>
+      </p:par>
+    </p:tnLst>
+  </p:timing>
 </p:sld>
 </file>
 
@@ -10970,6 +10981,12 @@
                       </m:sSupPr>
                       <m:e>
                         <m:r>
+                          <a:rPr lang="en-US" i="1">
+                            <a:latin typeface="Cambria Math" panose="02040503050406030204" pitchFamily="18" charset="0"/>
+                          </a:rPr>
+                          <m:t>~</m:t>
+                        </m:r>
+                        <m:r>
                           <a:rPr lang="en-US" b="0" i="1" smtClean="0">
                             <a:latin typeface="Cambria Math" panose="02040503050406030204" pitchFamily="18" charset="0"/>
                           </a:rPr>
@@ -11192,7 +11209,7 @@
               </p:nvPr>
             </p:nvSpPr>
             <p:spPr>
-              <a:blipFill rotWithShape="0">
+              <a:blipFill>
                 <a:blip r:embed="rId2"/>
                 <a:stretch>
                   <a:fillRect l="-1043" t="-2801" b="-2241"/>
@@ -21838,8 +21855,8 @@
           </a:p>
         </p:txBody>
       </p:sp>
-      <mc:AlternateContent xmlns:mc="http://schemas.openxmlformats.org/markup-compatibility/2006">
-        <mc:Choice xmlns:a14="http://schemas.microsoft.com/office/drawing/2010/main" Requires="a14">
+      <mc:AlternateContent xmlns:mc="http://schemas.openxmlformats.org/markup-compatibility/2006" xmlns:a14="http://schemas.microsoft.com/office/drawing/2010/main">
+        <mc:Choice Requires="a14">
           <p:sp>
             <p:nvSpPr>
               <p:cNvPr id="3" name="Объект 2"/>
@@ -22230,7 +22247,7 @@
             </p:txBody>
           </p:sp>
         </mc:Choice>
-        <mc:Fallback>
+        <mc:Fallback xmlns="">
           <p:sp>
             <p:nvSpPr>
               <p:cNvPr id="3" name="Объект 2"/>
@@ -27221,8 +27238,8 @@
           <a:chExt cx="0" cy="0"/>
         </a:xfrm>
       </p:grpSpPr>
-      <mc:AlternateContent xmlns:mc="http://schemas.openxmlformats.org/markup-compatibility/2006">
-        <mc:Choice xmlns:a14="http://schemas.microsoft.com/office/drawing/2010/main" Requires="a14">
+      <mc:AlternateContent xmlns:mc="http://schemas.openxmlformats.org/markup-compatibility/2006" xmlns:a14="http://schemas.microsoft.com/office/drawing/2010/main">
+        <mc:Choice Requires="a14">
           <p:sp>
             <p:nvSpPr>
               <p:cNvPr id="3" name="Объект 2"/>
@@ -27273,13 +27290,8 @@
                 </a14:m>
                 <a:r>
                   <a:rPr lang="ru-RU" dirty="0" smtClean="0"/>
-                  <a:t> противник в игре на семантическую </a:t>
-                </a:r>
-                <a:r>
-                  <a:rPr lang="ru-RU" dirty="0" smtClean="0"/>
-                  <a:t>стойкость.</a:t>
-                </a:r>
-                <a:endParaRPr lang="ru-RU" dirty="0" smtClean="0"/>
+                  <a:t> противник в игре на семантическую стойкость.</a:t>
+                </a:r>
               </a:p>
               <a:p>
                 <a:pPr marL="0" indent="0">
@@ -27455,7 +27467,7 @@
             </p:txBody>
           </p:sp>
         </mc:Choice>
-        <mc:Fallback>
+        <mc:Fallback xmlns="">
           <p:sp>
             <p:nvSpPr>
               <p:cNvPr id="3" name="Объект 2"/>
@@ -33377,8 +33389,8 @@
         </p:nvCxnSpPr>
         <p:spPr>
           <a:xfrm>
-            <a:off x="3063844" y="3534176"/>
-            <a:ext cx="2286000" cy="0"/>
+            <a:off x="3701562" y="3534176"/>
+            <a:ext cx="1648282" cy="0"/>
           </a:xfrm>
           <a:prstGeom prst="straightConnector1">
             <a:avLst/>
@@ -33413,7 +33425,7 @@
         </p:nvSpPr>
         <p:spPr>
           <a:xfrm>
-            <a:off x="3140044" y="3191276"/>
+            <a:off x="3954719" y="3154424"/>
             <a:ext cx="1053494" cy="369332"/>
           </a:xfrm>
           <a:prstGeom prst="rect">
@@ -33547,7 +33559,7 @@
         </p:nvSpPr>
         <p:spPr>
           <a:xfrm>
-            <a:off x="3143250" y="4187267"/>
+            <a:off x="10150444" y="4176994"/>
             <a:ext cx="1047082" cy="369332"/>
           </a:xfrm>
           <a:prstGeom prst="rect">
@@ -33923,9 +33935,9 @@
           <p:nvPr/>
         </p:nvCxnSpPr>
         <p:spPr>
-          <a:xfrm flipH="1" flipV="1">
-            <a:off x="3063845" y="4599408"/>
-            <a:ext cx="5410199" cy="17107"/>
+          <a:xfrm>
+            <a:off x="9769444" y="4602262"/>
+            <a:ext cx="732177" cy="8238"/>
           </a:xfrm>
           <a:prstGeom prst="straightConnector1">
             <a:avLst/>
@@ -35010,6 +35022,267 @@
                 <a:blip r:embed="rId3"/>
                 <a:stretch>
                   <a:fillRect t="-6161" b="-8057"/>
+                </a:stretch>
+              </a:blipFill>
+            </p:spPr>
+            <p:txBody>
+              <a:bodyPr/>
+              <a:lstStyle/>
+              <a:p>
+                <a:r>
+                  <a:rPr lang="ru-RU">
+                    <a:noFill/>
+                  </a:rPr>
+                  <a:t> </a:t>
+                </a:r>
+              </a:p>
+            </p:txBody>
+          </p:sp>
+        </mc:Fallback>
+      </mc:AlternateContent>
+      <p:sp>
+        <p:nvSpPr>
+          <p:cNvPr id="25" name="Rectangle 4"/>
+          <p:cNvSpPr>
+            <a:spLocks noChangeArrowheads="1"/>
+          </p:cNvSpPr>
+          <p:nvPr/>
+        </p:nvSpPr>
+        <p:spPr bwMode="auto">
+          <a:xfrm>
+            <a:off x="1471943" y="3207061"/>
+            <a:ext cx="1878442" cy="1608583"/>
+          </a:xfrm>
+          <a:prstGeom prst="rect">
+            <a:avLst/>
+          </a:prstGeom>
+          <a:solidFill>
+            <a:schemeClr val="accent1"/>
+          </a:solidFill>
+          <a:ln w="9525">
+            <a:solidFill>
+              <a:schemeClr val="tx1"/>
+            </a:solidFill>
+            <a:miter lim="800000"/>
+            <a:headEnd/>
+            <a:tailEnd/>
+          </a:ln>
+          <a:effectLst/>
+        </p:spPr>
+        <p:txBody>
+          <a:bodyPr wrap="none"/>
+          <a:lstStyle/>
+          <a:p>
+            <a:pPr algn="ctr"/>
+            <a:r>
+              <a:rPr lang="en-US"/>
+              <a:t>Chal.</a:t>
+            </a:r>
+          </a:p>
+        </p:txBody>
+      </p:sp>
+      <mc:AlternateContent xmlns:mc="http://schemas.openxmlformats.org/markup-compatibility/2006" xmlns:a14="http://schemas.microsoft.com/office/drawing/2010/main">
+        <mc:Choice Requires="a14">
+          <p:sp>
+            <p:nvSpPr>
+              <p:cNvPr id="19" name="Прямоугольник 18"/>
+              <p:cNvSpPr/>
+              <p:nvPr/>
+            </p:nvSpPr>
+            <p:spPr>
+              <a:xfrm>
+                <a:off x="1564240" y="3425008"/>
+                <a:ext cx="1972648" cy="1390637"/>
+              </a:xfrm>
+              <a:prstGeom prst="rect">
+                <a:avLst/>
+              </a:prstGeom>
+            </p:spPr>
+            <p:txBody>
+              <a:bodyPr wrap="square">
+                <a:spAutoFit/>
+              </a:bodyPr>
+              <a:lstStyle/>
+              <a:p>
+                <a:r>
+                  <a:rPr lang="en-US" dirty="0" smtClean="0"/>
+                  <a:t>If: </a:t>
+                </a:r>
+                <a14:m>
+                  <m:oMath xmlns:m="http://schemas.openxmlformats.org/officeDocument/2006/math">
+                    <m:r>
+                      <a:rPr lang="en-US" i="1">
+                        <a:latin typeface="Cambria Math" panose="02040503050406030204" pitchFamily="18" charset="0"/>
+                      </a:rPr>
+                      <m:t>𝑏</m:t>
+                    </m:r>
+                    <m:r>
+                      <a:rPr lang="en-US" i="1">
+                        <a:latin typeface="Cambria Math" panose="02040503050406030204" pitchFamily="18" charset="0"/>
+                      </a:rPr>
+                      <m:t>=0:</m:t>
+                    </m:r>
+                    <m:r>
+                      <a:rPr lang="en-US" b="0" i="1" smtClean="0">
+                        <a:latin typeface="Cambria Math" panose="02040503050406030204" pitchFamily="18" charset="0"/>
+                      </a:rPr>
+                      <m:t>𝑘</m:t>
+                    </m:r>
+                    <m:groupChr>
+                      <m:groupChrPr>
+                        <m:chr m:val="←"/>
+                        <m:vertJc m:val="bot"/>
+                        <m:ctrlPr>
+                          <a:rPr lang="en-US" i="1">
+                            <a:latin typeface="Cambria Math" panose="02040503050406030204" pitchFamily="18" charset="0"/>
+                          </a:rPr>
+                        </m:ctrlPr>
+                      </m:groupChrPr>
+                      <m:e>
+                        <m:r>
+                          <m:rPr>
+                            <m:brk m:alnAt="2"/>
+                          </m:rPr>
+                          <a:rPr lang="en-US" i="1">
+                            <a:latin typeface="Cambria Math" panose="02040503050406030204" pitchFamily="18" charset="0"/>
+                          </a:rPr>
+                          <m:t>𝑅</m:t>
+                        </m:r>
+                      </m:e>
+                    </m:groupChr>
+                    <m:r>
+                      <a:rPr lang="en-US" i="1">
+                        <a:latin typeface="Cambria Math" panose="02040503050406030204" pitchFamily="18" charset="0"/>
+                      </a:rPr>
+                      <m:t>𝑆</m:t>
+                    </m:r>
+                    <m:r>
+                      <a:rPr lang="en-US" i="1">
+                        <a:latin typeface="Cambria Math" panose="02040503050406030204" pitchFamily="18" charset="0"/>
+                      </a:rPr>
+                      <m:t>,  </m:t>
+                    </m:r>
+                    <m:r>
+                      <a:rPr lang="en-US" b="0" i="1" smtClean="0">
+                        <a:latin typeface="Cambria Math" panose="02040503050406030204" pitchFamily="18" charset="0"/>
+                      </a:rPr>
+                      <m:t>𝑦</m:t>
+                    </m:r>
+                    <m:r>
+                      <a:rPr lang="en-US" i="1">
+                        <a:latin typeface="Cambria Math" panose="02040503050406030204" pitchFamily="18" charset="0"/>
+                      </a:rPr>
+                      <m:t>=</m:t>
+                    </m:r>
+                    <m:r>
+                      <a:rPr lang="en-US" i="1">
+                        <a:latin typeface="Cambria Math" panose="02040503050406030204" pitchFamily="18" charset="0"/>
+                      </a:rPr>
+                      <m:t>𝐺</m:t>
+                    </m:r>
+                    <m:d>
+                      <m:dPr>
+                        <m:ctrlPr>
+                          <a:rPr lang="en-US" i="1">
+                            <a:latin typeface="Cambria Math" panose="02040503050406030204" pitchFamily="18" charset="0"/>
+                          </a:rPr>
+                        </m:ctrlPr>
+                      </m:dPr>
+                      <m:e>
+                        <m:r>
+                          <a:rPr lang="en-US" b="0" i="1" smtClean="0">
+                            <a:latin typeface="Cambria Math" panose="02040503050406030204" pitchFamily="18" charset="0"/>
+                          </a:rPr>
+                          <m:t>𝑘</m:t>
+                        </m:r>
+                      </m:e>
+                    </m:d>
+                  </m:oMath>
+                </a14:m>
+                <a:endParaRPr lang="en-US" dirty="0"/>
+              </a:p>
+              <a:p>
+                <a:r>
+                  <a:rPr lang="en-US" dirty="0"/>
+                  <a:t>Else:        </a:t>
+                </a:r>
+                <a:endParaRPr lang="en-US" dirty="0" smtClean="0"/>
+              </a:p>
+              <a:p>
+                <a:r>
+                  <a:rPr lang="en-US" dirty="0" smtClean="0"/>
+                  <a:t> </a:t>
+                </a:r>
+                <a14:m>
+                  <m:oMath xmlns:m="http://schemas.openxmlformats.org/officeDocument/2006/math">
+                    <m:r>
+                      <m:rPr>
+                        <m:sty m:val="p"/>
+                      </m:rPr>
+                      <a:rPr lang="en-US" b="0" i="0" smtClean="0">
+                        <a:latin typeface="Cambria Math" panose="02040503050406030204" pitchFamily="18" charset="0"/>
+                      </a:rPr>
+                      <m:t>y</m:t>
+                    </m:r>
+                    <m:groupChr>
+                      <m:groupChrPr>
+                        <m:chr m:val="←"/>
+                        <m:vertJc m:val="bot"/>
+                        <m:ctrlPr>
+                          <a:rPr lang="en-US" i="1">
+                            <a:latin typeface="Cambria Math" panose="02040503050406030204" pitchFamily="18" charset="0"/>
+                          </a:rPr>
+                        </m:ctrlPr>
+                      </m:groupChrPr>
+                      <m:e>
+                        <m:r>
+                          <m:rPr>
+                            <m:brk m:alnAt="2"/>
+                          </m:rPr>
+                          <a:rPr lang="en-US" i="1">
+                            <a:latin typeface="Cambria Math" panose="02040503050406030204" pitchFamily="18" charset="0"/>
+                          </a:rPr>
+                          <m:t>𝑅</m:t>
+                        </m:r>
+                      </m:e>
+                    </m:groupChr>
+                    <m:r>
+                      <a:rPr lang="en-US" i="1">
+                        <a:latin typeface="Cambria Math" panose="02040503050406030204" pitchFamily="18" charset="0"/>
+                      </a:rPr>
+                      <m:t>𝑅</m:t>
+                    </m:r>
+                  </m:oMath>
+                </a14:m>
+                <a:endParaRPr lang="en-US" b="1" baseline="-25000" dirty="0">
+                  <a:cs typeface="Arial" charset="0"/>
+                  <a:sym typeface="Symbol" pitchFamily="18" charset="2"/>
+                </a:endParaRPr>
+              </a:p>
+            </p:txBody>
+          </p:sp>
+        </mc:Choice>
+        <mc:Fallback xmlns="">
+          <p:sp>
+            <p:nvSpPr>
+              <p:cNvPr id="19" name="Прямоугольник 18"/>
+              <p:cNvSpPr>
+                <a:spLocks noRot="1" noChangeAspect="1" noMove="1" noResize="1" noEditPoints="1" noAdjustHandles="1" noChangeArrowheads="1" noChangeShapeType="1" noTextEdit="1"/>
+              </p:cNvSpPr>
+              <p:nvPr/>
+            </p:nvSpPr>
+            <p:spPr>
+              <a:xfrm>
+                <a:off x="1564240" y="3425008"/>
+                <a:ext cx="1972648" cy="1390637"/>
+              </a:xfrm>
+              <a:prstGeom prst="rect">
+                <a:avLst/>
+              </a:prstGeom>
+              <a:blipFill>
+                <a:blip r:embed="rId4"/>
+                <a:stretch>
+                  <a:fillRect l="-2786"/>
                 </a:stretch>
               </a:blipFill>
             </p:spPr>

--- a/Lectures/Lecture2.pptx
+++ b/Lectures/Lecture2.pptx
@@ -295,7 +295,7 @@
           <a:p>
             <a:fld id="{CBA08D16-15DC-4E25-BDC3-F25146157B16}" type="datetimeFigureOut">
               <a:rPr lang="ru-RU" smtClean="0"/>
-              <a:t>28.09.2023</a:t>
+              <a:t>05.10.2023</a:t>
             </a:fld>
             <a:endParaRPr lang="ru-RU"/>
           </a:p>
@@ -694,7 +694,7 @@
           <a:p>
             <a:fld id="{FCEC8293-DB51-454A-BE81-EC8FCB31EBA2}" type="datetime1">
               <a:rPr lang="ru-RU" smtClean="0"/>
-              <a:t>28.09.2023</a:t>
+              <a:t>05.10.2023</a:t>
             </a:fld>
             <a:endParaRPr lang="ru-RU"/>
           </a:p>
@@ -868,7 +868,7 @@
           <a:p>
             <a:fld id="{241C87B1-1C35-4DBD-BC18-2BC72E776603}" type="datetime1">
               <a:rPr lang="ru-RU" smtClean="0"/>
-              <a:t>28.09.2023</a:t>
+              <a:t>05.10.2023</a:t>
             </a:fld>
             <a:endParaRPr lang="ru-RU"/>
           </a:p>
@@ -1052,7 +1052,7 @@
           <a:p>
             <a:fld id="{3134C275-26C0-42CD-9111-9ADE65922AF9}" type="datetime1">
               <a:rPr lang="ru-RU" smtClean="0"/>
-              <a:t>28.09.2023</a:t>
+              <a:t>05.10.2023</a:t>
             </a:fld>
             <a:endParaRPr lang="ru-RU"/>
           </a:p>
@@ -1226,7 +1226,7 @@
           <a:p>
             <a:fld id="{C1A9A50B-C350-45F5-8AAB-ADB9E670AF2E}" type="datetime1">
               <a:rPr lang="ru-RU" smtClean="0"/>
-              <a:t>28.09.2023</a:t>
+              <a:t>05.10.2023</a:t>
             </a:fld>
             <a:endParaRPr lang="ru-RU"/>
           </a:p>
@@ -1476,7 +1476,7 @@
           <a:p>
             <a:fld id="{089688C9-348F-42F9-B6C0-5990DDE0C5B2}" type="datetime1">
               <a:rPr lang="ru-RU" smtClean="0"/>
-              <a:t>28.09.2023</a:t>
+              <a:t>05.10.2023</a:t>
             </a:fld>
             <a:endParaRPr lang="ru-RU"/>
           </a:p>
@@ -1712,7 +1712,7 @@
           <a:p>
             <a:fld id="{684AFD8F-6DD9-4AD3-A505-FDC3F5C5F3F6}" type="datetime1">
               <a:rPr lang="ru-RU" smtClean="0"/>
-              <a:t>28.09.2023</a:t>
+              <a:t>05.10.2023</a:t>
             </a:fld>
             <a:endParaRPr lang="ru-RU"/>
           </a:p>
@@ -2083,7 +2083,7 @@
           <a:p>
             <a:fld id="{63551EFE-4D02-45EB-A747-8B6F047B5AA0}" type="datetime1">
               <a:rPr lang="ru-RU" smtClean="0"/>
-              <a:t>28.09.2023</a:t>
+              <a:t>05.10.2023</a:t>
             </a:fld>
             <a:endParaRPr lang="ru-RU"/>
           </a:p>
@@ -2205,7 +2205,7 @@
           <a:p>
             <a:fld id="{813A9F34-E5CD-4B8F-AA9E-889C84372B20}" type="datetime1">
               <a:rPr lang="ru-RU" smtClean="0"/>
-              <a:t>28.09.2023</a:t>
+              <a:t>05.10.2023</a:t>
             </a:fld>
             <a:endParaRPr lang="ru-RU"/>
           </a:p>
@@ -2304,7 +2304,7 @@
           <a:p>
             <a:fld id="{51224D22-9B29-44A6-8E82-95FC492DEDC1}" type="datetime1">
               <a:rPr lang="ru-RU" smtClean="0"/>
-              <a:t>28.09.2023</a:t>
+              <a:t>05.10.2023</a:t>
             </a:fld>
             <a:endParaRPr lang="ru-RU"/>
           </a:p>
@@ -2585,7 +2585,7 @@
           <a:p>
             <a:fld id="{91D1034F-4441-48A1-BDC0-25EA1022324A}" type="datetime1">
               <a:rPr lang="ru-RU" smtClean="0"/>
-              <a:t>28.09.2023</a:t>
+              <a:t>05.10.2023</a:t>
             </a:fld>
             <a:endParaRPr lang="ru-RU"/>
           </a:p>
@@ -2842,7 +2842,7 @@
           <a:p>
             <a:fld id="{B0FFDE79-B627-473B-AE17-4C65BD2495F7}" type="datetime1">
               <a:rPr lang="ru-RU" smtClean="0"/>
-              <a:t>28.09.2023</a:t>
+              <a:t>05.10.2023</a:t>
             </a:fld>
             <a:endParaRPr lang="ru-RU"/>
           </a:p>
@@ -3059,7 +3059,7 @@
           <a:p>
             <a:fld id="{11CA537A-1B8C-47BA-9BA6-7CE3FAFDA8BE}" type="datetime1">
               <a:rPr lang="ru-RU" smtClean="0"/>
-              <a:t>28.09.2023</a:t>
+              <a:t>05.10.2023</a:t>
             </a:fld>
             <a:endParaRPr lang="ru-RU"/>
           </a:p>
@@ -3567,7 +3567,6 @@
               <a:rPr lang="ru-RU" dirty="0"/>
               <a:t>3</a:t>
             </a:r>
-            <a:endParaRPr lang="ru-RU" dirty="0"/>
           </a:p>
         </p:txBody>
       </p:sp>
@@ -41278,8 +41277,8 @@
           </a:p>
         </p:txBody>
       </p:sp>
-      <mc:AlternateContent xmlns:mc="http://schemas.openxmlformats.org/markup-compatibility/2006" xmlns:a14="http://schemas.microsoft.com/office/drawing/2010/main">
-        <mc:Choice Requires="a14">
+      <mc:AlternateContent xmlns:mc="http://schemas.openxmlformats.org/markup-compatibility/2006">
+        <mc:Choice xmlns:a14="http://schemas.microsoft.com/office/drawing/2010/main" Requires="a14">
           <p:sp>
             <p:nvSpPr>
               <p:cNvPr id="3" name="Объект 2"/>
@@ -41562,7 +41561,7 @@
                       <a:rPr lang="en-US" b="0" i="1" smtClean="0">
                         <a:latin typeface="Cambria Math" panose="02040503050406030204" pitchFamily="18" charset="0"/>
                       </a:rPr>
-                      <m:t>≥0 </m:t>
+                      <m:t>≥1 </m:t>
                     </m:r>
                   </m:oMath>
                 </a14:m>
@@ -41722,7 +41721,7 @@
             </p:txBody>
           </p:sp>
         </mc:Choice>
-        <mc:Fallback xmlns="">
+        <mc:Fallback>
           <p:sp>
             <p:nvSpPr>
               <p:cNvPr id="3" name="Объект 2"/>

--- a/Lectures/Lecture2.pptx
+++ b/Lectures/Lecture2.pptx
@@ -5,7 +5,7 @@
     <p:sldMasterId id="2147483648" r:id="rId1"/>
   </p:sldMasterIdLst>
   <p:notesMasterIdLst>
-    <p:notesMasterId r:id="rId40"/>
+    <p:notesMasterId r:id="rId41"/>
   </p:notesMasterIdLst>
   <p:sldIdLst>
     <p:sldId id="296" r:id="rId2"/>
@@ -46,6 +46,7 @@
     <p:sldId id="293" r:id="rId37"/>
     <p:sldId id="295" r:id="rId38"/>
     <p:sldId id="297" r:id="rId39"/>
+    <p:sldId id="302" r:id="rId40"/>
   </p:sldIdLst>
   <p:sldSz cx="12192000" cy="6858000"/>
   <p:notesSz cx="6858000" cy="9144000"/>
@@ -201,6 +202,11 @@
             <p14:sldId id="297"/>
           </p14:sldIdLst>
         </p14:section>
+        <p14:section name="Старые тесты" id="{CF07BB18-F8C1-4D34-B5F4-6437445140CC}">
+          <p14:sldIdLst>
+            <p14:sldId id="302"/>
+          </p14:sldIdLst>
+        </p14:section>
       </p14:sectionLst>
     </p:ext>
     <p:ext uri="{EFAFB233-063F-42B5-8137-9DF3F51BA10A}">
@@ -295,7 +301,7 @@
           <a:p>
             <a:fld id="{CBA08D16-15DC-4E25-BDC3-F25146157B16}" type="datetimeFigureOut">
               <a:rPr lang="ru-RU" smtClean="0"/>
-              <a:t>05.10.2023</a:t>
+              <a:t>20.09.2024</a:t>
             </a:fld>
             <a:endParaRPr lang="ru-RU"/>
           </a:p>
@@ -694,7 +700,7 @@
           <a:p>
             <a:fld id="{FCEC8293-DB51-454A-BE81-EC8FCB31EBA2}" type="datetime1">
               <a:rPr lang="ru-RU" smtClean="0"/>
-              <a:t>05.10.2023</a:t>
+              <a:t>20.09.2024</a:t>
             </a:fld>
             <a:endParaRPr lang="ru-RU"/>
           </a:p>
@@ -868,7 +874,7 @@
           <a:p>
             <a:fld id="{241C87B1-1C35-4DBD-BC18-2BC72E776603}" type="datetime1">
               <a:rPr lang="ru-RU" smtClean="0"/>
-              <a:t>05.10.2023</a:t>
+              <a:t>20.09.2024</a:t>
             </a:fld>
             <a:endParaRPr lang="ru-RU"/>
           </a:p>
@@ -1052,7 +1058,7 @@
           <a:p>
             <a:fld id="{3134C275-26C0-42CD-9111-9ADE65922AF9}" type="datetime1">
               <a:rPr lang="ru-RU" smtClean="0"/>
-              <a:t>05.10.2023</a:t>
+              <a:t>20.09.2024</a:t>
             </a:fld>
             <a:endParaRPr lang="ru-RU"/>
           </a:p>
@@ -1226,7 +1232,7 @@
           <a:p>
             <a:fld id="{C1A9A50B-C350-45F5-8AAB-ADB9E670AF2E}" type="datetime1">
               <a:rPr lang="ru-RU" smtClean="0"/>
-              <a:t>05.10.2023</a:t>
+              <a:t>20.09.2024</a:t>
             </a:fld>
             <a:endParaRPr lang="ru-RU"/>
           </a:p>
@@ -1476,7 +1482,7 @@
           <a:p>
             <a:fld id="{089688C9-348F-42F9-B6C0-5990DDE0C5B2}" type="datetime1">
               <a:rPr lang="ru-RU" smtClean="0"/>
-              <a:t>05.10.2023</a:t>
+              <a:t>20.09.2024</a:t>
             </a:fld>
             <a:endParaRPr lang="ru-RU"/>
           </a:p>
@@ -1712,7 +1718,7 @@
           <a:p>
             <a:fld id="{684AFD8F-6DD9-4AD3-A505-FDC3F5C5F3F6}" type="datetime1">
               <a:rPr lang="ru-RU" smtClean="0"/>
-              <a:t>05.10.2023</a:t>
+              <a:t>20.09.2024</a:t>
             </a:fld>
             <a:endParaRPr lang="ru-RU"/>
           </a:p>
@@ -2083,7 +2089,7 @@
           <a:p>
             <a:fld id="{63551EFE-4D02-45EB-A747-8B6F047B5AA0}" type="datetime1">
               <a:rPr lang="ru-RU" smtClean="0"/>
-              <a:t>05.10.2023</a:t>
+              <a:t>20.09.2024</a:t>
             </a:fld>
             <a:endParaRPr lang="ru-RU"/>
           </a:p>
@@ -2205,7 +2211,7 @@
           <a:p>
             <a:fld id="{813A9F34-E5CD-4B8F-AA9E-889C84372B20}" type="datetime1">
               <a:rPr lang="ru-RU" smtClean="0"/>
-              <a:t>05.10.2023</a:t>
+              <a:t>20.09.2024</a:t>
             </a:fld>
             <a:endParaRPr lang="ru-RU"/>
           </a:p>
@@ -2304,7 +2310,7 @@
           <a:p>
             <a:fld id="{51224D22-9B29-44A6-8E82-95FC492DEDC1}" type="datetime1">
               <a:rPr lang="ru-RU" smtClean="0"/>
-              <a:t>05.10.2023</a:t>
+              <a:t>20.09.2024</a:t>
             </a:fld>
             <a:endParaRPr lang="ru-RU"/>
           </a:p>
@@ -2585,7 +2591,7 @@
           <a:p>
             <a:fld id="{91D1034F-4441-48A1-BDC0-25EA1022324A}" type="datetime1">
               <a:rPr lang="ru-RU" smtClean="0"/>
-              <a:t>05.10.2023</a:t>
+              <a:t>20.09.2024</a:t>
             </a:fld>
             <a:endParaRPr lang="ru-RU"/>
           </a:p>
@@ -2842,7 +2848,7 @@
           <a:p>
             <a:fld id="{B0FFDE79-B627-473B-AE17-4C65BD2495F7}" type="datetime1">
               <a:rPr lang="ru-RU" smtClean="0"/>
-              <a:t>05.10.2023</a:t>
+              <a:t>20.09.2024</a:t>
             </a:fld>
             <a:endParaRPr lang="ru-RU"/>
           </a:p>
@@ -3059,7 +3065,7 @@
           <a:p>
             <a:fld id="{11CA537A-1B8C-47BA-9BA6-7CE3FAFDA8BE}" type="datetime1">
               <a:rPr lang="ru-RU" smtClean="0"/>
-              <a:t>05.10.2023</a:t>
+              <a:t>20.09.2024</a:t>
             </a:fld>
             <a:endParaRPr lang="ru-RU"/>
           </a:p>
@@ -3565,7 +3571,7 @@
             </a:r>
             <a:r>
               <a:rPr lang="ru-RU" dirty="0"/>
-              <a:t>3</a:t>
+              <a:t>4</a:t>
             </a:r>
           </a:p>
         </p:txBody>
@@ -13602,7 +13608,15 @@
             </a:pPr>
             <a:r>
               <a:rPr lang="ru-RU" dirty="0" smtClean="0"/>
-              <a:t>Проблема (Теорема Шеннона) – длина (энтропия) ключа должна быть больше или равна длине сообщения.</a:t>
+              <a:t>Проблема (</a:t>
+            </a:r>
+            <a:r>
+              <a:rPr lang="ru-RU" b="1" dirty="0" smtClean="0"/>
+              <a:t>Теорема Шеннона</a:t>
+            </a:r>
+            <a:r>
+              <a:rPr lang="ru-RU" dirty="0" smtClean="0"/>
+              <a:t>) – длина (энтропия) ключа должна быть больше или равна длине сообщения.</a:t>
             </a:r>
           </a:p>
           <a:p>
@@ -16830,8 +16844,8 @@
           </a:p>
         </p:txBody>
       </p:sp>
-      <mc:AlternateContent xmlns:mc="http://schemas.openxmlformats.org/markup-compatibility/2006" xmlns:a14="http://schemas.microsoft.com/office/drawing/2010/main">
-        <mc:Choice Requires="a14">
+      <mc:AlternateContent xmlns:mc="http://schemas.openxmlformats.org/markup-compatibility/2006">
+        <mc:Choice xmlns:a14="http://schemas.microsoft.com/office/drawing/2010/main" Requires="a14">
           <p:sp>
             <p:nvSpPr>
               <p:cNvPr id="34" name="Text Box 13"/>
@@ -16843,7 +16857,7 @@
             <p:spPr bwMode="auto">
               <a:xfrm>
                 <a:off x="2062012" y="4971804"/>
-                <a:ext cx="2672950" cy="1012072"/>
+                <a:ext cx="2672950" cy="1000787"/>
               </a:xfrm>
               <a:prstGeom prst="rect">
                 <a:avLst/>
@@ -16952,7 +16966,7 @@
                           <a:rPr lang="en-US" b="0" i="1" smtClean="0">
                             <a:latin typeface="Cambria Math" panose="02040503050406030204" pitchFamily="18" charset="0"/>
                           </a:rPr>
-                          <m:t>𝑆</m:t>
+                          <m:t>𝑠</m:t>
                         </m:r>
                       </m:e>
                     </m:d>
@@ -17017,7 +17031,7 @@
             </p:txBody>
           </p:sp>
         </mc:Choice>
-        <mc:Fallback xmlns="">
+        <mc:Fallback>
           <p:sp>
             <p:nvSpPr>
               <p:cNvPr id="34" name="Text Box 13"/>
@@ -17029,7 +17043,7 @@
             <p:spPr bwMode="auto">
               <a:xfrm>
                 <a:off x="2062012" y="4971804"/>
-                <a:ext cx="2672950" cy="1012072"/>
+                <a:ext cx="2672950" cy="1000787"/>
               </a:xfrm>
               <a:prstGeom prst="rect">
                 <a:avLst/>
@@ -22749,123 +22763,15 @@
                   <a:buFont typeface="Wingdings" panose="05000000000000000000" pitchFamily="2" charset="2"/>
                   <a:buChar char="§"/>
                 </a:pPr>
-                <a14:m>
-                  <m:oMath xmlns:m="http://schemas.openxmlformats.org/officeDocument/2006/math">
-                    <m:r>
-                      <m:rPr>
-                        <m:sty m:val="p"/>
-                      </m:rPr>
-                      <a:rPr lang="en-US" sz="2800">
-                        <a:latin typeface="Cambria Math" panose="02040503050406030204" pitchFamily="18" charset="0"/>
-                      </a:rPr>
-                      <m:t>SSadv</m:t>
-                    </m:r>
-                    <m:d>
-                      <m:dPr>
-                        <m:begChr m:val="["/>
-                        <m:endChr m:val="]"/>
-                        <m:ctrlPr>
-                          <a:rPr lang="en-US" sz="2800" i="1">
-                            <a:latin typeface="Cambria Math" panose="02040503050406030204" pitchFamily="18" charset="0"/>
-                          </a:rPr>
-                        </m:ctrlPr>
-                      </m:dPr>
-                      <m:e>
-                        <m:r>
-                          <a:rPr lang="en-US" sz="2800" i="1">
-                            <a:latin typeface="Cambria Math" panose="02040503050406030204" pitchFamily="18" charset="0"/>
-                          </a:rPr>
-                          <m:t>𝐴</m:t>
-                        </m:r>
-                        <m:r>
-                          <a:rPr lang="en-US" sz="2800" i="1">
-                            <a:latin typeface="Cambria Math" panose="02040503050406030204" pitchFamily="18" charset="0"/>
-                          </a:rPr>
-                          <m:t>,</m:t>
-                        </m:r>
-                        <m:r>
-                          <m:rPr>
-                            <m:sty m:val="p"/>
-                          </m:rPr>
-                          <a:rPr lang="en-US" sz="2800">
-                            <a:latin typeface="Cambria Math" panose="02040503050406030204" pitchFamily="18" charset="0"/>
-                          </a:rPr>
-                          <m:t>Ε</m:t>
-                        </m:r>
-                      </m:e>
-                    </m:d>
-                    <m:r>
-                      <a:rPr lang="en-US" sz="2800" i="1">
-                        <a:latin typeface="Cambria Math" panose="02040503050406030204" pitchFamily="18" charset="0"/>
-                      </a:rPr>
-                      <m:t>=</m:t>
-                    </m:r>
-                  </m:oMath>
-                </a14:m>
-                <a:r>
-                  <a:rPr lang="ru-RU" sz="2800" b="1" dirty="0" smtClean="0"/>
-                  <a:t> ??? </a:t>
-                </a:r>
-                <a:r>
-                  <a:rPr lang="en-US" sz="2800" dirty="0" smtClean="0"/>
-                  <a:t>(</a:t>
-                </a:r>
-                <a:r>
-                  <a:rPr lang="ru-RU" sz="2800" dirty="0" smtClean="0"/>
-                  <a:t>функция от </a:t>
-                </a:r>
-                <a14:m>
-                  <m:oMath xmlns:m="http://schemas.openxmlformats.org/officeDocument/2006/math">
-                    <m:sSub>
-                      <m:sSubPr>
-                        <m:ctrlPr>
-                          <a:rPr lang="en-US" sz="2800" b="0" i="1" smtClean="0">
-                            <a:latin typeface="Cambria Math" panose="02040503050406030204" pitchFamily="18" charset="0"/>
-                          </a:rPr>
-                        </m:ctrlPr>
-                      </m:sSubPr>
-                      <m:e>
-                        <m:r>
-                          <a:rPr lang="en-US" sz="2800" b="0" i="1" smtClean="0">
-                            <a:latin typeface="Cambria Math" panose="02040503050406030204" pitchFamily="18" charset="0"/>
-                          </a:rPr>
-                          <m:t>𝑊</m:t>
-                        </m:r>
-                      </m:e>
-                      <m:sub>
-                        <m:r>
-                          <a:rPr lang="en-US" sz="2800" b="0" i="1" smtClean="0">
-                            <a:latin typeface="Cambria Math" panose="02040503050406030204" pitchFamily="18" charset="0"/>
-                          </a:rPr>
-                          <m:t>𝑏</m:t>
-                        </m:r>
-                      </m:sub>
-                    </m:sSub>
-                    <m:r>
-                      <a:rPr lang="en-US" sz="2800" b="0" i="1" smtClean="0">
-                        <a:latin typeface="Cambria Math" panose="02040503050406030204" pitchFamily="18" charset="0"/>
-                      </a:rPr>
-                      <m:t>, </m:t>
-                    </m:r>
-                    <m:r>
-                      <a:rPr lang="en-US" sz="2800" b="0" i="1" smtClean="0">
-                        <a:latin typeface="Cambria Math" panose="02040503050406030204" pitchFamily="18" charset="0"/>
-                      </a:rPr>
-                      <m:t>𝑏</m:t>
-                    </m:r>
-                    <m:r>
-                      <a:rPr lang="en-US" sz="2800" b="0" i="1" smtClean="0">
-                        <a:latin typeface="Cambria Math" panose="02040503050406030204" pitchFamily="18" charset="0"/>
-                      </a:rPr>
-                      <m:t>=0,1</m:t>
-                    </m:r>
-                  </m:oMath>
-                </a14:m>
-                <a:r>
-                  <a:rPr lang="en-US" sz="2800" dirty="0" smtClean="0"/>
-                  <a:t>)</a:t>
-                </a:r>
-                <a:endParaRPr lang="ru-RU" sz="2800" dirty="0" smtClean="0"/>
+                <a:r>
+                  <a:rPr lang="ru-RU" sz="2800" dirty="0" smtClean="0">
+                    <a:latin typeface="Cambria Math" panose="02040503050406030204" pitchFamily="18" charset="0"/>
+                  </a:rPr>
+                  <a:t>Что отправляет и что получает противник?</a:t>
+                </a:r>
+                <a:endParaRPr lang="en-US" sz="2800" dirty="0" smtClean="0">
+                  <a:latin typeface="Cambria Math" panose="02040503050406030204" pitchFamily="18" charset="0"/>
+                </a:endParaRPr>
               </a:p>
               <a:p>
                 <a:pPr marL="457200" indent="-457200">
@@ -22976,131 +22882,6 @@
                 </a:r>
               </a:p>
               <a:p>
-                <a:pPr marL="457200" indent="-457200">
-                  <a:buFont typeface="Wingdings" panose="05000000000000000000" pitchFamily="2" charset="2"/>
-                  <a:buChar char="§"/>
-                </a:pPr>
-                <a:r>
-                  <a:rPr lang="ru-RU" sz="2800" dirty="0" smtClean="0"/>
-                  <a:t>Связь </a:t>
-                </a:r>
-                <a14:m>
-                  <m:oMath xmlns:m="http://schemas.openxmlformats.org/officeDocument/2006/math">
-                    <m:r>
-                      <m:rPr>
-                        <m:sty m:val="p"/>
-                      </m:rPr>
-                      <a:rPr lang="en-US" sz="2800">
-                        <a:latin typeface="Cambria Math" panose="02040503050406030204" pitchFamily="18" charset="0"/>
-                      </a:rPr>
-                      <m:t>SSadv</m:t>
-                    </m:r>
-                    <m:d>
-                      <m:dPr>
-                        <m:begChr m:val="["/>
-                        <m:endChr m:val="]"/>
-                        <m:ctrlPr>
-                          <a:rPr lang="en-US" sz="2800" i="1">
-                            <a:latin typeface="Cambria Math" panose="02040503050406030204" pitchFamily="18" charset="0"/>
-                          </a:rPr>
-                        </m:ctrlPr>
-                      </m:dPr>
-                      <m:e>
-                        <m:r>
-                          <a:rPr lang="en-US" sz="2800" i="1">
-                            <a:latin typeface="Cambria Math" panose="02040503050406030204" pitchFamily="18" charset="0"/>
-                          </a:rPr>
-                          <m:t>𝐴</m:t>
-                        </m:r>
-                        <m:r>
-                          <a:rPr lang="en-US" sz="2800" i="1">
-                            <a:latin typeface="Cambria Math" panose="02040503050406030204" pitchFamily="18" charset="0"/>
-                          </a:rPr>
-                          <m:t>,</m:t>
-                        </m:r>
-                        <m:r>
-                          <m:rPr>
-                            <m:sty m:val="p"/>
-                          </m:rPr>
-                          <a:rPr lang="en-US" sz="2800">
-                            <a:latin typeface="Cambria Math" panose="02040503050406030204" pitchFamily="18" charset="0"/>
-                          </a:rPr>
-                          <m:t>Ε</m:t>
-                        </m:r>
-                      </m:e>
-                    </m:d>
-                  </m:oMath>
-                </a14:m>
-                <a:r>
-                  <a:rPr lang="ru-RU" sz="2800" dirty="0" smtClean="0"/>
-                  <a:t> и </a:t>
-                </a:r>
-                <a14:m>
-                  <m:oMath xmlns:m="http://schemas.openxmlformats.org/officeDocument/2006/math">
-                    <m:sSup>
-                      <m:sSupPr>
-                        <m:ctrlPr>
-                          <a:rPr lang="en-US" sz="2800" i="1">
-                            <a:latin typeface="Cambria Math" panose="02040503050406030204" pitchFamily="18" charset="0"/>
-                          </a:rPr>
-                        </m:ctrlPr>
-                      </m:sSupPr>
-                      <m:e>
-                        <m:r>
-                          <m:rPr>
-                            <m:sty m:val="p"/>
-                          </m:rPr>
-                          <a:rPr lang="en-US" sz="2800">
-                            <a:latin typeface="Cambria Math" panose="02040503050406030204" pitchFamily="18" charset="0"/>
-                          </a:rPr>
-                          <m:t>SSadv</m:t>
-                        </m:r>
-                      </m:e>
-                      <m:sup>
-                        <m:r>
-                          <a:rPr lang="en-US" sz="2800">
-                            <a:latin typeface="Cambria Math" panose="02040503050406030204" pitchFamily="18" charset="0"/>
-                          </a:rPr>
-                          <m:t>∗</m:t>
-                        </m:r>
-                      </m:sup>
-                    </m:sSup>
-                    <m:d>
-                      <m:dPr>
-                        <m:begChr m:val="["/>
-                        <m:endChr m:val="]"/>
-                        <m:ctrlPr>
-                          <a:rPr lang="en-US" sz="2800" i="1">
-                            <a:latin typeface="Cambria Math" panose="02040503050406030204" pitchFamily="18" charset="0"/>
-                          </a:rPr>
-                        </m:ctrlPr>
-                      </m:dPr>
-                      <m:e>
-                        <m:r>
-                          <a:rPr lang="en-US" sz="2800" i="1">
-                            <a:latin typeface="Cambria Math" panose="02040503050406030204" pitchFamily="18" charset="0"/>
-                          </a:rPr>
-                          <m:t>𝐴</m:t>
-                        </m:r>
-                        <m:r>
-                          <a:rPr lang="en-US" sz="2800" i="1">
-                            <a:latin typeface="Cambria Math" panose="02040503050406030204" pitchFamily="18" charset="0"/>
-                          </a:rPr>
-                          <m:t>,</m:t>
-                        </m:r>
-                        <m:r>
-                          <m:rPr>
-                            <m:sty m:val="p"/>
-                          </m:rPr>
-                          <a:rPr lang="en-US" sz="2800">
-                            <a:latin typeface="Cambria Math" panose="02040503050406030204" pitchFamily="18" charset="0"/>
-                          </a:rPr>
-                          <m:t>Ε</m:t>
-                        </m:r>
-                      </m:e>
-                    </m:d>
-                  </m:oMath>
-                </a14:m>
                 <a:endParaRPr lang="ru-RU" sz="2800" dirty="0"/>
               </a:p>
             </p:txBody>
@@ -23123,10 +22904,10 @@
               <a:prstGeom prst="rect">
                 <a:avLst/>
               </a:prstGeom>
-              <a:blipFill>
+              <a:blipFill rotWithShape="0">
                 <a:blip r:embed="rId2"/>
                 <a:stretch>
-                  <a:fillRect l="-1826" b="-6775"/>
+                  <a:fillRect l="-1826"/>
                 </a:stretch>
               </a:blipFill>
             </p:spPr>
@@ -30117,7 +29898,7 @@
         <p:spPr>
           <a:xfrm>
             <a:off x="5057560" y="5925352"/>
-            <a:ext cx="2330125" cy="461665"/>
+            <a:ext cx="2473306" cy="461665"/>
           </a:xfrm>
           <a:prstGeom prst="rect">
             <a:avLst/>
@@ -30139,12 +29920,12 @@
               <a:t>G(</a:t>
             </a:r>
             <a:r>
-              <a:rPr lang="en-US" sz="2400" dirty="0" err="1" smtClean="0"/>
-              <a:t>enerator</a:t>
+              <a:rPr lang="en-US" sz="2400" dirty="0"/>
+              <a:t>g</a:t>
             </a:r>
             <a:r>
               <a:rPr lang="en-US" sz="2400" dirty="0" smtClean="0"/>
-              <a:t>)</a:t>
+              <a:t>enerator)</a:t>
             </a:r>
             <a:endParaRPr lang="ru-RU" sz="2400" dirty="0"/>
           </a:p>
@@ -36634,6 +36415,79 @@
           </p:sp>
         </mc:Fallback>
       </mc:AlternateContent>
+      <p:sp>
+        <p:nvSpPr>
+          <p:cNvPr id="26" name="Line 5"/>
+          <p:cNvSpPr>
+            <a:spLocks noChangeShapeType="1"/>
+          </p:cNvSpPr>
+          <p:nvPr/>
+        </p:nvSpPr>
+        <p:spPr bwMode="auto">
+          <a:xfrm flipV="1">
+            <a:off x="405143" y="3660290"/>
+            <a:ext cx="1066800" cy="19050"/>
+          </a:xfrm>
+          <a:prstGeom prst="line">
+            <a:avLst/>
+          </a:prstGeom>
+          <a:noFill/>
+          <a:ln w="9525">
+            <a:solidFill>
+              <a:schemeClr val="tx1"/>
+            </a:solidFill>
+            <a:round/>
+            <a:headEnd/>
+            <a:tailEnd type="triangle" w="med" len="med"/>
+          </a:ln>
+          <a:effectLst/>
+        </p:spPr>
+        <p:txBody>
+          <a:bodyPr/>
+          <a:lstStyle/>
+          <a:p>
+            <a:endParaRPr lang="en-US"/>
+          </a:p>
+        </p:txBody>
+      </p:sp>
+      <p:sp>
+        <p:nvSpPr>
+          <p:cNvPr id="27" name="Text Box 6"/>
+          <p:cNvSpPr txBox="1">
+            <a:spLocks noChangeArrowheads="1"/>
+          </p:cNvSpPr>
+          <p:nvPr/>
+        </p:nvSpPr>
+        <p:spPr bwMode="auto">
+          <a:xfrm>
+            <a:off x="308159" y="3154424"/>
+            <a:ext cx="346369" cy="461665"/>
+          </a:xfrm>
+          <a:prstGeom prst="rect">
+            <a:avLst/>
+          </a:prstGeom>
+          <a:noFill/>
+          <a:ln w="9525">
+            <a:noFill/>
+            <a:miter lim="800000"/>
+            <a:headEnd/>
+            <a:tailEnd/>
+          </a:ln>
+          <a:effectLst/>
+        </p:spPr>
+        <p:txBody>
+          <a:bodyPr wrap="none">
+            <a:spAutoFit/>
+          </a:bodyPr>
+          <a:lstStyle/>
+          <a:p>
+            <a:r>
+              <a:rPr lang="en-US" sz="2400" i="1" dirty="0"/>
+              <a:t>b</a:t>
+            </a:r>
+          </a:p>
+        </p:txBody>
+      </p:sp>
     </p:spTree>
     <p:extLst>
       <p:ext uri="{BB962C8B-B14F-4D97-AF65-F5344CB8AC3E}">
@@ -37383,6 +37237,1166 @@
         <p:cTn id="1" dur="indefinite" restart="never" nodeType="tmRoot"/>
       </p:par>
     </p:tnLst>
+  </p:timing>
+</p:sld>
+</file>
+
+<file path=ppt/slides/slide39.xml><?xml version="1.0" encoding="utf-8"?>
+<p:sld xmlns:a="http://schemas.openxmlformats.org/drawingml/2006/main" xmlns:r="http://schemas.openxmlformats.org/officeDocument/2006/relationships" xmlns:p="http://schemas.openxmlformats.org/presentationml/2006/main">
+  <p:cSld>
+    <p:spTree>
+      <p:nvGrpSpPr>
+        <p:cNvPr id="1" name=""/>
+        <p:cNvGrpSpPr/>
+        <p:nvPr/>
+      </p:nvGrpSpPr>
+      <p:grpSpPr>
+        <a:xfrm>
+          <a:off x="0" y="0"/>
+          <a:ext cx="0" cy="0"/>
+          <a:chOff x="0" y="0"/>
+          <a:chExt cx="0" cy="0"/>
+        </a:xfrm>
+      </p:grpSpPr>
+      <p:sp>
+        <p:nvSpPr>
+          <p:cNvPr id="2" name="Заголовок 1"/>
+          <p:cNvSpPr>
+            <a:spLocks noGrp="1"/>
+          </p:cNvSpPr>
+          <p:nvPr>
+            <p:ph type="title"/>
+          </p:nvPr>
+        </p:nvSpPr>
+        <p:spPr/>
+        <p:txBody>
+          <a:bodyPr/>
+          <a:lstStyle/>
+          <a:p>
+            <a:r>
+              <a:rPr lang="ru-RU" dirty="0" smtClean="0"/>
+              <a:t>Тест.</a:t>
+            </a:r>
+            <a:endParaRPr lang="ru-RU" dirty="0"/>
+          </a:p>
+        </p:txBody>
+      </p:sp>
+      <p:sp>
+        <p:nvSpPr>
+          <p:cNvPr id="4" name="Номер слайда 3"/>
+          <p:cNvSpPr>
+            <a:spLocks noGrp="1"/>
+          </p:cNvSpPr>
+          <p:nvPr>
+            <p:ph type="sldNum" sz="quarter" idx="12"/>
+          </p:nvPr>
+        </p:nvSpPr>
+        <p:spPr/>
+        <p:txBody>
+          <a:bodyPr/>
+          <a:lstStyle/>
+          <a:p>
+            <a:fld id="{8253DDDB-F8F7-4D64-A7FD-3F3D61C1949F}" type="slidenum">
+              <a:rPr lang="ru-RU" smtClean="0"/>
+              <a:t>39</a:t>
+            </a:fld>
+            <a:endParaRPr lang="ru-RU"/>
+          </a:p>
+        </p:txBody>
+      </p:sp>
+      <p:sp>
+        <p:nvSpPr>
+          <p:cNvPr id="5" name="Прямоугольник 4"/>
+          <p:cNvSpPr/>
+          <p:nvPr/>
+        </p:nvSpPr>
+        <p:spPr>
+          <a:xfrm>
+            <a:off x="284285" y="5433158"/>
+            <a:ext cx="10688515" cy="317012"/>
+          </a:xfrm>
+          <a:prstGeom prst="rect">
+            <a:avLst/>
+          </a:prstGeom>
+          <a:solidFill>
+            <a:schemeClr val="accent6">
+              <a:alpha val="50000"/>
+            </a:schemeClr>
+          </a:solidFill>
+          <a:ln>
+            <a:noFill/>
+          </a:ln>
+        </p:spPr>
+        <p:style>
+          <a:lnRef idx="0">
+            <a:scrgbClr r="0" g="0" b="0"/>
+          </a:lnRef>
+          <a:fillRef idx="0">
+            <a:scrgbClr r="0" g="0" b="0"/>
+          </a:fillRef>
+          <a:effectRef idx="0">
+            <a:scrgbClr r="0" g="0" b="0"/>
+          </a:effectRef>
+          <a:fontRef idx="minor">
+            <a:schemeClr val="lt1"/>
+          </a:fontRef>
+        </p:style>
+        <p:txBody>
+          <a:bodyPr rtlCol="0" anchor="ctr"/>
+          <a:lstStyle/>
+          <a:p>
+            <a:pPr algn="ctr"/>
+            <a:endParaRPr lang="ru-RU"/>
+          </a:p>
+        </p:txBody>
+      </p:sp>
+      <p:sp>
+        <p:nvSpPr>
+          <p:cNvPr id="6" name="Прямоугольник 5"/>
+          <p:cNvSpPr/>
+          <p:nvPr/>
+        </p:nvSpPr>
+        <p:spPr>
+          <a:xfrm>
+            <a:off x="284285" y="5819530"/>
+            <a:ext cx="10688515" cy="317012"/>
+          </a:xfrm>
+          <a:prstGeom prst="rect">
+            <a:avLst/>
+          </a:prstGeom>
+          <a:solidFill>
+            <a:schemeClr val="accent6">
+              <a:alpha val="50000"/>
+            </a:schemeClr>
+          </a:solidFill>
+          <a:ln>
+            <a:noFill/>
+          </a:ln>
+        </p:spPr>
+        <p:style>
+          <a:lnRef idx="0">
+            <a:scrgbClr r="0" g="0" b="0"/>
+          </a:lnRef>
+          <a:fillRef idx="0">
+            <a:scrgbClr r="0" g="0" b="0"/>
+          </a:fillRef>
+          <a:effectRef idx="0">
+            <a:scrgbClr r="0" g="0" b="0"/>
+          </a:effectRef>
+          <a:fontRef idx="minor">
+            <a:schemeClr val="lt1"/>
+          </a:fontRef>
+        </p:style>
+        <p:txBody>
+          <a:bodyPr rtlCol="0" anchor="ctr"/>
+          <a:lstStyle/>
+          <a:p>
+            <a:pPr algn="ctr"/>
+            <a:endParaRPr lang="ru-RU"/>
+          </a:p>
+        </p:txBody>
+      </p:sp>
+      <p:sp>
+        <p:nvSpPr>
+          <p:cNvPr id="7" name="Прямоугольник 6"/>
+          <p:cNvSpPr/>
+          <p:nvPr/>
+        </p:nvSpPr>
+        <p:spPr>
+          <a:xfrm>
+            <a:off x="284284" y="6205902"/>
+            <a:ext cx="10688515" cy="317012"/>
+          </a:xfrm>
+          <a:prstGeom prst="rect">
+            <a:avLst/>
+          </a:prstGeom>
+          <a:solidFill>
+            <a:schemeClr val="accent6">
+              <a:alpha val="50000"/>
+            </a:schemeClr>
+          </a:solidFill>
+          <a:ln>
+            <a:noFill/>
+          </a:ln>
+        </p:spPr>
+        <p:style>
+          <a:lnRef idx="0">
+            <a:scrgbClr r="0" g="0" b="0"/>
+          </a:lnRef>
+          <a:fillRef idx="0">
+            <a:scrgbClr r="0" g="0" b="0"/>
+          </a:fillRef>
+          <a:effectRef idx="0">
+            <a:scrgbClr r="0" g="0" b="0"/>
+          </a:effectRef>
+          <a:fontRef idx="minor">
+            <a:schemeClr val="lt1"/>
+          </a:fontRef>
+        </p:style>
+        <p:txBody>
+          <a:bodyPr rtlCol="0" anchor="ctr"/>
+          <a:lstStyle/>
+          <a:p>
+            <a:pPr algn="ctr"/>
+            <a:endParaRPr lang="ru-RU"/>
+          </a:p>
+        </p:txBody>
+      </p:sp>
+      <mc:AlternateContent xmlns:mc="http://schemas.openxmlformats.org/markup-compatibility/2006" xmlns:a14="http://schemas.microsoft.com/office/drawing/2010/main">
+        <mc:Choice Requires="a14">
+          <p:sp>
+            <p:nvSpPr>
+              <p:cNvPr id="8" name="TextBox 7"/>
+              <p:cNvSpPr txBox="1"/>
+              <p:nvPr/>
+            </p:nvSpPr>
+            <p:spPr>
+              <a:xfrm>
+                <a:off x="5345724" y="1408579"/>
+                <a:ext cx="6008076" cy="2246769"/>
+              </a:xfrm>
+              <a:prstGeom prst="rect">
+                <a:avLst/>
+              </a:prstGeom>
+              <a:noFill/>
+            </p:spPr>
+            <p:txBody>
+              <a:bodyPr wrap="square" rtlCol="0">
+                <a:spAutoFit/>
+              </a:bodyPr>
+              <a:lstStyle/>
+              <a:p>
+                <a:pPr algn="ctr"/>
+                <a:endParaRPr lang="ru-RU" sz="2800" b="1" dirty="0"/>
+              </a:p>
+              <a:p>
+                <a:pPr marL="457200" indent="-457200">
+                  <a:buFont typeface="Wingdings" panose="05000000000000000000" pitchFamily="2" charset="2"/>
+                  <a:buChar char="§"/>
+                </a:pPr>
+                <a14:m>
+                  <m:oMath xmlns:m="http://schemas.openxmlformats.org/officeDocument/2006/math">
+                    <m:r>
+                      <m:rPr>
+                        <m:sty m:val="p"/>
+                      </m:rPr>
+                      <a:rPr lang="en-US" sz="2800">
+                        <a:latin typeface="Cambria Math" panose="02040503050406030204" pitchFamily="18" charset="0"/>
+                      </a:rPr>
+                      <m:t>SSadv</m:t>
+                    </m:r>
+                    <m:d>
+                      <m:dPr>
+                        <m:begChr m:val="["/>
+                        <m:endChr m:val="]"/>
+                        <m:ctrlPr>
+                          <a:rPr lang="en-US" sz="2800" i="1">
+                            <a:latin typeface="Cambria Math" panose="02040503050406030204" pitchFamily="18" charset="0"/>
+                          </a:rPr>
+                        </m:ctrlPr>
+                      </m:dPr>
+                      <m:e>
+                        <m:r>
+                          <a:rPr lang="en-US" sz="2800" i="1">
+                            <a:latin typeface="Cambria Math" panose="02040503050406030204" pitchFamily="18" charset="0"/>
+                          </a:rPr>
+                          <m:t>𝐴</m:t>
+                        </m:r>
+                        <m:r>
+                          <a:rPr lang="en-US" sz="2800" i="1">
+                            <a:latin typeface="Cambria Math" panose="02040503050406030204" pitchFamily="18" charset="0"/>
+                          </a:rPr>
+                          <m:t>,</m:t>
+                        </m:r>
+                        <m:r>
+                          <m:rPr>
+                            <m:sty m:val="p"/>
+                          </m:rPr>
+                          <a:rPr lang="en-US" sz="2800">
+                            <a:latin typeface="Cambria Math" panose="02040503050406030204" pitchFamily="18" charset="0"/>
+                          </a:rPr>
+                          <m:t>Ε</m:t>
+                        </m:r>
+                      </m:e>
+                    </m:d>
+                    <m:r>
+                      <a:rPr lang="en-US" sz="2800" i="1">
+                        <a:latin typeface="Cambria Math" panose="02040503050406030204" pitchFamily="18" charset="0"/>
+                      </a:rPr>
+                      <m:t>=</m:t>
+                    </m:r>
+                  </m:oMath>
+                </a14:m>
+                <a:r>
+                  <a:rPr lang="ru-RU" sz="2800" b="1" dirty="0" smtClean="0"/>
+                  <a:t> ??? </a:t>
+                </a:r>
+                <a:r>
+                  <a:rPr lang="en-US" sz="2800" dirty="0" smtClean="0"/>
+                  <a:t>(</a:t>
+                </a:r>
+                <a:r>
+                  <a:rPr lang="ru-RU" sz="2800" dirty="0" smtClean="0"/>
+                  <a:t>функция от </a:t>
+                </a:r>
+                <a14:m>
+                  <m:oMath xmlns:m="http://schemas.openxmlformats.org/officeDocument/2006/math">
+                    <m:sSub>
+                      <m:sSubPr>
+                        <m:ctrlPr>
+                          <a:rPr lang="en-US" sz="2800" b="0" i="1" smtClean="0">
+                            <a:latin typeface="Cambria Math" panose="02040503050406030204" pitchFamily="18" charset="0"/>
+                          </a:rPr>
+                        </m:ctrlPr>
+                      </m:sSubPr>
+                      <m:e>
+                        <m:r>
+                          <a:rPr lang="en-US" sz="2800" b="0" i="1" smtClean="0">
+                            <a:latin typeface="Cambria Math" panose="02040503050406030204" pitchFamily="18" charset="0"/>
+                          </a:rPr>
+                          <m:t>𝑊</m:t>
+                        </m:r>
+                      </m:e>
+                      <m:sub>
+                        <m:r>
+                          <a:rPr lang="en-US" sz="2800" b="0" i="1" smtClean="0">
+                            <a:latin typeface="Cambria Math" panose="02040503050406030204" pitchFamily="18" charset="0"/>
+                          </a:rPr>
+                          <m:t>𝑏</m:t>
+                        </m:r>
+                      </m:sub>
+                    </m:sSub>
+                    <m:r>
+                      <a:rPr lang="en-US" sz="2800" b="0" i="1" smtClean="0">
+                        <a:latin typeface="Cambria Math" panose="02040503050406030204" pitchFamily="18" charset="0"/>
+                      </a:rPr>
+                      <m:t>, </m:t>
+                    </m:r>
+                    <m:r>
+                      <a:rPr lang="en-US" sz="2800" b="0" i="1" smtClean="0">
+                        <a:latin typeface="Cambria Math" panose="02040503050406030204" pitchFamily="18" charset="0"/>
+                      </a:rPr>
+                      <m:t>𝑏</m:t>
+                    </m:r>
+                    <m:r>
+                      <a:rPr lang="en-US" sz="2800" b="0" i="1" smtClean="0">
+                        <a:latin typeface="Cambria Math" panose="02040503050406030204" pitchFamily="18" charset="0"/>
+                      </a:rPr>
+                      <m:t>=0,1</m:t>
+                    </m:r>
+                  </m:oMath>
+                </a14:m>
+                <a:r>
+                  <a:rPr lang="en-US" sz="2800" dirty="0" smtClean="0"/>
+                  <a:t>)</a:t>
+                </a:r>
+                <a:endParaRPr lang="ru-RU" sz="2800" dirty="0" smtClean="0"/>
+              </a:p>
+              <a:p>
+                <a:pPr marL="457200" indent="-457200">
+                  <a:buFont typeface="Wingdings" panose="05000000000000000000" pitchFamily="2" charset="2"/>
+                  <a:buChar char="§"/>
+                </a:pPr>
+                <a14:m>
+                  <m:oMath xmlns:m="http://schemas.openxmlformats.org/officeDocument/2006/math">
+                    <m:sSup>
+                      <m:sSupPr>
+                        <m:ctrlPr>
+                          <a:rPr lang="en-US" sz="2800" i="1">
+                            <a:latin typeface="Cambria Math" panose="02040503050406030204" pitchFamily="18" charset="0"/>
+                          </a:rPr>
+                        </m:ctrlPr>
+                      </m:sSupPr>
+                      <m:e>
+                        <m:r>
+                          <m:rPr>
+                            <m:sty m:val="p"/>
+                          </m:rPr>
+                          <a:rPr lang="en-US" sz="2800">
+                            <a:latin typeface="Cambria Math" panose="02040503050406030204" pitchFamily="18" charset="0"/>
+                          </a:rPr>
+                          <m:t>SSadv</m:t>
+                        </m:r>
+                      </m:e>
+                      <m:sup>
+                        <m:r>
+                          <a:rPr lang="en-US" sz="2800">
+                            <a:latin typeface="Cambria Math" panose="02040503050406030204" pitchFamily="18" charset="0"/>
+                          </a:rPr>
+                          <m:t>∗</m:t>
+                        </m:r>
+                      </m:sup>
+                    </m:sSup>
+                    <m:d>
+                      <m:dPr>
+                        <m:begChr m:val="["/>
+                        <m:endChr m:val="]"/>
+                        <m:ctrlPr>
+                          <a:rPr lang="en-US" sz="2800" i="1">
+                            <a:latin typeface="Cambria Math" panose="02040503050406030204" pitchFamily="18" charset="0"/>
+                          </a:rPr>
+                        </m:ctrlPr>
+                      </m:dPr>
+                      <m:e>
+                        <m:r>
+                          <a:rPr lang="en-US" sz="2800" i="1">
+                            <a:latin typeface="Cambria Math" panose="02040503050406030204" pitchFamily="18" charset="0"/>
+                          </a:rPr>
+                          <m:t>𝐴</m:t>
+                        </m:r>
+                        <m:r>
+                          <a:rPr lang="en-US" sz="2800" i="1">
+                            <a:latin typeface="Cambria Math" panose="02040503050406030204" pitchFamily="18" charset="0"/>
+                          </a:rPr>
+                          <m:t>,</m:t>
+                        </m:r>
+                        <m:r>
+                          <m:rPr>
+                            <m:sty m:val="p"/>
+                          </m:rPr>
+                          <a:rPr lang="en-US" sz="2800">
+                            <a:latin typeface="Cambria Math" panose="02040503050406030204" pitchFamily="18" charset="0"/>
+                          </a:rPr>
+                          <m:t>Ε</m:t>
+                        </m:r>
+                      </m:e>
+                    </m:d>
+                    <m:r>
+                      <a:rPr lang="en-US" sz="2800" i="1">
+                        <a:latin typeface="Cambria Math" panose="02040503050406030204" pitchFamily="18" charset="0"/>
+                      </a:rPr>
+                      <m:t>=</m:t>
+                    </m:r>
+                  </m:oMath>
+                </a14:m>
+                <a:r>
+                  <a:rPr lang="ru-RU" sz="2800" b="1" dirty="0" smtClean="0"/>
+                  <a:t> ???</a:t>
+                </a:r>
+                <a:r>
+                  <a:rPr lang="en-US" sz="2800" b="1" dirty="0" smtClean="0"/>
+                  <a:t> </a:t>
+                </a:r>
+                <a:r>
+                  <a:rPr lang="en-US" sz="2800" dirty="0" smtClean="0"/>
+                  <a:t>(</a:t>
+                </a:r>
+                <a:r>
+                  <a:rPr lang="ru-RU" sz="2800" dirty="0" smtClean="0"/>
+                  <a:t>функция от </a:t>
+                </a:r>
+                <a14:m>
+                  <m:oMath xmlns:m="http://schemas.openxmlformats.org/officeDocument/2006/math">
+                    <m:r>
+                      <a:rPr lang="en-US" sz="2800" b="0" i="1" smtClean="0">
+                        <a:latin typeface="Cambria Math" panose="02040503050406030204" pitchFamily="18" charset="0"/>
+                      </a:rPr>
+                      <m:t>𝑊</m:t>
+                    </m:r>
+                  </m:oMath>
+                </a14:m>
+                <a:r>
+                  <a:rPr lang="en-US" sz="2800" dirty="0" smtClean="0"/>
+                  <a:t>)</a:t>
+                </a:r>
+              </a:p>
+              <a:p>
+                <a:pPr marL="457200" indent="-457200">
+                  <a:buFont typeface="Wingdings" panose="05000000000000000000" pitchFamily="2" charset="2"/>
+                  <a:buChar char="§"/>
+                </a:pPr>
+                <a:r>
+                  <a:rPr lang="ru-RU" sz="2800" dirty="0" smtClean="0"/>
+                  <a:t>Связь </a:t>
+                </a:r>
+                <a14:m>
+                  <m:oMath xmlns:m="http://schemas.openxmlformats.org/officeDocument/2006/math">
+                    <m:r>
+                      <m:rPr>
+                        <m:sty m:val="p"/>
+                      </m:rPr>
+                      <a:rPr lang="en-US" sz="2800">
+                        <a:latin typeface="Cambria Math" panose="02040503050406030204" pitchFamily="18" charset="0"/>
+                      </a:rPr>
+                      <m:t>SSadv</m:t>
+                    </m:r>
+                    <m:d>
+                      <m:dPr>
+                        <m:begChr m:val="["/>
+                        <m:endChr m:val="]"/>
+                        <m:ctrlPr>
+                          <a:rPr lang="en-US" sz="2800" i="1">
+                            <a:latin typeface="Cambria Math" panose="02040503050406030204" pitchFamily="18" charset="0"/>
+                          </a:rPr>
+                        </m:ctrlPr>
+                      </m:dPr>
+                      <m:e>
+                        <m:r>
+                          <a:rPr lang="en-US" sz="2800" i="1">
+                            <a:latin typeface="Cambria Math" panose="02040503050406030204" pitchFamily="18" charset="0"/>
+                          </a:rPr>
+                          <m:t>𝐴</m:t>
+                        </m:r>
+                        <m:r>
+                          <a:rPr lang="en-US" sz="2800" i="1">
+                            <a:latin typeface="Cambria Math" panose="02040503050406030204" pitchFamily="18" charset="0"/>
+                          </a:rPr>
+                          <m:t>,</m:t>
+                        </m:r>
+                        <m:r>
+                          <m:rPr>
+                            <m:sty m:val="p"/>
+                          </m:rPr>
+                          <a:rPr lang="en-US" sz="2800">
+                            <a:latin typeface="Cambria Math" panose="02040503050406030204" pitchFamily="18" charset="0"/>
+                          </a:rPr>
+                          <m:t>Ε</m:t>
+                        </m:r>
+                      </m:e>
+                    </m:d>
+                  </m:oMath>
+                </a14:m>
+                <a:r>
+                  <a:rPr lang="ru-RU" sz="2800" dirty="0" smtClean="0"/>
+                  <a:t> и </a:t>
+                </a:r>
+                <a14:m>
+                  <m:oMath xmlns:m="http://schemas.openxmlformats.org/officeDocument/2006/math">
+                    <m:sSup>
+                      <m:sSupPr>
+                        <m:ctrlPr>
+                          <a:rPr lang="en-US" sz="2800" i="1">
+                            <a:latin typeface="Cambria Math" panose="02040503050406030204" pitchFamily="18" charset="0"/>
+                          </a:rPr>
+                        </m:ctrlPr>
+                      </m:sSupPr>
+                      <m:e>
+                        <m:r>
+                          <m:rPr>
+                            <m:sty m:val="p"/>
+                          </m:rPr>
+                          <a:rPr lang="en-US" sz="2800">
+                            <a:latin typeface="Cambria Math" panose="02040503050406030204" pitchFamily="18" charset="0"/>
+                          </a:rPr>
+                          <m:t>SSadv</m:t>
+                        </m:r>
+                      </m:e>
+                      <m:sup>
+                        <m:r>
+                          <a:rPr lang="en-US" sz="2800">
+                            <a:latin typeface="Cambria Math" panose="02040503050406030204" pitchFamily="18" charset="0"/>
+                          </a:rPr>
+                          <m:t>∗</m:t>
+                        </m:r>
+                      </m:sup>
+                    </m:sSup>
+                    <m:d>
+                      <m:dPr>
+                        <m:begChr m:val="["/>
+                        <m:endChr m:val="]"/>
+                        <m:ctrlPr>
+                          <a:rPr lang="en-US" sz="2800" i="1">
+                            <a:latin typeface="Cambria Math" panose="02040503050406030204" pitchFamily="18" charset="0"/>
+                          </a:rPr>
+                        </m:ctrlPr>
+                      </m:dPr>
+                      <m:e>
+                        <m:r>
+                          <a:rPr lang="en-US" sz="2800" i="1">
+                            <a:latin typeface="Cambria Math" panose="02040503050406030204" pitchFamily="18" charset="0"/>
+                          </a:rPr>
+                          <m:t>𝐴</m:t>
+                        </m:r>
+                        <m:r>
+                          <a:rPr lang="en-US" sz="2800" i="1">
+                            <a:latin typeface="Cambria Math" panose="02040503050406030204" pitchFamily="18" charset="0"/>
+                          </a:rPr>
+                          <m:t>,</m:t>
+                        </m:r>
+                        <m:r>
+                          <m:rPr>
+                            <m:sty m:val="p"/>
+                          </m:rPr>
+                          <a:rPr lang="en-US" sz="2800">
+                            <a:latin typeface="Cambria Math" panose="02040503050406030204" pitchFamily="18" charset="0"/>
+                          </a:rPr>
+                          <m:t>Ε</m:t>
+                        </m:r>
+                      </m:e>
+                    </m:d>
+                  </m:oMath>
+                </a14:m>
+                <a:endParaRPr lang="ru-RU" sz="2800" dirty="0"/>
+              </a:p>
+            </p:txBody>
+          </p:sp>
+        </mc:Choice>
+        <mc:Fallback xmlns="">
+          <p:sp>
+            <p:nvSpPr>
+              <p:cNvPr id="8" name="TextBox 7"/>
+              <p:cNvSpPr txBox="1">
+                <a:spLocks noRot="1" noChangeAspect="1" noMove="1" noResize="1" noEditPoints="1" noAdjustHandles="1" noChangeArrowheads="1" noChangeShapeType="1" noTextEdit="1"/>
+              </p:cNvSpPr>
+              <p:nvPr/>
+            </p:nvSpPr>
+            <p:spPr>
+              <a:xfrm>
+                <a:off x="5345724" y="1408579"/>
+                <a:ext cx="6008076" cy="2246769"/>
+              </a:xfrm>
+              <a:prstGeom prst="rect">
+                <a:avLst/>
+              </a:prstGeom>
+              <a:blipFill>
+                <a:blip r:embed="rId2"/>
+                <a:stretch>
+                  <a:fillRect l="-1826" b="-6775"/>
+                </a:stretch>
+              </a:blipFill>
+            </p:spPr>
+            <p:txBody>
+              <a:bodyPr/>
+              <a:lstStyle/>
+              <a:p>
+                <a:r>
+                  <a:rPr lang="ru-RU">
+                    <a:noFill/>
+                  </a:rPr>
+                  <a:t> </a:t>
+                </a:r>
+              </a:p>
+            </p:txBody>
+          </p:sp>
+        </mc:Fallback>
+      </mc:AlternateContent>
+      <mc:AlternateContent xmlns:mc="http://schemas.openxmlformats.org/markup-compatibility/2006" xmlns:a14="http://schemas.microsoft.com/office/drawing/2010/main">
+        <mc:Choice Requires="a14">
+          <p:sp>
+            <p:nvSpPr>
+              <p:cNvPr id="10" name="Прямоугольник 9"/>
+              <p:cNvSpPr/>
+              <p:nvPr/>
+            </p:nvSpPr>
+            <p:spPr>
+              <a:xfrm>
+                <a:off x="185371" y="1408578"/>
+                <a:ext cx="5318614" cy="3355662"/>
+              </a:xfrm>
+              <a:prstGeom prst="rect">
+                <a:avLst/>
+              </a:prstGeom>
+            </p:spPr>
+            <p:txBody>
+              <a:bodyPr wrap="square">
+                <a:spAutoFit/>
+              </a:bodyPr>
+              <a:lstStyle/>
+              <a:p>
+                <a:r>
+                  <a:rPr lang="ru-RU" sz="2600" dirty="0"/>
+                  <a:t>Пусть задана игра на семантическую стойкость для алгоритма </a:t>
+                </a:r>
+                <a14:m>
+                  <m:oMath xmlns:m="http://schemas.openxmlformats.org/officeDocument/2006/math">
+                    <m:r>
+                      <a:rPr lang="en-US" sz="2600" i="1">
+                        <a:latin typeface="Cambria Math" panose="02040503050406030204" pitchFamily="18" charset="0"/>
+                      </a:rPr>
+                      <m:t>𝐴</m:t>
+                    </m:r>
+                  </m:oMath>
+                </a14:m>
+                <a:r>
+                  <a:rPr lang="ru-RU" sz="2600" b="1" dirty="0"/>
+                  <a:t> </a:t>
+                </a:r>
+                <a:r>
+                  <a:rPr lang="ru-RU" sz="2600" dirty="0"/>
+                  <a:t>против шифра </a:t>
+                </a:r>
+                <a14:m>
+                  <m:oMath xmlns:m="http://schemas.openxmlformats.org/officeDocument/2006/math">
+                    <m:r>
+                      <m:rPr>
+                        <m:sty m:val="p"/>
+                      </m:rPr>
+                      <a:rPr lang="ru-RU" sz="2600">
+                        <a:latin typeface="Cambria Math" panose="02040503050406030204" pitchFamily="18" charset="0"/>
+                      </a:rPr>
+                      <m:t>Ε</m:t>
+                    </m:r>
+                    <m:r>
+                      <a:rPr lang="en-US" sz="2600" i="1">
+                        <a:latin typeface="Cambria Math" panose="02040503050406030204" pitchFamily="18" charset="0"/>
+                      </a:rPr>
+                      <m:t>=(</m:t>
+                    </m:r>
+                    <m:r>
+                      <a:rPr lang="en-US" sz="2600" i="1">
+                        <a:latin typeface="Cambria Math" panose="02040503050406030204" pitchFamily="18" charset="0"/>
+                      </a:rPr>
+                      <m:t>𝐸</m:t>
+                    </m:r>
+                    <m:r>
+                      <a:rPr lang="en-US" sz="2600" i="1">
+                        <a:latin typeface="Cambria Math" panose="02040503050406030204" pitchFamily="18" charset="0"/>
+                      </a:rPr>
+                      <m:t>,</m:t>
+                    </m:r>
+                    <m:r>
+                      <a:rPr lang="en-US" sz="2600" i="1">
+                        <a:latin typeface="Cambria Math" panose="02040503050406030204" pitchFamily="18" charset="0"/>
+                      </a:rPr>
+                      <m:t>𝐷</m:t>
+                    </m:r>
+                    <m:r>
+                      <a:rPr lang="en-US" sz="2600" i="1">
+                        <a:latin typeface="Cambria Math" panose="02040503050406030204" pitchFamily="18" charset="0"/>
+                      </a:rPr>
+                      <m:t>)</m:t>
+                    </m:r>
+                  </m:oMath>
+                </a14:m>
+                <a:r>
+                  <a:rPr lang="ru-RU" sz="2600" b="1" dirty="0"/>
+                  <a:t> </a:t>
+                </a:r>
+                <a:r>
+                  <a:rPr lang="ru-RU" sz="2600" dirty="0"/>
+                  <a:t>на </a:t>
+                </a:r>
+                <a14:m>
+                  <m:oMath xmlns:m="http://schemas.openxmlformats.org/officeDocument/2006/math">
+                    <m:r>
+                      <a:rPr lang="en-US" sz="2600" i="1">
+                        <a:latin typeface="Cambria Math" panose="02040503050406030204" pitchFamily="18" charset="0"/>
+                      </a:rPr>
+                      <m:t>(</m:t>
+                    </m:r>
+                    <m:r>
+                      <a:rPr lang="en-US" sz="2600" i="1">
+                        <a:latin typeface="Cambria Math" panose="02040503050406030204" pitchFamily="18" charset="0"/>
+                      </a:rPr>
+                      <m:t>𝐾</m:t>
+                    </m:r>
+                    <m:r>
+                      <a:rPr lang="en-US" sz="2600" i="1">
+                        <a:latin typeface="Cambria Math" panose="02040503050406030204" pitchFamily="18" charset="0"/>
+                      </a:rPr>
+                      <m:t>,</m:t>
+                    </m:r>
+                    <m:r>
+                      <a:rPr lang="en-US" sz="2600" i="1">
+                        <a:latin typeface="Cambria Math" panose="02040503050406030204" pitchFamily="18" charset="0"/>
+                      </a:rPr>
+                      <m:t>𝑀</m:t>
+                    </m:r>
+                    <m:r>
+                      <a:rPr lang="en-US" sz="2600" i="1">
+                        <a:latin typeface="Cambria Math" panose="02040503050406030204" pitchFamily="18" charset="0"/>
+                      </a:rPr>
+                      <m:t>,</m:t>
+                    </m:r>
+                    <m:r>
+                      <a:rPr lang="en-US" sz="2600" i="1">
+                        <a:latin typeface="Cambria Math" panose="02040503050406030204" pitchFamily="18" charset="0"/>
+                      </a:rPr>
+                      <m:t>𝐶</m:t>
+                    </m:r>
+                    <m:r>
+                      <a:rPr lang="en-US" sz="2600" i="1">
+                        <a:latin typeface="Cambria Math" panose="02040503050406030204" pitchFamily="18" charset="0"/>
+                      </a:rPr>
+                      <m:t>)</m:t>
+                    </m:r>
+                  </m:oMath>
+                </a14:m>
+                <a:r>
+                  <a:rPr lang="ru-RU" sz="2600" b="1" dirty="0"/>
+                  <a:t>.</a:t>
+                </a:r>
+              </a:p>
+              <a:p>
+                <a:endParaRPr lang="ru-RU" sz="2600" b="1" dirty="0"/>
+              </a:p>
+              <a:p>
+                <a14:m>
+                  <m:oMath xmlns:m="http://schemas.openxmlformats.org/officeDocument/2006/math">
+                    <m:sSub>
+                      <m:sSubPr>
+                        <m:ctrlPr>
+                          <a:rPr lang="en-US" sz="2600" i="1">
+                            <a:latin typeface="Cambria Math" panose="02040503050406030204" pitchFamily="18" charset="0"/>
+                          </a:rPr>
+                        </m:ctrlPr>
+                      </m:sSubPr>
+                      <m:e>
+                        <m:r>
+                          <a:rPr lang="en-US" sz="2600" i="1">
+                            <a:latin typeface="Cambria Math" panose="02040503050406030204" pitchFamily="18" charset="0"/>
+                          </a:rPr>
+                          <m:t>𝑊</m:t>
+                        </m:r>
+                      </m:e>
+                      <m:sub>
+                        <m:r>
+                          <a:rPr lang="en-US" sz="2600" i="1">
+                            <a:latin typeface="Cambria Math" panose="02040503050406030204" pitchFamily="18" charset="0"/>
+                          </a:rPr>
+                          <m:t>𝑏</m:t>
+                        </m:r>
+                      </m:sub>
+                    </m:sSub>
+                  </m:oMath>
+                </a14:m>
+                <a:r>
+                  <a:rPr lang="ru-RU" sz="2600" dirty="0"/>
+                  <a:t> - событие того, что </a:t>
+                </a:r>
+                <a14:m>
+                  <m:oMath xmlns:m="http://schemas.openxmlformats.org/officeDocument/2006/math">
+                    <m:sSup>
+                      <m:sSupPr>
+                        <m:ctrlPr>
+                          <a:rPr lang="en-US" sz="2600" i="1">
+                            <a:latin typeface="Cambria Math" panose="02040503050406030204" pitchFamily="18" charset="0"/>
+                          </a:rPr>
+                        </m:ctrlPr>
+                      </m:sSupPr>
+                      <m:e>
+                        <m:r>
+                          <a:rPr lang="en-US" sz="2600" i="1">
+                            <a:latin typeface="Cambria Math" panose="02040503050406030204" pitchFamily="18" charset="0"/>
+                          </a:rPr>
+                          <m:t>𝑏</m:t>
+                        </m:r>
+                      </m:e>
+                      <m:sup>
+                        <m:r>
+                          <a:rPr lang="en-US" sz="2600" i="1">
+                            <a:latin typeface="Cambria Math" panose="02040503050406030204" pitchFamily="18" charset="0"/>
+                          </a:rPr>
+                          <m:t>′</m:t>
+                        </m:r>
+                      </m:sup>
+                    </m:sSup>
+                    <m:r>
+                      <a:rPr lang="en-US" sz="2600" i="1">
+                        <a:latin typeface="Cambria Math" panose="02040503050406030204" pitchFamily="18" charset="0"/>
+                      </a:rPr>
+                      <m:t>=1</m:t>
+                    </m:r>
+                  </m:oMath>
+                </a14:m>
+                <a:r>
+                  <a:rPr lang="en-US" sz="2600" dirty="0"/>
+                  <a:t> </a:t>
+                </a:r>
+                <a:r>
+                  <a:rPr lang="ru-RU" sz="2600" dirty="0"/>
+                  <a:t>в эксперименте </a:t>
+                </a:r>
+                <a14:m>
+                  <m:oMath xmlns:m="http://schemas.openxmlformats.org/officeDocument/2006/math">
+                    <m:r>
+                      <a:rPr lang="en-US" sz="2600" i="1">
+                        <a:latin typeface="Cambria Math" panose="02040503050406030204" pitchFamily="18" charset="0"/>
+                      </a:rPr>
+                      <m:t>𝑏</m:t>
+                    </m:r>
+                  </m:oMath>
+                </a14:m>
+                <a:endParaRPr lang="ru-RU" sz="2600" dirty="0"/>
+              </a:p>
+              <a:p>
+                <a14:m>
+                  <m:oMath xmlns:m="http://schemas.openxmlformats.org/officeDocument/2006/math">
+                    <m:r>
+                      <a:rPr lang="en-US" sz="2600" i="1">
+                        <a:latin typeface="Cambria Math" panose="02040503050406030204" pitchFamily="18" charset="0"/>
+                      </a:rPr>
+                      <m:t>𝑊</m:t>
+                    </m:r>
+                  </m:oMath>
+                </a14:m>
+                <a:r>
+                  <a:rPr lang="ru-RU" sz="2600" dirty="0"/>
+                  <a:t> - событие, при котором </a:t>
+                </a:r>
+                <a14:m>
+                  <m:oMath xmlns:m="http://schemas.openxmlformats.org/officeDocument/2006/math">
+                    <m:sSup>
+                      <m:sSupPr>
+                        <m:ctrlPr>
+                          <a:rPr lang="en-US" sz="2600" i="1">
+                            <a:latin typeface="Cambria Math" panose="02040503050406030204" pitchFamily="18" charset="0"/>
+                          </a:rPr>
+                        </m:ctrlPr>
+                      </m:sSupPr>
+                      <m:e>
+                        <m:r>
+                          <a:rPr lang="en-US" sz="2600" i="1">
+                            <a:latin typeface="Cambria Math" panose="02040503050406030204" pitchFamily="18" charset="0"/>
+                          </a:rPr>
+                          <m:t>𝑏</m:t>
+                        </m:r>
+                      </m:e>
+                      <m:sup>
+                        <m:r>
+                          <a:rPr lang="en-US" sz="2600">
+                            <a:latin typeface="Cambria Math" panose="02040503050406030204" pitchFamily="18" charset="0"/>
+                          </a:rPr>
+                          <m:t>′</m:t>
+                        </m:r>
+                      </m:sup>
+                    </m:sSup>
+                    <m:r>
+                      <a:rPr lang="en-US" sz="2600">
+                        <a:latin typeface="Cambria Math" panose="02040503050406030204" pitchFamily="18" charset="0"/>
+                      </a:rPr>
+                      <m:t>=</m:t>
+                    </m:r>
+                    <m:r>
+                      <a:rPr lang="en-US" sz="2600" i="1">
+                        <a:latin typeface="Cambria Math" panose="02040503050406030204" pitchFamily="18" charset="0"/>
+                      </a:rPr>
+                      <m:t>𝑏</m:t>
+                    </m:r>
+                  </m:oMath>
+                </a14:m>
+                <a:endParaRPr lang="ru-RU" sz="2600" dirty="0"/>
+              </a:p>
+            </p:txBody>
+          </p:sp>
+        </mc:Choice>
+        <mc:Fallback xmlns="">
+          <p:sp>
+            <p:nvSpPr>
+              <p:cNvPr id="10" name="Прямоугольник 9"/>
+              <p:cNvSpPr>
+                <a:spLocks noRot="1" noChangeAspect="1" noMove="1" noResize="1" noEditPoints="1" noAdjustHandles="1" noChangeArrowheads="1" noChangeShapeType="1" noTextEdit="1"/>
+              </p:cNvSpPr>
+              <p:nvPr/>
+            </p:nvSpPr>
+            <p:spPr>
+              <a:xfrm>
+                <a:off x="185371" y="1408578"/>
+                <a:ext cx="5318614" cy="3355662"/>
+              </a:xfrm>
+              <a:prstGeom prst="rect">
+                <a:avLst/>
+              </a:prstGeom>
+              <a:blipFill>
+                <a:blip r:embed="rId3"/>
+                <a:stretch>
+                  <a:fillRect l="-2062" t="-1452" b="-3811"/>
+                </a:stretch>
+              </a:blipFill>
+            </p:spPr>
+            <p:txBody>
+              <a:bodyPr/>
+              <a:lstStyle/>
+              <a:p>
+                <a:r>
+                  <a:rPr lang="ru-RU">
+                    <a:noFill/>
+                  </a:rPr>
+                  <a:t> </a:t>
+                </a:r>
+              </a:p>
+            </p:txBody>
+          </p:sp>
+        </mc:Fallback>
+      </mc:AlternateContent>
+    </p:spTree>
+    <p:extLst>
+      <p:ext uri="{BB962C8B-B14F-4D97-AF65-F5344CB8AC3E}">
+        <p14:creationId xmlns:p14="http://schemas.microsoft.com/office/powerpoint/2010/main" val="2454264424"/>
+      </p:ext>
+    </p:extLst>
+  </p:cSld>
+  <p:clrMapOvr>
+    <a:masterClrMapping/>
+  </p:clrMapOvr>
+  <p:timing>
+    <p:tnLst>
+      <p:par>
+        <p:cTn id="1" dur="indefinite" restart="never" nodeType="tmRoot">
+          <p:childTnLst>
+            <p:seq concurrent="1" nextAc="seek">
+              <p:cTn id="2" dur="indefinite" nodeType="mainSeq">
+                <p:childTnLst>
+                  <p:par>
+                    <p:cTn id="3" fill="hold">
+                      <p:stCondLst>
+                        <p:cond delay="indefinite"/>
+                        <p:cond evt="onBegin" delay="0">
+                          <p:tn val="2"/>
+                        </p:cond>
+                      </p:stCondLst>
+                      <p:childTnLst>
+                        <p:par>
+                          <p:cTn id="4" fill="hold">
+                            <p:stCondLst>
+                              <p:cond delay="0"/>
+                            </p:stCondLst>
+                            <p:childTnLst>
+                              <p:par>
+                                <p:cTn id="5" presetID="22" presetClass="exit" presetSubtype="2" fill="hold" grpId="0" nodeType="withEffect">
+                                  <p:stCondLst>
+                                    <p:cond delay="0"/>
+                                  </p:stCondLst>
+                                  <p:childTnLst>
+                                    <p:animEffect transition="out" filter="wipe(right)">
+                                      <p:cBhvr>
+                                        <p:cTn id="6" dur="59000"/>
+                                        <p:tgtEl>
+                                          <p:spTgt spid="5"/>
+                                        </p:tgtEl>
+                                      </p:cBhvr>
+                                    </p:animEffect>
+                                    <p:set>
+                                      <p:cBhvr>
+                                        <p:cTn id="7" dur="1" fill="hold">
+                                          <p:stCondLst>
+                                            <p:cond delay="58999"/>
+                                          </p:stCondLst>
+                                        </p:cTn>
+                                        <p:tgtEl>
+                                          <p:spTgt spid="5"/>
+                                        </p:tgtEl>
+                                        <p:attrNameLst>
+                                          <p:attrName>style.visibility</p:attrName>
+                                        </p:attrNameLst>
+                                      </p:cBhvr>
+                                      <p:to>
+                                        <p:strVal val="hidden"/>
+                                      </p:to>
+                                    </p:set>
+                                  </p:childTnLst>
+                                </p:cTn>
+                              </p:par>
+                            </p:childTnLst>
+                          </p:cTn>
+                        </p:par>
+                        <p:par>
+                          <p:cTn id="8" fill="hold">
+                            <p:stCondLst>
+                              <p:cond delay="59000"/>
+                            </p:stCondLst>
+                            <p:childTnLst>
+                              <p:par>
+                                <p:cTn id="9" presetID="22" presetClass="exit" presetSubtype="2" fill="hold" grpId="0" nodeType="afterEffect">
+                                  <p:stCondLst>
+                                    <p:cond delay="0"/>
+                                  </p:stCondLst>
+                                  <p:childTnLst>
+                                    <p:animEffect transition="out" filter="wipe(right)">
+                                      <p:cBhvr>
+                                        <p:cTn id="10" dur="59000"/>
+                                        <p:tgtEl>
+                                          <p:spTgt spid="6"/>
+                                        </p:tgtEl>
+                                      </p:cBhvr>
+                                    </p:animEffect>
+                                    <p:set>
+                                      <p:cBhvr>
+                                        <p:cTn id="11" dur="1" fill="hold">
+                                          <p:stCondLst>
+                                            <p:cond delay="58999"/>
+                                          </p:stCondLst>
+                                        </p:cTn>
+                                        <p:tgtEl>
+                                          <p:spTgt spid="6"/>
+                                        </p:tgtEl>
+                                        <p:attrNameLst>
+                                          <p:attrName>style.visibility</p:attrName>
+                                        </p:attrNameLst>
+                                      </p:cBhvr>
+                                      <p:to>
+                                        <p:strVal val="hidden"/>
+                                      </p:to>
+                                    </p:set>
+                                  </p:childTnLst>
+                                </p:cTn>
+                              </p:par>
+                            </p:childTnLst>
+                          </p:cTn>
+                        </p:par>
+                        <p:par>
+                          <p:cTn id="12" fill="hold">
+                            <p:stCondLst>
+                              <p:cond delay="118000"/>
+                            </p:stCondLst>
+                            <p:childTnLst>
+                              <p:par>
+                                <p:cTn id="13" presetID="22" presetClass="exit" presetSubtype="2" fill="hold" grpId="0" nodeType="afterEffect">
+                                  <p:stCondLst>
+                                    <p:cond delay="0"/>
+                                  </p:stCondLst>
+                                  <p:childTnLst>
+                                    <p:animEffect transition="out" filter="wipe(right)">
+                                      <p:cBhvr>
+                                        <p:cTn id="14" dur="59000"/>
+                                        <p:tgtEl>
+                                          <p:spTgt spid="7"/>
+                                        </p:tgtEl>
+                                      </p:cBhvr>
+                                    </p:animEffect>
+                                    <p:set>
+                                      <p:cBhvr>
+                                        <p:cTn id="15" dur="1" fill="hold">
+                                          <p:stCondLst>
+                                            <p:cond delay="58999"/>
+                                          </p:stCondLst>
+                                        </p:cTn>
+                                        <p:tgtEl>
+                                          <p:spTgt spid="7"/>
+                                        </p:tgtEl>
+                                        <p:attrNameLst>
+                                          <p:attrName>style.visibility</p:attrName>
+                                        </p:attrNameLst>
+                                      </p:cBhvr>
+                                      <p:to>
+                                        <p:strVal val="hidden"/>
+                                      </p:to>
+                                    </p:set>
+                                  </p:childTnLst>
+                                </p:cTn>
+                              </p:par>
+                            </p:childTnLst>
+                          </p:cTn>
+                        </p:par>
+                      </p:childTnLst>
+                    </p:cTn>
+                  </p:par>
+                </p:childTnLst>
+              </p:cTn>
+              <p:prevCondLst>
+                <p:cond evt="onPrev" delay="0">
+                  <p:tgtEl>
+                    <p:sldTgt/>
+                  </p:tgtEl>
+                </p:cond>
+              </p:prevCondLst>
+              <p:nextCondLst>
+                <p:cond evt="onNext" delay="0">
+                  <p:tgtEl>
+                    <p:sldTgt/>
+                  </p:tgtEl>
+                </p:cond>
+              </p:nextCondLst>
+            </p:seq>
+          </p:childTnLst>
+        </p:cTn>
+      </p:par>
+    </p:tnLst>
+    <p:bldLst>
+      <p:bldP spid="5" grpId="0" animBg="1"/>
+      <p:bldP spid="6" grpId="0" animBg="1"/>
+      <p:bldP spid="7" grpId="0" animBg="1"/>
+    </p:bldLst>
   </p:timing>
 </p:sld>
 </file>
@@ -40159,8 +41173,8 @@
           </a:p>
         </p:txBody>
       </p:sp>
-      <mc:AlternateContent xmlns:mc="http://schemas.openxmlformats.org/markup-compatibility/2006" xmlns:a14="http://schemas.microsoft.com/office/drawing/2010/main">
-        <mc:Choice Requires="a14">
+      <mc:AlternateContent xmlns:mc="http://schemas.openxmlformats.org/markup-compatibility/2006">
+        <mc:Choice xmlns:a14="http://schemas.microsoft.com/office/drawing/2010/main" Requires="a14">
           <p:sp>
             <p:nvSpPr>
               <p:cNvPr id="3" name="Объект 2"/>
@@ -40904,12 +41918,31 @@
                           </a:rPr>
                           <m:t>∗</m:t>
                         </m:r>
-                        <m:r>
-                          <a:rPr lang="en-US" b="0" i="1" smtClean="0">
-                            <a:latin typeface="Cambria Math" panose="02040503050406030204" pitchFamily="18" charset="0"/>
-                          </a:rPr>
-                          <m:t>𝑛</m:t>
-                        </m:r>
+                        <m:sSup>
+                          <m:sSupPr>
+                            <m:ctrlPr>
+                              <a:rPr lang="en-US" b="0" i="1" smtClean="0">
+                                <a:latin typeface="Cambria Math" panose="02040503050406030204" pitchFamily="18" charset="0"/>
+                              </a:rPr>
+                            </m:ctrlPr>
+                          </m:sSupPr>
+                          <m:e>
+                            <m:r>
+                              <a:rPr lang="en-US" b="0" i="1" smtClean="0">
+                                <a:latin typeface="Cambria Math" panose="02040503050406030204" pitchFamily="18" charset="0"/>
+                              </a:rPr>
+                              <m:t>𝑛</m:t>
+                            </m:r>
+                          </m:e>
+                          <m:sup>
+                            <m:r>
+                              <a:rPr lang="en-US" b="0" i="1" smtClean="0">
+                                <a:latin typeface="Cambria Math" panose="02040503050406030204" pitchFamily="18" charset="0"/>
+                              </a:rPr>
+                              <m:t>3</m:t>
+                            </m:r>
+                          </m:sup>
+                        </m:sSup>
                         <m:r>
                           <a:rPr lang="en-US" b="0" i="1" smtClean="0">
                             <a:latin typeface="Cambria Math" panose="02040503050406030204" pitchFamily="18" charset="0"/>
@@ -41148,7 +42181,7 @@
             </p:txBody>
           </p:sp>
         </mc:Choice>
-        <mc:Fallback xmlns="">
+        <mc:Fallback>
           <p:sp>
             <p:nvSpPr>
               <p:cNvPr id="3" name="Объект 2"/>
@@ -41277,8 +42310,8 @@
           </a:p>
         </p:txBody>
       </p:sp>
-      <mc:AlternateContent xmlns:mc="http://schemas.openxmlformats.org/markup-compatibility/2006">
-        <mc:Choice xmlns:a14="http://schemas.microsoft.com/office/drawing/2010/main" Requires="a14">
+      <mc:AlternateContent xmlns:mc="http://schemas.openxmlformats.org/markup-compatibility/2006" xmlns:a14="http://schemas.microsoft.com/office/drawing/2010/main">
+        <mc:Choice Requires="a14">
           <p:sp>
             <p:nvSpPr>
               <p:cNvPr id="3" name="Объект 2"/>
@@ -41721,7 +42754,7 @@
             </p:txBody>
           </p:sp>
         </mc:Choice>
-        <mc:Fallback>
+        <mc:Fallback xmlns="">
           <p:sp>
             <p:nvSpPr>
               <p:cNvPr id="3" name="Объект 2"/>
